--- a/microservice-in-micro/docs/design.pptx
+++ b/microservice-in-micro/docs/design.pptx
@@ -6,6 +6,7 @@
   </p:sldMasterIdLst>
   <p:sldIdLst>
     <p:sldId id="256" r:id="rId2"/>
+    <p:sldId id="257" r:id="rId3"/>
   </p:sldIdLst>
   <p:sldSz cx="12192000" cy="6858000"/>
   <p:notesSz cx="6858000" cy="9144000"/>
@@ -4788,6 +4789,649 @@
 </p:sld>
 </file>
 
+<file path=ppt/slides/slide2.xml><?xml version="1.0" encoding="utf-8"?>
+<p:sld xmlns:a="http://schemas.openxmlformats.org/drawingml/2006/main" xmlns:r="http://schemas.openxmlformats.org/officeDocument/2006/relationships" xmlns:p="http://schemas.openxmlformats.org/presentationml/2006/main">
+  <p:cSld>
+    <p:spTree>
+      <p:nvGrpSpPr>
+        <p:cNvPr id="1" name=""/>
+        <p:cNvGrpSpPr/>
+        <p:nvPr/>
+      </p:nvGrpSpPr>
+      <p:grpSpPr>
+        <a:xfrm>
+          <a:off x="0" y="0"/>
+          <a:ext cx="0" cy="0"/>
+          <a:chOff x="0" y="0"/>
+          <a:chExt cx="0" cy="0"/>
+        </a:xfrm>
+      </p:grpSpPr>
+      <p:sp>
+        <p:nvSpPr>
+          <p:cNvPr id="4" name="Rectangle 3">
+            <a:extLst>
+              <a:ext uri="{FF2B5EF4-FFF2-40B4-BE49-F238E27FC236}">
+                <a16:creationId xmlns:a16="http://schemas.microsoft.com/office/drawing/2014/main" id="{FAF20C95-DF1D-7D40-BB0A-C1D407700F40}"/>
+              </a:ext>
+            </a:extLst>
+          </p:cNvPr>
+          <p:cNvSpPr/>
+          <p:nvPr/>
+        </p:nvSpPr>
+        <p:spPr>
+          <a:xfrm>
+            <a:off x="1637414" y="1360964"/>
+            <a:ext cx="1212112" cy="350875"/>
+          </a:xfrm>
+          <a:prstGeom prst="rect">
+            <a:avLst/>
+          </a:prstGeom>
+          <a:solidFill>
+            <a:schemeClr val="bg1"/>
+          </a:solidFill>
+        </p:spPr>
+        <p:style>
+          <a:lnRef idx="2">
+            <a:schemeClr val="accent1">
+              <a:shade val="50000"/>
+            </a:schemeClr>
+          </a:lnRef>
+          <a:fillRef idx="1">
+            <a:schemeClr val="accent1"/>
+          </a:fillRef>
+          <a:effectRef idx="0">
+            <a:schemeClr val="accent1"/>
+          </a:effectRef>
+          <a:fontRef idx="minor">
+            <a:schemeClr val="lt1"/>
+          </a:fontRef>
+        </p:style>
+        <p:txBody>
+          <a:bodyPr rtlCol="0" anchor="ctr"/>
+          <a:lstStyle/>
+          <a:p>
+            <a:pPr algn="ctr"/>
+            <a:r>
+              <a:rPr lang="en-US" altLang="zh-CN" sz="1100">
+                <a:solidFill>
+                  <a:schemeClr val="tx1"/>
+                </a:solidFill>
+              </a:rPr>
+              <a:t>application.yml</a:t>
+            </a:r>
+            <a:endParaRPr lang="en-US" sz="1100">
+              <a:solidFill>
+                <a:schemeClr val="tx1"/>
+              </a:solidFill>
+            </a:endParaRPr>
+          </a:p>
+        </p:txBody>
+      </p:sp>
+      <p:sp>
+        <p:nvSpPr>
+          <p:cNvPr id="6" name="Rectangle 5">
+            <a:extLst>
+              <a:ext uri="{FF2B5EF4-FFF2-40B4-BE49-F238E27FC236}">
+                <a16:creationId xmlns:a16="http://schemas.microsoft.com/office/drawing/2014/main" id="{45ECEC41-D39C-9648-9024-D81F5452A4A5}"/>
+              </a:ext>
+            </a:extLst>
+          </p:cNvPr>
+          <p:cNvSpPr/>
+          <p:nvPr/>
+        </p:nvSpPr>
+        <p:spPr>
+          <a:xfrm>
+            <a:off x="1633425" y="3827720"/>
+            <a:ext cx="1212112" cy="350875"/>
+          </a:xfrm>
+          <a:prstGeom prst="rect">
+            <a:avLst/>
+          </a:prstGeom>
+          <a:solidFill>
+            <a:schemeClr val="bg1"/>
+          </a:solidFill>
+        </p:spPr>
+        <p:style>
+          <a:lnRef idx="2">
+            <a:schemeClr val="accent1">
+              <a:shade val="50000"/>
+            </a:schemeClr>
+          </a:lnRef>
+          <a:fillRef idx="1">
+            <a:schemeClr val="accent1"/>
+          </a:fillRef>
+          <a:effectRef idx="0">
+            <a:schemeClr val="accent1"/>
+          </a:effectRef>
+          <a:fontRef idx="minor">
+            <a:schemeClr val="lt1"/>
+          </a:fontRef>
+        </p:style>
+        <p:txBody>
+          <a:bodyPr rot="0" spcFirstLastPara="0" vertOverflow="overflow" horzOverflow="overflow" vert="horz" wrap="square" lIns="91440" tIns="45720" rIns="91440" bIns="45720" numCol="1" spcCol="0" rtlCol="0" fromWordArt="0" anchor="ctr" anchorCtr="0" forceAA="0" compatLnSpc="1">
+            <a:prstTxWarp prst="textNoShape">
+              <a:avLst/>
+            </a:prstTxWarp>
+            <a:noAutofit/>
+          </a:bodyPr>
+          <a:lstStyle/>
+          <a:p>
+            <a:pPr algn="ctr"/>
+            <a:r>
+              <a:rPr lang="zh-CN" altLang="en-US" sz="1100">
+                <a:solidFill>
+                  <a:schemeClr val="tx1"/>
+                </a:solidFill>
+              </a:rPr>
+              <a:t>解析配置</a:t>
+            </a:r>
+            <a:endParaRPr lang="en-US" sz="1100">
+              <a:solidFill>
+                <a:schemeClr val="tx1"/>
+              </a:solidFill>
+            </a:endParaRPr>
+          </a:p>
+        </p:txBody>
+      </p:sp>
+      <p:sp>
+        <p:nvSpPr>
+          <p:cNvPr id="7" name="Rectangle 6">
+            <a:extLst>
+              <a:ext uri="{FF2B5EF4-FFF2-40B4-BE49-F238E27FC236}">
+                <a16:creationId xmlns:a16="http://schemas.microsoft.com/office/drawing/2014/main" id="{0158AD13-A88E-D14D-A083-5AE7E6205C1D}"/>
+              </a:ext>
+            </a:extLst>
+          </p:cNvPr>
+          <p:cNvSpPr/>
+          <p:nvPr/>
+        </p:nvSpPr>
+        <p:spPr>
+          <a:xfrm>
+            <a:off x="1637414" y="1977653"/>
+            <a:ext cx="1212112" cy="350875"/>
+          </a:xfrm>
+          <a:prstGeom prst="rect">
+            <a:avLst/>
+          </a:prstGeom>
+          <a:solidFill>
+            <a:schemeClr val="bg1"/>
+          </a:solidFill>
+        </p:spPr>
+        <p:style>
+          <a:lnRef idx="2">
+            <a:schemeClr val="accent1">
+              <a:shade val="50000"/>
+            </a:schemeClr>
+          </a:lnRef>
+          <a:fillRef idx="1">
+            <a:schemeClr val="accent1"/>
+          </a:fillRef>
+          <a:effectRef idx="0">
+            <a:schemeClr val="accent1"/>
+          </a:effectRef>
+          <a:fontRef idx="minor">
+            <a:schemeClr val="lt1"/>
+          </a:fontRef>
+        </p:style>
+        <p:txBody>
+          <a:bodyPr rot="0" spcFirstLastPara="0" vertOverflow="overflow" horzOverflow="overflow" vert="horz" wrap="square" lIns="91440" tIns="45720" rIns="91440" bIns="45720" numCol="1" spcCol="0" rtlCol="0" fromWordArt="0" anchor="ctr" anchorCtr="0" forceAA="0" compatLnSpc="1">
+            <a:prstTxWarp prst="textNoShape">
+              <a:avLst/>
+            </a:prstTxWarp>
+            <a:noAutofit/>
+          </a:bodyPr>
+          <a:lstStyle/>
+          <a:p>
+            <a:pPr algn="ctr"/>
+            <a:r>
+              <a:rPr lang="zh-CN" altLang="en-US" sz="1100">
+                <a:solidFill>
+                  <a:schemeClr val="tx1"/>
+                </a:solidFill>
+              </a:rPr>
+              <a:t>解析</a:t>
+            </a:r>
+            <a:r>
+              <a:rPr lang="en-US" altLang="zh-CN" sz="1100">
+                <a:solidFill>
+                  <a:schemeClr val="tx1"/>
+                </a:solidFill>
+              </a:rPr>
+              <a:t>profiles</a:t>
+            </a:r>
+            <a:r>
+              <a:rPr lang="zh-CN" altLang="en-US" sz="1100">
+                <a:solidFill>
+                  <a:schemeClr val="tx1"/>
+                </a:solidFill>
+              </a:rPr>
+              <a:t>属性 </a:t>
+            </a:r>
+            <a:endParaRPr lang="en-US" sz="1100">
+              <a:solidFill>
+                <a:schemeClr val="tx1"/>
+              </a:solidFill>
+            </a:endParaRPr>
+          </a:p>
+        </p:txBody>
+      </p:sp>
+      <p:sp>
+        <p:nvSpPr>
+          <p:cNvPr id="8" name="Rectangle 7">
+            <a:extLst>
+              <a:ext uri="{FF2B5EF4-FFF2-40B4-BE49-F238E27FC236}">
+                <a16:creationId xmlns:a16="http://schemas.microsoft.com/office/drawing/2014/main" id="{856B3E54-3B35-2245-B447-1F7F55CA4C4C}"/>
+              </a:ext>
+            </a:extLst>
+          </p:cNvPr>
+          <p:cNvSpPr/>
+          <p:nvPr/>
+        </p:nvSpPr>
+        <p:spPr>
+          <a:xfrm>
+            <a:off x="1637414" y="3211031"/>
+            <a:ext cx="1212112" cy="350875"/>
+          </a:xfrm>
+          <a:prstGeom prst="rect">
+            <a:avLst/>
+          </a:prstGeom>
+          <a:solidFill>
+            <a:schemeClr val="bg1"/>
+          </a:solidFill>
+        </p:spPr>
+        <p:style>
+          <a:lnRef idx="2">
+            <a:schemeClr val="accent1">
+              <a:shade val="50000"/>
+            </a:schemeClr>
+          </a:lnRef>
+          <a:fillRef idx="1">
+            <a:schemeClr val="accent1"/>
+          </a:fillRef>
+          <a:effectRef idx="0">
+            <a:schemeClr val="accent1"/>
+          </a:effectRef>
+          <a:fontRef idx="minor">
+            <a:schemeClr val="lt1"/>
+          </a:fontRef>
+        </p:style>
+        <p:txBody>
+          <a:bodyPr rot="0" spcFirstLastPara="0" vertOverflow="overflow" horzOverflow="overflow" vert="horz" wrap="square" lIns="91440" tIns="45720" rIns="91440" bIns="45720" numCol="1" spcCol="0" rtlCol="0" fromWordArt="0" anchor="ctr" anchorCtr="0" forceAA="0" compatLnSpc="1">
+            <a:prstTxWarp prst="textNoShape">
+              <a:avLst/>
+            </a:prstTxWarp>
+            <a:noAutofit/>
+          </a:bodyPr>
+          <a:lstStyle/>
+          <a:p>
+            <a:pPr algn="ctr"/>
+            <a:r>
+              <a:rPr lang="zh-CN" altLang="en-US" sz="1100">
+                <a:solidFill>
+                  <a:schemeClr val="tx1"/>
+                </a:solidFill>
+              </a:rPr>
+              <a:t>读取</a:t>
+            </a:r>
+            <a:r>
+              <a:rPr lang="en-US" altLang="zh-CN" sz="1100">
+                <a:solidFill>
+                  <a:schemeClr val="tx1"/>
+                </a:solidFill>
+              </a:rPr>
+              <a:t>include</a:t>
+            </a:r>
+            <a:r>
+              <a:rPr lang="zh-CN" altLang="en-US" sz="1100">
+                <a:solidFill>
+                  <a:schemeClr val="tx1"/>
+                </a:solidFill>
+              </a:rPr>
+              <a:t>声明文件</a:t>
+            </a:r>
+            <a:endParaRPr lang="en-US" sz="1100">
+              <a:solidFill>
+                <a:schemeClr val="tx1"/>
+              </a:solidFill>
+            </a:endParaRPr>
+          </a:p>
+        </p:txBody>
+      </p:sp>
+      <p:sp>
+        <p:nvSpPr>
+          <p:cNvPr id="9" name="Rectangle 8">
+            <a:extLst>
+              <a:ext uri="{FF2B5EF4-FFF2-40B4-BE49-F238E27FC236}">
+                <a16:creationId xmlns:a16="http://schemas.microsoft.com/office/drawing/2014/main" id="{058FD481-B2DD-B840-B8DC-A2C92F13B5B7}"/>
+              </a:ext>
+            </a:extLst>
+          </p:cNvPr>
+          <p:cNvSpPr/>
+          <p:nvPr/>
+        </p:nvSpPr>
+        <p:spPr>
+          <a:xfrm>
+            <a:off x="1637414" y="2594342"/>
+            <a:ext cx="1212112" cy="350875"/>
+          </a:xfrm>
+          <a:prstGeom prst="rect">
+            <a:avLst/>
+          </a:prstGeom>
+          <a:solidFill>
+            <a:schemeClr val="bg1"/>
+          </a:solidFill>
+        </p:spPr>
+        <p:style>
+          <a:lnRef idx="2">
+            <a:schemeClr val="accent1">
+              <a:shade val="50000"/>
+            </a:schemeClr>
+          </a:lnRef>
+          <a:fillRef idx="1">
+            <a:schemeClr val="accent1"/>
+          </a:fillRef>
+          <a:effectRef idx="0">
+            <a:schemeClr val="accent1"/>
+          </a:effectRef>
+          <a:fontRef idx="minor">
+            <a:schemeClr val="lt1"/>
+          </a:fontRef>
+        </p:style>
+        <p:txBody>
+          <a:bodyPr rot="0" spcFirstLastPara="0" vertOverflow="overflow" horzOverflow="overflow" vert="horz" wrap="square" lIns="91440" tIns="45720" rIns="91440" bIns="45720" numCol="1" spcCol="0" rtlCol="0" fromWordArt="0" anchor="ctr" anchorCtr="0" forceAA="0" compatLnSpc="1">
+            <a:prstTxWarp prst="textNoShape">
+              <a:avLst/>
+            </a:prstTxWarp>
+            <a:noAutofit/>
+          </a:bodyPr>
+          <a:lstStyle/>
+          <a:p>
+            <a:pPr algn="ctr"/>
+            <a:r>
+              <a:rPr lang="zh-CN" altLang="en-US" sz="1100">
+                <a:solidFill>
+                  <a:schemeClr val="tx1"/>
+                </a:solidFill>
+              </a:rPr>
+              <a:t>加载</a:t>
+            </a:r>
+            <a:r>
+              <a:rPr lang="en-US" altLang="zh-CN" sz="1100">
+                <a:solidFill>
+                  <a:schemeClr val="tx1"/>
+                </a:solidFill>
+              </a:rPr>
+              <a:t>include</a:t>
+            </a:r>
+            <a:r>
+              <a:rPr lang="zh-CN" altLang="en-US" sz="1100">
+                <a:solidFill>
+                  <a:schemeClr val="tx1"/>
+                </a:solidFill>
+              </a:rPr>
+              <a:t>指令</a:t>
+            </a:r>
+            <a:endParaRPr lang="en-US" sz="1100">
+              <a:solidFill>
+                <a:schemeClr val="tx1"/>
+              </a:solidFill>
+            </a:endParaRPr>
+          </a:p>
+        </p:txBody>
+      </p:sp>
+      <p:sp>
+        <p:nvSpPr>
+          <p:cNvPr id="11" name="TextBox 10">
+            <a:extLst>
+              <a:ext uri="{FF2B5EF4-FFF2-40B4-BE49-F238E27FC236}">
+                <a16:creationId xmlns:a16="http://schemas.microsoft.com/office/drawing/2014/main" id="{AD46E9A6-5846-8A4B-BAF4-11AC66EF626A}"/>
+              </a:ext>
+            </a:extLst>
+          </p:cNvPr>
+          <p:cNvSpPr txBox="1"/>
+          <p:nvPr/>
+        </p:nvSpPr>
+        <p:spPr>
+          <a:xfrm>
+            <a:off x="3359888" y="1360964"/>
+            <a:ext cx="3530010" cy="276999"/>
+          </a:xfrm>
+          <a:prstGeom prst="rect">
+            <a:avLst/>
+          </a:prstGeom>
+          <a:noFill/>
+        </p:spPr>
+        <p:txBody>
+          <a:bodyPr wrap="square" rtlCol="0">
+            <a:spAutoFit/>
+          </a:bodyPr>
+          <a:lstStyle/>
+          <a:p>
+            <a:r>
+              <a:rPr lang="zh-CN" altLang="en-US" sz="1200"/>
+              <a:t>读取</a:t>
+            </a:r>
+            <a:r>
+              <a:rPr lang="en-US" altLang="zh-CN" sz="1200"/>
+              <a:t>conf</a:t>
+            </a:r>
+            <a:r>
+              <a:rPr lang="zh-CN" altLang="en-US" sz="1200"/>
+              <a:t>目录下</a:t>
+            </a:r>
+            <a:r>
+              <a:rPr lang="en-US" altLang="zh-CN" sz="1200"/>
+              <a:t>application.yml</a:t>
+            </a:r>
+            <a:r>
+              <a:rPr lang="zh-CN" altLang="en-US" sz="1200"/>
+              <a:t>文件</a:t>
+            </a:r>
+            <a:endParaRPr lang="en-US" sz="1200"/>
+          </a:p>
+        </p:txBody>
+      </p:sp>
+      <p:sp>
+        <p:nvSpPr>
+          <p:cNvPr id="12" name="TextBox 11">
+            <a:extLst>
+              <a:ext uri="{FF2B5EF4-FFF2-40B4-BE49-F238E27FC236}">
+                <a16:creationId xmlns:a16="http://schemas.microsoft.com/office/drawing/2014/main" id="{30256124-4542-CF40-B763-03BAF0AD3E3D}"/>
+              </a:ext>
+            </a:extLst>
+          </p:cNvPr>
+          <p:cNvSpPr txBox="1"/>
+          <p:nvPr/>
+        </p:nvSpPr>
+        <p:spPr>
+          <a:xfrm>
+            <a:off x="3359888" y="2014590"/>
+            <a:ext cx="5355134" cy="276999"/>
+          </a:xfrm>
+          <a:prstGeom prst="rect">
+            <a:avLst/>
+          </a:prstGeom>
+          <a:noFill/>
+        </p:spPr>
+        <p:txBody>
+          <a:bodyPr wrap="square" rtlCol="0">
+            <a:spAutoFit/>
+          </a:bodyPr>
+          <a:lstStyle/>
+          <a:p>
+            <a:r>
+              <a:rPr lang="zh-CN" altLang="en-US" sz="1200"/>
+              <a:t>如果有该属性则找到</a:t>
+            </a:r>
+            <a:r>
+              <a:rPr lang="en-US" altLang="zh-CN" sz="1200"/>
+              <a:t>include</a:t>
+            </a:r>
+            <a:r>
+              <a:rPr lang="zh-CN" altLang="en-US" sz="1200"/>
+              <a:t>值，该值就是指定需要引入的</a:t>
+            </a:r>
+            <a:r>
+              <a:rPr lang="en-US" altLang="zh-CN" sz="1200"/>
+              <a:t>conf</a:t>
+            </a:r>
+            <a:r>
+              <a:rPr lang="zh-CN" altLang="en-US" sz="1200"/>
+              <a:t>下的配置文件</a:t>
+            </a:r>
+            <a:endParaRPr lang="en-US" sz="1200"/>
+          </a:p>
+        </p:txBody>
+      </p:sp>
+      <p:sp>
+        <p:nvSpPr>
+          <p:cNvPr id="14" name="TextBox 13">
+            <a:extLst>
+              <a:ext uri="{FF2B5EF4-FFF2-40B4-BE49-F238E27FC236}">
+                <a16:creationId xmlns:a16="http://schemas.microsoft.com/office/drawing/2014/main" id="{8D571270-27C5-8D43-9E57-F411E448710B}"/>
+              </a:ext>
+            </a:extLst>
+          </p:cNvPr>
+          <p:cNvSpPr txBox="1"/>
+          <p:nvPr/>
+        </p:nvSpPr>
+        <p:spPr>
+          <a:xfrm>
+            <a:off x="3359888" y="2631279"/>
+            <a:ext cx="5355134" cy="276999"/>
+          </a:xfrm>
+          <a:prstGeom prst="rect">
+            <a:avLst/>
+          </a:prstGeom>
+          <a:noFill/>
+        </p:spPr>
+        <p:txBody>
+          <a:bodyPr wrap="square" rtlCol="0">
+            <a:spAutoFit/>
+          </a:bodyPr>
+          <a:lstStyle/>
+          <a:p>
+            <a:r>
+              <a:rPr lang="zh-CN" altLang="en-US" sz="1200"/>
+              <a:t>加载指令</a:t>
+            </a:r>
+            <a:r>
+              <a:rPr lang="en-US" altLang="zh-CN" sz="1200"/>
+              <a:t>【</a:t>
+            </a:r>
+            <a:r>
+              <a:rPr lang="zh-CN" altLang="en-US" sz="1200"/>
+              <a:t>值</a:t>
+            </a:r>
+            <a:r>
+              <a:rPr lang="en-US" altLang="zh-CN" sz="1200"/>
+              <a:t>】</a:t>
+            </a:r>
+            <a:r>
+              <a:rPr lang="zh-CN" altLang="en-US" sz="1200"/>
+              <a:t>声明的文件，文件名规则为</a:t>
+            </a:r>
+            <a:r>
+              <a:rPr lang="en-US" altLang="zh-CN" sz="1200"/>
+              <a:t>[application-</a:t>
+            </a:r>
+            <a:r>
+              <a:rPr lang="zh-CN" altLang="en-US" sz="1200"/>
+              <a:t>值</a:t>
+            </a:r>
+            <a:r>
+              <a:rPr lang="en-US" altLang="zh-CN" sz="1200"/>
+              <a:t>.yml]</a:t>
+            </a:r>
+            <a:endParaRPr lang="en-US" sz="1200"/>
+          </a:p>
+        </p:txBody>
+      </p:sp>
+      <p:sp>
+        <p:nvSpPr>
+          <p:cNvPr id="15" name="TextBox 14">
+            <a:extLst>
+              <a:ext uri="{FF2B5EF4-FFF2-40B4-BE49-F238E27FC236}">
+                <a16:creationId xmlns:a16="http://schemas.microsoft.com/office/drawing/2014/main" id="{02A4200F-E27E-8649-B940-8B655860AA83}"/>
+              </a:ext>
+            </a:extLst>
+          </p:cNvPr>
+          <p:cNvSpPr txBox="1"/>
+          <p:nvPr/>
+        </p:nvSpPr>
+        <p:spPr>
+          <a:xfrm>
+            <a:off x="3359888" y="3284907"/>
+            <a:ext cx="5355134" cy="276999"/>
+          </a:xfrm>
+          <a:prstGeom prst="rect">
+            <a:avLst/>
+          </a:prstGeom>
+          <a:noFill/>
+        </p:spPr>
+        <p:txBody>
+          <a:bodyPr wrap="square" rtlCol="0">
+            <a:spAutoFit/>
+          </a:bodyPr>
+          <a:lstStyle/>
+          <a:p>
+            <a:r>
+              <a:rPr lang="zh-CN" altLang="en-US" sz="1200"/>
+              <a:t>读取配置文件值</a:t>
+            </a:r>
+            <a:endParaRPr lang="en-US" sz="1200"/>
+          </a:p>
+        </p:txBody>
+      </p:sp>
+      <p:sp>
+        <p:nvSpPr>
+          <p:cNvPr id="16" name="TextBox 15">
+            <a:extLst>
+              <a:ext uri="{FF2B5EF4-FFF2-40B4-BE49-F238E27FC236}">
+                <a16:creationId xmlns:a16="http://schemas.microsoft.com/office/drawing/2014/main" id="{F8736BB0-CB11-E94E-9344-9F7413EAECAD}"/>
+              </a:ext>
+            </a:extLst>
+          </p:cNvPr>
+          <p:cNvSpPr txBox="1"/>
+          <p:nvPr/>
+        </p:nvSpPr>
+        <p:spPr>
+          <a:xfrm>
+            <a:off x="3359888" y="3848160"/>
+            <a:ext cx="5355134" cy="276999"/>
+          </a:xfrm>
+          <a:prstGeom prst="rect">
+            <a:avLst/>
+          </a:prstGeom>
+          <a:noFill/>
+        </p:spPr>
+        <p:txBody>
+          <a:bodyPr wrap="square" rtlCol="0">
+            <a:spAutoFit/>
+          </a:bodyPr>
+          <a:lstStyle/>
+          <a:p>
+            <a:r>
+              <a:rPr lang="zh-CN" altLang="en-US" sz="1200"/>
+              <a:t>将配置文件中的值解析到配置对象中</a:t>
+            </a:r>
+            <a:endParaRPr lang="en-US" sz="1200"/>
+          </a:p>
+        </p:txBody>
+      </p:sp>
+    </p:spTree>
+    <p:extLst>
+      <p:ext uri="{BB962C8B-B14F-4D97-AF65-F5344CB8AC3E}">
+        <p14:creationId xmlns:p14="http://schemas.microsoft.com/office/powerpoint/2010/main" val="346555501"/>
+      </p:ext>
+    </p:extLst>
+  </p:cSld>
+  <p:clrMapOvr>
+    <a:masterClrMapping/>
+  </p:clrMapOvr>
+</p:sld>
+</file>
+
 <file path=ppt/theme/theme1.xml><?xml version="1.0" encoding="utf-8"?>
 <a:theme xmlns:a="http://schemas.openxmlformats.org/drawingml/2006/main" name="Office Theme">
   <a:themeElements>

--- a/microservice-in-micro/docs/design.pptx
+++ b/microservice-in-micro/docs/design.pptx
@@ -6,7 +6,8 @@
   </p:sldMasterIdLst>
   <p:sldIdLst>
     <p:sldId id="256" r:id="rId2"/>
-    <p:sldId id="257" r:id="rId3"/>
+    <p:sldId id="258" r:id="rId3"/>
+    <p:sldId id="259" r:id="rId4"/>
   </p:sldIdLst>
   <p:sldSz cx="12192000" cy="6858000"/>
   <p:notesSz cx="6858000" cy="9144000"/>
@@ -4808,10 +4809,10 @@
       </p:grpSpPr>
       <p:sp>
         <p:nvSpPr>
-          <p:cNvPr id="4" name="Rectangle 3">
-            <a:extLst>
-              <a:ext uri="{FF2B5EF4-FFF2-40B4-BE49-F238E27FC236}">
-                <a16:creationId xmlns:a16="http://schemas.microsoft.com/office/drawing/2014/main" id="{FAF20C95-DF1D-7D40-BB0A-C1D407700F40}"/>
+          <p:cNvPr id="4" name="Rounded Rectangle 3">
+            <a:extLst>
+              <a:ext uri="{FF2B5EF4-FFF2-40B4-BE49-F238E27FC236}">
+                <a16:creationId xmlns:a16="http://schemas.microsoft.com/office/drawing/2014/main" id="{A88C9C0A-D587-2844-A4BD-196F12E322FC}"/>
               </a:ext>
             </a:extLst>
           </p:cNvPr>
@@ -4820,15 +4821,20 @@
         </p:nvSpPr>
         <p:spPr>
           <a:xfrm>
-            <a:off x="1637414" y="1360964"/>
-            <a:ext cx="1212112" cy="350875"/>
-          </a:xfrm>
-          <a:prstGeom prst="rect">
+            <a:off x="1782763" y="2604998"/>
+            <a:ext cx="7643812" cy="1360578"/>
+          </a:xfrm>
+          <a:prstGeom prst="roundRect">
             <a:avLst/>
           </a:prstGeom>
           <a:solidFill>
             <a:schemeClr val="bg1"/>
           </a:solidFill>
+          <a:ln>
+            <a:solidFill>
+              <a:schemeClr val="tx1"/>
+            </a:solidFill>
+          </a:ln>
         </p:spPr>
         <p:style>
           <a:lnRef idx="2">
@@ -4851,15 +4857,7 @@
           <a:lstStyle/>
           <a:p>
             <a:pPr algn="ctr"/>
-            <a:r>
-              <a:rPr lang="en-US" altLang="zh-CN" sz="1100">
-                <a:solidFill>
-                  <a:schemeClr val="tx1"/>
-                </a:solidFill>
-              </a:rPr>
-              <a:t>application.yml</a:t>
-            </a:r>
-            <a:endParaRPr lang="en-US" sz="1100">
+            <a:endParaRPr lang="en-US" sz="1600">
               <a:solidFill>
                 <a:schemeClr val="tx1"/>
               </a:solidFill>
@@ -4869,10 +4867,10 @@
       </p:sp>
       <p:sp>
         <p:nvSpPr>
-          <p:cNvPr id="6" name="Rectangle 5">
-            <a:extLst>
-              <a:ext uri="{FF2B5EF4-FFF2-40B4-BE49-F238E27FC236}">
-                <a16:creationId xmlns:a16="http://schemas.microsoft.com/office/drawing/2014/main" id="{45ECEC41-D39C-9648-9024-D81F5452A4A5}"/>
+          <p:cNvPr id="5" name="Oval 4">
+            <a:extLst>
+              <a:ext uri="{FF2B5EF4-FFF2-40B4-BE49-F238E27FC236}">
+                <a16:creationId xmlns:a16="http://schemas.microsoft.com/office/drawing/2014/main" id="{D7D02241-5F95-2548-80FC-945D4019D8F2}"/>
               </a:ext>
             </a:extLst>
           </p:cNvPr>
@@ -4881,10 +4879,10 @@
         </p:nvSpPr>
         <p:spPr>
           <a:xfrm>
-            <a:off x="1633425" y="3827720"/>
-            <a:ext cx="1212112" cy="350875"/>
-          </a:xfrm>
-          <a:prstGeom prst="rect">
+            <a:off x="2575384" y="2709408"/>
+            <a:ext cx="360611" cy="375444"/>
+          </a:xfrm>
+          <a:prstGeom prst="ellipse">
             <a:avLst/>
           </a:prstGeom>
           <a:solidFill>
@@ -4908,24 +4906,11 @@
           </a:fontRef>
         </p:style>
         <p:txBody>
-          <a:bodyPr rot="0" spcFirstLastPara="0" vertOverflow="overflow" horzOverflow="overflow" vert="horz" wrap="square" lIns="91440" tIns="45720" rIns="91440" bIns="45720" numCol="1" spcCol="0" rtlCol="0" fromWordArt="0" anchor="ctr" anchorCtr="0" forceAA="0" compatLnSpc="1">
-            <a:prstTxWarp prst="textNoShape">
-              <a:avLst/>
-            </a:prstTxWarp>
-            <a:noAutofit/>
-          </a:bodyPr>
+          <a:bodyPr rtlCol="0" anchor="ctr"/>
           <a:lstStyle/>
           <a:p>
             <a:pPr algn="ctr"/>
-            <a:r>
-              <a:rPr lang="zh-CN" altLang="en-US" sz="1100">
-                <a:solidFill>
-                  <a:schemeClr val="tx1"/>
-                </a:solidFill>
-              </a:rPr>
-              <a:t>解析配置</a:t>
-            </a:r>
-            <a:endParaRPr lang="en-US" sz="1100">
+            <a:endParaRPr lang="en-US" sz="1600" dirty="0">
               <a:solidFill>
                 <a:schemeClr val="tx1"/>
               </a:solidFill>
@@ -4935,10 +4920,51 @@
       </p:sp>
       <p:sp>
         <p:nvSpPr>
-          <p:cNvPr id="7" name="Rectangle 6">
-            <a:extLst>
-              <a:ext uri="{FF2B5EF4-FFF2-40B4-BE49-F238E27FC236}">
-                <a16:creationId xmlns:a16="http://schemas.microsoft.com/office/drawing/2014/main" id="{0158AD13-A88E-D14D-A083-5AE7E6205C1D}"/>
+          <p:cNvPr id="9" name="TextBox 8">
+            <a:extLst>
+              <a:ext uri="{FF2B5EF4-FFF2-40B4-BE49-F238E27FC236}">
+                <a16:creationId xmlns:a16="http://schemas.microsoft.com/office/drawing/2014/main" id="{2894DEC5-60A7-AD42-BB09-5A6FBABD558E}"/>
+              </a:ext>
+            </a:extLst>
+          </p:cNvPr>
+          <p:cNvSpPr txBox="1"/>
+          <p:nvPr/>
+        </p:nvSpPr>
+        <p:spPr>
+          <a:xfrm>
+            <a:off x="2786821" y="2757489"/>
+            <a:ext cx="1164664" cy="338554"/>
+          </a:xfrm>
+          <a:prstGeom prst="rect">
+            <a:avLst/>
+          </a:prstGeom>
+          <a:noFill/>
+        </p:spPr>
+        <p:txBody>
+          <a:bodyPr wrap="square" rtlCol="0">
+            <a:spAutoFit/>
+          </a:bodyPr>
+          <a:lstStyle/>
+          <a:p>
+            <a:pPr algn="ctr"/>
+            <a:r>
+              <a:rPr lang="en-US" sz="1600"/>
+              <a:t>user</a:t>
+            </a:r>
+            <a:r>
+              <a:rPr lang="en-US" altLang="zh-CN" sz="1600"/>
+              <a:t>s-web</a:t>
+            </a:r>
+            <a:endParaRPr lang="en-US" sz="1600" dirty="0"/>
+          </a:p>
+        </p:txBody>
+      </p:sp>
+      <p:sp>
+        <p:nvSpPr>
+          <p:cNvPr id="16" name="Rounded Rectangle 15">
+            <a:extLst>
+              <a:ext uri="{FF2B5EF4-FFF2-40B4-BE49-F238E27FC236}">
+                <a16:creationId xmlns:a16="http://schemas.microsoft.com/office/drawing/2014/main" id="{AD17F8E4-B471-7D48-90FF-F5A25807ACE4}"/>
               </a:ext>
             </a:extLst>
           </p:cNvPr>
@@ -4947,15 +4973,20 @@
         </p:nvSpPr>
         <p:spPr>
           <a:xfrm>
-            <a:off x="1637414" y="1977653"/>
-            <a:ext cx="1212112" cy="350875"/>
-          </a:xfrm>
-          <a:prstGeom prst="rect">
+            <a:off x="1782763" y="1765248"/>
+            <a:ext cx="7643812" cy="683658"/>
+          </a:xfrm>
+          <a:prstGeom prst="roundRect">
             <a:avLst/>
           </a:prstGeom>
           <a:solidFill>
             <a:schemeClr val="bg1"/>
           </a:solidFill>
+          <a:ln>
+            <a:solidFill>
+              <a:schemeClr val="tx1"/>
+            </a:solidFill>
+          </a:ln>
         </p:spPr>
         <p:style>
           <a:lnRef idx="2">
@@ -4974,40 +5005,11 @@
           </a:fontRef>
         </p:style>
         <p:txBody>
-          <a:bodyPr rot="0" spcFirstLastPara="0" vertOverflow="overflow" horzOverflow="overflow" vert="horz" wrap="square" lIns="91440" tIns="45720" rIns="91440" bIns="45720" numCol="1" spcCol="0" rtlCol="0" fromWordArt="0" anchor="ctr" anchorCtr="0" forceAA="0" compatLnSpc="1">
-            <a:prstTxWarp prst="textNoShape">
-              <a:avLst/>
-            </a:prstTxWarp>
-            <a:noAutofit/>
-          </a:bodyPr>
+          <a:bodyPr rtlCol="0" anchor="ctr"/>
           <a:lstStyle/>
           <a:p>
             <a:pPr algn="ctr"/>
-            <a:r>
-              <a:rPr lang="zh-CN" altLang="en-US" sz="1100">
-                <a:solidFill>
-                  <a:schemeClr val="tx1"/>
-                </a:solidFill>
-              </a:rPr>
-              <a:t>解析</a:t>
-            </a:r>
-            <a:r>
-              <a:rPr lang="en-US" altLang="zh-CN" sz="1100">
-                <a:solidFill>
-                  <a:schemeClr val="tx1"/>
-                </a:solidFill>
-              </a:rPr>
-              <a:t>profiles</a:t>
-            </a:r>
-            <a:r>
-              <a:rPr lang="zh-CN" altLang="en-US" sz="1100">
-                <a:solidFill>
-                  <a:schemeClr val="tx1"/>
-                </a:solidFill>
-              </a:rPr>
-              <a:t>属性 </a:t>
-            </a:r>
-            <a:endParaRPr lang="en-US" sz="1100">
+            <a:endParaRPr lang="en-US" sz="1600">
               <a:solidFill>
                 <a:schemeClr val="tx1"/>
               </a:solidFill>
@@ -5017,10 +5019,10 @@
       </p:sp>
       <p:sp>
         <p:nvSpPr>
-          <p:cNvPr id="8" name="Rectangle 7">
-            <a:extLst>
-              <a:ext uri="{FF2B5EF4-FFF2-40B4-BE49-F238E27FC236}">
-                <a16:creationId xmlns:a16="http://schemas.microsoft.com/office/drawing/2014/main" id="{856B3E54-3B35-2245-B447-1F7F55CA4C4C}"/>
+          <p:cNvPr id="18" name="Rounded Rectangle 17">
+            <a:extLst>
+              <a:ext uri="{FF2B5EF4-FFF2-40B4-BE49-F238E27FC236}">
+                <a16:creationId xmlns:a16="http://schemas.microsoft.com/office/drawing/2014/main" id="{1F81A9D7-348F-384D-A6EB-3BED55660D39}"/>
               </a:ext>
             </a:extLst>
           </p:cNvPr>
@@ -5029,15 +5031,20 @@
         </p:nvSpPr>
         <p:spPr>
           <a:xfrm>
-            <a:off x="1637414" y="3211031"/>
-            <a:ext cx="1212112" cy="350875"/>
-          </a:xfrm>
-          <a:prstGeom prst="rect">
+            <a:off x="4949403" y="1921339"/>
+            <a:ext cx="1310531" cy="371475"/>
+          </a:xfrm>
+          <a:prstGeom prst="roundRect">
             <a:avLst/>
           </a:prstGeom>
           <a:solidFill>
             <a:schemeClr val="bg1"/>
           </a:solidFill>
+          <a:ln>
+            <a:solidFill>
+              <a:schemeClr val="tx1"/>
+            </a:solidFill>
+          </a:ln>
         </p:spPr>
         <p:style>
           <a:lnRef idx="2">
@@ -5056,53 +5063,27 @@
           </a:fontRef>
         </p:style>
         <p:txBody>
-          <a:bodyPr rot="0" spcFirstLastPara="0" vertOverflow="overflow" horzOverflow="overflow" vert="horz" wrap="square" lIns="91440" tIns="45720" rIns="91440" bIns="45720" numCol="1" spcCol="0" rtlCol="0" fromWordArt="0" anchor="ctr" anchorCtr="0" forceAA="0" compatLnSpc="1">
-            <a:prstTxWarp prst="textNoShape">
-              <a:avLst/>
-            </a:prstTxWarp>
-            <a:noAutofit/>
-          </a:bodyPr>
+          <a:bodyPr rtlCol="0" anchor="ctr"/>
           <a:lstStyle/>
           <a:p>
             <a:pPr algn="ctr"/>
             <a:r>
-              <a:rPr lang="zh-CN" altLang="en-US" sz="1100">
+              <a:rPr lang="en-US" sz="1600" dirty="0">
                 <a:solidFill>
                   <a:schemeClr val="tx1"/>
                 </a:solidFill>
               </a:rPr>
-              <a:t>读取</a:t>
-            </a:r>
-            <a:r>
-              <a:rPr lang="en-US" altLang="zh-CN" sz="1100">
-                <a:solidFill>
-                  <a:schemeClr val="tx1"/>
-                </a:solidFill>
-              </a:rPr>
-              <a:t>include</a:t>
-            </a:r>
-            <a:r>
-              <a:rPr lang="zh-CN" altLang="en-US" sz="1100">
-                <a:solidFill>
-                  <a:schemeClr val="tx1"/>
-                </a:solidFill>
-              </a:rPr>
-              <a:t>声明文件</a:t>
-            </a:r>
-            <a:endParaRPr lang="en-US" sz="1100">
-              <a:solidFill>
-                <a:schemeClr val="tx1"/>
-              </a:solidFill>
-            </a:endParaRPr>
-          </a:p>
-        </p:txBody>
-      </p:sp>
-      <p:sp>
-        <p:nvSpPr>
-          <p:cNvPr id="9" name="Rectangle 8">
-            <a:extLst>
-              <a:ext uri="{FF2B5EF4-FFF2-40B4-BE49-F238E27FC236}">
-                <a16:creationId xmlns:a16="http://schemas.microsoft.com/office/drawing/2014/main" id="{058FD481-B2DD-B840-B8DC-A2C92F13B5B7}"/>
+              <a:t>API</a:t>
+            </a:r>
+          </a:p>
+        </p:txBody>
+      </p:sp>
+      <p:sp>
+        <p:nvSpPr>
+          <p:cNvPr id="22" name="Rounded Rectangle 21">
+            <a:extLst>
+              <a:ext uri="{FF2B5EF4-FFF2-40B4-BE49-F238E27FC236}">
+                <a16:creationId xmlns:a16="http://schemas.microsoft.com/office/drawing/2014/main" id="{08CB58ED-72BC-8B43-B14A-D8E57F2809CE}"/>
               </a:ext>
             </a:extLst>
           </p:cNvPr>
@@ -5111,15 +5092,20 @@
         </p:nvSpPr>
         <p:spPr>
           <a:xfrm>
-            <a:off x="1637414" y="2594342"/>
-            <a:ext cx="1212112" cy="350875"/>
-          </a:xfrm>
-          <a:prstGeom prst="rect">
+            <a:off x="1782762" y="4237034"/>
+            <a:ext cx="7643812" cy="683658"/>
+          </a:xfrm>
+          <a:prstGeom prst="roundRect">
             <a:avLst/>
           </a:prstGeom>
           <a:solidFill>
             <a:schemeClr val="bg1"/>
           </a:solidFill>
+          <a:ln>
+            <a:solidFill>
+              <a:schemeClr val="tx1"/>
+            </a:solidFill>
+          </a:ln>
         </p:spPr>
         <p:style>
           <a:lnRef idx="2">
@@ -5138,40 +5124,369 @@
           </a:fontRef>
         </p:style>
         <p:txBody>
-          <a:bodyPr rot="0" spcFirstLastPara="0" vertOverflow="overflow" horzOverflow="overflow" vert="horz" wrap="square" lIns="91440" tIns="45720" rIns="91440" bIns="45720" numCol="1" spcCol="0" rtlCol="0" fromWordArt="0" anchor="ctr" anchorCtr="0" forceAA="0" compatLnSpc="1">
-            <a:prstTxWarp prst="textNoShape">
-              <a:avLst/>
-            </a:prstTxWarp>
-            <a:noAutofit/>
-          </a:bodyPr>
+          <a:bodyPr rtlCol="0" anchor="ctr"/>
           <a:lstStyle/>
           <a:p>
             <a:pPr algn="ctr"/>
-            <a:r>
-              <a:rPr lang="zh-CN" altLang="en-US" sz="1100">
+            <a:endParaRPr lang="en-US" sz="1600">
+              <a:solidFill>
+                <a:schemeClr val="tx1"/>
+              </a:solidFill>
+            </a:endParaRPr>
+          </a:p>
+        </p:txBody>
+      </p:sp>
+      <p:sp>
+        <p:nvSpPr>
+          <p:cNvPr id="23" name="Rounded Rectangle 22">
+            <a:extLst>
+              <a:ext uri="{FF2B5EF4-FFF2-40B4-BE49-F238E27FC236}">
+                <a16:creationId xmlns:a16="http://schemas.microsoft.com/office/drawing/2014/main" id="{40239188-4730-7040-BF13-124CB21999A4}"/>
+              </a:ext>
+            </a:extLst>
+          </p:cNvPr>
+          <p:cNvSpPr/>
+          <p:nvPr/>
+        </p:nvSpPr>
+        <p:spPr>
+          <a:xfrm>
+            <a:off x="2181648" y="4393125"/>
+            <a:ext cx="934182" cy="371475"/>
+          </a:xfrm>
+          <a:prstGeom prst="roundRect">
+            <a:avLst/>
+          </a:prstGeom>
+          <a:solidFill>
+            <a:schemeClr val="bg1"/>
+          </a:solidFill>
+          <a:ln>
+            <a:solidFill>
+              <a:schemeClr val="tx1"/>
+            </a:solidFill>
+          </a:ln>
+        </p:spPr>
+        <p:style>
+          <a:lnRef idx="2">
+            <a:schemeClr val="accent1">
+              <a:shade val="50000"/>
+            </a:schemeClr>
+          </a:lnRef>
+          <a:fillRef idx="1">
+            <a:schemeClr val="accent1"/>
+          </a:fillRef>
+          <a:effectRef idx="0">
+            <a:schemeClr val="accent1"/>
+          </a:effectRef>
+          <a:fontRef idx="minor">
+            <a:schemeClr val="lt1"/>
+          </a:fontRef>
+        </p:style>
+        <p:txBody>
+          <a:bodyPr rtlCol="0" anchor="ctr"/>
+          <a:lstStyle/>
+          <a:p>
+            <a:pPr algn="ctr"/>
+            <a:r>
+              <a:rPr lang="en-US" sz="1600" dirty="0">
                 <a:solidFill>
                   <a:schemeClr val="tx1"/>
                 </a:solidFill>
               </a:rPr>
-              <a:t>加载</a:t>
-            </a:r>
-            <a:r>
-              <a:rPr lang="en-US" altLang="zh-CN" sz="1100">
+              <a:t>API</a:t>
+            </a:r>
+          </a:p>
+        </p:txBody>
+      </p:sp>
+      <p:sp>
+        <p:nvSpPr>
+          <p:cNvPr id="24" name="Rounded Rectangle 23">
+            <a:extLst>
+              <a:ext uri="{FF2B5EF4-FFF2-40B4-BE49-F238E27FC236}">
+                <a16:creationId xmlns:a16="http://schemas.microsoft.com/office/drawing/2014/main" id="{42B0CD49-ADC9-AC4F-9E99-E00C7F0FF3BA}"/>
+              </a:ext>
+            </a:extLst>
+          </p:cNvPr>
+          <p:cNvSpPr/>
+          <p:nvPr/>
+        </p:nvSpPr>
+        <p:spPr>
+          <a:xfrm>
+            <a:off x="3743748" y="4393125"/>
+            <a:ext cx="934182" cy="371475"/>
+          </a:xfrm>
+          <a:prstGeom prst="roundRect">
+            <a:avLst/>
+          </a:prstGeom>
+          <a:solidFill>
+            <a:schemeClr val="bg1"/>
+          </a:solidFill>
+          <a:ln>
+            <a:solidFill>
+              <a:schemeClr val="tx1"/>
+            </a:solidFill>
+          </a:ln>
+        </p:spPr>
+        <p:style>
+          <a:lnRef idx="2">
+            <a:schemeClr val="accent1">
+              <a:shade val="50000"/>
+            </a:schemeClr>
+          </a:lnRef>
+          <a:fillRef idx="1">
+            <a:schemeClr val="accent1"/>
+          </a:fillRef>
+          <a:effectRef idx="0">
+            <a:schemeClr val="accent1"/>
+          </a:effectRef>
+          <a:fontRef idx="minor">
+            <a:schemeClr val="lt1"/>
+          </a:fontRef>
+        </p:style>
+        <p:txBody>
+          <a:bodyPr rtlCol="0" anchor="ctr"/>
+          <a:lstStyle/>
+          <a:p>
+            <a:pPr algn="ctr"/>
+            <a:r>
+              <a:rPr lang="en-US" sz="1600" dirty="0">
                 <a:solidFill>
                   <a:schemeClr val="tx1"/>
                 </a:solidFill>
               </a:rPr>
-              <a:t>include</a:t>
-            </a:r>
-            <a:r>
-              <a:rPr lang="zh-CN" altLang="en-US" sz="1100">
+              <a:t>Bot</a:t>
+            </a:r>
+          </a:p>
+        </p:txBody>
+      </p:sp>
+      <p:sp>
+        <p:nvSpPr>
+          <p:cNvPr id="25" name="Rounded Rectangle 24">
+            <a:extLst>
+              <a:ext uri="{FF2B5EF4-FFF2-40B4-BE49-F238E27FC236}">
+                <a16:creationId xmlns:a16="http://schemas.microsoft.com/office/drawing/2014/main" id="{1595CF05-1E69-954F-A96B-C7692052C3B4}"/>
+              </a:ext>
+            </a:extLst>
+          </p:cNvPr>
+          <p:cNvSpPr/>
+          <p:nvPr/>
+        </p:nvSpPr>
+        <p:spPr>
+          <a:xfrm>
+            <a:off x="5310775" y="4393125"/>
+            <a:ext cx="934182" cy="371475"/>
+          </a:xfrm>
+          <a:prstGeom prst="roundRect">
+            <a:avLst/>
+          </a:prstGeom>
+          <a:solidFill>
+            <a:schemeClr val="bg1"/>
+          </a:solidFill>
+          <a:ln>
+            <a:solidFill>
+              <a:schemeClr val="tx1"/>
+            </a:solidFill>
+          </a:ln>
+        </p:spPr>
+        <p:style>
+          <a:lnRef idx="2">
+            <a:schemeClr val="accent1">
+              <a:shade val="50000"/>
+            </a:schemeClr>
+          </a:lnRef>
+          <a:fillRef idx="1">
+            <a:schemeClr val="accent1"/>
+          </a:fillRef>
+          <a:effectRef idx="0">
+            <a:schemeClr val="accent1"/>
+          </a:effectRef>
+          <a:fontRef idx="minor">
+            <a:schemeClr val="lt1"/>
+          </a:fontRef>
+        </p:style>
+        <p:txBody>
+          <a:bodyPr rtlCol="0" anchor="ctr"/>
+          <a:lstStyle/>
+          <a:p>
+            <a:pPr algn="ctr"/>
+            <a:r>
+              <a:rPr lang="en-US" sz="1600" dirty="0">
                 <a:solidFill>
                   <a:schemeClr val="tx1"/>
                 </a:solidFill>
               </a:rPr>
-              <a:t>指令</a:t>
-            </a:r>
-            <a:endParaRPr lang="en-US" sz="1100">
+              <a:t>CLI</a:t>
+            </a:r>
+          </a:p>
+        </p:txBody>
+      </p:sp>
+      <p:sp>
+        <p:nvSpPr>
+          <p:cNvPr id="26" name="Rounded Rectangle 25">
+            <a:extLst>
+              <a:ext uri="{FF2B5EF4-FFF2-40B4-BE49-F238E27FC236}">
+                <a16:creationId xmlns:a16="http://schemas.microsoft.com/office/drawing/2014/main" id="{5EFEE84A-3CE7-0945-9CCF-5F91BA78DD82}"/>
+              </a:ext>
+            </a:extLst>
+          </p:cNvPr>
+          <p:cNvSpPr/>
+          <p:nvPr/>
+        </p:nvSpPr>
+        <p:spPr>
+          <a:xfrm>
+            <a:off x="6846858" y="4393125"/>
+            <a:ext cx="934182" cy="371475"/>
+          </a:xfrm>
+          <a:prstGeom prst="roundRect">
+            <a:avLst/>
+          </a:prstGeom>
+          <a:solidFill>
+            <a:schemeClr val="bg1"/>
+          </a:solidFill>
+          <a:ln>
+            <a:solidFill>
+              <a:schemeClr val="tx1"/>
+            </a:solidFill>
+          </a:ln>
+        </p:spPr>
+        <p:style>
+          <a:lnRef idx="2">
+            <a:schemeClr val="accent1">
+              <a:shade val="50000"/>
+            </a:schemeClr>
+          </a:lnRef>
+          <a:fillRef idx="1">
+            <a:schemeClr val="accent1"/>
+          </a:fillRef>
+          <a:effectRef idx="0">
+            <a:schemeClr val="accent1"/>
+          </a:effectRef>
+          <a:fontRef idx="minor">
+            <a:schemeClr val="lt1"/>
+          </a:fontRef>
+        </p:style>
+        <p:txBody>
+          <a:bodyPr rtlCol="0" anchor="ctr"/>
+          <a:lstStyle/>
+          <a:p>
+            <a:pPr algn="ctr"/>
+            <a:r>
+              <a:rPr lang="en-US" sz="1600" dirty="0">
+                <a:solidFill>
+                  <a:schemeClr val="tx1"/>
+                </a:solidFill>
+              </a:rPr>
+              <a:t>Proxy</a:t>
+            </a:r>
+          </a:p>
+        </p:txBody>
+      </p:sp>
+      <p:sp>
+        <p:nvSpPr>
+          <p:cNvPr id="27" name="Rounded Rectangle 26">
+            <a:extLst>
+              <a:ext uri="{FF2B5EF4-FFF2-40B4-BE49-F238E27FC236}">
+                <a16:creationId xmlns:a16="http://schemas.microsoft.com/office/drawing/2014/main" id="{02A2EBC2-7F97-9748-B467-5851FCA5A505}"/>
+              </a:ext>
+            </a:extLst>
+          </p:cNvPr>
+          <p:cNvSpPr/>
+          <p:nvPr/>
+        </p:nvSpPr>
+        <p:spPr>
+          <a:xfrm>
+            <a:off x="8326252" y="4393125"/>
+            <a:ext cx="934182" cy="371475"/>
+          </a:xfrm>
+          <a:prstGeom prst="roundRect">
+            <a:avLst/>
+          </a:prstGeom>
+          <a:solidFill>
+            <a:schemeClr val="bg1"/>
+          </a:solidFill>
+          <a:ln>
+            <a:solidFill>
+              <a:schemeClr val="tx1"/>
+            </a:solidFill>
+          </a:ln>
+        </p:spPr>
+        <p:style>
+          <a:lnRef idx="2">
+            <a:schemeClr val="accent1">
+              <a:shade val="50000"/>
+            </a:schemeClr>
+          </a:lnRef>
+          <a:fillRef idx="1">
+            <a:schemeClr val="accent1"/>
+          </a:fillRef>
+          <a:effectRef idx="0">
+            <a:schemeClr val="accent1"/>
+          </a:effectRef>
+          <a:fontRef idx="minor">
+            <a:schemeClr val="lt1"/>
+          </a:fontRef>
+        </p:style>
+        <p:txBody>
+          <a:bodyPr rtlCol="0" anchor="ctr"/>
+          <a:lstStyle/>
+          <a:p>
+            <a:pPr algn="ctr"/>
+            <a:r>
+              <a:rPr lang="en-US" sz="1600" dirty="0">
+                <a:solidFill>
+                  <a:schemeClr val="tx1"/>
+                </a:solidFill>
+              </a:rPr>
+              <a:t>Web</a:t>
+            </a:r>
+          </a:p>
+        </p:txBody>
+      </p:sp>
+      <p:sp>
+        <p:nvSpPr>
+          <p:cNvPr id="28" name="Oval 27">
+            <a:extLst>
+              <a:ext uri="{FF2B5EF4-FFF2-40B4-BE49-F238E27FC236}">
+                <a16:creationId xmlns:a16="http://schemas.microsoft.com/office/drawing/2014/main" id="{AD2BFD9D-4472-944F-B65A-D1939AE35D14}"/>
+              </a:ext>
+            </a:extLst>
+          </p:cNvPr>
+          <p:cNvSpPr/>
+          <p:nvPr/>
+        </p:nvSpPr>
+        <p:spPr>
+          <a:xfrm>
+            <a:off x="2288128" y="3534197"/>
+            <a:ext cx="360611" cy="375444"/>
+          </a:xfrm>
+          <a:prstGeom prst="ellipse">
+            <a:avLst/>
+          </a:prstGeom>
+          <a:solidFill>
+            <a:schemeClr val="bg1"/>
+          </a:solidFill>
+        </p:spPr>
+        <p:style>
+          <a:lnRef idx="2">
+            <a:schemeClr val="accent1">
+              <a:shade val="50000"/>
+            </a:schemeClr>
+          </a:lnRef>
+          <a:fillRef idx="1">
+            <a:schemeClr val="accent1"/>
+          </a:fillRef>
+          <a:effectRef idx="0">
+            <a:schemeClr val="accent1"/>
+          </a:effectRef>
+          <a:fontRef idx="minor">
+            <a:schemeClr val="lt1"/>
+          </a:fontRef>
+        </p:style>
+        <p:txBody>
+          <a:bodyPr rtlCol="0" anchor="ctr"/>
+          <a:lstStyle/>
+          <a:p>
+            <a:pPr algn="ctr"/>
+            <a:endParaRPr lang="en-US" sz="1600" dirty="0">
               <a:solidFill>
                 <a:schemeClr val="tx1"/>
               </a:solidFill>
@@ -5181,10 +5496,10 @@
       </p:sp>
       <p:sp>
         <p:nvSpPr>
-          <p:cNvPr id="11" name="TextBox 10">
-            <a:extLst>
-              <a:ext uri="{FF2B5EF4-FFF2-40B4-BE49-F238E27FC236}">
-                <a16:creationId xmlns:a16="http://schemas.microsoft.com/office/drawing/2014/main" id="{AD46E9A6-5846-8A4B-BAF4-11AC66EF626A}"/>
+          <p:cNvPr id="29" name="TextBox 28">
+            <a:extLst>
+              <a:ext uri="{FF2B5EF4-FFF2-40B4-BE49-F238E27FC236}">
+                <a16:creationId xmlns:a16="http://schemas.microsoft.com/office/drawing/2014/main" id="{C79B8773-2C42-7F40-90DC-A8DDE6B02EA3}"/>
               </a:ext>
             </a:extLst>
           </p:cNvPr>
@@ -5193,8 +5508,8 @@
         </p:nvSpPr>
         <p:spPr>
           <a:xfrm>
-            <a:off x="3359888" y="1360964"/>
-            <a:ext cx="3530010" cy="276999"/>
+            <a:off x="2458962" y="3588962"/>
+            <a:ext cx="1455208" cy="338554"/>
           </a:xfrm>
           <a:prstGeom prst="rect">
             <a:avLst/>
@@ -5207,36 +5522,186 @@
           </a:bodyPr>
           <a:lstStyle/>
           <a:p>
-            <a:r>
-              <a:rPr lang="zh-CN" altLang="en-US" sz="1200"/>
-              <a:t>读取</a:t>
-            </a:r>
-            <a:r>
-              <a:rPr lang="en-US" altLang="zh-CN" sz="1200"/>
-              <a:t>conf</a:t>
-            </a:r>
-            <a:r>
-              <a:rPr lang="zh-CN" altLang="en-US" sz="1200"/>
-              <a:t>目录下</a:t>
-            </a:r>
-            <a:r>
-              <a:rPr lang="en-US" altLang="zh-CN" sz="1200"/>
-              <a:t>application.yml</a:t>
-            </a:r>
-            <a:r>
-              <a:rPr lang="zh-CN" altLang="en-US" sz="1200"/>
-              <a:t>文件</a:t>
-            </a:r>
-            <a:endParaRPr lang="en-US" sz="1200"/>
-          </a:p>
-        </p:txBody>
-      </p:sp>
-      <p:sp>
-        <p:nvSpPr>
-          <p:cNvPr id="12" name="TextBox 11">
-            <a:extLst>
-              <a:ext uri="{FF2B5EF4-FFF2-40B4-BE49-F238E27FC236}">
-                <a16:creationId xmlns:a16="http://schemas.microsoft.com/office/drawing/2014/main" id="{30256124-4542-CF40-B763-03BAF0AD3E3D}"/>
+            <a:pPr algn="ctr"/>
+            <a:r>
+              <a:rPr lang="en-US" altLang="zh-CN" sz="1600"/>
+              <a:t>user-service</a:t>
+            </a:r>
+            <a:endParaRPr lang="en-US" sz="1600" dirty="0"/>
+          </a:p>
+        </p:txBody>
+      </p:sp>
+      <p:pic>
+        <p:nvPicPr>
+          <p:cNvPr id="3" name="Picture 2">
+            <a:extLst>
+              <a:ext uri="{FF2B5EF4-FFF2-40B4-BE49-F238E27FC236}">
+                <a16:creationId xmlns:a16="http://schemas.microsoft.com/office/drawing/2014/main" id="{C69A651A-24C3-B342-85C0-003C50352B82}"/>
+              </a:ext>
+            </a:extLst>
+          </p:cNvPr>
+          <p:cNvPicPr>
+            <a:picLocks noChangeAspect="1"/>
+          </p:cNvPicPr>
+          <p:nvPr/>
+        </p:nvPicPr>
+        <p:blipFill>
+          <a:blip r:embed="rId2"/>
+          <a:stretch>
+            <a:fillRect/>
+          </a:stretch>
+        </p:blipFill>
+        <p:spPr>
+          <a:xfrm>
+            <a:off x="5486580" y="686796"/>
+            <a:ext cx="304800" cy="304800"/>
+          </a:xfrm>
+          <a:prstGeom prst="rect">
+            <a:avLst/>
+          </a:prstGeom>
+        </p:spPr>
+      </p:pic>
+      <p:cxnSp>
+        <p:nvCxnSpPr>
+          <p:cNvPr id="17" name="Straight Arrow Connector 16">
+            <a:extLst>
+              <a:ext uri="{FF2B5EF4-FFF2-40B4-BE49-F238E27FC236}">
+                <a16:creationId xmlns:a16="http://schemas.microsoft.com/office/drawing/2014/main" id="{2D213680-03CE-2444-AA96-D05CF1405140}"/>
+              </a:ext>
+            </a:extLst>
+          </p:cNvPr>
+          <p:cNvCxnSpPr>
+            <a:cxnSpLocks/>
+            <a:stCxn id="3" idx="2"/>
+          </p:cNvCxnSpPr>
+          <p:nvPr/>
+        </p:nvCxnSpPr>
+        <p:spPr>
+          <a:xfrm flipH="1">
+            <a:off x="5486580" y="991596"/>
+            <a:ext cx="152400" cy="929743"/>
+          </a:xfrm>
+          <a:prstGeom prst="straightConnector1">
+            <a:avLst/>
+          </a:prstGeom>
+          <a:ln>
+            <a:solidFill>
+              <a:schemeClr val="tx1"/>
+            </a:solidFill>
+            <a:tailEnd type="triangle"/>
+          </a:ln>
+        </p:spPr>
+        <p:style>
+          <a:lnRef idx="1">
+            <a:schemeClr val="accent1"/>
+          </a:lnRef>
+          <a:fillRef idx="0">
+            <a:schemeClr val="accent1"/>
+          </a:fillRef>
+          <a:effectRef idx="0">
+            <a:schemeClr val="accent1"/>
+          </a:effectRef>
+          <a:fontRef idx="minor">
+            <a:schemeClr val="tx1"/>
+          </a:fontRef>
+        </p:style>
+      </p:cxnSp>
+      <p:cxnSp>
+        <p:nvCxnSpPr>
+          <p:cNvPr id="36" name="Straight Arrow Connector 35">
+            <a:extLst>
+              <a:ext uri="{FF2B5EF4-FFF2-40B4-BE49-F238E27FC236}">
+                <a16:creationId xmlns:a16="http://schemas.microsoft.com/office/drawing/2014/main" id="{35735F90-563E-7143-9ED9-D7D2E0AF9243}"/>
+              </a:ext>
+            </a:extLst>
+          </p:cNvPr>
+          <p:cNvCxnSpPr>
+            <a:cxnSpLocks/>
+          </p:cNvCxnSpPr>
+          <p:nvPr/>
+        </p:nvCxnSpPr>
+        <p:spPr>
+          <a:xfrm flipH="1">
+            <a:off x="2878937" y="2107076"/>
+            <a:ext cx="2070466" cy="697337"/>
+          </a:xfrm>
+          <a:prstGeom prst="straightConnector1">
+            <a:avLst/>
+          </a:prstGeom>
+          <a:ln>
+            <a:solidFill>
+              <a:schemeClr val="tx1"/>
+            </a:solidFill>
+            <a:tailEnd type="triangle"/>
+          </a:ln>
+        </p:spPr>
+        <p:style>
+          <a:lnRef idx="1">
+            <a:schemeClr val="accent1"/>
+          </a:lnRef>
+          <a:fillRef idx="0">
+            <a:schemeClr val="accent1"/>
+          </a:fillRef>
+          <a:effectRef idx="0">
+            <a:schemeClr val="accent1"/>
+          </a:effectRef>
+          <a:fontRef idx="minor">
+            <a:schemeClr val="tx1"/>
+          </a:fontRef>
+        </p:style>
+      </p:cxnSp>
+      <p:cxnSp>
+        <p:nvCxnSpPr>
+          <p:cNvPr id="37" name="Straight Arrow Connector 36">
+            <a:extLst>
+              <a:ext uri="{FF2B5EF4-FFF2-40B4-BE49-F238E27FC236}">
+                <a16:creationId xmlns:a16="http://schemas.microsoft.com/office/drawing/2014/main" id="{4E548730-18A9-6C45-A09A-B3048798A85B}"/>
+              </a:ext>
+            </a:extLst>
+          </p:cNvPr>
+          <p:cNvCxnSpPr>
+            <a:cxnSpLocks/>
+            <a:stCxn id="5" idx="3"/>
+            <a:endCxn id="28" idx="0"/>
+          </p:cNvCxnSpPr>
+          <p:nvPr/>
+        </p:nvCxnSpPr>
+        <p:spPr>
+          <a:xfrm flipH="1">
+            <a:off x="2468434" y="3029869"/>
+            <a:ext cx="159760" cy="504328"/>
+          </a:xfrm>
+          <a:prstGeom prst="straightConnector1">
+            <a:avLst/>
+          </a:prstGeom>
+          <a:ln>
+            <a:solidFill>
+              <a:schemeClr val="tx1"/>
+            </a:solidFill>
+            <a:tailEnd type="triangle"/>
+          </a:ln>
+        </p:spPr>
+        <p:style>
+          <a:lnRef idx="1">
+            <a:schemeClr val="accent1"/>
+          </a:lnRef>
+          <a:fillRef idx="0">
+            <a:schemeClr val="accent1"/>
+          </a:fillRef>
+          <a:effectRef idx="0">
+            <a:schemeClr val="accent1"/>
+          </a:effectRef>
+          <a:fontRef idx="minor">
+            <a:schemeClr val="tx1"/>
+          </a:fontRef>
+        </p:style>
+      </p:cxnSp>
+      <p:sp>
+        <p:nvSpPr>
+          <p:cNvPr id="40" name="TextBox 39">
+            <a:extLst>
+              <a:ext uri="{FF2B5EF4-FFF2-40B4-BE49-F238E27FC236}">
+                <a16:creationId xmlns:a16="http://schemas.microsoft.com/office/drawing/2014/main" id="{ABEB8E89-4651-454C-AA5B-39E2C37B7271}"/>
               </a:ext>
             </a:extLst>
           </p:cNvPr>
@@ -5245,8 +5710,8 @@
         </p:nvSpPr>
         <p:spPr>
           <a:xfrm>
-            <a:off x="3359888" y="2014590"/>
-            <a:ext cx="5355134" cy="276999"/>
+            <a:off x="6417421" y="1923482"/>
+            <a:ext cx="2476322" cy="369332"/>
           </a:xfrm>
           <a:prstGeom prst="rect">
             <a:avLst/>
@@ -5260,35 +5725,51 @@
           <a:lstStyle/>
           <a:p>
             <a:r>
-              <a:rPr lang="zh-CN" altLang="en-US" sz="1200"/>
-              <a:t>如果有该属性则找到</a:t>
-            </a:r>
-            <a:r>
-              <a:rPr lang="en-US" altLang="zh-CN" sz="1200"/>
-              <a:t>include</a:t>
-            </a:r>
-            <a:r>
-              <a:rPr lang="zh-CN" altLang="en-US" sz="1200"/>
-              <a:t>值，该值就是指定需要引入的</a:t>
-            </a:r>
-            <a:r>
-              <a:rPr lang="en-US" altLang="zh-CN" sz="1200"/>
-              <a:t>conf</a:t>
-            </a:r>
-            <a:r>
-              <a:rPr lang="zh-CN" altLang="en-US" sz="1200"/>
-              <a:t>下的配置文件</a:t>
-            </a:r>
-            <a:endParaRPr lang="en-US" sz="1200"/>
-          </a:p>
-        </p:txBody>
-      </p:sp>
-      <p:sp>
-        <p:nvSpPr>
-          <p:cNvPr id="14" name="TextBox 13">
-            <a:extLst>
-              <a:ext uri="{FF2B5EF4-FFF2-40B4-BE49-F238E27FC236}">
-                <a16:creationId xmlns:a16="http://schemas.microsoft.com/office/drawing/2014/main" id="{8D571270-27C5-8D43-9E57-F411E448710B}"/>
+              <a:rPr lang="en-US" altLang="zh-CN">
+                <a:solidFill>
+                  <a:srgbClr val="FF0000"/>
+                </a:solidFill>
+              </a:rPr>
+              <a:t>Ns:</a:t>
+            </a:r>
+            <a:r>
+              <a:rPr lang="zh-CN" altLang="en-US">
+                <a:solidFill>
+                  <a:srgbClr val="FF0000"/>
+                </a:solidFill>
+              </a:rPr>
+              <a:t>  </a:t>
+            </a:r>
+            <a:r>
+              <a:rPr lang="en-US">
+                <a:solidFill>
+                  <a:srgbClr val="FF0000"/>
+                </a:solidFill>
+              </a:rPr>
+              <a:t>m</a:t>
+            </a:r>
+            <a:r>
+              <a:rPr lang="en-US" altLang="zh-CN">
+                <a:solidFill>
+                  <a:srgbClr val="FF0000"/>
+                </a:solidFill>
+              </a:rPr>
+              <a:t>u.micro.book.web</a:t>
+            </a:r>
+            <a:endParaRPr lang="en-US">
+              <a:solidFill>
+                <a:srgbClr val="FF0000"/>
+              </a:solidFill>
+            </a:endParaRPr>
+          </a:p>
+        </p:txBody>
+      </p:sp>
+      <p:sp>
+        <p:nvSpPr>
+          <p:cNvPr id="46" name="TextBox 45">
+            <a:extLst>
+              <a:ext uri="{FF2B5EF4-FFF2-40B4-BE49-F238E27FC236}">
+                <a16:creationId xmlns:a16="http://schemas.microsoft.com/office/drawing/2014/main" id="{BF5DBDC7-C31E-264F-B4AB-39E509D09489}"/>
               </a:ext>
             </a:extLst>
           </p:cNvPr>
@@ -5297,8 +5778,8 @@
         </p:nvSpPr>
         <p:spPr>
           <a:xfrm>
-            <a:off x="3359888" y="2631279"/>
-            <a:ext cx="5355134" cy="276999"/>
+            <a:off x="3848502" y="2745536"/>
+            <a:ext cx="2998355" cy="369332"/>
           </a:xfrm>
           <a:prstGeom prst="rect">
             <a:avLst/>
@@ -5312,47 +5793,51 @@
           <a:lstStyle/>
           <a:p>
             <a:r>
-              <a:rPr lang="zh-CN" altLang="en-US" sz="1200"/>
-              <a:t>加载指令</a:t>
-            </a:r>
-            <a:r>
-              <a:rPr lang="en-US" altLang="zh-CN" sz="1200"/>
-              <a:t>【</a:t>
-            </a:r>
-            <a:r>
-              <a:rPr lang="zh-CN" altLang="en-US" sz="1200"/>
-              <a:t>值</a:t>
-            </a:r>
-            <a:r>
-              <a:rPr lang="en-US" altLang="zh-CN" sz="1200"/>
-              <a:t>】</a:t>
-            </a:r>
-            <a:r>
-              <a:rPr lang="zh-CN" altLang="en-US" sz="1200"/>
-              <a:t>声明的文件，文件名规则为</a:t>
-            </a:r>
-            <a:r>
-              <a:rPr lang="en-US" altLang="zh-CN" sz="1200"/>
-              <a:t>[application-</a:t>
-            </a:r>
-            <a:r>
-              <a:rPr lang="zh-CN" altLang="en-US" sz="1200"/>
-              <a:t>值</a:t>
-            </a:r>
-            <a:r>
-              <a:rPr lang="en-US" altLang="zh-CN" sz="1200"/>
-              <a:t>.yml]</a:t>
-            </a:r>
-            <a:endParaRPr lang="en-US" sz="1200"/>
-          </a:p>
-        </p:txBody>
-      </p:sp>
-      <p:sp>
-        <p:nvSpPr>
-          <p:cNvPr id="15" name="TextBox 14">
-            <a:extLst>
-              <a:ext uri="{FF2B5EF4-FFF2-40B4-BE49-F238E27FC236}">
-                <a16:creationId xmlns:a16="http://schemas.microsoft.com/office/drawing/2014/main" id="{02A4200F-E27E-8649-B940-8B655860AA83}"/>
+              <a:rPr lang="en-US" altLang="zh-CN">
+                <a:solidFill>
+                  <a:srgbClr val="FF0000"/>
+                </a:solidFill>
+              </a:rPr>
+              <a:t>Ns:</a:t>
+            </a:r>
+            <a:r>
+              <a:rPr lang="zh-CN" altLang="en-US">
+                <a:solidFill>
+                  <a:srgbClr val="FF0000"/>
+                </a:solidFill>
+              </a:rPr>
+              <a:t>  </a:t>
+            </a:r>
+            <a:r>
+              <a:rPr lang="en-US">
+                <a:solidFill>
+                  <a:srgbClr val="FF0000"/>
+                </a:solidFill>
+              </a:rPr>
+              <a:t>m</a:t>
+            </a:r>
+            <a:r>
+              <a:rPr lang="en-US" altLang="zh-CN">
+                <a:solidFill>
+                  <a:srgbClr val="FF0000"/>
+                </a:solidFill>
+              </a:rPr>
+              <a:t>u.micro.book.web.user</a:t>
+            </a:r>
+            <a:endParaRPr lang="en-US">
+              <a:solidFill>
+                <a:srgbClr val="FF0000"/>
+              </a:solidFill>
+            </a:endParaRPr>
+          </a:p>
+        </p:txBody>
+      </p:sp>
+      <p:sp>
+        <p:nvSpPr>
+          <p:cNvPr id="47" name="TextBox 46">
+            <a:extLst>
+              <a:ext uri="{FF2B5EF4-FFF2-40B4-BE49-F238E27FC236}">
+                <a16:creationId xmlns:a16="http://schemas.microsoft.com/office/drawing/2014/main" id="{4D87FBA8-B282-DC4F-BF54-7ABA4EBB4C32}"/>
               </a:ext>
             </a:extLst>
           </p:cNvPr>
@@ -5361,8 +5846,8 @@
         </p:nvSpPr>
         <p:spPr>
           <a:xfrm>
-            <a:off x="3359888" y="3284907"/>
-            <a:ext cx="5355134" cy="276999"/>
+            <a:off x="3672017" y="3578562"/>
+            <a:ext cx="2998355" cy="369332"/>
           </a:xfrm>
           <a:prstGeom prst="rect">
             <a:avLst/>
@@ -5376,19 +5861,192 @@
           <a:lstStyle/>
           <a:p>
             <a:r>
-              <a:rPr lang="zh-CN" altLang="en-US" sz="1200"/>
-              <a:t>读取配置文件值</a:t>
-            </a:r>
-            <a:endParaRPr lang="en-US" sz="1200"/>
-          </a:p>
-        </p:txBody>
-      </p:sp>
-      <p:sp>
-        <p:nvSpPr>
-          <p:cNvPr id="16" name="TextBox 15">
-            <a:extLst>
-              <a:ext uri="{FF2B5EF4-FFF2-40B4-BE49-F238E27FC236}">
-                <a16:creationId xmlns:a16="http://schemas.microsoft.com/office/drawing/2014/main" id="{F8736BB0-CB11-E94E-9344-9F7413EAECAD}"/>
+              <a:rPr lang="en-US" altLang="zh-CN">
+                <a:solidFill>
+                  <a:srgbClr val="FF0000"/>
+                </a:solidFill>
+              </a:rPr>
+              <a:t>Ns:</a:t>
+            </a:r>
+            <a:r>
+              <a:rPr lang="zh-CN" altLang="en-US">
+                <a:solidFill>
+                  <a:srgbClr val="FF0000"/>
+                </a:solidFill>
+              </a:rPr>
+              <a:t>  </a:t>
+            </a:r>
+            <a:r>
+              <a:rPr lang="en-US">
+                <a:solidFill>
+                  <a:srgbClr val="FF0000"/>
+                </a:solidFill>
+              </a:rPr>
+              <a:t>m</a:t>
+            </a:r>
+            <a:r>
+              <a:rPr lang="en-US" altLang="zh-CN">
+                <a:solidFill>
+                  <a:srgbClr val="FF0000"/>
+                </a:solidFill>
+              </a:rPr>
+              <a:t>u.micro.book.srv.user</a:t>
+            </a:r>
+            <a:endParaRPr lang="en-US">
+              <a:solidFill>
+                <a:srgbClr val="FF0000"/>
+              </a:solidFill>
+            </a:endParaRPr>
+          </a:p>
+        </p:txBody>
+      </p:sp>
+    </p:spTree>
+    <p:extLst>
+      <p:ext uri="{BB962C8B-B14F-4D97-AF65-F5344CB8AC3E}">
+        <p14:creationId xmlns:p14="http://schemas.microsoft.com/office/powerpoint/2010/main" val="3021381686"/>
+      </p:ext>
+    </p:extLst>
+  </p:cSld>
+  <p:clrMapOvr>
+    <a:masterClrMapping/>
+  </p:clrMapOvr>
+</p:sld>
+</file>
+
+<file path=ppt/slides/slide3.xml><?xml version="1.0" encoding="utf-8"?>
+<p:sld xmlns:a="http://schemas.openxmlformats.org/drawingml/2006/main" xmlns:r="http://schemas.openxmlformats.org/officeDocument/2006/relationships" xmlns:p="http://schemas.openxmlformats.org/presentationml/2006/main">
+  <p:cSld>
+    <p:spTree>
+      <p:nvGrpSpPr>
+        <p:cNvPr id="1" name=""/>
+        <p:cNvGrpSpPr/>
+        <p:nvPr/>
+      </p:nvGrpSpPr>
+      <p:grpSpPr>
+        <a:xfrm>
+          <a:off x="0" y="0"/>
+          <a:ext cx="0" cy="0"/>
+          <a:chOff x="0" y="0"/>
+          <a:chExt cx="0" cy="0"/>
+        </a:xfrm>
+      </p:grpSpPr>
+      <p:sp>
+        <p:nvSpPr>
+          <p:cNvPr id="4" name="Rounded Rectangle 3">
+            <a:extLst>
+              <a:ext uri="{FF2B5EF4-FFF2-40B4-BE49-F238E27FC236}">
+                <a16:creationId xmlns:a16="http://schemas.microsoft.com/office/drawing/2014/main" id="{A88C9C0A-D587-2844-A4BD-196F12E322FC}"/>
+              </a:ext>
+            </a:extLst>
+          </p:cNvPr>
+          <p:cNvSpPr/>
+          <p:nvPr/>
+        </p:nvSpPr>
+        <p:spPr>
+          <a:xfrm>
+            <a:off x="1782763" y="2604998"/>
+            <a:ext cx="7643812" cy="1360578"/>
+          </a:xfrm>
+          <a:prstGeom prst="roundRect">
+            <a:avLst/>
+          </a:prstGeom>
+          <a:solidFill>
+            <a:schemeClr val="bg1"/>
+          </a:solidFill>
+          <a:ln>
+            <a:solidFill>
+              <a:schemeClr val="tx1"/>
+            </a:solidFill>
+          </a:ln>
+        </p:spPr>
+        <p:style>
+          <a:lnRef idx="2">
+            <a:schemeClr val="accent1">
+              <a:shade val="50000"/>
+            </a:schemeClr>
+          </a:lnRef>
+          <a:fillRef idx="1">
+            <a:schemeClr val="accent1"/>
+          </a:fillRef>
+          <a:effectRef idx="0">
+            <a:schemeClr val="accent1"/>
+          </a:effectRef>
+          <a:fontRef idx="minor">
+            <a:schemeClr val="lt1"/>
+          </a:fontRef>
+        </p:style>
+        <p:txBody>
+          <a:bodyPr rtlCol="0" anchor="ctr"/>
+          <a:lstStyle/>
+          <a:p>
+            <a:pPr algn="ctr"/>
+            <a:endParaRPr lang="en-US" sz="1600">
+              <a:solidFill>
+                <a:schemeClr val="tx1"/>
+              </a:solidFill>
+            </a:endParaRPr>
+          </a:p>
+        </p:txBody>
+      </p:sp>
+      <p:sp>
+        <p:nvSpPr>
+          <p:cNvPr id="5" name="Oval 4">
+            <a:extLst>
+              <a:ext uri="{FF2B5EF4-FFF2-40B4-BE49-F238E27FC236}">
+                <a16:creationId xmlns:a16="http://schemas.microsoft.com/office/drawing/2014/main" id="{D7D02241-5F95-2548-80FC-945D4019D8F2}"/>
+              </a:ext>
+            </a:extLst>
+          </p:cNvPr>
+          <p:cNvSpPr/>
+          <p:nvPr/>
+        </p:nvSpPr>
+        <p:spPr>
+          <a:xfrm>
+            <a:off x="2575384" y="2709408"/>
+            <a:ext cx="360611" cy="375444"/>
+          </a:xfrm>
+          <a:prstGeom prst="ellipse">
+            <a:avLst/>
+          </a:prstGeom>
+          <a:solidFill>
+            <a:schemeClr val="bg1"/>
+          </a:solidFill>
+        </p:spPr>
+        <p:style>
+          <a:lnRef idx="2">
+            <a:schemeClr val="accent1">
+              <a:shade val="50000"/>
+            </a:schemeClr>
+          </a:lnRef>
+          <a:fillRef idx="1">
+            <a:schemeClr val="accent1"/>
+          </a:fillRef>
+          <a:effectRef idx="0">
+            <a:schemeClr val="accent1"/>
+          </a:effectRef>
+          <a:fontRef idx="minor">
+            <a:schemeClr val="lt1"/>
+          </a:fontRef>
+        </p:style>
+        <p:txBody>
+          <a:bodyPr rtlCol="0" anchor="ctr"/>
+          <a:lstStyle/>
+          <a:p>
+            <a:pPr algn="ctr"/>
+            <a:endParaRPr lang="en-US" sz="1600" dirty="0">
+              <a:solidFill>
+                <a:schemeClr val="tx1"/>
+              </a:solidFill>
+            </a:endParaRPr>
+          </a:p>
+        </p:txBody>
+      </p:sp>
+      <p:sp>
+        <p:nvSpPr>
+          <p:cNvPr id="9" name="TextBox 8">
+            <a:extLst>
+              <a:ext uri="{FF2B5EF4-FFF2-40B4-BE49-F238E27FC236}">
+                <a16:creationId xmlns:a16="http://schemas.microsoft.com/office/drawing/2014/main" id="{2894DEC5-60A7-AD42-BB09-5A6FBABD558E}"/>
               </a:ext>
             </a:extLst>
           </p:cNvPr>
@@ -5397,8 +6055,8 @@
         </p:nvSpPr>
         <p:spPr>
           <a:xfrm>
-            <a:off x="3359888" y="3848160"/>
-            <a:ext cx="5355134" cy="276999"/>
+            <a:off x="2786821" y="2757489"/>
+            <a:ext cx="1164664" cy="338554"/>
           </a:xfrm>
           <a:prstGeom prst="rect">
             <a:avLst/>
@@ -5411,18 +6069,948 @@
           </a:bodyPr>
           <a:lstStyle/>
           <a:p>
-            <a:r>
-              <a:rPr lang="zh-CN" altLang="en-US" sz="1200"/>
-              <a:t>将配置文件中的值解析到配置对象中</a:t>
-            </a:r>
-            <a:endParaRPr lang="en-US" sz="1200"/>
+            <a:pPr algn="ctr"/>
+            <a:r>
+              <a:rPr lang="en-US" sz="1600"/>
+              <a:t>user</a:t>
+            </a:r>
+            <a:r>
+              <a:rPr lang="en-US" altLang="zh-CN" sz="1600"/>
+              <a:t>s-web</a:t>
+            </a:r>
+            <a:endParaRPr lang="en-US" sz="1600" dirty="0"/>
+          </a:p>
+        </p:txBody>
+      </p:sp>
+      <p:sp>
+        <p:nvSpPr>
+          <p:cNvPr id="16" name="Rounded Rectangle 15">
+            <a:extLst>
+              <a:ext uri="{FF2B5EF4-FFF2-40B4-BE49-F238E27FC236}">
+                <a16:creationId xmlns:a16="http://schemas.microsoft.com/office/drawing/2014/main" id="{AD17F8E4-B471-7D48-90FF-F5A25807ACE4}"/>
+              </a:ext>
+            </a:extLst>
+          </p:cNvPr>
+          <p:cNvSpPr/>
+          <p:nvPr/>
+        </p:nvSpPr>
+        <p:spPr>
+          <a:xfrm>
+            <a:off x="1782763" y="1765248"/>
+            <a:ext cx="7643812" cy="683658"/>
+          </a:xfrm>
+          <a:prstGeom prst="roundRect">
+            <a:avLst/>
+          </a:prstGeom>
+          <a:solidFill>
+            <a:schemeClr val="bg1"/>
+          </a:solidFill>
+          <a:ln>
+            <a:solidFill>
+              <a:schemeClr val="tx1"/>
+            </a:solidFill>
+          </a:ln>
+        </p:spPr>
+        <p:style>
+          <a:lnRef idx="2">
+            <a:schemeClr val="accent1">
+              <a:shade val="50000"/>
+            </a:schemeClr>
+          </a:lnRef>
+          <a:fillRef idx="1">
+            <a:schemeClr val="accent1"/>
+          </a:fillRef>
+          <a:effectRef idx="0">
+            <a:schemeClr val="accent1"/>
+          </a:effectRef>
+          <a:fontRef idx="minor">
+            <a:schemeClr val="lt1"/>
+          </a:fontRef>
+        </p:style>
+        <p:txBody>
+          <a:bodyPr rtlCol="0" anchor="ctr"/>
+          <a:lstStyle/>
+          <a:p>
+            <a:pPr algn="ctr"/>
+            <a:endParaRPr lang="en-US" sz="1600">
+              <a:solidFill>
+                <a:schemeClr val="tx1"/>
+              </a:solidFill>
+            </a:endParaRPr>
+          </a:p>
+        </p:txBody>
+      </p:sp>
+      <p:sp>
+        <p:nvSpPr>
+          <p:cNvPr id="18" name="Rounded Rectangle 17">
+            <a:extLst>
+              <a:ext uri="{FF2B5EF4-FFF2-40B4-BE49-F238E27FC236}">
+                <a16:creationId xmlns:a16="http://schemas.microsoft.com/office/drawing/2014/main" id="{1F81A9D7-348F-384D-A6EB-3BED55660D39}"/>
+              </a:ext>
+            </a:extLst>
+          </p:cNvPr>
+          <p:cNvSpPr/>
+          <p:nvPr/>
+        </p:nvSpPr>
+        <p:spPr>
+          <a:xfrm>
+            <a:off x="4949403" y="1921339"/>
+            <a:ext cx="1310531" cy="371475"/>
+          </a:xfrm>
+          <a:prstGeom prst="roundRect">
+            <a:avLst/>
+          </a:prstGeom>
+          <a:solidFill>
+            <a:schemeClr val="bg1"/>
+          </a:solidFill>
+          <a:ln>
+            <a:solidFill>
+              <a:schemeClr val="tx1"/>
+            </a:solidFill>
+          </a:ln>
+        </p:spPr>
+        <p:style>
+          <a:lnRef idx="2">
+            <a:schemeClr val="accent1">
+              <a:shade val="50000"/>
+            </a:schemeClr>
+          </a:lnRef>
+          <a:fillRef idx="1">
+            <a:schemeClr val="accent1"/>
+          </a:fillRef>
+          <a:effectRef idx="0">
+            <a:schemeClr val="accent1"/>
+          </a:effectRef>
+          <a:fontRef idx="minor">
+            <a:schemeClr val="lt1"/>
+          </a:fontRef>
+        </p:style>
+        <p:txBody>
+          <a:bodyPr rtlCol="0" anchor="ctr"/>
+          <a:lstStyle/>
+          <a:p>
+            <a:pPr algn="ctr"/>
+            <a:r>
+              <a:rPr lang="en-US" sz="1600" dirty="0">
+                <a:solidFill>
+                  <a:schemeClr val="tx1"/>
+                </a:solidFill>
+              </a:rPr>
+              <a:t>API</a:t>
+            </a:r>
+          </a:p>
+        </p:txBody>
+      </p:sp>
+      <p:sp>
+        <p:nvSpPr>
+          <p:cNvPr id="22" name="Rounded Rectangle 21">
+            <a:extLst>
+              <a:ext uri="{FF2B5EF4-FFF2-40B4-BE49-F238E27FC236}">
+                <a16:creationId xmlns:a16="http://schemas.microsoft.com/office/drawing/2014/main" id="{08CB58ED-72BC-8B43-B14A-D8E57F2809CE}"/>
+              </a:ext>
+            </a:extLst>
+          </p:cNvPr>
+          <p:cNvSpPr/>
+          <p:nvPr/>
+        </p:nvSpPr>
+        <p:spPr>
+          <a:xfrm>
+            <a:off x="1782762" y="4237034"/>
+            <a:ext cx="7643812" cy="683658"/>
+          </a:xfrm>
+          <a:prstGeom prst="roundRect">
+            <a:avLst/>
+          </a:prstGeom>
+          <a:solidFill>
+            <a:schemeClr val="bg1"/>
+          </a:solidFill>
+          <a:ln>
+            <a:solidFill>
+              <a:schemeClr val="tx1"/>
+            </a:solidFill>
+          </a:ln>
+        </p:spPr>
+        <p:style>
+          <a:lnRef idx="2">
+            <a:schemeClr val="accent1">
+              <a:shade val="50000"/>
+            </a:schemeClr>
+          </a:lnRef>
+          <a:fillRef idx="1">
+            <a:schemeClr val="accent1"/>
+          </a:fillRef>
+          <a:effectRef idx="0">
+            <a:schemeClr val="accent1"/>
+          </a:effectRef>
+          <a:fontRef idx="minor">
+            <a:schemeClr val="lt1"/>
+          </a:fontRef>
+        </p:style>
+        <p:txBody>
+          <a:bodyPr rtlCol="0" anchor="ctr"/>
+          <a:lstStyle/>
+          <a:p>
+            <a:pPr algn="ctr"/>
+            <a:endParaRPr lang="en-US" sz="1600">
+              <a:solidFill>
+                <a:schemeClr val="tx1"/>
+              </a:solidFill>
+            </a:endParaRPr>
+          </a:p>
+        </p:txBody>
+      </p:sp>
+      <p:sp>
+        <p:nvSpPr>
+          <p:cNvPr id="23" name="Rounded Rectangle 22">
+            <a:extLst>
+              <a:ext uri="{FF2B5EF4-FFF2-40B4-BE49-F238E27FC236}">
+                <a16:creationId xmlns:a16="http://schemas.microsoft.com/office/drawing/2014/main" id="{40239188-4730-7040-BF13-124CB21999A4}"/>
+              </a:ext>
+            </a:extLst>
+          </p:cNvPr>
+          <p:cNvSpPr/>
+          <p:nvPr/>
+        </p:nvSpPr>
+        <p:spPr>
+          <a:xfrm>
+            <a:off x="2181648" y="4393125"/>
+            <a:ext cx="934182" cy="371475"/>
+          </a:xfrm>
+          <a:prstGeom prst="roundRect">
+            <a:avLst/>
+          </a:prstGeom>
+          <a:solidFill>
+            <a:schemeClr val="bg1"/>
+          </a:solidFill>
+          <a:ln>
+            <a:solidFill>
+              <a:schemeClr val="tx1"/>
+            </a:solidFill>
+          </a:ln>
+        </p:spPr>
+        <p:style>
+          <a:lnRef idx="2">
+            <a:schemeClr val="accent1">
+              <a:shade val="50000"/>
+            </a:schemeClr>
+          </a:lnRef>
+          <a:fillRef idx="1">
+            <a:schemeClr val="accent1"/>
+          </a:fillRef>
+          <a:effectRef idx="0">
+            <a:schemeClr val="accent1"/>
+          </a:effectRef>
+          <a:fontRef idx="minor">
+            <a:schemeClr val="lt1"/>
+          </a:fontRef>
+        </p:style>
+        <p:txBody>
+          <a:bodyPr rtlCol="0" anchor="ctr"/>
+          <a:lstStyle/>
+          <a:p>
+            <a:pPr algn="ctr"/>
+            <a:r>
+              <a:rPr lang="en-US" sz="1600" dirty="0">
+                <a:solidFill>
+                  <a:schemeClr val="tx1"/>
+                </a:solidFill>
+              </a:rPr>
+              <a:t>API</a:t>
+            </a:r>
+          </a:p>
+        </p:txBody>
+      </p:sp>
+      <p:sp>
+        <p:nvSpPr>
+          <p:cNvPr id="24" name="Rounded Rectangle 23">
+            <a:extLst>
+              <a:ext uri="{FF2B5EF4-FFF2-40B4-BE49-F238E27FC236}">
+                <a16:creationId xmlns:a16="http://schemas.microsoft.com/office/drawing/2014/main" id="{42B0CD49-ADC9-AC4F-9E99-E00C7F0FF3BA}"/>
+              </a:ext>
+            </a:extLst>
+          </p:cNvPr>
+          <p:cNvSpPr/>
+          <p:nvPr/>
+        </p:nvSpPr>
+        <p:spPr>
+          <a:xfrm>
+            <a:off x="3743748" y="4393125"/>
+            <a:ext cx="934182" cy="371475"/>
+          </a:xfrm>
+          <a:prstGeom prst="roundRect">
+            <a:avLst/>
+          </a:prstGeom>
+          <a:solidFill>
+            <a:schemeClr val="bg1"/>
+          </a:solidFill>
+          <a:ln>
+            <a:solidFill>
+              <a:schemeClr val="tx1"/>
+            </a:solidFill>
+          </a:ln>
+        </p:spPr>
+        <p:style>
+          <a:lnRef idx="2">
+            <a:schemeClr val="accent1">
+              <a:shade val="50000"/>
+            </a:schemeClr>
+          </a:lnRef>
+          <a:fillRef idx="1">
+            <a:schemeClr val="accent1"/>
+          </a:fillRef>
+          <a:effectRef idx="0">
+            <a:schemeClr val="accent1"/>
+          </a:effectRef>
+          <a:fontRef idx="minor">
+            <a:schemeClr val="lt1"/>
+          </a:fontRef>
+        </p:style>
+        <p:txBody>
+          <a:bodyPr rtlCol="0" anchor="ctr"/>
+          <a:lstStyle/>
+          <a:p>
+            <a:pPr algn="ctr"/>
+            <a:r>
+              <a:rPr lang="en-US" sz="1600" dirty="0">
+                <a:solidFill>
+                  <a:schemeClr val="tx1"/>
+                </a:solidFill>
+              </a:rPr>
+              <a:t>Bot</a:t>
+            </a:r>
+          </a:p>
+        </p:txBody>
+      </p:sp>
+      <p:sp>
+        <p:nvSpPr>
+          <p:cNvPr id="25" name="Rounded Rectangle 24">
+            <a:extLst>
+              <a:ext uri="{FF2B5EF4-FFF2-40B4-BE49-F238E27FC236}">
+                <a16:creationId xmlns:a16="http://schemas.microsoft.com/office/drawing/2014/main" id="{1595CF05-1E69-954F-A96B-C7692052C3B4}"/>
+              </a:ext>
+            </a:extLst>
+          </p:cNvPr>
+          <p:cNvSpPr/>
+          <p:nvPr/>
+        </p:nvSpPr>
+        <p:spPr>
+          <a:xfrm>
+            <a:off x="5310775" y="4393125"/>
+            <a:ext cx="934182" cy="371475"/>
+          </a:xfrm>
+          <a:prstGeom prst="roundRect">
+            <a:avLst/>
+          </a:prstGeom>
+          <a:solidFill>
+            <a:schemeClr val="bg1"/>
+          </a:solidFill>
+          <a:ln>
+            <a:solidFill>
+              <a:schemeClr val="tx1"/>
+            </a:solidFill>
+          </a:ln>
+        </p:spPr>
+        <p:style>
+          <a:lnRef idx="2">
+            <a:schemeClr val="accent1">
+              <a:shade val="50000"/>
+            </a:schemeClr>
+          </a:lnRef>
+          <a:fillRef idx="1">
+            <a:schemeClr val="accent1"/>
+          </a:fillRef>
+          <a:effectRef idx="0">
+            <a:schemeClr val="accent1"/>
+          </a:effectRef>
+          <a:fontRef idx="minor">
+            <a:schemeClr val="lt1"/>
+          </a:fontRef>
+        </p:style>
+        <p:txBody>
+          <a:bodyPr rtlCol="0" anchor="ctr"/>
+          <a:lstStyle/>
+          <a:p>
+            <a:pPr algn="ctr"/>
+            <a:r>
+              <a:rPr lang="en-US" sz="1600" dirty="0">
+                <a:solidFill>
+                  <a:schemeClr val="tx1"/>
+                </a:solidFill>
+              </a:rPr>
+              <a:t>CLI</a:t>
+            </a:r>
+          </a:p>
+        </p:txBody>
+      </p:sp>
+      <p:sp>
+        <p:nvSpPr>
+          <p:cNvPr id="26" name="Rounded Rectangle 25">
+            <a:extLst>
+              <a:ext uri="{FF2B5EF4-FFF2-40B4-BE49-F238E27FC236}">
+                <a16:creationId xmlns:a16="http://schemas.microsoft.com/office/drawing/2014/main" id="{5EFEE84A-3CE7-0945-9CCF-5F91BA78DD82}"/>
+              </a:ext>
+            </a:extLst>
+          </p:cNvPr>
+          <p:cNvSpPr/>
+          <p:nvPr/>
+        </p:nvSpPr>
+        <p:spPr>
+          <a:xfrm>
+            <a:off x="6846858" y="4393125"/>
+            <a:ext cx="934182" cy="371475"/>
+          </a:xfrm>
+          <a:prstGeom prst="roundRect">
+            <a:avLst/>
+          </a:prstGeom>
+          <a:solidFill>
+            <a:schemeClr val="bg1"/>
+          </a:solidFill>
+          <a:ln>
+            <a:solidFill>
+              <a:schemeClr val="tx1"/>
+            </a:solidFill>
+          </a:ln>
+        </p:spPr>
+        <p:style>
+          <a:lnRef idx="2">
+            <a:schemeClr val="accent1">
+              <a:shade val="50000"/>
+            </a:schemeClr>
+          </a:lnRef>
+          <a:fillRef idx="1">
+            <a:schemeClr val="accent1"/>
+          </a:fillRef>
+          <a:effectRef idx="0">
+            <a:schemeClr val="accent1"/>
+          </a:effectRef>
+          <a:fontRef idx="minor">
+            <a:schemeClr val="lt1"/>
+          </a:fontRef>
+        </p:style>
+        <p:txBody>
+          <a:bodyPr rtlCol="0" anchor="ctr"/>
+          <a:lstStyle/>
+          <a:p>
+            <a:pPr algn="ctr"/>
+            <a:r>
+              <a:rPr lang="en-US" sz="1600" dirty="0">
+                <a:solidFill>
+                  <a:schemeClr val="tx1"/>
+                </a:solidFill>
+              </a:rPr>
+              <a:t>Proxy</a:t>
+            </a:r>
+          </a:p>
+        </p:txBody>
+      </p:sp>
+      <p:sp>
+        <p:nvSpPr>
+          <p:cNvPr id="27" name="Rounded Rectangle 26">
+            <a:extLst>
+              <a:ext uri="{FF2B5EF4-FFF2-40B4-BE49-F238E27FC236}">
+                <a16:creationId xmlns:a16="http://schemas.microsoft.com/office/drawing/2014/main" id="{02A2EBC2-7F97-9748-B467-5851FCA5A505}"/>
+              </a:ext>
+            </a:extLst>
+          </p:cNvPr>
+          <p:cNvSpPr/>
+          <p:nvPr/>
+        </p:nvSpPr>
+        <p:spPr>
+          <a:xfrm>
+            <a:off x="8326252" y="4393125"/>
+            <a:ext cx="934182" cy="371475"/>
+          </a:xfrm>
+          <a:prstGeom prst="roundRect">
+            <a:avLst/>
+          </a:prstGeom>
+          <a:solidFill>
+            <a:schemeClr val="bg1"/>
+          </a:solidFill>
+          <a:ln>
+            <a:solidFill>
+              <a:schemeClr val="tx1"/>
+            </a:solidFill>
+          </a:ln>
+        </p:spPr>
+        <p:style>
+          <a:lnRef idx="2">
+            <a:schemeClr val="accent1">
+              <a:shade val="50000"/>
+            </a:schemeClr>
+          </a:lnRef>
+          <a:fillRef idx="1">
+            <a:schemeClr val="accent1"/>
+          </a:fillRef>
+          <a:effectRef idx="0">
+            <a:schemeClr val="accent1"/>
+          </a:effectRef>
+          <a:fontRef idx="minor">
+            <a:schemeClr val="lt1"/>
+          </a:fontRef>
+        </p:style>
+        <p:txBody>
+          <a:bodyPr rtlCol="0" anchor="ctr"/>
+          <a:lstStyle/>
+          <a:p>
+            <a:pPr algn="ctr"/>
+            <a:r>
+              <a:rPr lang="en-US" sz="1600" dirty="0">
+                <a:solidFill>
+                  <a:schemeClr val="tx1"/>
+                </a:solidFill>
+              </a:rPr>
+              <a:t>Web</a:t>
+            </a:r>
+          </a:p>
+        </p:txBody>
+      </p:sp>
+      <p:sp>
+        <p:nvSpPr>
+          <p:cNvPr id="28" name="Oval 27">
+            <a:extLst>
+              <a:ext uri="{FF2B5EF4-FFF2-40B4-BE49-F238E27FC236}">
+                <a16:creationId xmlns:a16="http://schemas.microsoft.com/office/drawing/2014/main" id="{AD2BFD9D-4472-944F-B65A-D1939AE35D14}"/>
+              </a:ext>
+            </a:extLst>
+          </p:cNvPr>
+          <p:cNvSpPr/>
+          <p:nvPr/>
+        </p:nvSpPr>
+        <p:spPr>
+          <a:xfrm>
+            <a:off x="2288128" y="3534197"/>
+            <a:ext cx="360611" cy="375444"/>
+          </a:xfrm>
+          <a:prstGeom prst="ellipse">
+            <a:avLst/>
+          </a:prstGeom>
+          <a:solidFill>
+            <a:schemeClr val="bg1"/>
+          </a:solidFill>
+        </p:spPr>
+        <p:style>
+          <a:lnRef idx="2">
+            <a:schemeClr val="accent1">
+              <a:shade val="50000"/>
+            </a:schemeClr>
+          </a:lnRef>
+          <a:fillRef idx="1">
+            <a:schemeClr val="accent1"/>
+          </a:fillRef>
+          <a:effectRef idx="0">
+            <a:schemeClr val="accent1"/>
+          </a:effectRef>
+          <a:fontRef idx="minor">
+            <a:schemeClr val="lt1"/>
+          </a:fontRef>
+        </p:style>
+        <p:txBody>
+          <a:bodyPr rtlCol="0" anchor="ctr"/>
+          <a:lstStyle/>
+          <a:p>
+            <a:pPr algn="ctr"/>
+            <a:endParaRPr lang="en-US" sz="1600" dirty="0">
+              <a:solidFill>
+                <a:schemeClr val="tx1"/>
+              </a:solidFill>
+            </a:endParaRPr>
+          </a:p>
+        </p:txBody>
+      </p:sp>
+      <p:sp>
+        <p:nvSpPr>
+          <p:cNvPr id="29" name="TextBox 28">
+            <a:extLst>
+              <a:ext uri="{FF2B5EF4-FFF2-40B4-BE49-F238E27FC236}">
+                <a16:creationId xmlns:a16="http://schemas.microsoft.com/office/drawing/2014/main" id="{C79B8773-2C42-7F40-90DC-A8DDE6B02EA3}"/>
+              </a:ext>
+            </a:extLst>
+          </p:cNvPr>
+          <p:cNvSpPr txBox="1"/>
+          <p:nvPr/>
+        </p:nvSpPr>
+        <p:spPr>
+          <a:xfrm>
+            <a:off x="2458962" y="3588962"/>
+            <a:ext cx="1455208" cy="338554"/>
+          </a:xfrm>
+          <a:prstGeom prst="rect">
+            <a:avLst/>
+          </a:prstGeom>
+          <a:noFill/>
+        </p:spPr>
+        <p:txBody>
+          <a:bodyPr wrap="square" rtlCol="0">
+            <a:spAutoFit/>
+          </a:bodyPr>
+          <a:lstStyle/>
+          <a:p>
+            <a:pPr algn="ctr"/>
+            <a:r>
+              <a:rPr lang="en-US" altLang="zh-CN" sz="1600"/>
+              <a:t>user-service</a:t>
+            </a:r>
+            <a:endParaRPr lang="en-US" sz="1600" dirty="0"/>
+          </a:p>
+        </p:txBody>
+      </p:sp>
+      <p:pic>
+        <p:nvPicPr>
+          <p:cNvPr id="3" name="Picture 2">
+            <a:extLst>
+              <a:ext uri="{FF2B5EF4-FFF2-40B4-BE49-F238E27FC236}">
+                <a16:creationId xmlns:a16="http://schemas.microsoft.com/office/drawing/2014/main" id="{C69A651A-24C3-B342-85C0-003C50352B82}"/>
+              </a:ext>
+            </a:extLst>
+          </p:cNvPr>
+          <p:cNvPicPr>
+            <a:picLocks noChangeAspect="1"/>
+          </p:cNvPicPr>
+          <p:nvPr/>
+        </p:nvPicPr>
+        <p:blipFill>
+          <a:blip r:embed="rId2"/>
+          <a:stretch>
+            <a:fillRect/>
+          </a:stretch>
+        </p:blipFill>
+        <p:spPr>
+          <a:xfrm>
+            <a:off x="5486580" y="686796"/>
+            <a:ext cx="304800" cy="304800"/>
+          </a:xfrm>
+          <a:prstGeom prst="rect">
+            <a:avLst/>
+          </a:prstGeom>
+        </p:spPr>
+      </p:pic>
+      <p:cxnSp>
+        <p:nvCxnSpPr>
+          <p:cNvPr id="17" name="Straight Arrow Connector 16">
+            <a:extLst>
+              <a:ext uri="{FF2B5EF4-FFF2-40B4-BE49-F238E27FC236}">
+                <a16:creationId xmlns:a16="http://schemas.microsoft.com/office/drawing/2014/main" id="{2D213680-03CE-2444-AA96-D05CF1405140}"/>
+              </a:ext>
+            </a:extLst>
+          </p:cNvPr>
+          <p:cNvCxnSpPr>
+            <a:cxnSpLocks/>
+            <a:stCxn id="3" idx="2"/>
+          </p:cNvCxnSpPr>
+          <p:nvPr/>
+        </p:nvCxnSpPr>
+        <p:spPr>
+          <a:xfrm flipH="1">
+            <a:off x="5486580" y="991596"/>
+            <a:ext cx="152400" cy="929743"/>
+          </a:xfrm>
+          <a:prstGeom prst="straightConnector1">
+            <a:avLst/>
+          </a:prstGeom>
+          <a:ln>
+            <a:solidFill>
+              <a:schemeClr val="tx1"/>
+            </a:solidFill>
+            <a:tailEnd type="triangle"/>
+          </a:ln>
+        </p:spPr>
+        <p:style>
+          <a:lnRef idx="1">
+            <a:schemeClr val="accent1"/>
+          </a:lnRef>
+          <a:fillRef idx="0">
+            <a:schemeClr val="accent1"/>
+          </a:fillRef>
+          <a:effectRef idx="0">
+            <a:schemeClr val="accent1"/>
+          </a:effectRef>
+          <a:fontRef idx="minor">
+            <a:schemeClr val="tx1"/>
+          </a:fontRef>
+        </p:style>
+      </p:cxnSp>
+      <p:cxnSp>
+        <p:nvCxnSpPr>
+          <p:cNvPr id="36" name="Straight Arrow Connector 35">
+            <a:extLst>
+              <a:ext uri="{FF2B5EF4-FFF2-40B4-BE49-F238E27FC236}">
+                <a16:creationId xmlns:a16="http://schemas.microsoft.com/office/drawing/2014/main" id="{35735F90-563E-7143-9ED9-D7D2E0AF9243}"/>
+              </a:ext>
+            </a:extLst>
+          </p:cNvPr>
+          <p:cNvCxnSpPr>
+            <a:cxnSpLocks/>
+          </p:cNvCxnSpPr>
+          <p:nvPr/>
+        </p:nvCxnSpPr>
+        <p:spPr>
+          <a:xfrm flipH="1">
+            <a:off x="2878937" y="2107076"/>
+            <a:ext cx="2070466" cy="697337"/>
+          </a:xfrm>
+          <a:prstGeom prst="straightConnector1">
+            <a:avLst/>
+          </a:prstGeom>
+          <a:ln>
+            <a:solidFill>
+              <a:schemeClr val="tx1"/>
+            </a:solidFill>
+            <a:tailEnd type="triangle"/>
+          </a:ln>
+        </p:spPr>
+        <p:style>
+          <a:lnRef idx="1">
+            <a:schemeClr val="accent1"/>
+          </a:lnRef>
+          <a:fillRef idx="0">
+            <a:schemeClr val="accent1"/>
+          </a:fillRef>
+          <a:effectRef idx="0">
+            <a:schemeClr val="accent1"/>
+          </a:effectRef>
+          <a:fontRef idx="minor">
+            <a:schemeClr val="tx1"/>
+          </a:fontRef>
+        </p:style>
+      </p:cxnSp>
+      <p:cxnSp>
+        <p:nvCxnSpPr>
+          <p:cNvPr id="37" name="Straight Arrow Connector 36">
+            <a:extLst>
+              <a:ext uri="{FF2B5EF4-FFF2-40B4-BE49-F238E27FC236}">
+                <a16:creationId xmlns:a16="http://schemas.microsoft.com/office/drawing/2014/main" id="{4E548730-18A9-6C45-A09A-B3048798A85B}"/>
+              </a:ext>
+            </a:extLst>
+          </p:cNvPr>
+          <p:cNvCxnSpPr>
+            <a:cxnSpLocks/>
+            <a:stCxn id="5" idx="3"/>
+            <a:endCxn id="28" idx="0"/>
+          </p:cNvCxnSpPr>
+          <p:nvPr/>
+        </p:nvCxnSpPr>
+        <p:spPr>
+          <a:xfrm flipH="1">
+            <a:off x="2468434" y="3029869"/>
+            <a:ext cx="159760" cy="504328"/>
+          </a:xfrm>
+          <a:prstGeom prst="straightConnector1">
+            <a:avLst/>
+          </a:prstGeom>
+          <a:ln>
+            <a:solidFill>
+              <a:schemeClr val="tx1"/>
+            </a:solidFill>
+            <a:tailEnd type="triangle"/>
+          </a:ln>
+        </p:spPr>
+        <p:style>
+          <a:lnRef idx="1">
+            <a:schemeClr val="accent1"/>
+          </a:lnRef>
+          <a:fillRef idx="0">
+            <a:schemeClr val="accent1"/>
+          </a:fillRef>
+          <a:effectRef idx="0">
+            <a:schemeClr val="accent1"/>
+          </a:effectRef>
+          <a:fontRef idx="minor">
+            <a:schemeClr val="tx1"/>
+          </a:fontRef>
+        </p:style>
+      </p:cxnSp>
+      <p:sp>
+        <p:nvSpPr>
+          <p:cNvPr id="40" name="TextBox 39">
+            <a:extLst>
+              <a:ext uri="{FF2B5EF4-FFF2-40B4-BE49-F238E27FC236}">
+                <a16:creationId xmlns:a16="http://schemas.microsoft.com/office/drawing/2014/main" id="{ABEB8E89-4651-454C-AA5B-39E2C37B7271}"/>
+              </a:ext>
+            </a:extLst>
+          </p:cNvPr>
+          <p:cNvSpPr txBox="1"/>
+          <p:nvPr/>
+        </p:nvSpPr>
+        <p:spPr>
+          <a:xfrm>
+            <a:off x="5562780" y="1147687"/>
+            <a:ext cx="1908831" cy="369332"/>
+          </a:xfrm>
+          <a:prstGeom prst="rect">
+            <a:avLst/>
+          </a:prstGeom>
+          <a:noFill/>
+        </p:spPr>
+        <p:txBody>
+          <a:bodyPr wrap="square" rtlCol="0">
+            <a:spAutoFit/>
+          </a:bodyPr>
+          <a:lstStyle/>
+          <a:p>
+            <a:r>
+              <a:rPr lang="en-US" altLang="zh-CN">
+                <a:solidFill>
+                  <a:srgbClr val="FF0000"/>
+                </a:solidFill>
+              </a:rPr>
+              <a:t>Http:</a:t>
+            </a:r>
+            <a:r>
+              <a:rPr lang="zh-CN" altLang="en-US">
+                <a:solidFill>
+                  <a:srgbClr val="FF0000"/>
+                </a:solidFill>
+              </a:rPr>
+              <a:t> </a:t>
+            </a:r>
+            <a:r>
+              <a:rPr lang="en-US" altLang="zh-CN">
+                <a:solidFill>
+                  <a:srgbClr val="FF0000"/>
+                </a:solidFill>
+              </a:rPr>
+              <a:t>/user/login</a:t>
+            </a:r>
+            <a:endParaRPr lang="en-US">
+              <a:solidFill>
+                <a:srgbClr val="FF0000"/>
+              </a:solidFill>
+            </a:endParaRPr>
+          </a:p>
+        </p:txBody>
+      </p:sp>
+      <p:sp>
+        <p:nvSpPr>
+          <p:cNvPr id="43" name="TextBox 42">
+            <a:extLst>
+              <a:ext uri="{FF2B5EF4-FFF2-40B4-BE49-F238E27FC236}">
+                <a16:creationId xmlns:a16="http://schemas.microsoft.com/office/drawing/2014/main" id="{C484AC38-0C51-CC41-A1FA-A9D95D6149E1}"/>
+              </a:ext>
+            </a:extLst>
+          </p:cNvPr>
+          <p:cNvSpPr txBox="1"/>
+          <p:nvPr/>
+        </p:nvSpPr>
+        <p:spPr>
+          <a:xfrm>
+            <a:off x="2834566" y="2108148"/>
+            <a:ext cx="1608612" cy="369332"/>
+          </a:xfrm>
+          <a:prstGeom prst="rect">
+            <a:avLst/>
+          </a:prstGeom>
+          <a:noFill/>
+        </p:spPr>
+        <p:txBody>
+          <a:bodyPr wrap="square" rtlCol="0">
+            <a:spAutoFit/>
+          </a:bodyPr>
+          <a:lstStyle/>
+          <a:p>
+            <a:r>
+              <a:rPr lang="en-US" altLang="zh-CN">
+                <a:solidFill>
+                  <a:srgbClr val="FF0000"/>
+                </a:solidFill>
+              </a:rPr>
+              <a:t>Proxy:</a:t>
+            </a:r>
+            <a:r>
+              <a:rPr lang="zh-CN" altLang="en-US">
+                <a:solidFill>
+                  <a:srgbClr val="FF0000"/>
+                </a:solidFill>
+              </a:rPr>
+              <a:t> </a:t>
+            </a:r>
+            <a:r>
+              <a:rPr lang="en-US" altLang="zh-CN">
+                <a:solidFill>
+                  <a:srgbClr val="FF0000"/>
+                </a:solidFill>
+              </a:rPr>
+              <a:t>/user</a:t>
+            </a:r>
+            <a:endParaRPr lang="en-US">
+              <a:solidFill>
+                <a:srgbClr val="FF0000"/>
+              </a:solidFill>
+            </a:endParaRPr>
+          </a:p>
+        </p:txBody>
+      </p:sp>
+      <p:sp>
+        <p:nvSpPr>
+          <p:cNvPr id="45" name="TextBox 44">
+            <a:extLst>
+              <a:ext uri="{FF2B5EF4-FFF2-40B4-BE49-F238E27FC236}">
+                <a16:creationId xmlns:a16="http://schemas.microsoft.com/office/drawing/2014/main" id="{173DE550-9B6E-A64C-ABF3-3BA86F60FFEF}"/>
+              </a:ext>
+            </a:extLst>
+          </p:cNvPr>
+          <p:cNvSpPr txBox="1"/>
+          <p:nvPr/>
+        </p:nvSpPr>
+        <p:spPr>
+          <a:xfrm>
+            <a:off x="2468433" y="3189262"/>
+            <a:ext cx="3602229" cy="369332"/>
+          </a:xfrm>
+          <a:prstGeom prst="rect">
+            <a:avLst/>
+          </a:prstGeom>
+          <a:noFill/>
+        </p:spPr>
+        <p:txBody>
+          <a:bodyPr wrap="square" rtlCol="0">
+            <a:spAutoFit/>
+          </a:bodyPr>
+          <a:lstStyle/>
+          <a:p>
+            <a:r>
+              <a:rPr lang="en-US">
+                <a:solidFill>
+                  <a:srgbClr val="FF0000"/>
+                </a:solidFill>
+              </a:rPr>
+              <a:t>Call</a:t>
+            </a:r>
+            <a:r>
+              <a:rPr lang="en-US" altLang="zh-CN">
+                <a:solidFill>
+                  <a:srgbClr val="FF0000"/>
+                </a:solidFill>
+              </a:rPr>
+              <a:t>:</a:t>
+            </a:r>
+            <a:r>
+              <a:rPr lang="zh-CN" altLang="en-US">
+                <a:solidFill>
+                  <a:srgbClr val="FF0000"/>
+                </a:solidFill>
+              </a:rPr>
+              <a:t>  </a:t>
+            </a:r>
+            <a:r>
+              <a:rPr lang="en-US" altLang="zh-CN">
+                <a:solidFill>
+                  <a:srgbClr val="FF0000"/>
+                </a:solidFill>
+              </a:rPr>
+              <a:t>Service.QueryUserByName</a:t>
+            </a:r>
+            <a:endParaRPr lang="en-US">
+              <a:solidFill>
+                <a:srgbClr val="FF0000"/>
+              </a:solidFill>
+            </a:endParaRPr>
           </a:p>
         </p:txBody>
       </p:sp>
     </p:spTree>
     <p:extLst>
       <p:ext uri="{BB962C8B-B14F-4D97-AF65-F5344CB8AC3E}">
-        <p14:creationId xmlns:p14="http://schemas.microsoft.com/office/powerpoint/2010/main" val="346555501"/>
+        <p14:creationId xmlns:p14="http://schemas.microsoft.com/office/powerpoint/2010/main" val="2285654897"/>
       </p:ext>
     </p:extLst>
   </p:cSld>

--- a/microservice-in-micro/docs/design.pptx
+++ b/microservice-in-micro/docs/design.pptx
@@ -8,6 +8,7 @@
     <p:sldId id="256" r:id="rId2"/>
     <p:sldId id="258" r:id="rId3"/>
     <p:sldId id="259" r:id="rId4"/>
+    <p:sldId id="260" r:id="rId5"/>
   </p:sldIdLst>
   <p:sldSz cx="12192000" cy="6858000"/>
   <p:notesSz cx="6858000" cy="9144000"/>
@@ -7020,6 +7021,1481 @@
 </p:sld>
 </file>
 
+<file path=ppt/slides/slide4.xml><?xml version="1.0" encoding="utf-8"?>
+<p:sld xmlns:a="http://schemas.openxmlformats.org/drawingml/2006/main" xmlns:r="http://schemas.openxmlformats.org/officeDocument/2006/relationships" xmlns:p="http://schemas.openxmlformats.org/presentationml/2006/main">
+  <p:cSld>
+    <p:spTree>
+      <p:nvGrpSpPr>
+        <p:cNvPr id="1" name=""/>
+        <p:cNvGrpSpPr/>
+        <p:nvPr/>
+      </p:nvGrpSpPr>
+      <p:grpSpPr>
+        <a:xfrm>
+          <a:off x="0" y="0"/>
+          <a:ext cx="0" cy="0"/>
+          <a:chOff x="0" y="0"/>
+          <a:chExt cx="0" cy="0"/>
+        </a:xfrm>
+      </p:grpSpPr>
+      <p:sp>
+        <p:nvSpPr>
+          <p:cNvPr id="4" name="Rounded Rectangle 3">
+            <a:extLst>
+              <a:ext uri="{FF2B5EF4-FFF2-40B4-BE49-F238E27FC236}">
+                <a16:creationId xmlns:a16="http://schemas.microsoft.com/office/drawing/2014/main" id="{A88C9C0A-D587-2844-A4BD-196F12E322FC}"/>
+              </a:ext>
+            </a:extLst>
+          </p:cNvPr>
+          <p:cNvSpPr/>
+          <p:nvPr/>
+        </p:nvSpPr>
+        <p:spPr>
+          <a:xfrm>
+            <a:off x="1782763" y="2604998"/>
+            <a:ext cx="7643812" cy="1360578"/>
+          </a:xfrm>
+          <a:prstGeom prst="roundRect">
+            <a:avLst/>
+          </a:prstGeom>
+          <a:solidFill>
+            <a:schemeClr val="bg1"/>
+          </a:solidFill>
+          <a:ln>
+            <a:solidFill>
+              <a:schemeClr val="tx1"/>
+            </a:solidFill>
+          </a:ln>
+        </p:spPr>
+        <p:style>
+          <a:lnRef idx="2">
+            <a:schemeClr val="accent1">
+              <a:shade val="50000"/>
+            </a:schemeClr>
+          </a:lnRef>
+          <a:fillRef idx="1">
+            <a:schemeClr val="accent1"/>
+          </a:fillRef>
+          <a:effectRef idx="0">
+            <a:schemeClr val="accent1"/>
+          </a:effectRef>
+          <a:fontRef idx="minor">
+            <a:schemeClr val="lt1"/>
+          </a:fontRef>
+        </p:style>
+        <p:txBody>
+          <a:bodyPr rtlCol="0" anchor="ctr"/>
+          <a:lstStyle/>
+          <a:p>
+            <a:pPr algn="ctr"/>
+            <a:endParaRPr lang="en-US" sz="1600">
+              <a:solidFill>
+                <a:schemeClr val="tx1"/>
+              </a:solidFill>
+            </a:endParaRPr>
+          </a:p>
+        </p:txBody>
+      </p:sp>
+      <p:sp>
+        <p:nvSpPr>
+          <p:cNvPr id="5" name="Oval 4">
+            <a:extLst>
+              <a:ext uri="{FF2B5EF4-FFF2-40B4-BE49-F238E27FC236}">
+                <a16:creationId xmlns:a16="http://schemas.microsoft.com/office/drawing/2014/main" id="{D7D02241-5F95-2548-80FC-945D4019D8F2}"/>
+              </a:ext>
+            </a:extLst>
+          </p:cNvPr>
+          <p:cNvSpPr/>
+          <p:nvPr/>
+        </p:nvSpPr>
+        <p:spPr>
+          <a:xfrm>
+            <a:off x="2575384" y="2709408"/>
+            <a:ext cx="360611" cy="375444"/>
+          </a:xfrm>
+          <a:prstGeom prst="ellipse">
+            <a:avLst/>
+          </a:prstGeom>
+          <a:solidFill>
+            <a:schemeClr val="bg1"/>
+          </a:solidFill>
+          <a:ln>
+            <a:solidFill>
+              <a:srgbClr val="FF0000"/>
+            </a:solidFill>
+          </a:ln>
+        </p:spPr>
+        <p:style>
+          <a:lnRef idx="2">
+            <a:schemeClr val="accent1">
+              <a:shade val="50000"/>
+            </a:schemeClr>
+          </a:lnRef>
+          <a:fillRef idx="1">
+            <a:schemeClr val="accent1"/>
+          </a:fillRef>
+          <a:effectRef idx="0">
+            <a:schemeClr val="accent1"/>
+          </a:effectRef>
+          <a:fontRef idx="minor">
+            <a:schemeClr val="lt1"/>
+          </a:fontRef>
+        </p:style>
+        <p:txBody>
+          <a:bodyPr rtlCol="0" anchor="ctr"/>
+          <a:lstStyle/>
+          <a:p>
+            <a:pPr algn="ctr"/>
+            <a:endParaRPr lang="en-US" sz="1600" dirty="0">
+              <a:solidFill>
+                <a:schemeClr val="tx1"/>
+              </a:solidFill>
+            </a:endParaRPr>
+          </a:p>
+        </p:txBody>
+      </p:sp>
+      <p:sp>
+        <p:nvSpPr>
+          <p:cNvPr id="6" name="Oval 5">
+            <a:extLst>
+              <a:ext uri="{FF2B5EF4-FFF2-40B4-BE49-F238E27FC236}">
+                <a16:creationId xmlns:a16="http://schemas.microsoft.com/office/drawing/2014/main" id="{65C3F94C-27BF-BB46-9077-FF05DED0C2C1}"/>
+              </a:ext>
+            </a:extLst>
+          </p:cNvPr>
+          <p:cNvSpPr/>
+          <p:nvPr/>
+        </p:nvSpPr>
+        <p:spPr>
+          <a:xfrm>
+            <a:off x="3772235" y="3310864"/>
+            <a:ext cx="385327" cy="375444"/>
+          </a:xfrm>
+          <a:prstGeom prst="ellipse">
+            <a:avLst/>
+          </a:prstGeom>
+          <a:solidFill>
+            <a:schemeClr val="bg1"/>
+          </a:solidFill>
+        </p:spPr>
+        <p:style>
+          <a:lnRef idx="2">
+            <a:schemeClr val="accent1">
+              <a:shade val="50000"/>
+            </a:schemeClr>
+          </a:lnRef>
+          <a:fillRef idx="1">
+            <a:schemeClr val="accent1"/>
+          </a:fillRef>
+          <a:effectRef idx="0">
+            <a:schemeClr val="accent1"/>
+          </a:effectRef>
+          <a:fontRef idx="minor">
+            <a:schemeClr val="lt1"/>
+          </a:fontRef>
+        </p:style>
+        <p:txBody>
+          <a:bodyPr rtlCol="0" anchor="ctr"/>
+          <a:lstStyle/>
+          <a:p>
+            <a:pPr algn="ctr"/>
+            <a:endParaRPr lang="en-US" sz="1600">
+              <a:solidFill>
+                <a:schemeClr val="tx1"/>
+              </a:solidFill>
+            </a:endParaRPr>
+          </a:p>
+        </p:txBody>
+      </p:sp>
+      <p:sp>
+        <p:nvSpPr>
+          <p:cNvPr id="7" name="Oval 6">
+            <a:extLst>
+              <a:ext uri="{FF2B5EF4-FFF2-40B4-BE49-F238E27FC236}">
+                <a16:creationId xmlns:a16="http://schemas.microsoft.com/office/drawing/2014/main" id="{57F7A0AB-E2FB-C240-AC3B-85AC349AE306}"/>
+              </a:ext>
+            </a:extLst>
+          </p:cNvPr>
+          <p:cNvSpPr/>
+          <p:nvPr/>
+        </p:nvSpPr>
+        <p:spPr>
+          <a:xfrm>
+            <a:off x="4891488" y="3337484"/>
+            <a:ext cx="385327" cy="375444"/>
+          </a:xfrm>
+          <a:prstGeom prst="ellipse">
+            <a:avLst/>
+          </a:prstGeom>
+          <a:solidFill>
+            <a:schemeClr val="bg1"/>
+          </a:solidFill>
+        </p:spPr>
+        <p:style>
+          <a:lnRef idx="2">
+            <a:schemeClr val="accent1">
+              <a:shade val="50000"/>
+            </a:schemeClr>
+          </a:lnRef>
+          <a:fillRef idx="1">
+            <a:schemeClr val="accent1"/>
+          </a:fillRef>
+          <a:effectRef idx="0">
+            <a:schemeClr val="accent1"/>
+          </a:effectRef>
+          <a:fontRef idx="minor">
+            <a:schemeClr val="lt1"/>
+          </a:fontRef>
+        </p:style>
+        <p:txBody>
+          <a:bodyPr rtlCol="0" anchor="ctr"/>
+          <a:lstStyle/>
+          <a:p>
+            <a:pPr algn="ctr"/>
+            <a:endParaRPr lang="en-US" sz="1600">
+              <a:solidFill>
+                <a:schemeClr val="tx1"/>
+              </a:solidFill>
+            </a:endParaRPr>
+          </a:p>
+        </p:txBody>
+      </p:sp>
+      <p:sp>
+        <p:nvSpPr>
+          <p:cNvPr id="8" name="Oval 7">
+            <a:extLst>
+              <a:ext uri="{FF2B5EF4-FFF2-40B4-BE49-F238E27FC236}">
+                <a16:creationId xmlns:a16="http://schemas.microsoft.com/office/drawing/2014/main" id="{E509FCDA-9339-1044-B538-732B8B7B1EE6}"/>
+              </a:ext>
+            </a:extLst>
+          </p:cNvPr>
+          <p:cNvSpPr/>
+          <p:nvPr/>
+        </p:nvSpPr>
+        <p:spPr>
+          <a:xfrm>
+            <a:off x="8123673" y="3321497"/>
+            <a:ext cx="385327" cy="375444"/>
+          </a:xfrm>
+          <a:prstGeom prst="ellipse">
+            <a:avLst/>
+          </a:prstGeom>
+          <a:solidFill>
+            <a:schemeClr val="bg1"/>
+          </a:solidFill>
+        </p:spPr>
+        <p:style>
+          <a:lnRef idx="2">
+            <a:schemeClr val="accent1">
+              <a:shade val="50000"/>
+            </a:schemeClr>
+          </a:lnRef>
+          <a:fillRef idx="1">
+            <a:schemeClr val="accent1"/>
+          </a:fillRef>
+          <a:effectRef idx="0">
+            <a:schemeClr val="accent1"/>
+          </a:effectRef>
+          <a:fontRef idx="minor">
+            <a:schemeClr val="lt1"/>
+          </a:fontRef>
+        </p:style>
+        <p:txBody>
+          <a:bodyPr rtlCol="0" anchor="ctr"/>
+          <a:lstStyle/>
+          <a:p>
+            <a:pPr algn="ctr"/>
+            <a:endParaRPr lang="en-US" sz="1600">
+              <a:solidFill>
+                <a:schemeClr val="tx1"/>
+              </a:solidFill>
+            </a:endParaRPr>
+          </a:p>
+        </p:txBody>
+      </p:sp>
+      <p:sp>
+        <p:nvSpPr>
+          <p:cNvPr id="9" name="TextBox 8">
+            <a:extLst>
+              <a:ext uri="{FF2B5EF4-FFF2-40B4-BE49-F238E27FC236}">
+                <a16:creationId xmlns:a16="http://schemas.microsoft.com/office/drawing/2014/main" id="{2894DEC5-60A7-AD42-BB09-5A6FBABD558E}"/>
+              </a:ext>
+            </a:extLst>
+          </p:cNvPr>
+          <p:cNvSpPr txBox="1"/>
+          <p:nvPr/>
+        </p:nvSpPr>
+        <p:spPr>
+          <a:xfrm>
+            <a:off x="2187994" y="3005141"/>
+            <a:ext cx="1164664" cy="338554"/>
+          </a:xfrm>
+          <a:prstGeom prst="rect">
+            <a:avLst/>
+          </a:prstGeom>
+          <a:noFill/>
+        </p:spPr>
+        <p:txBody>
+          <a:bodyPr wrap="square" rtlCol="0">
+            <a:spAutoFit/>
+          </a:bodyPr>
+          <a:lstStyle/>
+          <a:p>
+            <a:pPr algn="ctr"/>
+            <a:r>
+              <a:rPr lang="en-US" sz="1600"/>
+              <a:t>user</a:t>
+            </a:r>
+            <a:r>
+              <a:rPr lang="en-US" altLang="zh-CN" sz="1600"/>
+              <a:t>s-web</a:t>
+            </a:r>
+            <a:endParaRPr lang="en-US" sz="1600" dirty="0"/>
+          </a:p>
+        </p:txBody>
+      </p:sp>
+      <p:sp>
+        <p:nvSpPr>
+          <p:cNvPr id="10" name="TextBox 9">
+            <a:extLst>
+              <a:ext uri="{FF2B5EF4-FFF2-40B4-BE49-F238E27FC236}">
+                <a16:creationId xmlns:a16="http://schemas.microsoft.com/office/drawing/2014/main" id="{ABD06A86-9DEA-B745-B369-35C7E9E01DC1}"/>
+              </a:ext>
+            </a:extLst>
+          </p:cNvPr>
+          <p:cNvSpPr txBox="1"/>
+          <p:nvPr/>
+        </p:nvSpPr>
+        <p:spPr>
+          <a:xfrm>
+            <a:off x="3654803" y="3636006"/>
+            <a:ext cx="686140" cy="338554"/>
+          </a:xfrm>
+          <a:prstGeom prst="rect">
+            <a:avLst/>
+          </a:prstGeom>
+          <a:noFill/>
+        </p:spPr>
+        <p:txBody>
+          <a:bodyPr wrap="square" rtlCol="0">
+            <a:spAutoFit/>
+          </a:bodyPr>
+          <a:lstStyle/>
+          <a:p>
+            <a:pPr algn="ctr"/>
+            <a:r>
+              <a:rPr lang="en-US" sz="1600" dirty="0" err="1"/>
+              <a:t>auth</a:t>
+            </a:r>
+            <a:endParaRPr lang="en-US" sz="1600" dirty="0"/>
+          </a:p>
+        </p:txBody>
+      </p:sp>
+      <p:sp>
+        <p:nvSpPr>
+          <p:cNvPr id="11" name="TextBox 10">
+            <a:extLst>
+              <a:ext uri="{FF2B5EF4-FFF2-40B4-BE49-F238E27FC236}">
+                <a16:creationId xmlns:a16="http://schemas.microsoft.com/office/drawing/2014/main" id="{4EF75E50-FCE1-314C-BF42-F01E386AA582}"/>
+              </a:ext>
+            </a:extLst>
+          </p:cNvPr>
+          <p:cNvSpPr txBox="1"/>
+          <p:nvPr/>
+        </p:nvSpPr>
+        <p:spPr>
+          <a:xfrm>
+            <a:off x="7820657" y="3658889"/>
+            <a:ext cx="1073946" cy="338554"/>
+          </a:xfrm>
+          <a:prstGeom prst="rect">
+            <a:avLst/>
+          </a:prstGeom>
+          <a:noFill/>
+        </p:spPr>
+        <p:txBody>
+          <a:bodyPr wrap="square" rtlCol="0">
+            <a:spAutoFit/>
+          </a:bodyPr>
+          <a:lstStyle/>
+          <a:p>
+            <a:pPr algn="ctr"/>
+            <a:r>
+              <a:rPr lang="en-US" sz="1600" dirty="0"/>
+              <a:t>pay</a:t>
+            </a:r>
+            <a:r>
+              <a:rPr lang="en-US" altLang="zh-CN" sz="1600" dirty="0"/>
+              <a:t>ment</a:t>
+            </a:r>
+            <a:endParaRPr lang="en-US" sz="1600" dirty="0"/>
+          </a:p>
+        </p:txBody>
+      </p:sp>
+      <p:sp>
+        <p:nvSpPr>
+          <p:cNvPr id="12" name="TextBox 11">
+            <a:extLst>
+              <a:ext uri="{FF2B5EF4-FFF2-40B4-BE49-F238E27FC236}">
+                <a16:creationId xmlns:a16="http://schemas.microsoft.com/office/drawing/2014/main" id="{A324C986-31E4-4249-9F28-388A8BFEAD87}"/>
+              </a:ext>
+            </a:extLst>
+          </p:cNvPr>
+          <p:cNvSpPr txBox="1"/>
+          <p:nvPr/>
+        </p:nvSpPr>
+        <p:spPr>
+          <a:xfrm>
+            <a:off x="4690463" y="3651158"/>
+            <a:ext cx="802910" cy="338554"/>
+          </a:xfrm>
+          <a:prstGeom prst="rect">
+            <a:avLst/>
+          </a:prstGeom>
+          <a:noFill/>
+        </p:spPr>
+        <p:txBody>
+          <a:bodyPr wrap="square" rtlCol="0">
+            <a:spAutoFit/>
+          </a:bodyPr>
+          <a:lstStyle/>
+          <a:p>
+            <a:pPr algn="ctr"/>
+            <a:r>
+              <a:rPr lang="en-US" sz="1600" dirty="0"/>
+              <a:t>orders</a:t>
+            </a:r>
+          </a:p>
+        </p:txBody>
+      </p:sp>
+      <p:sp>
+        <p:nvSpPr>
+          <p:cNvPr id="13" name="Oval 12">
+            <a:extLst>
+              <a:ext uri="{FF2B5EF4-FFF2-40B4-BE49-F238E27FC236}">
+                <a16:creationId xmlns:a16="http://schemas.microsoft.com/office/drawing/2014/main" id="{3082FF18-4B3B-0048-9411-88A22F312658}"/>
+              </a:ext>
+            </a:extLst>
+          </p:cNvPr>
+          <p:cNvSpPr/>
+          <p:nvPr/>
+        </p:nvSpPr>
+        <p:spPr>
+          <a:xfrm>
+            <a:off x="6822431" y="3348113"/>
+            <a:ext cx="385327" cy="375444"/>
+          </a:xfrm>
+          <a:prstGeom prst="ellipse">
+            <a:avLst/>
+          </a:prstGeom>
+          <a:solidFill>
+            <a:schemeClr val="bg1"/>
+          </a:solidFill>
+        </p:spPr>
+        <p:style>
+          <a:lnRef idx="2">
+            <a:schemeClr val="accent1">
+              <a:shade val="50000"/>
+            </a:schemeClr>
+          </a:lnRef>
+          <a:fillRef idx="1">
+            <a:schemeClr val="accent1"/>
+          </a:fillRef>
+          <a:effectRef idx="0">
+            <a:schemeClr val="accent1"/>
+          </a:effectRef>
+          <a:fontRef idx="minor">
+            <a:schemeClr val="lt1"/>
+          </a:fontRef>
+        </p:style>
+        <p:txBody>
+          <a:bodyPr rtlCol="0" anchor="ctr"/>
+          <a:lstStyle/>
+          <a:p>
+            <a:pPr algn="ctr"/>
+            <a:endParaRPr lang="en-US" sz="1600">
+              <a:solidFill>
+                <a:schemeClr val="tx1"/>
+              </a:solidFill>
+            </a:endParaRPr>
+          </a:p>
+        </p:txBody>
+      </p:sp>
+      <p:sp>
+        <p:nvSpPr>
+          <p:cNvPr id="14" name="TextBox 13">
+            <a:extLst>
+              <a:ext uri="{FF2B5EF4-FFF2-40B4-BE49-F238E27FC236}">
+                <a16:creationId xmlns:a16="http://schemas.microsoft.com/office/drawing/2014/main" id="{30226585-A694-C849-B0E5-1838EE451E55}"/>
+              </a:ext>
+            </a:extLst>
+          </p:cNvPr>
+          <p:cNvSpPr txBox="1"/>
+          <p:nvPr/>
+        </p:nvSpPr>
+        <p:spPr>
+          <a:xfrm>
+            <a:off x="6537806" y="3679245"/>
+            <a:ext cx="1143151" cy="338554"/>
+          </a:xfrm>
+          <a:prstGeom prst="rect">
+            <a:avLst/>
+          </a:prstGeom>
+          <a:noFill/>
+        </p:spPr>
+        <p:txBody>
+          <a:bodyPr wrap="square" rtlCol="0">
+            <a:spAutoFit/>
+          </a:bodyPr>
+          <a:lstStyle/>
+          <a:p>
+            <a:pPr algn="ctr"/>
+            <a:r>
+              <a:rPr lang="en-US" sz="1600" dirty="0"/>
+              <a:t>inventory</a:t>
+            </a:r>
+          </a:p>
+        </p:txBody>
+      </p:sp>
+      <p:sp>
+        <p:nvSpPr>
+          <p:cNvPr id="16" name="Rounded Rectangle 15">
+            <a:extLst>
+              <a:ext uri="{FF2B5EF4-FFF2-40B4-BE49-F238E27FC236}">
+                <a16:creationId xmlns:a16="http://schemas.microsoft.com/office/drawing/2014/main" id="{AD17F8E4-B471-7D48-90FF-F5A25807ACE4}"/>
+              </a:ext>
+            </a:extLst>
+          </p:cNvPr>
+          <p:cNvSpPr/>
+          <p:nvPr/>
+        </p:nvSpPr>
+        <p:spPr>
+          <a:xfrm>
+            <a:off x="1782763" y="1765248"/>
+            <a:ext cx="7643812" cy="683658"/>
+          </a:xfrm>
+          <a:prstGeom prst="roundRect">
+            <a:avLst/>
+          </a:prstGeom>
+          <a:solidFill>
+            <a:schemeClr val="bg1"/>
+          </a:solidFill>
+          <a:ln>
+            <a:solidFill>
+              <a:schemeClr val="tx1"/>
+            </a:solidFill>
+          </a:ln>
+        </p:spPr>
+        <p:style>
+          <a:lnRef idx="2">
+            <a:schemeClr val="accent1">
+              <a:shade val="50000"/>
+            </a:schemeClr>
+          </a:lnRef>
+          <a:fillRef idx="1">
+            <a:schemeClr val="accent1"/>
+          </a:fillRef>
+          <a:effectRef idx="0">
+            <a:schemeClr val="accent1"/>
+          </a:effectRef>
+          <a:fontRef idx="minor">
+            <a:schemeClr val="lt1"/>
+          </a:fontRef>
+        </p:style>
+        <p:txBody>
+          <a:bodyPr rtlCol="0" anchor="ctr"/>
+          <a:lstStyle/>
+          <a:p>
+            <a:pPr algn="ctr"/>
+            <a:endParaRPr lang="en-US" sz="1600">
+              <a:solidFill>
+                <a:schemeClr val="tx1"/>
+              </a:solidFill>
+            </a:endParaRPr>
+          </a:p>
+        </p:txBody>
+      </p:sp>
+      <p:sp>
+        <p:nvSpPr>
+          <p:cNvPr id="18" name="Rounded Rectangle 17">
+            <a:extLst>
+              <a:ext uri="{FF2B5EF4-FFF2-40B4-BE49-F238E27FC236}">
+                <a16:creationId xmlns:a16="http://schemas.microsoft.com/office/drawing/2014/main" id="{1F81A9D7-348F-384D-A6EB-3BED55660D39}"/>
+              </a:ext>
+            </a:extLst>
+          </p:cNvPr>
+          <p:cNvSpPr/>
+          <p:nvPr/>
+        </p:nvSpPr>
+        <p:spPr>
+          <a:xfrm>
+            <a:off x="4949403" y="1921339"/>
+            <a:ext cx="1310531" cy="371475"/>
+          </a:xfrm>
+          <a:prstGeom prst="roundRect">
+            <a:avLst/>
+          </a:prstGeom>
+          <a:solidFill>
+            <a:schemeClr val="bg1"/>
+          </a:solidFill>
+          <a:ln>
+            <a:solidFill>
+              <a:schemeClr val="tx1"/>
+            </a:solidFill>
+          </a:ln>
+        </p:spPr>
+        <p:style>
+          <a:lnRef idx="2">
+            <a:schemeClr val="accent1">
+              <a:shade val="50000"/>
+            </a:schemeClr>
+          </a:lnRef>
+          <a:fillRef idx="1">
+            <a:schemeClr val="accent1"/>
+          </a:fillRef>
+          <a:effectRef idx="0">
+            <a:schemeClr val="accent1"/>
+          </a:effectRef>
+          <a:fontRef idx="minor">
+            <a:schemeClr val="lt1"/>
+          </a:fontRef>
+        </p:style>
+        <p:txBody>
+          <a:bodyPr rtlCol="0" anchor="ctr"/>
+          <a:lstStyle/>
+          <a:p>
+            <a:pPr algn="ctr"/>
+            <a:r>
+              <a:rPr lang="en-US" sz="1600" dirty="0">
+                <a:solidFill>
+                  <a:schemeClr val="tx1"/>
+                </a:solidFill>
+              </a:rPr>
+              <a:t>API</a:t>
+            </a:r>
+          </a:p>
+        </p:txBody>
+      </p:sp>
+      <p:sp>
+        <p:nvSpPr>
+          <p:cNvPr id="21" name="TextBox 20">
+            <a:extLst>
+              <a:ext uri="{FF2B5EF4-FFF2-40B4-BE49-F238E27FC236}">
+                <a16:creationId xmlns:a16="http://schemas.microsoft.com/office/drawing/2014/main" id="{7A7C98C1-66D3-AA49-91A1-D8C57A31E064}"/>
+              </a:ext>
+            </a:extLst>
+          </p:cNvPr>
+          <p:cNvSpPr txBox="1"/>
+          <p:nvPr/>
+        </p:nvSpPr>
+        <p:spPr>
+          <a:xfrm>
+            <a:off x="4764168" y="1136305"/>
+            <a:ext cx="1373004" cy="338554"/>
+          </a:xfrm>
+          <a:prstGeom prst="rect">
+            <a:avLst/>
+          </a:prstGeom>
+          <a:noFill/>
+        </p:spPr>
+        <p:txBody>
+          <a:bodyPr wrap="none" rtlCol="0">
+            <a:spAutoFit/>
+          </a:bodyPr>
+          <a:lstStyle/>
+          <a:p>
+            <a:pPr algn="ctr"/>
+            <a:r>
+              <a:rPr lang="en-US" sz="1600" dirty="0"/>
+              <a:t>User</a:t>
+            </a:r>
+            <a:r>
+              <a:rPr lang="zh-CN" altLang="en-US" sz="1600" dirty="0"/>
+              <a:t> </a:t>
+            </a:r>
+            <a:r>
+              <a:rPr lang="en-US" altLang="zh-CN" sz="1600" dirty="0"/>
+              <a:t>Requests</a:t>
+            </a:r>
+            <a:endParaRPr lang="en-US" sz="1600" dirty="0"/>
+          </a:p>
+        </p:txBody>
+      </p:sp>
+      <p:sp>
+        <p:nvSpPr>
+          <p:cNvPr id="22" name="Rounded Rectangle 21">
+            <a:extLst>
+              <a:ext uri="{FF2B5EF4-FFF2-40B4-BE49-F238E27FC236}">
+                <a16:creationId xmlns:a16="http://schemas.microsoft.com/office/drawing/2014/main" id="{08CB58ED-72BC-8B43-B14A-D8E57F2809CE}"/>
+              </a:ext>
+            </a:extLst>
+          </p:cNvPr>
+          <p:cNvSpPr/>
+          <p:nvPr/>
+        </p:nvSpPr>
+        <p:spPr>
+          <a:xfrm>
+            <a:off x="1782762" y="4237034"/>
+            <a:ext cx="7643812" cy="683658"/>
+          </a:xfrm>
+          <a:prstGeom prst="roundRect">
+            <a:avLst/>
+          </a:prstGeom>
+          <a:solidFill>
+            <a:schemeClr val="bg1"/>
+          </a:solidFill>
+          <a:ln>
+            <a:solidFill>
+              <a:schemeClr val="tx1"/>
+            </a:solidFill>
+          </a:ln>
+        </p:spPr>
+        <p:style>
+          <a:lnRef idx="2">
+            <a:schemeClr val="accent1">
+              <a:shade val="50000"/>
+            </a:schemeClr>
+          </a:lnRef>
+          <a:fillRef idx="1">
+            <a:schemeClr val="accent1"/>
+          </a:fillRef>
+          <a:effectRef idx="0">
+            <a:schemeClr val="accent1"/>
+          </a:effectRef>
+          <a:fontRef idx="minor">
+            <a:schemeClr val="lt1"/>
+          </a:fontRef>
+        </p:style>
+        <p:txBody>
+          <a:bodyPr rtlCol="0" anchor="ctr"/>
+          <a:lstStyle/>
+          <a:p>
+            <a:pPr algn="ctr"/>
+            <a:endParaRPr lang="en-US" sz="1600">
+              <a:solidFill>
+                <a:schemeClr val="tx1"/>
+              </a:solidFill>
+            </a:endParaRPr>
+          </a:p>
+        </p:txBody>
+      </p:sp>
+      <p:sp>
+        <p:nvSpPr>
+          <p:cNvPr id="23" name="Rounded Rectangle 22">
+            <a:extLst>
+              <a:ext uri="{FF2B5EF4-FFF2-40B4-BE49-F238E27FC236}">
+                <a16:creationId xmlns:a16="http://schemas.microsoft.com/office/drawing/2014/main" id="{40239188-4730-7040-BF13-124CB21999A4}"/>
+              </a:ext>
+            </a:extLst>
+          </p:cNvPr>
+          <p:cNvSpPr/>
+          <p:nvPr/>
+        </p:nvSpPr>
+        <p:spPr>
+          <a:xfrm>
+            <a:off x="2181648" y="4393125"/>
+            <a:ext cx="934182" cy="371475"/>
+          </a:xfrm>
+          <a:prstGeom prst="roundRect">
+            <a:avLst/>
+          </a:prstGeom>
+          <a:solidFill>
+            <a:schemeClr val="bg1"/>
+          </a:solidFill>
+          <a:ln>
+            <a:solidFill>
+              <a:schemeClr val="tx1"/>
+            </a:solidFill>
+          </a:ln>
+        </p:spPr>
+        <p:style>
+          <a:lnRef idx="2">
+            <a:schemeClr val="accent1">
+              <a:shade val="50000"/>
+            </a:schemeClr>
+          </a:lnRef>
+          <a:fillRef idx="1">
+            <a:schemeClr val="accent1"/>
+          </a:fillRef>
+          <a:effectRef idx="0">
+            <a:schemeClr val="accent1"/>
+          </a:effectRef>
+          <a:fontRef idx="minor">
+            <a:schemeClr val="lt1"/>
+          </a:fontRef>
+        </p:style>
+        <p:txBody>
+          <a:bodyPr rtlCol="0" anchor="ctr"/>
+          <a:lstStyle/>
+          <a:p>
+            <a:pPr algn="ctr"/>
+            <a:r>
+              <a:rPr lang="en-US" sz="1600" dirty="0">
+                <a:solidFill>
+                  <a:schemeClr val="tx1"/>
+                </a:solidFill>
+              </a:rPr>
+              <a:t>API</a:t>
+            </a:r>
+          </a:p>
+        </p:txBody>
+      </p:sp>
+      <p:sp>
+        <p:nvSpPr>
+          <p:cNvPr id="24" name="Rounded Rectangle 23">
+            <a:extLst>
+              <a:ext uri="{FF2B5EF4-FFF2-40B4-BE49-F238E27FC236}">
+                <a16:creationId xmlns:a16="http://schemas.microsoft.com/office/drawing/2014/main" id="{42B0CD49-ADC9-AC4F-9E99-E00C7F0FF3BA}"/>
+              </a:ext>
+            </a:extLst>
+          </p:cNvPr>
+          <p:cNvSpPr/>
+          <p:nvPr/>
+        </p:nvSpPr>
+        <p:spPr>
+          <a:xfrm>
+            <a:off x="3743748" y="4393125"/>
+            <a:ext cx="934182" cy="371475"/>
+          </a:xfrm>
+          <a:prstGeom prst="roundRect">
+            <a:avLst/>
+          </a:prstGeom>
+          <a:solidFill>
+            <a:schemeClr val="bg1"/>
+          </a:solidFill>
+          <a:ln>
+            <a:solidFill>
+              <a:schemeClr val="tx1"/>
+            </a:solidFill>
+          </a:ln>
+        </p:spPr>
+        <p:style>
+          <a:lnRef idx="2">
+            <a:schemeClr val="accent1">
+              <a:shade val="50000"/>
+            </a:schemeClr>
+          </a:lnRef>
+          <a:fillRef idx="1">
+            <a:schemeClr val="accent1"/>
+          </a:fillRef>
+          <a:effectRef idx="0">
+            <a:schemeClr val="accent1"/>
+          </a:effectRef>
+          <a:fontRef idx="minor">
+            <a:schemeClr val="lt1"/>
+          </a:fontRef>
+        </p:style>
+        <p:txBody>
+          <a:bodyPr rtlCol="0" anchor="ctr"/>
+          <a:lstStyle/>
+          <a:p>
+            <a:pPr algn="ctr"/>
+            <a:r>
+              <a:rPr lang="en-US" sz="1600" dirty="0">
+                <a:solidFill>
+                  <a:schemeClr val="tx1"/>
+                </a:solidFill>
+              </a:rPr>
+              <a:t>Bot</a:t>
+            </a:r>
+          </a:p>
+        </p:txBody>
+      </p:sp>
+      <p:sp>
+        <p:nvSpPr>
+          <p:cNvPr id="25" name="Rounded Rectangle 24">
+            <a:extLst>
+              <a:ext uri="{FF2B5EF4-FFF2-40B4-BE49-F238E27FC236}">
+                <a16:creationId xmlns:a16="http://schemas.microsoft.com/office/drawing/2014/main" id="{1595CF05-1E69-954F-A96B-C7692052C3B4}"/>
+              </a:ext>
+            </a:extLst>
+          </p:cNvPr>
+          <p:cNvSpPr/>
+          <p:nvPr/>
+        </p:nvSpPr>
+        <p:spPr>
+          <a:xfrm>
+            <a:off x="5310775" y="4393125"/>
+            <a:ext cx="934182" cy="371475"/>
+          </a:xfrm>
+          <a:prstGeom prst="roundRect">
+            <a:avLst/>
+          </a:prstGeom>
+          <a:solidFill>
+            <a:schemeClr val="bg1"/>
+          </a:solidFill>
+          <a:ln>
+            <a:solidFill>
+              <a:schemeClr val="tx1"/>
+            </a:solidFill>
+          </a:ln>
+        </p:spPr>
+        <p:style>
+          <a:lnRef idx="2">
+            <a:schemeClr val="accent1">
+              <a:shade val="50000"/>
+            </a:schemeClr>
+          </a:lnRef>
+          <a:fillRef idx="1">
+            <a:schemeClr val="accent1"/>
+          </a:fillRef>
+          <a:effectRef idx="0">
+            <a:schemeClr val="accent1"/>
+          </a:effectRef>
+          <a:fontRef idx="minor">
+            <a:schemeClr val="lt1"/>
+          </a:fontRef>
+        </p:style>
+        <p:txBody>
+          <a:bodyPr rtlCol="0" anchor="ctr"/>
+          <a:lstStyle/>
+          <a:p>
+            <a:pPr algn="ctr"/>
+            <a:r>
+              <a:rPr lang="en-US" sz="1600" dirty="0">
+                <a:solidFill>
+                  <a:schemeClr val="tx1"/>
+                </a:solidFill>
+              </a:rPr>
+              <a:t>CLI</a:t>
+            </a:r>
+          </a:p>
+        </p:txBody>
+      </p:sp>
+      <p:sp>
+        <p:nvSpPr>
+          <p:cNvPr id="26" name="Rounded Rectangle 25">
+            <a:extLst>
+              <a:ext uri="{FF2B5EF4-FFF2-40B4-BE49-F238E27FC236}">
+                <a16:creationId xmlns:a16="http://schemas.microsoft.com/office/drawing/2014/main" id="{5EFEE84A-3CE7-0945-9CCF-5F91BA78DD82}"/>
+              </a:ext>
+            </a:extLst>
+          </p:cNvPr>
+          <p:cNvSpPr/>
+          <p:nvPr/>
+        </p:nvSpPr>
+        <p:spPr>
+          <a:xfrm>
+            <a:off x="6846858" y="4393125"/>
+            <a:ext cx="934182" cy="371475"/>
+          </a:xfrm>
+          <a:prstGeom prst="roundRect">
+            <a:avLst/>
+          </a:prstGeom>
+          <a:solidFill>
+            <a:schemeClr val="bg1"/>
+          </a:solidFill>
+          <a:ln>
+            <a:solidFill>
+              <a:schemeClr val="tx1"/>
+            </a:solidFill>
+          </a:ln>
+        </p:spPr>
+        <p:style>
+          <a:lnRef idx="2">
+            <a:schemeClr val="accent1">
+              <a:shade val="50000"/>
+            </a:schemeClr>
+          </a:lnRef>
+          <a:fillRef idx="1">
+            <a:schemeClr val="accent1"/>
+          </a:fillRef>
+          <a:effectRef idx="0">
+            <a:schemeClr val="accent1"/>
+          </a:effectRef>
+          <a:fontRef idx="minor">
+            <a:schemeClr val="lt1"/>
+          </a:fontRef>
+        </p:style>
+        <p:txBody>
+          <a:bodyPr rtlCol="0" anchor="ctr"/>
+          <a:lstStyle/>
+          <a:p>
+            <a:pPr algn="ctr"/>
+            <a:r>
+              <a:rPr lang="en-US" sz="1600" dirty="0">
+                <a:solidFill>
+                  <a:schemeClr val="tx1"/>
+                </a:solidFill>
+              </a:rPr>
+              <a:t>Proxy</a:t>
+            </a:r>
+          </a:p>
+        </p:txBody>
+      </p:sp>
+      <p:sp>
+        <p:nvSpPr>
+          <p:cNvPr id="27" name="Rounded Rectangle 26">
+            <a:extLst>
+              <a:ext uri="{FF2B5EF4-FFF2-40B4-BE49-F238E27FC236}">
+                <a16:creationId xmlns:a16="http://schemas.microsoft.com/office/drawing/2014/main" id="{02A2EBC2-7F97-9748-B467-5851FCA5A505}"/>
+              </a:ext>
+            </a:extLst>
+          </p:cNvPr>
+          <p:cNvSpPr/>
+          <p:nvPr/>
+        </p:nvSpPr>
+        <p:spPr>
+          <a:xfrm>
+            <a:off x="8326252" y="4393125"/>
+            <a:ext cx="934182" cy="371475"/>
+          </a:xfrm>
+          <a:prstGeom prst="roundRect">
+            <a:avLst/>
+          </a:prstGeom>
+          <a:solidFill>
+            <a:schemeClr val="bg1"/>
+          </a:solidFill>
+          <a:ln>
+            <a:solidFill>
+              <a:schemeClr val="tx1"/>
+            </a:solidFill>
+          </a:ln>
+        </p:spPr>
+        <p:style>
+          <a:lnRef idx="2">
+            <a:schemeClr val="accent1">
+              <a:shade val="50000"/>
+            </a:schemeClr>
+          </a:lnRef>
+          <a:fillRef idx="1">
+            <a:schemeClr val="accent1"/>
+          </a:fillRef>
+          <a:effectRef idx="0">
+            <a:schemeClr val="accent1"/>
+          </a:effectRef>
+          <a:fontRef idx="minor">
+            <a:schemeClr val="lt1"/>
+          </a:fontRef>
+        </p:style>
+        <p:txBody>
+          <a:bodyPr rtlCol="0" anchor="ctr"/>
+          <a:lstStyle/>
+          <a:p>
+            <a:pPr algn="ctr"/>
+            <a:r>
+              <a:rPr lang="en-US" sz="1600" dirty="0">
+                <a:solidFill>
+                  <a:schemeClr val="tx1"/>
+                </a:solidFill>
+              </a:rPr>
+              <a:t>Web</a:t>
+            </a:r>
+          </a:p>
+        </p:txBody>
+      </p:sp>
+      <p:sp>
+        <p:nvSpPr>
+          <p:cNvPr id="28" name="Oval 27">
+            <a:extLst>
+              <a:ext uri="{FF2B5EF4-FFF2-40B4-BE49-F238E27FC236}">
+                <a16:creationId xmlns:a16="http://schemas.microsoft.com/office/drawing/2014/main" id="{AD2BFD9D-4472-944F-B65A-D1939AE35D14}"/>
+              </a:ext>
+            </a:extLst>
+          </p:cNvPr>
+          <p:cNvSpPr/>
+          <p:nvPr/>
+        </p:nvSpPr>
+        <p:spPr>
+          <a:xfrm>
+            <a:off x="2594526" y="3304849"/>
+            <a:ext cx="360611" cy="375444"/>
+          </a:xfrm>
+          <a:prstGeom prst="ellipse">
+            <a:avLst/>
+          </a:prstGeom>
+          <a:solidFill>
+            <a:schemeClr val="bg1"/>
+          </a:solidFill>
+          <a:ln>
+            <a:solidFill>
+              <a:srgbClr val="FF0000"/>
+            </a:solidFill>
+          </a:ln>
+        </p:spPr>
+        <p:style>
+          <a:lnRef idx="2">
+            <a:schemeClr val="accent1">
+              <a:shade val="50000"/>
+            </a:schemeClr>
+          </a:lnRef>
+          <a:fillRef idx="1">
+            <a:schemeClr val="accent1"/>
+          </a:fillRef>
+          <a:effectRef idx="0">
+            <a:schemeClr val="accent1"/>
+          </a:effectRef>
+          <a:fontRef idx="minor">
+            <a:schemeClr val="lt1"/>
+          </a:fontRef>
+        </p:style>
+        <p:txBody>
+          <a:bodyPr rtlCol="0" anchor="ctr"/>
+          <a:lstStyle/>
+          <a:p>
+            <a:pPr algn="ctr"/>
+            <a:endParaRPr lang="en-US" sz="1600" dirty="0">
+              <a:solidFill>
+                <a:schemeClr val="tx1"/>
+              </a:solidFill>
+            </a:endParaRPr>
+          </a:p>
+        </p:txBody>
+      </p:sp>
+      <p:sp>
+        <p:nvSpPr>
+          <p:cNvPr id="29" name="TextBox 28">
+            <a:extLst>
+              <a:ext uri="{FF2B5EF4-FFF2-40B4-BE49-F238E27FC236}">
+                <a16:creationId xmlns:a16="http://schemas.microsoft.com/office/drawing/2014/main" id="{C79B8773-2C42-7F40-90DC-A8DDE6B02EA3}"/>
+              </a:ext>
+            </a:extLst>
+          </p:cNvPr>
+          <p:cNvSpPr txBox="1"/>
+          <p:nvPr/>
+        </p:nvSpPr>
+        <p:spPr>
+          <a:xfrm>
+            <a:off x="2107813" y="3604641"/>
+            <a:ext cx="1455208" cy="338554"/>
+          </a:xfrm>
+          <a:prstGeom prst="rect">
+            <a:avLst/>
+          </a:prstGeom>
+          <a:noFill/>
+        </p:spPr>
+        <p:txBody>
+          <a:bodyPr wrap="square" rtlCol="0">
+            <a:spAutoFit/>
+          </a:bodyPr>
+          <a:lstStyle/>
+          <a:p>
+            <a:pPr algn="ctr"/>
+            <a:r>
+              <a:rPr lang="en-US" altLang="zh-CN" sz="1600"/>
+              <a:t>user-service</a:t>
+            </a:r>
+            <a:endParaRPr lang="en-US" sz="1600" dirty="0"/>
+          </a:p>
+        </p:txBody>
+      </p:sp>
+      <p:sp>
+        <p:nvSpPr>
+          <p:cNvPr id="30" name="Oval 29">
+            <a:extLst>
+              <a:ext uri="{FF2B5EF4-FFF2-40B4-BE49-F238E27FC236}">
+                <a16:creationId xmlns:a16="http://schemas.microsoft.com/office/drawing/2014/main" id="{0CD49CBF-7259-0041-9FC5-96E49A759B32}"/>
+              </a:ext>
+            </a:extLst>
+          </p:cNvPr>
+          <p:cNvSpPr/>
+          <p:nvPr/>
+        </p:nvSpPr>
+        <p:spPr>
+          <a:xfrm>
+            <a:off x="4888978" y="2681865"/>
+            <a:ext cx="360611" cy="375444"/>
+          </a:xfrm>
+          <a:prstGeom prst="ellipse">
+            <a:avLst/>
+          </a:prstGeom>
+          <a:solidFill>
+            <a:schemeClr val="bg1"/>
+          </a:solidFill>
+        </p:spPr>
+        <p:style>
+          <a:lnRef idx="2">
+            <a:schemeClr val="accent1">
+              <a:shade val="50000"/>
+            </a:schemeClr>
+          </a:lnRef>
+          <a:fillRef idx="1">
+            <a:schemeClr val="accent1"/>
+          </a:fillRef>
+          <a:effectRef idx="0">
+            <a:schemeClr val="accent1"/>
+          </a:effectRef>
+          <a:fontRef idx="minor">
+            <a:schemeClr val="lt1"/>
+          </a:fontRef>
+        </p:style>
+        <p:txBody>
+          <a:bodyPr rtlCol="0" anchor="ctr"/>
+          <a:lstStyle/>
+          <a:p>
+            <a:pPr algn="ctr"/>
+            <a:endParaRPr lang="en-US" sz="1600" dirty="0">
+              <a:solidFill>
+                <a:schemeClr val="tx1"/>
+              </a:solidFill>
+            </a:endParaRPr>
+          </a:p>
+        </p:txBody>
+      </p:sp>
+      <p:sp>
+        <p:nvSpPr>
+          <p:cNvPr id="31" name="TextBox 30">
+            <a:extLst>
+              <a:ext uri="{FF2B5EF4-FFF2-40B4-BE49-F238E27FC236}">
+                <a16:creationId xmlns:a16="http://schemas.microsoft.com/office/drawing/2014/main" id="{222E6865-37C3-A34C-B97E-945023A70E51}"/>
+              </a:ext>
+            </a:extLst>
+          </p:cNvPr>
+          <p:cNvSpPr txBox="1"/>
+          <p:nvPr/>
+        </p:nvSpPr>
+        <p:spPr>
+          <a:xfrm>
+            <a:off x="4501588" y="2977598"/>
+            <a:ext cx="1164664" cy="338554"/>
+          </a:xfrm>
+          <a:prstGeom prst="rect">
+            <a:avLst/>
+          </a:prstGeom>
+          <a:noFill/>
+        </p:spPr>
+        <p:txBody>
+          <a:bodyPr wrap="square" rtlCol="0">
+            <a:spAutoFit/>
+          </a:bodyPr>
+          <a:lstStyle/>
+          <a:p>
+            <a:pPr algn="ctr"/>
+            <a:r>
+              <a:rPr lang="en-US" altLang="zh-CN" sz="1600"/>
+              <a:t>orders-web</a:t>
+            </a:r>
+            <a:endParaRPr lang="en-US" sz="1600" dirty="0"/>
+          </a:p>
+        </p:txBody>
+      </p:sp>
+      <p:sp>
+        <p:nvSpPr>
+          <p:cNvPr id="32" name="Oval 31">
+            <a:extLst>
+              <a:ext uri="{FF2B5EF4-FFF2-40B4-BE49-F238E27FC236}">
+                <a16:creationId xmlns:a16="http://schemas.microsoft.com/office/drawing/2014/main" id="{809A0203-D88A-B943-98F1-CBF8E0C447E6}"/>
+              </a:ext>
+            </a:extLst>
+          </p:cNvPr>
+          <p:cNvSpPr/>
+          <p:nvPr/>
+        </p:nvSpPr>
+        <p:spPr>
+          <a:xfrm>
+            <a:off x="8143169" y="2673007"/>
+            <a:ext cx="360611" cy="375444"/>
+          </a:xfrm>
+          <a:prstGeom prst="ellipse">
+            <a:avLst/>
+          </a:prstGeom>
+          <a:solidFill>
+            <a:schemeClr val="bg1"/>
+          </a:solidFill>
+        </p:spPr>
+        <p:style>
+          <a:lnRef idx="2">
+            <a:schemeClr val="accent1">
+              <a:shade val="50000"/>
+            </a:schemeClr>
+          </a:lnRef>
+          <a:fillRef idx="1">
+            <a:schemeClr val="accent1"/>
+          </a:fillRef>
+          <a:effectRef idx="0">
+            <a:schemeClr val="accent1"/>
+          </a:effectRef>
+          <a:fontRef idx="minor">
+            <a:schemeClr val="lt1"/>
+          </a:fontRef>
+        </p:style>
+        <p:txBody>
+          <a:bodyPr rtlCol="0" anchor="ctr"/>
+          <a:lstStyle/>
+          <a:p>
+            <a:pPr algn="ctr"/>
+            <a:endParaRPr lang="en-US" sz="1600" dirty="0">
+              <a:solidFill>
+                <a:schemeClr val="tx1"/>
+              </a:solidFill>
+            </a:endParaRPr>
+          </a:p>
+        </p:txBody>
+      </p:sp>
+      <p:sp>
+        <p:nvSpPr>
+          <p:cNvPr id="33" name="TextBox 32">
+            <a:extLst>
+              <a:ext uri="{FF2B5EF4-FFF2-40B4-BE49-F238E27FC236}">
+                <a16:creationId xmlns:a16="http://schemas.microsoft.com/office/drawing/2014/main" id="{4B323D83-DBF2-D545-9733-B1ECEC4C9B68}"/>
+              </a:ext>
+            </a:extLst>
+          </p:cNvPr>
+          <p:cNvSpPr txBox="1"/>
+          <p:nvPr/>
+        </p:nvSpPr>
+        <p:spPr>
+          <a:xfrm>
+            <a:off x="7511505" y="2966295"/>
+            <a:ext cx="1688598" cy="338554"/>
+          </a:xfrm>
+          <a:prstGeom prst="rect">
+            <a:avLst/>
+          </a:prstGeom>
+          <a:noFill/>
+        </p:spPr>
+        <p:txBody>
+          <a:bodyPr wrap="square" rtlCol="0">
+            <a:spAutoFit/>
+          </a:bodyPr>
+          <a:lstStyle/>
+          <a:p>
+            <a:pPr algn="ctr"/>
+            <a:r>
+              <a:rPr lang="en-US" altLang="zh-CN" sz="1600"/>
+              <a:t>payment-web</a:t>
+            </a:r>
+            <a:endParaRPr lang="en-US" sz="1600" dirty="0"/>
+          </a:p>
+        </p:txBody>
+      </p:sp>
+      <p:sp>
+        <p:nvSpPr>
+          <p:cNvPr id="34" name="Oval 33">
+            <a:extLst>
+              <a:ext uri="{FF2B5EF4-FFF2-40B4-BE49-F238E27FC236}">
+                <a16:creationId xmlns:a16="http://schemas.microsoft.com/office/drawing/2014/main" id="{54D62AB5-E373-ED4E-BDB7-60B45A923BE4}"/>
+              </a:ext>
+            </a:extLst>
+          </p:cNvPr>
+          <p:cNvSpPr/>
+          <p:nvPr/>
+        </p:nvSpPr>
+        <p:spPr>
+          <a:xfrm>
+            <a:off x="6848461" y="2707287"/>
+            <a:ext cx="360611" cy="375444"/>
+          </a:xfrm>
+          <a:prstGeom prst="ellipse">
+            <a:avLst/>
+          </a:prstGeom>
+          <a:solidFill>
+            <a:schemeClr val="bg1"/>
+          </a:solidFill>
+        </p:spPr>
+        <p:style>
+          <a:lnRef idx="2">
+            <a:schemeClr val="accent1">
+              <a:shade val="50000"/>
+            </a:schemeClr>
+          </a:lnRef>
+          <a:fillRef idx="1">
+            <a:schemeClr val="accent1"/>
+          </a:fillRef>
+          <a:effectRef idx="0">
+            <a:schemeClr val="accent1"/>
+          </a:effectRef>
+          <a:fontRef idx="minor">
+            <a:schemeClr val="lt1"/>
+          </a:fontRef>
+        </p:style>
+        <p:txBody>
+          <a:bodyPr rtlCol="0" anchor="ctr"/>
+          <a:lstStyle/>
+          <a:p>
+            <a:pPr algn="ctr"/>
+            <a:endParaRPr lang="en-US" sz="1600" dirty="0">
+              <a:solidFill>
+                <a:schemeClr val="tx1"/>
+              </a:solidFill>
+            </a:endParaRPr>
+          </a:p>
+        </p:txBody>
+      </p:sp>
+      <p:sp>
+        <p:nvSpPr>
+          <p:cNvPr id="35" name="TextBox 34">
+            <a:extLst>
+              <a:ext uri="{FF2B5EF4-FFF2-40B4-BE49-F238E27FC236}">
+                <a16:creationId xmlns:a16="http://schemas.microsoft.com/office/drawing/2014/main" id="{3A1C9D4C-7EB6-CD45-994D-D50B806EEC87}"/>
+              </a:ext>
+            </a:extLst>
+          </p:cNvPr>
+          <p:cNvSpPr txBox="1"/>
+          <p:nvPr/>
+        </p:nvSpPr>
+        <p:spPr>
+          <a:xfrm>
+            <a:off x="6216797" y="3000575"/>
+            <a:ext cx="1688598" cy="338554"/>
+          </a:xfrm>
+          <a:prstGeom prst="rect">
+            <a:avLst/>
+          </a:prstGeom>
+          <a:noFill/>
+        </p:spPr>
+        <p:txBody>
+          <a:bodyPr wrap="square" rtlCol="0">
+            <a:spAutoFit/>
+          </a:bodyPr>
+          <a:lstStyle/>
+          <a:p>
+            <a:pPr algn="ctr"/>
+            <a:r>
+              <a:rPr lang="en-US" sz="1600"/>
+              <a:t>inventor</a:t>
+            </a:r>
+            <a:r>
+              <a:rPr lang="en-US" altLang="zh-CN" sz="1600"/>
+              <a:t>y-web</a:t>
+            </a:r>
+            <a:endParaRPr lang="en-US" sz="1600" dirty="0"/>
+          </a:p>
+        </p:txBody>
+      </p:sp>
+      <p:pic>
+        <p:nvPicPr>
+          <p:cNvPr id="37" name="Picture 36">
+            <a:extLst>
+              <a:ext uri="{FF2B5EF4-FFF2-40B4-BE49-F238E27FC236}">
+                <a16:creationId xmlns:a16="http://schemas.microsoft.com/office/drawing/2014/main" id="{88D54F83-AB42-B447-8716-EB362B1C86D7}"/>
+              </a:ext>
+            </a:extLst>
+          </p:cNvPr>
+          <p:cNvPicPr>
+            <a:picLocks noChangeAspect="1"/>
+          </p:cNvPicPr>
+          <p:nvPr/>
+        </p:nvPicPr>
+        <p:blipFill>
+          <a:blip r:embed="rId2"/>
+          <a:stretch>
+            <a:fillRect/>
+          </a:stretch>
+        </p:blipFill>
+        <p:spPr>
+          <a:xfrm>
+            <a:off x="4459368" y="1151211"/>
+            <a:ext cx="304800" cy="304800"/>
+          </a:xfrm>
+          <a:prstGeom prst="rect">
+            <a:avLst/>
+          </a:prstGeom>
+        </p:spPr>
+      </p:pic>
+    </p:spTree>
+    <p:extLst>
+      <p:ext uri="{BB962C8B-B14F-4D97-AF65-F5344CB8AC3E}">
+        <p14:creationId xmlns:p14="http://schemas.microsoft.com/office/powerpoint/2010/main" val="982326056"/>
+      </p:ext>
+    </p:extLst>
+  </p:cSld>
+  <p:clrMapOvr>
+    <a:masterClrMapping/>
+  </p:clrMapOvr>
+</p:sld>
+</file>
+
 <file path=ppt/theme/theme1.xml><?xml version="1.0" encoding="utf-8"?>
 <a:theme xmlns:a="http://schemas.openxmlformats.org/drawingml/2006/main" name="Office Theme">
   <a:themeElements>

--- a/microservice-in-micro/docs/design.pptx
+++ b/microservice-in-micro/docs/design.pptx
@@ -9,6 +9,7 @@
     <p:sldId id="258" r:id="rId3"/>
     <p:sldId id="259" r:id="rId4"/>
     <p:sldId id="260" r:id="rId5"/>
+    <p:sldId id="261" r:id="rId6"/>
   </p:sldIdLst>
   <p:sldSz cx="12192000" cy="6858000"/>
   <p:notesSz cx="6858000" cy="9144000"/>
@@ -7629,7 +7630,7 @@
         </p:nvSpPr>
         <p:spPr>
           <a:xfrm>
-            <a:off x="4949403" y="1921339"/>
+            <a:off x="4795404" y="1921339"/>
             <a:ext cx="1310531" cy="371475"/>
           </a:xfrm>
           <a:prstGeom prst="roundRect">
@@ -8487,6 +8488,1354 @@
     <p:extLst>
       <p:ext uri="{BB962C8B-B14F-4D97-AF65-F5344CB8AC3E}">
         <p14:creationId xmlns:p14="http://schemas.microsoft.com/office/powerpoint/2010/main" val="982326056"/>
+      </p:ext>
+    </p:extLst>
+  </p:cSld>
+  <p:clrMapOvr>
+    <a:masterClrMapping/>
+  </p:clrMapOvr>
+</p:sld>
+</file>
+
+<file path=ppt/slides/slide5.xml><?xml version="1.0" encoding="utf-8"?>
+<p:sld xmlns:a="http://schemas.openxmlformats.org/drawingml/2006/main" xmlns:r="http://schemas.openxmlformats.org/officeDocument/2006/relationships" xmlns:p="http://schemas.openxmlformats.org/presentationml/2006/main">
+  <p:cSld>
+    <p:spTree>
+      <p:nvGrpSpPr>
+        <p:cNvPr id="1" name=""/>
+        <p:cNvGrpSpPr/>
+        <p:nvPr/>
+      </p:nvGrpSpPr>
+      <p:grpSpPr>
+        <a:xfrm>
+          <a:off x="0" y="0"/>
+          <a:ext cx="0" cy="0"/>
+          <a:chOff x="0" y="0"/>
+          <a:chExt cx="0" cy="0"/>
+        </a:xfrm>
+      </p:grpSpPr>
+      <p:sp>
+        <p:nvSpPr>
+          <p:cNvPr id="4" name="Rectangle 3">
+            <a:extLst>
+              <a:ext uri="{FF2B5EF4-FFF2-40B4-BE49-F238E27FC236}">
+                <a16:creationId xmlns:a16="http://schemas.microsoft.com/office/drawing/2014/main" id="{7C54B9B5-622C-954D-A508-3DCC7F446808}"/>
+              </a:ext>
+            </a:extLst>
+          </p:cNvPr>
+          <p:cNvSpPr/>
+          <p:nvPr/>
+        </p:nvSpPr>
+        <p:spPr>
+          <a:xfrm>
+            <a:off x="2136807" y="2310165"/>
+            <a:ext cx="1227225" cy="702543"/>
+          </a:xfrm>
+          <a:prstGeom prst="rect">
+            <a:avLst/>
+          </a:prstGeom>
+          <a:solidFill>
+            <a:schemeClr val="bg1"/>
+          </a:solidFill>
+        </p:spPr>
+        <p:style>
+          <a:lnRef idx="2">
+            <a:schemeClr val="accent1">
+              <a:shade val="50000"/>
+            </a:schemeClr>
+          </a:lnRef>
+          <a:fillRef idx="1">
+            <a:schemeClr val="accent1"/>
+          </a:fillRef>
+          <a:effectRef idx="0">
+            <a:schemeClr val="accent1"/>
+          </a:effectRef>
+          <a:fontRef idx="minor">
+            <a:schemeClr val="lt1"/>
+          </a:fontRef>
+        </p:style>
+        <p:txBody>
+          <a:bodyPr rtlCol="0" anchor="b"/>
+          <a:lstStyle/>
+          <a:p>
+            <a:pPr algn="ctr"/>
+            <a:r>
+              <a:rPr lang="en-US" sz="1200">
+                <a:solidFill>
+                  <a:schemeClr val="tx1"/>
+                </a:solidFill>
+              </a:rPr>
+              <a:t>user-web</a:t>
+            </a:r>
+          </a:p>
+        </p:txBody>
+      </p:sp>
+      <p:sp>
+        <p:nvSpPr>
+          <p:cNvPr id="5" name="Rectangle 4">
+            <a:extLst>
+              <a:ext uri="{FF2B5EF4-FFF2-40B4-BE49-F238E27FC236}">
+                <a16:creationId xmlns:a16="http://schemas.microsoft.com/office/drawing/2014/main" id="{C900D195-197B-1740-84CE-A033A83EF234}"/>
+              </a:ext>
+            </a:extLst>
+          </p:cNvPr>
+          <p:cNvSpPr/>
+          <p:nvPr/>
+        </p:nvSpPr>
+        <p:spPr>
+          <a:xfrm>
+            <a:off x="2136807" y="1478031"/>
+            <a:ext cx="5139890" cy="724549"/>
+          </a:xfrm>
+          <a:prstGeom prst="rect">
+            <a:avLst/>
+          </a:prstGeom>
+          <a:solidFill>
+            <a:schemeClr val="bg1"/>
+          </a:solidFill>
+        </p:spPr>
+        <p:style>
+          <a:lnRef idx="2">
+            <a:schemeClr val="accent1">
+              <a:shade val="50000"/>
+            </a:schemeClr>
+          </a:lnRef>
+          <a:fillRef idx="1">
+            <a:schemeClr val="accent1"/>
+          </a:fillRef>
+          <a:effectRef idx="0">
+            <a:schemeClr val="accent1"/>
+          </a:effectRef>
+          <a:fontRef idx="minor">
+            <a:schemeClr val="lt1"/>
+          </a:fontRef>
+        </p:style>
+        <p:txBody>
+          <a:bodyPr rtlCol="0" anchor="ctr"/>
+          <a:lstStyle/>
+          <a:p>
+            <a:pPr algn="ctr"/>
+            <a:r>
+              <a:rPr lang="en-US">
+                <a:solidFill>
+                  <a:schemeClr val="tx1"/>
+                </a:solidFill>
+              </a:rPr>
+              <a:t>Auth</a:t>
+            </a:r>
+          </a:p>
+        </p:txBody>
+      </p:sp>
+      <p:sp>
+        <p:nvSpPr>
+          <p:cNvPr id="6" name="Rectangle 5">
+            <a:extLst>
+              <a:ext uri="{FF2B5EF4-FFF2-40B4-BE49-F238E27FC236}">
+                <a16:creationId xmlns:a16="http://schemas.microsoft.com/office/drawing/2014/main" id="{02F8E328-9F41-D64D-A957-76FCEE80BDAE}"/>
+              </a:ext>
+            </a:extLst>
+          </p:cNvPr>
+          <p:cNvSpPr/>
+          <p:nvPr/>
+        </p:nvSpPr>
+        <p:spPr>
+          <a:xfrm>
+            <a:off x="3455469" y="2310165"/>
+            <a:ext cx="1212785" cy="702543"/>
+          </a:xfrm>
+          <a:prstGeom prst="rect">
+            <a:avLst/>
+          </a:prstGeom>
+          <a:solidFill>
+            <a:schemeClr val="bg1"/>
+          </a:solidFill>
+        </p:spPr>
+        <p:style>
+          <a:lnRef idx="2">
+            <a:schemeClr val="accent1">
+              <a:shade val="50000"/>
+            </a:schemeClr>
+          </a:lnRef>
+          <a:fillRef idx="1">
+            <a:schemeClr val="accent1"/>
+          </a:fillRef>
+          <a:effectRef idx="0">
+            <a:schemeClr val="accent1"/>
+          </a:effectRef>
+          <a:fontRef idx="minor">
+            <a:schemeClr val="lt1"/>
+          </a:fontRef>
+        </p:style>
+        <p:txBody>
+          <a:bodyPr rot="0" spcFirstLastPara="0" vertOverflow="overflow" horzOverflow="overflow" vert="horz" wrap="square" lIns="91440" tIns="45720" rIns="91440" bIns="45720" numCol="1" spcCol="0" rtlCol="0" fromWordArt="0" anchor="b" anchorCtr="0" forceAA="0" compatLnSpc="1">
+            <a:prstTxWarp prst="textNoShape">
+              <a:avLst/>
+            </a:prstTxWarp>
+            <a:noAutofit/>
+          </a:bodyPr>
+          <a:lstStyle/>
+          <a:p>
+            <a:pPr algn="ctr"/>
+            <a:r>
+              <a:rPr lang="en-US" sz="1200">
+                <a:solidFill>
+                  <a:schemeClr val="tx1"/>
+                </a:solidFill>
+              </a:rPr>
+              <a:t>or</a:t>
+            </a:r>
+            <a:r>
+              <a:rPr lang="en-US" altLang="zh-CN" sz="1200">
+                <a:solidFill>
+                  <a:schemeClr val="tx1"/>
+                </a:solidFill>
+              </a:rPr>
+              <a:t>der-web</a:t>
+            </a:r>
+            <a:endParaRPr lang="en-US" sz="1200">
+              <a:solidFill>
+                <a:schemeClr val="tx1"/>
+              </a:solidFill>
+            </a:endParaRPr>
+          </a:p>
+        </p:txBody>
+      </p:sp>
+      <p:sp>
+        <p:nvSpPr>
+          <p:cNvPr id="7" name="Rectangle 6">
+            <a:extLst>
+              <a:ext uri="{FF2B5EF4-FFF2-40B4-BE49-F238E27FC236}">
+                <a16:creationId xmlns:a16="http://schemas.microsoft.com/office/drawing/2014/main" id="{ED922810-AB5B-6544-A7FC-006EB5F1AF14}"/>
+              </a:ext>
+            </a:extLst>
+          </p:cNvPr>
+          <p:cNvSpPr/>
+          <p:nvPr/>
+        </p:nvSpPr>
+        <p:spPr>
+          <a:xfrm>
+            <a:off x="4759690" y="2310165"/>
+            <a:ext cx="1212785" cy="702543"/>
+          </a:xfrm>
+          <a:prstGeom prst="rect">
+            <a:avLst/>
+          </a:prstGeom>
+          <a:solidFill>
+            <a:schemeClr val="bg1"/>
+          </a:solidFill>
+        </p:spPr>
+        <p:style>
+          <a:lnRef idx="2">
+            <a:schemeClr val="accent1">
+              <a:shade val="50000"/>
+            </a:schemeClr>
+          </a:lnRef>
+          <a:fillRef idx="1">
+            <a:schemeClr val="accent1"/>
+          </a:fillRef>
+          <a:effectRef idx="0">
+            <a:schemeClr val="accent1"/>
+          </a:effectRef>
+          <a:fontRef idx="minor">
+            <a:schemeClr val="lt1"/>
+          </a:fontRef>
+        </p:style>
+        <p:txBody>
+          <a:bodyPr rot="0" spcFirstLastPara="0" vertOverflow="overflow" horzOverflow="overflow" vert="horz" wrap="square" lIns="91440" tIns="45720" rIns="91440" bIns="45720" numCol="1" spcCol="0" rtlCol="0" fromWordArt="0" anchor="b" anchorCtr="0" forceAA="0" compatLnSpc="1">
+            <a:prstTxWarp prst="textNoShape">
+              <a:avLst/>
+            </a:prstTxWarp>
+            <a:noAutofit/>
+          </a:bodyPr>
+          <a:lstStyle/>
+          <a:p>
+            <a:pPr algn="ctr"/>
+            <a:r>
+              <a:rPr lang="en-US" altLang="zh-CN" sz="1200">
+                <a:solidFill>
+                  <a:schemeClr val="tx1"/>
+                </a:solidFill>
+              </a:rPr>
+              <a:t>inventory-web</a:t>
+            </a:r>
+            <a:endParaRPr lang="en-US" sz="1200">
+              <a:solidFill>
+                <a:schemeClr val="tx1"/>
+              </a:solidFill>
+            </a:endParaRPr>
+          </a:p>
+        </p:txBody>
+      </p:sp>
+      <p:sp>
+        <p:nvSpPr>
+          <p:cNvPr id="8" name="Rectangle 7">
+            <a:extLst>
+              <a:ext uri="{FF2B5EF4-FFF2-40B4-BE49-F238E27FC236}">
+                <a16:creationId xmlns:a16="http://schemas.microsoft.com/office/drawing/2014/main" id="{1B067BF0-CF47-0249-B08B-800F995DC048}"/>
+              </a:ext>
+            </a:extLst>
+          </p:cNvPr>
+          <p:cNvSpPr/>
+          <p:nvPr/>
+        </p:nvSpPr>
+        <p:spPr>
+          <a:xfrm>
+            <a:off x="6063912" y="2310165"/>
+            <a:ext cx="1212785" cy="702543"/>
+          </a:xfrm>
+          <a:prstGeom prst="rect">
+            <a:avLst/>
+          </a:prstGeom>
+          <a:solidFill>
+            <a:schemeClr val="bg1"/>
+          </a:solidFill>
+        </p:spPr>
+        <p:style>
+          <a:lnRef idx="2">
+            <a:schemeClr val="accent1">
+              <a:shade val="50000"/>
+            </a:schemeClr>
+          </a:lnRef>
+          <a:fillRef idx="1">
+            <a:schemeClr val="accent1"/>
+          </a:fillRef>
+          <a:effectRef idx="0">
+            <a:schemeClr val="accent1"/>
+          </a:effectRef>
+          <a:fontRef idx="minor">
+            <a:schemeClr val="lt1"/>
+          </a:fontRef>
+        </p:style>
+        <p:txBody>
+          <a:bodyPr rot="0" spcFirstLastPara="0" vertOverflow="overflow" horzOverflow="overflow" vert="horz" wrap="square" lIns="91440" tIns="45720" rIns="91440" bIns="45720" numCol="1" spcCol="0" rtlCol="0" fromWordArt="0" anchor="b" anchorCtr="0" forceAA="0" compatLnSpc="1">
+            <a:prstTxWarp prst="textNoShape">
+              <a:avLst/>
+            </a:prstTxWarp>
+            <a:noAutofit/>
+          </a:bodyPr>
+          <a:lstStyle/>
+          <a:p>
+            <a:pPr algn="ctr"/>
+            <a:r>
+              <a:rPr lang="en-US" altLang="zh-CN" sz="1200">
+                <a:solidFill>
+                  <a:schemeClr val="tx1"/>
+                </a:solidFill>
+              </a:rPr>
+              <a:t>payment-web</a:t>
+            </a:r>
+            <a:endParaRPr lang="en-US" sz="1200">
+              <a:solidFill>
+                <a:schemeClr val="tx1"/>
+              </a:solidFill>
+            </a:endParaRPr>
+          </a:p>
+        </p:txBody>
+      </p:sp>
+      <p:sp>
+        <p:nvSpPr>
+          <p:cNvPr id="10" name="Rectangle 9">
+            <a:extLst>
+              <a:ext uri="{FF2B5EF4-FFF2-40B4-BE49-F238E27FC236}">
+                <a16:creationId xmlns:a16="http://schemas.microsoft.com/office/drawing/2014/main" id="{9A57AB13-3FF3-4C4A-B2D4-77D2B4193433}"/>
+              </a:ext>
+            </a:extLst>
+          </p:cNvPr>
+          <p:cNvSpPr/>
+          <p:nvPr/>
+        </p:nvSpPr>
+        <p:spPr>
+          <a:xfrm>
+            <a:off x="2136807" y="1477486"/>
+            <a:ext cx="904775" cy="265247"/>
+          </a:xfrm>
+          <a:prstGeom prst="rect">
+            <a:avLst/>
+          </a:prstGeom>
+          <a:solidFill>
+            <a:schemeClr val="bg2">
+              <a:lumMod val="50000"/>
+            </a:schemeClr>
+          </a:solidFill>
+        </p:spPr>
+        <p:style>
+          <a:lnRef idx="2">
+            <a:schemeClr val="accent1">
+              <a:shade val="50000"/>
+            </a:schemeClr>
+          </a:lnRef>
+          <a:fillRef idx="1">
+            <a:schemeClr val="accent1"/>
+          </a:fillRef>
+          <a:effectRef idx="0">
+            <a:schemeClr val="accent1"/>
+          </a:effectRef>
+          <a:fontRef idx="minor">
+            <a:schemeClr val="lt1"/>
+          </a:fontRef>
+        </p:style>
+        <p:txBody>
+          <a:bodyPr rtlCol="0" anchor="ctr"/>
+          <a:lstStyle/>
+          <a:p>
+            <a:pPr algn="ctr"/>
+            <a:r>
+              <a:rPr lang="en-US" sz="1200">
+                <a:solidFill>
+                  <a:schemeClr val="bg1"/>
+                </a:solidFill>
+              </a:rPr>
+              <a:t>login</a:t>
+            </a:r>
+            <a:endParaRPr lang="en-US" sz="1600">
+              <a:solidFill>
+                <a:schemeClr val="bg1"/>
+              </a:solidFill>
+            </a:endParaRPr>
+          </a:p>
+        </p:txBody>
+      </p:sp>
+      <p:sp>
+        <p:nvSpPr>
+          <p:cNvPr id="11" name="Rectangle 10">
+            <a:extLst>
+              <a:ext uri="{FF2B5EF4-FFF2-40B4-BE49-F238E27FC236}">
+                <a16:creationId xmlns:a16="http://schemas.microsoft.com/office/drawing/2014/main" id="{CDA282E1-8CD3-0645-AC75-8A809E04EA14}"/>
+              </a:ext>
+            </a:extLst>
+          </p:cNvPr>
+          <p:cNvSpPr/>
+          <p:nvPr/>
+        </p:nvSpPr>
+        <p:spPr>
+          <a:xfrm>
+            <a:off x="2136807" y="996644"/>
+            <a:ext cx="5139890" cy="349918"/>
+          </a:xfrm>
+          <a:prstGeom prst="rect">
+            <a:avLst/>
+          </a:prstGeom>
+          <a:solidFill>
+            <a:schemeClr val="bg1"/>
+          </a:solidFill>
+        </p:spPr>
+        <p:style>
+          <a:lnRef idx="2">
+            <a:schemeClr val="accent1">
+              <a:shade val="50000"/>
+            </a:schemeClr>
+          </a:lnRef>
+          <a:fillRef idx="1">
+            <a:schemeClr val="accent1"/>
+          </a:fillRef>
+          <a:effectRef idx="0">
+            <a:schemeClr val="accent1"/>
+          </a:effectRef>
+          <a:fontRef idx="minor">
+            <a:schemeClr val="lt1"/>
+          </a:fontRef>
+        </p:style>
+        <p:txBody>
+          <a:bodyPr rtlCol="0" anchor="ctr"/>
+          <a:lstStyle/>
+          <a:p>
+            <a:pPr algn="ctr"/>
+            <a:r>
+              <a:rPr lang="en-US">
+                <a:solidFill>
+                  <a:schemeClr val="tx1"/>
+                </a:solidFill>
+              </a:rPr>
+              <a:t>API</a:t>
+            </a:r>
+          </a:p>
+        </p:txBody>
+      </p:sp>
+      <p:sp>
+        <p:nvSpPr>
+          <p:cNvPr id="12" name="Rounded Rectangle 11">
+            <a:extLst>
+              <a:ext uri="{FF2B5EF4-FFF2-40B4-BE49-F238E27FC236}">
+                <a16:creationId xmlns:a16="http://schemas.microsoft.com/office/drawing/2014/main" id="{2F82BC8F-03CE-494C-9592-AC2FC67714F2}"/>
+              </a:ext>
+            </a:extLst>
+          </p:cNvPr>
+          <p:cNvSpPr/>
+          <p:nvPr/>
+        </p:nvSpPr>
+        <p:spPr>
+          <a:xfrm>
+            <a:off x="2136807" y="2310164"/>
+            <a:ext cx="733926" cy="177315"/>
+          </a:xfrm>
+          <a:prstGeom prst="roundRect">
+            <a:avLst/>
+          </a:prstGeom>
+        </p:spPr>
+        <p:style>
+          <a:lnRef idx="2">
+            <a:schemeClr val="accent1">
+              <a:shade val="50000"/>
+            </a:schemeClr>
+          </a:lnRef>
+          <a:fillRef idx="1">
+            <a:schemeClr val="accent1"/>
+          </a:fillRef>
+          <a:effectRef idx="0">
+            <a:schemeClr val="accent1"/>
+          </a:effectRef>
+          <a:fontRef idx="minor">
+            <a:schemeClr val="lt1"/>
+          </a:fontRef>
+        </p:style>
+        <p:txBody>
+          <a:bodyPr rtlCol="0" anchor="ctr"/>
+          <a:lstStyle/>
+          <a:p>
+            <a:pPr algn="ctr"/>
+            <a:r>
+              <a:rPr lang="en-US" sz="1200"/>
+              <a:t>wrapper</a:t>
+            </a:r>
+          </a:p>
+        </p:txBody>
+      </p:sp>
+      <p:sp>
+        <p:nvSpPr>
+          <p:cNvPr id="13" name="Rounded Rectangle 12">
+            <a:extLst>
+              <a:ext uri="{FF2B5EF4-FFF2-40B4-BE49-F238E27FC236}">
+                <a16:creationId xmlns:a16="http://schemas.microsoft.com/office/drawing/2014/main" id="{267C4CA9-EA7B-194D-8A79-5E9931A40011}"/>
+              </a:ext>
+            </a:extLst>
+          </p:cNvPr>
+          <p:cNvSpPr/>
+          <p:nvPr/>
+        </p:nvSpPr>
+        <p:spPr>
+          <a:xfrm>
+            <a:off x="3455468" y="2310164"/>
+            <a:ext cx="733926" cy="177315"/>
+          </a:xfrm>
+          <a:prstGeom prst="roundRect">
+            <a:avLst/>
+          </a:prstGeom>
+        </p:spPr>
+        <p:style>
+          <a:lnRef idx="2">
+            <a:schemeClr val="accent1">
+              <a:shade val="50000"/>
+            </a:schemeClr>
+          </a:lnRef>
+          <a:fillRef idx="1">
+            <a:schemeClr val="accent1"/>
+          </a:fillRef>
+          <a:effectRef idx="0">
+            <a:schemeClr val="accent1"/>
+          </a:effectRef>
+          <a:fontRef idx="minor">
+            <a:schemeClr val="lt1"/>
+          </a:fontRef>
+        </p:style>
+        <p:txBody>
+          <a:bodyPr rtlCol="0" anchor="ctr"/>
+          <a:lstStyle/>
+          <a:p>
+            <a:pPr algn="ctr"/>
+            <a:r>
+              <a:rPr lang="en-US" sz="1200"/>
+              <a:t>wrapper</a:t>
+            </a:r>
+          </a:p>
+        </p:txBody>
+      </p:sp>
+      <p:sp>
+        <p:nvSpPr>
+          <p:cNvPr id="14" name="Rounded Rectangle 13">
+            <a:extLst>
+              <a:ext uri="{FF2B5EF4-FFF2-40B4-BE49-F238E27FC236}">
+                <a16:creationId xmlns:a16="http://schemas.microsoft.com/office/drawing/2014/main" id="{D7B1DF83-7A8C-3E49-8F0B-54F63C1F1F33}"/>
+              </a:ext>
+            </a:extLst>
+          </p:cNvPr>
+          <p:cNvSpPr/>
+          <p:nvPr/>
+        </p:nvSpPr>
+        <p:spPr>
+          <a:xfrm>
+            <a:off x="4759690" y="2310164"/>
+            <a:ext cx="733926" cy="177315"/>
+          </a:xfrm>
+          <a:prstGeom prst="roundRect">
+            <a:avLst/>
+          </a:prstGeom>
+        </p:spPr>
+        <p:style>
+          <a:lnRef idx="2">
+            <a:schemeClr val="accent1">
+              <a:shade val="50000"/>
+            </a:schemeClr>
+          </a:lnRef>
+          <a:fillRef idx="1">
+            <a:schemeClr val="accent1"/>
+          </a:fillRef>
+          <a:effectRef idx="0">
+            <a:schemeClr val="accent1"/>
+          </a:effectRef>
+          <a:fontRef idx="minor">
+            <a:schemeClr val="lt1"/>
+          </a:fontRef>
+        </p:style>
+        <p:txBody>
+          <a:bodyPr rtlCol="0" anchor="ctr"/>
+          <a:lstStyle/>
+          <a:p>
+            <a:pPr algn="ctr"/>
+            <a:r>
+              <a:rPr lang="en-US" sz="1200"/>
+              <a:t>wrapper</a:t>
+            </a:r>
+          </a:p>
+        </p:txBody>
+      </p:sp>
+      <p:sp>
+        <p:nvSpPr>
+          <p:cNvPr id="15" name="Rounded Rectangle 14">
+            <a:extLst>
+              <a:ext uri="{FF2B5EF4-FFF2-40B4-BE49-F238E27FC236}">
+                <a16:creationId xmlns:a16="http://schemas.microsoft.com/office/drawing/2014/main" id="{1A2F9BDD-787B-3D43-A9DA-7F4421E2A5AC}"/>
+              </a:ext>
+            </a:extLst>
+          </p:cNvPr>
+          <p:cNvSpPr/>
+          <p:nvPr/>
+        </p:nvSpPr>
+        <p:spPr>
+          <a:xfrm>
+            <a:off x="6071124" y="2310164"/>
+            <a:ext cx="733926" cy="177315"/>
+          </a:xfrm>
+          <a:prstGeom prst="roundRect">
+            <a:avLst/>
+          </a:prstGeom>
+        </p:spPr>
+        <p:style>
+          <a:lnRef idx="2">
+            <a:schemeClr val="accent1">
+              <a:shade val="50000"/>
+            </a:schemeClr>
+          </a:lnRef>
+          <a:fillRef idx="1">
+            <a:schemeClr val="accent1"/>
+          </a:fillRef>
+          <a:effectRef idx="0">
+            <a:schemeClr val="accent1"/>
+          </a:effectRef>
+          <a:fontRef idx="minor">
+            <a:schemeClr val="lt1"/>
+          </a:fontRef>
+        </p:style>
+        <p:txBody>
+          <a:bodyPr rtlCol="0" anchor="ctr"/>
+          <a:lstStyle/>
+          <a:p>
+            <a:pPr algn="ctr"/>
+            <a:r>
+              <a:rPr lang="en-US" sz="1200"/>
+              <a:t>wrapper</a:t>
+            </a:r>
+          </a:p>
+        </p:txBody>
+      </p:sp>
+      <p:sp>
+        <p:nvSpPr>
+          <p:cNvPr id="30" name="Rectangle 29">
+            <a:extLst>
+              <a:ext uri="{FF2B5EF4-FFF2-40B4-BE49-F238E27FC236}">
+                <a16:creationId xmlns:a16="http://schemas.microsoft.com/office/drawing/2014/main" id="{9B3952EE-189D-C84A-BEA5-F70B50D0D4FC}"/>
+              </a:ext>
+            </a:extLst>
+          </p:cNvPr>
+          <p:cNvSpPr/>
+          <p:nvPr/>
+        </p:nvSpPr>
+        <p:spPr>
+          <a:xfrm>
+            <a:off x="7945661" y="1453413"/>
+            <a:ext cx="1111712" cy="305595"/>
+          </a:xfrm>
+          <a:prstGeom prst="rect">
+            <a:avLst/>
+          </a:prstGeom>
+          <a:solidFill>
+            <a:srgbClr val="FFC000"/>
+          </a:solidFill>
+          <a:ln>
+            <a:solidFill>
+              <a:schemeClr val="tx1">
+                <a:lumMod val="50000"/>
+                <a:lumOff val="50000"/>
+              </a:schemeClr>
+            </a:solidFill>
+          </a:ln>
+        </p:spPr>
+        <p:style>
+          <a:lnRef idx="2">
+            <a:schemeClr val="accent1">
+              <a:shade val="50000"/>
+            </a:schemeClr>
+          </a:lnRef>
+          <a:fillRef idx="1">
+            <a:schemeClr val="accent1"/>
+          </a:fillRef>
+          <a:effectRef idx="0">
+            <a:schemeClr val="accent1"/>
+          </a:effectRef>
+          <a:fontRef idx="minor">
+            <a:schemeClr val="lt1"/>
+          </a:fontRef>
+        </p:style>
+        <p:txBody>
+          <a:bodyPr rtlCol="0" anchor="ctr"/>
+          <a:lstStyle/>
+          <a:p>
+            <a:pPr algn="ctr"/>
+            <a:r>
+              <a:rPr lang="en-US" altLang="zh-CN" sz="1400" b="1"/>
+              <a:t>s</a:t>
+            </a:r>
+            <a:r>
+              <a:rPr lang="en-US" sz="1400" b="1"/>
+              <a:t>ubscriber</a:t>
+            </a:r>
+            <a:r>
+              <a:rPr lang="en-US" altLang="zh-CN" sz="1400" b="1"/>
+              <a:t>s</a:t>
+            </a:r>
+            <a:endParaRPr lang="en-US" sz="1000" b="1"/>
+          </a:p>
+        </p:txBody>
+      </p:sp>
+      <p:sp>
+        <p:nvSpPr>
+          <p:cNvPr id="32" name="Right Arrow 31">
+            <a:extLst>
+              <a:ext uri="{FF2B5EF4-FFF2-40B4-BE49-F238E27FC236}">
+                <a16:creationId xmlns:a16="http://schemas.microsoft.com/office/drawing/2014/main" id="{7CF948CE-251F-164C-8E2E-819C4A92CCFD}"/>
+              </a:ext>
+            </a:extLst>
+          </p:cNvPr>
+          <p:cNvSpPr/>
+          <p:nvPr/>
+        </p:nvSpPr>
+        <p:spPr>
+          <a:xfrm>
+            <a:off x="7276697" y="1549669"/>
+            <a:ext cx="668964" cy="152798"/>
+          </a:xfrm>
+          <a:prstGeom prst="rightArrow">
+            <a:avLst/>
+          </a:prstGeom>
+          <a:solidFill>
+            <a:srgbClr val="FFC000"/>
+          </a:solidFill>
+          <a:ln>
+            <a:solidFill>
+              <a:schemeClr val="tx1">
+                <a:lumMod val="50000"/>
+                <a:lumOff val="50000"/>
+              </a:schemeClr>
+            </a:solidFill>
+          </a:ln>
+        </p:spPr>
+        <p:style>
+          <a:lnRef idx="2">
+            <a:schemeClr val="accent1">
+              <a:shade val="50000"/>
+            </a:schemeClr>
+          </a:lnRef>
+          <a:fillRef idx="1">
+            <a:schemeClr val="accent1"/>
+          </a:fillRef>
+          <a:effectRef idx="0">
+            <a:schemeClr val="accent1"/>
+          </a:effectRef>
+          <a:fontRef idx="minor">
+            <a:schemeClr val="lt1"/>
+          </a:fontRef>
+        </p:style>
+        <p:txBody>
+          <a:bodyPr rtlCol="0" anchor="ctr"/>
+          <a:lstStyle/>
+          <a:p>
+            <a:pPr algn="ctr"/>
+            <a:endParaRPr lang="en-US">
+              <a:solidFill>
+                <a:schemeClr val="accent4"/>
+              </a:solidFill>
+            </a:endParaRPr>
+          </a:p>
+        </p:txBody>
+      </p:sp>
+      <p:sp>
+        <p:nvSpPr>
+          <p:cNvPr id="34" name="Left-Right Arrow 33">
+            <a:extLst>
+              <a:ext uri="{FF2B5EF4-FFF2-40B4-BE49-F238E27FC236}">
+                <a16:creationId xmlns:a16="http://schemas.microsoft.com/office/drawing/2014/main" id="{553F5A59-6BC1-7547-AE2E-9351EA939AFE}"/>
+              </a:ext>
+            </a:extLst>
+          </p:cNvPr>
+          <p:cNvSpPr/>
+          <p:nvPr/>
+        </p:nvSpPr>
+        <p:spPr>
+          <a:xfrm>
+            <a:off x="7276695" y="1989406"/>
+            <a:ext cx="668966" cy="139238"/>
+          </a:xfrm>
+          <a:prstGeom prst="leftRightArrow">
+            <a:avLst/>
+          </a:prstGeom>
+        </p:spPr>
+        <p:style>
+          <a:lnRef idx="2">
+            <a:schemeClr val="accent1">
+              <a:shade val="50000"/>
+            </a:schemeClr>
+          </a:lnRef>
+          <a:fillRef idx="1">
+            <a:schemeClr val="accent1"/>
+          </a:fillRef>
+          <a:effectRef idx="0">
+            <a:schemeClr val="accent1"/>
+          </a:effectRef>
+          <a:fontRef idx="minor">
+            <a:schemeClr val="lt1"/>
+          </a:fontRef>
+        </p:style>
+        <p:txBody>
+          <a:bodyPr rtlCol="0" anchor="ctr"/>
+          <a:lstStyle/>
+          <a:p>
+            <a:pPr algn="ctr"/>
+            <a:endParaRPr lang="en-US"/>
+          </a:p>
+        </p:txBody>
+      </p:sp>
+      <p:sp>
+        <p:nvSpPr>
+          <p:cNvPr id="35" name="Rectangle 34">
+            <a:extLst>
+              <a:ext uri="{FF2B5EF4-FFF2-40B4-BE49-F238E27FC236}">
+                <a16:creationId xmlns:a16="http://schemas.microsoft.com/office/drawing/2014/main" id="{F348E535-51E6-D44C-8F20-57E6EB6552D5}"/>
+              </a:ext>
+            </a:extLst>
+          </p:cNvPr>
+          <p:cNvSpPr/>
+          <p:nvPr/>
+        </p:nvSpPr>
+        <p:spPr>
+          <a:xfrm>
+            <a:off x="7945661" y="1925051"/>
+            <a:ext cx="1111712" cy="264044"/>
+          </a:xfrm>
+          <a:prstGeom prst="rect">
+            <a:avLst/>
+          </a:prstGeom>
+        </p:spPr>
+        <p:style>
+          <a:lnRef idx="2">
+            <a:schemeClr val="accent1">
+              <a:shade val="50000"/>
+            </a:schemeClr>
+          </a:lnRef>
+          <a:fillRef idx="1">
+            <a:schemeClr val="accent1"/>
+          </a:fillRef>
+          <a:effectRef idx="0">
+            <a:schemeClr val="accent1"/>
+          </a:effectRef>
+          <a:fontRef idx="minor">
+            <a:schemeClr val="lt1"/>
+          </a:fontRef>
+        </p:style>
+        <p:txBody>
+          <a:bodyPr rtlCol="0" anchor="ctr"/>
+          <a:lstStyle/>
+          <a:p>
+            <a:pPr algn="ctr"/>
+            <a:r>
+              <a:rPr lang="en-US" sz="1400" b="1"/>
+              <a:t>wrappers</a:t>
+            </a:r>
+            <a:endParaRPr lang="en-US" b="1"/>
+          </a:p>
+        </p:txBody>
+      </p:sp>
+      <p:sp>
+        <p:nvSpPr>
+          <p:cNvPr id="36" name="Can 35">
+            <a:extLst>
+              <a:ext uri="{FF2B5EF4-FFF2-40B4-BE49-F238E27FC236}">
+                <a16:creationId xmlns:a16="http://schemas.microsoft.com/office/drawing/2014/main" id="{C65B9016-2020-444E-9707-E67231FED6A5}"/>
+              </a:ext>
+            </a:extLst>
+          </p:cNvPr>
+          <p:cNvSpPr/>
+          <p:nvPr/>
+        </p:nvSpPr>
+        <p:spPr>
+          <a:xfrm>
+            <a:off x="9808144" y="1732549"/>
+            <a:ext cx="558264" cy="331289"/>
+          </a:xfrm>
+          <a:prstGeom prst="can">
+            <a:avLst/>
+          </a:prstGeom>
+          <a:solidFill>
+            <a:srgbClr val="FF0000"/>
+          </a:solidFill>
+          <a:ln>
+            <a:solidFill>
+              <a:schemeClr val="bg1"/>
+            </a:solidFill>
+          </a:ln>
+        </p:spPr>
+        <p:style>
+          <a:lnRef idx="2">
+            <a:schemeClr val="accent1">
+              <a:shade val="50000"/>
+            </a:schemeClr>
+          </a:lnRef>
+          <a:fillRef idx="1">
+            <a:schemeClr val="accent1"/>
+          </a:fillRef>
+          <a:effectRef idx="0">
+            <a:schemeClr val="accent1"/>
+          </a:effectRef>
+          <a:fontRef idx="minor">
+            <a:schemeClr val="lt1"/>
+          </a:fontRef>
+        </p:style>
+        <p:txBody>
+          <a:bodyPr rtlCol="0" anchor="ctr"/>
+          <a:lstStyle/>
+          <a:p>
+            <a:pPr algn="ctr"/>
+            <a:r>
+              <a:rPr lang="en-US" altLang="zh-CN" sz="1400"/>
+              <a:t>redis</a:t>
+            </a:r>
+            <a:endParaRPr lang="en-US" sz="1400"/>
+          </a:p>
+        </p:txBody>
+      </p:sp>
+      <p:cxnSp>
+        <p:nvCxnSpPr>
+          <p:cNvPr id="38" name="Straight Arrow Connector 37">
+            <a:extLst>
+              <a:ext uri="{FF2B5EF4-FFF2-40B4-BE49-F238E27FC236}">
+                <a16:creationId xmlns:a16="http://schemas.microsoft.com/office/drawing/2014/main" id="{D79C45CC-48B1-5143-B53D-1993D87BB264}"/>
+              </a:ext>
+            </a:extLst>
+          </p:cNvPr>
+          <p:cNvCxnSpPr>
+            <a:cxnSpLocks/>
+            <a:stCxn id="35" idx="3"/>
+            <a:endCxn id="36" idx="2"/>
+          </p:cNvCxnSpPr>
+          <p:nvPr/>
+        </p:nvCxnSpPr>
+        <p:spPr>
+          <a:xfrm flipV="1">
+            <a:off x="9057373" y="1898194"/>
+            <a:ext cx="750771" cy="158879"/>
+          </a:xfrm>
+          <a:prstGeom prst="straightConnector1">
+            <a:avLst/>
+          </a:prstGeom>
+          <a:ln>
+            <a:tailEnd type="triangle"/>
+          </a:ln>
+        </p:spPr>
+        <p:style>
+          <a:lnRef idx="1">
+            <a:schemeClr val="accent1"/>
+          </a:lnRef>
+          <a:fillRef idx="0">
+            <a:schemeClr val="accent1"/>
+          </a:fillRef>
+          <a:effectRef idx="0">
+            <a:schemeClr val="accent1"/>
+          </a:effectRef>
+          <a:fontRef idx="minor">
+            <a:schemeClr val="tx1"/>
+          </a:fontRef>
+        </p:style>
+      </p:cxnSp>
+      <p:cxnSp>
+        <p:nvCxnSpPr>
+          <p:cNvPr id="40" name="Straight Arrow Connector 39">
+            <a:extLst>
+              <a:ext uri="{FF2B5EF4-FFF2-40B4-BE49-F238E27FC236}">
+                <a16:creationId xmlns:a16="http://schemas.microsoft.com/office/drawing/2014/main" id="{E8E7F1C7-5C29-444D-857C-FFB30F815EE2}"/>
+              </a:ext>
+            </a:extLst>
+          </p:cNvPr>
+          <p:cNvCxnSpPr>
+            <a:cxnSpLocks/>
+            <a:endCxn id="36" idx="2"/>
+          </p:cNvCxnSpPr>
+          <p:nvPr/>
+        </p:nvCxnSpPr>
+        <p:spPr>
+          <a:xfrm>
+            <a:off x="9057373" y="1645926"/>
+            <a:ext cx="750771" cy="252268"/>
+          </a:xfrm>
+          <a:prstGeom prst="straightConnector1">
+            <a:avLst/>
+          </a:prstGeom>
+          <a:ln>
+            <a:tailEnd type="triangle"/>
+          </a:ln>
+        </p:spPr>
+        <p:style>
+          <a:lnRef idx="1">
+            <a:schemeClr val="accent1"/>
+          </a:lnRef>
+          <a:fillRef idx="0">
+            <a:schemeClr val="accent1"/>
+          </a:fillRef>
+          <a:effectRef idx="0">
+            <a:schemeClr val="accent1"/>
+          </a:effectRef>
+          <a:fontRef idx="minor">
+            <a:schemeClr val="tx1"/>
+          </a:fontRef>
+        </p:style>
+      </p:cxnSp>
+      <p:sp>
+        <p:nvSpPr>
+          <p:cNvPr id="44" name="TextBox 43">
+            <a:extLst>
+              <a:ext uri="{FF2B5EF4-FFF2-40B4-BE49-F238E27FC236}">
+                <a16:creationId xmlns:a16="http://schemas.microsoft.com/office/drawing/2014/main" id="{9602768F-01BE-104E-9A8E-4FCCE2418F7E}"/>
+              </a:ext>
+            </a:extLst>
+          </p:cNvPr>
+          <p:cNvSpPr txBox="1"/>
+          <p:nvPr/>
+        </p:nvSpPr>
+        <p:spPr>
+          <a:xfrm>
+            <a:off x="9156849" y="1463037"/>
+            <a:ext cx="474810" cy="369332"/>
+          </a:xfrm>
+          <a:prstGeom prst="rect">
+            <a:avLst/>
+          </a:prstGeom>
+          <a:noFill/>
+        </p:spPr>
+        <p:txBody>
+          <a:bodyPr wrap="none" rtlCol="0">
+            <a:spAutoFit/>
+          </a:bodyPr>
+          <a:lstStyle/>
+          <a:p>
+            <a:r>
+              <a:rPr lang="en-US" altLang="zh-CN"/>
+              <a:t>del</a:t>
+            </a:r>
+            <a:endParaRPr lang="en-US"/>
+          </a:p>
+        </p:txBody>
+      </p:sp>
+      <p:sp>
+        <p:nvSpPr>
+          <p:cNvPr id="45" name="TextBox 44">
+            <a:extLst>
+              <a:ext uri="{FF2B5EF4-FFF2-40B4-BE49-F238E27FC236}">
+                <a16:creationId xmlns:a16="http://schemas.microsoft.com/office/drawing/2014/main" id="{2691C0D3-ADED-3E4A-97E5-93E98420961A}"/>
+              </a:ext>
+            </a:extLst>
+          </p:cNvPr>
+          <p:cNvSpPr txBox="1"/>
+          <p:nvPr/>
+        </p:nvSpPr>
+        <p:spPr>
+          <a:xfrm>
+            <a:off x="9192516" y="1835643"/>
+            <a:ext cx="465577" cy="369332"/>
+          </a:xfrm>
+          <a:prstGeom prst="rect">
+            <a:avLst/>
+          </a:prstGeom>
+          <a:noFill/>
+        </p:spPr>
+        <p:txBody>
+          <a:bodyPr wrap="none" rtlCol="0">
+            <a:spAutoFit/>
+          </a:bodyPr>
+          <a:lstStyle/>
+          <a:p>
+            <a:r>
+              <a:rPr lang="en-US" altLang="zh-CN"/>
+              <a:t>set</a:t>
+            </a:r>
+            <a:endParaRPr lang="en-US"/>
+          </a:p>
+        </p:txBody>
+      </p:sp>
+      <p:sp>
+        <p:nvSpPr>
+          <p:cNvPr id="46" name="Rectangle 45">
+            <a:extLst>
+              <a:ext uri="{FF2B5EF4-FFF2-40B4-BE49-F238E27FC236}">
+                <a16:creationId xmlns:a16="http://schemas.microsoft.com/office/drawing/2014/main" id="{27143893-C6C5-B146-8037-D6C06BE077EA}"/>
+              </a:ext>
+            </a:extLst>
+          </p:cNvPr>
+          <p:cNvSpPr/>
+          <p:nvPr/>
+        </p:nvSpPr>
+        <p:spPr>
+          <a:xfrm>
+            <a:off x="6768977" y="2310164"/>
+            <a:ext cx="507718" cy="177315"/>
+          </a:xfrm>
+          <a:prstGeom prst="rect">
+            <a:avLst/>
+          </a:prstGeom>
+          <a:solidFill>
+            <a:srgbClr val="FFC000"/>
+          </a:solidFill>
+          <a:ln>
+            <a:solidFill>
+              <a:schemeClr val="tx1">
+                <a:lumMod val="50000"/>
+                <a:lumOff val="50000"/>
+              </a:schemeClr>
+            </a:solidFill>
+          </a:ln>
+        </p:spPr>
+        <p:style>
+          <a:lnRef idx="2">
+            <a:schemeClr val="accent1">
+              <a:shade val="50000"/>
+            </a:schemeClr>
+          </a:lnRef>
+          <a:fillRef idx="1">
+            <a:schemeClr val="accent1"/>
+          </a:fillRef>
+          <a:effectRef idx="0">
+            <a:schemeClr val="accent1"/>
+          </a:effectRef>
+          <a:fontRef idx="minor">
+            <a:schemeClr val="lt1"/>
+          </a:fontRef>
+        </p:style>
+        <p:txBody>
+          <a:bodyPr rtlCol="0" anchor="ctr"/>
+          <a:lstStyle/>
+          <a:p>
+            <a:pPr algn="ctr"/>
+            <a:r>
+              <a:rPr lang="en-US" altLang="zh-CN" sz="1100" b="1"/>
+              <a:t>sub</a:t>
+            </a:r>
+            <a:endParaRPr lang="en-US" sz="800" b="1"/>
+          </a:p>
+        </p:txBody>
+      </p:sp>
+      <p:sp>
+        <p:nvSpPr>
+          <p:cNvPr id="47" name="Rectangle 46">
+            <a:extLst>
+              <a:ext uri="{FF2B5EF4-FFF2-40B4-BE49-F238E27FC236}">
+                <a16:creationId xmlns:a16="http://schemas.microsoft.com/office/drawing/2014/main" id="{D3747A9B-D307-4D4A-AD10-D9A2AC74D7C3}"/>
+              </a:ext>
+            </a:extLst>
+          </p:cNvPr>
+          <p:cNvSpPr/>
+          <p:nvPr/>
+        </p:nvSpPr>
+        <p:spPr>
+          <a:xfrm>
+            <a:off x="5458721" y="2310164"/>
+            <a:ext cx="507718" cy="177315"/>
+          </a:xfrm>
+          <a:prstGeom prst="rect">
+            <a:avLst/>
+          </a:prstGeom>
+          <a:solidFill>
+            <a:srgbClr val="FFC000"/>
+          </a:solidFill>
+          <a:ln>
+            <a:solidFill>
+              <a:schemeClr val="tx1">
+                <a:lumMod val="50000"/>
+                <a:lumOff val="50000"/>
+              </a:schemeClr>
+            </a:solidFill>
+          </a:ln>
+        </p:spPr>
+        <p:style>
+          <a:lnRef idx="2">
+            <a:schemeClr val="accent1">
+              <a:shade val="50000"/>
+            </a:schemeClr>
+          </a:lnRef>
+          <a:fillRef idx="1">
+            <a:schemeClr val="accent1"/>
+          </a:fillRef>
+          <a:effectRef idx="0">
+            <a:schemeClr val="accent1"/>
+          </a:effectRef>
+          <a:fontRef idx="minor">
+            <a:schemeClr val="lt1"/>
+          </a:fontRef>
+        </p:style>
+        <p:txBody>
+          <a:bodyPr rtlCol="0" anchor="ctr"/>
+          <a:lstStyle/>
+          <a:p>
+            <a:pPr algn="ctr"/>
+            <a:r>
+              <a:rPr lang="en-US" altLang="zh-CN" sz="1100" b="1"/>
+              <a:t>sub</a:t>
+            </a:r>
+            <a:endParaRPr lang="en-US" sz="800" b="1"/>
+          </a:p>
+        </p:txBody>
+      </p:sp>
+      <p:sp>
+        <p:nvSpPr>
+          <p:cNvPr id="48" name="Rectangle 47">
+            <a:extLst>
+              <a:ext uri="{FF2B5EF4-FFF2-40B4-BE49-F238E27FC236}">
+                <a16:creationId xmlns:a16="http://schemas.microsoft.com/office/drawing/2014/main" id="{4C7E0A99-1497-884D-9AEE-9CCAB40643F0}"/>
+              </a:ext>
+            </a:extLst>
+          </p:cNvPr>
+          <p:cNvSpPr/>
+          <p:nvPr/>
+        </p:nvSpPr>
+        <p:spPr>
+          <a:xfrm>
+            <a:off x="4159318" y="2310164"/>
+            <a:ext cx="507718" cy="177315"/>
+          </a:xfrm>
+          <a:prstGeom prst="rect">
+            <a:avLst/>
+          </a:prstGeom>
+          <a:solidFill>
+            <a:srgbClr val="FFC000"/>
+          </a:solidFill>
+          <a:ln>
+            <a:solidFill>
+              <a:schemeClr val="tx1">
+                <a:lumMod val="50000"/>
+                <a:lumOff val="50000"/>
+              </a:schemeClr>
+            </a:solidFill>
+          </a:ln>
+        </p:spPr>
+        <p:style>
+          <a:lnRef idx="2">
+            <a:schemeClr val="accent1">
+              <a:shade val="50000"/>
+            </a:schemeClr>
+          </a:lnRef>
+          <a:fillRef idx="1">
+            <a:schemeClr val="accent1"/>
+          </a:fillRef>
+          <a:effectRef idx="0">
+            <a:schemeClr val="accent1"/>
+          </a:effectRef>
+          <a:fontRef idx="minor">
+            <a:schemeClr val="lt1"/>
+          </a:fontRef>
+        </p:style>
+        <p:txBody>
+          <a:bodyPr rtlCol="0" anchor="ctr"/>
+          <a:lstStyle/>
+          <a:p>
+            <a:pPr algn="ctr"/>
+            <a:r>
+              <a:rPr lang="en-US" altLang="zh-CN" sz="1100" b="1"/>
+              <a:t>sub</a:t>
+            </a:r>
+            <a:endParaRPr lang="en-US" sz="800" b="1"/>
+          </a:p>
+        </p:txBody>
+      </p:sp>
+      <p:sp>
+        <p:nvSpPr>
+          <p:cNvPr id="49" name="Rectangle 48">
+            <a:extLst>
+              <a:ext uri="{FF2B5EF4-FFF2-40B4-BE49-F238E27FC236}">
+                <a16:creationId xmlns:a16="http://schemas.microsoft.com/office/drawing/2014/main" id="{2FB33EB3-3F81-1041-A6E6-D4DD30AB8060}"/>
+              </a:ext>
+            </a:extLst>
+          </p:cNvPr>
+          <p:cNvSpPr/>
+          <p:nvPr/>
+        </p:nvSpPr>
+        <p:spPr>
+          <a:xfrm>
+            <a:off x="2856315" y="2310618"/>
+            <a:ext cx="507718" cy="177315"/>
+          </a:xfrm>
+          <a:prstGeom prst="rect">
+            <a:avLst/>
+          </a:prstGeom>
+          <a:solidFill>
+            <a:srgbClr val="FFC000"/>
+          </a:solidFill>
+          <a:ln>
+            <a:solidFill>
+              <a:schemeClr val="tx1">
+                <a:lumMod val="50000"/>
+                <a:lumOff val="50000"/>
+              </a:schemeClr>
+            </a:solidFill>
+          </a:ln>
+        </p:spPr>
+        <p:style>
+          <a:lnRef idx="2">
+            <a:schemeClr val="accent1">
+              <a:shade val="50000"/>
+            </a:schemeClr>
+          </a:lnRef>
+          <a:fillRef idx="1">
+            <a:schemeClr val="accent1"/>
+          </a:fillRef>
+          <a:effectRef idx="0">
+            <a:schemeClr val="accent1"/>
+          </a:effectRef>
+          <a:fontRef idx="minor">
+            <a:schemeClr val="lt1"/>
+          </a:fontRef>
+        </p:style>
+        <p:txBody>
+          <a:bodyPr rtlCol="0" anchor="ctr"/>
+          <a:lstStyle/>
+          <a:p>
+            <a:pPr algn="ctr"/>
+            <a:r>
+              <a:rPr lang="en-US" altLang="zh-CN" sz="1100" b="1"/>
+              <a:t>sub</a:t>
+            </a:r>
+            <a:endParaRPr lang="en-US" sz="800" b="1"/>
+          </a:p>
+        </p:txBody>
+      </p:sp>
+    </p:spTree>
+    <p:extLst>
+      <p:ext uri="{BB962C8B-B14F-4D97-AF65-F5344CB8AC3E}">
+        <p14:creationId xmlns:p14="http://schemas.microsoft.com/office/powerpoint/2010/main" val="2915869190"/>
       </p:ext>
     </p:extLst>
   </p:cSld>

--- a/microservice-in-micro/docs/design.pptx
+++ b/microservice-in-micro/docs/design.pptx
@@ -263,7 +263,7 @@
           <a:p>
             <a:fld id="{F9321E79-B202-C941-A34A-CDB3A7C81E4A}" type="datetimeFigureOut">
               <a:rPr lang="en-US" smtClean="0"/>
-              <a:t>4/11/19</a:t>
+              <a:t>4/15/19</a:t>
             </a:fld>
             <a:endParaRPr lang="en-US"/>
           </a:p>
@@ -461,7 +461,7 @@
           <a:p>
             <a:fld id="{F9321E79-B202-C941-A34A-CDB3A7C81E4A}" type="datetimeFigureOut">
               <a:rPr lang="en-US" smtClean="0"/>
-              <a:t>4/11/19</a:t>
+              <a:t>4/15/19</a:t>
             </a:fld>
             <a:endParaRPr lang="en-US"/>
           </a:p>
@@ -669,7 +669,7 @@
           <a:p>
             <a:fld id="{F9321E79-B202-C941-A34A-CDB3A7C81E4A}" type="datetimeFigureOut">
               <a:rPr lang="en-US" smtClean="0"/>
-              <a:t>4/11/19</a:t>
+              <a:t>4/15/19</a:t>
             </a:fld>
             <a:endParaRPr lang="en-US"/>
           </a:p>
@@ -867,7 +867,7 @@
           <a:p>
             <a:fld id="{F9321E79-B202-C941-A34A-CDB3A7C81E4A}" type="datetimeFigureOut">
               <a:rPr lang="en-US" smtClean="0"/>
-              <a:t>4/11/19</a:t>
+              <a:t>4/15/19</a:t>
             </a:fld>
             <a:endParaRPr lang="en-US"/>
           </a:p>
@@ -1142,7 +1142,7 @@
           <a:p>
             <a:fld id="{F9321E79-B202-C941-A34A-CDB3A7C81E4A}" type="datetimeFigureOut">
               <a:rPr lang="en-US" smtClean="0"/>
-              <a:t>4/11/19</a:t>
+              <a:t>4/15/19</a:t>
             </a:fld>
             <a:endParaRPr lang="en-US"/>
           </a:p>
@@ -1407,7 +1407,7 @@
           <a:p>
             <a:fld id="{F9321E79-B202-C941-A34A-CDB3A7C81E4A}" type="datetimeFigureOut">
               <a:rPr lang="en-US" smtClean="0"/>
-              <a:t>4/11/19</a:t>
+              <a:t>4/15/19</a:t>
             </a:fld>
             <a:endParaRPr lang="en-US"/>
           </a:p>
@@ -1819,7 +1819,7 @@
           <a:p>
             <a:fld id="{F9321E79-B202-C941-A34A-CDB3A7C81E4A}" type="datetimeFigureOut">
               <a:rPr lang="en-US" smtClean="0"/>
-              <a:t>4/11/19</a:t>
+              <a:t>4/15/19</a:t>
             </a:fld>
             <a:endParaRPr lang="en-US"/>
           </a:p>
@@ -1960,7 +1960,7 @@
           <a:p>
             <a:fld id="{F9321E79-B202-C941-A34A-CDB3A7C81E4A}" type="datetimeFigureOut">
               <a:rPr lang="en-US" smtClean="0"/>
-              <a:t>4/11/19</a:t>
+              <a:t>4/15/19</a:t>
             </a:fld>
             <a:endParaRPr lang="en-US"/>
           </a:p>
@@ -2073,7 +2073,7 @@
           <a:p>
             <a:fld id="{F9321E79-B202-C941-A34A-CDB3A7C81E4A}" type="datetimeFigureOut">
               <a:rPr lang="en-US" smtClean="0"/>
-              <a:t>4/11/19</a:t>
+              <a:t>4/15/19</a:t>
             </a:fld>
             <a:endParaRPr lang="en-US"/>
           </a:p>
@@ -2384,7 +2384,7 @@
           <a:p>
             <a:fld id="{F9321E79-B202-C941-A34A-CDB3A7C81E4A}" type="datetimeFigureOut">
               <a:rPr lang="en-US" smtClean="0"/>
-              <a:t>4/11/19</a:t>
+              <a:t>4/15/19</a:t>
             </a:fld>
             <a:endParaRPr lang="en-US"/>
           </a:p>
@@ -2672,7 +2672,7 @@
           <a:p>
             <a:fld id="{F9321E79-B202-C941-A34A-CDB3A7C81E4A}" type="datetimeFigureOut">
               <a:rPr lang="en-US" smtClean="0"/>
-              <a:t>4/11/19</a:t>
+              <a:t>4/15/19</a:t>
             </a:fld>
             <a:endParaRPr lang="en-US"/>
           </a:p>
@@ -2913,7 +2913,7 @@
           <a:p>
             <a:fld id="{F9321E79-B202-C941-A34A-CDB3A7C81E4A}" type="datetimeFigureOut">
               <a:rPr lang="en-US" smtClean="0"/>
-              <a:t>4/11/19</a:t>
+              <a:t>4/15/19</a:t>
             </a:fld>
             <a:endParaRPr lang="en-US"/>
           </a:p>
@@ -8528,8 +8528,8 @@
         </p:nvSpPr>
         <p:spPr>
           <a:xfrm>
-            <a:off x="2136807" y="2310165"/>
-            <a:ext cx="1227225" cy="702543"/>
+            <a:off x="1336722" y="2310164"/>
+            <a:ext cx="2014061" cy="702544"/>
           </a:xfrm>
           <a:prstGeom prst="rect">
             <a:avLst/>
@@ -8584,8 +8584,8 @@
         </p:nvSpPr>
         <p:spPr>
           <a:xfrm>
-            <a:off x="2136807" y="1478031"/>
-            <a:ext cx="5139890" cy="724549"/>
+            <a:off x="1320800" y="1645926"/>
+            <a:ext cx="5955897" cy="556654"/>
           </a:xfrm>
           <a:prstGeom prst="rect">
             <a:avLst/>
@@ -8834,10 +8834,10 @@
       </p:sp>
       <p:sp>
         <p:nvSpPr>
-          <p:cNvPr id="10" name="Rectangle 9">
-            <a:extLst>
-              <a:ext uri="{FF2B5EF4-FFF2-40B4-BE49-F238E27FC236}">
-                <a16:creationId xmlns:a16="http://schemas.microsoft.com/office/drawing/2014/main" id="{9A57AB13-3FF3-4C4A-B2D4-77D2B4193433}"/>
+          <p:cNvPr id="11" name="Rectangle 10">
+            <a:extLst>
+              <a:ext uri="{FF2B5EF4-FFF2-40B4-BE49-F238E27FC236}">
+                <a16:creationId xmlns:a16="http://schemas.microsoft.com/office/drawing/2014/main" id="{CDA282E1-8CD3-0645-AC75-8A809E04EA14}"/>
               </a:ext>
             </a:extLst>
           </p:cNvPr>
@@ -8846,16 +8846,14 @@
         </p:nvSpPr>
         <p:spPr>
           <a:xfrm>
-            <a:off x="2136807" y="1477486"/>
-            <a:ext cx="904775" cy="265247"/>
+            <a:off x="1334904" y="1136617"/>
+            <a:ext cx="5955897" cy="349918"/>
           </a:xfrm>
           <a:prstGeom prst="rect">
             <a:avLst/>
           </a:prstGeom>
           <a:solidFill>
-            <a:schemeClr val="bg2">
-              <a:lumMod val="50000"/>
-            </a:schemeClr>
+            <a:schemeClr val="bg1"/>
           </a:solidFill>
         </p:spPr>
         <p:style>
@@ -8880,27 +8878,22 @@
           <a:p>
             <a:pPr algn="ctr"/>
             <a:r>
-              <a:rPr lang="en-US" sz="1200">
+              <a:rPr lang="en-US">
                 <a:solidFill>
-                  <a:schemeClr val="bg1"/>
+                  <a:schemeClr val="tx1"/>
                 </a:solidFill>
               </a:rPr>
-              <a:t>login</a:t>
-            </a:r>
-            <a:endParaRPr lang="en-US" sz="1600">
-              <a:solidFill>
-                <a:schemeClr val="bg1"/>
-              </a:solidFill>
-            </a:endParaRPr>
-          </a:p>
-        </p:txBody>
-      </p:sp>
-      <p:sp>
-        <p:nvSpPr>
-          <p:cNvPr id="11" name="Rectangle 10">
-            <a:extLst>
-              <a:ext uri="{FF2B5EF4-FFF2-40B4-BE49-F238E27FC236}">
-                <a16:creationId xmlns:a16="http://schemas.microsoft.com/office/drawing/2014/main" id="{CDA282E1-8CD3-0645-AC75-8A809E04EA14}"/>
+              <a:t>API</a:t>
+            </a:r>
+          </a:p>
+        </p:txBody>
+      </p:sp>
+      <p:sp>
+        <p:nvSpPr>
+          <p:cNvPr id="12" name="Rounded Rectangle 11">
+            <a:extLst>
+              <a:ext uri="{FF2B5EF4-FFF2-40B4-BE49-F238E27FC236}">
+                <a16:creationId xmlns:a16="http://schemas.microsoft.com/office/drawing/2014/main" id="{2F82BC8F-03CE-494C-9592-AC2FC67714F2}"/>
               </a:ext>
             </a:extLst>
           </p:cNvPr>
@@ -8909,15 +8902,12 @@
         </p:nvSpPr>
         <p:spPr>
           <a:xfrm>
-            <a:off x="2136807" y="996644"/>
-            <a:ext cx="5139890" cy="349918"/>
-          </a:xfrm>
-          <a:prstGeom prst="rect">
-            <a:avLst/>
-          </a:prstGeom>
-          <a:solidFill>
-            <a:schemeClr val="bg1"/>
-          </a:solidFill>
+            <a:off x="2136807" y="2310218"/>
+            <a:ext cx="733926" cy="215361"/>
+          </a:xfrm>
+          <a:prstGeom prst="roundRect">
+            <a:avLst/>
+          </a:prstGeom>
         </p:spPr>
         <p:style>
           <a:lnRef idx="2">
@@ -8941,22 +8931,18 @@
           <a:p>
             <a:pPr algn="ctr"/>
             <a:r>
-              <a:rPr lang="en-US">
-                <a:solidFill>
-                  <a:schemeClr val="tx1"/>
-                </a:solidFill>
-              </a:rPr>
-              <a:t>API</a:t>
-            </a:r>
-          </a:p>
-        </p:txBody>
-      </p:sp>
-      <p:sp>
-        <p:nvSpPr>
-          <p:cNvPr id="12" name="Rounded Rectangle 11">
-            <a:extLst>
-              <a:ext uri="{FF2B5EF4-FFF2-40B4-BE49-F238E27FC236}">
-                <a16:creationId xmlns:a16="http://schemas.microsoft.com/office/drawing/2014/main" id="{2F82BC8F-03CE-494C-9592-AC2FC67714F2}"/>
+              <a:rPr lang="en-US" sz="1200"/>
+              <a:t>wrapper</a:t>
+            </a:r>
+          </a:p>
+        </p:txBody>
+      </p:sp>
+      <p:sp>
+        <p:nvSpPr>
+          <p:cNvPr id="13" name="Rounded Rectangle 12">
+            <a:extLst>
+              <a:ext uri="{FF2B5EF4-FFF2-40B4-BE49-F238E27FC236}">
+                <a16:creationId xmlns:a16="http://schemas.microsoft.com/office/drawing/2014/main" id="{267C4CA9-EA7B-194D-8A79-5E9931A40011}"/>
               </a:ext>
             </a:extLst>
           </p:cNvPr>
@@ -8965,7 +8951,7 @@
         </p:nvSpPr>
         <p:spPr>
           <a:xfrm>
-            <a:off x="2136807" y="2310164"/>
+            <a:off x="3455468" y="2310164"/>
             <a:ext cx="733926" cy="177315"/>
           </a:xfrm>
           <a:prstGeom prst="roundRect">
@@ -9002,10 +8988,10 @@
       </p:sp>
       <p:sp>
         <p:nvSpPr>
-          <p:cNvPr id="13" name="Rounded Rectangle 12">
-            <a:extLst>
-              <a:ext uri="{FF2B5EF4-FFF2-40B4-BE49-F238E27FC236}">
-                <a16:creationId xmlns:a16="http://schemas.microsoft.com/office/drawing/2014/main" id="{267C4CA9-EA7B-194D-8A79-5E9931A40011}"/>
+          <p:cNvPr id="14" name="Rounded Rectangle 13">
+            <a:extLst>
+              <a:ext uri="{FF2B5EF4-FFF2-40B4-BE49-F238E27FC236}">
+                <a16:creationId xmlns:a16="http://schemas.microsoft.com/office/drawing/2014/main" id="{D7B1DF83-7A8C-3E49-8F0B-54F63C1F1F33}"/>
               </a:ext>
             </a:extLst>
           </p:cNvPr>
@@ -9014,7 +9000,7 @@
         </p:nvSpPr>
         <p:spPr>
           <a:xfrm>
-            <a:off x="3455468" y="2310164"/>
+            <a:off x="4759690" y="2310164"/>
             <a:ext cx="733926" cy="177315"/>
           </a:xfrm>
           <a:prstGeom prst="roundRect">
@@ -9051,10 +9037,10 @@
       </p:sp>
       <p:sp>
         <p:nvSpPr>
-          <p:cNvPr id="14" name="Rounded Rectangle 13">
-            <a:extLst>
-              <a:ext uri="{FF2B5EF4-FFF2-40B4-BE49-F238E27FC236}">
-                <a16:creationId xmlns:a16="http://schemas.microsoft.com/office/drawing/2014/main" id="{D7B1DF83-7A8C-3E49-8F0B-54F63C1F1F33}"/>
+          <p:cNvPr id="15" name="Rounded Rectangle 14">
+            <a:extLst>
+              <a:ext uri="{FF2B5EF4-FFF2-40B4-BE49-F238E27FC236}">
+                <a16:creationId xmlns:a16="http://schemas.microsoft.com/office/drawing/2014/main" id="{1A2F9BDD-787B-3D43-A9DA-7F4421E2A5AC}"/>
               </a:ext>
             </a:extLst>
           </p:cNvPr>
@@ -9063,7 +9049,7 @@
         </p:nvSpPr>
         <p:spPr>
           <a:xfrm>
-            <a:off x="4759690" y="2310164"/>
+            <a:off x="6071124" y="2310164"/>
             <a:ext cx="733926" cy="177315"/>
           </a:xfrm>
           <a:prstGeom prst="roundRect">
@@ -9100,10 +9086,10 @@
       </p:sp>
       <p:sp>
         <p:nvSpPr>
-          <p:cNvPr id="15" name="Rounded Rectangle 14">
-            <a:extLst>
-              <a:ext uri="{FF2B5EF4-FFF2-40B4-BE49-F238E27FC236}">
-                <a16:creationId xmlns:a16="http://schemas.microsoft.com/office/drawing/2014/main" id="{1A2F9BDD-787B-3D43-A9DA-7F4421E2A5AC}"/>
+          <p:cNvPr id="30" name="Rectangle 29">
+            <a:extLst>
+              <a:ext uri="{FF2B5EF4-FFF2-40B4-BE49-F238E27FC236}">
+                <a16:creationId xmlns:a16="http://schemas.microsoft.com/office/drawing/2014/main" id="{9B3952EE-189D-C84A-BEA5-F70B50D0D4FC}"/>
               </a:ext>
             </a:extLst>
           </p:cNvPr>
@@ -9112,57 +9098,8 @@
         </p:nvSpPr>
         <p:spPr>
           <a:xfrm>
-            <a:off x="6071124" y="2310164"/>
-            <a:ext cx="733926" cy="177315"/>
-          </a:xfrm>
-          <a:prstGeom prst="roundRect">
-            <a:avLst/>
-          </a:prstGeom>
-        </p:spPr>
-        <p:style>
-          <a:lnRef idx="2">
-            <a:schemeClr val="accent1">
-              <a:shade val="50000"/>
-            </a:schemeClr>
-          </a:lnRef>
-          <a:fillRef idx="1">
-            <a:schemeClr val="accent1"/>
-          </a:fillRef>
-          <a:effectRef idx="0">
-            <a:schemeClr val="accent1"/>
-          </a:effectRef>
-          <a:fontRef idx="minor">
-            <a:schemeClr val="lt1"/>
-          </a:fontRef>
-        </p:style>
-        <p:txBody>
-          <a:bodyPr rtlCol="0" anchor="ctr"/>
-          <a:lstStyle/>
-          <a:p>
-            <a:pPr algn="ctr"/>
-            <a:r>
-              <a:rPr lang="en-US" sz="1200"/>
-              <a:t>wrapper</a:t>
-            </a:r>
-          </a:p>
-        </p:txBody>
-      </p:sp>
-      <p:sp>
-        <p:nvSpPr>
-          <p:cNvPr id="30" name="Rectangle 29">
-            <a:extLst>
-              <a:ext uri="{FF2B5EF4-FFF2-40B4-BE49-F238E27FC236}">
-                <a16:creationId xmlns:a16="http://schemas.microsoft.com/office/drawing/2014/main" id="{9B3952EE-189D-C84A-BEA5-F70B50D0D4FC}"/>
-              </a:ext>
-            </a:extLst>
-          </p:cNvPr>
-          <p:cNvSpPr/>
-          <p:nvPr/>
-        </p:nvSpPr>
-        <p:spPr>
-          <a:xfrm>
-            <a:off x="7945661" y="1453413"/>
-            <a:ext cx="1111712" cy="305595"/>
+            <a:off x="7818661" y="1645926"/>
+            <a:ext cx="1111712" cy="265696"/>
           </a:xfrm>
           <a:prstGeom prst="rect">
             <a:avLst/>
@@ -9230,8 +9167,8 @@
         </p:nvSpPr>
         <p:spPr>
           <a:xfrm>
-            <a:off x="7276697" y="1549669"/>
-            <a:ext cx="668964" cy="152798"/>
+            <a:off x="7288222" y="1715313"/>
+            <a:ext cx="518913" cy="182880"/>
           </a:xfrm>
           <a:prstGeom prst="rightArrow">
             <a:avLst/>
@@ -9291,8 +9228,8 @@
         </p:nvSpPr>
         <p:spPr>
           <a:xfrm>
-            <a:off x="7276695" y="1989406"/>
-            <a:ext cx="668966" cy="139238"/>
+            <a:off x="7276695" y="1989405"/>
+            <a:ext cx="518915" cy="199689"/>
           </a:xfrm>
           <a:prstGeom prst="leftRightArrow">
             <a:avLst/>
@@ -9337,7 +9274,7 @@
         </p:nvSpPr>
         <p:spPr>
           <a:xfrm>
-            <a:off x="7945661" y="1925051"/>
+            <a:off x="7818661" y="1950451"/>
             <a:ext cx="1111712" cy="264044"/>
           </a:xfrm>
           <a:prstGeom prst="rect">
@@ -9387,7 +9324,7 @@
         </p:nvSpPr>
         <p:spPr>
           <a:xfrm>
-            <a:off x="9808144" y="1732549"/>
+            <a:off x="9681144" y="1732549"/>
             <a:ext cx="558264" cy="331289"/>
           </a:xfrm>
           <a:prstGeom prst="can">
@@ -9443,13 +9380,12 @@
           <p:cNvCxnSpPr>
             <a:cxnSpLocks/>
             <a:stCxn id="35" idx="3"/>
-            <a:endCxn id="36" idx="2"/>
           </p:cNvCxnSpPr>
           <p:nvPr/>
         </p:nvCxnSpPr>
         <p:spPr>
           <a:xfrm flipV="1">
-            <a:off x="9057373" y="1898194"/>
+            <a:off x="8930373" y="1923594"/>
             <a:ext cx="750771" cy="158879"/>
           </a:xfrm>
           <a:prstGeom prst="straightConnector1">
@@ -9491,7 +9427,7 @@
         </p:nvCxnSpPr>
         <p:spPr>
           <a:xfrm>
-            <a:off x="9057373" y="1645926"/>
+            <a:off x="8930373" y="1645926"/>
             <a:ext cx="750771" cy="252268"/>
           </a:xfrm>
           <a:prstGeom prst="straightConnector1">
@@ -9530,7 +9466,7 @@
         </p:nvSpPr>
         <p:spPr>
           <a:xfrm>
-            <a:off x="9156849" y="1463037"/>
+            <a:off x="9029849" y="1463037"/>
             <a:ext cx="474810" cy="369332"/>
           </a:xfrm>
           <a:prstGeom prst="rect">
@@ -9566,7 +9502,7 @@
         </p:nvSpPr>
         <p:spPr>
           <a:xfrm>
-            <a:off x="9192516" y="1835643"/>
+            <a:off x="9065516" y="1835643"/>
             <a:ext cx="465577" cy="369332"/>
           </a:xfrm>
           <a:prstGeom prst="rect">
@@ -9785,8 +9721,8 @@
         </p:nvSpPr>
         <p:spPr>
           <a:xfrm>
-            <a:off x="2856315" y="2310618"/>
-            <a:ext cx="507718" cy="177315"/>
+            <a:off x="2856315" y="2310218"/>
+            <a:ext cx="494468" cy="215361"/>
           </a:xfrm>
           <a:prstGeom prst="rect">
             <a:avLst/>
@@ -9829,6 +9765,69 @@
               <a:t>sub</a:t>
             </a:r>
             <a:endParaRPr lang="en-US" sz="800" b="1"/>
+          </a:p>
+        </p:txBody>
+      </p:sp>
+      <p:sp>
+        <p:nvSpPr>
+          <p:cNvPr id="27" name="Rectangle 26">
+            <a:extLst>
+              <a:ext uri="{FF2B5EF4-FFF2-40B4-BE49-F238E27FC236}">
+                <a16:creationId xmlns:a16="http://schemas.microsoft.com/office/drawing/2014/main" id="{696B2114-029E-9D47-9CC7-6890B69D7C4B}"/>
+              </a:ext>
+            </a:extLst>
+          </p:cNvPr>
+          <p:cNvSpPr/>
+          <p:nvPr/>
+        </p:nvSpPr>
+        <p:spPr>
+          <a:xfrm>
+            <a:off x="1334904" y="2310218"/>
+            <a:ext cx="801903" cy="215361"/>
+          </a:xfrm>
+          <a:prstGeom prst="rect">
+            <a:avLst/>
+          </a:prstGeom>
+          <a:solidFill>
+            <a:schemeClr val="bg2">
+              <a:lumMod val="50000"/>
+            </a:schemeClr>
+          </a:solidFill>
+        </p:spPr>
+        <p:style>
+          <a:lnRef idx="2">
+            <a:schemeClr val="accent1">
+              <a:shade val="50000"/>
+            </a:schemeClr>
+          </a:lnRef>
+          <a:fillRef idx="1">
+            <a:schemeClr val="accent1"/>
+          </a:fillRef>
+          <a:effectRef idx="0">
+            <a:schemeClr val="accent1"/>
+          </a:effectRef>
+          <a:fontRef idx="minor">
+            <a:schemeClr val="lt1"/>
+          </a:fontRef>
+        </p:style>
+        <p:txBody>
+          <a:bodyPr rtlCol="0" anchor="ctr"/>
+          <a:lstStyle/>
+          <a:p>
+            <a:pPr algn="ctr"/>
+            <a:r>
+              <a:rPr lang="en-US" sz="1200">
+                <a:solidFill>
+                  <a:schemeClr val="bg1"/>
+                </a:solidFill>
+              </a:rPr>
+              <a:t>login</a:t>
+            </a:r>
+            <a:endParaRPr lang="en-US" sz="1600">
+              <a:solidFill>
+                <a:schemeClr val="bg1"/>
+              </a:solidFill>
+            </a:endParaRPr>
           </a:p>
         </p:txBody>
       </p:sp>

--- a/microservice-in-micro/docs/design.pptx
+++ b/microservice-in-micro/docs/design.pptx
@@ -10,6 +10,7 @@
     <p:sldId id="259" r:id="rId4"/>
     <p:sldId id="260" r:id="rId5"/>
     <p:sldId id="261" r:id="rId6"/>
+    <p:sldId id="262" r:id="rId7"/>
   </p:sldIdLst>
   <p:sldSz cx="12192000" cy="6858000"/>
   <p:notesSz cx="6858000" cy="9144000"/>
@@ -9844,6 +9845,1486 @@
 </p:sld>
 </file>
 
+<file path=ppt/slides/slide6.xml><?xml version="1.0" encoding="utf-8"?>
+<p:sld xmlns:a="http://schemas.openxmlformats.org/drawingml/2006/main" xmlns:r="http://schemas.openxmlformats.org/officeDocument/2006/relationships" xmlns:p="http://schemas.openxmlformats.org/presentationml/2006/main">
+  <p:cSld>
+    <p:spTree>
+      <p:nvGrpSpPr>
+        <p:cNvPr id="1" name=""/>
+        <p:cNvGrpSpPr/>
+        <p:nvPr/>
+      </p:nvGrpSpPr>
+      <p:grpSpPr>
+        <a:xfrm>
+          <a:off x="0" y="0"/>
+          <a:ext cx="0" cy="0"/>
+          <a:chOff x="0" y="0"/>
+          <a:chExt cx="0" cy="0"/>
+        </a:xfrm>
+      </p:grpSpPr>
+      <p:sp>
+        <p:nvSpPr>
+          <p:cNvPr id="4" name="Rounded Rectangle 3">
+            <a:extLst>
+              <a:ext uri="{FF2B5EF4-FFF2-40B4-BE49-F238E27FC236}">
+                <a16:creationId xmlns:a16="http://schemas.microsoft.com/office/drawing/2014/main" id="{A88C9C0A-D587-2844-A4BD-196F12E322FC}"/>
+              </a:ext>
+            </a:extLst>
+          </p:cNvPr>
+          <p:cNvSpPr/>
+          <p:nvPr/>
+        </p:nvSpPr>
+        <p:spPr>
+          <a:xfrm>
+            <a:off x="1782763" y="2604998"/>
+            <a:ext cx="7643812" cy="1360578"/>
+          </a:xfrm>
+          <a:prstGeom prst="roundRect">
+            <a:avLst/>
+          </a:prstGeom>
+          <a:solidFill>
+            <a:schemeClr val="bg1"/>
+          </a:solidFill>
+          <a:ln>
+            <a:solidFill>
+              <a:schemeClr val="tx1"/>
+            </a:solidFill>
+          </a:ln>
+        </p:spPr>
+        <p:style>
+          <a:lnRef idx="2">
+            <a:schemeClr val="accent1">
+              <a:shade val="50000"/>
+            </a:schemeClr>
+          </a:lnRef>
+          <a:fillRef idx="1">
+            <a:schemeClr val="accent1"/>
+          </a:fillRef>
+          <a:effectRef idx="0">
+            <a:schemeClr val="accent1"/>
+          </a:effectRef>
+          <a:fontRef idx="minor">
+            <a:schemeClr val="lt1"/>
+          </a:fontRef>
+        </p:style>
+        <p:txBody>
+          <a:bodyPr rtlCol="0" anchor="ctr"/>
+          <a:lstStyle/>
+          <a:p>
+            <a:pPr algn="ctr"/>
+            <a:endParaRPr lang="en-US" sz="1600">
+              <a:solidFill>
+                <a:schemeClr val="tx1"/>
+              </a:solidFill>
+            </a:endParaRPr>
+          </a:p>
+        </p:txBody>
+      </p:sp>
+      <p:sp>
+        <p:nvSpPr>
+          <p:cNvPr id="5" name="Oval 4">
+            <a:extLst>
+              <a:ext uri="{FF2B5EF4-FFF2-40B4-BE49-F238E27FC236}">
+                <a16:creationId xmlns:a16="http://schemas.microsoft.com/office/drawing/2014/main" id="{D7D02241-5F95-2548-80FC-945D4019D8F2}"/>
+              </a:ext>
+            </a:extLst>
+          </p:cNvPr>
+          <p:cNvSpPr/>
+          <p:nvPr/>
+        </p:nvSpPr>
+        <p:spPr>
+          <a:xfrm>
+            <a:off x="2575384" y="2709408"/>
+            <a:ext cx="360611" cy="375444"/>
+          </a:xfrm>
+          <a:prstGeom prst="ellipse">
+            <a:avLst/>
+          </a:prstGeom>
+          <a:solidFill>
+            <a:schemeClr val="bg1"/>
+          </a:solidFill>
+          <a:ln>
+            <a:solidFill>
+              <a:srgbClr val="FF0000"/>
+            </a:solidFill>
+          </a:ln>
+        </p:spPr>
+        <p:style>
+          <a:lnRef idx="2">
+            <a:schemeClr val="accent1">
+              <a:shade val="50000"/>
+            </a:schemeClr>
+          </a:lnRef>
+          <a:fillRef idx="1">
+            <a:schemeClr val="accent1"/>
+          </a:fillRef>
+          <a:effectRef idx="0">
+            <a:schemeClr val="accent1"/>
+          </a:effectRef>
+          <a:fontRef idx="minor">
+            <a:schemeClr val="lt1"/>
+          </a:fontRef>
+        </p:style>
+        <p:txBody>
+          <a:bodyPr rtlCol="0" anchor="ctr"/>
+          <a:lstStyle/>
+          <a:p>
+            <a:pPr algn="ctr"/>
+            <a:endParaRPr lang="en-US" sz="1600" dirty="0">
+              <a:solidFill>
+                <a:schemeClr val="tx1"/>
+              </a:solidFill>
+            </a:endParaRPr>
+          </a:p>
+        </p:txBody>
+      </p:sp>
+      <p:sp>
+        <p:nvSpPr>
+          <p:cNvPr id="6" name="Oval 5">
+            <a:extLst>
+              <a:ext uri="{FF2B5EF4-FFF2-40B4-BE49-F238E27FC236}">
+                <a16:creationId xmlns:a16="http://schemas.microsoft.com/office/drawing/2014/main" id="{65C3F94C-27BF-BB46-9077-FF05DED0C2C1}"/>
+              </a:ext>
+            </a:extLst>
+          </p:cNvPr>
+          <p:cNvSpPr/>
+          <p:nvPr/>
+        </p:nvSpPr>
+        <p:spPr>
+          <a:xfrm>
+            <a:off x="3772235" y="3310864"/>
+            <a:ext cx="385327" cy="375444"/>
+          </a:xfrm>
+          <a:prstGeom prst="ellipse">
+            <a:avLst/>
+          </a:prstGeom>
+          <a:solidFill>
+            <a:schemeClr val="bg1"/>
+          </a:solidFill>
+          <a:ln>
+            <a:solidFill>
+              <a:srgbClr val="FF0000"/>
+            </a:solidFill>
+          </a:ln>
+        </p:spPr>
+        <p:style>
+          <a:lnRef idx="2">
+            <a:schemeClr val="accent1">
+              <a:shade val="50000"/>
+            </a:schemeClr>
+          </a:lnRef>
+          <a:fillRef idx="1">
+            <a:schemeClr val="accent1"/>
+          </a:fillRef>
+          <a:effectRef idx="0">
+            <a:schemeClr val="accent1"/>
+          </a:effectRef>
+          <a:fontRef idx="minor">
+            <a:schemeClr val="lt1"/>
+          </a:fontRef>
+        </p:style>
+        <p:txBody>
+          <a:bodyPr rtlCol="0" anchor="ctr"/>
+          <a:lstStyle/>
+          <a:p>
+            <a:pPr algn="ctr"/>
+            <a:endParaRPr lang="en-US" sz="1600">
+              <a:solidFill>
+                <a:schemeClr val="tx1"/>
+              </a:solidFill>
+            </a:endParaRPr>
+          </a:p>
+        </p:txBody>
+      </p:sp>
+      <p:sp>
+        <p:nvSpPr>
+          <p:cNvPr id="7" name="Oval 6">
+            <a:extLst>
+              <a:ext uri="{FF2B5EF4-FFF2-40B4-BE49-F238E27FC236}">
+                <a16:creationId xmlns:a16="http://schemas.microsoft.com/office/drawing/2014/main" id="{57F7A0AB-E2FB-C240-AC3B-85AC349AE306}"/>
+              </a:ext>
+            </a:extLst>
+          </p:cNvPr>
+          <p:cNvSpPr/>
+          <p:nvPr/>
+        </p:nvSpPr>
+        <p:spPr>
+          <a:xfrm>
+            <a:off x="4891488" y="3337484"/>
+            <a:ext cx="385327" cy="375444"/>
+          </a:xfrm>
+          <a:prstGeom prst="ellipse">
+            <a:avLst/>
+          </a:prstGeom>
+          <a:solidFill>
+            <a:schemeClr val="bg1"/>
+          </a:solidFill>
+        </p:spPr>
+        <p:style>
+          <a:lnRef idx="2">
+            <a:schemeClr val="accent1">
+              <a:shade val="50000"/>
+            </a:schemeClr>
+          </a:lnRef>
+          <a:fillRef idx="1">
+            <a:schemeClr val="accent1"/>
+          </a:fillRef>
+          <a:effectRef idx="0">
+            <a:schemeClr val="accent1"/>
+          </a:effectRef>
+          <a:fontRef idx="minor">
+            <a:schemeClr val="lt1"/>
+          </a:fontRef>
+        </p:style>
+        <p:txBody>
+          <a:bodyPr rtlCol="0" anchor="ctr"/>
+          <a:lstStyle/>
+          <a:p>
+            <a:pPr algn="ctr"/>
+            <a:endParaRPr lang="en-US" sz="1600">
+              <a:solidFill>
+                <a:schemeClr val="tx1"/>
+              </a:solidFill>
+            </a:endParaRPr>
+          </a:p>
+        </p:txBody>
+      </p:sp>
+      <p:sp>
+        <p:nvSpPr>
+          <p:cNvPr id="8" name="Oval 7">
+            <a:extLst>
+              <a:ext uri="{FF2B5EF4-FFF2-40B4-BE49-F238E27FC236}">
+                <a16:creationId xmlns:a16="http://schemas.microsoft.com/office/drawing/2014/main" id="{E509FCDA-9339-1044-B538-732B8B7B1EE6}"/>
+              </a:ext>
+            </a:extLst>
+          </p:cNvPr>
+          <p:cNvSpPr/>
+          <p:nvPr/>
+        </p:nvSpPr>
+        <p:spPr>
+          <a:xfrm>
+            <a:off x="8123673" y="3321497"/>
+            <a:ext cx="385327" cy="375444"/>
+          </a:xfrm>
+          <a:prstGeom prst="ellipse">
+            <a:avLst/>
+          </a:prstGeom>
+          <a:solidFill>
+            <a:schemeClr val="bg1"/>
+          </a:solidFill>
+        </p:spPr>
+        <p:style>
+          <a:lnRef idx="2">
+            <a:schemeClr val="accent1">
+              <a:shade val="50000"/>
+            </a:schemeClr>
+          </a:lnRef>
+          <a:fillRef idx="1">
+            <a:schemeClr val="accent1"/>
+          </a:fillRef>
+          <a:effectRef idx="0">
+            <a:schemeClr val="accent1"/>
+          </a:effectRef>
+          <a:fontRef idx="minor">
+            <a:schemeClr val="lt1"/>
+          </a:fontRef>
+        </p:style>
+        <p:txBody>
+          <a:bodyPr rtlCol="0" anchor="ctr"/>
+          <a:lstStyle/>
+          <a:p>
+            <a:pPr algn="ctr"/>
+            <a:endParaRPr lang="en-US" sz="1600">
+              <a:solidFill>
+                <a:schemeClr val="tx1"/>
+              </a:solidFill>
+            </a:endParaRPr>
+          </a:p>
+        </p:txBody>
+      </p:sp>
+      <p:sp>
+        <p:nvSpPr>
+          <p:cNvPr id="9" name="TextBox 8">
+            <a:extLst>
+              <a:ext uri="{FF2B5EF4-FFF2-40B4-BE49-F238E27FC236}">
+                <a16:creationId xmlns:a16="http://schemas.microsoft.com/office/drawing/2014/main" id="{2894DEC5-60A7-AD42-BB09-5A6FBABD558E}"/>
+              </a:ext>
+            </a:extLst>
+          </p:cNvPr>
+          <p:cNvSpPr txBox="1"/>
+          <p:nvPr/>
+        </p:nvSpPr>
+        <p:spPr>
+          <a:xfrm>
+            <a:off x="2187994" y="3005141"/>
+            <a:ext cx="1164664" cy="338554"/>
+          </a:xfrm>
+          <a:prstGeom prst="rect">
+            <a:avLst/>
+          </a:prstGeom>
+          <a:noFill/>
+        </p:spPr>
+        <p:txBody>
+          <a:bodyPr wrap="square" rtlCol="0">
+            <a:spAutoFit/>
+          </a:bodyPr>
+          <a:lstStyle/>
+          <a:p>
+            <a:pPr algn="ctr"/>
+            <a:r>
+              <a:rPr lang="en-US" sz="1600"/>
+              <a:t>user</a:t>
+            </a:r>
+            <a:r>
+              <a:rPr lang="en-US" altLang="zh-CN" sz="1600"/>
+              <a:t>s-web</a:t>
+            </a:r>
+            <a:endParaRPr lang="en-US" sz="1600" dirty="0"/>
+          </a:p>
+        </p:txBody>
+      </p:sp>
+      <p:sp>
+        <p:nvSpPr>
+          <p:cNvPr id="10" name="TextBox 9">
+            <a:extLst>
+              <a:ext uri="{FF2B5EF4-FFF2-40B4-BE49-F238E27FC236}">
+                <a16:creationId xmlns:a16="http://schemas.microsoft.com/office/drawing/2014/main" id="{ABD06A86-9DEA-B745-B369-35C7E9E01DC1}"/>
+              </a:ext>
+            </a:extLst>
+          </p:cNvPr>
+          <p:cNvSpPr txBox="1"/>
+          <p:nvPr/>
+        </p:nvSpPr>
+        <p:spPr>
+          <a:xfrm>
+            <a:off x="3654803" y="3636006"/>
+            <a:ext cx="686140" cy="338554"/>
+          </a:xfrm>
+          <a:prstGeom prst="rect">
+            <a:avLst/>
+          </a:prstGeom>
+          <a:noFill/>
+        </p:spPr>
+        <p:txBody>
+          <a:bodyPr wrap="square" rtlCol="0">
+            <a:spAutoFit/>
+          </a:bodyPr>
+          <a:lstStyle/>
+          <a:p>
+            <a:pPr algn="ctr"/>
+            <a:r>
+              <a:rPr lang="en-US" sz="1600" dirty="0" err="1"/>
+              <a:t>auth</a:t>
+            </a:r>
+            <a:endParaRPr lang="en-US" sz="1600" dirty="0"/>
+          </a:p>
+        </p:txBody>
+      </p:sp>
+      <p:sp>
+        <p:nvSpPr>
+          <p:cNvPr id="11" name="TextBox 10">
+            <a:extLst>
+              <a:ext uri="{FF2B5EF4-FFF2-40B4-BE49-F238E27FC236}">
+                <a16:creationId xmlns:a16="http://schemas.microsoft.com/office/drawing/2014/main" id="{4EF75E50-FCE1-314C-BF42-F01E386AA582}"/>
+              </a:ext>
+            </a:extLst>
+          </p:cNvPr>
+          <p:cNvSpPr txBox="1"/>
+          <p:nvPr/>
+        </p:nvSpPr>
+        <p:spPr>
+          <a:xfrm>
+            <a:off x="7820657" y="3658889"/>
+            <a:ext cx="1073946" cy="338554"/>
+          </a:xfrm>
+          <a:prstGeom prst="rect">
+            <a:avLst/>
+          </a:prstGeom>
+          <a:noFill/>
+        </p:spPr>
+        <p:txBody>
+          <a:bodyPr wrap="square" rtlCol="0">
+            <a:spAutoFit/>
+          </a:bodyPr>
+          <a:lstStyle/>
+          <a:p>
+            <a:pPr algn="ctr"/>
+            <a:r>
+              <a:rPr lang="en-US" sz="1600" dirty="0"/>
+              <a:t>pay</a:t>
+            </a:r>
+            <a:r>
+              <a:rPr lang="en-US" altLang="zh-CN" sz="1600" dirty="0"/>
+              <a:t>ment</a:t>
+            </a:r>
+            <a:endParaRPr lang="en-US" sz="1600" dirty="0"/>
+          </a:p>
+        </p:txBody>
+      </p:sp>
+      <p:sp>
+        <p:nvSpPr>
+          <p:cNvPr id="12" name="TextBox 11">
+            <a:extLst>
+              <a:ext uri="{FF2B5EF4-FFF2-40B4-BE49-F238E27FC236}">
+                <a16:creationId xmlns:a16="http://schemas.microsoft.com/office/drawing/2014/main" id="{A324C986-31E4-4249-9F28-388A8BFEAD87}"/>
+              </a:ext>
+            </a:extLst>
+          </p:cNvPr>
+          <p:cNvSpPr txBox="1"/>
+          <p:nvPr/>
+        </p:nvSpPr>
+        <p:spPr>
+          <a:xfrm>
+            <a:off x="4690463" y="3651158"/>
+            <a:ext cx="802910" cy="338554"/>
+          </a:xfrm>
+          <a:prstGeom prst="rect">
+            <a:avLst/>
+          </a:prstGeom>
+          <a:noFill/>
+        </p:spPr>
+        <p:txBody>
+          <a:bodyPr wrap="square" rtlCol="0">
+            <a:spAutoFit/>
+          </a:bodyPr>
+          <a:lstStyle/>
+          <a:p>
+            <a:pPr algn="ctr"/>
+            <a:r>
+              <a:rPr lang="en-US" sz="1600" dirty="0"/>
+              <a:t>orders</a:t>
+            </a:r>
+          </a:p>
+        </p:txBody>
+      </p:sp>
+      <p:sp>
+        <p:nvSpPr>
+          <p:cNvPr id="13" name="Oval 12">
+            <a:extLst>
+              <a:ext uri="{FF2B5EF4-FFF2-40B4-BE49-F238E27FC236}">
+                <a16:creationId xmlns:a16="http://schemas.microsoft.com/office/drawing/2014/main" id="{3082FF18-4B3B-0048-9411-88A22F312658}"/>
+              </a:ext>
+            </a:extLst>
+          </p:cNvPr>
+          <p:cNvSpPr/>
+          <p:nvPr/>
+        </p:nvSpPr>
+        <p:spPr>
+          <a:xfrm>
+            <a:off x="6822431" y="3348113"/>
+            <a:ext cx="385327" cy="375444"/>
+          </a:xfrm>
+          <a:prstGeom prst="ellipse">
+            <a:avLst/>
+          </a:prstGeom>
+          <a:solidFill>
+            <a:schemeClr val="bg1"/>
+          </a:solidFill>
+        </p:spPr>
+        <p:style>
+          <a:lnRef idx="2">
+            <a:schemeClr val="accent1">
+              <a:shade val="50000"/>
+            </a:schemeClr>
+          </a:lnRef>
+          <a:fillRef idx="1">
+            <a:schemeClr val="accent1"/>
+          </a:fillRef>
+          <a:effectRef idx="0">
+            <a:schemeClr val="accent1"/>
+          </a:effectRef>
+          <a:fontRef idx="minor">
+            <a:schemeClr val="lt1"/>
+          </a:fontRef>
+        </p:style>
+        <p:txBody>
+          <a:bodyPr rtlCol="0" anchor="ctr"/>
+          <a:lstStyle/>
+          <a:p>
+            <a:pPr algn="ctr"/>
+            <a:endParaRPr lang="en-US" sz="1600">
+              <a:solidFill>
+                <a:schemeClr val="tx1"/>
+              </a:solidFill>
+            </a:endParaRPr>
+          </a:p>
+        </p:txBody>
+      </p:sp>
+      <p:sp>
+        <p:nvSpPr>
+          <p:cNvPr id="14" name="TextBox 13">
+            <a:extLst>
+              <a:ext uri="{FF2B5EF4-FFF2-40B4-BE49-F238E27FC236}">
+                <a16:creationId xmlns:a16="http://schemas.microsoft.com/office/drawing/2014/main" id="{30226585-A694-C849-B0E5-1838EE451E55}"/>
+              </a:ext>
+            </a:extLst>
+          </p:cNvPr>
+          <p:cNvSpPr txBox="1"/>
+          <p:nvPr/>
+        </p:nvSpPr>
+        <p:spPr>
+          <a:xfrm>
+            <a:off x="6537806" y="3679245"/>
+            <a:ext cx="1143151" cy="338554"/>
+          </a:xfrm>
+          <a:prstGeom prst="rect">
+            <a:avLst/>
+          </a:prstGeom>
+          <a:noFill/>
+        </p:spPr>
+        <p:txBody>
+          <a:bodyPr wrap="square" rtlCol="0">
+            <a:spAutoFit/>
+          </a:bodyPr>
+          <a:lstStyle/>
+          <a:p>
+            <a:pPr algn="ctr"/>
+            <a:r>
+              <a:rPr lang="en-US" sz="1600" dirty="0"/>
+              <a:t>inventory</a:t>
+            </a:r>
+          </a:p>
+        </p:txBody>
+      </p:sp>
+      <p:sp>
+        <p:nvSpPr>
+          <p:cNvPr id="16" name="Rounded Rectangle 15">
+            <a:extLst>
+              <a:ext uri="{FF2B5EF4-FFF2-40B4-BE49-F238E27FC236}">
+                <a16:creationId xmlns:a16="http://schemas.microsoft.com/office/drawing/2014/main" id="{AD17F8E4-B471-7D48-90FF-F5A25807ACE4}"/>
+              </a:ext>
+            </a:extLst>
+          </p:cNvPr>
+          <p:cNvSpPr/>
+          <p:nvPr/>
+        </p:nvSpPr>
+        <p:spPr>
+          <a:xfrm>
+            <a:off x="1782763" y="1765248"/>
+            <a:ext cx="7643812" cy="683658"/>
+          </a:xfrm>
+          <a:prstGeom prst="roundRect">
+            <a:avLst/>
+          </a:prstGeom>
+          <a:solidFill>
+            <a:schemeClr val="bg1"/>
+          </a:solidFill>
+          <a:ln>
+            <a:solidFill>
+              <a:schemeClr val="tx1"/>
+            </a:solidFill>
+          </a:ln>
+        </p:spPr>
+        <p:style>
+          <a:lnRef idx="2">
+            <a:schemeClr val="accent1">
+              <a:shade val="50000"/>
+            </a:schemeClr>
+          </a:lnRef>
+          <a:fillRef idx="1">
+            <a:schemeClr val="accent1"/>
+          </a:fillRef>
+          <a:effectRef idx="0">
+            <a:schemeClr val="accent1"/>
+          </a:effectRef>
+          <a:fontRef idx="minor">
+            <a:schemeClr val="lt1"/>
+          </a:fontRef>
+        </p:style>
+        <p:txBody>
+          <a:bodyPr rtlCol="0" anchor="ctr"/>
+          <a:lstStyle/>
+          <a:p>
+            <a:pPr algn="ctr"/>
+            <a:endParaRPr lang="en-US" sz="1600">
+              <a:solidFill>
+                <a:schemeClr val="tx1"/>
+              </a:solidFill>
+            </a:endParaRPr>
+          </a:p>
+        </p:txBody>
+      </p:sp>
+      <p:sp>
+        <p:nvSpPr>
+          <p:cNvPr id="18" name="Rounded Rectangle 17">
+            <a:extLst>
+              <a:ext uri="{FF2B5EF4-FFF2-40B4-BE49-F238E27FC236}">
+                <a16:creationId xmlns:a16="http://schemas.microsoft.com/office/drawing/2014/main" id="{1F81A9D7-348F-384D-A6EB-3BED55660D39}"/>
+              </a:ext>
+            </a:extLst>
+          </p:cNvPr>
+          <p:cNvSpPr/>
+          <p:nvPr/>
+        </p:nvSpPr>
+        <p:spPr>
+          <a:xfrm>
+            <a:off x="4795404" y="1921339"/>
+            <a:ext cx="1310531" cy="371475"/>
+          </a:xfrm>
+          <a:prstGeom prst="roundRect">
+            <a:avLst/>
+          </a:prstGeom>
+          <a:solidFill>
+            <a:schemeClr val="bg1"/>
+          </a:solidFill>
+          <a:ln>
+            <a:solidFill>
+              <a:schemeClr val="tx1"/>
+            </a:solidFill>
+          </a:ln>
+        </p:spPr>
+        <p:style>
+          <a:lnRef idx="2">
+            <a:schemeClr val="accent1">
+              <a:shade val="50000"/>
+            </a:schemeClr>
+          </a:lnRef>
+          <a:fillRef idx="1">
+            <a:schemeClr val="accent1"/>
+          </a:fillRef>
+          <a:effectRef idx="0">
+            <a:schemeClr val="accent1"/>
+          </a:effectRef>
+          <a:fontRef idx="minor">
+            <a:schemeClr val="lt1"/>
+          </a:fontRef>
+        </p:style>
+        <p:txBody>
+          <a:bodyPr rtlCol="0" anchor="ctr"/>
+          <a:lstStyle/>
+          <a:p>
+            <a:pPr algn="ctr"/>
+            <a:r>
+              <a:rPr lang="en-US" sz="1600" dirty="0">
+                <a:solidFill>
+                  <a:schemeClr val="tx1"/>
+                </a:solidFill>
+              </a:rPr>
+              <a:t>API</a:t>
+            </a:r>
+          </a:p>
+        </p:txBody>
+      </p:sp>
+      <p:sp>
+        <p:nvSpPr>
+          <p:cNvPr id="21" name="TextBox 20">
+            <a:extLst>
+              <a:ext uri="{FF2B5EF4-FFF2-40B4-BE49-F238E27FC236}">
+                <a16:creationId xmlns:a16="http://schemas.microsoft.com/office/drawing/2014/main" id="{7A7C98C1-66D3-AA49-91A1-D8C57A31E064}"/>
+              </a:ext>
+            </a:extLst>
+          </p:cNvPr>
+          <p:cNvSpPr txBox="1"/>
+          <p:nvPr/>
+        </p:nvSpPr>
+        <p:spPr>
+          <a:xfrm>
+            <a:off x="4764168" y="1136305"/>
+            <a:ext cx="1373004" cy="338554"/>
+          </a:xfrm>
+          <a:prstGeom prst="rect">
+            <a:avLst/>
+          </a:prstGeom>
+          <a:noFill/>
+        </p:spPr>
+        <p:txBody>
+          <a:bodyPr wrap="none" rtlCol="0">
+            <a:spAutoFit/>
+          </a:bodyPr>
+          <a:lstStyle/>
+          <a:p>
+            <a:pPr algn="ctr"/>
+            <a:r>
+              <a:rPr lang="en-US" sz="1600" dirty="0"/>
+              <a:t>User</a:t>
+            </a:r>
+            <a:r>
+              <a:rPr lang="zh-CN" altLang="en-US" sz="1600" dirty="0"/>
+              <a:t> </a:t>
+            </a:r>
+            <a:r>
+              <a:rPr lang="en-US" altLang="zh-CN" sz="1600" dirty="0"/>
+              <a:t>Requests</a:t>
+            </a:r>
+            <a:endParaRPr lang="en-US" sz="1600" dirty="0"/>
+          </a:p>
+        </p:txBody>
+      </p:sp>
+      <p:sp>
+        <p:nvSpPr>
+          <p:cNvPr id="22" name="Rounded Rectangle 21">
+            <a:extLst>
+              <a:ext uri="{FF2B5EF4-FFF2-40B4-BE49-F238E27FC236}">
+                <a16:creationId xmlns:a16="http://schemas.microsoft.com/office/drawing/2014/main" id="{08CB58ED-72BC-8B43-B14A-D8E57F2809CE}"/>
+              </a:ext>
+            </a:extLst>
+          </p:cNvPr>
+          <p:cNvSpPr/>
+          <p:nvPr/>
+        </p:nvSpPr>
+        <p:spPr>
+          <a:xfrm>
+            <a:off x="1782762" y="4237034"/>
+            <a:ext cx="7643812" cy="683658"/>
+          </a:xfrm>
+          <a:prstGeom prst="roundRect">
+            <a:avLst/>
+          </a:prstGeom>
+          <a:solidFill>
+            <a:schemeClr val="bg1"/>
+          </a:solidFill>
+          <a:ln>
+            <a:solidFill>
+              <a:schemeClr val="tx1"/>
+            </a:solidFill>
+          </a:ln>
+        </p:spPr>
+        <p:style>
+          <a:lnRef idx="2">
+            <a:schemeClr val="accent1">
+              <a:shade val="50000"/>
+            </a:schemeClr>
+          </a:lnRef>
+          <a:fillRef idx="1">
+            <a:schemeClr val="accent1"/>
+          </a:fillRef>
+          <a:effectRef idx="0">
+            <a:schemeClr val="accent1"/>
+          </a:effectRef>
+          <a:fontRef idx="minor">
+            <a:schemeClr val="lt1"/>
+          </a:fontRef>
+        </p:style>
+        <p:txBody>
+          <a:bodyPr rtlCol="0" anchor="ctr"/>
+          <a:lstStyle/>
+          <a:p>
+            <a:pPr algn="ctr"/>
+            <a:endParaRPr lang="en-US" sz="1600">
+              <a:solidFill>
+                <a:schemeClr val="tx1"/>
+              </a:solidFill>
+            </a:endParaRPr>
+          </a:p>
+        </p:txBody>
+      </p:sp>
+      <p:sp>
+        <p:nvSpPr>
+          <p:cNvPr id="23" name="Rounded Rectangle 22">
+            <a:extLst>
+              <a:ext uri="{FF2B5EF4-FFF2-40B4-BE49-F238E27FC236}">
+                <a16:creationId xmlns:a16="http://schemas.microsoft.com/office/drawing/2014/main" id="{40239188-4730-7040-BF13-124CB21999A4}"/>
+              </a:ext>
+            </a:extLst>
+          </p:cNvPr>
+          <p:cNvSpPr/>
+          <p:nvPr/>
+        </p:nvSpPr>
+        <p:spPr>
+          <a:xfrm>
+            <a:off x="2181648" y="4393125"/>
+            <a:ext cx="934182" cy="371475"/>
+          </a:xfrm>
+          <a:prstGeom prst="roundRect">
+            <a:avLst/>
+          </a:prstGeom>
+          <a:solidFill>
+            <a:schemeClr val="bg1"/>
+          </a:solidFill>
+          <a:ln>
+            <a:solidFill>
+              <a:schemeClr val="tx1"/>
+            </a:solidFill>
+          </a:ln>
+        </p:spPr>
+        <p:style>
+          <a:lnRef idx="2">
+            <a:schemeClr val="accent1">
+              <a:shade val="50000"/>
+            </a:schemeClr>
+          </a:lnRef>
+          <a:fillRef idx="1">
+            <a:schemeClr val="accent1"/>
+          </a:fillRef>
+          <a:effectRef idx="0">
+            <a:schemeClr val="accent1"/>
+          </a:effectRef>
+          <a:fontRef idx="minor">
+            <a:schemeClr val="lt1"/>
+          </a:fontRef>
+        </p:style>
+        <p:txBody>
+          <a:bodyPr rtlCol="0" anchor="ctr"/>
+          <a:lstStyle/>
+          <a:p>
+            <a:pPr algn="ctr"/>
+            <a:r>
+              <a:rPr lang="en-US" sz="1600" dirty="0">
+                <a:solidFill>
+                  <a:schemeClr val="tx1"/>
+                </a:solidFill>
+              </a:rPr>
+              <a:t>API</a:t>
+            </a:r>
+          </a:p>
+        </p:txBody>
+      </p:sp>
+      <p:sp>
+        <p:nvSpPr>
+          <p:cNvPr id="24" name="Rounded Rectangle 23">
+            <a:extLst>
+              <a:ext uri="{FF2B5EF4-FFF2-40B4-BE49-F238E27FC236}">
+                <a16:creationId xmlns:a16="http://schemas.microsoft.com/office/drawing/2014/main" id="{42B0CD49-ADC9-AC4F-9E99-E00C7F0FF3BA}"/>
+              </a:ext>
+            </a:extLst>
+          </p:cNvPr>
+          <p:cNvSpPr/>
+          <p:nvPr/>
+        </p:nvSpPr>
+        <p:spPr>
+          <a:xfrm>
+            <a:off x="3743748" y="4393125"/>
+            <a:ext cx="934182" cy="371475"/>
+          </a:xfrm>
+          <a:prstGeom prst="roundRect">
+            <a:avLst/>
+          </a:prstGeom>
+          <a:solidFill>
+            <a:schemeClr val="bg1"/>
+          </a:solidFill>
+          <a:ln>
+            <a:solidFill>
+              <a:schemeClr val="tx1"/>
+            </a:solidFill>
+          </a:ln>
+        </p:spPr>
+        <p:style>
+          <a:lnRef idx="2">
+            <a:schemeClr val="accent1">
+              <a:shade val="50000"/>
+            </a:schemeClr>
+          </a:lnRef>
+          <a:fillRef idx="1">
+            <a:schemeClr val="accent1"/>
+          </a:fillRef>
+          <a:effectRef idx="0">
+            <a:schemeClr val="accent1"/>
+          </a:effectRef>
+          <a:fontRef idx="minor">
+            <a:schemeClr val="lt1"/>
+          </a:fontRef>
+        </p:style>
+        <p:txBody>
+          <a:bodyPr rtlCol="0" anchor="ctr"/>
+          <a:lstStyle/>
+          <a:p>
+            <a:pPr algn="ctr"/>
+            <a:r>
+              <a:rPr lang="en-US" sz="1600" dirty="0">
+                <a:solidFill>
+                  <a:schemeClr val="tx1"/>
+                </a:solidFill>
+              </a:rPr>
+              <a:t>Bot</a:t>
+            </a:r>
+          </a:p>
+        </p:txBody>
+      </p:sp>
+      <p:sp>
+        <p:nvSpPr>
+          <p:cNvPr id="25" name="Rounded Rectangle 24">
+            <a:extLst>
+              <a:ext uri="{FF2B5EF4-FFF2-40B4-BE49-F238E27FC236}">
+                <a16:creationId xmlns:a16="http://schemas.microsoft.com/office/drawing/2014/main" id="{1595CF05-1E69-954F-A96B-C7692052C3B4}"/>
+              </a:ext>
+            </a:extLst>
+          </p:cNvPr>
+          <p:cNvSpPr/>
+          <p:nvPr/>
+        </p:nvSpPr>
+        <p:spPr>
+          <a:xfrm>
+            <a:off x="5310775" y="4393125"/>
+            <a:ext cx="934182" cy="371475"/>
+          </a:xfrm>
+          <a:prstGeom prst="roundRect">
+            <a:avLst/>
+          </a:prstGeom>
+          <a:solidFill>
+            <a:schemeClr val="bg1"/>
+          </a:solidFill>
+          <a:ln>
+            <a:solidFill>
+              <a:schemeClr val="tx1"/>
+            </a:solidFill>
+          </a:ln>
+        </p:spPr>
+        <p:style>
+          <a:lnRef idx="2">
+            <a:schemeClr val="accent1">
+              <a:shade val="50000"/>
+            </a:schemeClr>
+          </a:lnRef>
+          <a:fillRef idx="1">
+            <a:schemeClr val="accent1"/>
+          </a:fillRef>
+          <a:effectRef idx="0">
+            <a:schemeClr val="accent1"/>
+          </a:effectRef>
+          <a:fontRef idx="minor">
+            <a:schemeClr val="lt1"/>
+          </a:fontRef>
+        </p:style>
+        <p:txBody>
+          <a:bodyPr rtlCol="0" anchor="ctr"/>
+          <a:lstStyle/>
+          <a:p>
+            <a:pPr algn="ctr"/>
+            <a:r>
+              <a:rPr lang="en-US" sz="1600" dirty="0">
+                <a:solidFill>
+                  <a:schemeClr val="tx1"/>
+                </a:solidFill>
+              </a:rPr>
+              <a:t>CLI</a:t>
+            </a:r>
+          </a:p>
+        </p:txBody>
+      </p:sp>
+      <p:sp>
+        <p:nvSpPr>
+          <p:cNvPr id="26" name="Rounded Rectangle 25">
+            <a:extLst>
+              <a:ext uri="{FF2B5EF4-FFF2-40B4-BE49-F238E27FC236}">
+                <a16:creationId xmlns:a16="http://schemas.microsoft.com/office/drawing/2014/main" id="{5EFEE84A-3CE7-0945-9CCF-5F91BA78DD82}"/>
+              </a:ext>
+            </a:extLst>
+          </p:cNvPr>
+          <p:cNvSpPr/>
+          <p:nvPr/>
+        </p:nvSpPr>
+        <p:spPr>
+          <a:xfrm>
+            <a:off x="6846858" y="4393125"/>
+            <a:ext cx="934182" cy="371475"/>
+          </a:xfrm>
+          <a:prstGeom prst="roundRect">
+            <a:avLst/>
+          </a:prstGeom>
+          <a:solidFill>
+            <a:schemeClr val="bg1"/>
+          </a:solidFill>
+          <a:ln>
+            <a:solidFill>
+              <a:schemeClr val="tx1"/>
+            </a:solidFill>
+          </a:ln>
+        </p:spPr>
+        <p:style>
+          <a:lnRef idx="2">
+            <a:schemeClr val="accent1">
+              <a:shade val="50000"/>
+            </a:schemeClr>
+          </a:lnRef>
+          <a:fillRef idx="1">
+            <a:schemeClr val="accent1"/>
+          </a:fillRef>
+          <a:effectRef idx="0">
+            <a:schemeClr val="accent1"/>
+          </a:effectRef>
+          <a:fontRef idx="minor">
+            <a:schemeClr val="lt1"/>
+          </a:fontRef>
+        </p:style>
+        <p:txBody>
+          <a:bodyPr rtlCol="0" anchor="ctr"/>
+          <a:lstStyle/>
+          <a:p>
+            <a:pPr algn="ctr"/>
+            <a:r>
+              <a:rPr lang="en-US" sz="1600" dirty="0">
+                <a:solidFill>
+                  <a:schemeClr val="tx1"/>
+                </a:solidFill>
+              </a:rPr>
+              <a:t>Proxy</a:t>
+            </a:r>
+          </a:p>
+        </p:txBody>
+      </p:sp>
+      <p:sp>
+        <p:nvSpPr>
+          <p:cNvPr id="27" name="Rounded Rectangle 26">
+            <a:extLst>
+              <a:ext uri="{FF2B5EF4-FFF2-40B4-BE49-F238E27FC236}">
+                <a16:creationId xmlns:a16="http://schemas.microsoft.com/office/drawing/2014/main" id="{02A2EBC2-7F97-9748-B467-5851FCA5A505}"/>
+              </a:ext>
+            </a:extLst>
+          </p:cNvPr>
+          <p:cNvSpPr/>
+          <p:nvPr/>
+        </p:nvSpPr>
+        <p:spPr>
+          <a:xfrm>
+            <a:off x="8326252" y="4393125"/>
+            <a:ext cx="934182" cy="371475"/>
+          </a:xfrm>
+          <a:prstGeom prst="roundRect">
+            <a:avLst/>
+          </a:prstGeom>
+          <a:solidFill>
+            <a:schemeClr val="bg1"/>
+          </a:solidFill>
+          <a:ln>
+            <a:solidFill>
+              <a:schemeClr val="tx1"/>
+            </a:solidFill>
+          </a:ln>
+        </p:spPr>
+        <p:style>
+          <a:lnRef idx="2">
+            <a:schemeClr val="accent1">
+              <a:shade val="50000"/>
+            </a:schemeClr>
+          </a:lnRef>
+          <a:fillRef idx="1">
+            <a:schemeClr val="accent1"/>
+          </a:fillRef>
+          <a:effectRef idx="0">
+            <a:schemeClr val="accent1"/>
+          </a:effectRef>
+          <a:fontRef idx="minor">
+            <a:schemeClr val="lt1"/>
+          </a:fontRef>
+        </p:style>
+        <p:txBody>
+          <a:bodyPr rtlCol="0" anchor="ctr"/>
+          <a:lstStyle/>
+          <a:p>
+            <a:pPr algn="ctr"/>
+            <a:r>
+              <a:rPr lang="en-US" sz="1600" dirty="0">
+                <a:solidFill>
+                  <a:schemeClr val="tx1"/>
+                </a:solidFill>
+              </a:rPr>
+              <a:t>Web</a:t>
+            </a:r>
+          </a:p>
+        </p:txBody>
+      </p:sp>
+      <p:sp>
+        <p:nvSpPr>
+          <p:cNvPr id="28" name="Oval 27">
+            <a:extLst>
+              <a:ext uri="{FF2B5EF4-FFF2-40B4-BE49-F238E27FC236}">
+                <a16:creationId xmlns:a16="http://schemas.microsoft.com/office/drawing/2014/main" id="{AD2BFD9D-4472-944F-B65A-D1939AE35D14}"/>
+              </a:ext>
+            </a:extLst>
+          </p:cNvPr>
+          <p:cNvSpPr/>
+          <p:nvPr/>
+        </p:nvSpPr>
+        <p:spPr>
+          <a:xfrm>
+            <a:off x="2594526" y="3304849"/>
+            <a:ext cx="360611" cy="375444"/>
+          </a:xfrm>
+          <a:prstGeom prst="ellipse">
+            <a:avLst/>
+          </a:prstGeom>
+          <a:solidFill>
+            <a:schemeClr val="bg1"/>
+          </a:solidFill>
+          <a:ln>
+            <a:solidFill>
+              <a:srgbClr val="FF0000"/>
+            </a:solidFill>
+          </a:ln>
+        </p:spPr>
+        <p:style>
+          <a:lnRef idx="2">
+            <a:schemeClr val="accent1">
+              <a:shade val="50000"/>
+            </a:schemeClr>
+          </a:lnRef>
+          <a:fillRef idx="1">
+            <a:schemeClr val="accent1"/>
+          </a:fillRef>
+          <a:effectRef idx="0">
+            <a:schemeClr val="accent1"/>
+          </a:effectRef>
+          <a:fontRef idx="minor">
+            <a:schemeClr val="lt1"/>
+          </a:fontRef>
+        </p:style>
+        <p:txBody>
+          <a:bodyPr rtlCol="0" anchor="ctr"/>
+          <a:lstStyle/>
+          <a:p>
+            <a:pPr algn="ctr"/>
+            <a:endParaRPr lang="en-US" sz="1600" dirty="0">
+              <a:solidFill>
+                <a:schemeClr val="tx1"/>
+              </a:solidFill>
+            </a:endParaRPr>
+          </a:p>
+        </p:txBody>
+      </p:sp>
+      <p:sp>
+        <p:nvSpPr>
+          <p:cNvPr id="29" name="TextBox 28">
+            <a:extLst>
+              <a:ext uri="{FF2B5EF4-FFF2-40B4-BE49-F238E27FC236}">
+                <a16:creationId xmlns:a16="http://schemas.microsoft.com/office/drawing/2014/main" id="{C79B8773-2C42-7F40-90DC-A8DDE6B02EA3}"/>
+              </a:ext>
+            </a:extLst>
+          </p:cNvPr>
+          <p:cNvSpPr txBox="1"/>
+          <p:nvPr/>
+        </p:nvSpPr>
+        <p:spPr>
+          <a:xfrm>
+            <a:off x="2107813" y="3604641"/>
+            <a:ext cx="1455208" cy="338554"/>
+          </a:xfrm>
+          <a:prstGeom prst="rect">
+            <a:avLst/>
+          </a:prstGeom>
+          <a:noFill/>
+        </p:spPr>
+        <p:txBody>
+          <a:bodyPr wrap="square" rtlCol="0">
+            <a:spAutoFit/>
+          </a:bodyPr>
+          <a:lstStyle/>
+          <a:p>
+            <a:pPr algn="ctr"/>
+            <a:r>
+              <a:rPr lang="en-US" altLang="zh-CN" sz="1600"/>
+              <a:t>user-service</a:t>
+            </a:r>
+            <a:endParaRPr lang="en-US" sz="1600" dirty="0"/>
+          </a:p>
+        </p:txBody>
+      </p:sp>
+      <p:sp>
+        <p:nvSpPr>
+          <p:cNvPr id="30" name="Oval 29">
+            <a:extLst>
+              <a:ext uri="{FF2B5EF4-FFF2-40B4-BE49-F238E27FC236}">
+                <a16:creationId xmlns:a16="http://schemas.microsoft.com/office/drawing/2014/main" id="{0CD49CBF-7259-0041-9FC5-96E49A759B32}"/>
+              </a:ext>
+            </a:extLst>
+          </p:cNvPr>
+          <p:cNvSpPr/>
+          <p:nvPr/>
+        </p:nvSpPr>
+        <p:spPr>
+          <a:xfrm>
+            <a:off x="4888978" y="2681865"/>
+            <a:ext cx="360611" cy="375444"/>
+          </a:xfrm>
+          <a:prstGeom prst="ellipse">
+            <a:avLst/>
+          </a:prstGeom>
+          <a:solidFill>
+            <a:schemeClr val="bg1"/>
+          </a:solidFill>
+        </p:spPr>
+        <p:style>
+          <a:lnRef idx="2">
+            <a:schemeClr val="accent1">
+              <a:shade val="50000"/>
+            </a:schemeClr>
+          </a:lnRef>
+          <a:fillRef idx="1">
+            <a:schemeClr val="accent1"/>
+          </a:fillRef>
+          <a:effectRef idx="0">
+            <a:schemeClr val="accent1"/>
+          </a:effectRef>
+          <a:fontRef idx="minor">
+            <a:schemeClr val="lt1"/>
+          </a:fontRef>
+        </p:style>
+        <p:txBody>
+          <a:bodyPr rtlCol="0" anchor="ctr"/>
+          <a:lstStyle/>
+          <a:p>
+            <a:pPr algn="ctr"/>
+            <a:endParaRPr lang="en-US" sz="1600" dirty="0">
+              <a:solidFill>
+                <a:schemeClr val="tx1"/>
+              </a:solidFill>
+            </a:endParaRPr>
+          </a:p>
+        </p:txBody>
+      </p:sp>
+      <p:sp>
+        <p:nvSpPr>
+          <p:cNvPr id="31" name="TextBox 30">
+            <a:extLst>
+              <a:ext uri="{FF2B5EF4-FFF2-40B4-BE49-F238E27FC236}">
+                <a16:creationId xmlns:a16="http://schemas.microsoft.com/office/drawing/2014/main" id="{222E6865-37C3-A34C-B97E-945023A70E51}"/>
+              </a:ext>
+            </a:extLst>
+          </p:cNvPr>
+          <p:cNvSpPr txBox="1"/>
+          <p:nvPr/>
+        </p:nvSpPr>
+        <p:spPr>
+          <a:xfrm>
+            <a:off x="4501588" y="2977598"/>
+            <a:ext cx="1164664" cy="338554"/>
+          </a:xfrm>
+          <a:prstGeom prst="rect">
+            <a:avLst/>
+          </a:prstGeom>
+          <a:noFill/>
+        </p:spPr>
+        <p:txBody>
+          <a:bodyPr wrap="square" rtlCol="0">
+            <a:spAutoFit/>
+          </a:bodyPr>
+          <a:lstStyle/>
+          <a:p>
+            <a:pPr algn="ctr"/>
+            <a:r>
+              <a:rPr lang="en-US" altLang="zh-CN" sz="1600"/>
+              <a:t>orders-web</a:t>
+            </a:r>
+            <a:endParaRPr lang="en-US" sz="1600" dirty="0"/>
+          </a:p>
+        </p:txBody>
+      </p:sp>
+      <p:sp>
+        <p:nvSpPr>
+          <p:cNvPr id="32" name="Oval 31">
+            <a:extLst>
+              <a:ext uri="{FF2B5EF4-FFF2-40B4-BE49-F238E27FC236}">
+                <a16:creationId xmlns:a16="http://schemas.microsoft.com/office/drawing/2014/main" id="{809A0203-D88A-B943-98F1-CBF8E0C447E6}"/>
+              </a:ext>
+            </a:extLst>
+          </p:cNvPr>
+          <p:cNvSpPr/>
+          <p:nvPr/>
+        </p:nvSpPr>
+        <p:spPr>
+          <a:xfrm>
+            <a:off x="8143169" y="2673007"/>
+            <a:ext cx="360611" cy="375444"/>
+          </a:xfrm>
+          <a:prstGeom prst="ellipse">
+            <a:avLst/>
+          </a:prstGeom>
+          <a:solidFill>
+            <a:schemeClr val="bg1"/>
+          </a:solidFill>
+        </p:spPr>
+        <p:style>
+          <a:lnRef idx="2">
+            <a:schemeClr val="accent1">
+              <a:shade val="50000"/>
+            </a:schemeClr>
+          </a:lnRef>
+          <a:fillRef idx="1">
+            <a:schemeClr val="accent1"/>
+          </a:fillRef>
+          <a:effectRef idx="0">
+            <a:schemeClr val="accent1"/>
+          </a:effectRef>
+          <a:fontRef idx="minor">
+            <a:schemeClr val="lt1"/>
+          </a:fontRef>
+        </p:style>
+        <p:txBody>
+          <a:bodyPr rtlCol="0" anchor="ctr"/>
+          <a:lstStyle/>
+          <a:p>
+            <a:pPr algn="ctr"/>
+            <a:endParaRPr lang="en-US" sz="1600" dirty="0">
+              <a:solidFill>
+                <a:schemeClr val="tx1"/>
+              </a:solidFill>
+            </a:endParaRPr>
+          </a:p>
+        </p:txBody>
+      </p:sp>
+      <p:sp>
+        <p:nvSpPr>
+          <p:cNvPr id="33" name="TextBox 32">
+            <a:extLst>
+              <a:ext uri="{FF2B5EF4-FFF2-40B4-BE49-F238E27FC236}">
+                <a16:creationId xmlns:a16="http://schemas.microsoft.com/office/drawing/2014/main" id="{4B323D83-DBF2-D545-9733-B1ECEC4C9B68}"/>
+              </a:ext>
+            </a:extLst>
+          </p:cNvPr>
+          <p:cNvSpPr txBox="1"/>
+          <p:nvPr/>
+        </p:nvSpPr>
+        <p:spPr>
+          <a:xfrm>
+            <a:off x="7511505" y="2966295"/>
+            <a:ext cx="1688598" cy="338554"/>
+          </a:xfrm>
+          <a:prstGeom prst="rect">
+            <a:avLst/>
+          </a:prstGeom>
+          <a:noFill/>
+        </p:spPr>
+        <p:txBody>
+          <a:bodyPr wrap="square" rtlCol="0">
+            <a:spAutoFit/>
+          </a:bodyPr>
+          <a:lstStyle/>
+          <a:p>
+            <a:pPr algn="ctr"/>
+            <a:r>
+              <a:rPr lang="en-US" altLang="zh-CN" sz="1600"/>
+              <a:t>payment-web</a:t>
+            </a:r>
+            <a:endParaRPr lang="en-US" sz="1600" dirty="0"/>
+          </a:p>
+        </p:txBody>
+      </p:sp>
+      <p:sp>
+        <p:nvSpPr>
+          <p:cNvPr id="34" name="Oval 33">
+            <a:extLst>
+              <a:ext uri="{FF2B5EF4-FFF2-40B4-BE49-F238E27FC236}">
+                <a16:creationId xmlns:a16="http://schemas.microsoft.com/office/drawing/2014/main" id="{54D62AB5-E373-ED4E-BDB7-60B45A923BE4}"/>
+              </a:ext>
+            </a:extLst>
+          </p:cNvPr>
+          <p:cNvSpPr/>
+          <p:nvPr/>
+        </p:nvSpPr>
+        <p:spPr>
+          <a:xfrm>
+            <a:off x="6848461" y="2707287"/>
+            <a:ext cx="360611" cy="375444"/>
+          </a:xfrm>
+          <a:prstGeom prst="ellipse">
+            <a:avLst/>
+          </a:prstGeom>
+          <a:solidFill>
+            <a:schemeClr val="bg1"/>
+          </a:solidFill>
+        </p:spPr>
+        <p:style>
+          <a:lnRef idx="2">
+            <a:schemeClr val="accent1">
+              <a:shade val="50000"/>
+            </a:schemeClr>
+          </a:lnRef>
+          <a:fillRef idx="1">
+            <a:schemeClr val="accent1"/>
+          </a:fillRef>
+          <a:effectRef idx="0">
+            <a:schemeClr val="accent1"/>
+          </a:effectRef>
+          <a:fontRef idx="minor">
+            <a:schemeClr val="lt1"/>
+          </a:fontRef>
+        </p:style>
+        <p:txBody>
+          <a:bodyPr rtlCol="0" anchor="ctr"/>
+          <a:lstStyle/>
+          <a:p>
+            <a:pPr algn="ctr"/>
+            <a:endParaRPr lang="en-US" sz="1600" dirty="0">
+              <a:solidFill>
+                <a:schemeClr val="tx1"/>
+              </a:solidFill>
+            </a:endParaRPr>
+          </a:p>
+        </p:txBody>
+      </p:sp>
+      <p:sp>
+        <p:nvSpPr>
+          <p:cNvPr id="35" name="TextBox 34">
+            <a:extLst>
+              <a:ext uri="{FF2B5EF4-FFF2-40B4-BE49-F238E27FC236}">
+                <a16:creationId xmlns:a16="http://schemas.microsoft.com/office/drawing/2014/main" id="{3A1C9D4C-7EB6-CD45-994D-D50B806EEC87}"/>
+              </a:ext>
+            </a:extLst>
+          </p:cNvPr>
+          <p:cNvSpPr txBox="1"/>
+          <p:nvPr/>
+        </p:nvSpPr>
+        <p:spPr>
+          <a:xfrm>
+            <a:off x="6216797" y="3000575"/>
+            <a:ext cx="1688598" cy="338554"/>
+          </a:xfrm>
+          <a:prstGeom prst="rect">
+            <a:avLst/>
+          </a:prstGeom>
+          <a:noFill/>
+        </p:spPr>
+        <p:txBody>
+          <a:bodyPr wrap="square" rtlCol="0">
+            <a:spAutoFit/>
+          </a:bodyPr>
+          <a:lstStyle/>
+          <a:p>
+            <a:pPr algn="ctr"/>
+            <a:r>
+              <a:rPr lang="en-US" sz="1600"/>
+              <a:t>inventor</a:t>
+            </a:r>
+            <a:r>
+              <a:rPr lang="en-US" altLang="zh-CN" sz="1600"/>
+              <a:t>y-web</a:t>
+            </a:r>
+            <a:endParaRPr lang="en-US" sz="1600" dirty="0"/>
+          </a:p>
+        </p:txBody>
+      </p:sp>
+      <p:pic>
+        <p:nvPicPr>
+          <p:cNvPr id="37" name="Picture 36">
+            <a:extLst>
+              <a:ext uri="{FF2B5EF4-FFF2-40B4-BE49-F238E27FC236}">
+                <a16:creationId xmlns:a16="http://schemas.microsoft.com/office/drawing/2014/main" id="{88D54F83-AB42-B447-8716-EB362B1C86D7}"/>
+              </a:ext>
+            </a:extLst>
+          </p:cNvPr>
+          <p:cNvPicPr>
+            <a:picLocks noChangeAspect="1"/>
+          </p:cNvPicPr>
+          <p:nvPr/>
+        </p:nvPicPr>
+        <p:blipFill>
+          <a:blip r:embed="rId2"/>
+          <a:stretch>
+            <a:fillRect/>
+          </a:stretch>
+        </p:blipFill>
+        <p:spPr>
+          <a:xfrm>
+            <a:off x="4459368" y="1151211"/>
+            <a:ext cx="304800" cy="304800"/>
+          </a:xfrm>
+          <a:prstGeom prst="rect">
+            <a:avLst/>
+          </a:prstGeom>
+        </p:spPr>
+      </p:pic>
+    </p:spTree>
+    <p:extLst>
+      <p:ext uri="{BB962C8B-B14F-4D97-AF65-F5344CB8AC3E}">
+        <p14:creationId xmlns:p14="http://schemas.microsoft.com/office/powerpoint/2010/main" val="2043662346"/>
+      </p:ext>
+    </p:extLst>
+  </p:cSld>
+  <p:clrMapOvr>
+    <a:masterClrMapping/>
+  </p:clrMapOvr>
+</p:sld>
+</file>
+
 <file path=ppt/theme/theme1.xml><?xml version="1.0" encoding="utf-8"?>
 <a:theme xmlns:a="http://schemas.openxmlformats.org/drawingml/2006/main" name="Office Theme">
   <a:themeElements>

--- a/microservice-in-micro/docs/design.pptx
+++ b/microservice-in-micro/docs/design.pptx
@@ -11,6 +11,8 @@
     <p:sldId id="260" r:id="rId5"/>
     <p:sldId id="261" r:id="rId6"/>
     <p:sldId id="262" r:id="rId7"/>
+    <p:sldId id="263" r:id="rId8"/>
+    <p:sldId id="264" r:id="rId9"/>
   </p:sldIdLst>
   <p:sldSz cx="12192000" cy="6858000"/>
   <p:notesSz cx="6858000" cy="9144000"/>
@@ -264,7 +266,7 @@
           <a:p>
             <a:fld id="{F9321E79-B202-C941-A34A-CDB3A7C81E4A}" type="datetimeFigureOut">
               <a:rPr lang="en-US" smtClean="0"/>
-              <a:t>4/15/19</a:t>
+              <a:t>4/17/19</a:t>
             </a:fld>
             <a:endParaRPr lang="en-US"/>
           </a:p>
@@ -462,7 +464,7 @@
           <a:p>
             <a:fld id="{F9321E79-B202-C941-A34A-CDB3A7C81E4A}" type="datetimeFigureOut">
               <a:rPr lang="en-US" smtClean="0"/>
-              <a:t>4/15/19</a:t>
+              <a:t>4/17/19</a:t>
             </a:fld>
             <a:endParaRPr lang="en-US"/>
           </a:p>
@@ -670,7 +672,7 @@
           <a:p>
             <a:fld id="{F9321E79-B202-C941-A34A-CDB3A7C81E4A}" type="datetimeFigureOut">
               <a:rPr lang="en-US" smtClean="0"/>
-              <a:t>4/15/19</a:t>
+              <a:t>4/17/19</a:t>
             </a:fld>
             <a:endParaRPr lang="en-US"/>
           </a:p>
@@ -868,7 +870,7 @@
           <a:p>
             <a:fld id="{F9321E79-B202-C941-A34A-CDB3A7C81E4A}" type="datetimeFigureOut">
               <a:rPr lang="en-US" smtClean="0"/>
-              <a:t>4/15/19</a:t>
+              <a:t>4/17/19</a:t>
             </a:fld>
             <a:endParaRPr lang="en-US"/>
           </a:p>
@@ -1143,7 +1145,7 @@
           <a:p>
             <a:fld id="{F9321E79-B202-C941-A34A-CDB3A7C81E4A}" type="datetimeFigureOut">
               <a:rPr lang="en-US" smtClean="0"/>
-              <a:t>4/15/19</a:t>
+              <a:t>4/17/19</a:t>
             </a:fld>
             <a:endParaRPr lang="en-US"/>
           </a:p>
@@ -1408,7 +1410,7 @@
           <a:p>
             <a:fld id="{F9321E79-B202-C941-A34A-CDB3A7C81E4A}" type="datetimeFigureOut">
               <a:rPr lang="en-US" smtClean="0"/>
-              <a:t>4/15/19</a:t>
+              <a:t>4/17/19</a:t>
             </a:fld>
             <a:endParaRPr lang="en-US"/>
           </a:p>
@@ -1820,7 +1822,7 @@
           <a:p>
             <a:fld id="{F9321E79-B202-C941-A34A-CDB3A7C81E4A}" type="datetimeFigureOut">
               <a:rPr lang="en-US" smtClean="0"/>
-              <a:t>4/15/19</a:t>
+              <a:t>4/17/19</a:t>
             </a:fld>
             <a:endParaRPr lang="en-US"/>
           </a:p>
@@ -1961,7 +1963,7 @@
           <a:p>
             <a:fld id="{F9321E79-B202-C941-A34A-CDB3A7C81E4A}" type="datetimeFigureOut">
               <a:rPr lang="en-US" smtClean="0"/>
-              <a:t>4/15/19</a:t>
+              <a:t>4/17/19</a:t>
             </a:fld>
             <a:endParaRPr lang="en-US"/>
           </a:p>
@@ -2074,7 +2076,7 @@
           <a:p>
             <a:fld id="{F9321E79-B202-C941-A34A-CDB3A7C81E4A}" type="datetimeFigureOut">
               <a:rPr lang="en-US" smtClean="0"/>
-              <a:t>4/15/19</a:t>
+              <a:t>4/17/19</a:t>
             </a:fld>
             <a:endParaRPr lang="en-US"/>
           </a:p>
@@ -2385,7 +2387,7 @@
           <a:p>
             <a:fld id="{F9321E79-B202-C941-A34A-CDB3A7C81E4A}" type="datetimeFigureOut">
               <a:rPr lang="en-US" smtClean="0"/>
-              <a:t>4/15/19</a:t>
+              <a:t>4/17/19</a:t>
             </a:fld>
             <a:endParaRPr lang="en-US"/>
           </a:p>
@@ -2673,7 +2675,7 @@
           <a:p>
             <a:fld id="{F9321E79-B202-C941-A34A-CDB3A7C81E4A}" type="datetimeFigureOut">
               <a:rPr lang="en-US" smtClean="0"/>
-              <a:t>4/15/19</a:t>
+              <a:t>4/17/19</a:t>
             </a:fld>
             <a:endParaRPr lang="en-US"/>
           </a:p>
@@ -2914,7 +2916,7 @@
           <a:p>
             <a:fld id="{F9321E79-B202-C941-A34A-CDB3A7C81E4A}" type="datetimeFigureOut">
               <a:rPr lang="en-US" smtClean="0"/>
-              <a:t>4/15/19</a:t>
+              <a:t>4/17/19</a:t>
             </a:fld>
             <a:endParaRPr lang="en-US"/>
           </a:p>
@@ -3966,95 +3968,6 @@
       </p:sp>
       <p:sp>
         <p:nvSpPr>
-          <p:cNvPr id="19" name="Double Brace 18">
-            <a:extLst>
-              <a:ext uri="{FF2B5EF4-FFF2-40B4-BE49-F238E27FC236}">
-                <a16:creationId xmlns:a16="http://schemas.microsoft.com/office/drawing/2014/main" id="{06486E51-3553-1246-B4C5-AB231E089092}"/>
-              </a:ext>
-            </a:extLst>
-          </p:cNvPr>
-          <p:cNvSpPr/>
-          <p:nvPr/>
-        </p:nvSpPr>
-        <p:spPr>
-          <a:xfrm>
-            <a:off x="4527812" y="1101267"/>
-            <a:ext cx="1845717" cy="323383"/>
-          </a:xfrm>
-          <a:prstGeom prst="bracePair">
-            <a:avLst/>
-          </a:prstGeom>
-        </p:spPr>
-        <p:style>
-          <a:lnRef idx="1">
-            <a:schemeClr val="accent1"/>
-          </a:lnRef>
-          <a:fillRef idx="0">
-            <a:schemeClr val="accent1"/>
-          </a:fillRef>
-          <a:effectRef idx="0">
-            <a:schemeClr val="accent1"/>
-          </a:effectRef>
-          <a:fontRef idx="minor">
-            <a:schemeClr val="tx1"/>
-          </a:fontRef>
-        </p:style>
-        <p:txBody>
-          <a:bodyPr rtlCol="0" anchor="ctr"/>
-          <a:lstStyle/>
-          <a:p>
-            <a:pPr algn="ctr"/>
-            <a:endParaRPr lang="en-US" sz="1600"/>
-          </a:p>
-        </p:txBody>
-      </p:sp>
-      <p:sp>
-        <p:nvSpPr>
-          <p:cNvPr id="21" name="TextBox 20">
-            <a:extLst>
-              <a:ext uri="{FF2B5EF4-FFF2-40B4-BE49-F238E27FC236}">
-                <a16:creationId xmlns:a16="http://schemas.microsoft.com/office/drawing/2014/main" id="{7A7C98C1-66D3-AA49-91A1-D8C57A31E064}"/>
-              </a:ext>
-            </a:extLst>
-          </p:cNvPr>
-          <p:cNvSpPr txBox="1"/>
-          <p:nvPr/>
-        </p:nvSpPr>
-        <p:spPr>
-          <a:xfrm>
-            <a:off x="4764168" y="1136305"/>
-            <a:ext cx="1373004" cy="338554"/>
-          </a:xfrm>
-          <a:prstGeom prst="rect">
-            <a:avLst/>
-          </a:prstGeom>
-          <a:noFill/>
-        </p:spPr>
-        <p:txBody>
-          <a:bodyPr wrap="none" rtlCol="0">
-            <a:spAutoFit/>
-          </a:bodyPr>
-          <a:lstStyle/>
-          <a:p>
-            <a:pPr algn="ctr"/>
-            <a:r>
-              <a:rPr lang="en-US" sz="1600" dirty="0"/>
-              <a:t>User</a:t>
-            </a:r>
-            <a:r>
-              <a:rPr lang="zh-CN" altLang="en-US" sz="1600" dirty="0"/>
-              <a:t> </a:t>
-            </a:r>
-            <a:r>
-              <a:rPr lang="en-US" altLang="zh-CN" sz="1600" dirty="0"/>
-              <a:t>Requests</a:t>
-            </a:r>
-            <a:endParaRPr lang="en-US" sz="1600" dirty="0"/>
-          </a:p>
-        </p:txBody>
-      </p:sp>
-      <p:sp>
-        <p:nvSpPr>
           <p:cNvPr id="22" name="Rounded Rectangle 21">
             <a:extLst>
               <a:ext uri="{FF2B5EF4-FFF2-40B4-BE49-F238E27FC236}">
@@ -4686,100 +4599,36 @@
           </a:p>
         </p:txBody>
       </p:sp>
-      <p:sp>
-        <p:nvSpPr>
-          <p:cNvPr id="34" name="Oval 33">
-            <a:extLst>
-              <a:ext uri="{FF2B5EF4-FFF2-40B4-BE49-F238E27FC236}">
-                <a16:creationId xmlns:a16="http://schemas.microsoft.com/office/drawing/2014/main" id="{54D62AB5-E373-ED4E-BDB7-60B45A923BE4}"/>
-              </a:ext>
-            </a:extLst>
-          </p:cNvPr>
-          <p:cNvSpPr/>
-          <p:nvPr/>
-        </p:nvSpPr>
-        <p:spPr>
-          <a:xfrm>
-            <a:off x="6848461" y="2707287"/>
-            <a:ext cx="360611" cy="375444"/>
-          </a:xfrm>
-          <a:prstGeom prst="ellipse">
-            <a:avLst/>
-          </a:prstGeom>
-          <a:solidFill>
-            <a:schemeClr val="bg1"/>
-          </a:solidFill>
-        </p:spPr>
-        <p:style>
-          <a:lnRef idx="2">
-            <a:schemeClr val="accent1">
-              <a:shade val="50000"/>
-            </a:schemeClr>
-          </a:lnRef>
-          <a:fillRef idx="1">
-            <a:schemeClr val="accent1"/>
-          </a:fillRef>
-          <a:effectRef idx="0">
-            <a:schemeClr val="accent1"/>
-          </a:effectRef>
-          <a:fontRef idx="minor">
-            <a:schemeClr val="lt1"/>
-          </a:fontRef>
-        </p:style>
-        <p:txBody>
-          <a:bodyPr rtlCol="0" anchor="ctr"/>
-          <a:lstStyle/>
-          <a:p>
-            <a:pPr algn="ctr"/>
-            <a:endParaRPr lang="en-US" sz="1600" dirty="0">
-              <a:solidFill>
-                <a:schemeClr val="tx1"/>
-              </a:solidFill>
-            </a:endParaRPr>
-          </a:p>
-        </p:txBody>
-      </p:sp>
-      <p:sp>
-        <p:nvSpPr>
-          <p:cNvPr id="35" name="TextBox 34">
-            <a:extLst>
-              <a:ext uri="{FF2B5EF4-FFF2-40B4-BE49-F238E27FC236}">
-                <a16:creationId xmlns:a16="http://schemas.microsoft.com/office/drawing/2014/main" id="{3A1C9D4C-7EB6-CD45-994D-D50B806EEC87}"/>
-              </a:ext>
-            </a:extLst>
-          </p:cNvPr>
-          <p:cNvSpPr txBox="1"/>
-          <p:nvPr/>
-        </p:nvSpPr>
-        <p:spPr>
-          <a:xfrm>
-            <a:off x="6216797" y="3000575"/>
-            <a:ext cx="1688598" cy="338554"/>
+      <p:pic>
+        <p:nvPicPr>
+          <p:cNvPr id="36" name="Picture 35">
+            <a:extLst>
+              <a:ext uri="{FF2B5EF4-FFF2-40B4-BE49-F238E27FC236}">
+                <a16:creationId xmlns:a16="http://schemas.microsoft.com/office/drawing/2014/main" id="{810876F9-36CE-5C43-9A37-8504423AFF35}"/>
+              </a:ext>
+            </a:extLst>
+          </p:cNvPr>
+          <p:cNvPicPr>
+            <a:picLocks noChangeAspect="1"/>
+          </p:cNvPicPr>
+          <p:nvPr/>
+        </p:nvPicPr>
+        <p:blipFill>
+          <a:blip r:embed="rId2"/>
+          <a:stretch>
+            <a:fillRect/>
+          </a:stretch>
+        </p:blipFill>
+        <p:spPr>
+          <a:xfrm>
+            <a:off x="5303874" y="1038489"/>
+            <a:ext cx="304800" cy="304800"/>
           </a:xfrm>
           <a:prstGeom prst="rect">
             <a:avLst/>
           </a:prstGeom>
-          <a:noFill/>
-        </p:spPr>
-        <p:txBody>
-          <a:bodyPr wrap="square" rtlCol="0">
-            <a:spAutoFit/>
-          </a:bodyPr>
-          <a:lstStyle/>
-          <a:p>
-            <a:pPr algn="ctr"/>
-            <a:r>
-              <a:rPr lang="en-US" sz="1600"/>
-              <a:t>inventor</a:t>
-            </a:r>
-            <a:r>
-              <a:rPr lang="en-US" altLang="zh-CN" sz="1600"/>
-              <a:t>y-web</a:t>
-            </a:r>
-            <a:endParaRPr lang="en-US" sz="1600" dirty="0"/>
-          </a:p>
-        </p:txBody>
-      </p:sp>
+        </p:spPr>
+      </p:pic>
     </p:spTree>
     <p:extLst>
       <p:ext uri="{BB962C8B-B14F-4D97-AF65-F5344CB8AC3E}">
@@ -7680,51 +7529,6 @@
       </p:sp>
       <p:sp>
         <p:nvSpPr>
-          <p:cNvPr id="21" name="TextBox 20">
-            <a:extLst>
-              <a:ext uri="{FF2B5EF4-FFF2-40B4-BE49-F238E27FC236}">
-                <a16:creationId xmlns:a16="http://schemas.microsoft.com/office/drawing/2014/main" id="{7A7C98C1-66D3-AA49-91A1-D8C57A31E064}"/>
-              </a:ext>
-            </a:extLst>
-          </p:cNvPr>
-          <p:cNvSpPr txBox="1"/>
-          <p:nvPr/>
-        </p:nvSpPr>
-        <p:spPr>
-          <a:xfrm>
-            <a:off x="4764168" y="1136305"/>
-            <a:ext cx="1373004" cy="338554"/>
-          </a:xfrm>
-          <a:prstGeom prst="rect">
-            <a:avLst/>
-          </a:prstGeom>
-          <a:noFill/>
-        </p:spPr>
-        <p:txBody>
-          <a:bodyPr wrap="none" rtlCol="0">
-            <a:spAutoFit/>
-          </a:bodyPr>
-          <a:lstStyle/>
-          <a:p>
-            <a:pPr algn="ctr"/>
-            <a:r>
-              <a:rPr lang="en-US" sz="1600" dirty="0"/>
-              <a:t>User</a:t>
-            </a:r>
-            <a:r>
-              <a:rPr lang="zh-CN" altLang="en-US" sz="1600" dirty="0"/>
-              <a:t> </a:t>
-            </a:r>
-            <a:r>
-              <a:rPr lang="en-US" altLang="zh-CN" sz="1600" dirty="0"/>
-              <a:t>Requests</a:t>
-            </a:r>
-            <a:endParaRPr lang="en-US" sz="1600" dirty="0"/>
-          </a:p>
-        </p:txBody>
-      </p:sp>
-      <p:sp>
-        <p:nvSpPr>
           <p:cNvPr id="22" name="Rounded Rectangle 21">
             <a:extLst>
               <a:ext uri="{FF2B5EF4-FFF2-40B4-BE49-F238E27FC236}">
@@ -8361,100 +8165,6 @@
           </a:p>
         </p:txBody>
       </p:sp>
-      <p:sp>
-        <p:nvSpPr>
-          <p:cNvPr id="34" name="Oval 33">
-            <a:extLst>
-              <a:ext uri="{FF2B5EF4-FFF2-40B4-BE49-F238E27FC236}">
-                <a16:creationId xmlns:a16="http://schemas.microsoft.com/office/drawing/2014/main" id="{54D62AB5-E373-ED4E-BDB7-60B45A923BE4}"/>
-              </a:ext>
-            </a:extLst>
-          </p:cNvPr>
-          <p:cNvSpPr/>
-          <p:nvPr/>
-        </p:nvSpPr>
-        <p:spPr>
-          <a:xfrm>
-            <a:off x="6848461" y="2707287"/>
-            <a:ext cx="360611" cy="375444"/>
-          </a:xfrm>
-          <a:prstGeom prst="ellipse">
-            <a:avLst/>
-          </a:prstGeom>
-          <a:solidFill>
-            <a:schemeClr val="bg1"/>
-          </a:solidFill>
-        </p:spPr>
-        <p:style>
-          <a:lnRef idx="2">
-            <a:schemeClr val="accent1">
-              <a:shade val="50000"/>
-            </a:schemeClr>
-          </a:lnRef>
-          <a:fillRef idx="1">
-            <a:schemeClr val="accent1"/>
-          </a:fillRef>
-          <a:effectRef idx="0">
-            <a:schemeClr val="accent1"/>
-          </a:effectRef>
-          <a:fontRef idx="minor">
-            <a:schemeClr val="lt1"/>
-          </a:fontRef>
-        </p:style>
-        <p:txBody>
-          <a:bodyPr rtlCol="0" anchor="ctr"/>
-          <a:lstStyle/>
-          <a:p>
-            <a:pPr algn="ctr"/>
-            <a:endParaRPr lang="en-US" sz="1600" dirty="0">
-              <a:solidFill>
-                <a:schemeClr val="tx1"/>
-              </a:solidFill>
-            </a:endParaRPr>
-          </a:p>
-        </p:txBody>
-      </p:sp>
-      <p:sp>
-        <p:nvSpPr>
-          <p:cNvPr id="35" name="TextBox 34">
-            <a:extLst>
-              <a:ext uri="{FF2B5EF4-FFF2-40B4-BE49-F238E27FC236}">
-                <a16:creationId xmlns:a16="http://schemas.microsoft.com/office/drawing/2014/main" id="{3A1C9D4C-7EB6-CD45-994D-D50B806EEC87}"/>
-              </a:ext>
-            </a:extLst>
-          </p:cNvPr>
-          <p:cNvSpPr txBox="1"/>
-          <p:nvPr/>
-        </p:nvSpPr>
-        <p:spPr>
-          <a:xfrm>
-            <a:off x="6216797" y="3000575"/>
-            <a:ext cx="1688598" cy="338554"/>
-          </a:xfrm>
-          <a:prstGeom prst="rect">
-            <a:avLst/>
-          </a:prstGeom>
-          <a:noFill/>
-        </p:spPr>
-        <p:txBody>
-          <a:bodyPr wrap="square" rtlCol="0">
-            <a:spAutoFit/>
-          </a:bodyPr>
-          <a:lstStyle/>
-          <a:p>
-            <a:pPr algn="ctr"/>
-            <a:r>
-              <a:rPr lang="en-US" sz="1600"/>
-              <a:t>inventor</a:t>
-            </a:r>
-            <a:r>
-              <a:rPr lang="en-US" altLang="zh-CN" sz="1600"/>
-              <a:t>y-web</a:t>
-            </a:r>
-            <a:endParaRPr lang="en-US" sz="1600" dirty="0"/>
-          </a:p>
-        </p:txBody>
-      </p:sp>
       <p:pic>
         <p:nvPicPr>
           <p:cNvPr id="37" name="Picture 36">
@@ -8477,7 +8187,7 @@
         </p:blipFill>
         <p:spPr>
           <a:xfrm>
-            <a:off x="4459368" y="1151211"/>
+            <a:off x="5249589" y="1160182"/>
             <a:ext cx="304800" cy="304800"/>
           </a:xfrm>
           <a:prstGeom prst="rect">
@@ -8641,8 +8351,8 @@
         </p:nvSpPr>
         <p:spPr>
           <a:xfrm>
-            <a:off x="3455469" y="2310165"/>
-            <a:ext cx="1212785" cy="702543"/>
+            <a:off x="3445400" y="2310165"/>
+            <a:ext cx="1907839" cy="702543"/>
           </a:xfrm>
           <a:prstGeom prst="rect">
             <a:avLst/>
@@ -8703,10 +8413,10 @@
       </p:sp>
       <p:sp>
         <p:nvSpPr>
-          <p:cNvPr id="7" name="Rectangle 6">
-            <a:extLst>
-              <a:ext uri="{FF2B5EF4-FFF2-40B4-BE49-F238E27FC236}">
-                <a16:creationId xmlns:a16="http://schemas.microsoft.com/office/drawing/2014/main" id="{ED922810-AB5B-6544-A7FC-006EB5F1AF14}"/>
+          <p:cNvPr id="8" name="Rectangle 7">
+            <a:extLst>
+              <a:ext uri="{FF2B5EF4-FFF2-40B4-BE49-F238E27FC236}">
+                <a16:creationId xmlns:a16="http://schemas.microsoft.com/office/drawing/2014/main" id="{1B067BF0-CF47-0249-B08B-800F995DC048}"/>
               </a:ext>
             </a:extLst>
           </p:cNvPr>
@@ -8715,8 +8425,8 @@
         </p:nvSpPr>
         <p:spPr>
           <a:xfrm>
-            <a:off x="4759690" y="2310165"/>
-            <a:ext cx="1212785" cy="702543"/>
+            <a:off x="5447856" y="2310165"/>
+            <a:ext cx="1828841" cy="702543"/>
           </a:xfrm>
           <a:prstGeom prst="rect">
             <a:avLst/>
@@ -8757,7 +8467,7 @@
                   <a:schemeClr val="tx1"/>
                 </a:solidFill>
               </a:rPr>
-              <a:t>inventory-web</a:t>
+              <a:t>payment-web</a:t>
             </a:r>
             <a:endParaRPr lang="en-US" sz="1200">
               <a:solidFill>
@@ -8769,10 +8479,10 @@
       </p:sp>
       <p:sp>
         <p:nvSpPr>
-          <p:cNvPr id="8" name="Rectangle 7">
-            <a:extLst>
-              <a:ext uri="{FF2B5EF4-FFF2-40B4-BE49-F238E27FC236}">
-                <a16:creationId xmlns:a16="http://schemas.microsoft.com/office/drawing/2014/main" id="{1B067BF0-CF47-0249-B08B-800F995DC048}"/>
+          <p:cNvPr id="11" name="Rectangle 10">
+            <a:extLst>
+              <a:ext uri="{FF2B5EF4-FFF2-40B4-BE49-F238E27FC236}">
+                <a16:creationId xmlns:a16="http://schemas.microsoft.com/office/drawing/2014/main" id="{CDA282E1-8CD3-0645-AC75-8A809E04EA14}"/>
               </a:ext>
             </a:extLst>
           </p:cNvPr>
@@ -8781,8 +8491,8 @@
         </p:nvSpPr>
         <p:spPr>
           <a:xfrm>
-            <a:off x="6063912" y="2310165"/>
-            <a:ext cx="1212785" cy="702543"/>
+            <a:off x="1334904" y="1136617"/>
+            <a:ext cx="5955897" cy="349918"/>
           </a:xfrm>
           <a:prstGeom prst="rect">
             <a:avLst/>
@@ -8808,72 +8518,6 @@
           </a:fontRef>
         </p:style>
         <p:txBody>
-          <a:bodyPr rot="0" spcFirstLastPara="0" vertOverflow="overflow" horzOverflow="overflow" vert="horz" wrap="square" lIns="91440" tIns="45720" rIns="91440" bIns="45720" numCol="1" spcCol="0" rtlCol="0" fromWordArt="0" anchor="b" anchorCtr="0" forceAA="0" compatLnSpc="1">
-            <a:prstTxWarp prst="textNoShape">
-              <a:avLst/>
-            </a:prstTxWarp>
-            <a:noAutofit/>
-          </a:bodyPr>
-          <a:lstStyle/>
-          <a:p>
-            <a:pPr algn="ctr"/>
-            <a:r>
-              <a:rPr lang="en-US" altLang="zh-CN" sz="1200">
-                <a:solidFill>
-                  <a:schemeClr val="tx1"/>
-                </a:solidFill>
-              </a:rPr>
-              <a:t>payment-web</a:t>
-            </a:r>
-            <a:endParaRPr lang="en-US" sz="1200">
-              <a:solidFill>
-                <a:schemeClr val="tx1"/>
-              </a:solidFill>
-            </a:endParaRPr>
-          </a:p>
-        </p:txBody>
-      </p:sp>
-      <p:sp>
-        <p:nvSpPr>
-          <p:cNvPr id="11" name="Rectangle 10">
-            <a:extLst>
-              <a:ext uri="{FF2B5EF4-FFF2-40B4-BE49-F238E27FC236}">
-                <a16:creationId xmlns:a16="http://schemas.microsoft.com/office/drawing/2014/main" id="{CDA282E1-8CD3-0645-AC75-8A809E04EA14}"/>
-              </a:ext>
-            </a:extLst>
-          </p:cNvPr>
-          <p:cNvSpPr/>
-          <p:nvPr/>
-        </p:nvSpPr>
-        <p:spPr>
-          <a:xfrm>
-            <a:off x="1334904" y="1136617"/>
-            <a:ext cx="5955897" cy="349918"/>
-          </a:xfrm>
-          <a:prstGeom prst="rect">
-            <a:avLst/>
-          </a:prstGeom>
-          <a:solidFill>
-            <a:schemeClr val="bg1"/>
-          </a:solidFill>
-        </p:spPr>
-        <p:style>
-          <a:lnRef idx="2">
-            <a:schemeClr val="accent1">
-              <a:shade val="50000"/>
-            </a:schemeClr>
-          </a:lnRef>
-          <a:fillRef idx="1">
-            <a:schemeClr val="accent1"/>
-          </a:fillRef>
-          <a:effectRef idx="0">
-            <a:schemeClr val="accent1"/>
-          </a:effectRef>
-          <a:fontRef idx="minor">
-            <a:schemeClr val="lt1"/>
-          </a:fontRef>
-        </p:style>
-        <p:txBody>
           <a:bodyPr rtlCol="0" anchor="ctr"/>
           <a:lstStyle/>
           <a:p>
@@ -8885,202 +8529,6 @@
                 </a:solidFill>
               </a:rPr>
               <a:t>API</a:t>
-            </a:r>
-          </a:p>
-        </p:txBody>
-      </p:sp>
-      <p:sp>
-        <p:nvSpPr>
-          <p:cNvPr id="12" name="Rounded Rectangle 11">
-            <a:extLst>
-              <a:ext uri="{FF2B5EF4-FFF2-40B4-BE49-F238E27FC236}">
-                <a16:creationId xmlns:a16="http://schemas.microsoft.com/office/drawing/2014/main" id="{2F82BC8F-03CE-494C-9592-AC2FC67714F2}"/>
-              </a:ext>
-            </a:extLst>
-          </p:cNvPr>
-          <p:cNvSpPr/>
-          <p:nvPr/>
-        </p:nvSpPr>
-        <p:spPr>
-          <a:xfrm>
-            <a:off x="2136807" y="2310218"/>
-            <a:ext cx="733926" cy="215361"/>
-          </a:xfrm>
-          <a:prstGeom prst="roundRect">
-            <a:avLst/>
-          </a:prstGeom>
-        </p:spPr>
-        <p:style>
-          <a:lnRef idx="2">
-            <a:schemeClr val="accent1">
-              <a:shade val="50000"/>
-            </a:schemeClr>
-          </a:lnRef>
-          <a:fillRef idx="1">
-            <a:schemeClr val="accent1"/>
-          </a:fillRef>
-          <a:effectRef idx="0">
-            <a:schemeClr val="accent1"/>
-          </a:effectRef>
-          <a:fontRef idx="minor">
-            <a:schemeClr val="lt1"/>
-          </a:fontRef>
-        </p:style>
-        <p:txBody>
-          <a:bodyPr rtlCol="0" anchor="ctr"/>
-          <a:lstStyle/>
-          <a:p>
-            <a:pPr algn="ctr"/>
-            <a:r>
-              <a:rPr lang="en-US" sz="1200"/>
-              <a:t>wrapper</a:t>
-            </a:r>
-          </a:p>
-        </p:txBody>
-      </p:sp>
-      <p:sp>
-        <p:nvSpPr>
-          <p:cNvPr id="13" name="Rounded Rectangle 12">
-            <a:extLst>
-              <a:ext uri="{FF2B5EF4-FFF2-40B4-BE49-F238E27FC236}">
-                <a16:creationId xmlns:a16="http://schemas.microsoft.com/office/drawing/2014/main" id="{267C4CA9-EA7B-194D-8A79-5E9931A40011}"/>
-              </a:ext>
-            </a:extLst>
-          </p:cNvPr>
-          <p:cNvSpPr/>
-          <p:nvPr/>
-        </p:nvSpPr>
-        <p:spPr>
-          <a:xfrm>
-            <a:off x="3455468" y="2310164"/>
-            <a:ext cx="733926" cy="177315"/>
-          </a:xfrm>
-          <a:prstGeom prst="roundRect">
-            <a:avLst/>
-          </a:prstGeom>
-        </p:spPr>
-        <p:style>
-          <a:lnRef idx="2">
-            <a:schemeClr val="accent1">
-              <a:shade val="50000"/>
-            </a:schemeClr>
-          </a:lnRef>
-          <a:fillRef idx="1">
-            <a:schemeClr val="accent1"/>
-          </a:fillRef>
-          <a:effectRef idx="0">
-            <a:schemeClr val="accent1"/>
-          </a:effectRef>
-          <a:fontRef idx="minor">
-            <a:schemeClr val="lt1"/>
-          </a:fontRef>
-        </p:style>
-        <p:txBody>
-          <a:bodyPr rtlCol="0" anchor="ctr"/>
-          <a:lstStyle/>
-          <a:p>
-            <a:pPr algn="ctr"/>
-            <a:r>
-              <a:rPr lang="en-US" sz="1200"/>
-              <a:t>wrapper</a:t>
-            </a:r>
-          </a:p>
-        </p:txBody>
-      </p:sp>
-      <p:sp>
-        <p:nvSpPr>
-          <p:cNvPr id="14" name="Rounded Rectangle 13">
-            <a:extLst>
-              <a:ext uri="{FF2B5EF4-FFF2-40B4-BE49-F238E27FC236}">
-                <a16:creationId xmlns:a16="http://schemas.microsoft.com/office/drawing/2014/main" id="{D7B1DF83-7A8C-3E49-8F0B-54F63C1F1F33}"/>
-              </a:ext>
-            </a:extLst>
-          </p:cNvPr>
-          <p:cNvSpPr/>
-          <p:nvPr/>
-        </p:nvSpPr>
-        <p:spPr>
-          <a:xfrm>
-            <a:off x="4759690" y="2310164"/>
-            <a:ext cx="733926" cy="177315"/>
-          </a:xfrm>
-          <a:prstGeom prst="roundRect">
-            <a:avLst/>
-          </a:prstGeom>
-        </p:spPr>
-        <p:style>
-          <a:lnRef idx="2">
-            <a:schemeClr val="accent1">
-              <a:shade val="50000"/>
-            </a:schemeClr>
-          </a:lnRef>
-          <a:fillRef idx="1">
-            <a:schemeClr val="accent1"/>
-          </a:fillRef>
-          <a:effectRef idx="0">
-            <a:schemeClr val="accent1"/>
-          </a:effectRef>
-          <a:fontRef idx="minor">
-            <a:schemeClr val="lt1"/>
-          </a:fontRef>
-        </p:style>
-        <p:txBody>
-          <a:bodyPr rtlCol="0" anchor="ctr"/>
-          <a:lstStyle/>
-          <a:p>
-            <a:pPr algn="ctr"/>
-            <a:r>
-              <a:rPr lang="en-US" sz="1200"/>
-              <a:t>wrapper</a:t>
-            </a:r>
-          </a:p>
-        </p:txBody>
-      </p:sp>
-      <p:sp>
-        <p:nvSpPr>
-          <p:cNvPr id="15" name="Rounded Rectangle 14">
-            <a:extLst>
-              <a:ext uri="{FF2B5EF4-FFF2-40B4-BE49-F238E27FC236}">
-                <a16:creationId xmlns:a16="http://schemas.microsoft.com/office/drawing/2014/main" id="{1A2F9BDD-787B-3D43-A9DA-7F4421E2A5AC}"/>
-              </a:ext>
-            </a:extLst>
-          </p:cNvPr>
-          <p:cNvSpPr/>
-          <p:nvPr/>
-        </p:nvSpPr>
-        <p:spPr>
-          <a:xfrm>
-            <a:off x="6071124" y="2310164"/>
-            <a:ext cx="733926" cy="177315"/>
-          </a:xfrm>
-          <a:prstGeom prst="roundRect">
-            <a:avLst/>
-          </a:prstGeom>
-        </p:spPr>
-        <p:style>
-          <a:lnRef idx="2">
-            <a:schemeClr val="accent1">
-              <a:shade val="50000"/>
-            </a:schemeClr>
-          </a:lnRef>
-          <a:fillRef idx="1">
-            <a:schemeClr val="accent1"/>
-          </a:fillRef>
-          <a:effectRef idx="0">
-            <a:schemeClr val="accent1"/>
-          </a:effectRef>
-          <a:fontRef idx="minor">
-            <a:schemeClr val="lt1"/>
-          </a:fontRef>
-        </p:style>
-        <p:txBody>
-          <a:bodyPr rtlCol="0" anchor="ctr"/>
-          <a:lstStyle/>
-          <a:p>
-            <a:pPr algn="ctr"/>
-            <a:r>
-              <a:rPr lang="en-US" sz="1200"/>
-              <a:t>wrapper</a:t>
             </a:r>
           </a:p>
         </p:txBody>
@@ -9229,8 +8677,8 @@
         </p:nvSpPr>
         <p:spPr>
           <a:xfrm>
-            <a:off x="7276695" y="1989405"/>
-            <a:ext cx="518915" cy="199689"/>
+            <a:off x="7276695" y="2005778"/>
+            <a:ext cx="518915" cy="183316"/>
           </a:xfrm>
           <a:prstGeom prst="leftRightArrow">
             <a:avLst/>
@@ -9527,10 +8975,10 @@
       </p:sp>
       <p:sp>
         <p:nvSpPr>
-          <p:cNvPr id="46" name="Rectangle 45">
-            <a:extLst>
-              <a:ext uri="{FF2B5EF4-FFF2-40B4-BE49-F238E27FC236}">
-                <a16:creationId xmlns:a16="http://schemas.microsoft.com/office/drawing/2014/main" id="{27143893-C6C5-B146-8037-D6C06BE077EA}"/>
+          <p:cNvPr id="48" name="Rectangle 47">
+            <a:extLst>
+              <a:ext uri="{FF2B5EF4-FFF2-40B4-BE49-F238E27FC236}">
+                <a16:creationId xmlns:a16="http://schemas.microsoft.com/office/drawing/2014/main" id="{4C7E0A99-1497-884D-9AEE-9CCAB40643F0}"/>
               </a:ext>
             </a:extLst>
           </p:cNvPr>
@@ -9539,8 +8987,8 @@
         </p:nvSpPr>
         <p:spPr>
           <a:xfrm>
-            <a:off x="6768977" y="2310164"/>
-            <a:ext cx="507718" cy="177315"/>
+            <a:off x="4350612" y="2310163"/>
+            <a:ext cx="1002626" cy="215416"/>
           </a:xfrm>
           <a:prstGeom prst="rect">
             <a:avLst/>
@@ -9588,10 +9036,10 @@
       </p:sp>
       <p:sp>
         <p:nvSpPr>
-          <p:cNvPr id="47" name="Rectangle 46">
-            <a:extLst>
-              <a:ext uri="{FF2B5EF4-FFF2-40B4-BE49-F238E27FC236}">
-                <a16:creationId xmlns:a16="http://schemas.microsoft.com/office/drawing/2014/main" id="{D3747A9B-D307-4D4A-AD10-D9A2AC74D7C3}"/>
+          <p:cNvPr id="49" name="Rectangle 48">
+            <a:extLst>
+              <a:ext uri="{FF2B5EF4-FFF2-40B4-BE49-F238E27FC236}">
+                <a16:creationId xmlns:a16="http://schemas.microsoft.com/office/drawing/2014/main" id="{2FB33EB3-3F81-1041-A6E6-D4DD30AB8060}"/>
               </a:ext>
             </a:extLst>
           </p:cNvPr>
@@ -9600,8 +9048,8 @@
         </p:nvSpPr>
         <p:spPr>
           <a:xfrm>
-            <a:off x="5458721" y="2310164"/>
-            <a:ext cx="507718" cy="177315"/>
+            <a:off x="2856315" y="2310218"/>
+            <a:ext cx="494468" cy="215361"/>
           </a:xfrm>
           <a:prstGeom prst="rect">
             <a:avLst/>
@@ -9649,10 +9097,10 @@
       </p:sp>
       <p:sp>
         <p:nvSpPr>
-          <p:cNvPr id="48" name="Rectangle 47">
-            <a:extLst>
-              <a:ext uri="{FF2B5EF4-FFF2-40B4-BE49-F238E27FC236}">
-                <a16:creationId xmlns:a16="http://schemas.microsoft.com/office/drawing/2014/main" id="{4C7E0A99-1497-884D-9AEE-9CCAB40643F0}"/>
+          <p:cNvPr id="27" name="Rectangle 26">
+            <a:extLst>
+              <a:ext uri="{FF2B5EF4-FFF2-40B4-BE49-F238E27FC236}">
+                <a16:creationId xmlns:a16="http://schemas.microsoft.com/office/drawing/2014/main" id="{696B2114-029E-9D47-9CC7-6890B69D7C4B}"/>
               </a:ext>
             </a:extLst>
           </p:cNvPr>
@@ -9661,8 +9109,121 @@
         </p:nvSpPr>
         <p:spPr>
           <a:xfrm>
-            <a:off x="4159318" y="2310164"/>
-            <a:ext cx="507718" cy="177315"/>
+            <a:off x="1334904" y="2310218"/>
+            <a:ext cx="707285" cy="215361"/>
+          </a:xfrm>
+          <a:prstGeom prst="rect">
+            <a:avLst/>
+          </a:prstGeom>
+          <a:solidFill>
+            <a:schemeClr val="bg2">
+              <a:lumMod val="50000"/>
+            </a:schemeClr>
+          </a:solidFill>
+        </p:spPr>
+        <p:style>
+          <a:lnRef idx="2">
+            <a:schemeClr val="accent1">
+              <a:shade val="50000"/>
+            </a:schemeClr>
+          </a:lnRef>
+          <a:fillRef idx="1">
+            <a:schemeClr val="accent1"/>
+          </a:fillRef>
+          <a:effectRef idx="0">
+            <a:schemeClr val="accent1"/>
+          </a:effectRef>
+          <a:fontRef idx="minor">
+            <a:schemeClr val="lt1"/>
+          </a:fontRef>
+        </p:style>
+        <p:txBody>
+          <a:bodyPr rtlCol="0" anchor="ctr"/>
+          <a:lstStyle/>
+          <a:p>
+            <a:pPr algn="ctr"/>
+            <a:r>
+              <a:rPr lang="en-US" sz="1100">
+                <a:solidFill>
+                  <a:schemeClr val="bg1"/>
+                </a:solidFill>
+              </a:rPr>
+              <a:t>login</a:t>
+            </a:r>
+            <a:endParaRPr lang="en-US" sz="1400">
+              <a:solidFill>
+                <a:schemeClr val="bg1"/>
+              </a:solidFill>
+            </a:endParaRPr>
+          </a:p>
+        </p:txBody>
+      </p:sp>
+      <p:sp>
+        <p:nvSpPr>
+          <p:cNvPr id="26" name="Rectangle 25">
+            <a:extLst>
+              <a:ext uri="{FF2B5EF4-FFF2-40B4-BE49-F238E27FC236}">
+                <a16:creationId xmlns:a16="http://schemas.microsoft.com/office/drawing/2014/main" id="{B8878D5B-4C56-E24B-925B-A2242291992D}"/>
+              </a:ext>
+            </a:extLst>
+          </p:cNvPr>
+          <p:cNvSpPr/>
+          <p:nvPr/>
+        </p:nvSpPr>
+        <p:spPr>
+          <a:xfrm>
+            <a:off x="3445398" y="2310164"/>
+            <a:ext cx="898002" cy="215415"/>
+          </a:xfrm>
+          <a:prstGeom prst="rect">
+            <a:avLst/>
+          </a:prstGeom>
+        </p:spPr>
+        <p:style>
+          <a:lnRef idx="2">
+            <a:schemeClr val="accent1">
+              <a:shade val="50000"/>
+            </a:schemeClr>
+          </a:lnRef>
+          <a:fillRef idx="1">
+            <a:schemeClr val="accent1"/>
+          </a:fillRef>
+          <a:effectRef idx="0">
+            <a:schemeClr val="accent1"/>
+          </a:effectRef>
+          <a:fontRef idx="minor">
+            <a:schemeClr val="lt1"/>
+          </a:fontRef>
+        </p:style>
+        <p:txBody>
+          <a:bodyPr rtlCol="0" anchor="ctr"/>
+          <a:lstStyle/>
+          <a:p>
+            <a:pPr algn="ctr"/>
+            <a:r>
+              <a:rPr lang="en-US" sz="1100" b="1"/>
+              <a:t>wrappers</a:t>
+            </a:r>
+            <a:endParaRPr lang="en-US" b="1"/>
+          </a:p>
+        </p:txBody>
+      </p:sp>
+      <p:sp>
+        <p:nvSpPr>
+          <p:cNvPr id="28" name="Rectangle 27">
+            <a:extLst>
+              <a:ext uri="{FF2B5EF4-FFF2-40B4-BE49-F238E27FC236}">
+                <a16:creationId xmlns:a16="http://schemas.microsoft.com/office/drawing/2014/main" id="{80A9EE5E-C285-9542-9EE2-074B508920C5}"/>
+              </a:ext>
+            </a:extLst>
+          </p:cNvPr>
+          <p:cNvSpPr/>
+          <p:nvPr/>
+        </p:nvSpPr>
+        <p:spPr>
+          <a:xfrm>
+            <a:off x="6360279" y="2314857"/>
+            <a:ext cx="916416" cy="215416"/>
           </a:xfrm>
           <a:prstGeom prst="rect">
             <a:avLst/>
@@ -9710,10 +9271,10 @@
       </p:sp>
       <p:sp>
         <p:nvSpPr>
-          <p:cNvPr id="49" name="Rectangle 48">
-            <a:extLst>
-              <a:ext uri="{FF2B5EF4-FFF2-40B4-BE49-F238E27FC236}">
-                <a16:creationId xmlns:a16="http://schemas.microsoft.com/office/drawing/2014/main" id="{2FB33EB3-3F81-1041-A6E6-D4DD30AB8060}"/>
+          <p:cNvPr id="29" name="Rectangle 28">
+            <a:extLst>
+              <a:ext uri="{FF2B5EF4-FFF2-40B4-BE49-F238E27FC236}">
+                <a16:creationId xmlns:a16="http://schemas.microsoft.com/office/drawing/2014/main" id="{94E3C519-E0FC-B549-B7D7-9F5D9B71EA69}"/>
               </a:ext>
             </a:extLst>
           </p:cNvPr>
@@ -9722,23 +9283,12 @@
         </p:nvSpPr>
         <p:spPr>
           <a:xfrm>
-            <a:off x="2856315" y="2310218"/>
-            <a:ext cx="494468" cy="215361"/>
+            <a:off x="5455065" y="2314858"/>
+            <a:ext cx="898002" cy="215415"/>
           </a:xfrm>
           <a:prstGeom prst="rect">
             <a:avLst/>
           </a:prstGeom>
-          <a:solidFill>
-            <a:srgbClr val="FFC000"/>
-          </a:solidFill>
-          <a:ln>
-            <a:solidFill>
-              <a:schemeClr val="tx1">
-                <a:lumMod val="50000"/>
-                <a:lumOff val="50000"/>
-              </a:schemeClr>
-            </a:solidFill>
-          </a:ln>
         </p:spPr>
         <p:style>
           <a:lnRef idx="2">
@@ -9762,19 +9312,19 @@
           <a:p>
             <a:pPr algn="ctr"/>
             <a:r>
-              <a:rPr lang="en-US" altLang="zh-CN" sz="1100" b="1"/>
-              <a:t>sub</a:t>
-            </a:r>
-            <a:endParaRPr lang="en-US" sz="800" b="1"/>
-          </a:p>
-        </p:txBody>
-      </p:sp>
-      <p:sp>
-        <p:nvSpPr>
-          <p:cNvPr id="27" name="Rectangle 26">
-            <a:extLst>
-              <a:ext uri="{FF2B5EF4-FFF2-40B4-BE49-F238E27FC236}">
-                <a16:creationId xmlns:a16="http://schemas.microsoft.com/office/drawing/2014/main" id="{696B2114-029E-9D47-9CC7-6890B69D7C4B}"/>
+              <a:rPr lang="en-US" sz="1100" b="1"/>
+              <a:t>wrappers</a:t>
+            </a:r>
+            <a:endParaRPr lang="en-US" b="1"/>
+          </a:p>
+        </p:txBody>
+      </p:sp>
+      <p:sp>
+        <p:nvSpPr>
+          <p:cNvPr id="37" name="Rectangle 36">
+            <a:extLst>
+              <a:ext uri="{FF2B5EF4-FFF2-40B4-BE49-F238E27FC236}">
+                <a16:creationId xmlns:a16="http://schemas.microsoft.com/office/drawing/2014/main" id="{4C6E6353-E345-2241-9B2C-B3236452D81C}"/>
               </a:ext>
             </a:extLst>
           </p:cNvPr>
@@ -9783,17 +9333,12 @@
         </p:nvSpPr>
         <p:spPr>
           <a:xfrm>
-            <a:off x="1334904" y="2310218"/>
-            <a:ext cx="801903" cy="215361"/>
+            <a:off x="2042189" y="2310164"/>
+            <a:ext cx="814124" cy="215415"/>
           </a:xfrm>
           <a:prstGeom prst="rect">
             <a:avLst/>
           </a:prstGeom>
-          <a:solidFill>
-            <a:schemeClr val="bg2">
-              <a:lumMod val="50000"/>
-            </a:schemeClr>
-          </a:solidFill>
         </p:spPr>
         <p:style>
           <a:lnRef idx="2">
@@ -9817,18 +9362,10 @@
           <a:p>
             <a:pPr algn="ctr"/>
             <a:r>
-              <a:rPr lang="en-US" sz="1200">
-                <a:solidFill>
-                  <a:schemeClr val="bg1"/>
-                </a:solidFill>
-              </a:rPr>
-              <a:t>login</a:t>
-            </a:r>
-            <a:endParaRPr lang="en-US" sz="1600">
-              <a:solidFill>
-                <a:schemeClr val="bg1"/>
-              </a:solidFill>
-            </a:endParaRPr>
+              <a:rPr lang="en-US" sz="1050" b="1"/>
+              <a:t>wrappers</a:t>
+            </a:r>
+            <a:endParaRPr lang="en-US" sz="1600" b="1"/>
           </a:p>
         </p:txBody>
       </p:sp>
@@ -10507,51 +10044,6 @@
       </p:sp>
       <p:sp>
         <p:nvSpPr>
-          <p:cNvPr id="21" name="TextBox 20">
-            <a:extLst>
-              <a:ext uri="{FF2B5EF4-FFF2-40B4-BE49-F238E27FC236}">
-                <a16:creationId xmlns:a16="http://schemas.microsoft.com/office/drawing/2014/main" id="{7A7C98C1-66D3-AA49-91A1-D8C57A31E064}"/>
-              </a:ext>
-            </a:extLst>
-          </p:cNvPr>
-          <p:cNvSpPr txBox="1"/>
-          <p:nvPr/>
-        </p:nvSpPr>
-        <p:spPr>
-          <a:xfrm>
-            <a:off x="4764168" y="1136305"/>
-            <a:ext cx="1373004" cy="338554"/>
-          </a:xfrm>
-          <a:prstGeom prst="rect">
-            <a:avLst/>
-          </a:prstGeom>
-          <a:noFill/>
-        </p:spPr>
-        <p:txBody>
-          <a:bodyPr wrap="none" rtlCol="0">
-            <a:spAutoFit/>
-          </a:bodyPr>
-          <a:lstStyle/>
-          <a:p>
-            <a:pPr algn="ctr"/>
-            <a:r>
-              <a:rPr lang="en-US" sz="1600" dirty="0"/>
-              <a:t>User</a:t>
-            </a:r>
-            <a:r>
-              <a:rPr lang="zh-CN" altLang="en-US" sz="1600" dirty="0"/>
-              <a:t> </a:t>
-            </a:r>
-            <a:r>
-              <a:rPr lang="en-US" altLang="zh-CN" sz="1600" dirty="0"/>
-              <a:t>Requests</a:t>
-            </a:r>
-            <a:endParaRPr lang="en-US" sz="1600" dirty="0"/>
-          </a:p>
-        </p:txBody>
-      </p:sp>
-      <p:sp>
-        <p:nvSpPr>
           <p:cNvPr id="22" name="Rounded Rectangle 21">
             <a:extLst>
               <a:ext uri="{FF2B5EF4-FFF2-40B4-BE49-F238E27FC236}">
@@ -11188,12 +10680,72 @@
           </a:p>
         </p:txBody>
       </p:sp>
-      <p:sp>
-        <p:nvSpPr>
-          <p:cNvPr id="34" name="Oval 33">
-            <a:extLst>
-              <a:ext uri="{FF2B5EF4-FFF2-40B4-BE49-F238E27FC236}">
-                <a16:creationId xmlns:a16="http://schemas.microsoft.com/office/drawing/2014/main" id="{54D62AB5-E373-ED4E-BDB7-60B45A923BE4}"/>
+      <p:pic>
+        <p:nvPicPr>
+          <p:cNvPr id="37" name="Picture 36">
+            <a:extLst>
+              <a:ext uri="{FF2B5EF4-FFF2-40B4-BE49-F238E27FC236}">
+                <a16:creationId xmlns:a16="http://schemas.microsoft.com/office/drawing/2014/main" id="{88D54F83-AB42-B447-8716-EB362B1C86D7}"/>
+              </a:ext>
+            </a:extLst>
+          </p:cNvPr>
+          <p:cNvPicPr>
+            <a:picLocks noChangeAspect="1"/>
+          </p:cNvPicPr>
+          <p:nvPr/>
+        </p:nvPicPr>
+        <p:blipFill>
+          <a:blip r:embed="rId2"/>
+          <a:stretch>
+            <a:fillRect/>
+          </a:stretch>
+        </p:blipFill>
+        <p:spPr>
+          <a:xfrm>
+            <a:off x="5249589" y="1230002"/>
+            <a:ext cx="304800" cy="304800"/>
+          </a:xfrm>
+          <a:prstGeom prst="rect">
+            <a:avLst/>
+          </a:prstGeom>
+        </p:spPr>
+      </p:pic>
+    </p:spTree>
+    <p:extLst>
+      <p:ext uri="{BB962C8B-B14F-4D97-AF65-F5344CB8AC3E}">
+        <p14:creationId xmlns:p14="http://schemas.microsoft.com/office/powerpoint/2010/main" val="2043662346"/>
+      </p:ext>
+    </p:extLst>
+  </p:cSld>
+  <p:clrMapOvr>
+    <a:masterClrMapping/>
+  </p:clrMapOvr>
+</p:sld>
+</file>
+
+<file path=ppt/slides/slide7.xml><?xml version="1.0" encoding="utf-8"?>
+<p:sld xmlns:a="http://schemas.openxmlformats.org/drawingml/2006/main" xmlns:r="http://schemas.openxmlformats.org/officeDocument/2006/relationships" xmlns:p="http://schemas.openxmlformats.org/presentationml/2006/main">
+  <p:cSld>
+    <p:spTree>
+      <p:nvGrpSpPr>
+        <p:cNvPr id="1" name=""/>
+        <p:cNvGrpSpPr/>
+        <p:nvPr/>
+      </p:nvGrpSpPr>
+      <p:grpSpPr>
+        <a:xfrm>
+          <a:off x="0" y="0"/>
+          <a:ext cx="0" cy="0"/>
+          <a:chOff x="0" y="0"/>
+          <a:chExt cx="0" cy="0"/>
+        </a:xfrm>
+      </p:grpSpPr>
+      <p:sp>
+        <p:nvSpPr>
+          <p:cNvPr id="3" name="Process 2">
+            <a:extLst>
+              <a:ext uri="{FF2B5EF4-FFF2-40B4-BE49-F238E27FC236}">
+                <a16:creationId xmlns:a16="http://schemas.microsoft.com/office/drawing/2014/main" id="{EB10B5BA-D984-AF45-8089-654FCF54E12B}"/>
               </a:ext>
             </a:extLst>
           </p:cNvPr>
@@ -11202,15 +10754,20 @@
         </p:nvSpPr>
         <p:spPr>
           <a:xfrm>
-            <a:off x="6848461" y="2707287"/>
-            <a:ext cx="360611" cy="375444"/>
-          </a:xfrm>
-          <a:prstGeom prst="ellipse">
+            <a:off x="2887851" y="1352746"/>
+            <a:ext cx="433952" cy="150590"/>
+          </a:xfrm>
+          <a:prstGeom prst="flowChartProcess">
             <a:avLst/>
           </a:prstGeom>
           <a:solidFill>
             <a:schemeClr val="bg1"/>
           </a:solidFill>
+          <a:ln w="3175">
+            <a:solidFill>
+              <a:schemeClr val="tx1"/>
+            </a:solidFill>
+          </a:ln>
         </p:spPr>
         <p:style>
           <a:lnRef idx="2">
@@ -11233,6 +10790,3023 @@
           <a:lstStyle/>
           <a:p>
             <a:pPr algn="ctr"/>
+            <a:r>
+              <a:rPr lang="en-US" altLang="zh-CN" sz="800">
+                <a:solidFill>
+                  <a:schemeClr val="tx1"/>
+                </a:solidFill>
+              </a:rPr>
+              <a:t>url</a:t>
+            </a:r>
+            <a:endParaRPr lang="en-US" sz="800">
+              <a:solidFill>
+                <a:schemeClr val="tx1"/>
+              </a:solidFill>
+            </a:endParaRPr>
+          </a:p>
+        </p:txBody>
+      </p:sp>
+      <p:sp>
+        <p:nvSpPr>
+          <p:cNvPr id="9" name="Decision 8">
+            <a:extLst>
+              <a:ext uri="{FF2B5EF4-FFF2-40B4-BE49-F238E27FC236}">
+                <a16:creationId xmlns:a16="http://schemas.microsoft.com/office/drawing/2014/main" id="{28F98AC0-345C-CC47-9230-BBC9680C37C7}"/>
+              </a:ext>
+            </a:extLst>
+          </p:cNvPr>
+          <p:cNvSpPr/>
+          <p:nvPr/>
+        </p:nvSpPr>
+        <p:spPr>
+          <a:xfrm>
+            <a:off x="2915358" y="1730831"/>
+            <a:ext cx="397790" cy="294468"/>
+          </a:xfrm>
+          <a:prstGeom prst="flowChartDecision">
+            <a:avLst/>
+          </a:prstGeom>
+          <a:solidFill>
+            <a:schemeClr val="bg1"/>
+          </a:solidFill>
+          <a:ln w="3175">
+            <a:solidFill>
+              <a:schemeClr val="tx1"/>
+            </a:solidFill>
+          </a:ln>
+        </p:spPr>
+        <p:style>
+          <a:lnRef idx="2">
+            <a:schemeClr val="accent1">
+              <a:shade val="50000"/>
+            </a:schemeClr>
+          </a:lnRef>
+          <a:fillRef idx="1">
+            <a:schemeClr val="accent1"/>
+          </a:fillRef>
+          <a:effectRef idx="0">
+            <a:schemeClr val="accent1"/>
+          </a:effectRef>
+          <a:fontRef idx="minor">
+            <a:schemeClr val="lt1"/>
+          </a:fontRef>
+        </p:style>
+        <p:txBody>
+          <a:bodyPr rtlCol="0" anchor="ctr"/>
+          <a:lstStyle/>
+          <a:p>
+            <a:pPr algn="ctr"/>
+            <a:endParaRPr lang="en-US" altLang="zh-CN" sz="700">
+              <a:solidFill>
+                <a:schemeClr val="tx1"/>
+              </a:solidFill>
+            </a:endParaRPr>
+          </a:p>
+        </p:txBody>
+      </p:sp>
+      <p:cxnSp>
+        <p:nvCxnSpPr>
+          <p:cNvPr id="16" name="Straight Arrow Connector 15">
+            <a:extLst>
+              <a:ext uri="{FF2B5EF4-FFF2-40B4-BE49-F238E27FC236}">
+                <a16:creationId xmlns:a16="http://schemas.microsoft.com/office/drawing/2014/main" id="{87C9EFD2-7412-724F-8BB2-991A3B6332D5}"/>
+              </a:ext>
+            </a:extLst>
+          </p:cNvPr>
+          <p:cNvCxnSpPr>
+            <a:cxnSpLocks/>
+            <a:stCxn id="3" idx="2"/>
+            <a:endCxn id="9" idx="0"/>
+          </p:cNvCxnSpPr>
+          <p:nvPr/>
+        </p:nvCxnSpPr>
+        <p:spPr>
+          <a:xfrm>
+            <a:off x="3104827" y="1503336"/>
+            <a:ext cx="9426" cy="227495"/>
+          </a:xfrm>
+          <a:prstGeom prst="straightConnector1">
+            <a:avLst/>
+          </a:prstGeom>
+          <a:ln w="3175">
+            <a:tailEnd type="triangle"/>
+          </a:ln>
+        </p:spPr>
+        <p:style>
+          <a:lnRef idx="1">
+            <a:schemeClr val="accent1"/>
+          </a:lnRef>
+          <a:fillRef idx="0">
+            <a:schemeClr val="accent1"/>
+          </a:fillRef>
+          <a:effectRef idx="0">
+            <a:schemeClr val="accent1"/>
+          </a:effectRef>
+          <a:fontRef idx="minor">
+            <a:schemeClr val="tx1"/>
+          </a:fontRef>
+        </p:style>
+      </p:cxnSp>
+      <p:sp>
+        <p:nvSpPr>
+          <p:cNvPr id="33" name="Process 32">
+            <a:extLst>
+              <a:ext uri="{FF2B5EF4-FFF2-40B4-BE49-F238E27FC236}">
+                <a16:creationId xmlns:a16="http://schemas.microsoft.com/office/drawing/2014/main" id="{9CCA665E-A738-9147-85D6-0C50D1423BD7}"/>
+              </a:ext>
+            </a:extLst>
+          </p:cNvPr>
+          <p:cNvSpPr/>
+          <p:nvPr/>
+        </p:nvSpPr>
+        <p:spPr>
+          <a:xfrm>
+            <a:off x="3685880" y="2486547"/>
+            <a:ext cx="838986" cy="167335"/>
+          </a:xfrm>
+          <a:prstGeom prst="flowChartProcess">
+            <a:avLst/>
+          </a:prstGeom>
+          <a:solidFill>
+            <a:schemeClr val="accent2"/>
+          </a:solidFill>
+          <a:ln w="3175">
+            <a:solidFill>
+              <a:srgbClr val="FF0000"/>
+            </a:solidFill>
+          </a:ln>
+        </p:spPr>
+        <p:style>
+          <a:lnRef idx="2">
+            <a:schemeClr val="accent1">
+              <a:shade val="50000"/>
+            </a:schemeClr>
+          </a:lnRef>
+          <a:fillRef idx="1">
+            <a:schemeClr val="accent1"/>
+          </a:fillRef>
+          <a:effectRef idx="0">
+            <a:schemeClr val="accent1"/>
+          </a:effectRef>
+          <a:fontRef idx="minor">
+            <a:schemeClr val="lt1"/>
+          </a:fontRef>
+        </p:style>
+        <p:txBody>
+          <a:bodyPr rtlCol="0" anchor="ctr"/>
+          <a:lstStyle/>
+          <a:p>
+            <a:pPr algn="ctr"/>
+            <a:r>
+              <a:rPr lang="en-US" altLang="zh-CN" sz="700">
+                <a:solidFill>
+                  <a:schemeClr val="tx1"/>
+                </a:solidFill>
+              </a:rPr>
+              <a:t>url?sessionId=123</a:t>
+            </a:r>
+            <a:endParaRPr lang="en-US" sz="700">
+              <a:solidFill>
+                <a:schemeClr val="tx1"/>
+              </a:solidFill>
+            </a:endParaRPr>
+          </a:p>
+        </p:txBody>
+      </p:sp>
+      <p:sp>
+        <p:nvSpPr>
+          <p:cNvPr id="21" name="TextBox 20">
+            <a:extLst>
+              <a:ext uri="{FF2B5EF4-FFF2-40B4-BE49-F238E27FC236}">
+                <a16:creationId xmlns:a16="http://schemas.microsoft.com/office/drawing/2014/main" id="{EF863EEC-156C-DA4C-846D-568C71DDEE72}"/>
+              </a:ext>
+            </a:extLst>
+          </p:cNvPr>
+          <p:cNvSpPr txBox="1"/>
+          <p:nvPr/>
+        </p:nvSpPr>
+        <p:spPr>
+          <a:xfrm>
+            <a:off x="2879077" y="1785731"/>
+            <a:ext cx="571786" cy="184666"/>
+          </a:xfrm>
+          <a:prstGeom prst="rect">
+            <a:avLst/>
+          </a:prstGeom>
+          <a:noFill/>
+        </p:spPr>
+        <p:txBody>
+          <a:bodyPr wrap="square" rtlCol="0">
+            <a:spAutoFit/>
+          </a:bodyPr>
+          <a:lstStyle/>
+          <a:p>
+            <a:r>
+              <a:rPr lang="en-US" altLang="zh-CN" sz="600"/>
+              <a:t>sessionId</a:t>
+            </a:r>
+            <a:endParaRPr lang="en-US" sz="1400"/>
+          </a:p>
+        </p:txBody>
+      </p:sp>
+      <p:cxnSp>
+        <p:nvCxnSpPr>
+          <p:cNvPr id="43" name="Straight Arrow Connector 42">
+            <a:extLst>
+              <a:ext uri="{FF2B5EF4-FFF2-40B4-BE49-F238E27FC236}">
+                <a16:creationId xmlns:a16="http://schemas.microsoft.com/office/drawing/2014/main" id="{2A095110-2FD3-0A41-BF9E-2D08D94F1CDA}"/>
+              </a:ext>
+            </a:extLst>
+          </p:cNvPr>
+          <p:cNvCxnSpPr>
+            <a:cxnSpLocks/>
+            <a:stCxn id="79" idx="3"/>
+            <a:endCxn id="33" idx="1"/>
+          </p:cNvCxnSpPr>
+          <p:nvPr/>
+        </p:nvCxnSpPr>
+        <p:spPr>
+          <a:xfrm>
+            <a:off x="3487917" y="2567014"/>
+            <a:ext cx="197963" cy="3201"/>
+          </a:xfrm>
+          <a:prstGeom prst="straightConnector1">
+            <a:avLst/>
+          </a:prstGeom>
+          <a:ln w="3175">
+            <a:tailEnd type="triangle"/>
+          </a:ln>
+        </p:spPr>
+        <p:style>
+          <a:lnRef idx="1">
+            <a:schemeClr val="accent1"/>
+          </a:lnRef>
+          <a:fillRef idx="0">
+            <a:schemeClr val="accent1"/>
+          </a:fillRef>
+          <a:effectRef idx="0">
+            <a:schemeClr val="accent1"/>
+          </a:effectRef>
+          <a:fontRef idx="minor">
+            <a:schemeClr val="tx1"/>
+          </a:fontRef>
+        </p:style>
+      </p:cxnSp>
+      <p:sp>
+        <p:nvSpPr>
+          <p:cNvPr id="50" name="TextBox 49">
+            <a:extLst>
+              <a:ext uri="{FF2B5EF4-FFF2-40B4-BE49-F238E27FC236}">
+                <a16:creationId xmlns:a16="http://schemas.microsoft.com/office/drawing/2014/main" id="{1EC590A5-31BE-DE48-9BB7-0319413EC56F}"/>
+              </a:ext>
+            </a:extLst>
+          </p:cNvPr>
+          <p:cNvSpPr txBox="1"/>
+          <p:nvPr/>
+        </p:nvSpPr>
+        <p:spPr>
+          <a:xfrm>
+            <a:off x="2491230" y="1833646"/>
+            <a:ext cx="282076" cy="184666"/>
+          </a:xfrm>
+          <a:prstGeom prst="rect">
+            <a:avLst/>
+          </a:prstGeom>
+          <a:noFill/>
+        </p:spPr>
+        <p:txBody>
+          <a:bodyPr wrap="square" rtlCol="0">
+            <a:spAutoFit/>
+          </a:bodyPr>
+          <a:lstStyle/>
+          <a:p>
+            <a:r>
+              <a:rPr lang="en-US" altLang="zh-CN" sz="600"/>
+              <a:t>Y</a:t>
+            </a:r>
+            <a:endParaRPr lang="en-US" sz="1400"/>
+          </a:p>
+        </p:txBody>
+      </p:sp>
+      <p:sp>
+        <p:nvSpPr>
+          <p:cNvPr id="52" name="TextBox 51">
+            <a:extLst>
+              <a:ext uri="{FF2B5EF4-FFF2-40B4-BE49-F238E27FC236}">
+                <a16:creationId xmlns:a16="http://schemas.microsoft.com/office/drawing/2014/main" id="{BC610A99-6FA5-FA4C-87E2-B2F97D1EBC7F}"/>
+              </a:ext>
+            </a:extLst>
+          </p:cNvPr>
+          <p:cNvSpPr txBox="1"/>
+          <p:nvPr/>
+        </p:nvSpPr>
+        <p:spPr>
+          <a:xfrm>
+            <a:off x="3091059" y="1999509"/>
+            <a:ext cx="182146" cy="184666"/>
+          </a:xfrm>
+          <a:prstGeom prst="rect">
+            <a:avLst/>
+          </a:prstGeom>
+          <a:noFill/>
+        </p:spPr>
+        <p:txBody>
+          <a:bodyPr wrap="square" rtlCol="0">
+            <a:spAutoFit/>
+          </a:bodyPr>
+          <a:lstStyle/>
+          <a:p>
+            <a:r>
+              <a:rPr lang="en-US" altLang="zh-CN" sz="600"/>
+              <a:t>N</a:t>
+            </a:r>
+            <a:endParaRPr lang="en-US" sz="1400"/>
+          </a:p>
+        </p:txBody>
+      </p:sp>
+      <p:cxnSp>
+        <p:nvCxnSpPr>
+          <p:cNvPr id="59" name="Elbow Connector 58">
+            <a:extLst>
+              <a:ext uri="{FF2B5EF4-FFF2-40B4-BE49-F238E27FC236}">
+                <a16:creationId xmlns:a16="http://schemas.microsoft.com/office/drawing/2014/main" id="{2EDB30F7-3AAD-1645-BC1D-682DC52D163F}"/>
+              </a:ext>
+            </a:extLst>
+          </p:cNvPr>
+          <p:cNvCxnSpPr>
+            <a:cxnSpLocks/>
+            <a:stCxn id="33" idx="0"/>
+            <a:endCxn id="3" idx="3"/>
+          </p:cNvCxnSpPr>
+          <p:nvPr/>
+        </p:nvCxnSpPr>
+        <p:spPr>
+          <a:xfrm rot="16200000" flipV="1">
+            <a:off x="3184335" y="1565509"/>
+            <a:ext cx="1058506" cy="783570"/>
+          </a:xfrm>
+          <a:prstGeom prst="bentConnector2">
+            <a:avLst/>
+          </a:prstGeom>
+          <a:ln>
+            <a:tailEnd type="triangle"/>
+          </a:ln>
+        </p:spPr>
+        <p:style>
+          <a:lnRef idx="1">
+            <a:schemeClr val="accent1"/>
+          </a:lnRef>
+          <a:fillRef idx="0">
+            <a:schemeClr val="accent1"/>
+          </a:fillRef>
+          <a:effectRef idx="0">
+            <a:schemeClr val="accent1"/>
+          </a:effectRef>
+          <a:fontRef idx="minor">
+            <a:schemeClr val="tx1"/>
+          </a:fontRef>
+        </p:style>
+      </p:cxnSp>
+      <p:sp>
+        <p:nvSpPr>
+          <p:cNvPr id="63" name="TextBox 62">
+            <a:extLst>
+              <a:ext uri="{FF2B5EF4-FFF2-40B4-BE49-F238E27FC236}">
+                <a16:creationId xmlns:a16="http://schemas.microsoft.com/office/drawing/2014/main" id="{9C716661-AE02-F643-9D63-C37B7F653EAF}"/>
+              </a:ext>
+            </a:extLst>
+          </p:cNvPr>
+          <p:cNvSpPr txBox="1"/>
+          <p:nvPr/>
+        </p:nvSpPr>
+        <p:spPr>
+          <a:xfrm>
+            <a:off x="3623894" y="1374243"/>
+            <a:ext cx="354076" cy="184666"/>
+          </a:xfrm>
+          <a:prstGeom prst="rect">
+            <a:avLst/>
+          </a:prstGeom>
+          <a:noFill/>
+        </p:spPr>
+        <p:txBody>
+          <a:bodyPr wrap="square" rtlCol="0">
+            <a:spAutoFit/>
+          </a:bodyPr>
+          <a:lstStyle/>
+          <a:p>
+            <a:r>
+              <a:rPr lang="zh-CN" altLang="en-US" sz="600"/>
+              <a:t>跳转</a:t>
+            </a:r>
+            <a:endParaRPr lang="en-US" sz="1400"/>
+          </a:p>
+        </p:txBody>
+      </p:sp>
+      <p:sp>
+        <p:nvSpPr>
+          <p:cNvPr id="64" name="Decision 63">
+            <a:extLst>
+              <a:ext uri="{FF2B5EF4-FFF2-40B4-BE49-F238E27FC236}">
+                <a16:creationId xmlns:a16="http://schemas.microsoft.com/office/drawing/2014/main" id="{E70DFC55-30DD-284F-9C2C-30B047484241}"/>
+              </a:ext>
+            </a:extLst>
+          </p:cNvPr>
+          <p:cNvSpPr/>
+          <p:nvPr/>
+        </p:nvSpPr>
+        <p:spPr>
+          <a:xfrm>
+            <a:off x="2087316" y="2147180"/>
+            <a:ext cx="397790" cy="294468"/>
+          </a:xfrm>
+          <a:prstGeom prst="flowChartDecision">
+            <a:avLst/>
+          </a:prstGeom>
+          <a:solidFill>
+            <a:schemeClr val="bg1"/>
+          </a:solidFill>
+          <a:ln w="3175">
+            <a:solidFill>
+              <a:schemeClr val="tx1"/>
+            </a:solidFill>
+          </a:ln>
+        </p:spPr>
+        <p:style>
+          <a:lnRef idx="2">
+            <a:schemeClr val="accent1">
+              <a:shade val="50000"/>
+            </a:schemeClr>
+          </a:lnRef>
+          <a:fillRef idx="1">
+            <a:schemeClr val="accent1"/>
+          </a:fillRef>
+          <a:effectRef idx="0">
+            <a:schemeClr val="accent1"/>
+          </a:effectRef>
+          <a:fontRef idx="minor">
+            <a:schemeClr val="lt1"/>
+          </a:fontRef>
+        </p:style>
+        <p:txBody>
+          <a:bodyPr rtlCol="0" anchor="ctr"/>
+          <a:lstStyle/>
+          <a:p>
+            <a:pPr algn="ctr"/>
+            <a:endParaRPr lang="en-US" altLang="zh-CN" sz="700">
+              <a:solidFill>
+                <a:schemeClr val="tx1"/>
+              </a:solidFill>
+            </a:endParaRPr>
+          </a:p>
+        </p:txBody>
+      </p:sp>
+      <p:sp>
+        <p:nvSpPr>
+          <p:cNvPr id="66" name="Rectangle 65">
+            <a:extLst>
+              <a:ext uri="{FF2B5EF4-FFF2-40B4-BE49-F238E27FC236}">
+                <a16:creationId xmlns:a16="http://schemas.microsoft.com/office/drawing/2014/main" id="{B7B1299D-7BB1-5645-BD4A-1F360A702916}"/>
+              </a:ext>
+            </a:extLst>
+          </p:cNvPr>
+          <p:cNvSpPr/>
+          <p:nvPr/>
+        </p:nvSpPr>
+        <p:spPr>
+          <a:xfrm>
+            <a:off x="2021427" y="2202081"/>
+            <a:ext cx="554960" cy="184666"/>
+          </a:xfrm>
+          <a:prstGeom prst="rect">
+            <a:avLst/>
+          </a:prstGeom>
+        </p:spPr>
+        <p:txBody>
+          <a:bodyPr wrap="none">
+            <a:spAutoFit/>
+          </a:bodyPr>
+          <a:lstStyle/>
+          <a:p>
+            <a:pPr algn="ctr"/>
+            <a:r>
+              <a:rPr lang="en-US" altLang="zh-CN" sz="600"/>
+              <a:t>sessionMap</a:t>
+            </a:r>
+            <a:endParaRPr lang="en-US" sz="600"/>
+          </a:p>
+        </p:txBody>
+      </p:sp>
+      <p:cxnSp>
+        <p:nvCxnSpPr>
+          <p:cNvPr id="69" name="Straight Arrow Connector 68">
+            <a:extLst>
+              <a:ext uri="{FF2B5EF4-FFF2-40B4-BE49-F238E27FC236}">
+                <a16:creationId xmlns:a16="http://schemas.microsoft.com/office/drawing/2014/main" id="{7BF50EEB-3A8C-9B45-A251-07053213C9CC}"/>
+              </a:ext>
+            </a:extLst>
+          </p:cNvPr>
+          <p:cNvCxnSpPr>
+            <a:cxnSpLocks/>
+          </p:cNvCxnSpPr>
+          <p:nvPr/>
+        </p:nvCxnSpPr>
+        <p:spPr>
+          <a:xfrm flipH="1">
+            <a:off x="2276785" y="2445631"/>
+            <a:ext cx="5121" cy="288380"/>
+          </a:xfrm>
+          <a:prstGeom prst="straightConnector1">
+            <a:avLst/>
+          </a:prstGeom>
+          <a:ln w="3175">
+            <a:tailEnd type="triangle"/>
+          </a:ln>
+        </p:spPr>
+        <p:style>
+          <a:lnRef idx="1">
+            <a:schemeClr val="accent1"/>
+          </a:lnRef>
+          <a:fillRef idx="0">
+            <a:schemeClr val="accent1"/>
+          </a:fillRef>
+          <a:effectRef idx="0">
+            <a:schemeClr val="accent1"/>
+          </a:effectRef>
+          <a:fontRef idx="minor">
+            <a:schemeClr val="tx1"/>
+          </a:fontRef>
+        </p:style>
+      </p:cxnSp>
+      <p:sp>
+        <p:nvSpPr>
+          <p:cNvPr id="70" name="TextBox 69">
+            <a:extLst>
+              <a:ext uri="{FF2B5EF4-FFF2-40B4-BE49-F238E27FC236}">
+                <a16:creationId xmlns:a16="http://schemas.microsoft.com/office/drawing/2014/main" id="{C63A43EF-AE7F-6B4F-AF20-845857FF32E6}"/>
+              </a:ext>
+            </a:extLst>
+          </p:cNvPr>
+          <p:cNvSpPr txBox="1"/>
+          <p:nvPr/>
+        </p:nvSpPr>
+        <p:spPr>
+          <a:xfrm>
+            <a:off x="2129733" y="2455077"/>
+            <a:ext cx="251642" cy="215444"/>
+          </a:xfrm>
+          <a:prstGeom prst="rect">
+            <a:avLst/>
+          </a:prstGeom>
+          <a:noFill/>
+        </p:spPr>
+        <p:txBody>
+          <a:bodyPr wrap="square" rtlCol="0">
+            <a:spAutoFit/>
+          </a:bodyPr>
+          <a:lstStyle/>
+          <a:p>
+            <a:r>
+              <a:rPr lang="zh-CN" altLang="en-US" sz="400"/>
+              <a:t>存在</a:t>
+            </a:r>
+            <a:endParaRPr lang="en-US" sz="1100"/>
+          </a:p>
+        </p:txBody>
+      </p:sp>
+      <p:cxnSp>
+        <p:nvCxnSpPr>
+          <p:cNvPr id="73" name="Straight Arrow Connector 72">
+            <a:extLst>
+              <a:ext uri="{FF2B5EF4-FFF2-40B4-BE49-F238E27FC236}">
+                <a16:creationId xmlns:a16="http://schemas.microsoft.com/office/drawing/2014/main" id="{9D2955E2-71BD-E043-B5CA-C9B0946F5DE3}"/>
+              </a:ext>
+            </a:extLst>
+          </p:cNvPr>
+          <p:cNvCxnSpPr>
+            <a:cxnSpLocks/>
+            <a:stCxn id="64" idx="3"/>
+            <a:endCxn id="75" idx="1"/>
+          </p:cNvCxnSpPr>
+          <p:nvPr/>
+        </p:nvCxnSpPr>
+        <p:spPr>
+          <a:xfrm>
+            <a:off x="2485106" y="2294414"/>
+            <a:ext cx="302635" cy="2026"/>
+          </a:xfrm>
+          <a:prstGeom prst="straightConnector1">
+            <a:avLst/>
+          </a:prstGeom>
+          <a:ln w="3175">
+            <a:tailEnd type="triangle"/>
+          </a:ln>
+        </p:spPr>
+        <p:style>
+          <a:lnRef idx="1">
+            <a:schemeClr val="accent1"/>
+          </a:lnRef>
+          <a:fillRef idx="0">
+            <a:schemeClr val="accent1"/>
+          </a:fillRef>
+          <a:effectRef idx="0">
+            <a:schemeClr val="accent1"/>
+          </a:effectRef>
+          <a:fontRef idx="minor">
+            <a:schemeClr val="tx1"/>
+          </a:fontRef>
+        </p:style>
+      </p:cxnSp>
+      <p:sp>
+        <p:nvSpPr>
+          <p:cNvPr id="74" name="TextBox 73">
+            <a:extLst>
+              <a:ext uri="{FF2B5EF4-FFF2-40B4-BE49-F238E27FC236}">
+                <a16:creationId xmlns:a16="http://schemas.microsoft.com/office/drawing/2014/main" id="{B41F90F2-5CE5-C345-888B-D6EA745E5F8A}"/>
+              </a:ext>
+            </a:extLst>
+          </p:cNvPr>
+          <p:cNvSpPr txBox="1"/>
+          <p:nvPr/>
+        </p:nvSpPr>
+        <p:spPr>
+          <a:xfrm>
+            <a:off x="2434236" y="2265744"/>
+            <a:ext cx="416079" cy="153888"/>
+          </a:xfrm>
+          <a:prstGeom prst="rect">
+            <a:avLst/>
+          </a:prstGeom>
+          <a:noFill/>
+        </p:spPr>
+        <p:txBody>
+          <a:bodyPr wrap="square" rtlCol="0">
+            <a:spAutoFit/>
+          </a:bodyPr>
+          <a:lstStyle/>
+          <a:p>
+            <a:r>
+              <a:rPr lang="zh-CN" altLang="en-US" sz="400"/>
+              <a:t>不存在</a:t>
+            </a:r>
+            <a:endParaRPr lang="en-US" sz="1100"/>
+          </a:p>
+        </p:txBody>
+      </p:sp>
+      <p:sp>
+        <p:nvSpPr>
+          <p:cNvPr id="75" name="Process 74">
+            <a:extLst>
+              <a:ext uri="{FF2B5EF4-FFF2-40B4-BE49-F238E27FC236}">
+                <a16:creationId xmlns:a16="http://schemas.microsoft.com/office/drawing/2014/main" id="{81617D24-3B6D-EA4B-A518-7CF749BFF3AA}"/>
+              </a:ext>
+            </a:extLst>
+          </p:cNvPr>
+          <p:cNvSpPr/>
+          <p:nvPr/>
+        </p:nvSpPr>
+        <p:spPr>
+          <a:xfrm>
+            <a:off x="2787741" y="2217060"/>
+            <a:ext cx="657760" cy="158760"/>
+          </a:xfrm>
+          <a:prstGeom prst="flowChartProcess">
+            <a:avLst/>
+          </a:prstGeom>
+          <a:solidFill>
+            <a:schemeClr val="bg1"/>
+          </a:solidFill>
+          <a:ln w="3175">
+            <a:solidFill>
+              <a:schemeClr val="tx1"/>
+            </a:solidFill>
+          </a:ln>
+        </p:spPr>
+        <p:style>
+          <a:lnRef idx="2">
+            <a:schemeClr val="accent1">
+              <a:shade val="50000"/>
+            </a:schemeClr>
+          </a:lnRef>
+          <a:fillRef idx="1">
+            <a:schemeClr val="accent1"/>
+          </a:fillRef>
+          <a:effectRef idx="0">
+            <a:schemeClr val="accent1"/>
+          </a:effectRef>
+          <a:fontRef idx="minor">
+            <a:schemeClr val="lt1"/>
+          </a:fontRef>
+        </p:style>
+        <p:txBody>
+          <a:bodyPr rtlCol="0" anchor="ctr"/>
+          <a:lstStyle/>
+          <a:p>
+            <a:pPr algn="ctr"/>
+            <a:r>
+              <a:rPr lang="zh-CN" altLang="en-US" sz="600">
+                <a:solidFill>
+                  <a:schemeClr val="tx1"/>
+                </a:solidFill>
+              </a:rPr>
+              <a:t>创建新</a:t>
+            </a:r>
+            <a:r>
+              <a:rPr lang="en-US" altLang="zh-CN" sz="600">
+                <a:solidFill>
+                  <a:schemeClr val="tx1"/>
+                </a:solidFill>
+              </a:rPr>
+              <a:t>sessionId</a:t>
+            </a:r>
+            <a:endParaRPr lang="en-US" sz="600">
+              <a:solidFill>
+                <a:schemeClr val="tx1"/>
+              </a:solidFill>
+            </a:endParaRPr>
+          </a:p>
+        </p:txBody>
+      </p:sp>
+      <p:cxnSp>
+        <p:nvCxnSpPr>
+          <p:cNvPr id="76" name="Straight Arrow Connector 75">
+            <a:extLst>
+              <a:ext uri="{FF2B5EF4-FFF2-40B4-BE49-F238E27FC236}">
+                <a16:creationId xmlns:a16="http://schemas.microsoft.com/office/drawing/2014/main" id="{456F0709-D820-C247-A4EA-E0A10100A812}"/>
+              </a:ext>
+            </a:extLst>
+          </p:cNvPr>
+          <p:cNvCxnSpPr>
+            <a:cxnSpLocks/>
+            <a:stCxn id="9" idx="2"/>
+            <a:endCxn id="75" idx="0"/>
+          </p:cNvCxnSpPr>
+          <p:nvPr/>
+        </p:nvCxnSpPr>
+        <p:spPr>
+          <a:xfrm>
+            <a:off x="3114253" y="2025299"/>
+            <a:ext cx="2368" cy="191761"/>
+          </a:xfrm>
+          <a:prstGeom prst="straightConnector1">
+            <a:avLst/>
+          </a:prstGeom>
+          <a:ln w="3175">
+            <a:tailEnd type="triangle"/>
+          </a:ln>
+        </p:spPr>
+        <p:style>
+          <a:lnRef idx="1">
+            <a:schemeClr val="accent1"/>
+          </a:lnRef>
+          <a:fillRef idx="0">
+            <a:schemeClr val="accent1"/>
+          </a:fillRef>
+          <a:effectRef idx="0">
+            <a:schemeClr val="accent1"/>
+          </a:effectRef>
+          <a:fontRef idx="minor">
+            <a:schemeClr val="tx1"/>
+          </a:fontRef>
+        </p:style>
+      </p:cxnSp>
+      <p:sp>
+        <p:nvSpPr>
+          <p:cNvPr id="79" name="Process 78">
+            <a:extLst>
+              <a:ext uri="{FF2B5EF4-FFF2-40B4-BE49-F238E27FC236}">
+                <a16:creationId xmlns:a16="http://schemas.microsoft.com/office/drawing/2014/main" id="{A2D6B6E4-E6D4-FF42-A0C3-22755493CBB8}"/>
+              </a:ext>
+            </a:extLst>
+          </p:cNvPr>
+          <p:cNvSpPr/>
+          <p:nvPr/>
+        </p:nvSpPr>
+        <p:spPr>
+          <a:xfrm>
+            <a:off x="2780110" y="2494284"/>
+            <a:ext cx="707807" cy="145459"/>
+          </a:xfrm>
+          <a:prstGeom prst="flowChartProcess">
+            <a:avLst/>
+          </a:prstGeom>
+          <a:solidFill>
+            <a:schemeClr val="bg1"/>
+          </a:solidFill>
+          <a:ln w="3175">
+            <a:solidFill>
+              <a:schemeClr val="tx1"/>
+            </a:solidFill>
+          </a:ln>
+        </p:spPr>
+        <p:style>
+          <a:lnRef idx="2">
+            <a:schemeClr val="accent1">
+              <a:shade val="50000"/>
+            </a:schemeClr>
+          </a:lnRef>
+          <a:fillRef idx="1">
+            <a:schemeClr val="accent1"/>
+          </a:fillRef>
+          <a:effectRef idx="0">
+            <a:schemeClr val="accent1"/>
+          </a:effectRef>
+          <a:fontRef idx="minor">
+            <a:schemeClr val="lt1"/>
+          </a:fontRef>
+        </p:style>
+        <p:txBody>
+          <a:bodyPr rtlCol="0" anchor="ctr"/>
+          <a:lstStyle/>
+          <a:p>
+            <a:pPr algn="ctr"/>
+            <a:r>
+              <a:rPr lang="zh-CN" altLang="en-US" sz="600">
+                <a:solidFill>
+                  <a:schemeClr val="tx1"/>
+                </a:solidFill>
+              </a:rPr>
+              <a:t>写入</a:t>
+            </a:r>
+            <a:r>
+              <a:rPr lang="en-US" altLang="zh-CN" sz="600">
+                <a:solidFill>
+                  <a:schemeClr val="tx1"/>
+                </a:solidFill>
+              </a:rPr>
+              <a:t>sessionMap</a:t>
+            </a:r>
+            <a:endParaRPr lang="en-US" sz="600">
+              <a:solidFill>
+                <a:schemeClr val="tx1"/>
+              </a:solidFill>
+            </a:endParaRPr>
+          </a:p>
+        </p:txBody>
+      </p:sp>
+      <p:cxnSp>
+        <p:nvCxnSpPr>
+          <p:cNvPr id="80" name="Straight Arrow Connector 79">
+            <a:extLst>
+              <a:ext uri="{FF2B5EF4-FFF2-40B4-BE49-F238E27FC236}">
+                <a16:creationId xmlns:a16="http://schemas.microsoft.com/office/drawing/2014/main" id="{295A5528-C78C-EA4D-9962-3E0B874BE703}"/>
+              </a:ext>
+            </a:extLst>
+          </p:cNvPr>
+          <p:cNvCxnSpPr>
+            <a:cxnSpLocks/>
+          </p:cNvCxnSpPr>
+          <p:nvPr/>
+        </p:nvCxnSpPr>
+        <p:spPr>
+          <a:xfrm>
+            <a:off x="3105198" y="2360916"/>
+            <a:ext cx="0" cy="139770"/>
+          </a:xfrm>
+          <a:prstGeom prst="straightConnector1">
+            <a:avLst/>
+          </a:prstGeom>
+          <a:ln w="3175">
+            <a:tailEnd type="triangle"/>
+          </a:ln>
+        </p:spPr>
+        <p:style>
+          <a:lnRef idx="1">
+            <a:schemeClr val="accent1"/>
+          </a:lnRef>
+          <a:fillRef idx="0">
+            <a:schemeClr val="accent1"/>
+          </a:fillRef>
+          <a:effectRef idx="0">
+            <a:schemeClr val="accent1"/>
+          </a:effectRef>
+          <a:fontRef idx="minor">
+            <a:schemeClr val="tx1"/>
+          </a:fontRef>
+        </p:style>
+      </p:cxnSp>
+      <p:sp>
+        <p:nvSpPr>
+          <p:cNvPr id="102" name="Process 101">
+            <a:extLst>
+              <a:ext uri="{FF2B5EF4-FFF2-40B4-BE49-F238E27FC236}">
+                <a16:creationId xmlns:a16="http://schemas.microsoft.com/office/drawing/2014/main" id="{66B66D75-5DAF-C846-B718-BC80F4AF6360}"/>
+              </a:ext>
+            </a:extLst>
+          </p:cNvPr>
+          <p:cNvSpPr/>
+          <p:nvPr/>
+        </p:nvSpPr>
+        <p:spPr>
+          <a:xfrm>
+            <a:off x="1984503" y="2747758"/>
+            <a:ext cx="650875" cy="161418"/>
+          </a:xfrm>
+          <a:prstGeom prst="flowChartProcess">
+            <a:avLst/>
+          </a:prstGeom>
+          <a:solidFill>
+            <a:schemeClr val="accent1"/>
+          </a:solidFill>
+          <a:ln w="3175">
+            <a:solidFill>
+              <a:schemeClr val="accent1"/>
+            </a:solidFill>
+          </a:ln>
+        </p:spPr>
+        <p:style>
+          <a:lnRef idx="2">
+            <a:schemeClr val="accent1">
+              <a:shade val="50000"/>
+            </a:schemeClr>
+          </a:lnRef>
+          <a:fillRef idx="1">
+            <a:schemeClr val="accent1"/>
+          </a:fillRef>
+          <a:effectRef idx="0">
+            <a:schemeClr val="accent1"/>
+          </a:effectRef>
+          <a:fontRef idx="minor">
+            <a:schemeClr val="lt1"/>
+          </a:fontRef>
+        </p:style>
+        <p:txBody>
+          <a:bodyPr rtlCol="0" anchor="ctr"/>
+          <a:lstStyle/>
+          <a:p>
+            <a:pPr algn="ctr"/>
+            <a:r>
+              <a:rPr lang="zh-CN" altLang="en-US" sz="600">
+                <a:solidFill>
+                  <a:schemeClr val="bg1"/>
+                </a:solidFill>
+              </a:rPr>
+              <a:t>进入服务</a:t>
+            </a:r>
+            <a:endParaRPr lang="en-US" sz="600">
+              <a:solidFill>
+                <a:schemeClr val="bg1"/>
+              </a:solidFill>
+            </a:endParaRPr>
+          </a:p>
+        </p:txBody>
+      </p:sp>
+      <p:cxnSp>
+        <p:nvCxnSpPr>
+          <p:cNvPr id="104" name="Elbow Connector 103">
+            <a:extLst>
+              <a:ext uri="{FF2B5EF4-FFF2-40B4-BE49-F238E27FC236}">
+                <a16:creationId xmlns:a16="http://schemas.microsoft.com/office/drawing/2014/main" id="{0EA06050-63BA-564F-9D16-EAD4DADFB5BC}"/>
+              </a:ext>
+            </a:extLst>
+          </p:cNvPr>
+          <p:cNvCxnSpPr>
+            <a:cxnSpLocks/>
+            <a:stCxn id="21" idx="1"/>
+            <a:endCxn id="64" idx="0"/>
+          </p:cNvCxnSpPr>
+          <p:nvPr/>
+        </p:nvCxnSpPr>
+        <p:spPr>
+          <a:xfrm rot="10800000" flipV="1">
+            <a:off x="2286211" y="1878064"/>
+            <a:ext cx="592866" cy="269116"/>
+          </a:xfrm>
+          <a:prstGeom prst="bentConnector2">
+            <a:avLst/>
+          </a:prstGeom>
+          <a:ln>
+            <a:tailEnd type="triangle"/>
+          </a:ln>
+        </p:spPr>
+        <p:style>
+          <a:lnRef idx="1">
+            <a:schemeClr val="accent1"/>
+          </a:lnRef>
+          <a:fillRef idx="0">
+            <a:schemeClr val="accent1"/>
+          </a:fillRef>
+          <a:effectRef idx="0">
+            <a:schemeClr val="accent1"/>
+          </a:effectRef>
+          <a:fontRef idx="minor">
+            <a:schemeClr val="tx1"/>
+          </a:fontRef>
+        </p:style>
+      </p:cxnSp>
+      <p:sp>
+        <p:nvSpPr>
+          <p:cNvPr id="110" name="Process 109">
+            <a:extLst>
+              <a:ext uri="{FF2B5EF4-FFF2-40B4-BE49-F238E27FC236}">
+                <a16:creationId xmlns:a16="http://schemas.microsoft.com/office/drawing/2014/main" id="{5321B8F6-3363-1C43-9FE2-5675ED5B7EA5}"/>
+              </a:ext>
+            </a:extLst>
+          </p:cNvPr>
+          <p:cNvSpPr/>
+          <p:nvPr/>
+        </p:nvSpPr>
+        <p:spPr>
+          <a:xfrm>
+            <a:off x="5969907" y="1352746"/>
+            <a:ext cx="433952" cy="150590"/>
+          </a:xfrm>
+          <a:prstGeom prst="flowChartProcess">
+            <a:avLst/>
+          </a:prstGeom>
+          <a:solidFill>
+            <a:schemeClr val="bg1"/>
+          </a:solidFill>
+          <a:ln w="3175">
+            <a:solidFill>
+              <a:schemeClr val="tx1"/>
+            </a:solidFill>
+          </a:ln>
+        </p:spPr>
+        <p:style>
+          <a:lnRef idx="2">
+            <a:schemeClr val="accent1">
+              <a:shade val="50000"/>
+            </a:schemeClr>
+          </a:lnRef>
+          <a:fillRef idx="1">
+            <a:schemeClr val="accent1"/>
+          </a:fillRef>
+          <a:effectRef idx="0">
+            <a:schemeClr val="accent1"/>
+          </a:effectRef>
+          <a:fontRef idx="minor">
+            <a:schemeClr val="lt1"/>
+          </a:fontRef>
+        </p:style>
+        <p:txBody>
+          <a:bodyPr rtlCol="0" anchor="ctr"/>
+          <a:lstStyle/>
+          <a:p>
+            <a:pPr algn="ctr"/>
+            <a:r>
+              <a:rPr lang="en-US" altLang="zh-CN" sz="800">
+                <a:solidFill>
+                  <a:schemeClr val="tx1"/>
+                </a:solidFill>
+              </a:rPr>
+              <a:t>url</a:t>
+            </a:r>
+            <a:endParaRPr lang="en-US" sz="800">
+              <a:solidFill>
+                <a:schemeClr val="tx1"/>
+              </a:solidFill>
+            </a:endParaRPr>
+          </a:p>
+        </p:txBody>
+      </p:sp>
+      <p:sp>
+        <p:nvSpPr>
+          <p:cNvPr id="111" name="Decision 110">
+            <a:extLst>
+              <a:ext uri="{FF2B5EF4-FFF2-40B4-BE49-F238E27FC236}">
+                <a16:creationId xmlns:a16="http://schemas.microsoft.com/office/drawing/2014/main" id="{C7589ADE-A90A-D241-8544-55EB2D1D72ED}"/>
+              </a:ext>
+            </a:extLst>
+          </p:cNvPr>
+          <p:cNvSpPr/>
+          <p:nvPr/>
+        </p:nvSpPr>
+        <p:spPr>
+          <a:xfrm>
+            <a:off x="5987988" y="1730831"/>
+            <a:ext cx="397790" cy="294468"/>
+          </a:xfrm>
+          <a:prstGeom prst="flowChartDecision">
+            <a:avLst/>
+          </a:prstGeom>
+          <a:solidFill>
+            <a:schemeClr val="bg1"/>
+          </a:solidFill>
+          <a:ln w="3175">
+            <a:solidFill>
+              <a:schemeClr val="tx1"/>
+            </a:solidFill>
+          </a:ln>
+        </p:spPr>
+        <p:style>
+          <a:lnRef idx="2">
+            <a:schemeClr val="accent1">
+              <a:shade val="50000"/>
+            </a:schemeClr>
+          </a:lnRef>
+          <a:fillRef idx="1">
+            <a:schemeClr val="accent1"/>
+          </a:fillRef>
+          <a:effectRef idx="0">
+            <a:schemeClr val="accent1"/>
+          </a:effectRef>
+          <a:fontRef idx="minor">
+            <a:schemeClr val="lt1"/>
+          </a:fontRef>
+        </p:style>
+        <p:txBody>
+          <a:bodyPr rtlCol="0" anchor="ctr"/>
+          <a:lstStyle/>
+          <a:p>
+            <a:pPr algn="ctr"/>
+            <a:endParaRPr lang="en-US" altLang="zh-CN" sz="700">
+              <a:solidFill>
+                <a:schemeClr val="tx1"/>
+              </a:solidFill>
+            </a:endParaRPr>
+          </a:p>
+        </p:txBody>
+      </p:sp>
+      <p:cxnSp>
+        <p:nvCxnSpPr>
+          <p:cNvPr id="112" name="Straight Arrow Connector 111">
+            <a:extLst>
+              <a:ext uri="{FF2B5EF4-FFF2-40B4-BE49-F238E27FC236}">
+                <a16:creationId xmlns:a16="http://schemas.microsoft.com/office/drawing/2014/main" id="{69B87919-C82F-3648-AD4A-D243CC7E0570}"/>
+              </a:ext>
+            </a:extLst>
+          </p:cNvPr>
+          <p:cNvCxnSpPr>
+            <a:cxnSpLocks/>
+            <a:stCxn id="110" idx="2"/>
+            <a:endCxn id="111" idx="0"/>
+          </p:cNvCxnSpPr>
+          <p:nvPr/>
+        </p:nvCxnSpPr>
+        <p:spPr>
+          <a:xfrm>
+            <a:off x="6186883" y="1503336"/>
+            <a:ext cx="0" cy="227495"/>
+          </a:xfrm>
+          <a:prstGeom prst="straightConnector1">
+            <a:avLst/>
+          </a:prstGeom>
+          <a:ln w="3175">
+            <a:tailEnd type="triangle"/>
+          </a:ln>
+        </p:spPr>
+        <p:style>
+          <a:lnRef idx="1">
+            <a:schemeClr val="accent1"/>
+          </a:lnRef>
+          <a:fillRef idx="0">
+            <a:schemeClr val="accent1"/>
+          </a:fillRef>
+          <a:effectRef idx="0">
+            <a:schemeClr val="accent1"/>
+          </a:effectRef>
+          <a:fontRef idx="minor">
+            <a:schemeClr val="tx1"/>
+          </a:fontRef>
+        </p:style>
+      </p:cxnSp>
+      <p:sp>
+        <p:nvSpPr>
+          <p:cNvPr id="113" name="Process 112">
+            <a:extLst>
+              <a:ext uri="{FF2B5EF4-FFF2-40B4-BE49-F238E27FC236}">
+                <a16:creationId xmlns:a16="http://schemas.microsoft.com/office/drawing/2014/main" id="{5A03B4D0-B882-8046-A399-4CE609D583C0}"/>
+              </a:ext>
+            </a:extLst>
+          </p:cNvPr>
+          <p:cNvSpPr/>
+          <p:nvPr/>
+        </p:nvSpPr>
+        <p:spPr>
+          <a:xfrm>
+            <a:off x="6767936" y="2486547"/>
+            <a:ext cx="838986" cy="167335"/>
+          </a:xfrm>
+          <a:prstGeom prst="flowChartProcess">
+            <a:avLst/>
+          </a:prstGeom>
+          <a:solidFill>
+            <a:schemeClr val="accent2"/>
+          </a:solidFill>
+          <a:ln w="3175">
+            <a:solidFill>
+              <a:srgbClr val="FF0000"/>
+            </a:solidFill>
+          </a:ln>
+        </p:spPr>
+        <p:style>
+          <a:lnRef idx="2">
+            <a:schemeClr val="accent1">
+              <a:shade val="50000"/>
+            </a:schemeClr>
+          </a:lnRef>
+          <a:fillRef idx="1">
+            <a:schemeClr val="accent1"/>
+          </a:fillRef>
+          <a:effectRef idx="0">
+            <a:schemeClr val="accent1"/>
+          </a:effectRef>
+          <a:fontRef idx="minor">
+            <a:schemeClr val="lt1"/>
+          </a:fontRef>
+        </p:style>
+        <p:txBody>
+          <a:bodyPr rtlCol="0" anchor="ctr"/>
+          <a:lstStyle/>
+          <a:p>
+            <a:pPr algn="ctr"/>
+            <a:r>
+              <a:rPr lang="en-US" altLang="zh-CN" sz="700">
+                <a:solidFill>
+                  <a:schemeClr val="tx1"/>
+                </a:solidFill>
+              </a:rPr>
+              <a:t>Set-cookie</a:t>
+            </a:r>
+            <a:endParaRPr lang="en-US" sz="700">
+              <a:solidFill>
+                <a:schemeClr val="tx1"/>
+              </a:solidFill>
+            </a:endParaRPr>
+          </a:p>
+        </p:txBody>
+      </p:sp>
+      <p:sp>
+        <p:nvSpPr>
+          <p:cNvPr id="114" name="TextBox 113">
+            <a:extLst>
+              <a:ext uri="{FF2B5EF4-FFF2-40B4-BE49-F238E27FC236}">
+                <a16:creationId xmlns:a16="http://schemas.microsoft.com/office/drawing/2014/main" id="{D5C814CE-ED73-8544-93B2-A314A427546F}"/>
+              </a:ext>
+            </a:extLst>
+          </p:cNvPr>
+          <p:cNvSpPr txBox="1"/>
+          <p:nvPr/>
+        </p:nvSpPr>
+        <p:spPr>
+          <a:xfrm>
+            <a:off x="5961133" y="1785731"/>
+            <a:ext cx="571786" cy="184666"/>
+          </a:xfrm>
+          <a:prstGeom prst="rect">
+            <a:avLst/>
+          </a:prstGeom>
+          <a:noFill/>
+        </p:spPr>
+        <p:txBody>
+          <a:bodyPr wrap="square" rtlCol="0">
+            <a:spAutoFit/>
+          </a:bodyPr>
+          <a:lstStyle/>
+          <a:p>
+            <a:r>
+              <a:rPr lang="en-US" altLang="zh-CN" sz="600"/>
+              <a:t>sessionId</a:t>
+            </a:r>
+            <a:endParaRPr lang="en-US" sz="1400"/>
+          </a:p>
+        </p:txBody>
+      </p:sp>
+      <p:cxnSp>
+        <p:nvCxnSpPr>
+          <p:cNvPr id="115" name="Straight Arrow Connector 114">
+            <a:extLst>
+              <a:ext uri="{FF2B5EF4-FFF2-40B4-BE49-F238E27FC236}">
+                <a16:creationId xmlns:a16="http://schemas.microsoft.com/office/drawing/2014/main" id="{9F7668CD-A77A-0C4F-8BB0-7D8A3BA44F53}"/>
+              </a:ext>
+            </a:extLst>
+          </p:cNvPr>
+          <p:cNvCxnSpPr>
+            <a:cxnSpLocks/>
+            <a:stCxn id="128" idx="3"/>
+            <a:endCxn id="113" idx="1"/>
+          </p:cNvCxnSpPr>
+          <p:nvPr/>
+        </p:nvCxnSpPr>
+        <p:spPr>
+          <a:xfrm>
+            <a:off x="6569973" y="2567014"/>
+            <a:ext cx="197963" cy="3201"/>
+          </a:xfrm>
+          <a:prstGeom prst="straightConnector1">
+            <a:avLst/>
+          </a:prstGeom>
+          <a:ln w="3175">
+            <a:tailEnd type="triangle"/>
+          </a:ln>
+        </p:spPr>
+        <p:style>
+          <a:lnRef idx="1">
+            <a:schemeClr val="accent1"/>
+          </a:lnRef>
+          <a:fillRef idx="0">
+            <a:schemeClr val="accent1"/>
+          </a:fillRef>
+          <a:effectRef idx="0">
+            <a:schemeClr val="accent1"/>
+          </a:effectRef>
+          <a:fontRef idx="minor">
+            <a:schemeClr val="tx1"/>
+          </a:fontRef>
+        </p:style>
+      </p:cxnSp>
+      <p:sp>
+        <p:nvSpPr>
+          <p:cNvPr id="116" name="TextBox 115">
+            <a:extLst>
+              <a:ext uri="{FF2B5EF4-FFF2-40B4-BE49-F238E27FC236}">
+                <a16:creationId xmlns:a16="http://schemas.microsoft.com/office/drawing/2014/main" id="{3E44C065-A99B-DE46-A353-D9D77964AE02}"/>
+              </a:ext>
+            </a:extLst>
+          </p:cNvPr>
+          <p:cNvSpPr txBox="1"/>
+          <p:nvPr/>
+        </p:nvSpPr>
+        <p:spPr>
+          <a:xfrm>
+            <a:off x="5573286" y="1833646"/>
+            <a:ext cx="282076" cy="184666"/>
+          </a:xfrm>
+          <a:prstGeom prst="rect">
+            <a:avLst/>
+          </a:prstGeom>
+          <a:noFill/>
+        </p:spPr>
+        <p:txBody>
+          <a:bodyPr wrap="square" rtlCol="0">
+            <a:spAutoFit/>
+          </a:bodyPr>
+          <a:lstStyle/>
+          <a:p>
+            <a:r>
+              <a:rPr lang="en-US" altLang="zh-CN" sz="600"/>
+              <a:t>Y</a:t>
+            </a:r>
+            <a:endParaRPr lang="en-US" sz="1400"/>
+          </a:p>
+        </p:txBody>
+      </p:sp>
+      <p:sp>
+        <p:nvSpPr>
+          <p:cNvPr id="117" name="TextBox 116">
+            <a:extLst>
+              <a:ext uri="{FF2B5EF4-FFF2-40B4-BE49-F238E27FC236}">
+                <a16:creationId xmlns:a16="http://schemas.microsoft.com/office/drawing/2014/main" id="{447FA5BD-6EEE-FB48-9037-F1251DDBF787}"/>
+              </a:ext>
+            </a:extLst>
+          </p:cNvPr>
+          <p:cNvSpPr txBox="1"/>
+          <p:nvPr/>
+        </p:nvSpPr>
+        <p:spPr>
+          <a:xfrm>
+            <a:off x="6173115" y="1999509"/>
+            <a:ext cx="182146" cy="184666"/>
+          </a:xfrm>
+          <a:prstGeom prst="rect">
+            <a:avLst/>
+          </a:prstGeom>
+          <a:noFill/>
+        </p:spPr>
+        <p:txBody>
+          <a:bodyPr wrap="square" rtlCol="0">
+            <a:spAutoFit/>
+          </a:bodyPr>
+          <a:lstStyle/>
+          <a:p>
+            <a:r>
+              <a:rPr lang="en-US" altLang="zh-CN" sz="600"/>
+              <a:t>N</a:t>
+            </a:r>
+            <a:endParaRPr lang="en-US" sz="1400"/>
+          </a:p>
+        </p:txBody>
+      </p:sp>
+      <p:cxnSp>
+        <p:nvCxnSpPr>
+          <p:cNvPr id="118" name="Elbow Connector 117">
+            <a:extLst>
+              <a:ext uri="{FF2B5EF4-FFF2-40B4-BE49-F238E27FC236}">
+                <a16:creationId xmlns:a16="http://schemas.microsoft.com/office/drawing/2014/main" id="{92E6CA75-A088-2D42-ABC5-304C98DFA147}"/>
+              </a:ext>
+            </a:extLst>
+          </p:cNvPr>
+          <p:cNvCxnSpPr>
+            <a:cxnSpLocks/>
+          </p:cNvCxnSpPr>
+          <p:nvPr/>
+        </p:nvCxnSpPr>
+        <p:spPr>
+          <a:xfrm rot="16200000" flipV="1">
+            <a:off x="6281923" y="1559749"/>
+            <a:ext cx="1058506" cy="788690"/>
+          </a:xfrm>
+          <a:prstGeom prst="bentConnector3">
+            <a:avLst>
+              <a:gd name="adj1" fmla="val 99427"/>
+            </a:avLst>
+          </a:prstGeom>
+          <a:ln>
+            <a:tailEnd type="triangle"/>
+          </a:ln>
+        </p:spPr>
+        <p:style>
+          <a:lnRef idx="1">
+            <a:schemeClr val="accent1"/>
+          </a:lnRef>
+          <a:fillRef idx="0">
+            <a:schemeClr val="accent1"/>
+          </a:fillRef>
+          <a:effectRef idx="0">
+            <a:schemeClr val="accent1"/>
+          </a:effectRef>
+          <a:fontRef idx="minor">
+            <a:schemeClr val="tx1"/>
+          </a:fontRef>
+        </p:style>
+      </p:cxnSp>
+      <p:sp>
+        <p:nvSpPr>
+          <p:cNvPr id="119" name="TextBox 118">
+            <a:extLst>
+              <a:ext uri="{FF2B5EF4-FFF2-40B4-BE49-F238E27FC236}">
+                <a16:creationId xmlns:a16="http://schemas.microsoft.com/office/drawing/2014/main" id="{3BCF2B73-2001-9D46-B5D3-7C9F7FBA3791}"/>
+              </a:ext>
+            </a:extLst>
+          </p:cNvPr>
+          <p:cNvSpPr txBox="1"/>
+          <p:nvPr/>
+        </p:nvSpPr>
+        <p:spPr>
+          <a:xfrm>
+            <a:off x="6653671" y="1387156"/>
+            <a:ext cx="354076" cy="184666"/>
+          </a:xfrm>
+          <a:prstGeom prst="rect">
+            <a:avLst/>
+          </a:prstGeom>
+          <a:noFill/>
+        </p:spPr>
+        <p:txBody>
+          <a:bodyPr wrap="square" rtlCol="0">
+            <a:spAutoFit/>
+          </a:bodyPr>
+          <a:lstStyle/>
+          <a:p>
+            <a:r>
+              <a:rPr lang="zh-CN" altLang="en-US" sz="600"/>
+              <a:t>跳转</a:t>
+            </a:r>
+            <a:endParaRPr lang="en-US" sz="1400"/>
+          </a:p>
+        </p:txBody>
+      </p:sp>
+      <p:sp>
+        <p:nvSpPr>
+          <p:cNvPr id="120" name="Decision 119">
+            <a:extLst>
+              <a:ext uri="{FF2B5EF4-FFF2-40B4-BE49-F238E27FC236}">
+                <a16:creationId xmlns:a16="http://schemas.microsoft.com/office/drawing/2014/main" id="{36EDE928-31AE-6641-B2F9-D9C8A681C552}"/>
+              </a:ext>
+            </a:extLst>
+          </p:cNvPr>
+          <p:cNvSpPr/>
+          <p:nvPr/>
+        </p:nvSpPr>
+        <p:spPr>
+          <a:xfrm>
+            <a:off x="5169372" y="2147180"/>
+            <a:ext cx="397790" cy="294468"/>
+          </a:xfrm>
+          <a:prstGeom prst="flowChartDecision">
+            <a:avLst/>
+          </a:prstGeom>
+          <a:solidFill>
+            <a:schemeClr val="bg1"/>
+          </a:solidFill>
+          <a:ln w="3175">
+            <a:solidFill>
+              <a:schemeClr val="tx1"/>
+            </a:solidFill>
+          </a:ln>
+        </p:spPr>
+        <p:style>
+          <a:lnRef idx="2">
+            <a:schemeClr val="accent1">
+              <a:shade val="50000"/>
+            </a:schemeClr>
+          </a:lnRef>
+          <a:fillRef idx="1">
+            <a:schemeClr val="accent1"/>
+          </a:fillRef>
+          <a:effectRef idx="0">
+            <a:schemeClr val="accent1"/>
+          </a:effectRef>
+          <a:fontRef idx="minor">
+            <a:schemeClr val="lt1"/>
+          </a:fontRef>
+        </p:style>
+        <p:txBody>
+          <a:bodyPr rtlCol="0" anchor="ctr"/>
+          <a:lstStyle/>
+          <a:p>
+            <a:pPr algn="ctr"/>
+            <a:endParaRPr lang="en-US" altLang="zh-CN" sz="700">
+              <a:solidFill>
+                <a:schemeClr val="tx1"/>
+              </a:solidFill>
+            </a:endParaRPr>
+          </a:p>
+        </p:txBody>
+      </p:sp>
+      <p:sp>
+        <p:nvSpPr>
+          <p:cNvPr id="121" name="Rectangle 120">
+            <a:extLst>
+              <a:ext uri="{FF2B5EF4-FFF2-40B4-BE49-F238E27FC236}">
+                <a16:creationId xmlns:a16="http://schemas.microsoft.com/office/drawing/2014/main" id="{18886629-67FC-ED4D-A9F3-1EE3DDFAD51E}"/>
+              </a:ext>
+            </a:extLst>
+          </p:cNvPr>
+          <p:cNvSpPr/>
+          <p:nvPr/>
+        </p:nvSpPr>
+        <p:spPr>
+          <a:xfrm>
+            <a:off x="5103483" y="2202081"/>
+            <a:ext cx="554960" cy="184666"/>
+          </a:xfrm>
+          <a:prstGeom prst="rect">
+            <a:avLst/>
+          </a:prstGeom>
+        </p:spPr>
+        <p:txBody>
+          <a:bodyPr wrap="none">
+            <a:spAutoFit/>
+          </a:bodyPr>
+          <a:lstStyle/>
+          <a:p>
+            <a:pPr algn="ctr"/>
+            <a:r>
+              <a:rPr lang="en-US" altLang="zh-CN" sz="600"/>
+              <a:t>sessionMap</a:t>
+            </a:r>
+            <a:endParaRPr lang="en-US" sz="600"/>
+          </a:p>
+        </p:txBody>
+      </p:sp>
+      <p:cxnSp>
+        <p:nvCxnSpPr>
+          <p:cNvPr id="122" name="Straight Arrow Connector 121">
+            <a:extLst>
+              <a:ext uri="{FF2B5EF4-FFF2-40B4-BE49-F238E27FC236}">
+                <a16:creationId xmlns:a16="http://schemas.microsoft.com/office/drawing/2014/main" id="{026291DC-8244-6B40-82C6-0F22AE2AEA70}"/>
+              </a:ext>
+            </a:extLst>
+          </p:cNvPr>
+          <p:cNvCxnSpPr>
+            <a:cxnSpLocks/>
+          </p:cNvCxnSpPr>
+          <p:nvPr/>
+        </p:nvCxnSpPr>
+        <p:spPr>
+          <a:xfrm flipH="1">
+            <a:off x="5358841" y="2445631"/>
+            <a:ext cx="5121" cy="288380"/>
+          </a:xfrm>
+          <a:prstGeom prst="straightConnector1">
+            <a:avLst/>
+          </a:prstGeom>
+          <a:ln w="3175">
+            <a:tailEnd type="triangle"/>
+          </a:ln>
+        </p:spPr>
+        <p:style>
+          <a:lnRef idx="1">
+            <a:schemeClr val="accent1"/>
+          </a:lnRef>
+          <a:fillRef idx="0">
+            <a:schemeClr val="accent1"/>
+          </a:fillRef>
+          <a:effectRef idx="0">
+            <a:schemeClr val="accent1"/>
+          </a:effectRef>
+          <a:fontRef idx="minor">
+            <a:schemeClr val="tx1"/>
+          </a:fontRef>
+        </p:style>
+      </p:cxnSp>
+      <p:sp>
+        <p:nvSpPr>
+          <p:cNvPr id="123" name="TextBox 122">
+            <a:extLst>
+              <a:ext uri="{FF2B5EF4-FFF2-40B4-BE49-F238E27FC236}">
+                <a16:creationId xmlns:a16="http://schemas.microsoft.com/office/drawing/2014/main" id="{E4B947C8-EE3C-3D4F-BF8A-1B37C41C47A2}"/>
+              </a:ext>
+            </a:extLst>
+          </p:cNvPr>
+          <p:cNvSpPr txBox="1"/>
+          <p:nvPr/>
+        </p:nvSpPr>
+        <p:spPr>
+          <a:xfrm>
+            <a:off x="5211789" y="2455077"/>
+            <a:ext cx="251642" cy="215444"/>
+          </a:xfrm>
+          <a:prstGeom prst="rect">
+            <a:avLst/>
+          </a:prstGeom>
+          <a:noFill/>
+        </p:spPr>
+        <p:txBody>
+          <a:bodyPr wrap="square" rtlCol="0">
+            <a:spAutoFit/>
+          </a:bodyPr>
+          <a:lstStyle/>
+          <a:p>
+            <a:r>
+              <a:rPr lang="zh-CN" altLang="en-US" sz="400"/>
+              <a:t>存在</a:t>
+            </a:r>
+            <a:endParaRPr lang="en-US" sz="1100"/>
+          </a:p>
+        </p:txBody>
+      </p:sp>
+      <p:cxnSp>
+        <p:nvCxnSpPr>
+          <p:cNvPr id="124" name="Straight Arrow Connector 123">
+            <a:extLst>
+              <a:ext uri="{FF2B5EF4-FFF2-40B4-BE49-F238E27FC236}">
+                <a16:creationId xmlns:a16="http://schemas.microsoft.com/office/drawing/2014/main" id="{4045EC07-F6CC-9049-ADF9-B0D0BF442840}"/>
+              </a:ext>
+            </a:extLst>
+          </p:cNvPr>
+          <p:cNvCxnSpPr>
+            <a:cxnSpLocks/>
+            <a:stCxn id="120" idx="3"/>
+            <a:endCxn id="126" idx="1"/>
+          </p:cNvCxnSpPr>
+          <p:nvPr/>
+        </p:nvCxnSpPr>
+        <p:spPr>
+          <a:xfrm>
+            <a:off x="5567162" y="2294414"/>
+            <a:ext cx="295004" cy="2026"/>
+          </a:xfrm>
+          <a:prstGeom prst="straightConnector1">
+            <a:avLst/>
+          </a:prstGeom>
+          <a:ln w="3175">
+            <a:tailEnd type="triangle"/>
+          </a:ln>
+        </p:spPr>
+        <p:style>
+          <a:lnRef idx="1">
+            <a:schemeClr val="accent1"/>
+          </a:lnRef>
+          <a:fillRef idx="0">
+            <a:schemeClr val="accent1"/>
+          </a:fillRef>
+          <a:effectRef idx="0">
+            <a:schemeClr val="accent1"/>
+          </a:effectRef>
+          <a:fontRef idx="minor">
+            <a:schemeClr val="tx1"/>
+          </a:fontRef>
+        </p:style>
+      </p:cxnSp>
+      <p:sp>
+        <p:nvSpPr>
+          <p:cNvPr id="125" name="TextBox 124">
+            <a:extLst>
+              <a:ext uri="{FF2B5EF4-FFF2-40B4-BE49-F238E27FC236}">
+                <a16:creationId xmlns:a16="http://schemas.microsoft.com/office/drawing/2014/main" id="{B6C1796F-5252-AC41-8DD2-78DDBAB7091D}"/>
+              </a:ext>
+            </a:extLst>
+          </p:cNvPr>
+          <p:cNvSpPr txBox="1"/>
+          <p:nvPr/>
+        </p:nvSpPr>
+        <p:spPr>
+          <a:xfrm>
+            <a:off x="5516292" y="2265744"/>
+            <a:ext cx="416079" cy="153888"/>
+          </a:xfrm>
+          <a:prstGeom prst="rect">
+            <a:avLst/>
+          </a:prstGeom>
+          <a:noFill/>
+        </p:spPr>
+        <p:txBody>
+          <a:bodyPr wrap="square" rtlCol="0">
+            <a:spAutoFit/>
+          </a:bodyPr>
+          <a:lstStyle/>
+          <a:p>
+            <a:r>
+              <a:rPr lang="zh-CN" altLang="en-US" sz="400"/>
+              <a:t>不存在</a:t>
+            </a:r>
+            <a:endParaRPr lang="en-US" sz="1100"/>
+          </a:p>
+        </p:txBody>
+      </p:sp>
+      <p:sp>
+        <p:nvSpPr>
+          <p:cNvPr id="126" name="Process 125">
+            <a:extLst>
+              <a:ext uri="{FF2B5EF4-FFF2-40B4-BE49-F238E27FC236}">
+                <a16:creationId xmlns:a16="http://schemas.microsoft.com/office/drawing/2014/main" id="{EA13F0AB-1C35-4C4D-86A6-C187BAC788EB}"/>
+              </a:ext>
+            </a:extLst>
+          </p:cNvPr>
+          <p:cNvSpPr/>
+          <p:nvPr/>
+        </p:nvSpPr>
+        <p:spPr>
+          <a:xfrm>
+            <a:off x="5862166" y="2217060"/>
+            <a:ext cx="660678" cy="158760"/>
+          </a:xfrm>
+          <a:prstGeom prst="flowChartProcess">
+            <a:avLst/>
+          </a:prstGeom>
+          <a:solidFill>
+            <a:schemeClr val="bg1"/>
+          </a:solidFill>
+          <a:ln w="3175">
+            <a:solidFill>
+              <a:schemeClr val="tx1"/>
+            </a:solidFill>
+          </a:ln>
+        </p:spPr>
+        <p:style>
+          <a:lnRef idx="2">
+            <a:schemeClr val="accent1">
+              <a:shade val="50000"/>
+            </a:schemeClr>
+          </a:lnRef>
+          <a:fillRef idx="1">
+            <a:schemeClr val="accent1"/>
+          </a:fillRef>
+          <a:effectRef idx="0">
+            <a:schemeClr val="accent1"/>
+          </a:effectRef>
+          <a:fontRef idx="minor">
+            <a:schemeClr val="lt1"/>
+          </a:fontRef>
+        </p:style>
+        <p:txBody>
+          <a:bodyPr rtlCol="0" anchor="ctr"/>
+          <a:lstStyle/>
+          <a:p>
+            <a:pPr algn="ctr"/>
+            <a:r>
+              <a:rPr lang="zh-CN" altLang="en-US" sz="600">
+                <a:solidFill>
+                  <a:schemeClr val="tx1"/>
+                </a:solidFill>
+              </a:rPr>
+              <a:t>创建新</a:t>
+            </a:r>
+            <a:r>
+              <a:rPr lang="en-US" altLang="zh-CN" sz="600">
+                <a:solidFill>
+                  <a:schemeClr val="tx1"/>
+                </a:solidFill>
+              </a:rPr>
+              <a:t>sessionId</a:t>
+            </a:r>
+            <a:endParaRPr lang="en-US" sz="600">
+              <a:solidFill>
+                <a:schemeClr val="tx1"/>
+              </a:solidFill>
+            </a:endParaRPr>
+          </a:p>
+        </p:txBody>
+      </p:sp>
+      <p:cxnSp>
+        <p:nvCxnSpPr>
+          <p:cNvPr id="127" name="Straight Arrow Connector 126">
+            <a:extLst>
+              <a:ext uri="{FF2B5EF4-FFF2-40B4-BE49-F238E27FC236}">
+                <a16:creationId xmlns:a16="http://schemas.microsoft.com/office/drawing/2014/main" id="{2CD06BD2-AAEB-2B4A-A0DF-2085A3760701}"/>
+              </a:ext>
+            </a:extLst>
+          </p:cNvPr>
+          <p:cNvCxnSpPr>
+            <a:cxnSpLocks/>
+            <a:stCxn id="111" idx="2"/>
+            <a:endCxn id="126" idx="0"/>
+          </p:cNvCxnSpPr>
+          <p:nvPr/>
+        </p:nvCxnSpPr>
+        <p:spPr>
+          <a:xfrm>
+            <a:off x="6186883" y="2025299"/>
+            <a:ext cx="5622" cy="191761"/>
+          </a:xfrm>
+          <a:prstGeom prst="straightConnector1">
+            <a:avLst/>
+          </a:prstGeom>
+          <a:ln w="3175">
+            <a:tailEnd type="triangle"/>
+          </a:ln>
+        </p:spPr>
+        <p:style>
+          <a:lnRef idx="1">
+            <a:schemeClr val="accent1"/>
+          </a:lnRef>
+          <a:fillRef idx="0">
+            <a:schemeClr val="accent1"/>
+          </a:fillRef>
+          <a:effectRef idx="0">
+            <a:schemeClr val="accent1"/>
+          </a:effectRef>
+          <a:fontRef idx="minor">
+            <a:schemeClr val="tx1"/>
+          </a:fontRef>
+        </p:style>
+      </p:cxnSp>
+      <p:sp>
+        <p:nvSpPr>
+          <p:cNvPr id="128" name="Process 127">
+            <a:extLst>
+              <a:ext uri="{FF2B5EF4-FFF2-40B4-BE49-F238E27FC236}">
+                <a16:creationId xmlns:a16="http://schemas.microsoft.com/office/drawing/2014/main" id="{EFBF01E6-5EEB-8940-90EC-84B2A9F1E7AF}"/>
+              </a:ext>
+            </a:extLst>
+          </p:cNvPr>
+          <p:cNvSpPr/>
+          <p:nvPr/>
+        </p:nvSpPr>
+        <p:spPr>
+          <a:xfrm>
+            <a:off x="5862166" y="2494284"/>
+            <a:ext cx="707807" cy="145459"/>
+          </a:xfrm>
+          <a:prstGeom prst="flowChartProcess">
+            <a:avLst/>
+          </a:prstGeom>
+          <a:solidFill>
+            <a:schemeClr val="bg1"/>
+          </a:solidFill>
+          <a:ln w="3175">
+            <a:solidFill>
+              <a:schemeClr val="tx1"/>
+            </a:solidFill>
+          </a:ln>
+        </p:spPr>
+        <p:style>
+          <a:lnRef idx="2">
+            <a:schemeClr val="accent1">
+              <a:shade val="50000"/>
+            </a:schemeClr>
+          </a:lnRef>
+          <a:fillRef idx="1">
+            <a:schemeClr val="accent1"/>
+          </a:fillRef>
+          <a:effectRef idx="0">
+            <a:schemeClr val="accent1"/>
+          </a:effectRef>
+          <a:fontRef idx="minor">
+            <a:schemeClr val="lt1"/>
+          </a:fontRef>
+        </p:style>
+        <p:txBody>
+          <a:bodyPr rtlCol="0" anchor="ctr"/>
+          <a:lstStyle/>
+          <a:p>
+            <a:pPr algn="ctr"/>
+            <a:r>
+              <a:rPr lang="zh-CN" altLang="en-US" sz="600">
+                <a:solidFill>
+                  <a:schemeClr val="tx1"/>
+                </a:solidFill>
+              </a:rPr>
+              <a:t>写入</a:t>
+            </a:r>
+            <a:r>
+              <a:rPr lang="en-US" altLang="zh-CN" sz="600">
+                <a:solidFill>
+                  <a:schemeClr val="tx1"/>
+                </a:solidFill>
+              </a:rPr>
+              <a:t>sessionMap</a:t>
+            </a:r>
+            <a:endParaRPr lang="en-US" sz="600">
+              <a:solidFill>
+                <a:schemeClr val="tx1"/>
+              </a:solidFill>
+            </a:endParaRPr>
+          </a:p>
+        </p:txBody>
+      </p:sp>
+      <p:cxnSp>
+        <p:nvCxnSpPr>
+          <p:cNvPr id="129" name="Straight Arrow Connector 128">
+            <a:extLst>
+              <a:ext uri="{FF2B5EF4-FFF2-40B4-BE49-F238E27FC236}">
+                <a16:creationId xmlns:a16="http://schemas.microsoft.com/office/drawing/2014/main" id="{2F1F5662-649A-0A4A-887F-CE885CDEBCA4}"/>
+              </a:ext>
+            </a:extLst>
+          </p:cNvPr>
+          <p:cNvCxnSpPr>
+            <a:cxnSpLocks/>
+          </p:cNvCxnSpPr>
+          <p:nvPr/>
+        </p:nvCxnSpPr>
+        <p:spPr>
+          <a:xfrm>
+            <a:off x="6173115" y="2360916"/>
+            <a:ext cx="0" cy="139770"/>
+          </a:xfrm>
+          <a:prstGeom prst="straightConnector1">
+            <a:avLst/>
+          </a:prstGeom>
+          <a:ln w="3175">
+            <a:tailEnd type="triangle"/>
+          </a:ln>
+        </p:spPr>
+        <p:style>
+          <a:lnRef idx="1">
+            <a:schemeClr val="accent1"/>
+          </a:lnRef>
+          <a:fillRef idx="0">
+            <a:schemeClr val="accent1"/>
+          </a:fillRef>
+          <a:effectRef idx="0">
+            <a:schemeClr val="accent1"/>
+          </a:effectRef>
+          <a:fontRef idx="minor">
+            <a:schemeClr val="tx1"/>
+          </a:fontRef>
+        </p:style>
+      </p:cxnSp>
+      <p:sp>
+        <p:nvSpPr>
+          <p:cNvPr id="130" name="Process 129">
+            <a:extLst>
+              <a:ext uri="{FF2B5EF4-FFF2-40B4-BE49-F238E27FC236}">
+                <a16:creationId xmlns:a16="http://schemas.microsoft.com/office/drawing/2014/main" id="{6FAC6D30-C145-7E49-83B2-35F4E78F9609}"/>
+              </a:ext>
+            </a:extLst>
+          </p:cNvPr>
+          <p:cNvSpPr/>
+          <p:nvPr/>
+        </p:nvSpPr>
+        <p:spPr>
+          <a:xfrm>
+            <a:off x="5066559" y="2747758"/>
+            <a:ext cx="650875" cy="161418"/>
+          </a:xfrm>
+          <a:prstGeom prst="flowChartProcess">
+            <a:avLst/>
+          </a:prstGeom>
+          <a:solidFill>
+            <a:schemeClr val="accent1"/>
+          </a:solidFill>
+          <a:ln w="3175">
+            <a:solidFill>
+              <a:schemeClr val="accent1"/>
+            </a:solidFill>
+          </a:ln>
+        </p:spPr>
+        <p:style>
+          <a:lnRef idx="2">
+            <a:schemeClr val="accent1">
+              <a:shade val="50000"/>
+            </a:schemeClr>
+          </a:lnRef>
+          <a:fillRef idx="1">
+            <a:schemeClr val="accent1"/>
+          </a:fillRef>
+          <a:effectRef idx="0">
+            <a:schemeClr val="accent1"/>
+          </a:effectRef>
+          <a:fontRef idx="minor">
+            <a:schemeClr val="lt1"/>
+          </a:fontRef>
+        </p:style>
+        <p:txBody>
+          <a:bodyPr rtlCol="0" anchor="ctr"/>
+          <a:lstStyle/>
+          <a:p>
+            <a:pPr algn="ctr"/>
+            <a:r>
+              <a:rPr lang="zh-CN" altLang="en-US" sz="600">
+                <a:solidFill>
+                  <a:schemeClr val="bg1"/>
+                </a:solidFill>
+              </a:rPr>
+              <a:t>进入服务</a:t>
+            </a:r>
+            <a:endParaRPr lang="en-US" sz="600">
+              <a:solidFill>
+                <a:schemeClr val="bg1"/>
+              </a:solidFill>
+            </a:endParaRPr>
+          </a:p>
+        </p:txBody>
+      </p:sp>
+      <p:cxnSp>
+        <p:nvCxnSpPr>
+          <p:cNvPr id="131" name="Elbow Connector 130">
+            <a:extLst>
+              <a:ext uri="{FF2B5EF4-FFF2-40B4-BE49-F238E27FC236}">
+                <a16:creationId xmlns:a16="http://schemas.microsoft.com/office/drawing/2014/main" id="{E2ABFF29-BA23-3B44-938B-89107A1B9B2F}"/>
+              </a:ext>
+            </a:extLst>
+          </p:cNvPr>
+          <p:cNvCxnSpPr>
+            <a:cxnSpLocks/>
+            <a:stCxn id="114" idx="1"/>
+            <a:endCxn id="120" idx="0"/>
+          </p:cNvCxnSpPr>
+          <p:nvPr/>
+        </p:nvCxnSpPr>
+        <p:spPr>
+          <a:xfrm rot="10800000" flipV="1">
+            <a:off x="5368267" y="1878064"/>
+            <a:ext cx="592866" cy="269116"/>
+          </a:xfrm>
+          <a:prstGeom prst="bentConnector2">
+            <a:avLst/>
+          </a:prstGeom>
+          <a:ln>
+            <a:tailEnd type="triangle"/>
+          </a:ln>
+        </p:spPr>
+        <p:style>
+          <a:lnRef idx="1">
+            <a:schemeClr val="accent1"/>
+          </a:lnRef>
+          <a:fillRef idx="0">
+            <a:schemeClr val="accent1"/>
+          </a:fillRef>
+          <a:effectRef idx="0">
+            <a:schemeClr val="accent1"/>
+          </a:effectRef>
+          <a:fontRef idx="minor">
+            <a:schemeClr val="tx1"/>
+          </a:fontRef>
+        </p:style>
+      </p:cxnSp>
+      <p:sp>
+        <p:nvSpPr>
+          <p:cNvPr id="141" name="TextBox 140">
+            <a:extLst>
+              <a:ext uri="{FF2B5EF4-FFF2-40B4-BE49-F238E27FC236}">
+                <a16:creationId xmlns:a16="http://schemas.microsoft.com/office/drawing/2014/main" id="{D8A8F278-8AA5-7C4D-93D0-687DFEAEFE5F}"/>
+              </a:ext>
+            </a:extLst>
+          </p:cNvPr>
+          <p:cNvSpPr txBox="1"/>
+          <p:nvPr/>
+        </p:nvSpPr>
+        <p:spPr>
+          <a:xfrm>
+            <a:off x="2855542" y="2661619"/>
+            <a:ext cx="915212" cy="307777"/>
+          </a:xfrm>
+          <a:prstGeom prst="rect">
+            <a:avLst/>
+          </a:prstGeom>
+          <a:noFill/>
+        </p:spPr>
+        <p:txBody>
+          <a:bodyPr wrap="square" rtlCol="0">
+            <a:spAutoFit/>
+          </a:bodyPr>
+          <a:lstStyle/>
+          <a:p>
+            <a:r>
+              <a:rPr lang="en-US" altLang="zh-CN" sz="1400"/>
+              <a:t>URL</a:t>
+            </a:r>
+            <a:endParaRPr lang="en-US"/>
+          </a:p>
+        </p:txBody>
+      </p:sp>
+      <p:sp>
+        <p:nvSpPr>
+          <p:cNvPr id="142" name="TextBox 141">
+            <a:extLst>
+              <a:ext uri="{FF2B5EF4-FFF2-40B4-BE49-F238E27FC236}">
+                <a16:creationId xmlns:a16="http://schemas.microsoft.com/office/drawing/2014/main" id="{DE807FDC-31E9-D54C-96C4-FAFB96830081}"/>
+              </a:ext>
+            </a:extLst>
+          </p:cNvPr>
+          <p:cNvSpPr txBox="1"/>
+          <p:nvPr/>
+        </p:nvSpPr>
+        <p:spPr>
+          <a:xfrm>
+            <a:off x="5829371" y="2657082"/>
+            <a:ext cx="1022049" cy="307777"/>
+          </a:xfrm>
+          <a:prstGeom prst="rect">
+            <a:avLst/>
+          </a:prstGeom>
+          <a:noFill/>
+        </p:spPr>
+        <p:txBody>
+          <a:bodyPr wrap="square" rtlCol="0">
+            <a:spAutoFit/>
+          </a:bodyPr>
+          <a:lstStyle/>
+          <a:p>
+            <a:r>
+              <a:rPr lang="en-US" altLang="zh-CN" sz="1400"/>
+              <a:t>cookie</a:t>
+            </a:r>
+            <a:endParaRPr lang="en-US" sz="1400"/>
+          </a:p>
+        </p:txBody>
+      </p:sp>
+    </p:spTree>
+    <p:extLst>
+      <p:ext uri="{BB962C8B-B14F-4D97-AF65-F5344CB8AC3E}">
+        <p14:creationId xmlns:p14="http://schemas.microsoft.com/office/powerpoint/2010/main" val="1027820788"/>
+      </p:ext>
+    </p:extLst>
+  </p:cSld>
+  <p:clrMapOvr>
+    <a:masterClrMapping/>
+  </p:clrMapOvr>
+</p:sld>
+</file>
+
+<file path=ppt/slides/slide8.xml><?xml version="1.0" encoding="utf-8"?>
+<p:sld xmlns:a="http://schemas.openxmlformats.org/drawingml/2006/main" xmlns:r="http://schemas.openxmlformats.org/officeDocument/2006/relationships" xmlns:p="http://schemas.openxmlformats.org/presentationml/2006/main">
+  <p:cSld>
+    <p:spTree>
+      <p:nvGrpSpPr>
+        <p:cNvPr id="1" name=""/>
+        <p:cNvGrpSpPr/>
+        <p:nvPr/>
+      </p:nvGrpSpPr>
+      <p:grpSpPr>
+        <a:xfrm>
+          <a:off x="0" y="0"/>
+          <a:ext cx="0" cy="0"/>
+          <a:chOff x="0" y="0"/>
+          <a:chExt cx="0" cy="0"/>
+        </a:xfrm>
+      </p:grpSpPr>
+      <p:sp>
+        <p:nvSpPr>
+          <p:cNvPr id="54" name="Rounded Rectangle 53">
+            <a:extLst>
+              <a:ext uri="{FF2B5EF4-FFF2-40B4-BE49-F238E27FC236}">
+                <a16:creationId xmlns:a16="http://schemas.microsoft.com/office/drawing/2014/main" id="{D712C6F5-AE9C-0349-A229-2FEBB97424BA}"/>
+              </a:ext>
+            </a:extLst>
+          </p:cNvPr>
+          <p:cNvSpPr/>
+          <p:nvPr/>
+        </p:nvSpPr>
+        <p:spPr>
+          <a:xfrm>
+            <a:off x="1782763" y="2604997"/>
+            <a:ext cx="7643812" cy="2750829"/>
+          </a:xfrm>
+          <a:prstGeom prst="roundRect">
+            <a:avLst/>
+          </a:prstGeom>
+          <a:solidFill>
+            <a:schemeClr val="bg1"/>
+          </a:solidFill>
+          <a:ln>
+            <a:solidFill>
+              <a:schemeClr val="tx1"/>
+            </a:solidFill>
+          </a:ln>
+        </p:spPr>
+        <p:style>
+          <a:lnRef idx="2">
+            <a:schemeClr val="accent1">
+              <a:shade val="50000"/>
+            </a:schemeClr>
+          </a:lnRef>
+          <a:fillRef idx="1">
+            <a:schemeClr val="accent1"/>
+          </a:fillRef>
+          <a:effectRef idx="0">
+            <a:schemeClr val="accent1"/>
+          </a:effectRef>
+          <a:fontRef idx="minor">
+            <a:schemeClr val="lt1"/>
+          </a:fontRef>
+        </p:style>
+        <p:txBody>
+          <a:bodyPr rtlCol="0" anchor="ctr"/>
+          <a:lstStyle/>
+          <a:p>
+            <a:pPr algn="ctr"/>
+            <a:endParaRPr lang="en-US" sz="1600">
+              <a:solidFill>
+                <a:schemeClr val="tx1"/>
+              </a:solidFill>
+            </a:endParaRPr>
+          </a:p>
+        </p:txBody>
+      </p:sp>
+      <p:sp>
+        <p:nvSpPr>
+          <p:cNvPr id="57" name="Oval 56">
+            <a:extLst>
+              <a:ext uri="{FF2B5EF4-FFF2-40B4-BE49-F238E27FC236}">
+                <a16:creationId xmlns:a16="http://schemas.microsoft.com/office/drawing/2014/main" id="{3F90187B-7E24-E74E-BBCA-1A3BCA36299B}"/>
+              </a:ext>
+            </a:extLst>
+          </p:cNvPr>
+          <p:cNvSpPr/>
+          <p:nvPr/>
+        </p:nvSpPr>
+        <p:spPr>
+          <a:xfrm>
+            <a:off x="2713544" y="4277997"/>
+            <a:ext cx="385327" cy="375444"/>
+          </a:xfrm>
+          <a:prstGeom prst="ellipse">
+            <a:avLst/>
+          </a:prstGeom>
+          <a:solidFill>
+            <a:schemeClr val="bg1"/>
+          </a:solidFill>
+        </p:spPr>
+        <p:style>
+          <a:lnRef idx="2">
+            <a:schemeClr val="accent1">
+              <a:shade val="50000"/>
+            </a:schemeClr>
+          </a:lnRef>
+          <a:fillRef idx="1">
+            <a:schemeClr val="accent1"/>
+          </a:fillRef>
+          <a:effectRef idx="0">
+            <a:schemeClr val="accent1"/>
+          </a:effectRef>
+          <a:fontRef idx="minor">
+            <a:schemeClr val="lt1"/>
+          </a:fontRef>
+        </p:style>
+        <p:txBody>
+          <a:bodyPr rtlCol="0" anchor="ctr"/>
+          <a:lstStyle/>
+          <a:p>
+            <a:pPr algn="ctr"/>
+            <a:endParaRPr lang="en-US" sz="1600">
+              <a:solidFill>
+                <a:schemeClr val="tx1"/>
+              </a:solidFill>
+            </a:endParaRPr>
+          </a:p>
+        </p:txBody>
+      </p:sp>
+      <p:sp>
+        <p:nvSpPr>
+          <p:cNvPr id="58" name="Oval 57">
+            <a:extLst>
+              <a:ext uri="{FF2B5EF4-FFF2-40B4-BE49-F238E27FC236}">
+                <a16:creationId xmlns:a16="http://schemas.microsoft.com/office/drawing/2014/main" id="{55048E0E-66F9-5242-A506-E2A20BC29D9A}"/>
+              </a:ext>
+            </a:extLst>
+          </p:cNvPr>
+          <p:cNvSpPr/>
+          <p:nvPr/>
+        </p:nvSpPr>
+        <p:spPr>
+          <a:xfrm>
+            <a:off x="8053462" y="4261316"/>
+            <a:ext cx="385327" cy="375444"/>
+          </a:xfrm>
+          <a:prstGeom prst="ellipse">
+            <a:avLst/>
+          </a:prstGeom>
+          <a:solidFill>
+            <a:schemeClr val="bg1"/>
+          </a:solidFill>
+        </p:spPr>
+        <p:style>
+          <a:lnRef idx="2">
+            <a:schemeClr val="accent1">
+              <a:shade val="50000"/>
+            </a:schemeClr>
+          </a:lnRef>
+          <a:fillRef idx="1">
+            <a:schemeClr val="accent1"/>
+          </a:fillRef>
+          <a:effectRef idx="0">
+            <a:schemeClr val="accent1"/>
+          </a:effectRef>
+          <a:fontRef idx="minor">
+            <a:schemeClr val="lt1"/>
+          </a:fontRef>
+        </p:style>
+        <p:txBody>
+          <a:bodyPr rtlCol="0" anchor="ctr"/>
+          <a:lstStyle/>
+          <a:p>
+            <a:pPr algn="ctr"/>
+            <a:endParaRPr lang="en-US" sz="1600">
+              <a:solidFill>
+                <a:schemeClr val="tx1"/>
+              </a:solidFill>
+            </a:endParaRPr>
+          </a:p>
+        </p:txBody>
+      </p:sp>
+      <p:sp>
+        <p:nvSpPr>
+          <p:cNvPr id="61" name="TextBox 60">
+            <a:extLst>
+              <a:ext uri="{FF2B5EF4-FFF2-40B4-BE49-F238E27FC236}">
+                <a16:creationId xmlns:a16="http://schemas.microsoft.com/office/drawing/2014/main" id="{4630857B-930E-A74C-B6E5-2B5250F391CC}"/>
+              </a:ext>
+            </a:extLst>
+          </p:cNvPr>
+          <p:cNvSpPr txBox="1"/>
+          <p:nvPr/>
+        </p:nvSpPr>
+        <p:spPr>
+          <a:xfrm>
+            <a:off x="7750446" y="4598708"/>
+            <a:ext cx="1073946" cy="338554"/>
+          </a:xfrm>
+          <a:prstGeom prst="rect">
+            <a:avLst/>
+          </a:prstGeom>
+          <a:noFill/>
+        </p:spPr>
+        <p:txBody>
+          <a:bodyPr wrap="square" rtlCol="0">
+            <a:spAutoFit/>
+          </a:bodyPr>
+          <a:lstStyle/>
+          <a:p>
+            <a:pPr algn="ctr"/>
+            <a:r>
+              <a:rPr lang="en-US" sz="1600" dirty="0"/>
+              <a:t>pay</a:t>
+            </a:r>
+            <a:r>
+              <a:rPr lang="en-US" altLang="zh-CN" sz="1600" dirty="0"/>
+              <a:t>ment</a:t>
+            </a:r>
+            <a:endParaRPr lang="en-US" sz="1600" dirty="0"/>
+          </a:p>
+        </p:txBody>
+      </p:sp>
+      <p:sp>
+        <p:nvSpPr>
+          <p:cNvPr id="62" name="TextBox 61">
+            <a:extLst>
+              <a:ext uri="{FF2B5EF4-FFF2-40B4-BE49-F238E27FC236}">
+                <a16:creationId xmlns:a16="http://schemas.microsoft.com/office/drawing/2014/main" id="{359B4C80-CA5E-7844-9014-C74430C7E9B8}"/>
+              </a:ext>
+            </a:extLst>
+          </p:cNvPr>
+          <p:cNvSpPr txBox="1"/>
+          <p:nvPr/>
+        </p:nvSpPr>
+        <p:spPr>
+          <a:xfrm>
+            <a:off x="2512519" y="4591671"/>
+            <a:ext cx="802910" cy="338554"/>
+          </a:xfrm>
+          <a:prstGeom prst="rect">
+            <a:avLst/>
+          </a:prstGeom>
+          <a:noFill/>
+        </p:spPr>
+        <p:txBody>
+          <a:bodyPr wrap="square" rtlCol="0">
+            <a:spAutoFit/>
+          </a:bodyPr>
+          <a:lstStyle/>
+          <a:p>
+            <a:pPr algn="ctr"/>
+            <a:r>
+              <a:rPr lang="en-US" sz="1600" dirty="0"/>
+              <a:t>orders</a:t>
+            </a:r>
+          </a:p>
+        </p:txBody>
+      </p:sp>
+      <p:sp>
+        <p:nvSpPr>
+          <p:cNvPr id="63" name="Oval 62">
+            <a:extLst>
+              <a:ext uri="{FF2B5EF4-FFF2-40B4-BE49-F238E27FC236}">
+                <a16:creationId xmlns:a16="http://schemas.microsoft.com/office/drawing/2014/main" id="{31495F7A-7BAB-3344-90B6-96BB51C70904}"/>
+              </a:ext>
+            </a:extLst>
+          </p:cNvPr>
+          <p:cNvSpPr/>
+          <p:nvPr/>
+        </p:nvSpPr>
+        <p:spPr>
+          <a:xfrm>
+            <a:off x="5080029" y="4260539"/>
+            <a:ext cx="385327" cy="375444"/>
+          </a:xfrm>
+          <a:prstGeom prst="ellipse">
+            <a:avLst/>
+          </a:prstGeom>
+          <a:solidFill>
+            <a:schemeClr val="bg1"/>
+          </a:solidFill>
+        </p:spPr>
+        <p:style>
+          <a:lnRef idx="2">
+            <a:schemeClr val="accent1">
+              <a:shade val="50000"/>
+            </a:schemeClr>
+          </a:lnRef>
+          <a:fillRef idx="1">
+            <a:schemeClr val="accent1"/>
+          </a:fillRef>
+          <a:effectRef idx="0">
+            <a:schemeClr val="accent1"/>
+          </a:effectRef>
+          <a:fontRef idx="minor">
+            <a:schemeClr val="lt1"/>
+          </a:fontRef>
+        </p:style>
+        <p:txBody>
+          <a:bodyPr rtlCol="0" anchor="ctr"/>
+          <a:lstStyle/>
+          <a:p>
+            <a:pPr algn="ctr"/>
+            <a:endParaRPr lang="en-US" sz="1600">
+              <a:solidFill>
+                <a:schemeClr val="tx1"/>
+              </a:solidFill>
+            </a:endParaRPr>
+          </a:p>
+        </p:txBody>
+      </p:sp>
+      <p:sp>
+        <p:nvSpPr>
+          <p:cNvPr id="64" name="TextBox 63">
+            <a:extLst>
+              <a:ext uri="{FF2B5EF4-FFF2-40B4-BE49-F238E27FC236}">
+                <a16:creationId xmlns:a16="http://schemas.microsoft.com/office/drawing/2014/main" id="{E6BBB6D6-8587-6A4A-A886-F12F40952A5D}"/>
+              </a:ext>
+            </a:extLst>
+          </p:cNvPr>
+          <p:cNvSpPr txBox="1"/>
+          <p:nvPr/>
+        </p:nvSpPr>
+        <p:spPr>
+          <a:xfrm>
+            <a:off x="4811869" y="4653441"/>
+            <a:ext cx="1143151" cy="338554"/>
+          </a:xfrm>
+          <a:prstGeom prst="rect">
+            <a:avLst/>
+          </a:prstGeom>
+          <a:noFill/>
+        </p:spPr>
+        <p:txBody>
+          <a:bodyPr wrap="square" rtlCol="0">
+            <a:spAutoFit/>
+          </a:bodyPr>
+          <a:lstStyle/>
+          <a:p>
+            <a:pPr algn="ctr"/>
+            <a:r>
+              <a:rPr lang="en-US" sz="1600" dirty="0"/>
+              <a:t>inventory</a:t>
+            </a:r>
+          </a:p>
+        </p:txBody>
+      </p:sp>
+      <p:sp>
+        <p:nvSpPr>
+          <p:cNvPr id="65" name="Rounded Rectangle 64">
+            <a:extLst>
+              <a:ext uri="{FF2B5EF4-FFF2-40B4-BE49-F238E27FC236}">
+                <a16:creationId xmlns:a16="http://schemas.microsoft.com/office/drawing/2014/main" id="{33692F1E-139A-274E-98AF-2D7FB7AB32E6}"/>
+              </a:ext>
+            </a:extLst>
+          </p:cNvPr>
+          <p:cNvSpPr/>
+          <p:nvPr/>
+        </p:nvSpPr>
+        <p:spPr>
+          <a:xfrm>
+            <a:off x="1782763" y="1765248"/>
+            <a:ext cx="7643812" cy="443802"/>
+          </a:xfrm>
+          <a:prstGeom prst="roundRect">
+            <a:avLst/>
+          </a:prstGeom>
+          <a:solidFill>
+            <a:schemeClr val="bg1"/>
+          </a:solidFill>
+          <a:ln>
+            <a:solidFill>
+              <a:schemeClr val="tx1"/>
+            </a:solidFill>
+          </a:ln>
+        </p:spPr>
+        <p:style>
+          <a:lnRef idx="2">
+            <a:schemeClr val="accent1">
+              <a:shade val="50000"/>
+            </a:schemeClr>
+          </a:lnRef>
+          <a:fillRef idx="1">
+            <a:schemeClr val="accent1"/>
+          </a:fillRef>
+          <a:effectRef idx="0">
+            <a:schemeClr val="accent1"/>
+          </a:effectRef>
+          <a:fontRef idx="minor">
+            <a:schemeClr val="lt1"/>
+          </a:fontRef>
+        </p:style>
+        <p:txBody>
+          <a:bodyPr rtlCol="0" anchor="ctr"/>
+          <a:lstStyle/>
+          <a:p>
+            <a:pPr algn="ctr"/>
+            <a:endParaRPr lang="en-US" sz="1600">
+              <a:solidFill>
+                <a:schemeClr val="tx1"/>
+              </a:solidFill>
+            </a:endParaRPr>
+          </a:p>
+        </p:txBody>
+      </p:sp>
+      <p:sp>
+        <p:nvSpPr>
+          <p:cNvPr id="66" name="Rounded Rectangle 65">
+            <a:extLst>
+              <a:ext uri="{FF2B5EF4-FFF2-40B4-BE49-F238E27FC236}">
+                <a16:creationId xmlns:a16="http://schemas.microsoft.com/office/drawing/2014/main" id="{0753E97F-C88E-1F4F-8A22-19E9C6E95071}"/>
+              </a:ext>
+            </a:extLst>
+          </p:cNvPr>
+          <p:cNvSpPr/>
+          <p:nvPr/>
+        </p:nvSpPr>
+        <p:spPr>
+          <a:xfrm>
+            <a:off x="4934427" y="1874372"/>
+            <a:ext cx="1310531" cy="264703"/>
+          </a:xfrm>
+          <a:prstGeom prst="roundRect">
+            <a:avLst/>
+          </a:prstGeom>
+          <a:solidFill>
+            <a:schemeClr val="bg1"/>
+          </a:solidFill>
+          <a:ln>
+            <a:solidFill>
+              <a:schemeClr val="tx1"/>
+            </a:solidFill>
+          </a:ln>
+        </p:spPr>
+        <p:style>
+          <a:lnRef idx="2">
+            <a:schemeClr val="accent1">
+              <a:shade val="50000"/>
+            </a:schemeClr>
+          </a:lnRef>
+          <a:fillRef idx="1">
+            <a:schemeClr val="accent1"/>
+          </a:fillRef>
+          <a:effectRef idx="0">
+            <a:schemeClr val="accent1"/>
+          </a:effectRef>
+          <a:fontRef idx="minor">
+            <a:schemeClr val="lt1"/>
+          </a:fontRef>
+        </p:style>
+        <p:txBody>
+          <a:bodyPr rtlCol="0" anchor="ctr"/>
+          <a:lstStyle/>
+          <a:p>
+            <a:pPr algn="ctr"/>
+            <a:r>
+              <a:rPr lang="en-US" sz="1600" dirty="0">
+                <a:solidFill>
+                  <a:schemeClr val="tx1"/>
+                </a:solidFill>
+              </a:rPr>
+              <a:t>API</a:t>
+            </a:r>
+          </a:p>
+        </p:txBody>
+      </p:sp>
+      <p:sp>
+        <p:nvSpPr>
+          <p:cNvPr id="68" name="Rounded Rectangle 67">
+            <a:extLst>
+              <a:ext uri="{FF2B5EF4-FFF2-40B4-BE49-F238E27FC236}">
+                <a16:creationId xmlns:a16="http://schemas.microsoft.com/office/drawing/2014/main" id="{566D4C60-1DD4-6545-B4BA-2A0323610E8B}"/>
+              </a:ext>
+            </a:extLst>
+          </p:cNvPr>
+          <p:cNvSpPr/>
+          <p:nvPr/>
+        </p:nvSpPr>
+        <p:spPr>
+          <a:xfrm>
+            <a:off x="1782763" y="5511919"/>
+            <a:ext cx="7643812" cy="683658"/>
+          </a:xfrm>
+          <a:prstGeom prst="roundRect">
+            <a:avLst/>
+          </a:prstGeom>
+          <a:solidFill>
+            <a:schemeClr val="bg1"/>
+          </a:solidFill>
+          <a:ln>
+            <a:solidFill>
+              <a:schemeClr val="tx1"/>
+            </a:solidFill>
+          </a:ln>
+        </p:spPr>
+        <p:style>
+          <a:lnRef idx="2">
+            <a:schemeClr val="accent1">
+              <a:shade val="50000"/>
+            </a:schemeClr>
+          </a:lnRef>
+          <a:fillRef idx="1">
+            <a:schemeClr val="accent1"/>
+          </a:fillRef>
+          <a:effectRef idx="0">
+            <a:schemeClr val="accent1"/>
+          </a:effectRef>
+          <a:fontRef idx="minor">
+            <a:schemeClr val="lt1"/>
+          </a:fontRef>
+        </p:style>
+        <p:txBody>
+          <a:bodyPr rtlCol="0" anchor="ctr"/>
+          <a:lstStyle/>
+          <a:p>
+            <a:pPr algn="ctr"/>
+            <a:endParaRPr lang="en-US" sz="1600">
+              <a:solidFill>
+                <a:schemeClr val="tx1"/>
+              </a:solidFill>
+            </a:endParaRPr>
+          </a:p>
+        </p:txBody>
+      </p:sp>
+      <p:sp>
+        <p:nvSpPr>
+          <p:cNvPr id="69" name="Rounded Rectangle 68">
+            <a:extLst>
+              <a:ext uri="{FF2B5EF4-FFF2-40B4-BE49-F238E27FC236}">
+                <a16:creationId xmlns:a16="http://schemas.microsoft.com/office/drawing/2014/main" id="{B7909A6B-BA56-EB4A-BCEC-78CD69ED16CD}"/>
+              </a:ext>
+            </a:extLst>
+          </p:cNvPr>
+          <p:cNvSpPr/>
+          <p:nvPr/>
+        </p:nvSpPr>
+        <p:spPr>
+          <a:xfrm>
+            <a:off x="2181649" y="5668010"/>
+            <a:ext cx="934182" cy="371475"/>
+          </a:xfrm>
+          <a:prstGeom prst="roundRect">
+            <a:avLst/>
+          </a:prstGeom>
+          <a:solidFill>
+            <a:schemeClr val="bg1"/>
+          </a:solidFill>
+          <a:ln>
+            <a:solidFill>
+              <a:schemeClr val="tx1"/>
+            </a:solidFill>
+          </a:ln>
+        </p:spPr>
+        <p:style>
+          <a:lnRef idx="2">
+            <a:schemeClr val="accent1">
+              <a:shade val="50000"/>
+            </a:schemeClr>
+          </a:lnRef>
+          <a:fillRef idx="1">
+            <a:schemeClr val="accent1"/>
+          </a:fillRef>
+          <a:effectRef idx="0">
+            <a:schemeClr val="accent1"/>
+          </a:effectRef>
+          <a:fontRef idx="minor">
+            <a:schemeClr val="lt1"/>
+          </a:fontRef>
+        </p:style>
+        <p:txBody>
+          <a:bodyPr rtlCol="0" anchor="ctr"/>
+          <a:lstStyle/>
+          <a:p>
+            <a:pPr algn="ctr"/>
+            <a:r>
+              <a:rPr lang="en-US" sz="1600" dirty="0">
+                <a:solidFill>
+                  <a:schemeClr val="tx1"/>
+                </a:solidFill>
+              </a:rPr>
+              <a:t>API</a:t>
+            </a:r>
+          </a:p>
+        </p:txBody>
+      </p:sp>
+      <p:sp>
+        <p:nvSpPr>
+          <p:cNvPr id="70" name="Rounded Rectangle 69">
+            <a:extLst>
+              <a:ext uri="{FF2B5EF4-FFF2-40B4-BE49-F238E27FC236}">
+                <a16:creationId xmlns:a16="http://schemas.microsoft.com/office/drawing/2014/main" id="{EC695B1B-D156-5A42-979A-3E5E31775B2D}"/>
+              </a:ext>
+            </a:extLst>
+          </p:cNvPr>
+          <p:cNvSpPr/>
+          <p:nvPr/>
+        </p:nvSpPr>
+        <p:spPr>
+          <a:xfrm>
+            <a:off x="3743749" y="5668010"/>
+            <a:ext cx="934182" cy="371475"/>
+          </a:xfrm>
+          <a:prstGeom prst="roundRect">
+            <a:avLst/>
+          </a:prstGeom>
+          <a:solidFill>
+            <a:schemeClr val="bg1"/>
+          </a:solidFill>
+          <a:ln>
+            <a:solidFill>
+              <a:schemeClr val="tx1"/>
+            </a:solidFill>
+          </a:ln>
+        </p:spPr>
+        <p:style>
+          <a:lnRef idx="2">
+            <a:schemeClr val="accent1">
+              <a:shade val="50000"/>
+            </a:schemeClr>
+          </a:lnRef>
+          <a:fillRef idx="1">
+            <a:schemeClr val="accent1"/>
+          </a:fillRef>
+          <a:effectRef idx="0">
+            <a:schemeClr val="accent1"/>
+          </a:effectRef>
+          <a:fontRef idx="minor">
+            <a:schemeClr val="lt1"/>
+          </a:fontRef>
+        </p:style>
+        <p:txBody>
+          <a:bodyPr rtlCol="0" anchor="ctr"/>
+          <a:lstStyle/>
+          <a:p>
+            <a:pPr algn="ctr"/>
+            <a:r>
+              <a:rPr lang="en-US" sz="1600" dirty="0">
+                <a:solidFill>
+                  <a:schemeClr val="tx1"/>
+                </a:solidFill>
+              </a:rPr>
+              <a:t>Bot</a:t>
+            </a:r>
+          </a:p>
+        </p:txBody>
+      </p:sp>
+      <p:sp>
+        <p:nvSpPr>
+          <p:cNvPr id="71" name="Rounded Rectangle 70">
+            <a:extLst>
+              <a:ext uri="{FF2B5EF4-FFF2-40B4-BE49-F238E27FC236}">
+                <a16:creationId xmlns:a16="http://schemas.microsoft.com/office/drawing/2014/main" id="{22053D76-9277-1F4B-821C-CD157C5FCC0E}"/>
+              </a:ext>
+            </a:extLst>
+          </p:cNvPr>
+          <p:cNvSpPr/>
+          <p:nvPr/>
+        </p:nvSpPr>
+        <p:spPr>
+          <a:xfrm>
+            <a:off x="5310776" y="5668010"/>
+            <a:ext cx="934182" cy="371475"/>
+          </a:xfrm>
+          <a:prstGeom prst="roundRect">
+            <a:avLst/>
+          </a:prstGeom>
+          <a:solidFill>
+            <a:schemeClr val="bg1"/>
+          </a:solidFill>
+          <a:ln>
+            <a:solidFill>
+              <a:schemeClr val="tx1"/>
+            </a:solidFill>
+          </a:ln>
+        </p:spPr>
+        <p:style>
+          <a:lnRef idx="2">
+            <a:schemeClr val="accent1">
+              <a:shade val="50000"/>
+            </a:schemeClr>
+          </a:lnRef>
+          <a:fillRef idx="1">
+            <a:schemeClr val="accent1"/>
+          </a:fillRef>
+          <a:effectRef idx="0">
+            <a:schemeClr val="accent1"/>
+          </a:effectRef>
+          <a:fontRef idx="minor">
+            <a:schemeClr val="lt1"/>
+          </a:fontRef>
+        </p:style>
+        <p:txBody>
+          <a:bodyPr rtlCol="0" anchor="ctr"/>
+          <a:lstStyle/>
+          <a:p>
+            <a:pPr algn="ctr"/>
+            <a:r>
+              <a:rPr lang="en-US" sz="1600" dirty="0">
+                <a:solidFill>
+                  <a:schemeClr val="tx1"/>
+                </a:solidFill>
+              </a:rPr>
+              <a:t>CLI</a:t>
+            </a:r>
+          </a:p>
+        </p:txBody>
+      </p:sp>
+      <p:sp>
+        <p:nvSpPr>
+          <p:cNvPr id="72" name="Rounded Rectangle 71">
+            <a:extLst>
+              <a:ext uri="{FF2B5EF4-FFF2-40B4-BE49-F238E27FC236}">
+                <a16:creationId xmlns:a16="http://schemas.microsoft.com/office/drawing/2014/main" id="{FE6EBFFB-EDC8-6C4B-BF66-7813588A5FFE}"/>
+              </a:ext>
+            </a:extLst>
+          </p:cNvPr>
+          <p:cNvSpPr/>
+          <p:nvPr/>
+        </p:nvSpPr>
+        <p:spPr>
+          <a:xfrm>
+            <a:off x="6846859" y="5668010"/>
+            <a:ext cx="934182" cy="371475"/>
+          </a:xfrm>
+          <a:prstGeom prst="roundRect">
+            <a:avLst/>
+          </a:prstGeom>
+          <a:solidFill>
+            <a:schemeClr val="bg1"/>
+          </a:solidFill>
+          <a:ln>
+            <a:solidFill>
+              <a:schemeClr val="tx1"/>
+            </a:solidFill>
+          </a:ln>
+        </p:spPr>
+        <p:style>
+          <a:lnRef idx="2">
+            <a:schemeClr val="accent1">
+              <a:shade val="50000"/>
+            </a:schemeClr>
+          </a:lnRef>
+          <a:fillRef idx="1">
+            <a:schemeClr val="accent1"/>
+          </a:fillRef>
+          <a:effectRef idx="0">
+            <a:schemeClr val="accent1"/>
+          </a:effectRef>
+          <a:fontRef idx="minor">
+            <a:schemeClr val="lt1"/>
+          </a:fontRef>
+        </p:style>
+        <p:txBody>
+          <a:bodyPr rtlCol="0" anchor="ctr"/>
+          <a:lstStyle/>
+          <a:p>
+            <a:pPr algn="ctr"/>
+            <a:r>
+              <a:rPr lang="en-US" sz="1600" dirty="0">
+                <a:solidFill>
+                  <a:schemeClr val="tx1"/>
+                </a:solidFill>
+              </a:rPr>
+              <a:t>Proxy</a:t>
+            </a:r>
+          </a:p>
+        </p:txBody>
+      </p:sp>
+      <p:sp>
+        <p:nvSpPr>
+          <p:cNvPr id="73" name="Rounded Rectangle 72">
+            <a:extLst>
+              <a:ext uri="{FF2B5EF4-FFF2-40B4-BE49-F238E27FC236}">
+                <a16:creationId xmlns:a16="http://schemas.microsoft.com/office/drawing/2014/main" id="{7595C516-193D-BC49-AA70-505FF934D9E5}"/>
+              </a:ext>
+            </a:extLst>
+          </p:cNvPr>
+          <p:cNvSpPr/>
+          <p:nvPr/>
+        </p:nvSpPr>
+        <p:spPr>
+          <a:xfrm>
+            <a:off x="8326253" y="5668010"/>
+            <a:ext cx="934182" cy="371475"/>
+          </a:xfrm>
+          <a:prstGeom prst="roundRect">
+            <a:avLst/>
+          </a:prstGeom>
+          <a:solidFill>
+            <a:schemeClr val="bg1"/>
+          </a:solidFill>
+          <a:ln>
+            <a:solidFill>
+              <a:schemeClr val="tx1"/>
+            </a:solidFill>
+          </a:ln>
+        </p:spPr>
+        <p:style>
+          <a:lnRef idx="2">
+            <a:schemeClr val="accent1">
+              <a:shade val="50000"/>
+            </a:schemeClr>
+          </a:lnRef>
+          <a:fillRef idx="1">
+            <a:schemeClr val="accent1"/>
+          </a:fillRef>
+          <a:effectRef idx="0">
+            <a:schemeClr val="accent1"/>
+          </a:effectRef>
+          <a:fontRef idx="minor">
+            <a:schemeClr val="lt1"/>
+          </a:fontRef>
+        </p:style>
+        <p:txBody>
+          <a:bodyPr rtlCol="0" anchor="ctr"/>
+          <a:lstStyle/>
+          <a:p>
+            <a:pPr algn="ctr"/>
+            <a:r>
+              <a:rPr lang="en-US" sz="1600" dirty="0">
+                <a:solidFill>
+                  <a:schemeClr val="tx1"/>
+                </a:solidFill>
+              </a:rPr>
+              <a:t>Web</a:t>
+            </a:r>
+          </a:p>
+        </p:txBody>
+      </p:sp>
+      <p:sp>
+        <p:nvSpPr>
+          <p:cNvPr id="76" name="Oval 75">
+            <a:extLst>
+              <a:ext uri="{FF2B5EF4-FFF2-40B4-BE49-F238E27FC236}">
+                <a16:creationId xmlns:a16="http://schemas.microsoft.com/office/drawing/2014/main" id="{EAB129BA-B8E0-6444-915C-DC831FEE8FF1}"/>
+              </a:ext>
+            </a:extLst>
+          </p:cNvPr>
+          <p:cNvSpPr/>
+          <p:nvPr/>
+        </p:nvSpPr>
+        <p:spPr>
+          <a:xfrm>
+            <a:off x="2769301" y="3009889"/>
+            <a:ext cx="360611" cy="375444"/>
+          </a:xfrm>
+          <a:prstGeom prst="ellipse">
+            <a:avLst/>
+          </a:prstGeom>
+          <a:solidFill>
+            <a:schemeClr val="bg1"/>
+          </a:solidFill>
+        </p:spPr>
+        <p:style>
+          <a:lnRef idx="2">
+            <a:schemeClr val="accent1">
+              <a:shade val="50000"/>
+            </a:schemeClr>
+          </a:lnRef>
+          <a:fillRef idx="1">
+            <a:schemeClr val="accent1"/>
+          </a:fillRef>
+          <a:effectRef idx="0">
+            <a:schemeClr val="accent1"/>
+          </a:effectRef>
+          <a:fontRef idx="minor">
+            <a:schemeClr val="lt1"/>
+          </a:fontRef>
+        </p:style>
+        <p:txBody>
+          <a:bodyPr rtlCol="0" anchor="ctr"/>
+          <a:lstStyle/>
+          <a:p>
+            <a:pPr algn="ctr"/>
             <a:endParaRPr lang="en-US" sz="1600" dirty="0">
               <a:solidFill>
                 <a:schemeClr val="tx1"/>
@@ -11243,10 +13817,10 @@
       </p:sp>
       <p:sp>
         <p:nvSpPr>
-          <p:cNvPr id="35" name="TextBox 34">
-            <a:extLst>
-              <a:ext uri="{FF2B5EF4-FFF2-40B4-BE49-F238E27FC236}">
-                <a16:creationId xmlns:a16="http://schemas.microsoft.com/office/drawing/2014/main" id="{3A1C9D4C-7EB6-CD45-994D-D50B806EEC87}"/>
+          <p:cNvPr id="77" name="TextBox 76">
+            <a:extLst>
+              <a:ext uri="{FF2B5EF4-FFF2-40B4-BE49-F238E27FC236}">
+                <a16:creationId xmlns:a16="http://schemas.microsoft.com/office/drawing/2014/main" id="{6A93EF58-E2CD-1D45-A1AF-1C4597CD1440}"/>
               </a:ext>
             </a:extLst>
           </p:cNvPr>
@@ -11255,8 +13829,8 @@
         </p:nvSpPr>
         <p:spPr>
           <a:xfrm>
-            <a:off x="6216797" y="3000575"/>
-            <a:ext cx="1688598" cy="338554"/>
+            <a:off x="2381911" y="3305622"/>
+            <a:ext cx="1164664" cy="338554"/>
           </a:xfrm>
           <a:prstGeom prst="rect">
             <a:avLst/>
@@ -11271,12 +13845,98 @@
           <a:p>
             <a:pPr algn="ctr"/>
             <a:r>
-              <a:rPr lang="en-US" sz="1600"/>
-              <a:t>inventor</a:t>
-            </a:r>
-            <a:r>
               <a:rPr lang="en-US" altLang="zh-CN" sz="1600"/>
-              <a:t>y-web</a:t>
+              <a:t>orders-web</a:t>
+            </a:r>
+            <a:endParaRPr lang="en-US" sz="1600" dirty="0"/>
+          </a:p>
+        </p:txBody>
+      </p:sp>
+      <p:sp>
+        <p:nvSpPr>
+          <p:cNvPr id="78" name="Oval 77">
+            <a:extLst>
+              <a:ext uri="{FF2B5EF4-FFF2-40B4-BE49-F238E27FC236}">
+                <a16:creationId xmlns:a16="http://schemas.microsoft.com/office/drawing/2014/main" id="{7C6084D5-8FA3-A446-B637-31D6B648597A}"/>
+              </a:ext>
+            </a:extLst>
+          </p:cNvPr>
+          <p:cNvSpPr/>
+          <p:nvPr/>
+        </p:nvSpPr>
+        <p:spPr>
+          <a:xfrm>
+            <a:off x="8078178" y="3131876"/>
+            <a:ext cx="360611" cy="375444"/>
+          </a:xfrm>
+          <a:prstGeom prst="ellipse">
+            <a:avLst/>
+          </a:prstGeom>
+          <a:solidFill>
+            <a:schemeClr val="bg1"/>
+          </a:solidFill>
+        </p:spPr>
+        <p:style>
+          <a:lnRef idx="2">
+            <a:schemeClr val="accent1">
+              <a:shade val="50000"/>
+            </a:schemeClr>
+          </a:lnRef>
+          <a:fillRef idx="1">
+            <a:schemeClr val="accent1"/>
+          </a:fillRef>
+          <a:effectRef idx="0">
+            <a:schemeClr val="accent1"/>
+          </a:effectRef>
+          <a:fontRef idx="minor">
+            <a:schemeClr val="lt1"/>
+          </a:fontRef>
+        </p:style>
+        <p:txBody>
+          <a:bodyPr rtlCol="0" anchor="ctr"/>
+          <a:lstStyle/>
+          <a:p>
+            <a:pPr algn="ctr"/>
+            <a:endParaRPr lang="en-US" sz="1600" dirty="0">
+              <a:solidFill>
+                <a:schemeClr val="tx1"/>
+              </a:solidFill>
+            </a:endParaRPr>
+          </a:p>
+        </p:txBody>
+      </p:sp>
+      <p:sp>
+        <p:nvSpPr>
+          <p:cNvPr id="79" name="TextBox 78">
+            <a:extLst>
+              <a:ext uri="{FF2B5EF4-FFF2-40B4-BE49-F238E27FC236}">
+                <a16:creationId xmlns:a16="http://schemas.microsoft.com/office/drawing/2014/main" id="{C44E389C-208F-E545-BB4A-6DDA8060C4C8}"/>
+              </a:ext>
+            </a:extLst>
+          </p:cNvPr>
+          <p:cNvSpPr txBox="1"/>
+          <p:nvPr/>
+        </p:nvSpPr>
+        <p:spPr>
+          <a:xfrm>
+            <a:off x="7446514" y="3425164"/>
+            <a:ext cx="1688598" cy="338554"/>
+          </a:xfrm>
+          <a:prstGeom prst="rect">
+            <a:avLst/>
+          </a:prstGeom>
+          <a:noFill/>
+        </p:spPr>
+        <p:txBody>
+          <a:bodyPr wrap="square" rtlCol="0">
+            <a:spAutoFit/>
+          </a:bodyPr>
+          <a:lstStyle/>
+          <a:p>
+            <a:pPr algn="ctr"/>
+            <a:r>
+              <a:rPr lang="en-US" altLang="zh-CN" sz="1600"/>
+              <a:t>payment-web</a:t>
             </a:r>
             <a:endParaRPr lang="en-US" sz="1600" dirty="0"/>
           </a:p>
@@ -11284,10 +13944,10 @@
       </p:sp>
       <p:pic>
         <p:nvPicPr>
-          <p:cNvPr id="37" name="Picture 36">
-            <a:extLst>
-              <a:ext uri="{FF2B5EF4-FFF2-40B4-BE49-F238E27FC236}">
-                <a16:creationId xmlns:a16="http://schemas.microsoft.com/office/drawing/2014/main" id="{88D54F83-AB42-B447-8716-EB362B1C86D7}"/>
+          <p:cNvPr id="82" name="Picture 81">
+            <a:extLst>
+              <a:ext uri="{FF2B5EF4-FFF2-40B4-BE49-F238E27FC236}">
+                <a16:creationId xmlns:a16="http://schemas.microsoft.com/office/drawing/2014/main" id="{E8A6A771-3776-094C-A835-CC4BAB4EF6C3}"/>
               </a:ext>
             </a:extLst>
           </p:cNvPr>
@@ -11304,7 +13964,7 @@
         </p:blipFill>
         <p:spPr>
           <a:xfrm>
-            <a:off x="4459368" y="1151211"/>
+            <a:off x="5450669" y="788768"/>
             <a:ext cx="304800" cy="304800"/>
           </a:xfrm>
           <a:prstGeom prst="rect">
@@ -11312,10 +13972,709 @@
           </a:prstGeom>
         </p:spPr>
       </p:pic>
+      <p:sp>
+        <p:nvSpPr>
+          <p:cNvPr id="86" name="TextBox 85">
+            <a:extLst>
+              <a:ext uri="{FF2B5EF4-FFF2-40B4-BE49-F238E27FC236}">
+                <a16:creationId xmlns:a16="http://schemas.microsoft.com/office/drawing/2014/main" id="{F35AD10C-4588-BE4B-A11D-0E02087E1512}"/>
+              </a:ext>
+            </a:extLst>
+          </p:cNvPr>
+          <p:cNvSpPr txBox="1"/>
+          <p:nvPr/>
+        </p:nvSpPr>
+        <p:spPr>
+          <a:xfrm>
+            <a:off x="4031436" y="1160980"/>
+            <a:ext cx="1805981" cy="369332"/>
+          </a:xfrm>
+          <a:prstGeom prst="rect">
+            <a:avLst/>
+          </a:prstGeom>
+          <a:noFill/>
+        </p:spPr>
+        <p:txBody>
+          <a:bodyPr wrap="square" rtlCol="0">
+            <a:spAutoFit/>
+          </a:bodyPr>
+          <a:lstStyle/>
+          <a:p>
+            <a:r>
+              <a:rPr lang="en-US" altLang="zh-CN">
+                <a:solidFill>
+                  <a:srgbClr val="0070C0"/>
+                </a:solidFill>
+              </a:rPr>
+              <a:t>/orders/new</a:t>
+            </a:r>
+            <a:endParaRPr lang="en-US">
+              <a:solidFill>
+                <a:srgbClr val="0070C0"/>
+              </a:solidFill>
+            </a:endParaRPr>
+          </a:p>
+        </p:txBody>
+      </p:sp>
+      <p:cxnSp>
+        <p:nvCxnSpPr>
+          <p:cNvPr id="88" name="Straight Arrow Connector 87">
+            <a:extLst>
+              <a:ext uri="{FF2B5EF4-FFF2-40B4-BE49-F238E27FC236}">
+                <a16:creationId xmlns:a16="http://schemas.microsoft.com/office/drawing/2014/main" id="{7D64C2C1-AAEB-0D4D-92FF-D7C4669F9B3A}"/>
+              </a:ext>
+            </a:extLst>
+          </p:cNvPr>
+          <p:cNvCxnSpPr>
+            <a:cxnSpLocks/>
+            <a:stCxn id="82" idx="2"/>
+          </p:cNvCxnSpPr>
+          <p:nvPr/>
+        </p:nvCxnSpPr>
+        <p:spPr>
+          <a:xfrm flipH="1">
+            <a:off x="5366979" y="1093568"/>
+            <a:ext cx="236090" cy="787713"/>
+          </a:xfrm>
+          <a:prstGeom prst="straightConnector1">
+            <a:avLst/>
+          </a:prstGeom>
+          <a:ln>
+            <a:tailEnd type="triangle"/>
+          </a:ln>
+        </p:spPr>
+        <p:style>
+          <a:lnRef idx="1">
+            <a:schemeClr val="accent1"/>
+          </a:lnRef>
+          <a:fillRef idx="0">
+            <a:schemeClr val="accent1"/>
+          </a:fillRef>
+          <a:effectRef idx="0">
+            <a:schemeClr val="accent1"/>
+          </a:effectRef>
+          <a:fontRef idx="minor">
+            <a:schemeClr val="tx1"/>
+          </a:fontRef>
+        </p:style>
+      </p:cxnSp>
+      <p:sp>
+        <p:nvSpPr>
+          <p:cNvPr id="94" name="TextBox 93">
+            <a:extLst>
+              <a:ext uri="{FF2B5EF4-FFF2-40B4-BE49-F238E27FC236}">
+                <a16:creationId xmlns:a16="http://schemas.microsoft.com/office/drawing/2014/main" id="{B0C0D1A9-7710-CC49-BECA-472987416161}"/>
+              </a:ext>
+            </a:extLst>
+          </p:cNvPr>
+          <p:cNvSpPr txBox="1"/>
+          <p:nvPr/>
+        </p:nvSpPr>
+        <p:spPr>
+          <a:xfrm>
+            <a:off x="3911924" y="2695448"/>
+            <a:ext cx="1805981" cy="369332"/>
+          </a:xfrm>
+          <a:prstGeom prst="rect">
+            <a:avLst/>
+          </a:prstGeom>
+          <a:noFill/>
+        </p:spPr>
+        <p:txBody>
+          <a:bodyPr wrap="square" rtlCol="0">
+            <a:spAutoFit/>
+          </a:bodyPr>
+          <a:lstStyle/>
+          <a:p>
+            <a:r>
+              <a:rPr lang="en-US" altLang="zh-CN">
+                <a:solidFill>
+                  <a:srgbClr val="0070C0"/>
+                </a:solidFill>
+              </a:rPr>
+              <a:t>/orders/new</a:t>
+            </a:r>
+            <a:endParaRPr lang="en-US">
+              <a:solidFill>
+                <a:srgbClr val="0070C0"/>
+              </a:solidFill>
+            </a:endParaRPr>
+          </a:p>
+        </p:txBody>
+      </p:sp>
+      <p:cxnSp>
+        <p:nvCxnSpPr>
+          <p:cNvPr id="95" name="Straight Arrow Connector 94">
+            <a:extLst>
+              <a:ext uri="{FF2B5EF4-FFF2-40B4-BE49-F238E27FC236}">
+                <a16:creationId xmlns:a16="http://schemas.microsoft.com/office/drawing/2014/main" id="{88EC8B2F-EA71-5342-BC6B-AFAA004DCAA1}"/>
+              </a:ext>
+            </a:extLst>
+          </p:cNvPr>
+          <p:cNvCxnSpPr>
+            <a:cxnSpLocks/>
+            <a:stCxn id="66" idx="2"/>
+          </p:cNvCxnSpPr>
+          <p:nvPr/>
+        </p:nvCxnSpPr>
+        <p:spPr>
+          <a:xfrm flipH="1">
+            <a:off x="3102153" y="2139075"/>
+            <a:ext cx="2487540" cy="992801"/>
+          </a:xfrm>
+          <a:prstGeom prst="straightConnector1">
+            <a:avLst/>
+          </a:prstGeom>
+          <a:ln>
+            <a:tailEnd type="triangle"/>
+          </a:ln>
+        </p:spPr>
+        <p:style>
+          <a:lnRef idx="1">
+            <a:schemeClr val="accent1"/>
+          </a:lnRef>
+          <a:fillRef idx="0">
+            <a:schemeClr val="accent1"/>
+          </a:fillRef>
+          <a:effectRef idx="0">
+            <a:schemeClr val="accent1"/>
+          </a:effectRef>
+          <a:fontRef idx="minor">
+            <a:schemeClr val="tx1"/>
+          </a:fontRef>
+        </p:style>
+      </p:cxnSp>
+      <p:cxnSp>
+        <p:nvCxnSpPr>
+          <p:cNvPr id="97" name="Straight Arrow Connector 96">
+            <a:extLst>
+              <a:ext uri="{FF2B5EF4-FFF2-40B4-BE49-F238E27FC236}">
+                <a16:creationId xmlns:a16="http://schemas.microsoft.com/office/drawing/2014/main" id="{DB80F4EC-B734-C54E-9735-95D98EB2EE8F}"/>
+              </a:ext>
+            </a:extLst>
+          </p:cNvPr>
+          <p:cNvCxnSpPr>
+            <a:cxnSpLocks/>
+          </p:cNvCxnSpPr>
+          <p:nvPr/>
+        </p:nvCxnSpPr>
+        <p:spPr>
+          <a:xfrm flipV="1">
+            <a:off x="3115831" y="4465719"/>
+            <a:ext cx="1964198" cy="31629"/>
+          </a:xfrm>
+          <a:prstGeom prst="straightConnector1">
+            <a:avLst/>
+          </a:prstGeom>
+          <a:ln>
+            <a:tailEnd type="triangle"/>
+          </a:ln>
+        </p:spPr>
+        <p:style>
+          <a:lnRef idx="1">
+            <a:schemeClr val="accent1"/>
+          </a:lnRef>
+          <a:fillRef idx="0">
+            <a:schemeClr val="accent1"/>
+          </a:fillRef>
+          <a:effectRef idx="0">
+            <a:schemeClr val="accent1"/>
+          </a:effectRef>
+          <a:fontRef idx="minor">
+            <a:schemeClr val="tx1"/>
+          </a:fontRef>
+        </p:style>
+      </p:cxnSp>
+      <p:cxnSp>
+        <p:nvCxnSpPr>
+          <p:cNvPr id="99" name="Straight Arrow Connector 98">
+            <a:extLst>
+              <a:ext uri="{FF2B5EF4-FFF2-40B4-BE49-F238E27FC236}">
+                <a16:creationId xmlns:a16="http://schemas.microsoft.com/office/drawing/2014/main" id="{4F419837-2EEA-8142-A182-B51A331C2CC5}"/>
+              </a:ext>
+            </a:extLst>
+          </p:cNvPr>
+          <p:cNvCxnSpPr>
+            <a:cxnSpLocks/>
+            <a:endCxn id="57" idx="0"/>
+          </p:cNvCxnSpPr>
+          <p:nvPr/>
+        </p:nvCxnSpPr>
+        <p:spPr>
+          <a:xfrm flipH="1">
+            <a:off x="2906208" y="3364612"/>
+            <a:ext cx="58036" cy="913385"/>
+          </a:xfrm>
+          <a:prstGeom prst="straightConnector1">
+            <a:avLst/>
+          </a:prstGeom>
+          <a:ln>
+            <a:tailEnd type="triangle"/>
+          </a:ln>
+        </p:spPr>
+        <p:style>
+          <a:lnRef idx="1">
+            <a:schemeClr val="accent1"/>
+          </a:lnRef>
+          <a:fillRef idx="0">
+            <a:schemeClr val="accent1"/>
+          </a:fillRef>
+          <a:effectRef idx="0">
+            <a:schemeClr val="accent1"/>
+          </a:effectRef>
+          <a:fontRef idx="minor">
+            <a:schemeClr val="tx1"/>
+          </a:fontRef>
+        </p:style>
+      </p:cxnSp>
+      <p:sp>
+        <p:nvSpPr>
+          <p:cNvPr id="102" name="TextBox 101">
+            <a:extLst>
+              <a:ext uri="{FF2B5EF4-FFF2-40B4-BE49-F238E27FC236}">
+                <a16:creationId xmlns:a16="http://schemas.microsoft.com/office/drawing/2014/main" id="{B3544B6D-648E-9C45-9917-293B68700C40}"/>
+              </a:ext>
+            </a:extLst>
+          </p:cNvPr>
+          <p:cNvSpPr txBox="1"/>
+          <p:nvPr/>
+        </p:nvSpPr>
+        <p:spPr>
+          <a:xfrm>
+            <a:off x="2885213" y="3752572"/>
+            <a:ext cx="1805981" cy="369332"/>
+          </a:xfrm>
+          <a:prstGeom prst="rect">
+            <a:avLst/>
+          </a:prstGeom>
+          <a:noFill/>
+        </p:spPr>
+        <p:txBody>
+          <a:bodyPr wrap="square" rtlCol="0">
+            <a:spAutoFit/>
+          </a:bodyPr>
+          <a:lstStyle/>
+          <a:p>
+            <a:r>
+              <a:rPr lang="en-US" altLang="zh-CN">
+                <a:solidFill>
+                  <a:srgbClr val="0070C0"/>
+                </a:solidFill>
+              </a:rPr>
+              <a:t>Orders.New</a:t>
+            </a:r>
+            <a:endParaRPr lang="en-US">
+              <a:solidFill>
+                <a:srgbClr val="0070C0"/>
+              </a:solidFill>
+            </a:endParaRPr>
+          </a:p>
+        </p:txBody>
+      </p:sp>
+      <p:sp>
+        <p:nvSpPr>
+          <p:cNvPr id="103" name="TextBox 102">
+            <a:extLst>
+              <a:ext uri="{FF2B5EF4-FFF2-40B4-BE49-F238E27FC236}">
+                <a16:creationId xmlns:a16="http://schemas.microsoft.com/office/drawing/2014/main" id="{2A42F9F4-3026-E645-A88F-4E5DA7F6C50D}"/>
+              </a:ext>
+            </a:extLst>
+          </p:cNvPr>
+          <p:cNvSpPr txBox="1"/>
+          <p:nvPr/>
+        </p:nvSpPr>
+        <p:spPr>
+          <a:xfrm>
+            <a:off x="3257088" y="4500530"/>
+            <a:ext cx="1805981" cy="369332"/>
+          </a:xfrm>
+          <a:prstGeom prst="rect">
+            <a:avLst/>
+          </a:prstGeom>
+          <a:noFill/>
+        </p:spPr>
+        <p:txBody>
+          <a:bodyPr wrap="square" rtlCol="0">
+            <a:spAutoFit/>
+          </a:bodyPr>
+          <a:lstStyle/>
+          <a:p>
+            <a:r>
+              <a:rPr lang="en-US" altLang="zh-CN">
+                <a:solidFill>
+                  <a:srgbClr val="0070C0"/>
+                </a:solidFill>
+              </a:rPr>
+              <a:t>Inventory.Sell</a:t>
+            </a:r>
+            <a:endParaRPr lang="en-US">
+              <a:solidFill>
+                <a:srgbClr val="0070C0"/>
+              </a:solidFill>
+            </a:endParaRPr>
+          </a:p>
+        </p:txBody>
+      </p:sp>
+      <p:sp>
+        <p:nvSpPr>
+          <p:cNvPr id="104" name="TextBox 103">
+            <a:extLst>
+              <a:ext uri="{FF2B5EF4-FFF2-40B4-BE49-F238E27FC236}">
+                <a16:creationId xmlns:a16="http://schemas.microsoft.com/office/drawing/2014/main" id="{C0264A42-7CA7-C14B-AD68-CA48FB8CE068}"/>
+              </a:ext>
+            </a:extLst>
+          </p:cNvPr>
+          <p:cNvSpPr txBox="1"/>
+          <p:nvPr/>
+        </p:nvSpPr>
+        <p:spPr>
+          <a:xfrm>
+            <a:off x="5744179" y="1220101"/>
+            <a:ext cx="2309283" cy="369332"/>
+          </a:xfrm>
+          <a:prstGeom prst="rect">
+            <a:avLst/>
+          </a:prstGeom>
+          <a:noFill/>
+        </p:spPr>
+        <p:txBody>
+          <a:bodyPr wrap="square" rtlCol="0">
+            <a:spAutoFit/>
+          </a:bodyPr>
+          <a:lstStyle/>
+          <a:p>
+            <a:r>
+              <a:rPr lang="en-US" altLang="zh-CN">
+                <a:solidFill>
+                  <a:srgbClr val="FF0000"/>
+                </a:solidFill>
+              </a:rPr>
+              <a:t>/payment/pay-order</a:t>
+            </a:r>
+            <a:endParaRPr lang="en-US">
+              <a:solidFill>
+                <a:srgbClr val="FF0000"/>
+              </a:solidFill>
+            </a:endParaRPr>
+          </a:p>
+        </p:txBody>
+      </p:sp>
+      <p:cxnSp>
+        <p:nvCxnSpPr>
+          <p:cNvPr id="106" name="Straight Arrow Connector 105">
+            <a:extLst>
+              <a:ext uri="{FF2B5EF4-FFF2-40B4-BE49-F238E27FC236}">
+                <a16:creationId xmlns:a16="http://schemas.microsoft.com/office/drawing/2014/main" id="{C83FBD09-C2F3-1C4F-9ADF-37712174D2E4}"/>
+              </a:ext>
+            </a:extLst>
+          </p:cNvPr>
+          <p:cNvCxnSpPr>
+            <a:cxnSpLocks/>
+            <a:stCxn id="82" idx="2"/>
+          </p:cNvCxnSpPr>
+          <p:nvPr/>
+        </p:nvCxnSpPr>
+        <p:spPr>
+          <a:xfrm>
+            <a:off x="5603069" y="1093568"/>
+            <a:ext cx="318038" cy="787713"/>
+          </a:xfrm>
+          <a:prstGeom prst="straightConnector1">
+            <a:avLst/>
+          </a:prstGeom>
+          <a:ln>
+            <a:solidFill>
+              <a:srgbClr val="FF0000"/>
+            </a:solidFill>
+            <a:tailEnd type="triangle"/>
+          </a:ln>
+        </p:spPr>
+        <p:style>
+          <a:lnRef idx="1">
+            <a:schemeClr val="accent1"/>
+          </a:lnRef>
+          <a:fillRef idx="0">
+            <a:schemeClr val="accent1"/>
+          </a:fillRef>
+          <a:effectRef idx="0">
+            <a:schemeClr val="accent1"/>
+          </a:effectRef>
+          <a:fontRef idx="minor">
+            <a:schemeClr val="tx1"/>
+          </a:fontRef>
+        </p:style>
+      </p:cxnSp>
+      <p:cxnSp>
+        <p:nvCxnSpPr>
+          <p:cNvPr id="108" name="Straight Arrow Connector 107">
+            <a:extLst>
+              <a:ext uri="{FF2B5EF4-FFF2-40B4-BE49-F238E27FC236}">
+                <a16:creationId xmlns:a16="http://schemas.microsoft.com/office/drawing/2014/main" id="{A42BA765-514F-6144-B4A7-34EFFB1EFB46}"/>
+              </a:ext>
+            </a:extLst>
+          </p:cNvPr>
+          <p:cNvCxnSpPr>
+            <a:cxnSpLocks/>
+            <a:stCxn id="66" idx="2"/>
+            <a:endCxn id="78" idx="0"/>
+          </p:cNvCxnSpPr>
+          <p:nvPr/>
+        </p:nvCxnSpPr>
+        <p:spPr>
+          <a:xfrm>
+            <a:off x="5589693" y="2139075"/>
+            <a:ext cx="2668791" cy="992801"/>
+          </a:xfrm>
+          <a:prstGeom prst="straightConnector1">
+            <a:avLst/>
+          </a:prstGeom>
+          <a:ln>
+            <a:solidFill>
+              <a:srgbClr val="FF0000"/>
+            </a:solidFill>
+            <a:tailEnd type="triangle"/>
+          </a:ln>
+        </p:spPr>
+        <p:style>
+          <a:lnRef idx="1">
+            <a:schemeClr val="accent1"/>
+          </a:lnRef>
+          <a:fillRef idx="0">
+            <a:schemeClr val="accent1"/>
+          </a:fillRef>
+          <a:effectRef idx="0">
+            <a:schemeClr val="accent1"/>
+          </a:effectRef>
+          <a:fontRef idx="minor">
+            <a:schemeClr val="tx1"/>
+          </a:fontRef>
+        </p:style>
+      </p:cxnSp>
+      <p:sp>
+        <p:nvSpPr>
+          <p:cNvPr id="115" name="TextBox 114">
+            <a:extLst>
+              <a:ext uri="{FF2B5EF4-FFF2-40B4-BE49-F238E27FC236}">
+                <a16:creationId xmlns:a16="http://schemas.microsoft.com/office/drawing/2014/main" id="{777B733A-7A7D-6B4A-A125-E2EB2E032F93}"/>
+              </a:ext>
+            </a:extLst>
+          </p:cNvPr>
+          <p:cNvSpPr txBox="1"/>
+          <p:nvPr/>
+        </p:nvSpPr>
+        <p:spPr>
+          <a:xfrm>
+            <a:off x="5713685" y="2857859"/>
+            <a:ext cx="2145998" cy="369332"/>
+          </a:xfrm>
+          <a:prstGeom prst="rect">
+            <a:avLst/>
+          </a:prstGeom>
+          <a:noFill/>
+        </p:spPr>
+        <p:txBody>
+          <a:bodyPr wrap="square" rtlCol="0">
+            <a:spAutoFit/>
+          </a:bodyPr>
+          <a:lstStyle/>
+          <a:p>
+            <a:r>
+              <a:rPr lang="en-US" altLang="zh-CN">
+                <a:solidFill>
+                  <a:srgbClr val="FF0000"/>
+                </a:solidFill>
+              </a:rPr>
+              <a:t>/payment/pay-order</a:t>
+            </a:r>
+            <a:endParaRPr lang="en-US">
+              <a:solidFill>
+                <a:srgbClr val="FF0000"/>
+              </a:solidFill>
+            </a:endParaRPr>
+          </a:p>
+        </p:txBody>
+      </p:sp>
+      <p:sp>
+        <p:nvSpPr>
+          <p:cNvPr id="116" name="TextBox 115">
+            <a:extLst>
+              <a:ext uri="{FF2B5EF4-FFF2-40B4-BE49-F238E27FC236}">
+                <a16:creationId xmlns:a16="http://schemas.microsoft.com/office/drawing/2014/main" id="{B1B071B6-5048-624C-9805-E51611CEB951}"/>
+              </a:ext>
+            </a:extLst>
+          </p:cNvPr>
+          <p:cNvSpPr txBox="1"/>
+          <p:nvPr/>
+        </p:nvSpPr>
+        <p:spPr>
+          <a:xfrm>
+            <a:off x="6244958" y="3767377"/>
+            <a:ext cx="2193831" cy="369332"/>
+          </a:xfrm>
+          <a:prstGeom prst="rect">
+            <a:avLst/>
+          </a:prstGeom>
+          <a:noFill/>
+        </p:spPr>
+        <p:txBody>
+          <a:bodyPr wrap="square" rtlCol="0">
+            <a:spAutoFit/>
+          </a:bodyPr>
+          <a:lstStyle/>
+          <a:p>
+            <a:r>
+              <a:rPr lang="en-US" altLang="zh-CN">
+                <a:solidFill>
+                  <a:srgbClr val="FF0000"/>
+                </a:solidFill>
+              </a:rPr>
+              <a:t>Payment.PayOrder</a:t>
+            </a:r>
+            <a:endParaRPr lang="en-US">
+              <a:solidFill>
+                <a:srgbClr val="FF0000"/>
+              </a:solidFill>
+            </a:endParaRPr>
+          </a:p>
+        </p:txBody>
+      </p:sp>
+      <p:sp>
+        <p:nvSpPr>
+          <p:cNvPr id="117" name="TextBox 116">
+            <a:extLst>
+              <a:ext uri="{FF2B5EF4-FFF2-40B4-BE49-F238E27FC236}">
+                <a16:creationId xmlns:a16="http://schemas.microsoft.com/office/drawing/2014/main" id="{1617B992-294A-474C-A878-4CBED42E9E28}"/>
+              </a:ext>
+            </a:extLst>
+          </p:cNvPr>
+          <p:cNvSpPr txBox="1"/>
+          <p:nvPr/>
+        </p:nvSpPr>
+        <p:spPr>
+          <a:xfrm>
+            <a:off x="5883798" y="4435536"/>
+            <a:ext cx="2027599" cy="369332"/>
+          </a:xfrm>
+          <a:prstGeom prst="rect">
+            <a:avLst/>
+          </a:prstGeom>
+          <a:noFill/>
+        </p:spPr>
+        <p:txBody>
+          <a:bodyPr wrap="square" rtlCol="0">
+            <a:spAutoFit/>
+          </a:bodyPr>
+          <a:lstStyle/>
+          <a:p>
+            <a:r>
+              <a:rPr lang="en-US" altLang="zh-CN">
+                <a:solidFill>
+                  <a:srgbClr val="FF0000"/>
+                </a:solidFill>
+              </a:rPr>
+              <a:t>Inventory.Confirm</a:t>
+            </a:r>
+            <a:endParaRPr lang="en-US">
+              <a:solidFill>
+                <a:srgbClr val="FF0000"/>
+              </a:solidFill>
+            </a:endParaRPr>
+          </a:p>
+        </p:txBody>
+      </p:sp>
+      <p:cxnSp>
+        <p:nvCxnSpPr>
+          <p:cNvPr id="118" name="Straight Arrow Connector 117">
+            <a:extLst>
+              <a:ext uri="{FF2B5EF4-FFF2-40B4-BE49-F238E27FC236}">
+                <a16:creationId xmlns:a16="http://schemas.microsoft.com/office/drawing/2014/main" id="{3A8BD132-0B38-6B47-8150-69C69E85AA68}"/>
+              </a:ext>
+            </a:extLst>
+          </p:cNvPr>
+          <p:cNvCxnSpPr>
+            <a:cxnSpLocks/>
+            <a:endCxn id="58" idx="0"/>
+          </p:cNvCxnSpPr>
+          <p:nvPr/>
+        </p:nvCxnSpPr>
+        <p:spPr>
+          <a:xfrm flipH="1">
+            <a:off x="8246126" y="3512053"/>
+            <a:ext cx="36794" cy="749263"/>
+          </a:xfrm>
+          <a:prstGeom prst="straightConnector1">
+            <a:avLst/>
+          </a:prstGeom>
+          <a:ln>
+            <a:solidFill>
+              <a:srgbClr val="FF0000"/>
+            </a:solidFill>
+            <a:tailEnd type="triangle"/>
+          </a:ln>
+        </p:spPr>
+        <p:style>
+          <a:lnRef idx="1">
+            <a:schemeClr val="accent1"/>
+          </a:lnRef>
+          <a:fillRef idx="0">
+            <a:schemeClr val="accent1"/>
+          </a:fillRef>
+          <a:effectRef idx="0">
+            <a:schemeClr val="accent1"/>
+          </a:effectRef>
+          <a:fontRef idx="minor">
+            <a:schemeClr val="tx1"/>
+          </a:fontRef>
+        </p:style>
+      </p:cxnSp>
+      <p:cxnSp>
+        <p:nvCxnSpPr>
+          <p:cNvPr id="121" name="Straight Arrow Connector 120">
+            <a:extLst>
+              <a:ext uri="{FF2B5EF4-FFF2-40B4-BE49-F238E27FC236}">
+                <a16:creationId xmlns:a16="http://schemas.microsoft.com/office/drawing/2014/main" id="{24A84316-8122-2344-8F0C-C0360A306A3A}"/>
+              </a:ext>
+            </a:extLst>
+          </p:cNvPr>
+          <p:cNvCxnSpPr>
+            <a:cxnSpLocks/>
+          </p:cNvCxnSpPr>
+          <p:nvPr/>
+        </p:nvCxnSpPr>
+        <p:spPr>
+          <a:xfrm flipH="1">
+            <a:off x="5488099" y="4448261"/>
+            <a:ext cx="2565363" cy="7206"/>
+          </a:xfrm>
+          <a:prstGeom prst="straightConnector1">
+            <a:avLst/>
+          </a:prstGeom>
+          <a:ln>
+            <a:solidFill>
+              <a:srgbClr val="FF0000"/>
+            </a:solidFill>
+            <a:tailEnd type="triangle"/>
+          </a:ln>
+        </p:spPr>
+        <p:style>
+          <a:lnRef idx="1">
+            <a:schemeClr val="accent1"/>
+          </a:lnRef>
+          <a:fillRef idx="0">
+            <a:schemeClr val="accent1"/>
+          </a:fillRef>
+          <a:effectRef idx="0">
+            <a:schemeClr val="accent1"/>
+          </a:effectRef>
+          <a:fontRef idx="minor">
+            <a:schemeClr val="tx1"/>
+          </a:fontRef>
+        </p:style>
+      </p:cxnSp>
     </p:spTree>
     <p:extLst>
       <p:ext uri="{BB962C8B-B14F-4D97-AF65-F5344CB8AC3E}">
-        <p14:creationId xmlns:p14="http://schemas.microsoft.com/office/powerpoint/2010/main" val="2043662346"/>
+        <p14:creationId xmlns:p14="http://schemas.microsoft.com/office/powerpoint/2010/main" val="136090335"/>
       </p:ext>
     </p:extLst>
   </p:cSld>

--- a/microservice-in-micro/docs/design.pptx
+++ b/microservice-in-micro/docs/design.pptx
@@ -14671,6 +14671,138 @@
           </a:fontRef>
         </p:style>
       </p:cxnSp>
+      <p:sp>
+        <p:nvSpPr>
+          <p:cNvPr id="123" name="TextBox 122">
+            <a:extLst>
+              <a:ext uri="{FF2B5EF4-FFF2-40B4-BE49-F238E27FC236}">
+                <a16:creationId xmlns:a16="http://schemas.microsoft.com/office/drawing/2014/main" id="{15368E63-088C-6E47-9B37-E712505C487B}"/>
+              </a:ext>
+            </a:extLst>
+          </p:cNvPr>
+          <p:cNvSpPr txBox="1"/>
+          <p:nvPr/>
+        </p:nvSpPr>
+        <p:spPr>
+          <a:xfrm>
+            <a:off x="3546575" y="5064540"/>
+            <a:ext cx="4572872" cy="369332"/>
+          </a:xfrm>
+          <a:prstGeom prst="rect">
+            <a:avLst/>
+          </a:prstGeom>
+          <a:noFill/>
+        </p:spPr>
+        <p:txBody>
+          <a:bodyPr wrap="square" rtlCol="0">
+            <a:spAutoFit/>
+          </a:bodyPr>
+          <a:lstStyle/>
+          <a:p>
+            <a:r>
+              <a:rPr lang="en-US" altLang="zh-CN">
+                <a:solidFill>
+                  <a:srgbClr val="FF0000"/>
+                </a:solidFill>
+              </a:rPr>
+              <a:t>pub:</a:t>
+            </a:r>
+            <a:r>
+              <a:rPr lang="zh-CN" altLang="en-US">
+                <a:solidFill>
+                  <a:srgbClr val="FF0000"/>
+                </a:solidFill>
+              </a:rPr>
+              <a:t> </a:t>
+            </a:r>
+            <a:r>
+              <a:rPr lang="en-US">
+                <a:solidFill>
+                  <a:srgbClr val="FF0000"/>
+                </a:solidFill>
+              </a:rPr>
+              <a:t>mu.micro.book.topic.</a:t>
+            </a:r>
+            <a:r>
+              <a:rPr lang="en-US" altLang="zh-CN">
+                <a:solidFill>
+                  <a:srgbClr val="FF0000"/>
+                </a:solidFill>
+              </a:rPr>
+              <a:t>payment</a:t>
+            </a:r>
+            <a:r>
+              <a:rPr lang="en-US">
+                <a:solidFill>
+                  <a:srgbClr val="FF0000"/>
+                </a:solidFill>
+              </a:rPr>
+              <a:t>.</a:t>
+            </a:r>
+            <a:r>
+              <a:rPr lang="en-US" altLang="zh-CN">
+                <a:solidFill>
+                  <a:srgbClr val="FF0000"/>
+                </a:solidFill>
+              </a:rPr>
+              <a:t>done</a:t>
+            </a:r>
+            <a:endParaRPr lang="en-US">
+              <a:solidFill>
+                <a:srgbClr val="FF0000"/>
+              </a:solidFill>
+            </a:endParaRPr>
+          </a:p>
+        </p:txBody>
+      </p:sp>
+      <p:cxnSp>
+        <p:nvCxnSpPr>
+          <p:cNvPr id="128" name="Elbow Connector 127">
+            <a:extLst>
+              <a:ext uri="{FF2B5EF4-FFF2-40B4-BE49-F238E27FC236}">
+                <a16:creationId xmlns:a16="http://schemas.microsoft.com/office/drawing/2014/main" id="{470E5851-65D5-1C46-98DC-361CFE41783C}"/>
+              </a:ext>
+            </a:extLst>
+          </p:cNvPr>
+          <p:cNvCxnSpPr>
+            <a:cxnSpLocks/>
+            <a:stCxn id="58" idx="4"/>
+            <a:endCxn id="62" idx="2"/>
+          </p:cNvCxnSpPr>
+          <p:nvPr/>
+        </p:nvCxnSpPr>
+        <p:spPr>
+          <a:xfrm rot="5400000">
+            <a:off x="5433318" y="2117416"/>
+            <a:ext cx="293465" cy="5332152"/>
+          </a:xfrm>
+          <a:prstGeom prst="bentConnector3">
+            <a:avLst>
+              <a:gd name="adj1" fmla="val 177897"/>
+            </a:avLst>
+          </a:prstGeom>
+          <a:ln>
+            <a:solidFill>
+              <a:srgbClr val="FF0000"/>
+            </a:solidFill>
+            <a:tailEnd type="triangle"/>
+          </a:ln>
+        </p:spPr>
+        <p:style>
+          <a:lnRef idx="1">
+            <a:schemeClr val="accent1"/>
+          </a:lnRef>
+          <a:fillRef idx="0">
+            <a:schemeClr val="accent1"/>
+          </a:fillRef>
+          <a:effectRef idx="0">
+            <a:schemeClr val="accent1"/>
+          </a:effectRef>
+          <a:fontRef idx="minor">
+            <a:schemeClr val="tx1"/>
+          </a:fontRef>
+        </p:style>
+      </p:cxnSp>
     </p:spTree>
     <p:extLst>
       <p:ext uri="{BB962C8B-B14F-4D97-AF65-F5344CB8AC3E}">

--- a/microservice-in-micro/docs/design.pptx
+++ b/microservice-in-micro/docs/design.pptx
@@ -13,6 +13,9 @@
     <p:sldId id="262" r:id="rId7"/>
     <p:sldId id="263" r:id="rId8"/>
     <p:sldId id="264" r:id="rId9"/>
+    <p:sldId id="265" r:id="rId10"/>
+    <p:sldId id="267" r:id="rId11"/>
+    <p:sldId id="266" r:id="rId12"/>
   </p:sldIdLst>
   <p:sldSz cx="12192000" cy="6858000"/>
   <p:notesSz cx="6858000" cy="9144000"/>
@@ -4642,6 +4645,2239 @@
 </p:sld>
 </file>
 
+<file path=ppt/slides/slide10.xml><?xml version="1.0" encoding="utf-8"?>
+<p:sld xmlns:a="http://schemas.openxmlformats.org/drawingml/2006/main" xmlns:r="http://schemas.openxmlformats.org/officeDocument/2006/relationships" xmlns:p="http://schemas.openxmlformats.org/presentationml/2006/main">
+  <p:cSld>
+    <p:spTree>
+      <p:nvGrpSpPr>
+        <p:cNvPr id="1" name=""/>
+        <p:cNvGrpSpPr/>
+        <p:nvPr/>
+      </p:nvGrpSpPr>
+      <p:grpSpPr>
+        <a:xfrm>
+          <a:off x="0" y="0"/>
+          <a:ext cx="0" cy="0"/>
+          <a:chOff x="0" y="0"/>
+          <a:chExt cx="0" cy="0"/>
+        </a:xfrm>
+      </p:grpSpPr>
+      <p:sp>
+        <p:nvSpPr>
+          <p:cNvPr id="4" name="Rounded Rectangle 3">
+            <a:extLst>
+              <a:ext uri="{FF2B5EF4-FFF2-40B4-BE49-F238E27FC236}">
+                <a16:creationId xmlns:a16="http://schemas.microsoft.com/office/drawing/2014/main" id="{A88C9C0A-D587-2844-A4BD-196F12E322FC}"/>
+              </a:ext>
+            </a:extLst>
+          </p:cNvPr>
+          <p:cNvSpPr/>
+          <p:nvPr/>
+        </p:nvSpPr>
+        <p:spPr>
+          <a:xfrm>
+            <a:off x="1782763" y="2604998"/>
+            <a:ext cx="7643812" cy="1360578"/>
+          </a:xfrm>
+          <a:prstGeom prst="roundRect">
+            <a:avLst/>
+          </a:prstGeom>
+          <a:solidFill>
+            <a:schemeClr val="bg1"/>
+          </a:solidFill>
+          <a:ln>
+            <a:solidFill>
+              <a:schemeClr val="tx1"/>
+            </a:solidFill>
+          </a:ln>
+        </p:spPr>
+        <p:style>
+          <a:lnRef idx="2">
+            <a:schemeClr val="accent1">
+              <a:shade val="50000"/>
+            </a:schemeClr>
+          </a:lnRef>
+          <a:fillRef idx="1">
+            <a:schemeClr val="accent1"/>
+          </a:fillRef>
+          <a:effectRef idx="0">
+            <a:schemeClr val="accent1"/>
+          </a:effectRef>
+          <a:fontRef idx="minor">
+            <a:schemeClr val="lt1"/>
+          </a:fontRef>
+        </p:style>
+        <p:txBody>
+          <a:bodyPr rtlCol="0" anchor="ctr"/>
+          <a:lstStyle/>
+          <a:p>
+            <a:pPr algn="ctr"/>
+            <a:endParaRPr lang="en-US" sz="1600">
+              <a:solidFill>
+                <a:schemeClr val="tx1"/>
+              </a:solidFill>
+            </a:endParaRPr>
+          </a:p>
+        </p:txBody>
+      </p:sp>
+      <p:sp>
+        <p:nvSpPr>
+          <p:cNvPr id="5" name="Oval 4">
+            <a:extLst>
+              <a:ext uri="{FF2B5EF4-FFF2-40B4-BE49-F238E27FC236}">
+                <a16:creationId xmlns:a16="http://schemas.microsoft.com/office/drawing/2014/main" id="{D7D02241-5F95-2548-80FC-945D4019D8F2}"/>
+              </a:ext>
+            </a:extLst>
+          </p:cNvPr>
+          <p:cNvSpPr/>
+          <p:nvPr/>
+        </p:nvSpPr>
+        <p:spPr>
+          <a:xfrm>
+            <a:off x="2575384" y="2709408"/>
+            <a:ext cx="360611" cy="375444"/>
+          </a:xfrm>
+          <a:prstGeom prst="ellipse">
+            <a:avLst/>
+          </a:prstGeom>
+          <a:solidFill>
+            <a:schemeClr val="bg1"/>
+          </a:solidFill>
+          <a:ln>
+            <a:solidFill>
+              <a:srgbClr val="FF0000"/>
+            </a:solidFill>
+          </a:ln>
+        </p:spPr>
+        <p:style>
+          <a:lnRef idx="2">
+            <a:schemeClr val="accent1">
+              <a:shade val="50000"/>
+            </a:schemeClr>
+          </a:lnRef>
+          <a:fillRef idx="1">
+            <a:schemeClr val="accent1"/>
+          </a:fillRef>
+          <a:effectRef idx="0">
+            <a:schemeClr val="accent1"/>
+          </a:effectRef>
+          <a:fontRef idx="minor">
+            <a:schemeClr val="lt1"/>
+          </a:fontRef>
+        </p:style>
+        <p:txBody>
+          <a:bodyPr rtlCol="0" anchor="ctr"/>
+          <a:lstStyle/>
+          <a:p>
+            <a:pPr algn="ctr"/>
+            <a:endParaRPr lang="en-US" sz="1600" dirty="0">
+              <a:solidFill>
+                <a:schemeClr val="tx1"/>
+              </a:solidFill>
+            </a:endParaRPr>
+          </a:p>
+        </p:txBody>
+      </p:sp>
+      <p:sp>
+        <p:nvSpPr>
+          <p:cNvPr id="6" name="Oval 5">
+            <a:extLst>
+              <a:ext uri="{FF2B5EF4-FFF2-40B4-BE49-F238E27FC236}">
+                <a16:creationId xmlns:a16="http://schemas.microsoft.com/office/drawing/2014/main" id="{65C3F94C-27BF-BB46-9077-FF05DED0C2C1}"/>
+              </a:ext>
+            </a:extLst>
+          </p:cNvPr>
+          <p:cNvSpPr/>
+          <p:nvPr/>
+        </p:nvSpPr>
+        <p:spPr>
+          <a:xfrm>
+            <a:off x="3772235" y="3310864"/>
+            <a:ext cx="385327" cy="375444"/>
+          </a:xfrm>
+          <a:prstGeom prst="ellipse">
+            <a:avLst/>
+          </a:prstGeom>
+          <a:solidFill>
+            <a:schemeClr val="bg1"/>
+          </a:solidFill>
+          <a:ln>
+            <a:solidFill>
+              <a:srgbClr val="FF0000"/>
+            </a:solidFill>
+          </a:ln>
+        </p:spPr>
+        <p:style>
+          <a:lnRef idx="2">
+            <a:schemeClr val="accent1">
+              <a:shade val="50000"/>
+            </a:schemeClr>
+          </a:lnRef>
+          <a:fillRef idx="1">
+            <a:schemeClr val="accent1"/>
+          </a:fillRef>
+          <a:effectRef idx="0">
+            <a:schemeClr val="accent1"/>
+          </a:effectRef>
+          <a:fontRef idx="minor">
+            <a:schemeClr val="lt1"/>
+          </a:fontRef>
+        </p:style>
+        <p:txBody>
+          <a:bodyPr rtlCol="0" anchor="ctr"/>
+          <a:lstStyle/>
+          <a:p>
+            <a:pPr algn="ctr"/>
+            <a:endParaRPr lang="en-US" sz="1600">
+              <a:solidFill>
+                <a:schemeClr val="tx1"/>
+              </a:solidFill>
+            </a:endParaRPr>
+          </a:p>
+        </p:txBody>
+      </p:sp>
+      <p:sp>
+        <p:nvSpPr>
+          <p:cNvPr id="7" name="Oval 6">
+            <a:extLst>
+              <a:ext uri="{FF2B5EF4-FFF2-40B4-BE49-F238E27FC236}">
+                <a16:creationId xmlns:a16="http://schemas.microsoft.com/office/drawing/2014/main" id="{57F7A0AB-E2FB-C240-AC3B-85AC349AE306}"/>
+              </a:ext>
+            </a:extLst>
+          </p:cNvPr>
+          <p:cNvSpPr/>
+          <p:nvPr/>
+        </p:nvSpPr>
+        <p:spPr>
+          <a:xfrm>
+            <a:off x="4891488" y="3337484"/>
+            <a:ext cx="385327" cy="375444"/>
+          </a:xfrm>
+          <a:prstGeom prst="ellipse">
+            <a:avLst/>
+          </a:prstGeom>
+          <a:solidFill>
+            <a:schemeClr val="bg1"/>
+          </a:solidFill>
+          <a:ln>
+            <a:solidFill>
+              <a:srgbClr val="FF0000"/>
+            </a:solidFill>
+          </a:ln>
+        </p:spPr>
+        <p:style>
+          <a:lnRef idx="2">
+            <a:schemeClr val="accent1">
+              <a:shade val="50000"/>
+            </a:schemeClr>
+          </a:lnRef>
+          <a:fillRef idx="1">
+            <a:schemeClr val="accent1"/>
+          </a:fillRef>
+          <a:effectRef idx="0">
+            <a:schemeClr val="accent1"/>
+          </a:effectRef>
+          <a:fontRef idx="minor">
+            <a:schemeClr val="lt1"/>
+          </a:fontRef>
+        </p:style>
+        <p:txBody>
+          <a:bodyPr rtlCol="0" anchor="ctr"/>
+          <a:lstStyle/>
+          <a:p>
+            <a:pPr algn="ctr"/>
+            <a:endParaRPr lang="en-US" sz="1600">
+              <a:solidFill>
+                <a:schemeClr val="tx1"/>
+              </a:solidFill>
+            </a:endParaRPr>
+          </a:p>
+        </p:txBody>
+      </p:sp>
+      <p:sp>
+        <p:nvSpPr>
+          <p:cNvPr id="8" name="Oval 7">
+            <a:extLst>
+              <a:ext uri="{FF2B5EF4-FFF2-40B4-BE49-F238E27FC236}">
+                <a16:creationId xmlns:a16="http://schemas.microsoft.com/office/drawing/2014/main" id="{E509FCDA-9339-1044-B538-732B8B7B1EE6}"/>
+              </a:ext>
+            </a:extLst>
+          </p:cNvPr>
+          <p:cNvSpPr/>
+          <p:nvPr/>
+        </p:nvSpPr>
+        <p:spPr>
+          <a:xfrm>
+            <a:off x="8123673" y="3321497"/>
+            <a:ext cx="385327" cy="375444"/>
+          </a:xfrm>
+          <a:prstGeom prst="ellipse">
+            <a:avLst/>
+          </a:prstGeom>
+          <a:solidFill>
+            <a:schemeClr val="bg1"/>
+          </a:solidFill>
+          <a:ln>
+            <a:solidFill>
+              <a:srgbClr val="FF0000"/>
+            </a:solidFill>
+          </a:ln>
+        </p:spPr>
+        <p:style>
+          <a:lnRef idx="2">
+            <a:schemeClr val="accent1">
+              <a:shade val="50000"/>
+            </a:schemeClr>
+          </a:lnRef>
+          <a:fillRef idx="1">
+            <a:schemeClr val="accent1"/>
+          </a:fillRef>
+          <a:effectRef idx="0">
+            <a:schemeClr val="accent1"/>
+          </a:effectRef>
+          <a:fontRef idx="minor">
+            <a:schemeClr val="lt1"/>
+          </a:fontRef>
+        </p:style>
+        <p:txBody>
+          <a:bodyPr rtlCol="0" anchor="ctr"/>
+          <a:lstStyle/>
+          <a:p>
+            <a:pPr algn="ctr"/>
+            <a:endParaRPr lang="en-US" sz="1600">
+              <a:solidFill>
+                <a:schemeClr val="tx1"/>
+              </a:solidFill>
+            </a:endParaRPr>
+          </a:p>
+        </p:txBody>
+      </p:sp>
+      <p:sp>
+        <p:nvSpPr>
+          <p:cNvPr id="9" name="TextBox 8">
+            <a:extLst>
+              <a:ext uri="{FF2B5EF4-FFF2-40B4-BE49-F238E27FC236}">
+                <a16:creationId xmlns:a16="http://schemas.microsoft.com/office/drawing/2014/main" id="{2894DEC5-60A7-AD42-BB09-5A6FBABD558E}"/>
+              </a:ext>
+            </a:extLst>
+          </p:cNvPr>
+          <p:cNvSpPr txBox="1"/>
+          <p:nvPr/>
+        </p:nvSpPr>
+        <p:spPr>
+          <a:xfrm>
+            <a:off x="2187994" y="3005141"/>
+            <a:ext cx="1164664" cy="338554"/>
+          </a:xfrm>
+          <a:prstGeom prst="rect">
+            <a:avLst/>
+          </a:prstGeom>
+          <a:noFill/>
+        </p:spPr>
+        <p:txBody>
+          <a:bodyPr wrap="square" rtlCol="0">
+            <a:spAutoFit/>
+          </a:bodyPr>
+          <a:lstStyle/>
+          <a:p>
+            <a:pPr algn="ctr"/>
+            <a:r>
+              <a:rPr lang="en-US" sz="1600"/>
+              <a:t>user</a:t>
+            </a:r>
+            <a:r>
+              <a:rPr lang="en-US" altLang="zh-CN" sz="1600"/>
+              <a:t>s-web</a:t>
+            </a:r>
+            <a:endParaRPr lang="en-US" sz="1600" dirty="0"/>
+          </a:p>
+        </p:txBody>
+      </p:sp>
+      <p:sp>
+        <p:nvSpPr>
+          <p:cNvPr id="10" name="TextBox 9">
+            <a:extLst>
+              <a:ext uri="{FF2B5EF4-FFF2-40B4-BE49-F238E27FC236}">
+                <a16:creationId xmlns:a16="http://schemas.microsoft.com/office/drawing/2014/main" id="{ABD06A86-9DEA-B745-B369-35C7E9E01DC1}"/>
+              </a:ext>
+            </a:extLst>
+          </p:cNvPr>
+          <p:cNvSpPr txBox="1"/>
+          <p:nvPr/>
+        </p:nvSpPr>
+        <p:spPr>
+          <a:xfrm>
+            <a:off x="3654803" y="3636006"/>
+            <a:ext cx="686140" cy="338554"/>
+          </a:xfrm>
+          <a:prstGeom prst="rect">
+            <a:avLst/>
+          </a:prstGeom>
+          <a:noFill/>
+        </p:spPr>
+        <p:txBody>
+          <a:bodyPr wrap="square" rtlCol="0">
+            <a:spAutoFit/>
+          </a:bodyPr>
+          <a:lstStyle/>
+          <a:p>
+            <a:pPr algn="ctr"/>
+            <a:r>
+              <a:rPr lang="en-US" sz="1600" dirty="0" err="1"/>
+              <a:t>auth</a:t>
+            </a:r>
+            <a:endParaRPr lang="en-US" sz="1600" dirty="0"/>
+          </a:p>
+        </p:txBody>
+      </p:sp>
+      <p:sp>
+        <p:nvSpPr>
+          <p:cNvPr id="11" name="TextBox 10">
+            <a:extLst>
+              <a:ext uri="{FF2B5EF4-FFF2-40B4-BE49-F238E27FC236}">
+                <a16:creationId xmlns:a16="http://schemas.microsoft.com/office/drawing/2014/main" id="{4EF75E50-FCE1-314C-BF42-F01E386AA582}"/>
+              </a:ext>
+            </a:extLst>
+          </p:cNvPr>
+          <p:cNvSpPr txBox="1"/>
+          <p:nvPr/>
+        </p:nvSpPr>
+        <p:spPr>
+          <a:xfrm>
+            <a:off x="7820657" y="3658889"/>
+            <a:ext cx="1073946" cy="338554"/>
+          </a:xfrm>
+          <a:prstGeom prst="rect">
+            <a:avLst/>
+          </a:prstGeom>
+          <a:noFill/>
+        </p:spPr>
+        <p:txBody>
+          <a:bodyPr wrap="square" rtlCol="0">
+            <a:spAutoFit/>
+          </a:bodyPr>
+          <a:lstStyle/>
+          <a:p>
+            <a:pPr algn="ctr"/>
+            <a:r>
+              <a:rPr lang="en-US" sz="1600" dirty="0"/>
+              <a:t>pay</a:t>
+            </a:r>
+            <a:r>
+              <a:rPr lang="en-US" altLang="zh-CN" sz="1600" dirty="0"/>
+              <a:t>ment</a:t>
+            </a:r>
+            <a:endParaRPr lang="en-US" sz="1600" dirty="0"/>
+          </a:p>
+        </p:txBody>
+      </p:sp>
+      <p:sp>
+        <p:nvSpPr>
+          <p:cNvPr id="12" name="TextBox 11">
+            <a:extLst>
+              <a:ext uri="{FF2B5EF4-FFF2-40B4-BE49-F238E27FC236}">
+                <a16:creationId xmlns:a16="http://schemas.microsoft.com/office/drawing/2014/main" id="{A324C986-31E4-4249-9F28-388A8BFEAD87}"/>
+              </a:ext>
+            </a:extLst>
+          </p:cNvPr>
+          <p:cNvSpPr txBox="1"/>
+          <p:nvPr/>
+        </p:nvSpPr>
+        <p:spPr>
+          <a:xfrm>
+            <a:off x="4690463" y="3651158"/>
+            <a:ext cx="802910" cy="338554"/>
+          </a:xfrm>
+          <a:prstGeom prst="rect">
+            <a:avLst/>
+          </a:prstGeom>
+          <a:noFill/>
+        </p:spPr>
+        <p:txBody>
+          <a:bodyPr wrap="square" rtlCol="0">
+            <a:spAutoFit/>
+          </a:bodyPr>
+          <a:lstStyle/>
+          <a:p>
+            <a:pPr algn="ctr"/>
+            <a:r>
+              <a:rPr lang="en-US" sz="1600" dirty="0"/>
+              <a:t>orders</a:t>
+            </a:r>
+          </a:p>
+        </p:txBody>
+      </p:sp>
+      <p:sp>
+        <p:nvSpPr>
+          <p:cNvPr id="13" name="Oval 12">
+            <a:extLst>
+              <a:ext uri="{FF2B5EF4-FFF2-40B4-BE49-F238E27FC236}">
+                <a16:creationId xmlns:a16="http://schemas.microsoft.com/office/drawing/2014/main" id="{3082FF18-4B3B-0048-9411-88A22F312658}"/>
+              </a:ext>
+            </a:extLst>
+          </p:cNvPr>
+          <p:cNvSpPr/>
+          <p:nvPr/>
+        </p:nvSpPr>
+        <p:spPr>
+          <a:xfrm>
+            <a:off x="6822431" y="3348113"/>
+            <a:ext cx="385327" cy="375444"/>
+          </a:xfrm>
+          <a:prstGeom prst="ellipse">
+            <a:avLst/>
+          </a:prstGeom>
+          <a:solidFill>
+            <a:schemeClr val="bg1"/>
+          </a:solidFill>
+          <a:ln>
+            <a:solidFill>
+              <a:srgbClr val="FF0000"/>
+            </a:solidFill>
+          </a:ln>
+        </p:spPr>
+        <p:style>
+          <a:lnRef idx="2">
+            <a:schemeClr val="accent1">
+              <a:shade val="50000"/>
+            </a:schemeClr>
+          </a:lnRef>
+          <a:fillRef idx="1">
+            <a:schemeClr val="accent1"/>
+          </a:fillRef>
+          <a:effectRef idx="0">
+            <a:schemeClr val="accent1"/>
+          </a:effectRef>
+          <a:fontRef idx="minor">
+            <a:schemeClr val="lt1"/>
+          </a:fontRef>
+        </p:style>
+        <p:txBody>
+          <a:bodyPr rtlCol="0" anchor="ctr"/>
+          <a:lstStyle/>
+          <a:p>
+            <a:pPr algn="ctr"/>
+            <a:endParaRPr lang="en-US" sz="1600">
+              <a:solidFill>
+                <a:schemeClr val="tx1"/>
+              </a:solidFill>
+            </a:endParaRPr>
+          </a:p>
+        </p:txBody>
+      </p:sp>
+      <p:sp>
+        <p:nvSpPr>
+          <p:cNvPr id="14" name="TextBox 13">
+            <a:extLst>
+              <a:ext uri="{FF2B5EF4-FFF2-40B4-BE49-F238E27FC236}">
+                <a16:creationId xmlns:a16="http://schemas.microsoft.com/office/drawing/2014/main" id="{30226585-A694-C849-B0E5-1838EE451E55}"/>
+              </a:ext>
+            </a:extLst>
+          </p:cNvPr>
+          <p:cNvSpPr txBox="1"/>
+          <p:nvPr/>
+        </p:nvSpPr>
+        <p:spPr>
+          <a:xfrm>
+            <a:off x="6537806" y="3679245"/>
+            <a:ext cx="1143151" cy="338554"/>
+          </a:xfrm>
+          <a:prstGeom prst="rect">
+            <a:avLst/>
+          </a:prstGeom>
+          <a:noFill/>
+        </p:spPr>
+        <p:txBody>
+          <a:bodyPr wrap="square" rtlCol="0">
+            <a:spAutoFit/>
+          </a:bodyPr>
+          <a:lstStyle/>
+          <a:p>
+            <a:pPr algn="ctr"/>
+            <a:r>
+              <a:rPr lang="en-US" sz="1600" dirty="0"/>
+              <a:t>inventory</a:t>
+            </a:r>
+          </a:p>
+        </p:txBody>
+      </p:sp>
+      <p:sp>
+        <p:nvSpPr>
+          <p:cNvPr id="16" name="Rounded Rectangle 15">
+            <a:extLst>
+              <a:ext uri="{FF2B5EF4-FFF2-40B4-BE49-F238E27FC236}">
+                <a16:creationId xmlns:a16="http://schemas.microsoft.com/office/drawing/2014/main" id="{AD17F8E4-B471-7D48-90FF-F5A25807ACE4}"/>
+              </a:ext>
+            </a:extLst>
+          </p:cNvPr>
+          <p:cNvSpPr/>
+          <p:nvPr/>
+        </p:nvSpPr>
+        <p:spPr>
+          <a:xfrm>
+            <a:off x="1782763" y="1765248"/>
+            <a:ext cx="7643812" cy="683658"/>
+          </a:xfrm>
+          <a:prstGeom prst="roundRect">
+            <a:avLst/>
+          </a:prstGeom>
+          <a:solidFill>
+            <a:schemeClr val="bg1"/>
+          </a:solidFill>
+          <a:ln>
+            <a:solidFill>
+              <a:schemeClr val="tx1"/>
+            </a:solidFill>
+          </a:ln>
+        </p:spPr>
+        <p:style>
+          <a:lnRef idx="2">
+            <a:schemeClr val="accent1">
+              <a:shade val="50000"/>
+            </a:schemeClr>
+          </a:lnRef>
+          <a:fillRef idx="1">
+            <a:schemeClr val="accent1"/>
+          </a:fillRef>
+          <a:effectRef idx="0">
+            <a:schemeClr val="accent1"/>
+          </a:effectRef>
+          <a:fontRef idx="minor">
+            <a:schemeClr val="lt1"/>
+          </a:fontRef>
+        </p:style>
+        <p:txBody>
+          <a:bodyPr rtlCol="0" anchor="ctr"/>
+          <a:lstStyle/>
+          <a:p>
+            <a:pPr algn="ctr"/>
+            <a:endParaRPr lang="en-US" sz="1600">
+              <a:solidFill>
+                <a:schemeClr val="tx1"/>
+              </a:solidFill>
+            </a:endParaRPr>
+          </a:p>
+        </p:txBody>
+      </p:sp>
+      <p:sp>
+        <p:nvSpPr>
+          <p:cNvPr id="18" name="Rounded Rectangle 17">
+            <a:extLst>
+              <a:ext uri="{FF2B5EF4-FFF2-40B4-BE49-F238E27FC236}">
+                <a16:creationId xmlns:a16="http://schemas.microsoft.com/office/drawing/2014/main" id="{1F81A9D7-348F-384D-A6EB-3BED55660D39}"/>
+              </a:ext>
+            </a:extLst>
+          </p:cNvPr>
+          <p:cNvSpPr/>
+          <p:nvPr/>
+        </p:nvSpPr>
+        <p:spPr>
+          <a:xfrm>
+            <a:off x="4795404" y="1921339"/>
+            <a:ext cx="1310531" cy="371475"/>
+          </a:xfrm>
+          <a:prstGeom prst="roundRect">
+            <a:avLst/>
+          </a:prstGeom>
+          <a:solidFill>
+            <a:schemeClr val="bg1"/>
+          </a:solidFill>
+          <a:ln>
+            <a:solidFill>
+              <a:schemeClr val="tx1"/>
+            </a:solidFill>
+          </a:ln>
+        </p:spPr>
+        <p:style>
+          <a:lnRef idx="2">
+            <a:schemeClr val="accent1">
+              <a:shade val="50000"/>
+            </a:schemeClr>
+          </a:lnRef>
+          <a:fillRef idx="1">
+            <a:schemeClr val="accent1"/>
+          </a:fillRef>
+          <a:effectRef idx="0">
+            <a:schemeClr val="accent1"/>
+          </a:effectRef>
+          <a:fontRef idx="minor">
+            <a:schemeClr val="lt1"/>
+          </a:fontRef>
+        </p:style>
+        <p:txBody>
+          <a:bodyPr rtlCol="0" anchor="ctr"/>
+          <a:lstStyle/>
+          <a:p>
+            <a:pPr algn="ctr"/>
+            <a:r>
+              <a:rPr lang="en-US" sz="1600" dirty="0">
+                <a:solidFill>
+                  <a:schemeClr val="tx1"/>
+                </a:solidFill>
+              </a:rPr>
+              <a:t>API</a:t>
+            </a:r>
+          </a:p>
+        </p:txBody>
+      </p:sp>
+      <p:sp>
+        <p:nvSpPr>
+          <p:cNvPr id="22" name="Rounded Rectangle 21">
+            <a:extLst>
+              <a:ext uri="{FF2B5EF4-FFF2-40B4-BE49-F238E27FC236}">
+                <a16:creationId xmlns:a16="http://schemas.microsoft.com/office/drawing/2014/main" id="{08CB58ED-72BC-8B43-B14A-D8E57F2809CE}"/>
+              </a:ext>
+            </a:extLst>
+          </p:cNvPr>
+          <p:cNvSpPr/>
+          <p:nvPr/>
+        </p:nvSpPr>
+        <p:spPr>
+          <a:xfrm>
+            <a:off x="1782762" y="4237034"/>
+            <a:ext cx="7643812" cy="683658"/>
+          </a:xfrm>
+          <a:prstGeom prst="roundRect">
+            <a:avLst/>
+          </a:prstGeom>
+          <a:solidFill>
+            <a:schemeClr val="bg1"/>
+          </a:solidFill>
+          <a:ln>
+            <a:solidFill>
+              <a:schemeClr val="tx1"/>
+            </a:solidFill>
+          </a:ln>
+        </p:spPr>
+        <p:style>
+          <a:lnRef idx="2">
+            <a:schemeClr val="accent1">
+              <a:shade val="50000"/>
+            </a:schemeClr>
+          </a:lnRef>
+          <a:fillRef idx="1">
+            <a:schemeClr val="accent1"/>
+          </a:fillRef>
+          <a:effectRef idx="0">
+            <a:schemeClr val="accent1"/>
+          </a:effectRef>
+          <a:fontRef idx="minor">
+            <a:schemeClr val="lt1"/>
+          </a:fontRef>
+        </p:style>
+        <p:txBody>
+          <a:bodyPr rtlCol="0" anchor="ctr"/>
+          <a:lstStyle/>
+          <a:p>
+            <a:pPr algn="ctr"/>
+            <a:endParaRPr lang="en-US" sz="1600">
+              <a:solidFill>
+                <a:schemeClr val="tx1"/>
+              </a:solidFill>
+            </a:endParaRPr>
+          </a:p>
+        </p:txBody>
+      </p:sp>
+      <p:sp>
+        <p:nvSpPr>
+          <p:cNvPr id="23" name="Rounded Rectangle 22">
+            <a:extLst>
+              <a:ext uri="{FF2B5EF4-FFF2-40B4-BE49-F238E27FC236}">
+                <a16:creationId xmlns:a16="http://schemas.microsoft.com/office/drawing/2014/main" id="{40239188-4730-7040-BF13-124CB21999A4}"/>
+              </a:ext>
+            </a:extLst>
+          </p:cNvPr>
+          <p:cNvSpPr/>
+          <p:nvPr/>
+        </p:nvSpPr>
+        <p:spPr>
+          <a:xfrm>
+            <a:off x="2181648" y="4393125"/>
+            <a:ext cx="934182" cy="371475"/>
+          </a:xfrm>
+          <a:prstGeom prst="roundRect">
+            <a:avLst/>
+          </a:prstGeom>
+          <a:solidFill>
+            <a:schemeClr val="bg1"/>
+          </a:solidFill>
+          <a:ln>
+            <a:solidFill>
+              <a:schemeClr val="tx1"/>
+            </a:solidFill>
+          </a:ln>
+        </p:spPr>
+        <p:style>
+          <a:lnRef idx="2">
+            <a:schemeClr val="accent1">
+              <a:shade val="50000"/>
+            </a:schemeClr>
+          </a:lnRef>
+          <a:fillRef idx="1">
+            <a:schemeClr val="accent1"/>
+          </a:fillRef>
+          <a:effectRef idx="0">
+            <a:schemeClr val="accent1"/>
+          </a:effectRef>
+          <a:fontRef idx="minor">
+            <a:schemeClr val="lt1"/>
+          </a:fontRef>
+        </p:style>
+        <p:txBody>
+          <a:bodyPr rtlCol="0" anchor="ctr"/>
+          <a:lstStyle/>
+          <a:p>
+            <a:pPr algn="ctr"/>
+            <a:r>
+              <a:rPr lang="en-US" sz="1600" dirty="0">
+                <a:solidFill>
+                  <a:schemeClr val="tx1"/>
+                </a:solidFill>
+              </a:rPr>
+              <a:t>API</a:t>
+            </a:r>
+          </a:p>
+        </p:txBody>
+      </p:sp>
+      <p:sp>
+        <p:nvSpPr>
+          <p:cNvPr id="24" name="Rounded Rectangle 23">
+            <a:extLst>
+              <a:ext uri="{FF2B5EF4-FFF2-40B4-BE49-F238E27FC236}">
+                <a16:creationId xmlns:a16="http://schemas.microsoft.com/office/drawing/2014/main" id="{42B0CD49-ADC9-AC4F-9E99-E00C7F0FF3BA}"/>
+              </a:ext>
+            </a:extLst>
+          </p:cNvPr>
+          <p:cNvSpPr/>
+          <p:nvPr/>
+        </p:nvSpPr>
+        <p:spPr>
+          <a:xfrm>
+            <a:off x="3743748" y="4393125"/>
+            <a:ext cx="934182" cy="371475"/>
+          </a:xfrm>
+          <a:prstGeom prst="roundRect">
+            <a:avLst/>
+          </a:prstGeom>
+          <a:solidFill>
+            <a:schemeClr val="bg1"/>
+          </a:solidFill>
+          <a:ln>
+            <a:solidFill>
+              <a:schemeClr val="tx1"/>
+            </a:solidFill>
+          </a:ln>
+        </p:spPr>
+        <p:style>
+          <a:lnRef idx="2">
+            <a:schemeClr val="accent1">
+              <a:shade val="50000"/>
+            </a:schemeClr>
+          </a:lnRef>
+          <a:fillRef idx="1">
+            <a:schemeClr val="accent1"/>
+          </a:fillRef>
+          <a:effectRef idx="0">
+            <a:schemeClr val="accent1"/>
+          </a:effectRef>
+          <a:fontRef idx="minor">
+            <a:schemeClr val="lt1"/>
+          </a:fontRef>
+        </p:style>
+        <p:txBody>
+          <a:bodyPr rtlCol="0" anchor="ctr"/>
+          <a:lstStyle/>
+          <a:p>
+            <a:pPr algn="ctr"/>
+            <a:r>
+              <a:rPr lang="en-US" sz="1600" dirty="0">
+                <a:solidFill>
+                  <a:schemeClr val="tx1"/>
+                </a:solidFill>
+              </a:rPr>
+              <a:t>Bot</a:t>
+            </a:r>
+          </a:p>
+        </p:txBody>
+      </p:sp>
+      <p:sp>
+        <p:nvSpPr>
+          <p:cNvPr id="25" name="Rounded Rectangle 24">
+            <a:extLst>
+              <a:ext uri="{FF2B5EF4-FFF2-40B4-BE49-F238E27FC236}">
+                <a16:creationId xmlns:a16="http://schemas.microsoft.com/office/drawing/2014/main" id="{1595CF05-1E69-954F-A96B-C7692052C3B4}"/>
+              </a:ext>
+            </a:extLst>
+          </p:cNvPr>
+          <p:cNvSpPr/>
+          <p:nvPr/>
+        </p:nvSpPr>
+        <p:spPr>
+          <a:xfrm>
+            <a:off x="5310775" y="4393125"/>
+            <a:ext cx="934182" cy="371475"/>
+          </a:xfrm>
+          <a:prstGeom prst="roundRect">
+            <a:avLst/>
+          </a:prstGeom>
+          <a:solidFill>
+            <a:schemeClr val="bg1"/>
+          </a:solidFill>
+          <a:ln>
+            <a:solidFill>
+              <a:schemeClr val="tx1"/>
+            </a:solidFill>
+          </a:ln>
+        </p:spPr>
+        <p:style>
+          <a:lnRef idx="2">
+            <a:schemeClr val="accent1">
+              <a:shade val="50000"/>
+            </a:schemeClr>
+          </a:lnRef>
+          <a:fillRef idx="1">
+            <a:schemeClr val="accent1"/>
+          </a:fillRef>
+          <a:effectRef idx="0">
+            <a:schemeClr val="accent1"/>
+          </a:effectRef>
+          <a:fontRef idx="minor">
+            <a:schemeClr val="lt1"/>
+          </a:fontRef>
+        </p:style>
+        <p:txBody>
+          <a:bodyPr rtlCol="0" anchor="ctr"/>
+          <a:lstStyle/>
+          <a:p>
+            <a:pPr algn="ctr"/>
+            <a:r>
+              <a:rPr lang="en-US" sz="1600" dirty="0">
+                <a:solidFill>
+                  <a:schemeClr val="tx1"/>
+                </a:solidFill>
+              </a:rPr>
+              <a:t>CLI</a:t>
+            </a:r>
+          </a:p>
+        </p:txBody>
+      </p:sp>
+      <p:sp>
+        <p:nvSpPr>
+          <p:cNvPr id="26" name="Rounded Rectangle 25">
+            <a:extLst>
+              <a:ext uri="{FF2B5EF4-FFF2-40B4-BE49-F238E27FC236}">
+                <a16:creationId xmlns:a16="http://schemas.microsoft.com/office/drawing/2014/main" id="{5EFEE84A-3CE7-0945-9CCF-5F91BA78DD82}"/>
+              </a:ext>
+            </a:extLst>
+          </p:cNvPr>
+          <p:cNvSpPr/>
+          <p:nvPr/>
+        </p:nvSpPr>
+        <p:spPr>
+          <a:xfrm>
+            <a:off x="6846858" y="4393125"/>
+            <a:ext cx="934182" cy="371475"/>
+          </a:xfrm>
+          <a:prstGeom prst="roundRect">
+            <a:avLst/>
+          </a:prstGeom>
+          <a:solidFill>
+            <a:schemeClr val="bg1"/>
+          </a:solidFill>
+          <a:ln>
+            <a:solidFill>
+              <a:schemeClr val="tx1"/>
+            </a:solidFill>
+          </a:ln>
+        </p:spPr>
+        <p:style>
+          <a:lnRef idx="2">
+            <a:schemeClr val="accent1">
+              <a:shade val="50000"/>
+            </a:schemeClr>
+          </a:lnRef>
+          <a:fillRef idx="1">
+            <a:schemeClr val="accent1"/>
+          </a:fillRef>
+          <a:effectRef idx="0">
+            <a:schemeClr val="accent1"/>
+          </a:effectRef>
+          <a:fontRef idx="minor">
+            <a:schemeClr val="lt1"/>
+          </a:fontRef>
+        </p:style>
+        <p:txBody>
+          <a:bodyPr rtlCol="0" anchor="ctr"/>
+          <a:lstStyle/>
+          <a:p>
+            <a:pPr algn="ctr"/>
+            <a:r>
+              <a:rPr lang="en-US" sz="1600" dirty="0">
+                <a:solidFill>
+                  <a:schemeClr val="tx1"/>
+                </a:solidFill>
+              </a:rPr>
+              <a:t>Proxy</a:t>
+            </a:r>
+          </a:p>
+        </p:txBody>
+      </p:sp>
+      <p:sp>
+        <p:nvSpPr>
+          <p:cNvPr id="27" name="Rounded Rectangle 26">
+            <a:extLst>
+              <a:ext uri="{FF2B5EF4-FFF2-40B4-BE49-F238E27FC236}">
+                <a16:creationId xmlns:a16="http://schemas.microsoft.com/office/drawing/2014/main" id="{02A2EBC2-7F97-9748-B467-5851FCA5A505}"/>
+              </a:ext>
+            </a:extLst>
+          </p:cNvPr>
+          <p:cNvSpPr/>
+          <p:nvPr/>
+        </p:nvSpPr>
+        <p:spPr>
+          <a:xfrm>
+            <a:off x="8326252" y="4393125"/>
+            <a:ext cx="934182" cy="371475"/>
+          </a:xfrm>
+          <a:prstGeom prst="roundRect">
+            <a:avLst/>
+          </a:prstGeom>
+          <a:solidFill>
+            <a:schemeClr val="bg1"/>
+          </a:solidFill>
+          <a:ln>
+            <a:solidFill>
+              <a:schemeClr val="tx1"/>
+            </a:solidFill>
+          </a:ln>
+        </p:spPr>
+        <p:style>
+          <a:lnRef idx="2">
+            <a:schemeClr val="accent1">
+              <a:shade val="50000"/>
+            </a:schemeClr>
+          </a:lnRef>
+          <a:fillRef idx="1">
+            <a:schemeClr val="accent1"/>
+          </a:fillRef>
+          <a:effectRef idx="0">
+            <a:schemeClr val="accent1"/>
+          </a:effectRef>
+          <a:fontRef idx="minor">
+            <a:schemeClr val="lt1"/>
+          </a:fontRef>
+        </p:style>
+        <p:txBody>
+          <a:bodyPr rtlCol="0" anchor="ctr"/>
+          <a:lstStyle/>
+          <a:p>
+            <a:pPr algn="ctr"/>
+            <a:r>
+              <a:rPr lang="en-US" sz="1600" dirty="0">
+                <a:solidFill>
+                  <a:schemeClr val="tx1"/>
+                </a:solidFill>
+              </a:rPr>
+              <a:t>Web</a:t>
+            </a:r>
+          </a:p>
+        </p:txBody>
+      </p:sp>
+      <p:sp>
+        <p:nvSpPr>
+          <p:cNvPr id="28" name="Oval 27">
+            <a:extLst>
+              <a:ext uri="{FF2B5EF4-FFF2-40B4-BE49-F238E27FC236}">
+                <a16:creationId xmlns:a16="http://schemas.microsoft.com/office/drawing/2014/main" id="{AD2BFD9D-4472-944F-B65A-D1939AE35D14}"/>
+              </a:ext>
+            </a:extLst>
+          </p:cNvPr>
+          <p:cNvSpPr/>
+          <p:nvPr/>
+        </p:nvSpPr>
+        <p:spPr>
+          <a:xfrm>
+            <a:off x="2594526" y="3304849"/>
+            <a:ext cx="360611" cy="375444"/>
+          </a:xfrm>
+          <a:prstGeom prst="ellipse">
+            <a:avLst/>
+          </a:prstGeom>
+          <a:solidFill>
+            <a:schemeClr val="bg1"/>
+          </a:solidFill>
+          <a:ln>
+            <a:solidFill>
+              <a:srgbClr val="FF0000"/>
+            </a:solidFill>
+          </a:ln>
+        </p:spPr>
+        <p:style>
+          <a:lnRef idx="2">
+            <a:schemeClr val="accent1">
+              <a:shade val="50000"/>
+            </a:schemeClr>
+          </a:lnRef>
+          <a:fillRef idx="1">
+            <a:schemeClr val="accent1"/>
+          </a:fillRef>
+          <a:effectRef idx="0">
+            <a:schemeClr val="accent1"/>
+          </a:effectRef>
+          <a:fontRef idx="minor">
+            <a:schemeClr val="lt1"/>
+          </a:fontRef>
+        </p:style>
+        <p:txBody>
+          <a:bodyPr rtlCol="0" anchor="ctr"/>
+          <a:lstStyle/>
+          <a:p>
+            <a:pPr algn="ctr"/>
+            <a:endParaRPr lang="en-US" sz="1600" dirty="0">
+              <a:solidFill>
+                <a:schemeClr val="tx1"/>
+              </a:solidFill>
+            </a:endParaRPr>
+          </a:p>
+        </p:txBody>
+      </p:sp>
+      <p:sp>
+        <p:nvSpPr>
+          <p:cNvPr id="29" name="TextBox 28">
+            <a:extLst>
+              <a:ext uri="{FF2B5EF4-FFF2-40B4-BE49-F238E27FC236}">
+                <a16:creationId xmlns:a16="http://schemas.microsoft.com/office/drawing/2014/main" id="{C79B8773-2C42-7F40-90DC-A8DDE6B02EA3}"/>
+              </a:ext>
+            </a:extLst>
+          </p:cNvPr>
+          <p:cNvSpPr txBox="1"/>
+          <p:nvPr/>
+        </p:nvSpPr>
+        <p:spPr>
+          <a:xfrm>
+            <a:off x="2107813" y="3604641"/>
+            <a:ext cx="1455208" cy="338554"/>
+          </a:xfrm>
+          <a:prstGeom prst="rect">
+            <a:avLst/>
+          </a:prstGeom>
+          <a:noFill/>
+        </p:spPr>
+        <p:txBody>
+          <a:bodyPr wrap="square" rtlCol="0">
+            <a:spAutoFit/>
+          </a:bodyPr>
+          <a:lstStyle/>
+          <a:p>
+            <a:pPr algn="ctr"/>
+            <a:r>
+              <a:rPr lang="en-US" altLang="zh-CN" sz="1600"/>
+              <a:t>user-service</a:t>
+            </a:r>
+            <a:endParaRPr lang="en-US" sz="1600" dirty="0"/>
+          </a:p>
+        </p:txBody>
+      </p:sp>
+      <p:sp>
+        <p:nvSpPr>
+          <p:cNvPr id="30" name="Oval 29">
+            <a:extLst>
+              <a:ext uri="{FF2B5EF4-FFF2-40B4-BE49-F238E27FC236}">
+                <a16:creationId xmlns:a16="http://schemas.microsoft.com/office/drawing/2014/main" id="{0CD49CBF-7259-0041-9FC5-96E49A759B32}"/>
+              </a:ext>
+            </a:extLst>
+          </p:cNvPr>
+          <p:cNvSpPr/>
+          <p:nvPr/>
+        </p:nvSpPr>
+        <p:spPr>
+          <a:xfrm>
+            <a:off x="4888978" y="2681865"/>
+            <a:ext cx="360611" cy="375444"/>
+          </a:xfrm>
+          <a:prstGeom prst="ellipse">
+            <a:avLst/>
+          </a:prstGeom>
+          <a:solidFill>
+            <a:schemeClr val="bg1"/>
+          </a:solidFill>
+          <a:ln>
+            <a:solidFill>
+              <a:srgbClr val="FF0000"/>
+            </a:solidFill>
+          </a:ln>
+        </p:spPr>
+        <p:style>
+          <a:lnRef idx="2">
+            <a:schemeClr val="accent1">
+              <a:shade val="50000"/>
+            </a:schemeClr>
+          </a:lnRef>
+          <a:fillRef idx="1">
+            <a:schemeClr val="accent1"/>
+          </a:fillRef>
+          <a:effectRef idx="0">
+            <a:schemeClr val="accent1"/>
+          </a:effectRef>
+          <a:fontRef idx="minor">
+            <a:schemeClr val="lt1"/>
+          </a:fontRef>
+        </p:style>
+        <p:txBody>
+          <a:bodyPr rtlCol="0" anchor="ctr"/>
+          <a:lstStyle/>
+          <a:p>
+            <a:pPr algn="ctr"/>
+            <a:endParaRPr lang="en-US" sz="1600" dirty="0">
+              <a:solidFill>
+                <a:schemeClr val="tx1"/>
+              </a:solidFill>
+            </a:endParaRPr>
+          </a:p>
+        </p:txBody>
+      </p:sp>
+      <p:sp>
+        <p:nvSpPr>
+          <p:cNvPr id="31" name="TextBox 30">
+            <a:extLst>
+              <a:ext uri="{FF2B5EF4-FFF2-40B4-BE49-F238E27FC236}">
+                <a16:creationId xmlns:a16="http://schemas.microsoft.com/office/drawing/2014/main" id="{222E6865-37C3-A34C-B97E-945023A70E51}"/>
+              </a:ext>
+            </a:extLst>
+          </p:cNvPr>
+          <p:cNvSpPr txBox="1"/>
+          <p:nvPr/>
+        </p:nvSpPr>
+        <p:spPr>
+          <a:xfrm>
+            <a:off x="4501588" y="2977598"/>
+            <a:ext cx="1164664" cy="338554"/>
+          </a:xfrm>
+          <a:prstGeom prst="rect">
+            <a:avLst/>
+          </a:prstGeom>
+          <a:noFill/>
+        </p:spPr>
+        <p:txBody>
+          <a:bodyPr wrap="square" rtlCol="0">
+            <a:spAutoFit/>
+          </a:bodyPr>
+          <a:lstStyle/>
+          <a:p>
+            <a:pPr algn="ctr"/>
+            <a:r>
+              <a:rPr lang="en-US" altLang="zh-CN" sz="1600"/>
+              <a:t>orders-web</a:t>
+            </a:r>
+            <a:endParaRPr lang="en-US" sz="1600" dirty="0"/>
+          </a:p>
+        </p:txBody>
+      </p:sp>
+      <p:sp>
+        <p:nvSpPr>
+          <p:cNvPr id="32" name="Oval 31">
+            <a:extLst>
+              <a:ext uri="{FF2B5EF4-FFF2-40B4-BE49-F238E27FC236}">
+                <a16:creationId xmlns:a16="http://schemas.microsoft.com/office/drawing/2014/main" id="{809A0203-D88A-B943-98F1-CBF8E0C447E6}"/>
+              </a:ext>
+            </a:extLst>
+          </p:cNvPr>
+          <p:cNvSpPr/>
+          <p:nvPr/>
+        </p:nvSpPr>
+        <p:spPr>
+          <a:xfrm>
+            <a:off x="8143169" y="2673007"/>
+            <a:ext cx="360611" cy="375444"/>
+          </a:xfrm>
+          <a:prstGeom prst="ellipse">
+            <a:avLst/>
+          </a:prstGeom>
+          <a:solidFill>
+            <a:schemeClr val="bg1"/>
+          </a:solidFill>
+          <a:ln>
+            <a:solidFill>
+              <a:srgbClr val="FF0000"/>
+            </a:solidFill>
+          </a:ln>
+        </p:spPr>
+        <p:style>
+          <a:lnRef idx="2">
+            <a:schemeClr val="accent1">
+              <a:shade val="50000"/>
+            </a:schemeClr>
+          </a:lnRef>
+          <a:fillRef idx="1">
+            <a:schemeClr val="accent1"/>
+          </a:fillRef>
+          <a:effectRef idx="0">
+            <a:schemeClr val="accent1"/>
+          </a:effectRef>
+          <a:fontRef idx="minor">
+            <a:schemeClr val="lt1"/>
+          </a:fontRef>
+        </p:style>
+        <p:txBody>
+          <a:bodyPr rtlCol="0" anchor="ctr"/>
+          <a:lstStyle/>
+          <a:p>
+            <a:pPr algn="ctr"/>
+            <a:endParaRPr lang="en-US" sz="1600" dirty="0">
+              <a:solidFill>
+                <a:schemeClr val="tx1"/>
+              </a:solidFill>
+            </a:endParaRPr>
+          </a:p>
+        </p:txBody>
+      </p:sp>
+      <p:sp>
+        <p:nvSpPr>
+          <p:cNvPr id="33" name="TextBox 32">
+            <a:extLst>
+              <a:ext uri="{FF2B5EF4-FFF2-40B4-BE49-F238E27FC236}">
+                <a16:creationId xmlns:a16="http://schemas.microsoft.com/office/drawing/2014/main" id="{4B323D83-DBF2-D545-9733-B1ECEC4C9B68}"/>
+              </a:ext>
+            </a:extLst>
+          </p:cNvPr>
+          <p:cNvSpPr txBox="1"/>
+          <p:nvPr/>
+        </p:nvSpPr>
+        <p:spPr>
+          <a:xfrm>
+            <a:off x="7511505" y="2966295"/>
+            <a:ext cx="1688598" cy="338554"/>
+          </a:xfrm>
+          <a:prstGeom prst="rect">
+            <a:avLst/>
+          </a:prstGeom>
+          <a:noFill/>
+        </p:spPr>
+        <p:txBody>
+          <a:bodyPr wrap="square" rtlCol="0">
+            <a:spAutoFit/>
+          </a:bodyPr>
+          <a:lstStyle/>
+          <a:p>
+            <a:pPr algn="ctr"/>
+            <a:r>
+              <a:rPr lang="en-US" altLang="zh-CN" sz="1600"/>
+              <a:t>payment-web</a:t>
+            </a:r>
+            <a:endParaRPr lang="en-US" sz="1600" dirty="0"/>
+          </a:p>
+        </p:txBody>
+      </p:sp>
+      <p:pic>
+        <p:nvPicPr>
+          <p:cNvPr id="37" name="Picture 36">
+            <a:extLst>
+              <a:ext uri="{FF2B5EF4-FFF2-40B4-BE49-F238E27FC236}">
+                <a16:creationId xmlns:a16="http://schemas.microsoft.com/office/drawing/2014/main" id="{88D54F83-AB42-B447-8716-EB362B1C86D7}"/>
+              </a:ext>
+            </a:extLst>
+          </p:cNvPr>
+          <p:cNvPicPr>
+            <a:picLocks noChangeAspect="1"/>
+          </p:cNvPicPr>
+          <p:nvPr/>
+        </p:nvPicPr>
+        <p:blipFill>
+          <a:blip r:embed="rId2"/>
+          <a:stretch>
+            <a:fillRect/>
+          </a:stretch>
+        </p:blipFill>
+        <p:spPr>
+          <a:xfrm>
+            <a:off x="5249589" y="1230002"/>
+            <a:ext cx="304800" cy="304800"/>
+          </a:xfrm>
+          <a:prstGeom prst="rect">
+            <a:avLst/>
+          </a:prstGeom>
+        </p:spPr>
+      </p:pic>
+    </p:spTree>
+    <p:extLst>
+      <p:ext uri="{BB962C8B-B14F-4D97-AF65-F5344CB8AC3E}">
+        <p14:creationId xmlns:p14="http://schemas.microsoft.com/office/powerpoint/2010/main" val="2744518638"/>
+      </p:ext>
+    </p:extLst>
+  </p:cSld>
+  <p:clrMapOvr>
+    <a:masterClrMapping/>
+  </p:clrMapOvr>
+</p:sld>
+</file>
+
+<file path=ppt/slides/slide11.xml><?xml version="1.0" encoding="utf-8"?>
+<p:sld xmlns:a="http://schemas.openxmlformats.org/drawingml/2006/main" xmlns:r="http://schemas.openxmlformats.org/officeDocument/2006/relationships" xmlns:p="http://schemas.openxmlformats.org/presentationml/2006/main">
+  <p:cSld>
+    <p:spTree>
+      <p:nvGrpSpPr>
+        <p:cNvPr id="1" name=""/>
+        <p:cNvGrpSpPr/>
+        <p:nvPr/>
+      </p:nvGrpSpPr>
+      <p:grpSpPr>
+        <a:xfrm>
+          <a:off x="0" y="0"/>
+          <a:ext cx="0" cy="0"/>
+          <a:chOff x="0" y="0"/>
+          <a:chExt cx="0" cy="0"/>
+        </a:xfrm>
+      </p:grpSpPr>
+      <p:sp>
+        <p:nvSpPr>
+          <p:cNvPr id="26" name="Process 25">
+            <a:extLst>
+              <a:ext uri="{FF2B5EF4-FFF2-40B4-BE49-F238E27FC236}">
+                <a16:creationId xmlns:a16="http://schemas.microsoft.com/office/drawing/2014/main" id="{DF795300-113C-0D47-AA53-F96BB7264CFC}"/>
+              </a:ext>
+            </a:extLst>
+          </p:cNvPr>
+          <p:cNvSpPr/>
+          <p:nvPr/>
+        </p:nvSpPr>
+        <p:spPr>
+          <a:xfrm>
+            <a:off x="6663160" y="944696"/>
+            <a:ext cx="1442028" cy="1393703"/>
+          </a:xfrm>
+          <a:prstGeom prst="flowChartProcess">
+            <a:avLst/>
+          </a:prstGeom>
+          <a:solidFill>
+            <a:schemeClr val="bg1"/>
+          </a:solidFill>
+          <a:ln>
+            <a:solidFill>
+              <a:schemeClr val="tx1"/>
+            </a:solidFill>
+          </a:ln>
+        </p:spPr>
+        <p:style>
+          <a:lnRef idx="2">
+            <a:schemeClr val="accent1">
+              <a:shade val="50000"/>
+            </a:schemeClr>
+          </a:lnRef>
+          <a:fillRef idx="1">
+            <a:schemeClr val="accent1"/>
+          </a:fillRef>
+          <a:effectRef idx="0">
+            <a:schemeClr val="accent1"/>
+          </a:effectRef>
+          <a:fontRef idx="minor">
+            <a:schemeClr val="lt1"/>
+          </a:fontRef>
+        </p:style>
+        <p:txBody>
+          <a:bodyPr rtlCol="0" anchor="ctr"/>
+          <a:lstStyle/>
+          <a:p>
+            <a:pPr algn="ctr"/>
+            <a:endParaRPr lang="en-US"/>
+          </a:p>
+        </p:txBody>
+      </p:sp>
+      <p:sp>
+        <p:nvSpPr>
+          <p:cNvPr id="27" name="TextBox 26">
+            <a:extLst>
+              <a:ext uri="{FF2B5EF4-FFF2-40B4-BE49-F238E27FC236}">
+                <a16:creationId xmlns:a16="http://schemas.microsoft.com/office/drawing/2014/main" id="{7685E306-5529-3647-BFC7-29EE857E1CCD}"/>
+              </a:ext>
+            </a:extLst>
+          </p:cNvPr>
+          <p:cNvSpPr txBox="1"/>
+          <p:nvPr/>
+        </p:nvSpPr>
+        <p:spPr>
+          <a:xfrm>
+            <a:off x="6759141" y="974958"/>
+            <a:ext cx="714321" cy="369332"/>
+          </a:xfrm>
+          <a:prstGeom prst="rect">
+            <a:avLst/>
+          </a:prstGeom>
+          <a:noFill/>
+        </p:spPr>
+        <p:txBody>
+          <a:bodyPr wrap="square" rtlCol="0">
+            <a:spAutoFit/>
+          </a:bodyPr>
+          <a:lstStyle/>
+          <a:p>
+            <a:r>
+              <a:rPr lang="en-US" altLang="zh-CN"/>
+              <a:t>Env</a:t>
+            </a:r>
+            <a:endParaRPr lang="en-US"/>
+          </a:p>
+        </p:txBody>
+      </p:sp>
+      <p:sp>
+        <p:nvSpPr>
+          <p:cNvPr id="28" name="TextBox 27">
+            <a:extLst>
+              <a:ext uri="{FF2B5EF4-FFF2-40B4-BE49-F238E27FC236}">
+                <a16:creationId xmlns:a16="http://schemas.microsoft.com/office/drawing/2014/main" id="{F79B89B9-7AA0-B04A-B8A7-B0BB4EF2678C}"/>
+              </a:ext>
+            </a:extLst>
+          </p:cNvPr>
+          <p:cNvSpPr txBox="1"/>
+          <p:nvPr/>
+        </p:nvSpPr>
+        <p:spPr>
+          <a:xfrm>
+            <a:off x="6765969" y="1237047"/>
+            <a:ext cx="1011116" cy="369332"/>
+          </a:xfrm>
+          <a:prstGeom prst="rect">
+            <a:avLst/>
+          </a:prstGeom>
+          <a:noFill/>
+        </p:spPr>
+        <p:txBody>
+          <a:bodyPr wrap="square" rtlCol="0">
+            <a:spAutoFit/>
+          </a:bodyPr>
+          <a:lstStyle/>
+          <a:p>
+            <a:r>
+              <a:rPr lang="en-US" altLang="zh-CN"/>
+              <a:t>File</a:t>
+            </a:r>
+            <a:endParaRPr lang="en-US"/>
+          </a:p>
+        </p:txBody>
+      </p:sp>
+      <p:sp>
+        <p:nvSpPr>
+          <p:cNvPr id="29" name="TextBox 28">
+            <a:extLst>
+              <a:ext uri="{FF2B5EF4-FFF2-40B4-BE49-F238E27FC236}">
+                <a16:creationId xmlns:a16="http://schemas.microsoft.com/office/drawing/2014/main" id="{BF2BFC82-F590-C94C-ABD0-C28BC4DC36FA}"/>
+              </a:ext>
+            </a:extLst>
+          </p:cNvPr>
+          <p:cNvSpPr txBox="1"/>
+          <p:nvPr/>
+        </p:nvSpPr>
+        <p:spPr>
+          <a:xfrm>
+            <a:off x="6761939" y="1492209"/>
+            <a:ext cx="606015" cy="369332"/>
+          </a:xfrm>
+          <a:prstGeom prst="rect">
+            <a:avLst/>
+          </a:prstGeom>
+          <a:noFill/>
+        </p:spPr>
+        <p:txBody>
+          <a:bodyPr wrap="square" rtlCol="0">
+            <a:spAutoFit/>
+          </a:bodyPr>
+          <a:lstStyle/>
+          <a:p>
+            <a:r>
+              <a:rPr lang="en-US" altLang="zh-CN"/>
+              <a:t>Flag</a:t>
+            </a:r>
+            <a:endParaRPr lang="en-US"/>
+          </a:p>
+        </p:txBody>
+      </p:sp>
+      <p:sp>
+        <p:nvSpPr>
+          <p:cNvPr id="30" name="TextBox 29">
+            <a:extLst>
+              <a:ext uri="{FF2B5EF4-FFF2-40B4-BE49-F238E27FC236}">
+                <a16:creationId xmlns:a16="http://schemas.microsoft.com/office/drawing/2014/main" id="{D5EFCD20-DA72-0B47-AC68-1655F44A4CFF}"/>
+              </a:ext>
+            </a:extLst>
+          </p:cNvPr>
+          <p:cNvSpPr txBox="1"/>
+          <p:nvPr/>
+        </p:nvSpPr>
+        <p:spPr>
+          <a:xfrm>
+            <a:off x="6765969" y="1727371"/>
+            <a:ext cx="986704" cy="369332"/>
+          </a:xfrm>
+          <a:prstGeom prst="rect">
+            <a:avLst/>
+          </a:prstGeom>
+          <a:noFill/>
+        </p:spPr>
+        <p:txBody>
+          <a:bodyPr wrap="square" rtlCol="0">
+            <a:spAutoFit/>
+          </a:bodyPr>
+          <a:lstStyle/>
+          <a:p>
+            <a:r>
+              <a:rPr lang="en-US" altLang="zh-CN"/>
+              <a:t>memory</a:t>
+            </a:r>
+            <a:endParaRPr lang="en-US"/>
+          </a:p>
+        </p:txBody>
+      </p:sp>
+      <p:sp>
+        <p:nvSpPr>
+          <p:cNvPr id="31" name="TextBox 30">
+            <a:extLst>
+              <a:ext uri="{FF2B5EF4-FFF2-40B4-BE49-F238E27FC236}">
+                <a16:creationId xmlns:a16="http://schemas.microsoft.com/office/drawing/2014/main" id="{E679DE4C-4851-524D-98CB-A39B17317669}"/>
+              </a:ext>
+            </a:extLst>
+          </p:cNvPr>
+          <p:cNvSpPr txBox="1"/>
+          <p:nvPr/>
+        </p:nvSpPr>
+        <p:spPr>
+          <a:xfrm>
+            <a:off x="6769999" y="1982533"/>
+            <a:ext cx="1011116" cy="369332"/>
+          </a:xfrm>
+          <a:prstGeom prst="rect">
+            <a:avLst/>
+          </a:prstGeom>
+          <a:noFill/>
+        </p:spPr>
+        <p:txBody>
+          <a:bodyPr wrap="square" rtlCol="0">
+            <a:spAutoFit/>
+          </a:bodyPr>
+          <a:lstStyle>
+            <a:defPPr>
+              <a:defRPr lang="en-US"/>
+            </a:defPPr>
+          </a:lstStyle>
+          <a:p>
+            <a:r>
+              <a:rPr lang="en-US"/>
+              <a:t>microcli</a:t>
+            </a:r>
+          </a:p>
+        </p:txBody>
+      </p:sp>
+      <p:sp>
+        <p:nvSpPr>
+          <p:cNvPr id="32" name="TextBox 31">
+            <a:extLst>
+              <a:ext uri="{FF2B5EF4-FFF2-40B4-BE49-F238E27FC236}">
+                <a16:creationId xmlns:a16="http://schemas.microsoft.com/office/drawing/2014/main" id="{56F664A3-9CC0-E242-94BF-93C888B25E3E}"/>
+              </a:ext>
+            </a:extLst>
+          </p:cNvPr>
+          <p:cNvSpPr txBox="1"/>
+          <p:nvPr/>
+        </p:nvSpPr>
+        <p:spPr>
+          <a:xfrm>
+            <a:off x="8123089" y="1527377"/>
+            <a:ext cx="1011116" cy="369332"/>
+          </a:xfrm>
+          <a:prstGeom prst="rect">
+            <a:avLst/>
+          </a:prstGeom>
+          <a:noFill/>
+        </p:spPr>
+        <p:txBody>
+          <a:bodyPr wrap="square" rtlCol="0">
+            <a:spAutoFit/>
+          </a:bodyPr>
+          <a:lstStyle/>
+          <a:p>
+            <a:r>
+              <a:rPr lang="en-US" altLang="zh-CN"/>
+              <a:t>Local</a:t>
+            </a:r>
+            <a:endParaRPr lang="en-US"/>
+          </a:p>
+        </p:txBody>
+      </p:sp>
+      <p:sp>
+        <p:nvSpPr>
+          <p:cNvPr id="33" name="Process 32">
+            <a:extLst>
+              <a:ext uri="{FF2B5EF4-FFF2-40B4-BE49-F238E27FC236}">
+                <a16:creationId xmlns:a16="http://schemas.microsoft.com/office/drawing/2014/main" id="{E714AC5E-F2EE-1B4B-A9D2-57C325B2A813}"/>
+              </a:ext>
+            </a:extLst>
+          </p:cNvPr>
+          <p:cNvSpPr/>
+          <p:nvPr/>
+        </p:nvSpPr>
+        <p:spPr>
+          <a:xfrm>
+            <a:off x="6668467" y="2671007"/>
+            <a:ext cx="1436721" cy="1557421"/>
+          </a:xfrm>
+          <a:prstGeom prst="flowChartProcess">
+            <a:avLst/>
+          </a:prstGeom>
+          <a:solidFill>
+            <a:schemeClr val="bg1"/>
+          </a:solidFill>
+          <a:ln>
+            <a:solidFill>
+              <a:schemeClr val="tx1"/>
+            </a:solidFill>
+          </a:ln>
+        </p:spPr>
+        <p:style>
+          <a:lnRef idx="2">
+            <a:schemeClr val="accent1">
+              <a:shade val="50000"/>
+            </a:schemeClr>
+          </a:lnRef>
+          <a:fillRef idx="1">
+            <a:schemeClr val="accent1"/>
+          </a:fillRef>
+          <a:effectRef idx="0">
+            <a:schemeClr val="accent1"/>
+          </a:effectRef>
+          <a:fontRef idx="minor">
+            <a:schemeClr val="lt1"/>
+          </a:fontRef>
+        </p:style>
+        <p:txBody>
+          <a:bodyPr rtlCol="0" anchor="ctr"/>
+          <a:lstStyle/>
+          <a:p>
+            <a:pPr algn="ctr"/>
+            <a:endParaRPr lang="en-US"/>
+          </a:p>
+        </p:txBody>
+      </p:sp>
+      <p:pic>
+        <p:nvPicPr>
+          <p:cNvPr id="34" name="Picture 33">
+            <a:extLst>
+              <a:ext uri="{FF2B5EF4-FFF2-40B4-BE49-F238E27FC236}">
+                <a16:creationId xmlns:a16="http://schemas.microsoft.com/office/drawing/2014/main" id="{8013EC23-E085-DC46-8968-6EFAD2596A52}"/>
+              </a:ext>
+            </a:extLst>
+          </p:cNvPr>
+          <p:cNvPicPr>
+            <a:picLocks noChangeAspect="1"/>
+          </p:cNvPicPr>
+          <p:nvPr/>
+        </p:nvPicPr>
+        <p:blipFill>
+          <a:blip r:embed="rId2"/>
+          <a:stretch>
+            <a:fillRect/>
+          </a:stretch>
+        </p:blipFill>
+        <p:spPr>
+          <a:xfrm>
+            <a:off x="6752872" y="3056044"/>
+            <a:ext cx="1028243" cy="408033"/>
+          </a:xfrm>
+          <a:prstGeom prst="rect">
+            <a:avLst/>
+          </a:prstGeom>
+        </p:spPr>
+      </p:pic>
+      <p:pic>
+        <p:nvPicPr>
+          <p:cNvPr id="35" name="Picture 34">
+            <a:extLst>
+              <a:ext uri="{FF2B5EF4-FFF2-40B4-BE49-F238E27FC236}">
+                <a16:creationId xmlns:a16="http://schemas.microsoft.com/office/drawing/2014/main" id="{97AF9B47-9068-AF42-9734-648B53A66B25}"/>
+              </a:ext>
+            </a:extLst>
+          </p:cNvPr>
+          <p:cNvPicPr>
+            <a:picLocks noChangeAspect="1"/>
+          </p:cNvPicPr>
+          <p:nvPr/>
+        </p:nvPicPr>
+        <p:blipFill>
+          <a:blip r:embed="rId3"/>
+          <a:stretch>
+            <a:fillRect/>
+          </a:stretch>
+        </p:blipFill>
+        <p:spPr>
+          <a:xfrm>
+            <a:off x="6788274" y="3464077"/>
+            <a:ext cx="975279" cy="360002"/>
+          </a:xfrm>
+          <a:prstGeom prst="rect">
+            <a:avLst/>
+          </a:prstGeom>
+        </p:spPr>
+      </p:pic>
+      <p:pic>
+        <p:nvPicPr>
+          <p:cNvPr id="36" name="Picture 35">
+            <a:extLst>
+              <a:ext uri="{FF2B5EF4-FFF2-40B4-BE49-F238E27FC236}">
+                <a16:creationId xmlns:a16="http://schemas.microsoft.com/office/drawing/2014/main" id="{D071C12E-0D38-C94D-AE1E-4BA9C7F7CC56}"/>
+              </a:ext>
+            </a:extLst>
+          </p:cNvPr>
+          <p:cNvPicPr>
+            <a:picLocks noChangeAspect="1"/>
+          </p:cNvPicPr>
+          <p:nvPr/>
+        </p:nvPicPr>
+        <p:blipFill>
+          <a:blip r:embed="rId4"/>
+          <a:stretch>
+            <a:fillRect/>
+          </a:stretch>
+        </p:blipFill>
+        <p:spPr>
+          <a:xfrm>
+            <a:off x="6752872" y="3888310"/>
+            <a:ext cx="1289013" cy="310918"/>
+          </a:xfrm>
+          <a:prstGeom prst="rect">
+            <a:avLst/>
+          </a:prstGeom>
+        </p:spPr>
+      </p:pic>
+      <p:pic>
+        <p:nvPicPr>
+          <p:cNvPr id="37" name="Picture 36">
+            <a:extLst>
+              <a:ext uri="{FF2B5EF4-FFF2-40B4-BE49-F238E27FC236}">
+                <a16:creationId xmlns:a16="http://schemas.microsoft.com/office/drawing/2014/main" id="{2EAC48D6-F9C5-1642-9BA9-508CD3A184B9}"/>
+              </a:ext>
+            </a:extLst>
+          </p:cNvPr>
+          <p:cNvPicPr>
+            <a:picLocks noChangeAspect="1"/>
+          </p:cNvPicPr>
+          <p:nvPr/>
+        </p:nvPicPr>
+        <p:blipFill>
+          <a:blip r:embed="rId5"/>
+          <a:stretch>
+            <a:fillRect/>
+          </a:stretch>
+        </p:blipFill>
+        <p:spPr>
+          <a:xfrm>
+            <a:off x="6788274" y="2778308"/>
+            <a:ext cx="1056746" cy="289347"/>
+          </a:xfrm>
+          <a:prstGeom prst="rect">
+            <a:avLst/>
+          </a:prstGeom>
+        </p:spPr>
+      </p:pic>
+      <p:sp>
+        <p:nvSpPr>
+          <p:cNvPr id="39" name="TextBox 38">
+            <a:extLst>
+              <a:ext uri="{FF2B5EF4-FFF2-40B4-BE49-F238E27FC236}">
+                <a16:creationId xmlns:a16="http://schemas.microsoft.com/office/drawing/2014/main" id="{1E975ACF-42AB-8648-8C2A-A625FFB39D49}"/>
+              </a:ext>
+            </a:extLst>
+          </p:cNvPr>
+          <p:cNvSpPr txBox="1"/>
+          <p:nvPr/>
+        </p:nvSpPr>
+        <p:spPr>
+          <a:xfrm>
+            <a:off x="8105188" y="3260060"/>
+            <a:ext cx="1709336" cy="369332"/>
+          </a:xfrm>
+          <a:prstGeom prst="rect">
+            <a:avLst/>
+          </a:prstGeom>
+          <a:noFill/>
+        </p:spPr>
+        <p:txBody>
+          <a:bodyPr wrap="square" rtlCol="0">
+            <a:spAutoFit/>
+          </a:bodyPr>
+          <a:lstStyle/>
+          <a:p>
+            <a:r>
+              <a:rPr lang="en-US" altLang="zh-CN"/>
+              <a:t>Center</a:t>
+            </a:r>
+            <a:r>
+              <a:rPr lang="zh-CN" altLang="en-US"/>
+              <a:t> </a:t>
+            </a:r>
+            <a:r>
+              <a:rPr lang="en-US" altLang="zh-CN"/>
+              <a:t>Server</a:t>
+            </a:r>
+            <a:endParaRPr lang="en-US"/>
+          </a:p>
+        </p:txBody>
+      </p:sp>
+      <p:sp>
+        <p:nvSpPr>
+          <p:cNvPr id="42" name="Rectangle 41">
+            <a:extLst>
+              <a:ext uri="{FF2B5EF4-FFF2-40B4-BE49-F238E27FC236}">
+                <a16:creationId xmlns:a16="http://schemas.microsoft.com/office/drawing/2014/main" id="{2D3864BE-0B67-4A4A-9453-52D4BCE93206}"/>
+              </a:ext>
+            </a:extLst>
+          </p:cNvPr>
+          <p:cNvSpPr/>
+          <p:nvPr/>
+        </p:nvSpPr>
+        <p:spPr>
+          <a:xfrm>
+            <a:off x="4322830" y="944696"/>
+            <a:ext cx="1341847" cy="3283732"/>
+          </a:xfrm>
+          <a:prstGeom prst="rect">
+            <a:avLst/>
+          </a:prstGeom>
+          <a:solidFill>
+            <a:schemeClr val="bg1"/>
+          </a:solidFill>
+          <a:ln>
+            <a:solidFill>
+              <a:schemeClr val="tx1"/>
+            </a:solidFill>
+          </a:ln>
+        </p:spPr>
+        <p:style>
+          <a:lnRef idx="2">
+            <a:schemeClr val="accent1">
+              <a:shade val="50000"/>
+            </a:schemeClr>
+          </a:lnRef>
+          <a:fillRef idx="1">
+            <a:schemeClr val="accent1"/>
+          </a:fillRef>
+          <a:effectRef idx="0">
+            <a:schemeClr val="accent1"/>
+          </a:effectRef>
+          <a:fontRef idx="minor">
+            <a:schemeClr val="lt1"/>
+          </a:fontRef>
+        </p:style>
+        <p:txBody>
+          <a:bodyPr rtlCol="0" anchor="ctr"/>
+          <a:lstStyle/>
+          <a:p>
+            <a:pPr algn="ctr"/>
+            <a:endParaRPr lang="en-US"/>
+          </a:p>
+        </p:txBody>
+      </p:sp>
+      <p:sp>
+        <p:nvSpPr>
+          <p:cNvPr id="47" name="Rectangle 46">
+            <a:extLst>
+              <a:ext uri="{FF2B5EF4-FFF2-40B4-BE49-F238E27FC236}">
+                <a16:creationId xmlns:a16="http://schemas.microsoft.com/office/drawing/2014/main" id="{6A282E75-42F2-2B46-9AA3-6A20CCAF2A08}"/>
+              </a:ext>
+            </a:extLst>
+          </p:cNvPr>
+          <p:cNvSpPr/>
+          <p:nvPr/>
+        </p:nvSpPr>
+        <p:spPr>
+          <a:xfrm>
+            <a:off x="4930386" y="2268721"/>
+            <a:ext cx="734291" cy="509586"/>
+          </a:xfrm>
+          <a:prstGeom prst="rect">
+            <a:avLst/>
+          </a:prstGeom>
+          <a:solidFill>
+            <a:schemeClr val="bg1"/>
+          </a:solidFill>
+          <a:ln>
+            <a:solidFill>
+              <a:schemeClr val="tx1"/>
+            </a:solidFill>
+          </a:ln>
+        </p:spPr>
+        <p:style>
+          <a:lnRef idx="2">
+            <a:schemeClr val="accent1">
+              <a:shade val="50000"/>
+            </a:schemeClr>
+          </a:lnRef>
+          <a:fillRef idx="1">
+            <a:schemeClr val="accent1"/>
+          </a:fillRef>
+          <a:effectRef idx="0">
+            <a:schemeClr val="accent1"/>
+          </a:effectRef>
+          <a:fontRef idx="minor">
+            <a:schemeClr val="lt1"/>
+          </a:fontRef>
+        </p:style>
+        <p:txBody>
+          <a:bodyPr rtlCol="0" anchor="ctr"/>
+          <a:lstStyle/>
+          <a:p>
+            <a:pPr algn="ctr"/>
+            <a:endParaRPr lang="en-US"/>
+          </a:p>
+        </p:txBody>
+      </p:sp>
+      <p:sp>
+        <p:nvSpPr>
+          <p:cNvPr id="48" name="Summing Junction 47">
+            <a:extLst>
+              <a:ext uri="{FF2B5EF4-FFF2-40B4-BE49-F238E27FC236}">
+                <a16:creationId xmlns:a16="http://schemas.microsoft.com/office/drawing/2014/main" id="{69D68FDA-2CC8-DC4C-A230-33D76F8798B8}"/>
+              </a:ext>
+            </a:extLst>
+          </p:cNvPr>
+          <p:cNvSpPr/>
+          <p:nvPr/>
+        </p:nvSpPr>
+        <p:spPr>
+          <a:xfrm>
+            <a:off x="5154964" y="2304562"/>
+            <a:ext cx="276084" cy="267241"/>
+          </a:xfrm>
+          <a:prstGeom prst="flowChartSummingJunction">
+            <a:avLst/>
+          </a:prstGeom>
+          <a:solidFill>
+            <a:schemeClr val="bg1"/>
+          </a:solidFill>
+          <a:ln>
+            <a:solidFill>
+              <a:schemeClr val="tx1"/>
+            </a:solidFill>
+          </a:ln>
+        </p:spPr>
+        <p:style>
+          <a:lnRef idx="2">
+            <a:schemeClr val="accent1">
+              <a:shade val="50000"/>
+            </a:schemeClr>
+          </a:lnRef>
+          <a:fillRef idx="1">
+            <a:schemeClr val="accent1"/>
+          </a:fillRef>
+          <a:effectRef idx="0">
+            <a:schemeClr val="accent1"/>
+          </a:effectRef>
+          <a:fontRef idx="minor">
+            <a:schemeClr val="lt1"/>
+          </a:fontRef>
+        </p:style>
+        <p:txBody>
+          <a:bodyPr rtlCol="0" anchor="ctr"/>
+          <a:lstStyle/>
+          <a:p>
+            <a:pPr algn="ctr"/>
+            <a:endParaRPr lang="en-US"/>
+          </a:p>
+        </p:txBody>
+      </p:sp>
+      <p:sp>
+        <p:nvSpPr>
+          <p:cNvPr id="49" name="TextBox 48">
+            <a:extLst>
+              <a:ext uri="{FF2B5EF4-FFF2-40B4-BE49-F238E27FC236}">
+                <a16:creationId xmlns:a16="http://schemas.microsoft.com/office/drawing/2014/main" id="{941A3394-A476-064A-8CB7-C9B3FB8CBEA5}"/>
+              </a:ext>
+            </a:extLst>
+          </p:cNvPr>
+          <p:cNvSpPr txBox="1"/>
+          <p:nvPr/>
+        </p:nvSpPr>
+        <p:spPr>
+          <a:xfrm>
+            <a:off x="4921595" y="2501307"/>
+            <a:ext cx="854097" cy="276999"/>
+          </a:xfrm>
+          <a:prstGeom prst="rect">
+            <a:avLst/>
+          </a:prstGeom>
+          <a:noFill/>
+        </p:spPr>
+        <p:txBody>
+          <a:bodyPr wrap="square" rtlCol="0">
+            <a:spAutoFit/>
+          </a:bodyPr>
+          <a:lstStyle/>
+          <a:p>
+            <a:r>
+              <a:rPr lang="en-US" altLang="zh-CN" sz="1200"/>
+              <a:t>Go-config</a:t>
+            </a:r>
+            <a:endParaRPr lang="en-US" sz="1200"/>
+          </a:p>
+        </p:txBody>
+      </p:sp>
+      <p:sp>
+        <p:nvSpPr>
+          <p:cNvPr id="50" name="TextBox 49">
+            <a:extLst>
+              <a:ext uri="{FF2B5EF4-FFF2-40B4-BE49-F238E27FC236}">
+                <a16:creationId xmlns:a16="http://schemas.microsoft.com/office/drawing/2014/main" id="{81BAFEAF-3867-3543-9D51-93EF06E85B77}"/>
+              </a:ext>
+            </a:extLst>
+          </p:cNvPr>
+          <p:cNvSpPr txBox="1"/>
+          <p:nvPr/>
+        </p:nvSpPr>
+        <p:spPr>
+          <a:xfrm>
+            <a:off x="4688963" y="3824079"/>
+            <a:ext cx="1011116" cy="369332"/>
+          </a:xfrm>
+          <a:prstGeom prst="rect">
+            <a:avLst/>
+          </a:prstGeom>
+          <a:noFill/>
+        </p:spPr>
+        <p:txBody>
+          <a:bodyPr wrap="square" rtlCol="0">
+            <a:spAutoFit/>
+          </a:bodyPr>
+          <a:lstStyle>
+            <a:defPPr>
+              <a:defRPr lang="en-US"/>
+            </a:defPPr>
+          </a:lstStyle>
+          <a:p>
+            <a:r>
+              <a:rPr lang="en-US" altLang="zh-CN"/>
+              <a:t>App</a:t>
+            </a:r>
+            <a:endParaRPr lang="en-US"/>
+          </a:p>
+        </p:txBody>
+      </p:sp>
+      <p:sp>
+        <p:nvSpPr>
+          <p:cNvPr id="51" name="Right Arrow 50">
+            <a:extLst>
+              <a:ext uri="{FF2B5EF4-FFF2-40B4-BE49-F238E27FC236}">
+                <a16:creationId xmlns:a16="http://schemas.microsoft.com/office/drawing/2014/main" id="{8276184E-602F-3040-83CD-2C0AE7B8FAAF}"/>
+              </a:ext>
+            </a:extLst>
+          </p:cNvPr>
+          <p:cNvSpPr/>
+          <p:nvPr/>
+        </p:nvSpPr>
+        <p:spPr>
+          <a:xfrm rot="8762121">
+            <a:off x="5646282" y="2091233"/>
+            <a:ext cx="993058" cy="145046"/>
+          </a:xfrm>
+          <a:prstGeom prst="rightArrow">
+            <a:avLst/>
+          </a:prstGeom>
+          <a:solidFill>
+            <a:schemeClr val="bg1"/>
+          </a:solidFill>
+          <a:ln>
+            <a:solidFill>
+              <a:schemeClr val="tx1"/>
+            </a:solidFill>
+          </a:ln>
+        </p:spPr>
+        <p:style>
+          <a:lnRef idx="2">
+            <a:schemeClr val="accent1">
+              <a:shade val="50000"/>
+            </a:schemeClr>
+          </a:lnRef>
+          <a:fillRef idx="1">
+            <a:schemeClr val="accent1"/>
+          </a:fillRef>
+          <a:effectRef idx="0">
+            <a:schemeClr val="accent1"/>
+          </a:effectRef>
+          <a:fontRef idx="minor">
+            <a:schemeClr val="lt1"/>
+          </a:fontRef>
+        </p:style>
+        <p:txBody>
+          <a:bodyPr rtlCol="0" anchor="ctr"/>
+          <a:lstStyle/>
+          <a:p>
+            <a:pPr algn="ctr"/>
+            <a:endParaRPr lang="en-US"/>
+          </a:p>
+        </p:txBody>
+      </p:sp>
+      <p:sp>
+        <p:nvSpPr>
+          <p:cNvPr id="52" name="Right Arrow 51">
+            <a:extLst>
+              <a:ext uri="{FF2B5EF4-FFF2-40B4-BE49-F238E27FC236}">
+                <a16:creationId xmlns:a16="http://schemas.microsoft.com/office/drawing/2014/main" id="{A6461566-52D3-7544-B55A-982DA6FD45AD}"/>
+              </a:ext>
+            </a:extLst>
+          </p:cNvPr>
+          <p:cNvSpPr/>
+          <p:nvPr/>
+        </p:nvSpPr>
+        <p:spPr>
+          <a:xfrm rot="12085881">
+            <a:off x="5665542" y="2736528"/>
+            <a:ext cx="993058" cy="145046"/>
+          </a:xfrm>
+          <a:prstGeom prst="rightArrow">
+            <a:avLst/>
+          </a:prstGeom>
+          <a:solidFill>
+            <a:schemeClr val="bg1"/>
+          </a:solidFill>
+          <a:ln>
+            <a:solidFill>
+              <a:schemeClr val="tx1"/>
+            </a:solidFill>
+          </a:ln>
+        </p:spPr>
+        <p:style>
+          <a:lnRef idx="2">
+            <a:schemeClr val="accent1">
+              <a:shade val="50000"/>
+            </a:schemeClr>
+          </a:lnRef>
+          <a:fillRef idx="1">
+            <a:schemeClr val="accent1"/>
+          </a:fillRef>
+          <a:effectRef idx="0">
+            <a:schemeClr val="accent1"/>
+          </a:effectRef>
+          <a:fontRef idx="minor">
+            <a:schemeClr val="lt1"/>
+          </a:fontRef>
+        </p:style>
+        <p:txBody>
+          <a:bodyPr rtlCol="0" anchor="ctr"/>
+          <a:lstStyle/>
+          <a:p>
+            <a:pPr algn="ctr"/>
+            <a:endParaRPr lang="en-US"/>
+          </a:p>
+        </p:txBody>
+      </p:sp>
+    </p:spTree>
+    <p:extLst>
+      <p:ext uri="{BB962C8B-B14F-4D97-AF65-F5344CB8AC3E}">
+        <p14:creationId xmlns:p14="http://schemas.microsoft.com/office/powerpoint/2010/main" val="2551754558"/>
+      </p:ext>
+    </p:extLst>
+  </p:cSld>
+  <p:clrMapOvr>
+    <a:masterClrMapping/>
+  </p:clrMapOvr>
+</p:sld>
+</file>
+
 <file path=ppt/slides/slide2.xml><?xml version="1.0" encoding="utf-8"?>
 <p:sld xmlns:a="http://schemas.openxmlformats.org/drawingml/2006/main" xmlns:r="http://schemas.openxmlformats.org/officeDocument/2006/relationships" xmlns:p="http://schemas.openxmlformats.org/presentationml/2006/main">
   <p:cSld>
@@ -14807,6 +17043,36 @@
     <p:extLst>
       <p:ext uri="{BB962C8B-B14F-4D97-AF65-F5344CB8AC3E}">
         <p14:creationId xmlns:p14="http://schemas.microsoft.com/office/powerpoint/2010/main" val="136090335"/>
+      </p:ext>
+    </p:extLst>
+  </p:cSld>
+  <p:clrMapOvr>
+    <a:masterClrMapping/>
+  </p:clrMapOvr>
+</p:sld>
+</file>
+
+<file path=ppt/slides/slide9.xml><?xml version="1.0" encoding="utf-8"?>
+<p:sld xmlns:a="http://schemas.openxmlformats.org/drawingml/2006/main" xmlns:r="http://schemas.openxmlformats.org/officeDocument/2006/relationships" xmlns:p="http://schemas.openxmlformats.org/presentationml/2006/main">
+  <p:cSld>
+    <p:spTree>
+      <p:nvGrpSpPr>
+        <p:cNvPr id="1" name=""/>
+        <p:cNvGrpSpPr/>
+        <p:nvPr/>
+      </p:nvGrpSpPr>
+      <p:grpSpPr>
+        <a:xfrm>
+          <a:off x="0" y="0"/>
+          <a:ext cx="0" cy="0"/>
+          <a:chOff x="0" y="0"/>
+          <a:chExt cx="0" cy="0"/>
+        </a:xfrm>
+      </p:grpSpPr>
+    </p:spTree>
+    <p:extLst>
+      <p:ext uri="{BB962C8B-B14F-4D97-AF65-F5344CB8AC3E}">
+        <p14:creationId xmlns:p14="http://schemas.microsoft.com/office/powerpoint/2010/main" val="1459065250"/>
       </p:ext>
     </p:extLst>
   </p:cSld>

--- a/microservice-in-micro/docs/design.pptx
+++ b/microservice-in-micro/docs/design.pptx
@@ -13,9 +13,9 @@
     <p:sldId id="262" r:id="rId7"/>
     <p:sldId id="263" r:id="rId8"/>
     <p:sldId id="264" r:id="rId9"/>
-    <p:sldId id="265" r:id="rId10"/>
-    <p:sldId id="267" r:id="rId11"/>
-    <p:sldId id="266" r:id="rId12"/>
+    <p:sldId id="267" r:id="rId10"/>
+    <p:sldId id="266" r:id="rId11"/>
+    <p:sldId id="268" r:id="rId12"/>
   </p:sldIdLst>
   <p:sldSz cx="12192000" cy="6858000"/>
   <p:notesSz cx="6858000" cy="9144000"/>
@@ -269,7 +269,7 @@
           <a:p>
             <a:fld id="{F9321E79-B202-C941-A34A-CDB3A7C81E4A}" type="datetimeFigureOut">
               <a:rPr lang="en-US" smtClean="0"/>
-              <a:t>4/17/19</a:t>
+              <a:t>4/28/19</a:t>
             </a:fld>
             <a:endParaRPr lang="en-US"/>
           </a:p>
@@ -467,7 +467,7 @@
           <a:p>
             <a:fld id="{F9321E79-B202-C941-A34A-CDB3A7C81E4A}" type="datetimeFigureOut">
               <a:rPr lang="en-US" smtClean="0"/>
-              <a:t>4/17/19</a:t>
+              <a:t>4/28/19</a:t>
             </a:fld>
             <a:endParaRPr lang="en-US"/>
           </a:p>
@@ -675,7 +675,7 @@
           <a:p>
             <a:fld id="{F9321E79-B202-C941-A34A-CDB3A7C81E4A}" type="datetimeFigureOut">
               <a:rPr lang="en-US" smtClean="0"/>
-              <a:t>4/17/19</a:t>
+              <a:t>4/28/19</a:t>
             </a:fld>
             <a:endParaRPr lang="en-US"/>
           </a:p>
@@ -873,7 +873,7 @@
           <a:p>
             <a:fld id="{F9321E79-B202-C941-A34A-CDB3A7C81E4A}" type="datetimeFigureOut">
               <a:rPr lang="en-US" smtClean="0"/>
-              <a:t>4/17/19</a:t>
+              <a:t>4/28/19</a:t>
             </a:fld>
             <a:endParaRPr lang="en-US"/>
           </a:p>
@@ -1148,7 +1148,7 @@
           <a:p>
             <a:fld id="{F9321E79-B202-C941-A34A-CDB3A7C81E4A}" type="datetimeFigureOut">
               <a:rPr lang="en-US" smtClean="0"/>
-              <a:t>4/17/19</a:t>
+              <a:t>4/28/19</a:t>
             </a:fld>
             <a:endParaRPr lang="en-US"/>
           </a:p>
@@ -1413,7 +1413,7 @@
           <a:p>
             <a:fld id="{F9321E79-B202-C941-A34A-CDB3A7C81E4A}" type="datetimeFigureOut">
               <a:rPr lang="en-US" smtClean="0"/>
-              <a:t>4/17/19</a:t>
+              <a:t>4/28/19</a:t>
             </a:fld>
             <a:endParaRPr lang="en-US"/>
           </a:p>
@@ -1825,7 +1825,7 @@
           <a:p>
             <a:fld id="{F9321E79-B202-C941-A34A-CDB3A7C81E4A}" type="datetimeFigureOut">
               <a:rPr lang="en-US" smtClean="0"/>
-              <a:t>4/17/19</a:t>
+              <a:t>4/28/19</a:t>
             </a:fld>
             <a:endParaRPr lang="en-US"/>
           </a:p>
@@ -1966,7 +1966,7 @@
           <a:p>
             <a:fld id="{F9321E79-B202-C941-A34A-CDB3A7C81E4A}" type="datetimeFigureOut">
               <a:rPr lang="en-US" smtClean="0"/>
-              <a:t>4/17/19</a:t>
+              <a:t>4/28/19</a:t>
             </a:fld>
             <a:endParaRPr lang="en-US"/>
           </a:p>
@@ -2079,7 +2079,7 @@
           <a:p>
             <a:fld id="{F9321E79-B202-C941-A34A-CDB3A7C81E4A}" type="datetimeFigureOut">
               <a:rPr lang="en-US" smtClean="0"/>
-              <a:t>4/17/19</a:t>
+              <a:t>4/28/19</a:t>
             </a:fld>
             <a:endParaRPr lang="en-US"/>
           </a:p>
@@ -2390,7 +2390,7 @@
           <a:p>
             <a:fld id="{F9321E79-B202-C941-A34A-CDB3A7C81E4A}" type="datetimeFigureOut">
               <a:rPr lang="en-US" smtClean="0"/>
-              <a:t>4/17/19</a:t>
+              <a:t>4/28/19</a:t>
             </a:fld>
             <a:endParaRPr lang="en-US"/>
           </a:p>
@@ -2678,7 +2678,7 @@
           <a:p>
             <a:fld id="{F9321E79-B202-C941-A34A-CDB3A7C81E4A}" type="datetimeFigureOut">
               <a:rPr lang="en-US" smtClean="0"/>
-              <a:t>4/17/19</a:t>
+              <a:t>4/28/19</a:t>
             </a:fld>
             <a:endParaRPr lang="en-US"/>
           </a:p>
@@ -2919,7 +2919,7 @@
           <a:p>
             <a:fld id="{F9321E79-B202-C941-A34A-CDB3A7C81E4A}" type="datetimeFigureOut">
               <a:rPr lang="en-US" smtClean="0"/>
-              <a:t>4/17/19</a:t>
+              <a:t>4/28/19</a:t>
             </a:fld>
             <a:endParaRPr lang="en-US"/>
           </a:p>
@@ -4664,10 +4664,10 @@
       </p:grpSpPr>
       <p:sp>
         <p:nvSpPr>
-          <p:cNvPr id="4" name="Rounded Rectangle 3">
-            <a:extLst>
-              <a:ext uri="{FF2B5EF4-FFF2-40B4-BE49-F238E27FC236}">
-                <a16:creationId xmlns:a16="http://schemas.microsoft.com/office/drawing/2014/main" id="{A88C9C0A-D587-2844-A4BD-196F12E322FC}"/>
+          <p:cNvPr id="26" name="Process 25">
+            <a:extLst>
+              <a:ext uri="{FF2B5EF4-FFF2-40B4-BE49-F238E27FC236}">
+                <a16:creationId xmlns:a16="http://schemas.microsoft.com/office/drawing/2014/main" id="{DF795300-113C-0D47-AA53-F96BB7264CFC}"/>
               </a:ext>
             </a:extLst>
           </p:cNvPr>
@@ -4676,10 +4676,10 @@
         </p:nvSpPr>
         <p:spPr>
           <a:xfrm>
-            <a:off x="1782763" y="2604998"/>
-            <a:ext cx="7643812" cy="1360578"/>
-          </a:xfrm>
-          <a:prstGeom prst="roundRect">
+            <a:off x="6663160" y="944696"/>
+            <a:ext cx="1442028" cy="1393703"/>
+          </a:xfrm>
+          <a:prstGeom prst="flowChartProcess">
             <a:avLst/>
           </a:prstGeom>
           <a:solidFill>
@@ -4712,252 +4712,16 @@
           <a:lstStyle/>
           <a:p>
             <a:pPr algn="ctr"/>
-            <a:endParaRPr lang="en-US" sz="1600">
-              <a:solidFill>
-                <a:schemeClr val="tx1"/>
-              </a:solidFill>
-            </a:endParaRPr>
-          </a:p>
-        </p:txBody>
-      </p:sp>
-      <p:sp>
-        <p:nvSpPr>
-          <p:cNvPr id="5" name="Oval 4">
-            <a:extLst>
-              <a:ext uri="{FF2B5EF4-FFF2-40B4-BE49-F238E27FC236}">
-                <a16:creationId xmlns:a16="http://schemas.microsoft.com/office/drawing/2014/main" id="{D7D02241-5F95-2548-80FC-945D4019D8F2}"/>
-              </a:ext>
-            </a:extLst>
-          </p:cNvPr>
-          <p:cNvSpPr/>
-          <p:nvPr/>
-        </p:nvSpPr>
-        <p:spPr>
-          <a:xfrm>
-            <a:off x="2575384" y="2709408"/>
-            <a:ext cx="360611" cy="375444"/>
-          </a:xfrm>
-          <a:prstGeom prst="ellipse">
-            <a:avLst/>
-          </a:prstGeom>
-          <a:solidFill>
-            <a:schemeClr val="bg1"/>
-          </a:solidFill>
-          <a:ln>
-            <a:solidFill>
-              <a:srgbClr val="FF0000"/>
-            </a:solidFill>
-          </a:ln>
-        </p:spPr>
-        <p:style>
-          <a:lnRef idx="2">
-            <a:schemeClr val="accent1">
-              <a:shade val="50000"/>
-            </a:schemeClr>
-          </a:lnRef>
-          <a:fillRef idx="1">
-            <a:schemeClr val="accent1"/>
-          </a:fillRef>
-          <a:effectRef idx="0">
-            <a:schemeClr val="accent1"/>
-          </a:effectRef>
-          <a:fontRef idx="minor">
-            <a:schemeClr val="lt1"/>
-          </a:fontRef>
-        </p:style>
-        <p:txBody>
-          <a:bodyPr rtlCol="0" anchor="ctr"/>
-          <a:lstStyle/>
-          <a:p>
-            <a:pPr algn="ctr"/>
-            <a:endParaRPr lang="en-US" sz="1600" dirty="0">
-              <a:solidFill>
-                <a:schemeClr val="tx1"/>
-              </a:solidFill>
-            </a:endParaRPr>
-          </a:p>
-        </p:txBody>
-      </p:sp>
-      <p:sp>
-        <p:nvSpPr>
-          <p:cNvPr id="6" name="Oval 5">
-            <a:extLst>
-              <a:ext uri="{FF2B5EF4-FFF2-40B4-BE49-F238E27FC236}">
-                <a16:creationId xmlns:a16="http://schemas.microsoft.com/office/drawing/2014/main" id="{65C3F94C-27BF-BB46-9077-FF05DED0C2C1}"/>
-              </a:ext>
-            </a:extLst>
-          </p:cNvPr>
-          <p:cNvSpPr/>
-          <p:nvPr/>
-        </p:nvSpPr>
-        <p:spPr>
-          <a:xfrm>
-            <a:off x="3772235" y="3310864"/>
-            <a:ext cx="385327" cy="375444"/>
-          </a:xfrm>
-          <a:prstGeom prst="ellipse">
-            <a:avLst/>
-          </a:prstGeom>
-          <a:solidFill>
-            <a:schemeClr val="bg1"/>
-          </a:solidFill>
-          <a:ln>
-            <a:solidFill>
-              <a:srgbClr val="FF0000"/>
-            </a:solidFill>
-          </a:ln>
-        </p:spPr>
-        <p:style>
-          <a:lnRef idx="2">
-            <a:schemeClr val="accent1">
-              <a:shade val="50000"/>
-            </a:schemeClr>
-          </a:lnRef>
-          <a:fillRef idx="1">
-            <a:schemeClr val="accent1"/>
-          </a:fillRef>
-          <a:effectRef idx="0">
-            <a:schemeClr val="accent1"/>
-          </a:effectRef>
-          <a:fontRef idx="minor">
-            <a:schemeClr val="lt1"/>
-          </a:fontRef>
-        </p:style>
-        <p:txBody>
-          <a:bodyPr rtlCol="0" anchor="ctr"/>
-          <a:lstStyle/>
-          <a:p>
-            <a:pPr algn="ctr"/>
-            <a:endParaRPr lang="en-US" sz="1600">
-              <a:solidFill>
-                <a:schemeClr val="tx1"/>
-              </a:solidFill>
-            </a:endParaRPr>
-          </a:p>
-        </p:txBody>
-      </p:sp>
-      <p:sp>
-        <p:nvSpPr>
-          <p:cNvPr id="7" name="Oval 6">
-            <a:extLst>
-              <a:ext uri="{FF2B5EF4-FFF2-40B4-BE49-F238E27FC236}">
-                <a16:creationId xmlns:a16="http://schemas.microsoft.com/office/drawing/2014/main" id="{57F7A0AB-E2FB-C240-AC3B-85AC349AE306}"/>
-              </a:ext>
-            </a:extLst>
-          </p:cNvPr>
-          <p:cNvSpPr/>
-          <p:nvPr/>
-        </p:nvSpPr>
-        <p:spPr>
-          <a:xfrm>
-            <a:off x="4891488" y="3337484"/>
-            <a:ext cx="385327" cy="375444"/>
-          </a:xfrm>
-          <a:prstGeom prst="ellipse">
-            <a:avLst/>
-          </a:prstGeom>
-          <a:solidFill>
-            <a:schemeClr val="bg1"/>
-          </a:solidFill>
-          <a:ln>
-            <a:solidFill>
-              <a:srgbClr val="FF0000"/>
-            </a:solidFill>
-          </a:ln>
-        </p:spPr>
-        <p:style>
-          <a:lnRef idx="2">
-            <a:schemeClr val="accent1">
-              <a:shade val="50000"/>
-            </a:schemeClr>
-          </a:lnRef>
-          <a:fillRef idx="1">
-            <a:schemeClr val="accent1"/>
-          </a:fillRef>
-          <a:effectRef idx="0">
-            <a:schemeClr val="accent1"/>
-          </a:effectRef>
-          <a:fontRef idx="minor">
-            <a:schemeClr val="lt1"/>
-          </a:fontRef>
-        </p:style>
-        <p:txBody>
-          <a:bodyPr rtlCol="0" anchor="ctr"/>
-          <a:lstStyle/>
-          <a:p>
-            <a:pPr algn="ctr"/>
-            <a:endParaRPr lang="en-US" sz="1600">
-              <a:solidFill>
-                <a:schemeClr val="tx1"/>
-              </a:solidFill>
-            </a:endParaRPr>
-          </a:p>
-        </p:txBody>
-      </p:sp>
-      <p:sp>
-        <p:nvSpPr>
-          <p:cNvPr id="8" name="Oval 7">
-            <a:extLst>
-              <a:ext uri="{FF2B5EF4-FFF2-40B4-BE49-F238E27FC236}">
-                <a16:creationId xmlns:a16="http://schemas.microsoft.com/office/drawing/2014/main" id="{E509FCDA-9339-1044-B538-732B8B7B1EE6}"/>
-              </a:ext>
-            </a:extLst>
-          </p:cNvPr>
-          <p:cNvSpPr/>
-          <p:nvPr/>
-        </p:nvSpPr>
-        <p:spPr>
-          <a:xfrm>
-            <a:off x="8123673" y="3321497"/>
-            <a:ext cx="385327" cy="375444"/>
-          </a:xfrm>
-          <a:prstGeom prst="ellipse">
-            <a:avLst/>
-          </a:prstGeom>
-          <a:solidFill>
-            <a:schemeClr val="bg1"/>
-          </a:solidFill>
-          <a:ln>
-            <a:solidFill>
-              <a:srgbClr val="FF0000"/>
-            </a:solidFill>
-          </a:ln>
-        </p:spPr>
-        <p:style>
-          <a:lnRef idx="2">
-            <a:schemeClr val="accent1">
-              <a:shade val="50000"/>
-            </a:schemeClr>
-          </a:lnRef>
-          <a:fillRef idx="1">
-            <a:schemeClr val="accent1"/>
-          </a:fillRef>
-          <a:effectRef idx="0">
-            <a:schemeClr val="accent1"/>
-          </a:effectRef>
-          <a:fontRef idx="minor">
-            <a:schemeClr val="lt1"/>
-          </a:fontRef>
-        </p:style>
-        <p:txBody>
-          <a:bodyPr rtlCol="0" anchor="ctr"/>
-          <a:lstStyle/>
-          <a:p>
-            <a:pPr algn="ctr"/>
-            <a:endParaRPr lang="en-US" sz="1600">
-              <a:solidFill>
-                <a:schemeClr val="tx1"/>
-              </a:solidFill>
-            </a:endParaRPr>
-          </a:p>
-        </p:txBody>
-      </p:sp>
-      <p:sp>
-        <p:nvSpPr>
-          <p:cNvPr id="9" name="TextBox 8">
-            <a:extLst>
-              <a:ext uri="{FF2B5EF4-FFF2-40B4-BE49-F238E27FC236}">
-                <a16:creationId xmlns:a16="http://schemas.microsoft.com/office/drawing/2014/main" id="{2894DEC5-60A7-AD42-BB09-5A6FBABD558E}"/>
+            <a:endParaRPr lang="en-US"/>
+          </a:p>
+        </p:txBody>
+      </p:sp>
+      <p:sp>
+        <p:nvSpPr>
+          <p:cNvPr id="27" name="TextBox 26">
+            <a:extLst>
+              <a:ext uri="{FF2B5EF4-FFF2-40B4-BE49-F238E27FC236}">
+                <a16:creationId xmlns:a16="http://schemas.microsoft.com/office/drawing/2014/main" id="{7685E306-5529-3647-BFC7-29EE857E1CCD}"/>
               </a:ext>
             </a:extLst>
           </p:cNvPr>
@@ -4966,8 +4730,8 @@
         </p:nvSpPr>
         <p:spPr>
           <a:xfrm>
-            <a:off x="2187994" y="3005141"/>
-            <a:ext cx="1164664" cy="338554"/>
+            <a:off x="6759141" y="974958"/>
+            <a:ext cx="714321" cy="369332"/>
           </a:xfrm>
           <a:prstGeom prst="rect">
             <a:avLst/>
@@ -4980,25 +4744,20 @@
           </a:bodyPr>
           <a:lstStyle/>
           <a:p>
-            <a:pPr algn="ctr"/>
-            <a:r>
-              <a:rPr lang="en-US" sz="1600"/>
-              <a:t>user</a:t>
-            </a:r>
-            <a:r>
-              <a:rPr lang="en-US" altLang="zh-CN" sz="1600"/>
-              <a:t>s-web</a:t>
-            </a:r>
-            <a:endParaRPr lang="en-US" sz="1600" dirty="0"/>
-          </a:p>
-        </p:txBody>
-      </p:sp>
-      <p:sp>
-        <p:nvSpPr>
-          <p:cNvPr id="10" name="TextBox 9">
-            <a:extLst>
-              <a:ext uri="{FF2B5EF4-FFF2-40B4-BE49-F238E27FC236}">
-                <a16:creationId xmlns:a16="http://schemas.microsoft.com/office/drawing/2014/main" id="{ABD06A86-9DEA-B745-B369-35C7E9E01DC1}"/>
+            <a:r>
+              <a:rPr lang="en-US" altLang="zh-CN"/>
+              <a:t>Env</a:t>
+            </a:r>
+            <a:endParaRPr lang="en-US"/>
+          </a:p>
+        </p:txBody>
+      </p:sp>
+      <p:sp>
+        <p:nvSpPr>
+          <p:cNvPr id="28" name="TextBox 27">
+            <a:extLst>
+              <a:ext uri="{FF2B5EF4-FFF2-40B4-BE49-F238E27FC236}">
+                <a16:creationId xmlns:a16="http://schemas.microsoft.com/office/drawing/2014/main" id="{F79B89B9-7AA0-B04A-B8A7-B0BB4EF2678C}"/>
               </a:ext>
             </a:extLst>
           </p:cNvPr>
@@ -5007,8 +4766,8 @@
         </p:nvSpPr>
         <p:spPr>
           <a:xfrm>
-            <a:off x="3654803" y="3636006"/>
-            <a:ext cx="686140" cy="338554"/>
+            <a:off x="6765969" y="1237047"/>
+            <a:ext cx="1011116" cy="369332"/>
           </a:xfrm>
           <a:prstGeom prst="rect">
             <a:avLst/>
@@ -5021,21 +4780,20 @@
           </a:bodyPr>
           <a:lstStyle/>
           <a:p>
-            <a:pPr algn="ctr"/>
-            <a:r>
-              <a:rPr lang="en-US" sz="1600" dirty="0" err="1"/>
-              <a:t>auth</a:t>
-            </a:r>
-            <a:endParaRPr lang="en-US" sz="1600" dirty="0"/>
-          </a:p>
-        </p:txBody>
-      </p:sp>
-      <p:sp>
-        <p:nvSpPr>
-          <p:cNvPr id="11" name="TextBox 10">
-            <a:extLst>
-              <a:ext uri="{FF2B5EF4-FFF2-40B4-BE49-F238E27FC236}">
-                <a16:creationId xmlns:a16="http://schemas.microsoft.com/office/drawing/2014/main" id="{4EF75E50-FCE1-314C-BF42-F01E386AA582}"/>
+            <a:r>
+              <a:rPr lang="en-US" altLang="zh-CN"/>
+              <a:t>File</a:t>
+            </a:r>
+            <a:endParaRPr lang="en-US"/>
+          </a:p>
+        </p:txBody>
+      </p:sp>
+      <p:sp>
+        <p:nvSpPr>
+          <p:cNvPr id="29" name="TextBox 28">
+            <a:extLst>
+              <a:ext uri="{FF2B5EF4-FFF2-40B4-BE49-F238E27FC236}">
+                <a16:creationId xmlns:a16="http://schemas.microsoft.com/office/drawing/2014/main" id="{BF2BFC82-F590-C94C-ABD0-C28BC4DC36FA}"/>
               </a:ext>
             </a:extLst>
           </p:cNvPr>
@@ -5044,8 +4802,8 @@
         </p:nvSpPr>
         <p:spPr>
           <a:xfrm>
-            <a:off x="7820657" y="3658889"/>
-            <a:ext cx="1073946" cy="338554"/>
+            <a:off x="6761939" y="1492209"/>
+            <a:ext cx="606015" cy="369332"/>
           </a:xfrm>
           <a:prstGeom prst="rect">
             <a:avLst/>
@@ -5058,25 +4816,20 @@
           </a:bodyPr>
           <a:lstStyle/>
           <a:p>
-            <a:pPr algn="ctr"/>
-            <a:r>
-              <a:rPr lang="en-US" sz="1600" dirty="0"/>
-              <a:t>pay</a:t>
-            </a:r>
-            <a:r>
-              <a:rPr lang="en-US" altLang="zh-CN" sz="1600" dirty="0"/>
-              <a:t>ment</a:t>
-            </a:r>
-            <a:endParaRPr lang="en-US" sz="1600" dirty="0"/>
-          </a:p>
-        </p:txBody>
-      </p:sp>
-      <p:sp>
-        <p:nvSpPr>
-          <p:cNvPr id="12" name="TextBox 11">
-            <a:extLst>
-              <a:ext uri="{FF2B5EF4-FFF2-40B4-BE49-F238E27FC236}">
-                <a16:creationId xmlns:a16="http://schemas.microsoft.com/office/drawing/2014/main" id="{A324C986-31E4-4249-9F28-388A8BFEAD87}"/>
+            <a:r>
+              <a:rPr lang="en-US" altLang="zh-CN"/>
+              <a:t>Flag</a:t>
+            </a:r>
+            <a:endParaRPr lang="en-US"/>
+          </a:p>
+        </p:txBody>
+      </p:sp>
+      <p:sp>
+        <p:nvSpPr>
+          <p:cNvPr id="30" name="TextBox 29">
+            <a:extLst>
+              <a:ext uri="{FF2B5EF4-FFF2-40B4-BE49-F238E27FC236}">
+                <a16:creationId xmlns:a16="http://schemas.microsoft.com/office/drawing/2014/main" id="{D5EFCD20-DA72-0B47-AC68-1655F44A4CFF}"/>
               </a:ext>
             </a:extLst>
           </p:cNvPr>
@@ -5085,8 +4838,8 @@
         </p:nvSpPr>
         <p:spPr>
           <a:xfrm>
-            <a:off x="4690463" y="3651158"/>
-            <a:ext cx="802910" cy="338554"/>
+            <a:off x="6765969" y="1727371"/>
+            <a:ext cx="986704" cy="369332"/>
           </a:xfrm>
           <a:prstGeom prst="rect">
             <a:avLst/>
@@ -5099,78 +4852,20 @@
           </a:bodyPr>
           <a:lstStyle/>
           <a:p>
-            <a:pPr algn="ctr"/>
-            <a:r>
-              <a:rPr lang="en-US" sz="1600" dirty="0"/>
-              <a:t>orders</a:t>
-            </a:r>
-          </a:p>
-        </p:txBody>
-      </p:sp>
-      <p:sp>
-        <p:nvSpPr>
-          <p:cNvPr id="13" name="Oval 12">
-            <a:extLst>
-              <a:ext uri="{FF2B5EF4-FFF2-40B4-BE49-F238E27FC236}">
-                <a16:creationId xmlns:a16="http://schemas.microsoft.com/office/drawing/2014/main" id="{3082FF18-4B3B-0048-9411-88A22F312658}"/>
-              </a:ext>
-            </a:extLst>
-          </p:cNvPr>
-          <p:cNvSpPr/>
-          <p:nvPr/>
-        </p:nvSpPr>
-        <p:spPr>
-          <a:xfrm>
-            <a:off x="6822431" y="3348113"/>
-            <a:ext cx="385327" cy="375444"/>
-          </a:xfrm>
-          <a:prstGeom prst="ellipse">
-            <a:avLst/>
-          </a:prstGeom>
-          <a:solidFill>
-            <a:schemeClr val="bg1"/>
-          </a:solidFill>
-          <a:ln>
-            <a:solidFill>
-              <a:srgbClr val="FF0000"/>
-            </a:solidFill>
-          </a:ln>
-        </p:spPr>
-        <p:style>
-          <a:lnRef idx="2">
-            <a:schemeClr val="accent1">
-              <a:shade val="50000"/>
-            </a:schemeClr>
-          </a:lnRef>
-          <a:fillRef idx="1">
-            <a:schemeClr val="accent1"/>
-          </a:fillRef>
-          <a:effectRef idx="0">
-            <a:schemeClr val="accent1"/>
-          </a:effectRef>
-          <a:fontRef idx="minor">
-            <a:schemeClr val="lt1"/>
-          </a:fontRef>
-        </p:style>
-        <p:txBody>
-          <a:bodyPr rtlCol="0" anchor="ctr"/>
-          <a:lstStyle/>
-          <a:p>
-            <a:pPr algn="ctr"/>
-            <a:endParaRPr lang="en-US" sz="1600">
-              <a:solidFill>
-                <a:schemeClr val="tx1"/>
-              </a:solidFill>
-            </a:endParaRPr>
-          </a:p>
-        </p:txBody>
-      </p:sp>
-      <p:sp>
-        <p:nvSpPr>
-          <p:cNvPr id="14" name="TextBox 13">
-            <a:extLst>
-              <a:ext uri="{FF2B5EF4-FFF2-40B4-BE49-F238E27FC236}">
-                <a16:creationId xmlns:a16="http://schemas.microsoft.com/office/drawing/2014/main" id="{30226585-A694-C849-B0E5-1838EE451E55}"/>
+            <a:r>
+              <a:rPr lang="en-US" altLang="zh-CN"/>
+              <a:t>memory</a:t>
+            </a:r>
+            <a:endParaRPr lang="en-US"/>
+          </a:p>
+        </p:txBody>
+      </p:sp>
+      <p:sp>
+        <p:nvSpPr>
+          <p:cNvPr id="31" name="TextBox 30">
+            <a:extLst>
+              <a:ext uri="{FF2B5EF4-FFF2-40B4-BE49-F238E27FC236}">
+                <a16:creationId xmlns:a16="http://schemas.microsoft.com/office/drawing/2014/main" id="{E679DE4C-4851-524D-98CB-A39B17317669}"/>
               </a:ext>
             </a:extLst>
           </p:cNvPr>
@@ -5179,8 +4874,8 @@
         </p:nvSpPr>
         <p:spPr>
           <a:xfrm>
-            <a:off x="6537806" y="3679245"/>
-            <a:ext cx="1143151" cy="338554"/>
+            <a:off x="6769999" y="1982533"/>
+            <a:ext cx="1011116" cy="369332"/>
           </a:xfrm>
           <a:prstGeom prst="rect">
             <a:avLst/>
@@ -5191,22 +4886,61 @@
           <a:bodyPr wrap="square" rtlCol="0">
             <a:spAutoFit/>
           </a:bodyPr>
-          <a:lstStyle/>
-          <a:p>
-            <a:pPr algn="ctr"/>
-            <a:r>
-              <a:rPr lang="en-US" sz="1600" dirty="0"/>
-              <a:t>inventory</a:t>
-            </a:r>
-          </a:p>
-        </p:txBody>
-      </p:sp>
-      <p:sp>
-        <p:nvSpPr>
-          <p:cNvPr id="16" name="Rounded Rectangle 15">
-            <a:extLst>
-              <a:ext uri="{FF2B5EF4-FFF2-40B4-BE49-F238E27FC236}">
-                <a16:creationId xmlns:a16="http://schemas.microsoft.com/office/drawing/2014/main" id="{AD17F8E4-B471-7D48-90FF-F5A25807ACE4}"/>
+          <a:lstStyle>
+            <a:defPPr>
+              <a:defRPr lang="en-US"/>
+            </a:defPPr>
+          </a:lstStyle>
+          <a:p>
+            <a:r>
+              <a:rPr lang="en-US"/>
+              <a:t>microcli</a:t>
+            </a:r>
+          </a:p>
+        </p:txBody>
+      </p:sp>
+      <p:sp>
+        <p:nvSpPr>
+          <p:cNvPr id="32" name="TextBox 31">
+            <a:extLst>
+              <a:ext uri="{FF2B5EF4-FFF2-40B4-BE49-F238E27FC236}">
+                <a16:creationId xmlns:a16="http://schemas.microsoft.com/office/drawing/2014/main" id="{56F664A3-9CC0-E242-94BF-93C888B25E3E}"/>
+              </a:ext>
+            </a:extLst>
+          </p:cNvPr>
+          <p:cNvSpPr txBox="1"/>
+          <p:nvPr/>
+        </p:nvSpPr>
+        <p:spPr>
+          <a:xfrm>
+            <a:off x="8123089" y="1527377"/>
+            <a:ext cx="1011116" cy="369332"/>
+          </a:xfrm>
+          <a:prstGeom prst="rect">
+            <a:avLst/>
+          </a:prstGeom>
+          <a:noFill/>
+        </p:spPr>
+        <p:txBody>
+          <a:bodyPr wrap="square" rtlCol="0">
+            <a:spAutoFit/>
+          </a:bodyPr>
+          <a:lstStyle/>
+          <a:p>
+            <a:r>
+              <a:rPr lang="en-US" altLang="zh-CN"/>
+              <a:t>Local</a:t>
+            </a:r>
+            <a:endParaRPr lang="en-US"/>
+          </a:p>
+        </p:txBody>
+      </p:sp>
+      <p:sp>
+        <p:nvSpPr>
+          <p:cNvPr id="33" name="Process 32">
+            <a:extLst>
+              <a:ext uri="{FF2B5EF4-FFF2-40B4-BE49-F238E27FC236}">
+                <a16:creationId xmlns:a16="http://schemas.microsoft.com/office/drawing/2014/main" id="{E714AC5E-F2EE-1B4B-A9D2-57C325B2A813}"/>
               </a:ext>
             </a:extLst>
           </p:cNvPr>
@@ -5215,10 +4949,10 @@
         </p:nvSpPr>
         <p:spPr>
           <a:xfrm>
-            <a:off x="1782763" y="1765248"/>
-            <a:ext cx="7643812" cy="683658"/>
-          </a:xfrm>
-          <a:prstGeom prst="roundRect">
+            <a:off x="6668467" y="2671007"/>
+            <a:ext cx="1436721" cy="1557421"/>
+          </a:xfrm>
+          <a:prstGeom prst="flowChartProcess">
             <a:avLst/>
           </a:prstGeom>
           <a:solidFill>
@@ -5251,20 +4985,180 @@
           <a:lstStyle/>
           <a:p>
             <a:pPr algn="ctr"/>
-            <a:endParaRPr lang="en-US" sz="1600">
-              <a:solidFill>
-                <a:schemeClr val="tx1"/>
-              </a:solidFill>
-            </a:endParaRPr>
-          </a:p>
-        </p:txBody>
-      </p:sp>
-      <p:sp>
-        <p:nvSpPr>
-          <p:cNvPr id="18" name="Rounded Rectangle 17">
-            <a:extLst>
-              <a:ext uri="{FF2B5EF4-FFF2-40B4-BE49-F238E27FC236}">
-                <a16:creationId xmlns:a16="http://schemas.microsoft.com/office/drawing/2014/main" id="{1F81A9D7-348F-384D-A6EB-3BED55660D39}"/>
+            <a:endParaRPr lang="en-US"/>
+          </a:p>
+        </p:txBody>
+      </p:sp>
+      <p:pic>
+        <p:nvPicPr>
+          <p:cNvPr id="34" name="Picture 33">
+            <a:extLst>
+              <a:ext uri="{FF2B5EF4-FFF2-40B4-BE49-F238E27FC236}">
+                <a16:creationId xmlns:a16="http://schemas.microsoft.com/office/drawing/2014/main" id="{8013EC23-E085-DC46-8968-6EFAD2596A52}"/>
+              </a:ext>
+            </a:extLst>
+          </p:cNvPr>
+          <p:cNvPicPr>
+            <a:picLocks noChangeAspect="1"/>
+          </p:cNvPicPr>
+          <p:nvPr/>
+        </p:nvPicPr>
+        <p:blipFill>
+          <a:blip r:embed="rId2"/>
+          <a:stretch>
+            <a:fillRect/>
+          </a:stretch>
+        </p:blipFill>
+        <p:spPr>
+          <a:xfrm>
+            <a:off x="6752872" y="3056044"/>
+            <a:ext cx="1028243" cy="408033"/>
+          </a:xfrm>
+          <a:prstGeom prst="rect">
+            <a:avLst/>
+          </a:prstGeom>
+        </p:spPr>
+      </p:pic>
+      <p:pic>
+        <p:nvPicPr>
+          <p:cNvPr id="35" name="Picture 34">
+            <a:extLst>
+              <a:ext uri="{FF2B5EF4-FFF2-40B4-BE49-F238E27FC236}">
+                <a16:creationId xmlns:a16="http://schemas.microsoft.com/office/drawing/2014/main" id="{97AF9B47-9068-AF42-9734-648B53A66B25}"/>
+              </a:ext>
+            </a:extLst>
+          </p:cNvPr>
+          <p:cNvPicPr>
+            <a:picLocks noChangeAspect="1"/>
+          </p:cNvPicPr>
+          <p:nvPr/>
+        </p:nvPicPr>
+        <p:blipFill>
+          <a:blip r:embed="rId3"/>
+          <a:stretch>
+            <a:fillRect/>
+          </a:stretch>
+        </p:blipFill>
+        <p:spPr>
+          <a:xfrm>
+            <a:off x="6788274" y="3464077"/>
+            <a:ext cx="975279" cy="360002"/>
+          </a:xfrm>
+          <a:prstGeom prst="rect">
+            <a:avLst/>
+          </a:prstGeom>
+        </p:spPr>
+      </p:pic>
+      <p:pic>
+        <p:nvPicPr>
+          <p:cNvPr id="36" name="Picture 35">
+            <a:extLst>
+              <a:ext uri="{FF2B5EF4-FFF2-40B4-BE49-F238E27FC236}">
+                <a16:creationId xmlns:a16="http://schemas.microsoft.com/office/drawing/2014/main" id="{D071C12E-0D38-C94D-AE1E-4BA9C7F7CC56}"/>
+              </a:ext>
+            </a:extLst>
+          </p:cNvPr>
+          <p:cNvPicPr>
+            <a:picLocks noChangeAspect="1"/>
+          </p:cNvPicPr>
+          <p:nvPr/>
+        </p:nvPicPr>
+        <p:blipFill>
+          <a:blip r:embed="rId4"/>
+          <a:stretch>
+            <a:fillRect/>
+          </a:stretch>
+        </p:blipFill>
+        <p:spPr>
+          <a:xfrm>
+            <a:off x="6752872" y="3888310"/>
+            <a:ext cx="1289013" cy="310918"/>
+          </a:xfrm>
+          <a:prstGeom prst="rect">
+            <a:avLst/>
+          </a:prstGeom>
+        </p:spPr>
+      </p:pic>
+      <p:pic>
+        <p:nvPicPr>
+          <p:cNvPr id="37" name="Picture 36">
+            <a:extLst>
+              <a:ext uri="{FF2B5EF4-FFF2-40B4-BE49-F238E27FC236}">
+                <a16:creationId xmlns:a16="http://schemas.microsoft.com/office/drawing/2014/main" id="{2EAC48D6-F9C5-1642-9BA9-508CD3A184B9}"/>
+              </a:ext>
+            </a:extLst>
+          </p:cNvPr>
+          <p:cNvPicPr>
+            <a:picLocks noChangeAspect="1"/>
+          </p:cNvPicPr>
+          <p:nvPr/>
+        </p:nvPicPr>
+        <p:blipFill>
+          <a:blip r:embed="rId5"/>
+          <a:stretch>
+            <a:fillRect/>
+          </a:stretch>
+        </p:blipFill>
+        <p:spPr>
+          <a:xfrm>
+            <a:off x="6788274" y="2778308"/>
+            <a:ext cx="1056746" cy="289347"/>
+          </a:xfrm>
+          <a:prstGeom prst="rect">
+            <a:avLst/>
+          </a:prstGeom>
+        </p:spPr>
+      </p:pic>
+      <p:sp>
+        <p:nvSpPr>
+          <p:cNvPr id="39" name="TextBox 38">
+            <a:extLst>
+              <a:ext uri="{FF2B5EF4-FFF2-40B4-BE49-F238E27FC236}">
+                <a16:creationId xmlns:a16="http://schemas.microsoft.com/office/drawing/2014/main" id="{1E975ACF-42AB-8648-8C2A-A625FFB39D49}"/>
+              </a:ext>
+            </a:extLst>
+          </p:cNvPr>
+          <p:cNvSpPr txBox="1"/>
+          <p:nvPr/>
+        </p:nvSpPr>
+        <p:spPr>
+          <a:xfrm>
+            <a:off x="8105188" y="3260060"/>
+            <a:ext cx="1709336" cy="369332"/>
+          </a:xfrm>
+          <a:prstGeom prst="rect">
+            <a:avLst/>
+          </a:prstGeom>
+          <a:noFill/>
+        </p:spPr>
+        <p:txBody>
+          <a:bodyPr wrap="square" rtlCol="0">
+            <a:spAutoFit/>
+          </a:bodyPr>
+          <a:lstStyle/>
+          <a:p>
+            <a:r>
+              <a:rPr lang="en-US" altLang="zh-CN"/>
+              <a:t>Center</a:t>
+            </a:r>
+            <a:r>
+              <a:rPr lang="zh-CN" altLang="en-US"/>
+              <a:t> </a:t>
+            </a:r>
+            <a:r>
+              <a:rPr lang="en-US" altLang="zh-CN"/>
+              <a:t>Server</a:t>
+            </a:r>
+            <a:endParaRPr lang="en-US"/>
+          </a:p>
+        </p:txBody>
+      </p:sp>
+      <p:sp>
+        <p:nvSpPr>
+          <p:cNvPr id="42" name="Rectangle 41">
+            <a:extLst>
+              <a:ext uri="{FF2B5EF4-FFF2-40B4-BE49-F238E27FC236}">
+                <a16:creationId xmlns:a16="http://schemas.microsoft.com/office/drawing/2014/main" id="{2D3864BE-0B67-4A4A-9453-52D4BCE93206}"/>
               </a:ext>
             </a:extLst>
           </p:cNvPr>
@@ -5273,10 +5167,10 @@
         </p:nvSpPr>
         <p:spPr>
           <a:xfrm>
-            <a:off x="4795404" y="1921339"/>
-            <a:ext cx="1310531" cy="371475"/>
-          </a:xfrm>
-          <a:prstGeom prst="roundRect">
+            <a:off x="4322830" y="944696"/>
+            <a:ext cx="1341847" cy="3283732"/>
+          </a:xfrm>
+          <a:prstGeom prst="rect">
             <a:avLst/>
           </a:prstGeom>
           <a:solidFill>
@@ -5309,23 +5203,16 @@
           <a:lstStyle/>
           <a:p>
             <a:pPr algn="ctr"/>
-            <a:r>
-              <a:rPr lang="en-US" sz="1600" dirty="0">
-                <a:solidFill>
-                  <a:schemeClr val="tx1"/>
-                </a:solidFill>
-              </a:rPr>
-              <a:t>API</a:t>
-            </a:r>
-          </a:p>
-        </p:txBody>
-      </p:sp>
-      <p:sp>
-        <p:nvSpPr>
-          <p:cNvPr id="22" name="Rounded Rectangle 21">
-            <a:extLst>
-              <a:ext uri="{FF2B5EF4-FFF2-40B4-BE49-F238E27FC236}">
-                <a16:creationId xmlns:a16="http://schemas.microsoft.com/office/drawing/2014/main" id="{08CB58ED-72BC-8B43-B14A-D8E57F2809CE}"/>
+            <a:endParaRPr lang="en-US"/>
+          </a:p>
+        </p:txBody>
+      </p:sp>
+      <p:sp>
+        <p:nvSpPr>
+          <p:cNvPr id="47" name="Rectangle 46">
+            <a:extLst>
+              <a:ext uri="{FF2B5EF4-FFF2-40B4-BE49-F238E27FC236}">
+                <a16:creationId xmlns:a16="http://schemas.microsoft.com/office/drawing/2014/main" id="{6A282E75-42F2-2B46-9AA3-6A20CCAF2A08}"/>
               </a:ext>
             </a:extLst>
           </p:cNvPr>
@@ -5334,10 +5221,10 @@
         </p:nvSpPr>
         <p:spPr>
           <a:xfrm>
-            <a:off x="1782762" y="4237034"/>
-            <a:ext cx="7643812" cy="683658"/>
-          </a:xfrm>
-          <a:prstGeom prst="roundRect">
+            <a:off x="4930386" y="2268721"/>
+            <a:ext cx="734291" cy="509586"/>
+          </a:xfrm>
+          <a:prstGeom prst="rect">
             <a:avLst/>
           </a:prstGeom>
           <a:solidFill>
@@ -5370,20 +5257,16 @@
           <a:lstStyle/>
           <a:p>
             <a:pPr algn="ctr"/>
-            <a:endParaRPr lang="en-US" sz="1600">
-              <a:solidFill>
-                <a:schemeClr val="tx1"/>
-              </a:solidFill>
-            </a:endParaRPr>
-          </a:p>
-        </p:txBody>
-      </p:sp>
-      <p:sp>
-        <p:nvSpPr>
-          <p:cNvPr id="23" name="Rounded Rectangle 22">
-            <a:extLst>
-              <a:ext uri="{FF2B5EF4-FFF2-40B4-BE49-F238E27FC236}">
-                <a16:creationId xmlns:a16="http://schemas.microsoft.com/office/drawing/2014/main" id="{40239188-4730-7040-BF13-124CB21999A4}"/>
+            <a:endParaRPr lang="en-US"/>
+          </a:p>
+        </p:txBody>
+      </p:sp>
+      <p:sp>
+        <p:nvSpPr>
+          <p:cNvPr id="48" name="Summing Junction 47">
+            <a:extLst>
+              <a:ext uri="{FF2B5EF4-FFF2-40B4-BE49-F238E27FC236}">
+                <a16:creationId xmlns:a16="http://schemas.microsoft.com/office/drawing/2014/main" id="{69D68FDA-2CC8-DC4C-A230-33D76F8798B8}"/>
               </a:ext>
             </a:extLst>
           </p:cNvPr>
@@ -5392,10 +5275,10 @@
         </p:nvSpPr>
         <p:spPr>
           <a:xfrm>
-            <a:off x="2181648" y="4393125"/>
-            <a:ext cx="934182" cy="371475"/>
-          </a:xfrm>
-          <a:prstGeom prst="roundRect">
+            <a:off x="5154964" y="2304562"/>
+            <a:ext cx="276084" cy="267241"/>
+          </a:xfrm>
+          <a:prstGeom prst="flowChartSummingJunction">
             <a:avLst/>
           </a:prstGeom>
           <a:solidFill>
@@ -5428,23 +5311,92 @@
           <a:lstStyle/>
           <a:p>
             <a:pPr algn="ctr"/>
-            <a:r>
-              <a:rPr lang="en-US" sz="1600" dirty="0">
-                <a:solidFill>
-                  <a:schemeClr val="tx1"/>
-                </a:solidFill>
-              </a:rPr>
-              <a:t>API</a:t>
-            </a:r>
-          </a:p>
-        </p:txBody>
-      </p:sp>
-      <p:sp>
-        <p:nvSpPr>
-          <p:cNvPr id="24" name="Rounded Rectangle 23">
-            <a:extLst>
-              <a:ext uri="{FF2B5EF4-FFF2-40B4-BE49-F238E27FC236}">
-                <a16:creationId xmlns:a16="http://schemas.microsoft.com/office/drawing/2014/main" id="{42B0CD49-ADC9-AC4F-9E99-E00C7F0FF3BA}"/>
+            <a:endParaRPr lang="en-US"/>
+          </a:p>
+        </p:txBody>
+      </p:sp>
+      <p:sp>
+        <p:nvSpPr>
+          <p:cNvPr id="49" name="TextBox 48">
+            <a:extLst>
+              <a:ext uri="{FF2B5EF4-FFF2-40B4-BE49-F238E27FC236}">
+                <a16:creationId xmlns:a16="http://schemas.microsoft.com/office/drawing/2014/main" id="{941A3394-A476-064A-8CB7-C9B3FB8CBEA5}"/>
+              </a:ext>
+            </a:extLst>
+          </p:cNvPr>
+          <p:cNvSpPr txBox="1"/>
+          <p:nvPr/>
+        </p:nvSpPr>
+        <p:spPr>
+          <a:xfrm>
+            <a:off x="4921595" y="2501307"/>
+            <a:ext cx="854097" cy="276999"/>
+          </a:xfrm>
+          <a:prstGeom prst="rect">
+            <a:avLst/>
+          </a:prstGeom>
+          <a:noFill/>
+        </p:spPr>
+        <p:txBody>
+          <a:bodyPr wrap="square" rtlCol="0">
+            <a:spAutoFit/>
+          </a:bodyPr>
+          <a:lstStyle/>
+          <a:p>
+            <a:r>
+              <a:rPr lang="en-US" altLang="zh-CN" sz="1200"/>
+              <a:t>Go-config</a:t>
+            </a:r>
+            <a:endParaRPr lang="en-US" sz="1200"/>
+          </a:p>
+        </p:txBody>
+      </p:sp>
+      <p:sp>
+        <p:nvSpPr>
+          <p:cNvPr id="50" name="TextBox 49">
+            <a:extLst>
+              <a:ext uri="{FF2B5EF4-FFF2-40B4-BE49-F238E27FC236}">
+                <a16:creationId xmlns:a16="http://schemas.microsoft.com/office/drawing/2014/main" id="{81BAFEAF-3867-3543-9D51-93EF06E85B77}"/>
+              </a:ext>
+            </a:extLst>
+          </p:cNvPr>
+          <p:cNvSpPr txBox="1"/>
+          <p:nvPr/>
+        </p:nvSpPr>
+        <p:spPr>
+          <a:xfrm>
+            <a:off x="4688963" y="3824079"/>
+            <a:ext cx="1011116" cy="369332"/>
+          </a:xfrm>
+          <a:prstGeom prst="rect">
+            <a:avLst/>
+          </a:prstGeom>
+          <a:noFill/>
+        </p:spPr>
+        <p:txBody>
+          <a:bodyPr wrap="square" rtlCol="0">
+            <a:spAutoFit/>
+          </a:bodyPr>
+          <a:lstStyle>
+            <a:defPPr>
+              <a:defRPr lang="en-US"/>
+            </a:defPPr>
+          </a:lstStyle>
+          <a:p>
+            <a:r>
+              <a:rPr lang="en-US" altLang="zh-CN"/>
+              <a:t>App</a:t>
+            </a:r>
+            <a:endParaRPr lang="en-US"/>
+          </a:p>
+        </p:txBody>
+      </p:sp>
+      <p:sp>
+        <p:nvSpPr>
+          <p:cNvPr id="51" name="Right Arrow 50">
+            <a:extLst>
+              <a:ext uri="{FF2B5EF4-FFF2-40B4-BE49-F238E27FC236}">
+                <a16:creationId xmlns:a16="http://schemas.microsoft.com/office/drawing/2014/main" id="{8276184E-602F-3040-83CD-2C0AE7B8FAAF}"/>
               </a:ext>
             </a:extLst>
           </p:cNvPr>
@@ -5452,11 +5404,11 @@
           <p:nvPr/>
         </p:nvSpPr>
         <p:spPr>
-          <a:xfrm>
-            <a:off x="3743748" y="4393125"/>
-            <a:ext cx="934182" cy="371475"/>
-          </a:xfrm>
-          <a:prstGeom prst="roundRect">
+          <a:xfrm rot="8762121">
+            <a:off x="5646282" y="2091233"/>
+            <a:ext cx="993058" cy="145046"/>
+          </a:xfrm>
+          <a:prstGeom prst="rightArrow">
             <a:avLst/>
           </a:prstGeom>
           <a:solidFill>
@@ -5489,23 +5441,16 @@
           <a:lstStyle/>
           <a:p>
             <a:pPr algn="ctr"/>
-            <a:r>
-              <a:rPr lang="en-US" sz="1600" dirty="0">
-                <a:solidFill>
-                  <a:schemeClr val="tx1"/>
-                </a:solidFill>
-              </a:rPr>
-              <a:t>Bot</a:t>
-            </a:r>
-          </a:p>
-        </p:txBody>
-      </p:sp>
-      <p:sp>
-        <p:nvSpPr>
-          <p:cNvPr id="25" name="Rounded Rectangle 24">
-            <a:extLst>
-              <a:ext uri="{FF2B5EF4-FFF2-40B4-BE49-F238E27FC236}">
-                <a16:creationId xmlns:a16="http://schemas.microsoft.com/office/drawing/2014/main" id="{1595CF05-1E69-954F-A96B-C7692052C3B4}"/>
+            <a:endParaRPr lang="en-US"/>
+          </a:p>
+        </p:txBody>
+      </p:sp>
+      <p:sp>
+        <p:nvSpPr>
+          <p:cNvPr id="52" name="Right Arrow 51">
+            <a:extLst>
+              <a:ext uri="{FF2B5EF4-FFF2-40B4-BE49-F238E27FC236}">
+                <a16:creationId xmlns:a16="http://schemas.microsoft.com/office/drawing/2014/main" id="{A6461566-52D3-7544-B55A-982DA6FD45AD}"/>
               </a:ext>
             </a:extLst>
           </p:cNvPr>
@@ -5513,11 +5458,11 @@
           <p:nvPr/>
         </p:nvSpPr>
         <p:spPr>
-          <a:xfrm>
-            <a:off x="5310775" y="4393125"/>
-            <a:ext cx="934182" cy="371475"/>
-          </a:xfrm>
-          <a:prstGeom prst="roundRect">
+          <a:xfrm rot="12085881">
+            <a:off x="5665542" y="2736528"/>
+            <a:ext cx="993058" cy="145046"/>
+          </a:xfrm>
+          <a:prstGeom prst="rightArrow">
             <a:avLst/>
           </a:prstGeom>
           <a:solidFill>
@@ -5550,458 +5495,14 @@
           <a:lstStyle/>
           <a:p>
             <a:pPr algn="ctr"/>
-            <a:r>
-              <a:rPr lang="en-US" sz="1600" dirty="0">
-                <a:solidFill>
-                  <a:schemeClr val="tx1"/>
-                </a:solidFill>
-              </a:rPr>
-              <a:t>CLI</a:t>
-            </a:r>
-          </a:p>
-        </p:txBody>
-      </p:sp>
-      <p:sp>
-        <p:nvSpPr>
-          <p:cNvPr id="26" name="Rounded Rectangle 25">
-            <a:extLst>
-              <a:ext uri="{FF2B5EF4-FFF2-40B4-BE49-F238E27FC236}">
-                <a16:creationId xmlns:a16="http://schemas.microsoft.com/office/drawing/2014/main" id="{5EFEE84A-3CE7-0945-9CCF-5F91BA78DD82}"/>
-              </a:ext>
-            </a:extLst>
-          </p:cNvPr>
-          <p:cNvSpPr/>
-          <p:nvPr/>
-        </p:nvSpPr>
-        <p:spPr>
-          <a:xfrm>
-            <a:off x="6846858" y="4393125"/>
-            <a:ext cx="934182" cy="371475"/>
-          </a:xfrm>
-          <a:prstGeom prst="roundRect">
-            <a:avLst/>
-          </a:prstGeom>
-          <a:solidFill>
-            <a:schemeClr val="bg1"/>
-          </a:solidFill>
-          <a:ln>
-            <a:solidFill>
-              <a:schemeClr val="tx1"/>
-            </a:solidFill>
-          </a:ln>
-        </p:spPr>
-        <p:style>
-          <a:lnRef idx="2">
-            <a:schemeClr val="accent1">
-              <a:shade val="50000"/>
-            </a:schemeClr>
-          </a:lnRef>
-          <a:fillRef idx="1">
-            <a:schemeClr val="accent1"/>
-          </a:fillRef>
-          <a:effectRef idx="0">
-            <a:schemeClr val="accent1"/>
-          </a:effectRef>
-          <a:fontRef idx="minor">
-            <a:schemeClr val="lt1"/>
-          </a:fontRef>
-        </p:style>
-        <p:txBody>
-          <a:bodyPr rtlCol="0" anchor="ctr"/>
-          <a:lstStyle/>
-          <a:p>
-            <a:pPr algn="ctr"/>
-            <a:r>
-              <a:rPr lang="en-US" sz="1600" dirty="0">
-                <a:solidFill>
-                  <a:schemeClr val="tx1"/>
-                </a:solidFill>
-              </a:rPr>
-              <a:t>Proxy</a:t>
-            </a:r>
-          </a:p>
-        </p:txBody>
-      </p:sp>
-      <p:sp>
-        <p:nvSpPr>
-          <p:cNvPr id="27" name="Rounded Rectangle 26">
-            <a:extLst>
-              <a:ext uri="{FF2B5EF4-FFF2-40B4-BE49-F238E27FC236}">
-                <a16:creationId xmlns:a16="http://schemas.microsoft.com/office/drawing/2014/main" id="{02A2EBC2-7F97-9748-B467-5851FCA5A505}"/>
-              </a:ext>
-            </a:extLst>
-          </p:cNvPr>
-          <p:cNvSpPr/>
-          <p:nvPr/>
-        </p:nvSpPr>
-        <p:spPr>
-          <a:xfrm>
-            <a:off x="8326252" y="4393125"/>
-            <a:ext cx="934182" cy="371475"/>
-          </a:xfrm>
-          <a:prstGeom prst="roundRect">
-            <a:avLst/>
-          </a:prstGeom>
-          <a:solidFill>
-            <a:schemeClr val="bg1"/>
-          </a:solidFill>
-          <a:ln>
-            <a:solidFill>
-              <a:schemeClr val="tx1"/>
-            </a:solidFill>
-          </a:ln>
-        </p:spPr>
-        <p:style>
-          <a:lnRef idx="2">
-            <a:schemeClr val="accent1">
-              <a:shade val="50000"/>
-            </a:schemeClr>
-          </a:lnRef>
-          <a:fillRef idx="1">
-            <a:schemeClr val="accent1"/>
-          </a:fillRef>
-          <a:effectRef idx="0">
-            <a:schemeClr val="accent1"/>
-          </a:effectRef>
-          <a:fontRef idx="minor">
-            <a:schemeClr val="lt1"/>
-          </a:fontRef>
-        </p:style>
-        <p:txBody>
-          <a:bodyPr rtlCol="0" anchor="ctr"/>
-          <a:lstStyle/>
-          <a:p>
-            <a:pPr algn="ctr"/>
-            <a:r>
-              <a:rPr lang="en-US" sz="1600" dirty="0">
-                <a:solidFill>
-                  <a:schemeClr val="tx1"/>
-                </a:solidFill>
-              </a:rPr>
-              <a:t>Web</a:t>
-            </a:r>
-          </a:p>
-        </p:txBody>
-      </p:sp>
-      <p:sp>
-        <p:nvSpPr>
-          <p:cNvPr id="28" name="Oval 27">
-            <a:extLst>
-              <a:ext uri="{FF2B5EF4-FFF2-40B4-BE49-F238E27FC236}">
-                <a16:creationId xmlns:a16="http://schemas.microsoft.com/office/drawing/2014/main" id="{AD2BFD9D-4472-944F-B65A-D1939AE35D14}"/>
-              </a:ext>
-            </a:extLst>
-          </p:cNvPr>
-          <p:cNvSpPr/>
-          <p:nvPr/>
-        </p:nvSpPr>
-        <p:spPr>
-          <a:xfrm>
-            <a:off x="2594526" y="3304849"/>
-            <a:ext cx="360611" cy="375444"/>
-          </a:xfrm>
-          <a:prstGeom prst="ellipse">
-            <a:avLst/>
-          </a:prstGeom>
-          <a:solidFill>
-            <a:schemeClr val="bg1"/>
-          </a:solidFill>
-          <a:ln>
-            <a:solidFill>
-              <a:srgbClr val="FF0000"/>
-            </a:solidFill>
-          </a:ln>
-        </p:spPr>
-        <p:style>
-          <a:lnRef idx="2">
-            <a:schemeClr val="accent1">
-              <a:shade val="50000"/>
-            </a:schemeClr>
-          </a:lnRef>
-          <a:fillRef idx="1">
-            <a:schemeClr val="accent1"/>
-          </a:fillRef>
-          <a:effectRef idx="0">
-            <a:schemeClr val="accent1"/>
-          </a:effectRef>
-          <a:fontRef idx="minor">
-            <a:schemeClr val="lt1"/>
-          </a:fontRef>
-        </p:style>
-        <p:txBody>
-          <a:bodyPr rtlCol="0" anchor="ctr"/>
-          <a:lstStyle/>
-          <a:p>
-            <a:pPr algn="ctr"/>
-            <a:endParaRPr lang="en-US" sz="1600" dirty="0">
-              <a:solidFill>
-                <a:schemeClr val="tx1"/>
-              </a:solidFill>
-            </a:endParaRPr>
-          </a:p>
-        </p:txBody>
-      </p:sp>
-      <p:sp>
-        <p:nvSpPr>
-          <p:cNvPr id="29" name="TextBox 28">
-            <a:extLst>
-              <a:ext uri="{FF2B5EF4-FFF2-40B4-BE49-F238E27FC236}">
-                <a16:creationId xmlns:a16="http://schemas.microsoft.com/office/drawing/2014/main" id="{C79B8773-2C42-7F40-90DC-A8DDE6B02EA3}"/>
-              </a:ext>
-            </a:extLst>
-          </p:cNvPr>
-          <p:cNvSpPr txBox="1"/>
-          <p:nvPr/>
-        </p:nvSpPr>
-        <p:spPr>
-          <a:xfrm>
-            <a:off x="2107813" y="3604641"/>
-            <a:ext cx="1455208" cy="338554"/>
-          </a:xfrm>
-          <a:prstGeom prst="rect">
-            <a:avLst/>
-          </a:prstGeom>
-          <a:noFill/>
-        </p:spPr>
-        <p:txBody>
-          <a:bodyPr wrap="square" rtlCol="0">
-            <a:spAutoFit/>
-          </a:bodyPr>
-          <a:lstStyle/>
-          <a:p>
-            <a:pPr algn="ctr"/>
-            <a:r>
-              <a:rPr lang="en-US" altLang="zh-CN" sz="1600"/>
-              <a:t>user-service</a:t>
-            </a:r>
-            <a:endParaRPr lang="en-US" sz="1600" dirty="0"/>
-          </a:p>
-        </p:txBody>
-      </p:sp>
-      <p:sp>
-        <p:nvSpPr>
-          <p:cNvPr id="30" name="Oval 29">
-            <a:extLst>
-              <a:ext uri="{FF2B5EF4-FFF2-40B4-BE49-F238E27FC236}">
-                <a16:creationId xmlns:a16="http://schemas.microsoft.com/office/drawing/2014/main" id="{0CD49CBF-7259-0041-9FC5-96E49A759B32}"/>
-              </a:ext>
-            </a:extLst>
-          </p:cNvPr>
-          <p:cNvSpPr/>
-          <p:nvPr/>
-        </p:nvSpPr>
-        <p:spPr>
-          <a:xfrm>
-            <a:off x="4888978" y="2681865"/>
-            <a:ext cx="360611" cy="375444"/>
-          </a:xfrm>
-          <a:prstGeom prst="ellipse">
-            <a:avLst/>
-          </a:prstGeom>
-          <a:solidFill>
-            <a:schemeClr val="bg1"/>
-          </a:solidFill>
-          <a:ln>
-            <a:solidFill>
-              <a:srgbClr val="FF0000"/>
-            </a:solidFill>
-          </a:ln>
-        </p:spPr>
-        <p:style>
-          <a:lnRef idx="2">
-            <a:schemeClr val="accent1">
-              <a:shade val="50000"/>
-            </a:schemeClr>
-          </a:lnRef>
-          <a:fillRef idx="1">
-            <a:schemeClr val="accent1"/>
-          </a:fillRef>
-          <a:effectRef idx="0">
-            <a:schemeClr val="accent1"/>
-          </a:effectRef>
-          <a:fontRef idx="minor">
-            <a:schemeClr val="lt1"/>
-          </a:fontRef>
-        </p:style>
-        <p:txBody>
-          <a:bodyPr rtlCol="0" anchor="ctr"/>
-          <a:lstStyle/>
-          <a:p>
-            <a:pPr algn="ctr"/>
-            <a:endParaRPr lang="en-US" sz="1600" dirty="0">
-              <a:solidFill>
-                <a:schemeClr val="tx1"/>
-              </a:solidFill>
-            </a:endParaRPr>
-          </a:p>
-        </p:txBody>
-      </p:sp>
-      <p:sp>
-        <p:nvSpPr>
-          <p:cNvPr id="31" name="TextBox 30">
-            <a:extLst>
-              <a:ext uri="{FF2B5EF4-FFF2-40B4-BE49-F238E27FC236}">
-                <a16:creationId xmlns:a16="http://schemas.microsoft.com/office/drawing/2014/main" id="{222E6865-37C3-A34C-B97E-945023A70E51}"/>
-              </a:ext>
-            </a:extLst>
-          </p:cNvPr>
-          <p:cNvSpPr txBox="1"/>
-          <p:nvPr/>
-        </p:nvSpPr>
-        <p:spPr>
-          <a:xfrm>
-            <a:off x="4501588" y="2977598"/>
-            <a:ext cx="1164664" cy="338554"/>
-          </a:xfrm>
-          <a:prstGeom prst="rect">
-            <a:avLst/>
-          </a:prstGeom>
-          <a:noFill/>
-        </p:spPr>
-        <p:txBody>
-          <a:bodyPr wrap="square" rtlCol="0">
-            <a:spAutoFit/>
-          </a:bodyPr>
-          <a:lstStyle/>
-          <a:p>
-            <a:pPr algn="ctr"/>
-            <a:r>
-              <a:rPr lang="en-US" altLang="zh-CN" sz="1600"/>
-              <a:t>orders-web</a:t>
-            </a:r>
-            <a:endParaRPr lang="en-US" sz="1600" dirty="0"/>
-          </a:p>
-        </p:txBody>
-      </p:sp>
-      <p:sp>
-        <p:nvSpPr>
-          <p:cNvPr id="32" name="Oval 31">
-            <a:extLst>
-              <a:ext uri="{FF2B5EF4-FFF2-40B4-BE49-F238E27FC236}">
-                <a16:creationId xmlns:a16="http://schemas.microsoft.com/office/drawing/2014/main" id="{809A0203-D88A-B943-98F1-CBF8E0C447E6}"/>
-              </a:ext>
-            </a:extLst>
-          </p:cNvPr>
-          <p:cNvSpPr/>
-          <p:nvPr/>
-        </p:nvSpPr>
-        <p:spPr>
-          <a:xfrm>
-            <a:off x="8143169" y="2673007"/>
-            <a:ext cx="360611" cy="375444"/>
-          </a:xfrm>
-          <a:prstGeom prst="ellipse">
-            <a:avLst/>
-          </a:prstGeom>
-          <a:solidFill>
-            <a:schemeClr val="bg1"/>
-          </a:solidFill>
-          <a:ln>
-            <a:solidFill>
-              <a:srgbClr val="FF0000"/>
-            </a:solidFill>
-          </a:ln>
-        </p:spPr>
-        <p:style>
-          <a:lnRef idx="2">
-            <a:schemeClr val="accent1">
-              <a:shade val="50000"/>
-            </a:schemeClr>
-          </a:lnRef>
-          <a:fillRef idx="1">
-            <a:schemeClr val="accent1"/>
-          </a:fillRef>
-          <a:effectRef idx="0">
-            <a:schemeClr val="accent1"/>
-          </a:effectRef>
-          <a:fontRef idx="minor">
-            <a:schemeClr val="lt1"/>
-          </a:fontRef>
-        </p:style>
-        <p:txBody>
-          <a:bodyPr rtlCol="0" anchor="ctr"/>
-          <a:lstStyle/>
-          <a:p>
-            <a:pPr algn="ctr"/>
-            <a:endParaRPr lang="en-US" sz="1600" dirty="0">
-              <a:solidFill>
-                <a:schemeClr val="tx1"/>
-              </a:solidFill>
-            </a:endParaRPr>
-          </a:p>
-        </p:txBody>
-      </p:sp>
-      <p:sp>
-        <p:nvSpPr>
-          <p:cNvPr id="33" name="TextBox 32">
-            <a:extLst>
-              <a:ext uri="{FF2B5EF4-FFF2-40B4-BE49-F238E27FC236}">
-                <a16:creationId xmlns:a16="http://schemas.microsoft.com/office/drawing/2014/main" id="{4B323D83-DBF2-D545-9733-B1ECEC4C9B68}"/>
-              </a:ext>
-            </a:extLst>
-          </p:cNvPr>
-          <p:cNvSpPr txBox="1"/>
-          <p:nvPr/>
-        </p:nvSpPr>
-        <p:spPr>
-          <a:xfrm>
-            <a:off x="7511505" y="2966295"/>
-            <a:ext cx="1688598" cy="338554"/>
-          </a:xfrm>
-          <a:prstGeom prst="rect">
-            <a:avLst/>
-          </a:prstGeom>
-          <a:noFill/>
-        </p:spPr>
-        <p:txBody>
-          <a:bodyPr wrap="square" rtlCol="0">
-            <a:spAutoFit/>
-          </a:bodyPr>
-          <a:lstStyle/>
-          <a:p>
-            <a:pPr algn="ctr"/>
-            <a:r>
-              <a:rPr lang="en-US" altLang="zh-CN" sz="1600"/>
-              <a:t>payment-web</a:t>
-            </a:r>
-            <a:endParaRPr lang="en-US" sz="1600" dirty="0"/>
-          </a:p>
-        </p:txBody>
-      </p:sp>
-      <p:pic>
-        <p:nvPicPr>
-          <p:cNvPr id="37" name="Picture 36">
-            <a:extLst>
-              <a:ext uri="{FF2B5EF4-FFF2-40B4-BE49-F238E27FC236}">
-                <a16:creationId xmlns:a16="http://schemas.microsoft.com/office/drawing/2014/main" id="{88D54F83-AB42-B447-8716-EB362B1C86D7}"/>
-              </a:ext>
-            </a:extLst>
-          </p:cNvPr>
-          <p:cNvPicPr>
-            <a:picLocks noChangeAspect="1"/>
-          </p:cNvPicPr>
-          <p:nvPr/>
-        </p:nvPicPr>
-        <p:blipFill>
-          <a:blip r:embed="rId2"/>
-          <a:stretch>
-            <a:fillRect/>
-          </a:stretch>
-        </p:blipFill>
-        <p:spPr>
-          <a:xfrm>
-            <a:off x="5249589" y="1230002"/>
-            <a:ext cx="304800" cy="304800"/>
-          </a:xfrm>
-          <a:prstGeom prst="rect">
-            <a:avLst/>
-          </a:prstGeom>
-        </p:spPr>
-      </p:pic>
+            <a:endParaRPr lang="en-US"/>
+          </a:p>
+        </p:txBody>
+      </p:sp>
     </p:spTree>
     <p:extLst>
       <p:ext uri="{BB962C8B-B14F-4D97-AF65-F5344CB8AC3E}">
-        <p14:creationId xmlns:p14="http://schemas.microsoft.com/office/powerpoint/2010/main" val="2744518638"/>
+        <p14:creationId xmlns:p14="http://schemas.microsoft.com/office/powerpoint/2010/main" val="2551754558"/>
       </p:ext>
     </p:extLst>
   </p:cSld>
@@ -6030,10 +5531,10 @@
       </p:grpSpPr>
       <p:sp>
         <p:nvSpPr>
-          <p:cNvPr id="26" name="Process 25">
-            <a:extLst>
-              <a:ext uri="{FF2B5EF4-FFF2-40B4-BE49-F238E27FC236}">
-                <a16:creationId xmlns:a16="http://schemas.microsoft.com/office/drawing/2014/main" id="{DF795300-113C-0D47-AA53-F96BB7264CFC}"/>
+          <p:cNvPr id="4" name="Rectangle 3">
+            <a:extLst>
+              <a:ext uri="{FF2B5EF4-FFF2-40B4-BE49-F238E27FC236}">
+                <a16:creationId xmlns:a16="http://schemas.microsoft.com/office/drawing/2014/main" id="{EC7728F5-E2ED-1C43-8614-4D2826757F1D}"/>
               </a:ext>
             </a:extLst>
           </p:cNvPr>
@@ -6042,10 +5543,10 @@
         </p:nvSpPr>
         <p:spPr>
           <a:xfrm>
-            <a:off x="6663160" y="944696"/>
-            <a:ext cx="1442028" cy="1393703"/>
-          </a:xfrm>
-          <a:prstGeom prst="flowChartProcess">
+            <a:off x="1638300" y="1447799"/>
+            <a:ext cx="1866900" cy="3056467"/>
+          </a:xfrm>
+          <a:prstGeom prst="rect">
             <a:avLst/>
           </a:prstGeom>
           <a:solidFill>
@@ -6084,10 +5585,118 @@
       </p:sp>
       <p:sp>
         <p:nvSpPr>
-          <p:cNvPr id="27" name="TextBox 26">
-            <a:extLst>
-              <a:ext uri="{FF2B5EF4-FFF2-40B4-BE49-F238E27FC236}">
-                <a16:creationId xmlns:a16="http://schemas.microsoft.com/office/drawing/2014/main" id="{7685E306-5529-3647-BFC7-29EE857E1CCD}"/>
+          <p:cNvPr id="5" name="Rectangle 4">
+            <a:extLst>
+              <a:ext uri="{FF2B5EF4-FFF2-40B4-BE49-F238E27FC236}">
+                <a16:creationId xmlns:a16="http://schemas.microsoft.com/office/drawing/2014/main" id="{2B340217-4550-1946-BCD6-0DF089DAFA95}"/>
+              </a:ext>
+            </a:extLst>
+          </p:cNvPr>
+          <p:cNvSpPr/>
+          <p:nvPr/>
+        </p:nvSpPr>
+        <p:spPr>
+          <a:xfrm>
+            <a:off x="2187186" y="1649928"/>
+            <a:ext cx="1318014" cy="2431407"/>
+          </a:xfrm>
+          <a:prstGeom prst="rect">
+            <a:avLst/>
+          </a:prstGeom>
+          <a:solidFill>
+            <a:schemeClr val="bg1"/>
+          </a:solidFill>
+          <a:ln>
+            <a:solidFill>
+              <a:schemeClr val="tx1"/>
+            </a:solidFill>
+          </a:ln>
+        </p:spPr>
+        <p:style>
+          <a:lnRef idx="2">
+            <a:schemeClr val="accent1">
+              <a:shade val="50000"/>
+            </a:schemeClr>
+          </a:lnRef>
+          <a:fillRef idx="1">
+            <a:schemeClr val="accent1"/>
+          </a:fillRef>
+          <a:effectRef idx="0">
+            <a:schemeClr val="accent1"/>
+          </a:effectRef>
+          <a:fontRef idx="minor">
+            <a:schemeClr val="lt1"/>
+          </a:fontRef>
+        </p:style>
+        <p:txBody>
+          <a:bodyPr rtlCol="0" anchor="ctr"/>
+          <a:lstStyle/>
+          <a:p>
+            <a:pPr algn="ctr"/>
+            <a:endParaRPr lang="en-US"/>
+          </a:p>
+        </p:txBody>
+      </p:sp>
+      <p:sp>
+        <p:nvSpPr>
+          <p:cNvPr id="6" name="Summing Junction 5">
+            <a:extLst>
+              <a:ext uri="{FF2B5EF4-FFF2-40B4-BE49-F238E27FC236}">
+                <a16:creationId xmlns:a16="http://schemas.microsoft.com/office/drawing/2014/main" id="{F1D8EF64-035E-4343-8BE2-81600CF46751}"/>
+              </a:ext>
+            </a:extLst>
+          </p:cNvPr>
+          <p:cNvSpPr/>
+          <p:nvPr/>
+        </p:nvSpPr>
+        <p:spPr>
+          <a:xfrm>
+            <a:off x="2673971" y="3607591"/>
+            <a:ext cx="276084" cy="267241"/>
+          </a:xfrm>
+          <a:prstGeom prst="flowChartSummingJunction">
+            <a:avLst/>
+          </a:prstGeom>
+          <a:solidFill>
+            <a:schemeClr val="bg1"/>
+          </a:solidFill>
+          <a:ln>
+            <a:solidFill>
+              <a:schemeClr val="tx1"/>
+            </a:solidFill>
+          </a:ln>
+        </p:spPr>
+        <p:style>
+          <a:lnRef idx="2">
+            <a:schemeClr val="accent1">
+              <a:shade val="50000"/>
+            </a:schemeClr>
+          </a:lnRef>
+          <a:fillRef idx="1">
+            <a:schemeClr val="accent1"/>
+          </a:fillRef>
+          <a:effectRef idx="0">
+            <a:schemeClr val="accent1"/>
+          </a:effectRef>
+          <a:fontRef idx="minor">
+            <a:schemeClr val="lt1"/>
+          </a:fontRef>
+        </p:style>
+        <p:txBody>
+          <a:bodyPr rtlCol="0" anchor="ctr"/>
+          <a:lstStyle/>
+          <a:p>
+            <a:pPr algn="ctr"/>
+            <a:endParaRPr lang="en-US"/>
+          </a:p>
+        </p:txBody>
+      </p:sp>
+      <p:sp>
+        <p:nvSpPr>
+          <p:cNvPr id="7" name="TextBox 6">
+            <a:extLst>
+              <a:ext uri="{FF2B5EF4-FFF2-40B4-BE49-F238E27FC236}">
+                <a16:creationId xmlns:a16="http://schemas.microsoft.com/office/drawing/2014/main" id="{F2030182-9110-AD40-966D-659F8B9F6BB9}"/>
               </a:ext>
             </a:extLst>
           </p:cNvPr>
@@ -6096,8 +5705,8 @@
         </p:nvSpPr>
         <p:spPr>
           <a:xfrm>
-            <a:off x="6759141" y="974958"/>
-            <a:ext cx="714321" cy="369332"/>
+            <a:off x="2440602" y="3804336"/>
+            <a:ext cx="854097" cy="276999"/>
           </a:xfrm>
           <a:prstGeom prst="rect">
             <a:avLst/>
@@ -6111,19 +5720,19 @@
           <a:lstStyle/>
           <a:p>
             <a:r>
-              <a:rPr lang="en-US" altLang="zh-CN"/>
-              <a:t>Env</a:t>
-            </a:r>
-            <a:endParaRPr lang="en-US"/>
-          </a:p>
-        </p:txBody>
-      </p:sp>
-      <p:sp>
-        <p:nvSpPr>
-          <p:cNvPr id="28" name="TextBox 27">
-            <a:extLst>
-              <a:ext uri="{FF2B5EF4-FFF2-40B4-BE49-F238E27FC236}">
-                <a16:creationId xmlns:a16="http://schemas.microsoft.com/office/drawing/2014/main" id="{F79B89B9-7AA0-B04A-B8A7-B0BB4EF2678C}"/>
+              <a:rPr lang="en-US" altLang="zh-CN" sz="1200"/>
+              <a:t>Go-config</a:t>
+            </a:r>
+            <a:endParaRPr lang="en-US" sz="1200"/>
+          </a:p>
+        </p:txBody>
+      </p:sp>
+      <p:sp>
+        <p:nvSpPr>
+          <p:cNvPr id="8" name="TextBox 7">
+            <a:extLst>
+              <a:ext uri="{FF2B5EF4-FFF2-40B4-BE49-F238E27FC236}">
+                <a16:creationId xmlns:a16="http://schemas.microsoft.com/office/drawing/2014/main" id="{2C50F1EC-53E8-E24C-959C-7BFB2AFCAD3E}"/>
               </a:ext>
             </a:extLst>
           </p:cNvPr>
@@ -6132,116 +5741,8 @@
         </p:nvSpPr>
         <p:spPr>
           <a:xfrm>
-            <a:off x="6765969" y="1237047"/>
-            <a:ext cx="1011116" cy="369332"/>
-          </a:xfrm>
-          <a:prstGeom prst="rect">
-            <a:avLst/>
-          </a:prstGeom>
-          <a:noFill/>
-        </p:spPr>
-        <p:txBody>
-          <a:bodyPr wrap="square" rtlCol="0">
-            <a:spAutoFit/>
-          </a:bodyPr>
-          <a:lstStyle/>
-          <a:p>
-            <a:r>
-              <a:rPr lang="en-US" altLang="zh-CN"/>
-              <a:t>File</a:t>
-            </a:r>
-            <a:endParaRPr lang="en-US"/>
-          </a:p>
-        </p:txBody>
-      </p:sp>
-      <p:sp>
-        <p:nvSpPr>
-          <p:cNvPr id="29" name="TextBox 28">
-            <a:extLst>
-              <a:ext uri="{FF2B5EF4-FFF2-40B4-BE49-F238E27FC236}">
-                <a16:creationId xmlns:a16="http://schemas.microsoft.com/office/drawing/2014/main" id="{BF2BFC82-F590-C94C-ABD0-C28BC4DC36FA}"/>
-              </a:ext>
-            </a:extLst>
-          </p:cNvPr>
-          <p:cNvSpPr txBox="1"/>
-          <p:nvPr/>
-        </p:nvSpPr>
-        <p:spPr>
-          <a:xfrm>
-            <a:off x="6761939" y="1492209"/>
-            <a:ext cx="606015" cy="369332"/>
-          </a:xfrm>
-          <a:prstGeom prst="rect">
-            <a:avLst/>
-          </a:prstGeom>
-          <a:noFill/>
-        </p:spPr>
-        <p:txBody>
-          <a:bodyPr wrap="square" rtlCol="0">
-            <a:spAutoFit/>
-          </a:bodyPr>
-          <a:lstStyle/>
-          <a:p>
-            <a:r>
-              <a:rPr lang="en-US" altLang="zh-CN"/>
-              <a:t>Flag</a:t>
-            </a:r>
-            <a:endParaRPr lang="en-US"/>
-          </a:p>
-        </p:txBody>
-      </p:sp>
-      <p:sp>
-        <p:nvSpPr>
-          <p:cNvPr id="30" name="TextBox 29">
-            <a:extLst>
-              <a:ext uri="{FF2B5EF4-FFF2-40B4-BE49-F238E27FC236}">
-                <a16:creationId xmlns:a16="http://schemas.microsoft.com/office/drawing/2014/main" id="{D5EFCD20-DA72-0B47-AC68-1655F44A4CFF}"/>
-              </a:ext>
-            </a:extLst>
-          </p:cNvPr>
-          <p:cNvSpPr txBox="1"/>
-          <p:nvPr/>
-        </p:nvSpPr>
-        <p:spPr>
-          <a:xfrm>
-            <a:off x="6765969" y="1727371"/>
-            <a:ext cx="986704" cy="369332"/>
-          </a:xfrm>
-          <a:prstGeom prst="rect">
-            <a:avLst/>
-          </a:prstGeom>
-          <a:noFill/>
-        </p:spPr>
-        <p:txBody>
-          <a:bodyPr wrap="square" rtlCol="0">
-            <a:spAutoFit/>
-          </a:bodyPr>
-          <a:lstStyle/>
-          <a:p>
-            <a:r>
-              <a:rPr lang="en-US" altLang="zh-CN"/>
-              <a:t>memory</a:t>
-            </a:r>
-            <a:endParaRPr lang="en-US"/>
-          </a:p>
-        </p:txBody>
-      </p:sp>
-      <p:sp>
-        <p:nvSpPr>
-          <p:cNvPr id="31" name="TextBox 30">
-            <a:extLst>
-              <a:ext uri="{FF2B5EF4-FFF2-40B4-BE49-F238E27FC236}">
-                <a16:creationId xmlns:a16="http://schemas.microsoft.com/office/drawing/2014/main" id="{E679DE4C-4851-524D-98CB-A39B17317669}"/>
-              </a:ext>
-            </a:extLst>
-          </p:cNvPr>
-          <p:cNvSpPr txBox="1"/>
-          <p:nvPr/>
-        </p:nvSpPr>
-        <p:spPr>
-          <a:xfrm>
-            <a:off x="6769999" y="1982533"/>
-            <a:ext cx="1011116" cy="369332"/>
+            <a:off x="1620516" y="2404532"/>
+            <a:ext cx="557619" cy="307777"/>
           </a:xfrm>
           <a:prstGeom prst="rect">
             <a:avLst/>
@@ -6259,66 +5760,31 @@
           </a:lstStyle>
           <a:p>
             <a:r>
-              <a:rPr lang="en-US"/>
-              <a:t>microcli</a:t>
-            </a:r>
-          </a:p>
-        </p:txBody>
-      </p:sp>
-      <p:sp>
-        <p:nvSpPr>
-          <p:cNvPr id="32" name="TextBox 31">
-            <a:extLst>
-              <a:ext uri="{FF2B5EF4-FFF2-40B4-BE49-F238E27FC236}">
-                <a16:creationId xmlns:a16="http://schemas.microsoft.com/office/drawing/2014/main" id="{56F664A3-9CC0-E242-94BF-93C888B25E3E}"/>
-              </a:ext>
-            </a:extLst>
-          </p:cNvPr>
-          <p:cNvSpPr txBox="1"/>
-          <p:nvPr/>
-        </p:nvSpPr>
-        <p:spPr>
-          <a:xfrm>
-            <a:off x="8123089" y="1527377"/>
-            <a:ext cx="1011116" cy="369332"/>
+              <a:rPr lang="en-US" altLang="zh-CN" sz="1400"/>
+              <a:t>App</a:t>
+            </a:r>
+            <a:endParaRPr lang="en-US" sz="1400"/>
+          </a:p>
+        </p:txBody>
+      </p:sp>
+      <p:sp>
+        <p:nvSpPr>
+          <p:cNvPr id="9" name="Rectangle 8">
+            <a:extLst>
+              <a:ext uri="{FF2B5EF4-FFF2-40B4-BE49-F238E27FC236}">
+                <a16:creationId xmlns:a16="http://schemas.microsoft.com/office/drawing/2014/main" id="{7CD8586D-1EB0-DE4E-A404-83733A078099}"/>
+              </a:ext>
+            </a:extLst>
+          </p:cNvPr>
+          <p:cNvSpPr/>
+          <p:nvPr/>
+        </p:nvSpPr>
+        <p:spPr>
+          <a:xfrm>
+            <a:off x="4465665" y="1537804"/>
+            <a:ext cx="1972137" cy="2116668"/>
           </a:xfrm>
           <a:prstGeom prst="rect">
-            <a:avLst/>
-          </a:prstGeom>
-          <a:noFill/>
-        </p:spPr>
-        <p:txBody>
-          <a:bodyPr wrap="square" rtlCol="0">
-            <a:spAutoFit/>
-          </a:bodyPr>
-          <a:lstStyle/>
-          <a:p>
-            <a:r>
-              <a:rPr lang="en-US" altLang="zh-CN"/>
-              <a:t>Local</a:t>
-            </a:r>
-            <a:endParaRPr lang="en-US"/>
-          </a:p>
-        </p:txBody>
-      </p:sp>
-      <p:sp>
-        <p:nvSpPr>
-          <p:cNvPr id="33" name="Process 32">
-            <a:extLst>
-              <a:ext uri="{FF2B5EF4-FFF2-40B4-BE49-F238E27FC236}">
-                <a16:creationId xmlns:a16="http://schemas.microsoft.com/office/drawing/2014/main" id="{E714AC5E-F2EE-1B4B-A9D2-57C325B2A813}"/>
-              </a:ext>
-            </a:extLst>
-          </p:cNvPr>
-          <p:cNvSpPr/>
-          <p:nvPr/>
-        </p:nvSpPr>
-        <p:spPr>
-          <a:xfrm>
-            <a:off x="6668467" y="2671007"/>
-            <a:ext cx="1436721" cy="1557421"/>
-          </a:xfrm>
-          <a:prstGeom prst="flowChartProcess">
             <a:avLst/>
           </a:prstGeom>
           <a:solidFill>
@@ -6355,176 +5821,12 @@
           </a:p>
         </p:txBody>
       </p:sp>
-      <p:pic>
-        <p:nvPicPr>
-          <p:cNvPr id="34" name="Picture 33">
-            <a:extLst>
-              <a:ext uri="{FF2B5EF4-FFF2-40B4-BE49-F238E27FC236}">
-                <a16:creationId xmlns:a16="http://schemas.microsoft.com/office/drawing/2014/main" id="{8013EC23-E085-DC46-8968-6EFAD2596A52}"/>
-              </a:ext>
-            </a:extLst>
-          </p:cNvPr>
-          <p:cNvPicPr>
-            <a:picLocks noChangeAspect="1"/>
-          </p:cNvPicPr>
-          <p:nvPr/>
-        </p:nvPicPr>
-        <p:blipFill>
-          <a:blip r:embed="rId2"/>
-          <a:stretch>
-            <a:fillRect/>
-          </a:stretch>
-        </p:blipFill>
-        <p:spPr>
-          <a:xfrm>
-            <a:off x="6752872" y="3056044"/>
-            <a:ext cx="1028243" cy="408033"/>
-          </a:xfrm>
-          <a:prstGeom prst="rect">
-            <a:avLst/>
-          </a:prstGeom>
-        </p:spPr>
-      </p:pic>
-      <p:pic>
-        <p:nvPicPr>
-          <p:cNvPr id="35" name="Picture 34">
-            <a:extLst>
-              <a:ext uri="{FF2B5EF4-FFF2-40B4-BE49-F238E27FC236}">
-                <a16:creationId xmlns:a16="http://schemas.microsoft.com/office/drawing/2014/main" id="{97AF9B47-9068-AF42-9734-648B53A66B25}"/>
-              </a:ext>
-            </a:extLst>
-          </p:cNvPr>
-          <p:cNvPicPr>
-            <a:picLocks noChangeAspect="1"/>
-          </p:cNvPicPr>
-          <p:nvPr/>
-        </p:nvPicPr>
-        <p:blipFill>
-          <a:blip r:embed="rId3"/>
-          <a:stretch>
-            <a:fillRect/>
-          </a:stretch>
-        </p:blipFill>
-        <p:spPr>
-          <a:xfrm>
-            <a:off x="6788274" y="3464077"/>
-            <a:ext cx="975279" cy="360002"/>
-          </a:xfrm>
-          <a:prstGeom prst="rect">
-            <a:avLst/>
-          </a:prstGeom>
-        </p:spPr>
-      </p:pic>
-      <p:pic>
-        <p:nvPicPr>
-          <p:cNvPr id="36" name="Picture 35">
-            <a:extLst>
-              <a:ext uri="{FF2B5EF4-FFF2-40B4-BE49-F238E27FC236}">
-                <a16:creationId xmlns:a16="http://schemas.microsoft.com/office/drawing/2014/main" id="{D071C12E-0D38-C94D-AE1E-4BA9C7F7CC56}"/>
-              </a:ext>
-            </a:extLst>
-          </p:cNvPr>
-          <p:cNvPicPr>
-            <a:picLocks noChangeAspect="1"/>
-          </p:cNvPicPr>
-          <p:nvPr/>
-        </p:nvPicPr>
-        <p:blipFill>
-          <a:blip r:embed="rId4"/>
-          <a:stretch>
-            <a:fillRect/>
-          </a:stretch>
-        </p:blipFill>
-        <p:spPr>
-          <a:xfrm>
-            <a:off x="6752872" y="3888310"/>
-            <a:ext cx="1289013" cy="310918"/>
-          </a:xfrm>
-          <a:prstGeom prst="rect">
-            <a:avLst/>
-          </a:prstGeom>
-        </p:spPr>
-      </p:pic>
-      <p:pic>
-        <p:nvPicPr>
-          <p:cNvPr id="37" name="Picture 36">
-            <a:extLst>
-              <a:ext uri="{FF2B5EF4-FFF2-40B4-BE49-F238E27FC236}">
-                <a16:creationId xmlns:a16="http://schemas.microsoft.com/office/drawing/2014/main" id="{2EAC48D6-F9C5-1642-9BA9-508CD3A184B9}"/>
-              </a:ext>
-            </a:extLst>
-          </p:cNvPr>
-          <p:cNvPicPr>
-            <a:picLocks noChangeAspect="1"/>
-          </p:cNvPicPr>
-          <p:nvPr/>
-        </p:nvPicPr>
-        <p:blipFill>
-          <a:blip r:embed="rId5"/>
-          <a:stretch>
-            <a:fillRect/>
-          </a:stretch>
-        </p:blipFill>
-        <p:spPr>
-          <a:xfrm>
-            <a:off x="6788274" y="2778308"/>
-            <a:ext cx="1056746" cy="289347"/>
-          </a:xfrm>
-          <a:prstGeom prst="rect">
-            <a:avLst/>
-          </a:prstGeom>
-        </p:spPr>
-      </p:pic>
-      <p:sp>
-        <p:nvSpPr>
-          <p:cNvPr id="39" name="TextBox 38">
-            <a:extLst>
-              <a:ext uri="{FF2B5EF4-FFF2-40B4-BE49-F238E27FC236}">
-                <a16:creationId xmlns:a16="http://schemas.microsoft.com/office/drawing/2014/main" id="{1E975ACF-42AB-8648-8C2A-A625FFB39D49}"/>
-              </a:ext>
-            </a:extLst>
-          </p:cNvPr>
-          <p:cNvSpPr txBox="1"/>
-          <p:nvPr/>
-        </p:nvSpPr>
-        <p:spPr>
-          <a:xfrm>
-            <a:off x="8105188" y="3260060"/>
-            <a:ext cx="1709336" cy="369332"/>
-          </a:xfrm>
-          <a:prstGeom prst="rect">
-            <a:avLst/>
-          </a:prstGeom>
-          <a:noFill/>
-        </p:spPr>
-        <p:txBody>
-          <a:bodyPr wrap="square" rtlCol="0">
-            <a:spAutoFit/>
-          </a:bodyPr>
-          <a:lstStyle/>
-          <a:p>
-            <a:r>
-              <a:rPr lang="en-US" altLang="zh-CN"/>
-              <a:t>Center</a:t>
-            </a:r>
-            <a:r>
-              <a:rPr lang="zh-CN" altLang="en-US"/>
-              <a:t> </a:t>
-            </a:r>
-            <a:r>
-              <a:rPr lang="en-US" altLang="zh-CN"/>
-              <a:t>Server</a:t>
-            </a:r>
-            <a:endParaRPr lang="en-US"/>
-          </a:p>
-        </p:txBody>
-      </p:sp>
-      <p:sp>
-        <p:nvSpPr>
-          <p:cNvPr id="42" name="Rectangle 41">
-            <a:extLst>
-              <a:ext uri="{FF2B5EF4-FFF2-40B4-BE49-F238E27FC236}">
-                <a16:creationId xmlns:a16="http://schemas.microsoft.com/office/drawing/2014/main" id="{2D3864BE-0B67-4A4A-9453-52D4BCE93206}"/>
+      <p:sp>
+        <p:nvSpPr>
+          <p:cNvPr id="10" name="Rectangle 9">
+            <a:extLst>
+              <a:ext uri="{FF2B5EF4-FFF2-40B4-BE49-F238E27FC236}">
+                <a16:creationId xmlns:a16="http://schemas.microsoft.com/office/drawing/2014/main" id="{E2E27040-59FC-1F4E-A83C-0FA0E78AA181}"/>
               </a:ext>
             </a:extLst>
           </p:cNvPr>
@@ -6533,8 +5835,8 @@
         </p:nvSpPr>
         <p:spPr>
           <a:xfrm>
-            <a:off x="4322830" y="944696"/>
-            <a:ext cx="1341847" cy="3283732"/>
+            <a:off x="4463311" y="1895170"/>
+            <a:ext cx="734291" cy="393292"/>
           </a:xfrm>
           <a:prstGeom prst="rect">
             <a:avLst/>
@@ -6544,7 +5846,7 @@
           </a:solidFill>
           <a:ln>
             <a:solidFill>
-              <a:schemeClr val="tx1"/>
+              <a:srgbClr val="FF0000"/>
             </a:solidFill>
           </a:ln>
         </p:spPr>
@@ -6575,118 +5877,10 @@
       </p:sp>
       <p:sp>
         <p:nvSpPr>
-          <p:cNvPr id="47" name="Rectangle 46">
-            <a:extLst>
-              <a:ext uri="{FF2B5EF4-FFF2-40B4-BE49-F238E27FC236}">
-                <a16:creationId xmlns:a16="http://schemas.microsoft.com/office/drawing/2014/main" id="{6A282E75-42F2-2B46-9AA3-6A20CCAF2A08}"/>
-              </a:ext>
-            </a:extLst>
-          </p:cNvPr>
-          <p:cNvSpPr/>
-          <p:nvPr/>
-        </p:nvSpPr>
-        <p:spPr>
-          <a:xfrm>
-            <a:off x="4930386" y="2268721"/>
-            <a:ext cx="734291" cy="509586"/>
-          </a:xfrm>
-          <a:prstGeom prst="rect">
-            <a:avLst/>
-          </a:prstGeom>
-          <a:solidFill>
-            <a:schemeClr val="bg1"/>
-          </a:solidFill>
-          <a:ln>
-            <a:solidFill>
-              <a:schemeClr val="tx1"/>
-            </a:solidFill>
-          </a:ln>
-        </p:spPr>
-        <p:style>
-          <a:lnRef idx="2">
-            <a:schemeClr val="accent1">
-              <a:shade val="50000"/>
-            </a:schemeClr>
-          </a:lnRef>
-          <a:fillRef idx="1">
-            <a:schemeClr val="accent1"/>
-          </a:fillRef>
-          <a:effectRef idx="0">
-            <a:schemeClr val="accent1"/>
-          </a:effectRef>
-          <a:fontRef idx="minor">
-            <a:schemeClr val="lt1"/>
-          </a:fontRef>
-        </p:style>
-        <p:txBody>
-          <a:bodyPr rtlCol="0" anchor="ctr"/>
-          <a:lstStyle/>
-          <a:p>
-            <a:pPr algn="ctr"/>
-            <a:endParaRPr lang="en-US"/>
-          </a:p>
-        </p:txBody>
-      </p:sp>
-      <p:sp>
-        <p:nvSpPr>
-          <p:cNvPr id="48" name="Summing Junction 47">
-            <a:extLst>
-              <a:ext uri="{FF2B5EF4-FFF2-40B4-BE49-F238E27FC236}">
-                <a16:creationId xmlns:a16="http://schemas.microsoft.com/office/drawing/2014/main" id="{69D68FDA-2CC8-DC4C-A230-33D76F8798B8}"/>
-              </a:ext>
-            </a:extLst>
-          </p:cNvPr>
-          <p:cNvSpPr/>
-          <p:nvPr/>
-        </p:nvSpPr>
-        <p:spPr>
-          <a:xfrm>
-            <a:off x="5154964" y="2304562"/>
-            <a:ext cx="276084" cy="267241"/>
-          </a:xfrm>
-          <a:prstGeom prst="flowChartSummingJunction">
-            <a:avLst/>
-          </a:prstGeom>
-          <a:solidFill>
-            <a:schemeClr val="bg1"/>
-          </a:solidFill>
-          <a:ln>
-            <a:solidFill>
-              <a:schemeClr val="tx1"/>
-            </a:solidFill>
-          </a:ln>
-        </p:spPr>
-        <p:style>
-          <a:lnRef idx="2">
-            <a:schemeClr val="accent1">
-              <a:shade val="50000"/>
-            </a:schemeClr>
-          </a:lnRef>
-          <a:fillRef idx="1">
-            <a:schemeClr val="accent1"/>
-          </a:fillRef>
-          <a:effectRef idx="0">
-            <a:schemeClr val="accent1"/>
-          </a:effectRef>
-          <a:fontRef idx="minor">
-            <a:schemeClr val="lt1"/>
-          </a:fontRef>
-        </p:style>
-        <p:txBody>
-          <a:bodyPr rtlCol="0" anchor="ctr"/>
-          <a:lstStyle/>
-          <a:p>
-            <a:pPr algn="ctr"/>
-            <a:endParaRPr lang="en-US"/>
-          </a:p>
-        </p:txBody>
-      </p:sp>
-      <p:sp>
-        <p:nvSpPr>
-          <p:cNvPr id="49" name="TextBox 48">
-            <a:extLst>
-              <a:ext uri="{FF2B5EF4-FFF2-40B4-BE49-F238E27FC236}">
-                <a16:creationId xmlns:a16="http://schemas.microsoft.com/office/drawing/2014/main" id="{941A3394-A476-064A-8CB7-C9B3FB8CBEA5}"/>
+          <p:cNvPr id="12" name="TextBox 11">
+            <a:extLst>
+              <a:ext uri="{FF2B5EF4-FFF2-40B4-BE49-F238E27FC236}">
+                <a16:creationId xmlns:a16="http://schemas.microsoft.com/office/drawing/2014/main" id="{9E529460-1F28-5943-B293-22EEEB999FA2}"/>
               </a:ext>
             </a:extLst>
           </p:cNvPr>
@@ -6695,7 +5889,7 @@
         </p:nvSpPr>
         <p:spPr>
           <a:xfrm>
-            <a:off x="4921595" y="2501307"/>
+            <a:off x="4463311" y="1953316"/>
             <a:ext cx="854097" cy="276999"/>
           </a:xfrm>
           <a:prstGeom prst="rect">
@@ -6711,7 +5905,7 @@
           <a:p>
             <a:r>
               <a:rPr lang="en-US" altLang="zh-CN" sz="1200"/>
-              <a:t>Go-config</a:t>
+              <a:t>Read</a:t>
             </a:r>
             <a:endParaRPr lang="en-US" sz="1200"/>
           </a:p>
@@ -6719,10 +5913,10 @@
       </p:sp>
       <p:sp>
         <p:nvSpPr>
-          <p:cNvPr id="50" name="TextBox 49">
-            <a:extLst>
-              <a:ext uri="{FF2B5EF4-FFF2-40B4-BE49-F238E27FC236}">
-                <a16:creationId xmlns:a16="http://schemas.microsoft.com/office/drawing/2014/main" id="{81BAFEAF-3867-3543-9D51-93EF06E85B77}"/>
+          <p:cNvPr id="13" name="TextBox 12">
+            <a:extLst>
+              <a:ext uri="{FF2B5EF4-FFF2-40B4-BE49-F238E27FC236}">
+                <a16:creationId xmlns:a16="http://schemas.microsoft.com/office/drawing/2014/main" id="{CBAC1018-19E6-C147-9104-4369267A66B9}"/>
               </a:ext>
             </a:extLst>
           </p:cNvPr>
@@ -6731,8 +5925,8 @@
         </p:nvSpPr>
         <p:spPr>
           <a:xfrm>
-            <a:off x="4688963" y="3824079"/>
-            <a:ext cx="1011116" cy="369332"/>
+            <a:off x="4418624" y="3232741"/>
+            <a:ext cx="2092837" cy="369332"/>
           </a:xfrm>
           <a:prstGeom prst="rect">
             <a:avLst/>
@@ -6751,7 +5945,23 @@
           <a:p>
             <a:r>
               <a:rPr lang="en-US" altLang="zh-CN"/>
-              <a:t>App</a:t>
+              <a:t>gRPC</a:t>
+            </a:r>
+            <a:r>
+              <a:rPr lang="zh-CN" altLang="en-US"/>
+              <a:t> </a:t>
+            </a:r>
+            <a:r>
+              <a:rPr lang="en-US" altLang="zh-CN"/>
+              <a:t>Config</a:t>
+            </a:r>
+            <a:r>
+              <a:rPr lang="zh-CN" altLang="en-US"/>
+              <a:t> </a:t>
+            </a:r>
+            <a:r>
+              <a:rPr lang="en-US" altLang="zh-CN"/>
+              <a:t>Server</a:t>
             </a:r>
             <a:endParaRPr lang="en-US"/>
           </a:p>
@@ -6759,10 +5969,10 @@
       </p:sp>
       <p:sp>
         <p:nvSpPr>
-          <p:cNvPr id="51" name="Right Arrow 50">
-            <a:extLst>
-              <a:ext uri="{FF2B5EF4-FFF2-40B4-BE49-F238E27FC236}">
-                <a16:creationId xmlns:a16="http://schemas.microsoft.com/office/drawing/2014/main" id="{8276184E-602F-3040-83CD-2C0AE7B8FAAF}"/>
+          <p:cNvPr id="14" name="Rectangle 13">
+            <a:extLst>
+              <a:ext uri="{FF2B5EF4-FFF2-40B4-BE49-F238E27FC236}">
+                <a16:creationId xmlns:a16="http://schemas.microsoft.com/office/drawing/2014/main" id="{500EC49A-BC73-E64E-948E-E5EC3CC50190}"/>
               </a:ext>
             </a:extLst>
           </p:cNvPr>
@@ -6770,11 +5980,11 @@
           <p:nvPr/>
         </p:nvSpPr>
         <p:spPr>
-          <a:xfrm rot="8762121">
-            <a:off x="5646282" y="2091233"/>
-            <a:ext cx="993058" cy="145046"/>
-          </a:xfrm>
-          <a:prstGeom prst="rightArrow">
+          <a:xfrm>
+            <a:off x="4465665" y="2529227"/>
+            <a:ext cx="734291" cy="393292"/>
+          </a:xfrm>
+          <a:prstGeom prst="rect">
             <a:avLst/>
           </a:prstGeom>
           <a:solidFill>
@@ -6782,7 +5992,7 @@
           </a:solidFill>
           <a:ln>
             <a:solidFill>
-              <a:schemeClr val="tx1"/>
+              <a:srgbClr val="FF0000"/>
             </a:solidFill>
           </a:ln>
         </p:spPr>
@@ -6813,10 +6023,46 @@
       </p:sp>
       <p:sp>
         <p:nvSpPr>
-          <p:cNvPr id="52" name="Right Arrow 51">
-            <a:extLst>
-              <a:ext uri="{FF2B5EF4-FFF2-40B4-BE49-F238E27FC236}">
-                <a16:creationId xmlns:a16="http://schemas.microsoft.com/office/drawing/2014/main" id="{A6461566-52D3-7544-B55A-982DA6FD45AD}"/>
+          <p:cNvPr id="15" name="TextBox 14">
+            <a:extLst>
+              <a:ext uri="{FF2B5EF4-FFF2-40B4-BE49-F238E27FC236}">
+                <a16:creationId xmlns:a16="http://schemas.microsoft.com/office/drawing/2014/main" id="{BD591B32-1053-CC40-B1F8-D3CB6D5FD7F9}"/>
+              </a:ext>
+            </a:extLst>
+          </p:cNvPr>
+          <p:cNvSpPr txBox="1"/>
+          <p:nvPr/>
+        </p:nvSpPr>
+        <p:spPr>
+          <a:xfrm>
+            <a:off x="4465665" y="2587373"/>
+            <a:ext cx="854097" cy="276999"/>
+          </a:xfrm>
+          <a:prstGeom prst="rect">
+            <a:avLst/>
+          </a:prstGeom>
+          <a:noFill/>
+        </p:spPr>
+        <p:txBody>
+          <a:bodyPr wrap="square" rtlCol="0">
+            <a:spAutoFit/>
+          </a:bodyPr>
+          <a:lstStyle/>
+          <a:p>
+            <a:r>
+              <a:rPr lang="en-US" altLang="zh-CN" sz="1200"/>
+              <a:t>Watch</a:t>
+            </a:r>
+            <a:endParaRPr lang="en-US" sz="1200"/>
+          </a:p>
+        </p:txBody>
+      </p:sp>
+      <p:sp>
+        <p:nvSpPr>
+          <p:cNvPr id="16" name="Rectangle 15">
+            <a:extLst>
+              <a:ext uri="{FF2B5EF4-FFF2-40B4-BE49-F238E27FC236}">
+                <a16:creationId xmlns:a16="http://schemas.microsoft.com/office/drawing/2014/main" id="{412C945F-7FE0-424E-96FB-5037012C1241}"/>
               </a:ext>
             </a:extLst>
           </p:cNvPr>
@@ -6824,11 +6070,11 @@
           <p:nvPr/>
         </p:nvSpPr>
         <p:spPr>
-          <a:xfrm rot="12085881">
-            <a:off x="5665542" y="2736528"/>
-            <a:ext cx="993058" cy="145046"/>
-          </a:xfrm>
-          <a:prstGeom prst="rightArrow">
+          <a:xfrm>
+            <a:off x="2184626" y="2271626"/>
+            <a:ext cx="485703" cy="324512"/>
+          </a:xfrm>
+          <a:prstGeom prst="rect">
             <a:avLst/>
           </a:prstGeom>
           <a:solidFill>
@@ -6836,7 +6082,7 @@
           </a:solidFill>
           <a:ln>
             <a:solidFill>
-              <a:schemeClr val="tx1"/>
+              <a:schemeClr val="accent1"/>
             </a:solidFill>
           </a:ln>
         </p:spPr>
@@ -6860,15 +6106,853 @@
           <a:bodyPr rtlCol="0" anchor="ctr"/>
           <a:lstStyle/>
           <a:p>
+            <a:endParaRPr lang="en-US" sz="1200"/>
+          </a:p>
+        </p:txBody>
+      </p:sp>
+      <p:sp>
+        <p:nvSpPr>
+          <p:cNvPr id="17" name="TextBox 16">
+            <a:extLst>
+              <a:ext uri="{FF2B5EF4-FFF2-40B4-BE49-F238E27FC236}">
+                <a16:creationId xmlns:a16="http://schemas.microsoft.com/office/drawing/2014/main" id="{517042B7-397E-9A4B-B25A-DCEE3C0A7A18}"/>
+              </a:ext>
+            </a:extLst>
+          </p:cNvPr>
+          <p:cNvSpPr txBox="1"/>
+          <p:nvPr/>
+        </p:nvSpPr>
+        <p:spPr>
+          <a:xfrm>
+            <a:off x="2186780" y="2323830"/>
+            <a:ext cx="463890" cy="246221"/>
+          </a:xfrm>
+          <a:prstGeom prst="rect">
+            <a:avLst/>
+          </a:prstGeom>
+          <a:noFill/>
+        </p:spPr>
+        <p:txBody>
+          <a:bodyPr wrap="square" rtlCol="0">
+            <a:spAutoFit/>
+          </a:bodyPr>
+          <a:lstStyle/>
+          <a:p>
+            <a:r>
+              <a:rPr lang="en-US" altLang="zh-CN" sz="1000"/>
+              <a:t>Load</a:t>
+            </a:r>
+            <a:endParaRPr lang="en-US" sz="1000"/>
+          </a:p>
+        </p:txBody>
+      </p:sp>
+      <p:sp>
+        <p:nvSpPr>
+          <p:cNvPr id="18" name="Rectangle 17">
+            <a:extLst>
+              <a:ext uri="{FF2B5EF4-FFF2-40B4-BE49-F238E27FC236}">
+                <a16:creationId xmlns:a16="http://schemas.microsoft.com/office/drawing/2014/main" id="{E36148FE-2ECB-8844-BBC8-63AF458B24B5}"/>
+              </a:ext>
+            </a:extLst>
+          </p:cNvPr>
+          <p:cNvSpPr/>
+          <p:nvPr/>
+        </p:nvSpPr>
+        <p:spPr>
+          <a:xfrm>
+            <a:off x="2186981" y="3049041"/>
+            <a:ext cx="485703" cy="318546"/>
+          </a:xfrm>
+          <a:prstGeom prst="rect">
+            <a:avLst/>
+          </a:prstGeom>
+          <a:solidFill>
+            <a:schemeClr val="bg1"/>
+          </a:solidFill>
+          <a:ln>
+            <a:solidFill>
+              <a:schemeClr val="accent1"/>
+            </a:solidFill>
+          </a:ln>
+        </p:spPr>
+        <p:style>
+          <a:lnRef idx="2">
+            <a:schemeClr val="accent1">
+              <a:shade val="50000"/>
+            </a:schemeClr>
+          </a:lnRef>
+          <a:fillRef idx="1">
+            <a:schemeClr val="accent1"/>
+          </a:fillRef>
+          <a:effectRef idx="0">
+            <a:schemeClr val="accent1"/>
+          </a:effectRef>
+          <a:fontRef idx="minor">
+            <a:schemeClr val="lt1"/>
+          </a:fontRef>
+        </p:style>
+        <p:txBody>
+          <a:bodyPr rtlCol="0" anchor="ctr"/>
+          <a:lstStyle/>
+          <a:p>
+            <a:endParaRPr lang="en-US" sz="1200"/>
+          </a:p>
+        </p:txBody>
+      </p:sp>
+      <p:sp>
+        <p:nvSpPr>
+          <p:cNvPr id="19" name="TextBox 18">
+            <a:extLst>
+              <a:ext uri="{FF2B5EF4-FFF2-40B4-BE49-F238E27FC236}">
+                <a16:creationId xmlns:a16="http://schemas.microsoft.com/office/drawing/2014/main" id="{69565135-ABE1-8A46-81A5-914FB777307C}"/>
+              </a:ext>
+            </a:extLst>
+          </p:cNvPr>
+          <p:cNvSpPr txBox="1"/>
+          <p:nvPr/>
+        </p:nvSpPr>
+        <p:spPr>
+          <a:xfrm>
+            <a:off x="2109551" y="3097272"/>
+            <a:ext cx="635854" cy="246221"/>
+          </a:xfrm>
+          <a:prstGeom prst="rect">
+            <a:avLst/>
+          </a:prstGeom>
+          <a:noFill/>
+        </p:spPr>
+        <p:txBody>
+          <a:bodyPr wrap="square" rtlCol="0">
+            <a:spAutoFit/>
+          </a:bodyPr>
+          <a:lstStyle/>
+          <a:p>
+            <a:r>
+              <a:rPr lang="zh-CN" altLang="en-US" sz="1000"/>
+              <a:t> </a:t>
+            </a:r>
+            <a:r>
+              <a:rPr lang="en-US" altLang="zh-CN" sz="1000"/>
+              <a:t>Watch</a:t>
+            </a:r>
+            <a:endParaRPr lang="en-US" sz="1000"/>
+          </a:p>
+        </p:txBody>
+      </p:sp>
+      <p:sp>
+        <p:nvSpPr>
+          <p:cNvPr id="30" name="Oval 29">
+            <a:extLst>
+              <a:ext uri="{FF2B5EF4-FFF2-40B4-BE49-F238E27FC236}">
+                <a16:creationId xmlns:a16="http://schemas.microsoft.com/office/drawing/2014/main" id="{905831F4-5B17-DC46-8B5C-9934BCB6DF7D}"/>
+              </a:ext>
+            </a:extLst>
+          </p:cNvPr>
+          <p:cNvSpPr/>
+          <p:nvPr/>
+        </p:nvSpPr>
+        <p:spPr>
+          <a:xfrm>
+            <a:off x="3088106" y="2398572"/>
+            <a:ext cx="391273" cy="393292"/>
+          </a:xfrm>
+          <a:prstGeom prst="ellipse">
+            <a:avLst/>
+          </a:prstGeom>
+          <a:solidFill>
+            <a:schemeClr val="bg1"/>
+          </a:solidFill>
+        </p:spPr>
+        <p:style>
+          <a:lnRef idx="2">
+            <a:schemeClr val="accent1">
+              <a:shade val="50000"/>
+            </a:schemeClr>
+          </a:lnRef>
+          <a:fillRef idx="1">
+            <a:schemeClr val="accent1"/>
+          </a:fillRef>
+          <a:effectRef idx="0">
+            <a:schemeClr val="accent1"/>
+          </a:effectRef>
+          <a:fontRef idx="minor">
+            <a:schemeClr val="lt1"/>
+          </a:fontRef>
+        </p:style>
+        <p:txBody>
+          <a:bodyPr rtlCol="0" anchor="ctr"/>
+          <a:lstStyle/>
+          <a:p>
+            <a:pPr algn="ctr"/>
+            <a:endParaRPr lang="en-US" sz="300"/>
+          </a:p>
+        </p:txBody>
+      </p:sp>
+      <p:cxnSp>
+        <p:nvCxnSpPr>
+          <p:cNvPr id="32" name="Straight Arrow Connector 31">
+            <a:extLst>
+              <a:ext uri="{FF2B5EF4-FFF2-40B4-BE49-F238E27FC236}">
+                <a16:creationId xmlns:a16="http://schemas.microsoft.com/office/drawing/2014/main" id="{1B10A780-000B-AE4C-B008-DAD04D23A60A}"/>
+              </a:ext>
+            </a:extLst>
+          </p:cNvPr>
+          <p:cNvCxnSpPr>
+            <a:cxnSpLocks/>
+            <a:stCxn id="16" idx="3"/>
+            <a:endCxn id="30" idx="1"/>
+          </p:cNvCxnSpPr>
+          <p:nvPr/>
+        </p:nvCxnSpPr>
+        <p:spPr>
+          <a:xfrm>
+            <a:off x="2670329" y="2433882"/>
+            <a:ext cx="475078" cy="22286"/>
+          </a:xfrm>
+          <a:prstGeom prst="straightConnector1">
+            <a:avLst/>
+          </a:prstGeom>
+          <a:ln>
+            <a:tailEnd type="triangle"/>
+          </a:ln>
+        </p:spPr>
+        <p:style>
+          <a:lnRef idx="1">
+            <a:schemeClr val="accent1"/>
+          </a:lnRef>
+          <a:fillRef idx="0">
+            <a:schemeClr val="accent1"/>
+          </a:fillRef>
+          <a:effectRef idx="0">
+            <a:schemeClr val="accent1"/>
+          </a:effectRef>
+          <a:fontRef idx="minor">
+            <a:schemeClr val="tx1"/>
+          </a:fontRef>
+        </p:style>
+      </p:cxnSp>
+      <p:sp>
+        <p:nvSpPr>
+          <p:cNvPr id="35" name="Oval 34">
+            <a:extLst>
+              <a:ext uri="{FF2B5EF4-FFF2-40B4-BE49-F238E27FC236}">
+                <a16:creationId xmlns:a16="http://schemas.microsoft.com/office/drawing/2014/main" id="{DF141402-2DFA-7548-9360-B90F94A700B1}"/>
+              </a:ext>
+            </a:extLst>
+          </p:cNvPr>
+          <p:cNvSpPr/>
+          <p:nvPr/>
+        </p:nvSpPr>
+        <p:spPr>
+          <a:xfrm>
+            <a:off x="1987024" y="1673330"/>
+            <a:ext cx="391273" cy="393292"/>
+          </a:xfrm>
+          <a:prstGeom prst="ellipse">
+            <a:avLst/>
+          </a:prstGeom>
+          <a:solidFill>
+            <a:schemeClr val="bg1"/>
+          </a:solidFill>
+        </p:spPr>
+        <p:style>
+          <a:lnRef idx="2">
+            <a:schemeClr val="accent1">
+              <a:shade val="50000"/>
+            </a:schemeClr>
+          </a:lnRef>
+          <a:fillRef idx="1">
+            <a:schemeClr val="accent1"/>
+          </a:fillRef>
+          <a:effectRef idx="0">
+            <a:schemeClr val="accent1"/>
+          </a:effectRef>
+          <a:fontRef idx="minor">
+            <a:schemeClr val="lt1"/>
+          </a:fontRef>
+        </p:style>
+        <p:txBody>
+          <a:bodyPr rtlCol="0" anchor="ctr"/>
+          <a:lstStyle/>
+          <a:p>
             <a:pPr algn="ctr"/>
             <a:endParaRPr lang="en-US"/>
+          </a:p>
+        </p:txBody>
+      </p:sp>
+      <p:sp>
+        <p:nvSpPr>
+          <p:cNvPr id="36" name="TextBox 35">
+            <a:extLst>
+              <a:ext uri="{FF2B5EF4-FFF2-40B4-BE49-F238E27FC236}">
+                <a16:creationId xmlns:a16="http://schemas.microsoft.com/office/drawing/2014/main" id="{DA4FB94E-9298-2D42-9A1A-FFE7CD210293}"/>
+              </a:ext>
+            </a:extLst>
+          </p:cNvPr>
+          <p:cNvSpPr txBox="1"/>
+          <p:nvPr/>
+        </p:nvSpPr>
+        <p:spPr>
+          <a:xfrm>
+            <a:off x="1638738" y="1784851"/>
+            <a:ext cx="902052" cy="246221"/>
+          </a:xfrm>
+          <a:prstGeom prst="rect">
+            <a:avLst/>
+          </a:prstGeom>
+          <a:noFill/>
+        </p:spPr>
+        <p:txBody>
+          <a:bodyPr wrap="square" rtlCol="0">
+            <a:spAutoFit/>
+          </a:bodyPr>
+          <a:lstStyle/>
+          <a:p>
+            <a:r>
+              <a:rPr lang="en-US" altLang="zh-CN" sz="1000"/>
+              <a:t>gRPC-source</a:t>
+            </a:r>
+            <a:endParaRPr lang="en-US" sz="1000"/>
+          </a:p>
+        </p:txBody>
+      </p:sp>
+      <p:cxnSp>
+        <p:nvCxnSpPr>
+          <p:cNvPr id="37" name="Straight Arrow Connector 36">
+            <a:extLst>
+              <a:ext uri="{FF2B5EF4-FFF2-40B4-BE49-F238E27FC236}">
+                <a16:creationId xmlns:a16="http://schemas.microsoft.com/office/drawing/2014/main" id="{144CB269-0B1C-E847-813D-AE2671601CA3}"/>
+              </a:ext>
+            </a:extLst>
+          </p:cNvPr>
+          <p:cNvCxnSpPr>
+            <a:cxnSpLocks/>
+            <a:endCxn id="12" idx="1"/>
+          </p:cNvCxnSpPr>
+          <p:nvPr/>
+        </p:nvCxnSpPr>
+        <p:spPr>
+          <a:xfrm>
+            <a:off x="2399144" y="1922207"/>
+            <a:ext cx="2064167" cy="169609"/>
+          </a:xfrm>
+          <a:prstGeom prst="straightConnector1">
+            <a:avLst/>
+          </a:prstGeom>
+          <a:ln>
+            <a:tailEnd type="triangle"/>
+          </a:ln>
+        </p:spPr>
+        <p:style>
+          <a:lnRef idx="1">
+            <a:schemeClr val="accent1"/>
+          </a:lnRef>
+          <a:fillRef idx="0">
+            <a:schemeClr val="accent1"/>
+          </a:fillRef>
+          <a:effectRef idx="0">
+            <a:schemeClr val="accent1"/>
+          </a:effectRef>
+          <a:fontRef idx="minor">
+            <a:schemeClr val="tx1"/>
+          </a:fontRef>
+        </p:style>
+      </p:cxnSp>
+      <p:sp>
+        <p:nvSpPr>
+          <p:cNvPr id="39" name="TextBox 38">
+            <a:extLst>
+              <a:ext uri="{FF2B5EF4-FFF2-40B4-BE49-F238E27FC236}">
+                <a16:creationId xmlns:a16="http://schemas.microsoft.com/office/drawing/2014/main" id="{2533F42A-2A62-9549-A0AA-C5237C690994}"/>
+              </a:ext>
+            </a:extLst>
+          </p:cNvPr>
+          <p:cNvSpPr txBox="1"/>
+          <p:nvPr/>
+        </p:nvSpPr>
+        <p:spPr>
+          <a:xfrm>
+            <a:off x="2302562" y="1672559"/>
+            <a:ext cx="463890" cy="246221"/>
+          </a:xfrm>
+          <a:prstGeom prst="rect">
+            <a:avLst/>
+          </a:prstGeom>
+          <a:noFill/>
+        </p:spPr>
+        <p:txBody>
+          <a:bodyPr wrap="square" rtlCol="0">
+            <a:spAutoFit/>
+          </a:bodyPr>
+          <a:lstStyle/>
+          <a:p>
+            <a:r>
+              <a:rPr lang="en-US" altLang="zh-CN" sz="1000"/>
+              <a:t>Read</a:t>
+            </a:r>
+            <a:endParaRPr lang="en-US" sz="1000"/>
+          </a:p>
+        </p:txBody>
+      </p:sp>
+      <p:sp>
+        <p:nvSpPr>
+          <p:cNvPr id="41" name="TextBox 40">
+            <a:extLst>
+              <a:ext uri="{FF2B5EF4-FFF2-40B4-BE49-F238E27FC236}">
+                <a16:creationId xmlns:a16="http://schemas.microsoft.com/office/drawing/2014/main" id="{8D6BE8FA-24C8-D146-98BD-AF54FD617B7D}"/>
+              </a:ext>
+            </a:extLst>
+          </p:cNvPr>
+          <p:cNvSpPr txBox="1"/>
+          <p:nvPr/>
+        </p:nvSpPr>
+        <p:spPr>
+          <a:xfrm>
+            <a:off x="3642629" y="1720701"/>
+            <a:ext cx="463890" cy="246221"/>
+          </a:xfrm>
+          <a:prstGeom prst="rect">
+            <a:avLst/>
+          </a:prstGeom>
+          <a:noFill/>
+        </p:spPr>
+        <p:txBody>
+          <a:bodyPr wrap="square" rtlCol="0">
+            <a:spAutoFit/>
+          </a:bodyPr>
+          <a:lstStyle/>
+          <a:p>
+            <a:r>
+              <a:rPr lang="en-US" sz="1000"/>
+              <a:t>2</a:t>
+            </a:r>
+          </a:p>
+        </p:txBody>
+      </p:sp>
+      <p:sp>
+        <p:nvSpPr>
+          <p:cNvPr id="42" name="TextBox 41">
+            <a:extLst>
+              <a:ext uri="{FF2B5EF4-FFF2-40B4-BE49-F238E27FC236}">
+                <a16:creationId xmlns:a16="http://schemas.microsoft.com/office/drawing/2014/main" id="{456C13CE-F3C1-4B48-98A6-F1FEA67BD675}"/>
+              </a:ext>
+            </a:extLst>
+          </p:cNvPr>
+          <p:cNvSpPr txBox="1"/>
+          <p:nvPr/>
+        </p:nvSpPr>
+        <p:spPr>
+          <a:xfrm>
+            <a:off x="2668454" y="2248187"/>
+            <a:ext cx="463890" cy="246221"/>
+          </a:xfrm>
+          <a:prstGeom prst="rect">
+            <a:avLst/>
+          </a:prstGeom>
+          <a:noFill/>
+        </p:spPr>
+        <p:txBody>
+          <a:bodyPr wrap="square" rtlCol="0">
+            <a:spAutoFit/>
+          </a:bodyPr>
+          <a:lstStyle/>
+          <a:p>
+            <a:r>
+              <a:rPr lang="en-US" sz="1000"/>
+              <a:t>3</a:t>
+            </a:r>
+          </a:p>
+        </p:txBody>
+      </p:sp>
+      <p:cxnSp>
+        <p:nvCxnSpPr>
+          <p:cNvPr id="44" name="Straight Arrow Connector 43">
+            <a:extLst>
+              <a:ext uri="{FF2B5EF4-FFF2-40B4-BE49-F238E27FC236}">
+                <a16:creationId xmlns:a16="http://schemas.microsoft.com/office/drawing/2014/main" id="{2241348B-E2D3-B04C-9CE2-06AB8CE83ACC}"/>
+              </a:ext>
+            </a:extLst>
+          </p:cNvPr>
+          <p:cNvCxnSpPr>
+            <a:cxnSpLocks/>
+            <a:stCxn id="16" idx="0"/>
+            <a:endCxn id="35" idx="5"/>
+          </p:cNvCxnSpPr>
+          <p:nvPr/>
+        </p:nvCxnSpPr>
+        <p:spPr>
+          <a:xfrm flipH="1" flipV="1">
+            <a:off x="2320996" y="2009026"/>
+            <a:ext cx="106482" cy="262600"/>
+          </a:xfrm>
+          <a:prstGeom prst="straightConnector1">
+            <a:avLst/>
+          </a:prstGeom>
+          <a:ln>
+            <a:tailEnd type="triangle"/>
+          </a:ln>
+        </p:spPr>
+        <p:style>
+          <a:lnRef idx="1">
+            <a:schemeClr val="accent1"/>
+          </a:lnRef>
+          <a:fillRef idx="0">
+            <a:schemeClr val="accent1"/>
+          </a:fillRef>
+          <a:effectRef idx="0">
+            <a:schemeClr val="accent1"/>
+          </a:effectRef>
+          <a:fontRef idx="minor">
+            <a:schemeClr val="tx1"/>
+          </a:fontRef>
+        </p:style>
+      </p:cxnSp>
+      <p:sp>
+        <p:nvSpPr>
+          <p:cNvPr id="50" name="TextBox 49">
+            <a:extLst>
+              <a:ext uri="{FF2B5EF4-FFF2-40B4-BE49-F238E27FC236}">
+                <a16:creationId xmlns:a16="http://schemas.microsoft.com/office/drawing/2014/main" id="{E501F66F-06FD-5F49-9874-3EEE60EFCCAD}"/>
+              </a:ext>
+            </a:extLst>
+          </p:cNvPr>
+          <p:cNvSpPr txBox="1"/>
+          <p:nvPr/>
+        </p:nvSpPr>
+        <p:spPr>
+          <a:xfrm>
+            <a:off x="2329343" y="2008105"/>
+            <a:ext cx="463890" cy="246221"/>
+          </a:xfrm>
+          <a:prstGeom prst="rect">
+            <a:avLst/>
+          </a:prstGeom>
+          <a:noFill/>
+        </p:spPr>
+        <p:txBody>
+          <a:bodyPr wrap="square" rtlCol="0">
+            <a:spAutoFit/>
+          </a:bodyPr>
+          <a:lstStyle/>
+          <a:p>
+            <a:r>
+              <a:rPr lang="en-US" altLang="zh-CN" sz="1000"/>
+              <a:t>1</a:t>
+            </a:r>
+            <a:endParaRPr lang="en-US" sz="1000"/>
+          </a:p>
+        </p:txBody>
+      </p:sp>
+      <p:sp>
+        <p:nvSpPr>
+          <p:cNvPr id="51" name="TextBox 50">
+            <a:extLst>
+              <a:ext uri="{FF2B5EF4-FFF2-40B4-BE49-F238E27FC236}">
+                <a16:creationId xmlns:a16="http://schemas.microsoft.com/office/drawing/2014/main" id="{050B45A4-7234-3E44-9D8D-B91BB4BA5ED5}"/>
+              </a:ext>
+            </a:extLst>
+          </p:cNvPr>
+          <p:cNvSpPr txBox="1"/>
+          <p:nvPr/>
+        </p:nvSpPr>
+        <p:spPr>
+          <a:xfrm>
+            <a:off x="2832596" y="2480315"/>
+            <a:ext cx="902052" cy="246221"/>
+          </a:xfrm>
+          <a:prstGeom prst="rect">
+            <a:avLst/>
+          </a:prstGeom>
+          <a:noFill/>
+        </p:spPr>
+        <p:txBody>
+          <a:bodyPr wrap="square" rtlCol="0">
+            <a:spAutoFit/>
+          </a:bodyPr>
+          <a:lstStyle/>
+          <a:p>
+            <a:r>
+              <a:rPr lang="en-US" altLang="zh-CN" sz="1000"/>
+              <a:t>watcher</a:t>
+            </a:r>
+            <a:endParaRPr lang="en-US" sz="1000"/>
+          </a:p>
+        </p:txBody>
+      </p:sp>
+      <p:sp>
+        <p:nvSpPr>
+          <p:cNvPr id="63" name="TextBox 62">
+            <a:extLst>
+              <a:ext uri="{FF2B5EF4-FFF2-40B4-BE49-F238E27FC236}">
+                <a16:creationId xmlns:a16="http://schemas.microsoft.com/office/drawing/2014/main" id="{E6026D7A-9DFB-7449-B881-071B33623178}"/>
+              </a:ext>
+            </a:extLst>
+          </p:cNvPr>
+          <p:cNvSpPr txBox="1"/>
+          <p:nvPr/>
+        </p:nvSpPr>
+        <p:spPr>
+          <a:xfrm>
+            <a:off x="3858408" y="2473027"/>
+            <a:ext cx="463890" cy="246221"/>
+          </a:xfrm>
+          <a:prstGeom prst="rect">
+            <a:avLst/>
+          </a:prstGeom>
+          <a:noFill/>
+        </p:spPr>
+        <p:txBody>
+          <a:bodyPr wrap="square" rtlCol="0">
+            <a:spAutoFit/>
+          </a:bodyPr>
+          <a:lstStyle/>
+          <a:p>
+            <a:r>
+              <a:rPr lang="en-US" sz="1000"/>
+              <a:t>4</a:t>
+            </a:r>
+          </a:p>
+        </p:txBody>
+      </p:sp>
+      <p:sp>
+        <p:nvSpPr>
+          <p:cNvPr id="65" name="Curved Left Arrow 64">
+            <a:extLst>
+              <a:ext uri="{FF2B5EF4-FFF2-40B4-BE49-F238E27FC236}">
+                <a16:creationId xmlns:a16="http://schemas.microsoft.com/office/drawing/2014/main" id="{5AD00432-8170-AB44-894A-E0DA26DCE3E6}"/>
+              </a:ext>
+            </a:extLst>
+          </p:cNvPr>
+          <p:cNvSpPr/>
+          <p:nvPr/>
+        </p:nvSpPr>
+        <p:spPr>
+          <a:xfrm rot="699150">
+            <a:off x="4074316" y="2523004"/>
+            <a:ext cx="360038" cy="346779"/>
+          </a:xfrm>
+          <a:prstGeom prst="curvedLeftArrow">
+            <a:avLst/>
+          </a:prstGeom>
+        </p:spPr>
+        <p:style>
+          <a:lnRef idx="2">
+            <a:schemeClr val="accent1">
+              <a:shade val="50000"/>
+            </a:schemeClr>
+          </a:lnRef>
+          <a:fillRef idx="1">
+            <a:schemeClr val="accent1"/>
+          </a:fillRef>
+          <a:effectRef idx="0">
+            <a:schemeClr val="accent1"/>
+          </a:effectRef>
+          <a:fontRef idx="minor">
+            <a:schemeClr val="lt1"/>
+          </a:fontRef>
+        </p:style>
+        <p:txBody>
+          <a:bodyPr rtlCol="0" anchor="ctr"/>
+          <a:lstStyle/>
+          <a:p>
+            <a:pPr algn="ctr"/>
+            <a:endParaRPr lang="en-US">
+              <a:solidFill>
+                <a:schemeClr val="tx1"/>
+              </a:solidFill>
+            </a:endParaRPr>
+          </a:p>
+        </p:txBody>
+      </p:sp>
+      <p:sp>
+        <p:nvSpPr>
+          <p:cNvPr id="66" name="Curved Left Arrow 65">
+            <a:extLst>
+              <a:ext uri="{FF2B5EF4-FFF2-40B4-BE49-F238E27FC236}">
+                <a16:creationId xmlns:a16="http://schemas.microsoft.com/office/drawing/2014/main" id="{0ECC2850-843A-F646-A4AC-9FFFDCD5B5D1}"/>
+              </a:ext>
+            </a:extLst>
+          </p:cNvPr>
+          <p:cNvSpPr/>
+          <p:nvPr/>
+        </p:nvSpPr>
+        <p:spPr>
+          <a:xfrm rot="11321702">
+            <a:off x="3518056" y="2379250"/>
+            <a:ext cx="292105" cy="384903"/>
+          </a:xfrm>
+          <a:prstGeom prst="curvedLeftArrow">
+            <a:avLst/>
+          </a:prstGeom>
+        </p:spPr>
+        <p:style>
+          <a:lnRef idx="2">
+            <a:schemeClr val="accent1">
+              <a:shade val="50000"/>
+            </a:schemeClr>
+          </a:lnRef>
+          <a:fillRef idx="1">
+            <a:schemeClr val="accent1"/>
+          </a:fillRef>
+          <a:effectRef idx="0">
+            <a:schemeClr val="accent1"/>
+          </a:effectRef>
+          <a:fontRef idx="minor">
+            <a:schemeClr val="lt1"/>
+          </a:fontRef>
+        </p:style>
+        <p:txBody>
+          <a:bodyPr rtlCol="0" anchor="ctr"/>
+          <a:lstStyle/>
+          <a:p>
+            <a:pPr algn="ctr"/>
+            <a:endParaRPr lang="en-US">
+              <a:solidFill>
+                <a:schemeClr val="tx1"/>
+              </a:solidFill>
+            </a:endParaRPr>
+          </a:p>
+        </p:txBody>
+      </p:sp>
+      <p:sp>
+        <p:nvSpPr>
+          <p:cNvPr id="67" name="Curved Left Arrow 66">
+            <a:extLst>
+              <a:ext uri="{FF2B5EF4-FFF2-40B4-BE49-F238E27FC236}">
+                <a16:creationId xmlns:a16="http://schemas.microsoft.com/office/drawing/2014/main" id="{7E5F39C2-29F9-174D-A126-0D14ACFFFF56}"/>
+              </a:ext>
+            </a:extLst>
+          </p:cNvPr>
+          <p:cNvSpPr/>
+          <p:nvPr/>
+        </p:nvSpPr>
+        <p:spPr>
+          <a:xfrm rot="19539249">
+            <a:off x="2972139" y="2761600"/>
+            <a:ext cx="183034" cy="231025"/>
+          </a:xfrm>
+          <a:prstGeom prst="curvedLeftArrow">
+            <a:avLst/>
+          </a:prstGeom>
+        </p:spPr>
+        <p:style>
+          <a:lnRef idx="2">
+            <a:schemeClr val="accent1">
+              <a:shade val="50000"/>
+            </a:schemeClr>
+          </a:lnRef>
+          <a:fillRef idx="1">
+            <a:schemeClr val="accent1"/>
+          </a:fillRef>
+          <a:effectRef idx="0">
+            <a:schemeClr val="accent1"/>
+          </a:effectRef>
+          <a:fontRef idx="minor">
+            <a:schemeClr val="lt1"/>
+          </a:fontRef>
+        </p:style>
+        <p:txBody>
+          <a:bodyPr rtlCol="0" anchor="ctr"/>
+          <a:lstStyle/>
+          <a:p>
+            <a:pPr algn="ctr"/>
+            <a:endParaRPr lang="en-US">
+              <a:solidFill>
+                <a:schemeClr val="tx1"/>
+              </a:solidFill>
+            </a:endParaRPr>
+          </a:p>
+        </p:txBody>
+      </p:sp>
+      <p:sp>
+        <p:nvSpPr>
+          <p:cNvPr id="68" name="Curved Left Arrow 67">
+            <a:extLst>
+              <a:ext uri="{FF2B5EF4-FFF2-40B4-BE49-F238E27FC236}">
+                <a16:creationId xmlns:a16="http://schemas.microsoft.com/office/drawing/2014/main" id="{5C71F410-AEB9-184B-8091-215F0A10B4AB}"/>
+              </a:ext>
+            </a:extLst>
+          </p:cNvPr>
+          <p:cNvSpPr/>
+          <p:nvPr/>
+        </p:nvSpPr>
+        <p:spPr>
+          <a:xfrm rot="8581290">
+            <a:off x="2723279" y="2942216"/>
+            <a:ext cx="148497" cy="256425"/>
+          </a:xfrm>
+          <a:prstGeom prst="curvedLeftArrow">
+            <a:avLst/>
+          </a:prstGeom>
+        </p:spPr>
+        <p:style>
+          <a:lnRef idx="2">
+            <a:schemeClr val="accent1">
+              <a:shade val="50000"/>
+            </a:schemeClr>
+          </a:lnRef>
+          <a:fillRef idx="1">
+            <a:schemeClr val="accent1"/>
+          </a:fillRef>
+          <a:effectRef idx="0">
+            <a:schemeClr val="accent1"/>
+          </a:effectRef>
+          <a:fontRef idx="minor">
+            <a:schemeClr val="lt1"/>
+          </a:fontRef>
+        </p:style>
+        <p:txBody>
+          <a:bodyPr rtlCol="0" anchor="ctr"/>
+          <a:lstStyle/>
+          <a:p>
+            <a:pPr algn="ctr"/>
+            <a:endParaRPr lang="en-US">
+              <a:solidFill>
+                <a:schemeClr val="tx1"/>
+              </a:solidFill>
+            </a:endParaRPr>
+          </a:p>
+        </p:txBody>
+      </p:sp>
+      <p:sp>
+        <p:nvSpPr>
+          <p:cNvPr id="69" name="TextBox 68">
+            <a:extLst>
+              <a:ext uri="{FF2B5EF4-FFF2-40B4-BE49-F238E27FC236}">
+                <a16:creationId xmlns:a16="http://schemas.microsoft.com/office/drawing/2014/main" id="{DF9433A1-CC4E-D84B-A489-97892FDBDC37}"/>
+              </a:ext>
+            </a:extLst>
+          </p:cNvPr>
+          <p:cNvSpPr txBox="1"/>
+          <p:nvPr/>
+        </p:nvSpPr>
+        <p:spPr>
+          <a:xfrm>
+            <a:off x="2840901" y="2854448"/>
+            <a:ext cx="287651" cy="246221"/>
+          </a:xfrm>
+          <a:prstGeom prst="rect">
+            <a:avLst/>
+          </a:prstGeom>
+          <a:noFill/>
+        </p:spPr>
+        <p:txBody>
+          <a:bodyPr wrap="square" rtlCol="0">
+            <a:spAutoFit/>
+          </a:bodyPr>
+          <a:lstStyle/>
+          <a:p>
+            <a:r>
+              <a:rPr lang="en-US" sz="1000"/>
+              <a:t>5</a:t>
+            </a:r>
           </a:p>
         </p:txBody>
       </p:sp>
     </p:spTree>
     <p:extLst>
       <p:ext uri="{BB962C8B-B14F-4D97-AF65-F5344CB8AC3E}">
-        <p14:creationId xmlns:p14="http://schemas.microsoft.com/office/powerpoint/2010/main" val="2551754558"/>
+        <p14:creationId xmlns:p14="http://schemas.microsoft.com/office/powerpoint/2010/main" val="390310535"/>
       </p:ext>
     </p:extLst>
   </p:cSld>
@@ -17069,10 +17153,1346 @@
           <a:chExt cx="0" cy="0"/>
         </a:xfrm>
       </p:grpSpPr>
+      <p:sp>
+        <p:nvSpPr>
+          <p:cNvPr id="4" name="Rounded Rectangle 3">
+            <a:extLst>
+              <a:ext uri="{FF2B5EF4-FFF2-40B4-BE49-F238E27FC236}">
+                <a16:creationId xmlns:a16="http://schemas.microsoft.com/office/drawing/2014/main" id="{A88C9C0A-D587-2844-A4BD-196F12E322FC}"/>
+              </a:ext>
+            </a:extLst>
+          </p:cNvPr>
+          <p:cNvSpPr/>
+          <p:nvPr/>
+        </p:nvSpPr>
+        <p:spPr>
+          <a:xfrm>
+            <a:off x="1782763" y="2604998"/>
+            <a:ext cx="7643812" cy="1360578"/>
+          </a:xfrm>
+          <a:prstGeom prst="roundRect">
+            <a:avLst/>
+          </a:prstGeom>
+          <a:solidFill>
+            <a:schemeClr val="bg1"/>
+          </a:solidFill>
+          <a:ln>
+            <a:solidFill>
+              <a:schemeClr val="tx1"/>
+            </a:solidFill>
+          </a:ln>
+        </p:spPr>
+        <p:style>
+          <a:lnRef idx="2">
+            <a:schemeClr val="accent1">
+              <a:shade val="50000"/>
+            </a:schemeClr>
+          </a:lnRef>
+          <a:fillRef idx="1">
+            <a:schemeClr val="accent1"/>
+          </a:fillRef>
+          <a:effectRef idx="0">
+            <a:schemeClr val="accent1"/>
+          </a:effectRef>
+          <a:fontRef idx="minor">
+            <a:schemeClr val="lt1"/>
+          </a:fontRef>
+        </p:style>
+        <p:txBody>
+          <a:bodyPr rtlCol="0" anchor="ctr"/>
+          <a:lstStyle/>
+          <a:p>
+            <a:pPr algn="ctr"/>
+            <a:endParaRPr lang="en-US" sz="1600">
+              <a:solidFill>
+                <a:schemeClr val="tx1"/>
+              </a:solidFill>
+            </a:endParaRPr>
+          </a:p>
+        </p:txBody>
+      </p:sp>
+      <p:sp>
+        <p:nvSpPr>
+          <p:cNvPr id="5" name="Oval 4">
+            <a:extLst>
+              <a:ext uri="{FF2B5EF4-FFF2-40B4-BE49-F238E27FC236}">
+                <a16:creationId xmlns:a16="http://schemas.microsoft.com/office/drawing/2014/main" id="{D7D02241-5F95-2548-80FC-945D4019D8F2}"/>
+              </a:ext>
+            </a:extLst>
+          </p:cNvPr>
+          <p:cNvSpPr/>
+          <p:nvPr/>
+        </p:nvSpPr>
+        <p:spPr>
+          <a:xfrm>
+            <a:off x="2575384" y="2709408"/>
+            <a:ext cx="360611" cy="375444"/>
+          </a:xfrm>
+          <a:prstGeom prst="ellipse">
+            <a:avLst/>
+          </a:prstGeom>
+          <a:solidFill>
+            <a:schemeClr val="bg1"/>
+          </a:solidFill>
+          <a:ln>
+            <a:solidFill>
+              <a:srgbClr val="FF0000"/>
+            </a:solidFill>
+          </a:ln>
+        </p:spPr>
+        <p:style>
+          <a:lnRef idx="2">
+            <a:schemeClr val="accent1">
+              <a:shade val="50000"/>
+            </a:schemeClr>
+          </a:lnRef>
+          <a:fillRef idx="1">
+            <a:schemeClr val="accent1"/>
+          </a:fillRef>
+          <a:effectRef idx="0">
+            <a:schemeClr val="accent1"/>
+          </a:effectRef>
+          <a:fontRef idx="minor">
+            <a:schemeClr val="lt1"/>
+          </a:fontRef>
+        </p:style>
+        <p:txBody>
+          <a:bodyPr rtlCol="0" anchor="ctr"/>
+          <a:lstStyle/>
+          <a:p>
+            <a:pPr algn="ctr"/>
+            <a:endParaRPr lang="en-US" sz="1600" dirty="0">
+              <a:solidFill>
+                <a:schemeClr val="tx1"/>
+              </a:solidFill>
+            </a:endParaRPr>
+          </a:p>
+        </p:txBody>
+      </p:sp>
+      <p:sp>
+        <p:nvSpPr>
+          <p:cNvPr id="6" name="Oval 5">
+            <a:extLst>
+              <a:ext uri="{FF2B5EF4-FFF2-40B4-BE49-F238E27FC236}">
+                <a16:creationId xmlns:a16="http://schemas.microsoft.com/office/drawing/2014/main" id="{65C3F94C-27BF-BB46-9077-FF05DED0C2C1}"/>
+              </a:ext>
+            </a:extLst>
+          </p:cNvPr>
+          <p:cNvSpPr/>
+          <p:nvPr/>
+        </p:nvSpPr>
+        <p:spPr>
+          <a:xfrm>
+            <a:off x="3772235" y="3310864"/>
+            <a:ext cx="385327" cy="375444"/>
+          </a:xfrm>
+          <a:prstGeom prst="ellipse">
+            <a:avLst/>
+          </a:prstGeom>
+          <a:solidFill>
+            <a:schemeClr val="bg1"/>
+          </a:solidFill>
+          <a:ln>
+            <a:solidFill>
+              <a:srgbClr val="FF0000"/>
+            </a:solidFill>
+          </a:ln>
+        </p:spPr>
+        <p:style>
+          <a:lnRef idx="2">
+            <a:schemeClr val="accent1">
+              <a:shade val="50000"/>
+            </a:schemeClr>
+          </a:lnRef>
+          <a:fillRef idx="1">
+            <a:schemeClr val="accent1"/>
+          </a:fillRef>
+          <a:effectRef idx="0">
+            <a:schemeClr val="accent1"/>
+          </a:effectRef>
+          <a:fontRef idx="minor">
+            <a:schemeClr val="lt1"/>
+          </a:fontRef>
+        </p:style>
+        <p:txBody>
+          <a:bodyPr rtlCol="0" anchor="ctr"/>
+          <a:lstStyle/>
+          <a:p>
+            <a:pPr algn="ctr"/>
+            <a:endParaRPr lang="en-US" sz="1600">
+              <a:solidFill>
+                <a:schemeClr val="tx1"/>
+              </a:solidFill>
+            </a:endParaRPr>
+          </a:p>
+        </p:txBody>
+      </p:sp>
+      <p:sp>
+        <p:nvSpPr>
+          <p:cNvPr id="7" name="Oval 6">
+            <a:extLst>
+              <a:ext uri="{FF2B5EF4-FFF2-40B4-BE49-F238E27FC236}">
+                <a16:creationId xmlns:a16="http://schemas.microsoft.com/office/drawing/2014/main" id="{57F7A0AB-E2FB-C240-AC3B-85AC349AE306}"/>
+              </a:ext>
+            </a:extLst>
+          </p:cNvPr>
+          <p:cNvSpPr/>
+          <p:nvPr/>
+        </p:nvSpPr>
+        <p:spPr>
+          <a:xfrm>
+            <a:off x="4891488" y="3337484"/>
+            <a:ext cx="385327" cy="375444"/>
+          </a:xfrm>
+          <a:prstGeom prst="ellipse">
+            <a:avLst/>
+          </a:prstGeom>
+          <a:solidFill>
+            <a:schemeClr val="bg1"/>
+          </a:solidFill>
+          <a:ln>
+            <a:solidFill>
+              <a:srgbClr val="FF0000"/>
+            </a:solidFill>
+          </a:ln>
+        </p:spPr>
+        <p:style>
+          <a:lnRef idx="2">
+            <a:schemeClr val="accent1">
+              <a:shade val="50000"/>
+            </a:schemeClr>
+          </a:lnRef>
+          <a:fillRef idx="1">
+            <a:schemeClr val="accent1"/>
+          </a:fillRef>
+          <a:effectRef idx="0">
+            <a:schemeClr val="accent1"/>
+          </a:effectRef>
+          <a:fontRef idx="minor">
+            <a:schemeClr val="lt1"/>
+          </a:fontRef>
+        </p:style>
+        <p:txBody>
+          <a:bodyPr rtlCol="0" anchor="ctr"/>
+          <a:lstStyle/>
+          <a:p>
+            <a:pPr algn="ctr"/>
+            <a:endParaRPr lang="en-US" sz="1600">
+              <a:solidFill>
+                <a:schemeClr val="tx1"/>
+              </a:solidFill>
+            </a:endParaRPr>
+          </a:p>
+        </p:txBody>
+      </p:sp>
+      <p:sp>
+        <p:nvSpPr>
+          <p:cNvPr id="8" name="Oval 7">
+            <a:extLst>
+              <a:ext uri="{FF2B5EF4-FFF2-40B4-BE49-F238E27FC236}">
+                <a16:creationId xmlns:a16="http://schemas.microsoft.com/office/drawing/2014/main" id="{E509FCDA-9339-1044-B538-732B8B7B1EE6}"/>
+              </a:ext>
+            </a:extLst>
+          </p:cNvPr>
+          <p:cNvSpPr/>
+          <p:nvPr/>
+        </p:nvSpPr>
+        <p:spPr>
+          <a:xfrm>
+            <a:off x="8123673" y="3321497"/>
+            <a:ext cx="385327" cy="375444"/>
+          </a:xfrm>
+          <a:prstGeom prst="ellipse">
+            <a:avLst/>
+          </a:prstGeom>
+          <a:solidFill>
+            <a:schemeClr val="bg1"/>
+          </a:solidFill>
+          <a:ln>
+            <a:solidFill>
+              <a:srgbClr val="FF0000"/>
+            </a:solidFill>
+          </a:ln>
+        </p:spPr>
+        <p:style>
+          <a:lnRef idx="2">
+            <a:schemeClr val="accent1">
+              <a:shade val="50000"/>
+            </a:schemeClr>
+          </a:lnRef>
+          <a:fillRef idx="1">
+            <a:schemeClr val="accent1"/>
+          </a:fillRef>
+          <a:effectRef idx="0">
+            <a:schemeClr val="accent1"/>
+          </a:effectRef>
+          <a:fontRef idx="minor">
+            <a:schemeClr val="lt1"/>
+          </a:fontRef>
+        </p:style>
+        <p:txBody>
+          <a:bodyPr rtlCol="0" anchor="ctr"/>
+          <a:lstStyle/>
+          <a:p>
+            <a:pPr algn="ctr"/>
+            <a:endParaRPr lang="en-US" sz="1600">
+              <a:solidFill>
+                <a:schemeClr val="tx1"/>
+              </a:solidFill>
+            </a:endParaRPr>
+          </a:p>
+        </p:txBody>
+      </p:sp>
+      <p:sp>
+        <p:nvSpPr>
+          <p:cNvPr id="9" name="TextBox 8">
+            <a:extLst>
+              <a:ext uri="{FF2B5EF4-FFF2-40B4-BE49-F238E27FC236}">
+                <a16:creationId xmlns:a16="http://schemas.microsoft.com/office/drawing/2014/main" id="{2894DEC5-60A7-AD42-BB09-5A6FBABD558E}"/>
+              </a:ext>
+            </a:extLst>
+          </p:cNvPr>
+          <p:cNvSpPr txBox="1"/>
+          <p:nvPr/>
+        </p:nvSpPr>
+        <p:spPr>
+          <a:xfrm>
+            <a:off x="2187994" y="3005141"/>
+            <a:ext cx="1164664" cy="338554"/>
+          </a:xfrm>
+          <a:prstGeom prst="rect">
+            <a:avLst/>
+          </a:prstGeom>
+          <a:noFill/>
+        </p:spPr>
+        <p:txBody>
+          <a:bodyPr wrap="square" rtlCol="0">
+            <a:spAutoFit/>
+          </a:bodyPr>
+          <a:lstStyle/>
+          <a:p>
+            <a:pPr algn="ctr"/>
+            <a:r>
+              <a:rPr lang="en-US" sz="1600"/>
+              <a:t>user</a:t>
+            </a:r>
+            <a:r>
+              <a:rPr lang="en-US" altLang="zh-CN" sz="1600"/>
+              <a:t>s-web</a:t>
+            </a:r>
+            <a:endParaRPr lang="en-US" sz="1600" dirty="0"/>
+          </a:p>
+        </p:txBody>
+      </p:sp>
+      <p:sp>
+        <p:nvSpPr>
+          <p:cNvPr id="10" name="TextBox 9">
+            <a:extLst>
+              <a:ext uri="{FF2B5EF4-FFF2-40B4-BE49-F238E27FC236}">
+                <a16:creationId xmlns:a16="http://schemas.microsoft.com/office/drawing/2014/main" id="{ABD06A86-9DEA-B745-B369-35C7E9E01DC1}"/>
+              </a:ext>
+            </a:extLst>
+          </p:cNvPr>
+          <p:cNvSpPr txBox="1"/>
+          <p:nvPr/>
+        </p:nvSpPr>
+        <p:spPr>
+          <a:xfrm>
+            <a:off x="3654803" y="3636006"/>
+            <a:ext cx="686140" cy="338554"/>
+          </a:xfrm>
+          <a:prstGeom prst="rect">
+            <a:avLst/>
+          </a:prstGeom>
+          <a:noFill/>
+        </p:spPr>
+        <p:txBody>
+          <a:bodyPr wrap="square" rtlCol="0">
+            <a:spAutoFit/>
+          </a:bodyPr>
+          <a:lstStyle/>
+          <a:p>
+            <a:pPr algn="ctr"/>
+            <a:r>
+              <a:rPr lang="en-US" sz="1600" dirty="0" err="1"/>
+              <a:t>auth</a:t>
+            </a:r>
+            <a:endParaRPr lang="en-US" sz="1600" dirty="0"/>
+          </a:p>
+        </p:txBody>
+      </p:sp>
+      <p:sp>
+        <p:nvSpPr>
+          <p:cNvPr id="11" name="TextBox 10">
+            <a:extLst>
+              <a:ext uri="{FF2B5EF4-FFF2-40B4-BE49-F238E27FC236}">
+                <a16:creationId xmlns:a16="http://schemas.microsoft.com/office/drawing/2014/main" id="{4EF75E50-FCE1-314C-BF42-F01E386AA582}"/>
+              </a:ext>
+            </a:extLst>
+          </p:cNvPr>
+          <p:cNvSpPr txBox="1"/>
+          <p:nvPr/>
+        </p:nvSpPr>
+        <p:spPr>
+          <a:xfrm>
+            <a:off x="7820657" y="3658889"/>
+            <a:ext cx="1073946" cy="338554"/>
+          </a:xfrm>
+          <a:prstGeom prst="rect">
+            <a:avLst/>
+          </a:prstGeom>
+          <a:noFill/>
+        </p:spPr>
+        <p:txBody>
+          <a:bodyPr wrap="square" rtlCol="0">
+            <a:spAutoFit/>
+          </a:bodyPr>
+          <a:lstStyle/>
+          <a:p>
+            <a:pPr algn="ctr"/>
+            <a:r>
+              <a:rPr lang="en-US" sz="1600" dirty="0"/>
+              <a:t>pay</a:t>
+            </a:r>
+            <a:r>
+              <a:rPr lang="en-US" altLang="zh-CN" sz="1600" dirty="0"/>
+              <a:t>ment</a:t>
+            </a:r>
+            <a:endParaRPr lang="en-US" sz="1600" dirty="0"/>
+          </a:p>
+        </p:txBody>
+      </p:sp>
+      <p:sp>
+        <p:nvSpPr>
+          <p:cNvPr id="12" name="TextBox 11">
+            <a:extLst>
+              <a:ext uri="{FF2B5EF4-FFF2-40B4-BE49-F238E27FC236}">
+                <a16:creationId xmlns:a16="http://schemas.microsoft.com/office/drawing/2014/main" id="{A324C986-31E4-4249-9F28-388A8BFEAD87}"/>
+              </a:ext>
+            </a:extLst>
+          </p:cNvPr>
+          <p:cNvSpPr txBox="1"/>
+          <p:nvPr/>
+        </p:nvSpPr>
+        <p:spPr>
+          <a:xfrm>
+            <a:off x="4690463" y="3651158"/>
+            <a:ext cx="802910" cy="338554"/>
+          </a:xfrm>
+          <a:prstGeom prst="rect">
+            <a:avLst/>
+          </a:prstGeom>
+          <a:noFill/>
+        </p:spPr>
+        <p:txBody>
+          <a:bodyPr wrap="square" rtlCol="0">
+            <a:spAutoFit/>
+          </a:bodyPr>
+          <a:lstStyle/>
+          <a:p>
+            <a:pPr algn="ctr"/>
+            <a:r>
+              <a:rPr lang="en-US" sz="1600" dirty="0"/>
+              <a:t>orders</a:t>
+            </a:r>
+          </a:p>
+        </p:txBody>
+      </p:sp>
+      <p:sp>
+        <p:nvSpPr>
+          <p:cNvPr id="13" name="Oval 12">
+            <a:extLst>
+              <a:ext uri="{FF2B5EF4-FFF2-40B4-BE49-F238E27FC236}">
+                <a16:creationId xmlns:a16="http://schemas.microsoft.com/office/drawing/2014/main" id="{3082FF18-4B3B-0048-9411-88A22F312658}"/>
+              </a:ext>
+            </a:extLst>
+          </p:cNvPr>
+          <p:cNvSpPr/>
+          <p:nvPr/>
+        </p:nvSpPr>
+        <p:spPr>
+          <a:xfrm>
+            <a:off x="6822431" y="3348113"/>
+            <a:ext cx="385327" cy="375444"/>
+          </a:xfrm>
+          <a:prstGeom prst="ellipse">
+            <a:avLst/>
+          </a:prstGeom>
+          <a:solidFill>
+            <a:schemeClr val="bg1"/>
+          </a:solidFill>
+          <a:ln>
+            <a:solidFill>
+              <a:srgbClr val="FF0000"/>
+            </a:solidFill>
+          </a:ln>
+        </p:spPr>
+        <p:style>
+          <a:lnRef idx="2">
+            <a:schemeClr val="accent1">
+              <a:shade val="50000"/>
+            </a:schemeClr>
+          </a:lnRef>
+          <a:fillRef idx="1">
+            <a:schemeClr val="accent1"/>
+          </a:fillRef>
+          <a:effectRef idx="0">
+            <a:schemeClr val="accent1"/>
+          </a:effectRef>
+          <a:fontRef idx="minor">
+            <a:schemeClr val="lt1"/>
+          </a:fontRef>
+        </p:style>
+        <p:txBody>
+          <a:bodyPr rtlCol="0" anchor="ctr"/>
+          <a:lstStyle/>
+          <a:p>
+            <a:pPr algn="ctr"/>
+            <a:endParaRPr lang="en-US" sz="1600">
+              <a:solidFill>
+                <a:schemeClr val="tx1"/>
+              </a:solidFill>
+            </a:endParaRPr>
+          </a:p>
+        </p:txBody>
+      </p:sp>
+      <p:sp>
+        <p:nvSpPr>
+          <p:cNvPr id="14" name="TextBox 13">
+            <a:extLst>
+              <a:ext uri="{FF2B5EF4-FFF2-40B4-BE49-F238E27FC236}">
+                <a16:creationId xmlns:a16="http://schemas.microsoft.com/office/drawing/2014/main" id="{30226585-A694-C849-B0E5-1838EE451E55}"/>
+              </a:ext>
+            </a:extLst>
+          </p:cNvPr>
+          <p:cNvSpPr txBox="1"/>
+          <p:nvPr/>
+        </p:nvSpPr>
+        <p:spPr>
+          <a:xfrm>
+            <a:off x="6537806" y="3679245"/>
+            <a:ext cx="1143151" cy="338554"/>
+          </a:xfrm>
+          <a:prstGeom prst="rect">
+            <a:avLst/>
+          </a:prstGeom>
+          <a:noFill/>
+        </p:spPr>
+        <p:txBody>
+          <a:bodyPr wrap="square" rtlCol="0">
+            <a:spAutoFit/>
+          </a:bodyPr>
+          <a:lstStyle/>
+          <a:p>
+            <a:pPr algn="ctr"/>
+            <a:r>
+              <a:rPr lang="en-US" sz="1600" dirty="0"/>
+              <a:t>inventory</a:t>
+            </a:r>
+          </a:p>
+        </p:txBody>
+      </p:sp>
+      <p:sp>
+        <p:nvSpPr>
+          <p:cNvPr id="16" name="Rounded Rectangle 15">
+            <a:extLst>
+              <a:ext uri="{FF2B5EF4-FFF2-40B4-BE49-F238E27FC236}">
+                <a16:creationId xmlns:a16="http://schemas.microsoft.com/office/drawing/2014/main" id="{AD17F8E4-B471-7D48-90FF-F5A25807ACE4}"/>
+              </a:ext>
+            </a:extLst>
+          </p:cNvPr>
+          <p:cNvSpPr/>
+          <p:nvPr/>
+        </p:nvSpPr>
+        <p:spPr>
+          <a:xfrm>
+            <a:off x="1782763" y="1765248"/>
+            <a:ext cx="7643812" cy="683658"/>
+          </a:xfrm>
+          <a:prstGeom prst="roundRect">
+            <a:avLst/>
+          </a:prstGeom>
+          <a:solidFill>
+            <a:schemeClr val="bg1"/>
+          </a:solidFill>
+          <a:ln>
+            <a:solidFill>
+              <a:schemeClr val="tx1"/>
+            </a:solidFill>
+          </a:ln>
+        </p:spPr>
+        <p:style>
+          <a:lnRef idx="2">
+            <a:schemeClr val="accent1">
+              <a:shade val="50000"/>
+            </a:schemeClr>
+          </a:lnRef>
+          <a:fillRef idx="1">
+            <a:schemeClr val="accent1"/>
+          </a:fillRef>
+          <a:effectRef idx="0">
+            <a:schemeClr val="accent1"/>
+          </a:effectRef>
+          <a:fontRef idx="minor">
+            <a:schemeClr val="lt1"/>
+          </a:fontRef>
+        </p:style>
+        <p:txBody>
+          <a:bodyPr rtlCol="0" anchor="ctr"/>
+          <a:lstStyle/>
+          <a:p>
+            <a:pPr algn="ctr"/>
+            <a:endParaRPr lang="en-US" sz="1600">
+              <a:solidFill>
+                <a:schemeClr val="tx1"/>
+              </a:solidFill>
+            </a:endParaRPr>
+          </a:p>
+        </p:txBody>
+      </p:sp>
+      <p:sp>
+        <p:nvSpPr>
+          <p:cNvPr id="18" name="Rounded Rectangle 17">
+            <a:extLst>
+              <a:ext uri="{FF2B5EF4-FFF2-40B4-BE49-F238E27FC236}">
+                <a16:creationId xmlns:a16="http://schemas.microsoft.com/office/drawing/2014/main" id="{1F81A9D7-348F-384D-A6EB-3BED55660D39}"/>
+              </a:ext>
+            </a:extLst>
+          </p:cNvPr>
+          <p:cNvSpPr/>
+          <p:nvPr/>
+        </p:nvSpPr>
+        <p:spPr>
+          <a:xfrm>
+            <a:off x="4795404" y="1921339"/>
+            <a:ext cx="1310531" cy="371475"/>
+          </a:xfrm>
+          <a:prstGeom prst="roundRect">
+            <a:avLst/>
+          </a:prstGeom>
+          <a:solidFill>
+            <a:schemeClr val="bg1"/>
+          </a:solidFill>
+          <a:ln>
+            <a:solidFill>
+              <a:schemeClr val="tx1"/>
+            </a:solidFill>
+          </a:ln>
+        </p:spPr>
+        <p:style>
+          <a:lnRef idx="2">
+            <a:schemeClr val="accent1">
+              <a:shade val="50000"/>
+            </a:schemeClr>
+          </a:lnRef>
+          <a:fillRef idx="1">
+            <a:schemeClr val="accent1"/>
+          </a:fillRef>
+          <a:effectRef idx="0">
+            <a:schemeClr val="accent1"/>
+          </a:effectRef>
+          <a:fontRef idx="minor">
+            <a:schemeClr val="lt1"/>
+          </a:fontRef>
+        </p:style>
+        <p:txBody>
+          <a:bodyPr rtlCol="0" anchor="ctr"/>
+          <a:lstStyle/>
+          <a:p>
+            <a:pPr algn="ctr"/>
+            <a:r>
+              <a:rPr lang="en-US" sz="1600" dirty="0">
+                <a:solidFill>
+                  <a:schemeClr val="tx1"/>
+                </a:solidFill>
+              </a:rPr>
+              <a:t>API</a:t>
+            </a:r>
+          </a:p>
+        </p:txBody>
+      </p:sp>
+      <p:sp>
+        <p:nvSpPr>
+          <p:cNvPr id="22" name="Rounded Rectangle 21">
+            <a:extLst>
+              <a:ext uri="{FF2B5EF4-FFF2-40B4-BE49-F238E27FC236}">
+                <a16:creationId xmlns:a16="http://schemas.microsoft.com/office/drawing/2014/main" id="{08CB58ED-72BC-8B43-B14A-D8E57F2809CE}"/>
+              </a:ext>
+            </a:extLst>
+          </p:cNvPr>
+          <p:cNvSpPr/>
+          <p:nvPr/>
+        </p:nvSpPr>
+        <p:spPr>
+          <a:xfrm>
+            <a:off x="1782762" y="4237034"/>
+            <a:ext cx="7643812" cy="683658"/>
+          </a:xfrm>
+          <a:prstGeom prst="roundRect">
+            <a:avLst/>
+          </a:prstGeom>
+          <a:solidFill>
+            <a:schemeClr val="bg1"/>
+          </a:solidFill>
+          <a:ln>
+            <a:solidFill>
+              <a:schemeClr val="tx1"/>
+            </a:solidFill>
+          </a:ln>
+        </p:spPr>
+        <p:style>
+          <a:lnRef idx="2">
+            <a:schemeClr val="accent1">
+              <a:shade val="50000"/>
+            </a:schemeClr>
+          </a:lnRef>
+          <a:fillRef idx="1">
+            <a:schemeClr val="accent1"/>
+          </a:fillRef>
+          <a:effectRef idx="0">
+            <a:schemeClr val="accent1"/>
+          </a:effectRef>
+          <a:fontRef idx="minor">
+            <a:schemeClr val="lt1"/>
+          </a:fontRef>
+        </p:style>
+        <p:txBody>
+          <a:bodyPr rtlCol="0" anchor="ctr"/>
+          <a:lstStyle/>
+          <a:p>
+            <a:pPr algn="ctr"/>
+            <a:endParaRPr lang="en-US" sz="1600">
+              <a:solidFill>
+                <a:schemeClr val="tx1"/>
+              </a:solidFill>
+            </a:endParaRPr>
+          </a:p>
+        </p:txBody>
+      </p:sp>
+      <p:sp>
+        <p:nvSpPr>
+          <p:cNvPr id="23" name="Rounded Rectangle 22">
+            <a:extLst>
+              <a:ext uri="{FF2B5EF4-FFF2-40B4-BE49-F238E27FC236}">
+                <a16:creationId xmlns:a16="http://schemas.microsoft.com/office/drawing/2014/main" id="{40239188-4730-7040-BF13-124CB21999A4}"/>
+              </a:ext>
+            </a:extLst>
+          </p:cNvPr>
+          <p:cNvSpPr/>
+          <p:nvPr/>
+        </p:nvSpPr>
+        <p:spPr>
+          <a:xfrm>
+            <a:off x="2181648" y="4393125"/>
+            <a:ext cx="934182" cy="371475"/>
+          </a:xfrm>
+          <a:prstGeom prst="roundRect">
+            <a:avLst/>
+          </a:prstGeom>
+          <a:solidFill>
+            <a:schemeClr val="bg1"/>
+          </a:solidFill>
+          <a:ln>
+            <a:solidFill>
+              <a:schemeClr val="tx1"/>
+            </a:solidFill>
+          </a:ln>
+        </p:spPr>
+        <p:style>
+          <a:lnRef idx="2">
+            <a:schemeClr val="accent1">
+              <a:shade val="50000"/>
+            </a:schemeClr>
+          </a:lnRef>
+          <a:fillRef idx="1">
+            <a:schemeClr val="accent1"/>
+          </a:fillRef>
+          <a:effectRef idx="0">
+            <a:schemeClr val="accent1"/>
+          </a:effectRef>
+          <a:fontRef idx="minor">
+            <a:schemeClr val="lt1"/>
+          </a:fontRef>
+        </p:style>
+        <p:txBody>
+          <a:bodyPr rtlCol="0" anchor="ctr"/>
+          <a:lstStyle/>
+          <a:p>
+            <a:pPr algn="ctr"/>
+            <a:r>
+              <a:rPr lang="en-US" sz="1600" dirty="0">
+                <a:solidFill>
+                  <a:schemeClr val="tx1"/>
+                </a:solidFill>
+              </a:rPr>
+              <a:t>API</a:t>
+            </a:r>
+          </a:p>
+        </p:txBody>
+      </p:sp>
+      <p:sp>
+        <p:nvSpPr>
+          <p:cNvPr id="24" name="Rounded Rectangle 23">
+            <a:extLst>
+              <a:ext uri="{FF2B5EF4-FFF2-40B4-BE49-F238E27FC236}">
+                <a16:creationId xmlns:a16="http://schemas.microsoft.com/office/drawing/2014/main" id="{42B0CD49-ADC9-AC4F-9E99-E00C7F0FF3BA}"/>
+              </a:ext>
+            </a:extLst>
+          </p:cNvPr>
+          <p:cNvSpPr/>
+          <p:nvPr/>
+        </p:nvSpPr>
+        <p:spPr>
+          <a:xfrm>
+            <a:off x="3743748" y="4393125"/>
+            <a:ext cx="934182" cy="371475"/>
+          </a:xfrm>
+          <a:prstGeom prst="roundRect">
+            <a:avLst/>
+          </a:prstGeom>
+          <a:solidFill>
+            <a:schemeClr val="bg1"/>
+          </a:solidFill>
+          <a:ln>
+            <a:solidFill>
+              <a:schemeClr val="tx1"/>
+            </a:solidFill>
+          </a:ln>
+        </p:spPr>
+        <p:style>
+          <a:lnRef idx="2">
+            <a:schemeClr val="accent1">
+              <a:shade val="50000"/>
+            </a:schemeClr>
+          </a:lnRef>
+          <a:fillRef idx="1">
+            <a:schemeClr val="accent1"/>
+          </a:fillRef>
+          <a:effectRef idx="0">
+            <a:schemeClr val="accent1"/>
+          </a:effectRef>
+          <a:fontRef idx="minor">
+            <a:schemeClr val="lt1"/>
+          </a:fontRef>
+        </p:style>
+        <p:txBody>
+          <a:bodyPr rtlCol="0" anchor="ctr"/>
+          <a:lstStyle/>
+          <a:p>
+            <a:pPr algn="ctr"/>
+            <a:r>
+              <a:rPr lang="en-US" sz="1600" dirty="0">
+                <a:solidFill>
+                  <a:schemeClr val="tx1"/>
+                </a:solidFill>
+              </a:rPr>
+              <a:t>Bot</a:t>
+            </a:r>
+          </a:p>
+        </p:txBody>
+      </p:sp>
+      <p:sp>
+        <p:nvSpPr>
+          <p:cNvPr id="25" name="Rounded Rectangle 24">
+            <a:extLst>
+              <a:ext uri="{FF2B5EF4-FFF2-40B4-BE49-F238E27FC236}">
+                <a16:creationId xmlns:a16="http://schemas.microsoft.com/office/drawing/2014/main" id="{1595CF05-1E69-954F-A96B-C7692052C3B4}"/>
+              </a:ext>
+            </a:extLst>
+          </p:cNvPr>
+          <p:cNvSpPr/>
+          <p:nvPr/>
+        </p:nvSpPr>
+        <p:spPr>
+          <a:xfrm>
+            <a:off x="5310775" y="4393125"/>
+            <a:ext cx="934182" cy="371475"/>
+          </a:xfrm>
+          <a:prstGeom prst="roundRect">
+            <a:avLst/>
+          </a:prstGeom>
+          <a:solidFill>
+            <a:schemeClr val="bg1"/>
+          </a:solidFill>
+          <a:ln>
+            <a:solidFill>
+              <a:schemeClr val="tx1"/>
+            </a:solidFill>
+          </a:ln>
+        </p:spPr>
+        <p:style>
+          <a:lnRef idx="2">
+            <a:schemeClr val="accent1">
+              <a:shade val="50000"/>
+            </a:schemeClr>
+          </a:lnRef>
+          <a:fillRef idx="1">
+            <a:schemeClr val="accent1"/>
+          </a:fillRef>
+          <a:effectRef idx="0">
+            <a:schemeClr val="accent1"/>
+          </a:effectRef>
+          <a:fontRef idx="minor">
+            <a:schemeClr val="lt1"/>
+          </a:fontRef>
+        </p:style>
+        <p:txBody>
+          <a:bodyPr rtlCol="0" anchor="ctr"/>
+          <a:lstStyle/>
+          <a:p>
+            <a:pPr algn="ctr"/>
+            <a:r>
+              <a:rPr lang="en-US" sz="1600" dirty="0">
+                <a:solidFill>
+                  <a:schemeClr val="tx1"/>
+                </a:solidFill>
+              </a:rPr>
+              <a:t>CLI</a:t>
+            </a:r>
+          </a:p>
+        </p:txBody>
+      </p:sp>
+      <p:sp>
+        <p:nvSpPr>
+          <p:cNvPr id="26" name="Rounded Rectangle 25">
+            <a:extLst>
+              <a:ext uri="{FF2B5EF4-FFF2-40B4-BE49-F238E27FC236}">
+                <a16:creationId xmlns:a16="http://schemas.microsoft.com/office/drawing/2014/main" id="{5EFEE84A-3CE7-0945-9CCF-5F91BA78DD82}"/>
+              </a:ext>
+            </a:extLst>
+          </p:cNvPr>
+          <p:cNvSpPr/>
+          <p:nvPr/>
+        </p:nvSpPr>
+        <p:spPr>
+          <a:xfrm>
+            <a:off x="6846858" y="4393125"/>
+            <a:ext cx="934182" cy="371475"/>
+          </a:xfrm>
+          <a:prstGeom prst="roundRect">
+            <a:avLst/>
+          </a:prstGeom>
+          <a:solidFill>
+            <a:schemeClr val="bg1"/>
+          </a:solidFill>
+          <a:ln>
+            <a:solidFill>
+              <a:schemeClr val="tx1"/>
+            </a:solidFill>
+          </a:ln>
+        </p:spPr>
+        <p:style>
+          <a:lnRef idx="2">
+            <a:schemeClr val="accent1">
+              <a:shade val="50000"/>
+            </a:schemeClr>
+          </a:lnRef>
+          <a:fillRef idx="1">
+            <a:schemeClr val="accent1"/>
+          </a:fillRef>
+          <a:effectRef idx="0">
+            <a:schemeClr val="accent1"/>
+          </a:effectRef>
+          <a:fontRef idx="minor">
+            <a:schemeClr val="lt1"/>
+          </a:fontRef>
+        </p:style>
+        <p:txBody>
+          <a:bodyPr rtlCol="0" anchor="ctr"/>
+          <a:lstStyle/>
+          <a:p>
+            <a:pPr algn="ctr"/>
+            <a:r>
+              <a:rPr lang="en-US" sz="1600" dirty="0">
+                <a:solidFill>
+                  <a:schemeClr val="tx1"/>
+                </a:solidFill>
+              </a:rPr>
+              <a:t>Proxy</a:t>
+            </a:r>
+          </a:p>
+        </p:txBody>
+      </p:sp>
+      <p:sp>
+        <p:nvSpPr>
+          <p:cNvPr id="27" name="Rounded Rectangle 26">
+            <a:extLst>
+              <a:ext uri="{FF2B5EF4-FFF2-40B4-BE49-F238E27FC236}">
+                <a16:creationId xmlns:a16="http://schemas.microsoft.com/office/drawing/2014/main" id="{02A2EBC2-7F97-9748-B467-5851FCA5A505}"/>
+              </a:ext>
+            </a:extLst>
+          </p:cNvPr>
+          <p:cNvSpPr/>
+          <p:nvPr/>
+        </p:nvSpPr>
+        <p:spPr>
+          <a:xfrm>
+            <a:off x="8326252" y="4393125"/>
+            <a:ext cx="934182" cy="371475"/>
+          </a:xfrm>
+          <a:prstGeom prst="roundRect">
+            <a:avLst/>
+          </a:prstGeom>
+          <a:solidFill>
+            <a:schemeClr val="bg1"/>
+          </a:solidFill>
+          <a:ln>
+            <a:solidFill>
+              <a:schemeClr val="tx1"/>
+            </a:solidFill>
+          </a:ln>
+        </p:spPr>
+        <p:style>
+          <a:lnRef idx="2">
+            <a:schemeClr val="accent1">
+              <a:shade val="50000"/>
+            </a:schemeClr>
+          </a:lnRef>
+          <a:fillRef idx="1">
+            <a:schemeClr val="accent1"/>
+          </a:fillRef>
+          <a:effectRef idx="0">
+            <a:schemeClr val="accent1"/>
+          </a:effectRef>
+          <a:fontRef idx="minor">
+            <a:schemeClr val="lt1"/>
+          </a:fontRef>
+        </p:style>
+        <p:txBody>
+          <a:bodyPr rtlCol="0" anchor="ctr"/>
+          <a:lstStyle/>
+          <a:p>
+            <a:pPr algn="ctr"/>
+            <a:r>
+              <a:rPr lang="en-US" sz="1600" dirty="0">
+                <a:solidFill>
+                  <a:schemeClr val="tx1"/>
+                </a:solidFill>
+              </a:rPr>
+              <a:t>Web</a:t>
+            </a:r>
+          </a:p>
+        </p:txBody>
+      </p:sp>
+      <p:sp>
+        <p:nvSpPr>
+          <p:cNvPr id="28" name="Oval 27">
+            <a:extLst>
+              <a:ext uri="{FF2B5EF4-FFF2-40B4-BE49-F238E27FC236}">
+                <a16:creationId xmlns:a16="http://schemas.microsoft.com/office/drawing/2014/main" id="{AD2BFD9D-4472-944F-B65A-D1939AE35D14}"/>
+              </a:ext>
+            </a:extLst>
+          </p:cNvPr>
+          <p:cNvSpPr/>
+          <p:nvPr/>
+        </p:nvSpPr>
+        <p:spPr>
+          <a:xfrm>
+            <a:off x="2594526" y="3304849"/>
+            <a:ext cx="360611" cy="375444"/>
+          </a:xfrm>
+          <a:prstGeom prst="ellipse">
+            <a:avLst/>
+          </a:prstGeom>
+          <a:solidFill>
+            <a:schemeClr val="bg1"/>
+          </a:solidFill>
+          <a:ln>
+            <a:solidFill>
+              <a:srgbClr val="FF0000"/>
+            </a:solidFill>
+          </a:ln>
+        </p:spPr>
+        <p:style>
+          <a:lnRef idx="2">
+            <a:schemeClr val="accent1">
+              <a:shade val="50000"/>
+            </a:schemeClr>
+          </a:lnRef>
+          <a:fillRef idx="1">
+            <a:schemeClr val="accent1"/>
+          </a:fillRef>
+          <a:effectRef idx="0">
+            <a:schemeClr val="accent1"/>
+          </a:effectRef>
+          <a:fontRef idx="minor">
+            <a:schemeClr val="lt1"/>
+          </a:fontRef>
+        </p:style>
+        <p:txBody>
+          <a:bodyPr rtlCol="0" anchor="ctr"/>
+          <a:lstStyle/>
+          <a:p>
+            <a:pPr algn="ctr"/>
+            <a:endParaRPr lang="en-US" sz="1600" dirty="0">
+              <a:solidFill>
+                <a:schemeClr val="tx1"/>
+              </a:solidFill>
+            </a:endParaRPr>
+          </a:p>
+        </p:txBody>
+      </p:sp>
+      <p:sp>
+        <p:nvSpPr>
+          <p:cNvPr id="29" name="TextBox 28">
+            <a:extLst>
+              <a:ext uri="{FF2B5EF4-FFF2-40B4-BE49-F238E27FC236}">
+                <a16:creationId xmlns:a16="http://schemas.microsoft.com/office/drawing/2014/main" id="{C79B8773-2C42-7F40-90DC-A8DDE6B02EA3}"/>
+              </a:ext>
+            </a:extLst>
+          </p:cNvPr>
+          <p:cNvSpPr txBox="1"/>
+          <p:nvPr/>
+        </p:nvSpPr>
+        <p:spPr>
+          <a:xfrm>
+            <a:off x="2107813" y="3604641"/>
+            <a:ext cx="1455208" cy="338554"/>
+          </a:xfrm>
+          <a:prstGeom prst="rect">
+            <a:avLst/>
+          </a:prstGeom>
+          <a:noFill/>
+        </p:spPr>
+        <p:txBody>
+          <a:bodyPr wrap="square" rtlCol="0">
+            <a:spAutoFit/>
+          </a:bodyPr>
+          <a:lstStyle/>
+          <a:p>
+            <a:pPr algn="ctr"/>
+            <a:r>
+              <a:rPr lang="en-US" altLang="zh-CN" sz="1600"/>
+              <a:t>user-service</a:t>
+            </a:r>
+            <a:endParaRPr lang="en-US" sz="1600" dirty="0"/>
+          </a:p>
+        </p:txBody>
+      </p:sp>
+      <p:sp>
+        <p:nvSpPr>
+          <p:cNvPr id="30" name="Oval 29">
+            <a:extLst>
+              <a:ext uri="{FF2B5EF4-FFF2-40B4-BE49-F238E27FC236}">
+                <a16:creationId xmlns:a16="http://schemas.microsoft.com/office/drawing/2014/main" id="{0CD49CBF-7259-0041-9FC5-96E49A759B32}"/>
+              </a:ext>
+            </a:extLst>
+          </p:cNvPr>
+          <p:cNvSpPr/>
+          <p:nvPr/>
+        </p:nvSpPr>
+        <p:spPr>
+          <a:xfrm>
+            <a:off x="4888978" y="2681865"/>
+            <a:ext cx="360611" cy="375444"/>
+          </a:xfrm>
+          <a:prstGeom prst="ellipse">
+            <a:avLst/>
+          </a:prstGeom>
+          <a:solidFill>
+            <a:schemeClr val="bg1"/>
+          </a:solidFill>
+          <a:ln>
+            <a:solidFill>
+              <a:srgbClr val="FF0000"/>
+            </a:solidFill>
+          </a:ln>
+        </p:spPr>
+        <p:style>
+          <a:lnRef idx="2">
+            <a:schemeClr val="accent1">
+              <a:shade val="50000"/>
+            </a:schemeClr>
+          </a:lnRef>
+          <a:fillRef idx="1">
+            <a:schemeClr val="accent1"/>
+          </a:fillRef>
+          <a:effectRef idx="0">
+            <a:schemeClr val="accent1"/>
+          </a:effectRef>
+          <a:fontRef idx="minor">
+            <a:schemeClr val="lt1"/>
+          </a:fontRef>
+        </p:style>
+        <p:txBody>
+          <a:bodyPr rtlCol="0" anchor="ctr"/>
+          <a:lstStyle/>
+          <a:p>
+            <a:pPr algn="ctr"/>
+            <a:endParaRPr lang="en-US" sz="1600" dirty="0">
+              <a:solidFill>
+                <a:schemeClr val="tx1"/>
+              </a:solidFill>
+            </a:endParaRPr>
+          </a:p>
+        </p:txBody>
+      </p:sp>
+      <p:sp>
+        <p:nvSpPr>
+          <p:cNvPr id="31" name="TextBox 30">
+            <a:extLst>
+              <a:ext uri="{FF2B5EF4-FFF2-40B4-BE49-F238E27FC236}">
+                <a16:creationId xmlns:a16="http://schemas.microsoft.com/office/drawing/2014/main" id="{222E6865-37C3-A34C-B97E-945023A70E51}"/>
+              </a:ext>
+            </a:extLst>
+          </p:cNvPr>
+          <p:cNvSpPr txBox="1"/>
+          <p:nvPr/>
+        </p:nvSpPr>
+        <p:spPr>
+          <a:xfrm>
+            <a:off x="4501588" y="2977598"/>
+            <a:ext cx="1164664" cy="338554"/>
+          </a:xfrm>
+          <a:prstGeom prst="rect">
+            <a:avLst/>
+          </a:prstGeom>
+          <a:noFill/>
+        </p:spPr>
+        <p:txBody>
+          <a:bodyPr wrap="square" rtlCol="0">
+            <a:spAutoFit/>
+          </a:bodyPr>
+          <a:lstStyle/>
+          <a:p>
+            <a:pPr algn="ctr"/>
+            <a:r>
+              <a:rPr lang="en-US" altLang="zh-CN" sz="1600"/>
+              <a:t>orders-web</a:t>
+            </a:r>
+            <a:endParaRPr lang="en-US" sz="1600" dirty="0"/>
+          </a:p>
+        </p:txBody>
+      </p:sp>
+      <p:sp>
+        <p:nvSpPr>
+          <p:cNvPr id="32" name="Oval 31">
+            <a:extLst>
+              <a:ext uri="{FF2B5EF4-FFF2-40B4-BE49-F238E27FC236}">
+                <a16:creationId xmlns:a16="http://schemas.microsoft.com/office/drawing/2014/main" id="{809A0203-D88A-B943-98F1-CBF8E0C447E6}"/>
+              </a:ext>
+            </a:extLst>
+          </p:cNvPr>
+          <p:cNvSpPr/>
+          <p:nvPr/>
+        </p:nvSpPr>
+        <p:spPr>
+          <a:xfrm>
+            <a:off x="8143169" y="2673007"/>
+            <a:ext cx="360611" cy="375444"/>
+          </a:xfrm>
+          <a:prstGeom prst="ellipse">
+            <a:avLst/>
+          </a:prstGeom>
+          <a:solidFill>
+            <a:schemeClr val="bg1"/>
+          </a:solidFill>
+          <a:ln>
+            <a:solidFill>
+              <a:srgbClr val="FF0000"/>
+            </a:solidFill>
+          </a:ln>
+        </p:spPr>
+        <p:style>
+          <a:lnRef idx="2">
+            <a:schemeClr val="accent1">
+              <a:shade val="50000"/>
+            </a:schemeClr>
+          </a:lnRef>
+          <a:fillRef idx="1">
+            <a:schemeClr val="accent1"/>
+          </a:fillRef>
+          <a:effectRef idx="0">
+            <a:schemeClr val="accent1"/>
+          </a:effectRef>
+          <a:fontRef idx="minor">
+            <a:schemeClr val="lt1"/>
+          </a:fontRef>
+        </p:style>
+        <p:txBody>
+          <a:bodyPr rtlCol="0" anchor="ctr"/>
+          <a:lstStyle/>
+          <a:p>
+            <a:pPr algn="ctr"/>
+            <a:endParaRPr lang="en-US" sz="1600" dirty="0">
+              <a:solidFill>
+                <a:schemeClr val="tx1"/>
+              </a:solidFill>
+            </a:endParaRPr>
+          </a:p>
+        </p:txBody>
+      </p:sp>
+      <p:sp>
+        <p:nvSpPr>
+          <p:cNvPr id="33" name="TextBox 32">
+            <a:extLst>
+              <a:ext uri="{FF2B5EF4-FFF2-40B4-BE49-F238E27FC236}">
+                <a16:creationId xmlns:a16="http://schemas.microsoft.com/office/drawing/2014/main" id="{4B323D83-DBF2-D545-9733-B1ECEC4C9B68}"/>
+              </a:ext>
+            </a:extLst>
+          </p:cNvPr>
+          <p:cNvSpPr txBox="1"/>
+          <p:nvPr/>
+        </p:nvSpPr>
+        <p:spPr>
+          <a:xfrm>
+            <a:off x="7511505" y="2966295"/>
+            <a:ext cx="1688598" cy="338554"/>
+          </a:xfrm>
+          <a:prstGeom prst="rect">
+            <a:avLst/>
+          </a:prstGeom>
+          <a:noFill/>
+        </p:spPr>
+        <p:txBody>
+          <a:bodyPr wrap="square" rtlCol="0">
+            <a:spAutoFit/>
+          </a:bodyPr>
+          <a:lstStyle/>
+          <a:p>
+            <a:pPr algn="ctr"/>
+            <a:r>
+              <a:rPr lang="en-US" altLang="zh-CN" sz="1600"/>
+              <a:t>payment-web</a:t>
+            </a:r>
+            <a:endParaRPr lang="en-US" sz="1600" dirty="0"/>
+          </a:p>
+        </p:txBody>
+      </p:sp>
+      <p:pic>
+        <p:nvPicPr>
+          <p:cNvPr id="37" name="Picture 36">
+            <a:extLst>
+              <a:ext uri="{FF2B5EF4-FFF2-40B4-BE49-F238E27FC236}">
+                <a16:creationId xmlns:a16="http://schemas.microsoft.com/office/drawing/2014/main" id="{88D54F83-AB42-B447-8716-EB362B1C86D7}"/>
+              </a:ext>
+            </a:extLst>
+          </p:cNvPr>
+          <p:cNvPicPr>
+            <a:picLocks noChangeAspect="1"/>
+          </p:cNvPicPr>
+          <p:nvPr/>
+        </p:nvPicPr>
+        <p:blipFill>
+          <a:blip r:embed="rId2"/>
+          <a:stretch>
+            <a:fillRect/>
+          </a:stretch>
+        </p:blipFill>
+        <p:spPr>
+          <a:xfrm>
+            <a:off x="5249589" y="1230002"/>
+            <a:ext cx="304800" cy="304800"/>
+          </a:xfrm>
+          <a:prstGeom prst="rect">
+            <a:avLst/>
+          </a:prstGeom>
+        </p:spPr>
+      </p:pic>
     </p:spTree>
     <p:extLst>
       <p:ext uri="{BB962C8B-B14F-4D97-AF65-F5344CB8AC3E}">
-        <p14:creationId xmlns:p14="http://schemas.microsoft.com/office/powerpoint/2010/main" val="1459065250"/>
+        <p14:creationId xmlns:p14="http://schemas.microsoft.com/office/powerpoint/2010/main" val="2744518638"/>
       </p:ext>
     </p:extLst>
   </p:cSld>

--- a/microservice-in-micro/docs/design.pptx
+++ b/microservice-in-micro/docs/design.pptx
@@ -6828,7 +6828,7 @@
         </p:nvSpPr>
         <p:spPr>
           <a:xfrm rot="19539249">
-            <a:off x="2972139" y="2761600"/>
+            <a:off x="2931164" y="2762284"/>
             <a:ext cx="183034" cy="231025"/>
           </a:xfrm>
           <a:prstGeom prst="curvedLeftArrow">
@@ -6878,7 +6878,7 @@
         </p:nvSpPr>
         <p:spPr>
           <a:xfrm rot="8581290">
-            <a:off x="2723279" y="2942216"/>
+            <a:off x="2638313" y="2967139"/>
             <a:ext cx="148497" cy="256425"/>
           </a:xfrm>
           <a:prstGeom prst="curvedLeftArrow">
@@ -6928,7 +6928,7 @@
         </p:nvSpPr>
         <p:spPr>
           <a:xfrm>
-            <a:off x="2840901" y="2854448"/>
+            <a:off x="2755935" y="2879371"/>
             <a:ext cx="287651" cy="246221"/>
           </a:xfrm>
           <a:prstGeom prst="rect">
@@ -6946,6 +6946,114 @@
               <a:rPr lang="en-US" sz="1000"/>
               <a:t>5</a:t>
             </a:r>
+          </a:p>
+        </p:txBody>
+      </p:sp>
+      <p:sp>
+        <p:nvSpPr>
+          <p:cNvPr id="74" name="TextBox 73">
+            <a:extLst>
+              <a:ext uri="{FF2B5EF4-FFF2-40B4-BE49-F238E27FC236}">
+                <a16:creationId xmlns:a16="http://schemas.microsoft.com/office/drawing/2014/main" id="{6067F308-FC17-954B-9BDF-6AEAE00F80C5}"/>
+              </a:ext>
+            </a:extLst>
+          </p:cNvPr>
+          <p:cNvSpPr txBox="1"/>
+          <p:nvPr/>
+        </p:nvSpPr>
+        <p:spPr>
+          <a:xfrm rot="1070230">
+            <a:off x="3742742" y="2413405"/>
+            <a:ext cx="902052" cy="246221"/>
+          </a:xfrm>
+          <a:prstGeom prst="rect">
+            <a:avLst/>
+          </a:prstGeom>
+          <a:noFill/>
+        </p:spPr>
+        <p:txBody>
+          <a:bodyPr wrap="square" rtlCol="0">
+            <a:spAutoFit/>
+          </a:bodyPr>
+          <a:lstStyle/>
+          <a:p>
+            <a:r>
+              <a:rPr lang="en-US" altLang="zh-CN" sz="1000"/>
+              <a:t>Next</a:t>
+            </a:r>
+            <a:endParaRPr lang="en-US" sz="1000"/>
+          </a:p>
+        </p:txBody>
+      </p:sp>
+      <p:sp>
+        <p:nvSpPr>
+          <p:cNvPr id="75" name="TextBox 74">
+            <a:extLst>
+              <a:ext uri="{FF2B5EF4-FFF2-40B4-BE49-F238E27FC236}">
+                <a16:creationId xmlns:a16="http://schemas.microsoft.com/office/drawing/2014/main" id="{4A7B38DC-BEA0-1744-88AC-38F807C4DB0B}"/>
+              </a:ext>
+            </a:extLst>
+          </p:cNvPr>
+          <p:cNvSpPr txBox="1"/>
+          <p:nvPr/>
+        </p:nvSpPr>
+        <p:spPr>
+          <a:xfrm rot="18729292">
+            <a:off x="2513461" y="2746768"/>
+            <a:ext cx="435097" cy="246221"/>
+          </a:xfrm>
+          <a:prstGeom prst="rect">
+            <a:avLst/>
+          </a:prstGeom>
+          <a:noFill/>
+        </p:spPr>
+        <p:txBody>
+          <a:bodyPr wrap="square" rtlCol="0">
+            <a:spAutoFit/>
+          </a:bodyPr>
+          <a:lstStyle/>
+          <a:p>
+            <a:r>
+              <a:rPr lang="en-US" altLang="zh-CN" sz="1000"/>
+              <a:t>Next</a:t>
+            </a:r>
+            <a:endParaRPr lang="en-US" sz="1000"/>
+          </a:p>
+        </p:txBody>
+      </p:sp>
+      <p:sp>
+        <p:nvSpPr>
+          <p:cNvPr id="77" name="TextBox 76">
+            <a:extLst>
+              <a:ext uri="{FF2B5EF4-FFF2-40B4-BE49-F238E27FC236}">
+                <a16:creationId xmlns:a16="http://schemas.microsoft.com/office/drawing/2014/main" id="{31008A9E-D539-9141-B016-C1774DEF463A}"/>
+              </a:ext>
+            </a:extLst>
+          </p:cNvPr>
+          <p:cNvSpPr txBox="1"/>
+          <p:nvPr/>
+        </p:nvSpPr>
+        <p:spPr>
+          <a:xfrm>
+            <a:off x="5772372" y="2251479"/>
+            <a:ext cx="854097" cy="276999"/>
+          </a:xfrm>
+          <a:prstGeom prst="rect">
+            <a:avLst/>
+          </a:prstGeom>
+          <a:noFill/>
+        </p:spPr>
+        <p:txBody>
+          <a:bodyPr wrap="square" rtlCol="0">
+            <a:spAutoFit/>
+          </a:bodyPr>
+          <a:lstStyle/>
+          <a:p>
+            <a:r>
+              <a:rPr lang="en-US" altLang="zh-CN" sz="1200"/>
+              <a:t> </a:t>
+            </a:r>
+            <a:endParaRPr lang="en-US" sz="1200"/>
           </a:p>
         </p:txBody>
       </p:sp>

--- a/microservice-in-micro/docs/design.pptx
+++ b/microservice-in-micro/docs/design.pptx
@@ -16,6 +16,7 @@
     <p:sldId id="267" r:id="rId10"/>
     <p:sldId id="266" r:id="rId11"/>
     <p:sldId id="268" r:id="rId12"/>
+    <p:sldId id="269" r:id="rId13"/>
   </p:sldIdLst>
   <p:sldSz cx="12192000" cy="6858000"/>
   <p:notesSz cx="6858000" cy="9144000"/>
@@ -269,7 +270,7 @@
           <a:p>
             <a:fld id="{F9321E79-B202-C941-A34A-CDB3A7C81E4A}" type="datetimeFigureOut">
               <a:rPr lang="en-US" smtClean="0"/>
-              <a:t>4/28/19</a:t>
+              <a:t>5/9/19</a:t>
             </a:fld>
             <a:endParaRPr lang="en-US"/>
           </a:p>
@@ -467,7 +468,7 @@
           <a:p>
             <a:fld id="{F9321E79-B202-C941-A34A-CDB3A7C81E4A}" type="datetimeFigureOut">
               <a:rPr lang="en-US" smtClean="0"/>
-              <a:t>4/28/19</a:t>
+              <a:t>5/9/19</a:t>
             </a:fld>
             <a:endParaRPr lang="en-US"/>
           </a:p>
@@ -675,7 +676,7 @@
           <a:p>
             <a:fld id="{F9321E79-B202-C941-A34A-CDB3A7C81E4A}" type="datetimeFigureOut">
               <a:rPr lang="en-US" smtClean="0"/>
-              <a:t>4/28/19</a:t>
+              <a:t>5/9/19</a:t>
             </a:fld>
             <a:endParaRPr lang="en-US"/>
           </a:p>
@@ -873,7 +874,7 @@
           <a:p>
             <a:fld id="{F9321E79-B202-C941-A34A-CDB3A7C81E4A}" type="datetimeFigureOut">
               <a:rPr lang="en-US" smtClean="0"/>
-              <a:t>4/28/19</a:t>
+              <a:t>5/9/19</a:t>
             </a:fld>
             <a:endParaRPr lang="en-US"/>
           </a:p>
@@ -1148,7 +1149,7 @@
           <a:p>
             <a:fld id="{F9321E79-B202-C941-A34A-CDB3A7C81E4A}" type="datetimeFigureOut">
               <a:rPr lang="en-US" smtClean="0"/>
-              <a:t>4/28/19</a:t>
+              <a:t>5/9/19</a:t>
             </a:fld>
             <a:endParaRPr lang="en-US"/>
           </a:p>
@@ -1413,7 +1414,7 @@
           <a:p>
             <a:fld id="{F9321E79-B202-C941-A34A-CDB3A7C81E4A}" type="datetimeFigureOut">
               <a:rPr lang="en-US" smtClean="0"/>
-              <a:t>4/28/19</a:t>
+              <a:t>5/9/19</a:t>
             </a:fld>
             <a:endParaRPr lang="en-US"/>
           </a:p>
@@ -1825,7 +1826,7 @@
           <a:p>
             <a:fld id="{F9321E79-B202-C941-A34A-CDB3A7C81E4A}" type="datetimeFigureOut">
               <a:rPr lang="en-US" smtClean="0"/>
-              <a:t>4/28/19</a:t>
+              <a:t>5/9/19</a:t>
             </a:fld>
             <a:endParaRPr lang="en-US"/>
           </a:p>
@@ -1966,7 +1967,7 @@
           <a:p>
             <a:fld id="{F9321E79-B202-C941-A34A-CDB3A7C81E4A}" type="datetimeFigureOut">
               <a:rPr lang="en-US" smtClean="0"/>
-              <a:t>4/28/19</a:t>
+              <a:t>5/9/19</a:t>
             </a:fld>
             <a:endParaRPr lang="en-US"/>
           </a:p>
@@ -2079,7 +2080,7 @@
           <a:p>
             <a:fld id="{F9321E79-B202-C941-A34A-CDB3A7C81E4A}" type="datetimeFigureOut">
               <a:rPr lang="en-US" smtClean="0"/>
-              <a:t>4/28/19</a:t>
+              <a:t>5/9/19</a:t>
             </a:fld>
             <a:endParaRPr lang="en-US"/>
           </a:p>
@@ -2390,7 +2391,7 @@
           <a:p>
             <a:fld id="{F9321E79-B202-C941-A34A-CDB3A7C81E4A}" type="datetimeFigureOut">
               <a:rPr lang="en-US" smtClean="0"/>
-              <a:t>4/28/19</a:t>
+              <a:t>5/9/19</a:t>
             </a:fld>
             <a:endParaRPr lang="en-US"/>
           </a:p>
@@ -2678,7 +2679,7 @@
           <a:p>
             <a:fld id="{F9321E79-B202-C941-A34A-CDB3A7C81E4A}" type="datetimeFigureOut">
               <a:rPr lang="en-US" smtClean="0"/>
-              <a:t>4/28/19</a:t>
+              <a:t>5/9/19</a:t>
             </a:fld>
             <a:endParaRPr lang="en-US"/>
           </a:p>
@@ -2919,7 +2920,7 @@
           <a:p>
             <a:fld id="{F9321E79-B202-C941-A34A-CDB3A7C81E4A}" type="datetimeFigureOut">
               <a:rPr lang="en-US" smtClean="0"/>
-              <a:t>4/28/19</a:t>
+              <a:t>5/9/19</a:t>
             </a:fld>
             <a:endParaRPr lang="en-US"/>
           </a:p>
@@ -7070,6 +7071,795 @@
 </p:sld>
 </file>
 
+<file path=ppt/slides/slide12.xml><?xml version="1.0" encoding="utf-8"?>
+<p:sld xmlns:a="http://schemas.openxmlformats.org/drawingml/2006/main" xmlns:r="http://schemas.openxmlformats.org/officeDocument/2006/relationships" xmlns:p="http://schemas.openxmlformats.org/presentationml/2006/main">
+  <p:cSld>
+    <p:spTree>
+      <p:nvGrpSpPr>
+        <p:cNvPr id="1" name=""/>
+        <p:cNvGrpSpPr/>
+        <p:nvPr/>
+      </p:nvGrpSpPr>
+      <p:grpSpPr>
+        <a:xfrm>
+          <a:off x="0" y="0"/>
+          <a:ext cx="0" cy="0"/>
+          <a:chOff x="0" y="0"/>
+          <a:chExt cx="0" cy="0"/>
+        </a:xfrm>
+      </p:grpSpPr>
+      <p:sp>
+        <p:nvSpPr>
+          <p:cNvPr id="4" name="Rectangle 3">
+            <a:extLst>
+              <a:ext uri="{FF2B5EF4-FFF2-40B4-BE49-F238E27FC236}">
+                <a16:creationId xmlns:a16="http://schemas.microsoft.com/office/drawing/2014/main" id="{CB4A7999-BB08-FE4A-8951-922310FEBE20}"/>
+              </a:ext>
+            </a:extLst>
+          </p:cNvPr>
+          <p:cNvSpPr/>
+          <p:nvPr/>
+        </p:nvSpPr>
+        <p:spPr>
+          <a:xfrm>
+            <a:off x="1654629" y="1280160"/>
+            <a:ext cx="5647507" cy="1881051"/>
+          </a:xfrm>
+          <a:prstGeom prst="rect">
+            <a:avLst/>
+          </a:prstGeom>
+          <a:solidFill>
+            <a:schemeClr val="bg1"/>
+          </a:solidFill>
+          <a:ln>
+            <a:solidFill>
+              <a:schemeClr val="tx1"/>
+            </a:solidFill>
+          </a:ln>
+        </p:spPr>
+        <p:style>
+          <a:lnRef idx="2">
+            <a:schemeClr val="accent1">
+              <a:shade val="50000"/>
+            </a:schemeClr>
+          </a:lnRef>
+          <a:fillRef idx="1">
+            <a:schemeClr val="accent1"/>
+          </a:fillRef>
+          <a:effectRef idx="0">
+            <a:schemeClr val="accent1"/>
+          </a:effectRef>
+          <a:fontRef idx="minor">
+            <a:schemeClr val="lt1"/>
+          </a:fontRef>
+        </p:style>
+        <p:txBody>
+          <a:bodyPr rtlCol="0" anchor="ctr"/>
+          <a:lstStyle/>
+          <a:p>
+            <a:pPr algn="ctr"/>
+            <a:endParaRPr lang="en-US"/>
+          </a:p>
+        </p:txBody>
+      </p:sp>
+      <p:sp>
+        <p:nvSpPr>
+          <p:cNvPr id="7" name="TextBox 6">
+            <a:extLst>
+              <a:ext uri="{FF2B5EF4-FFF2-40B4-BE49-F238E27FC236}">
+                <a16:creationId xmlns:a16="http://schemas.microsoft.com/office/drawing/2014/main" id="{2656792C-9135-5C4F-A390-0C887E4D7420}"/>
+              </a:ext>
+            </a:extLst>
+          </p:cNvPr>
+          <p:cNvSpPr txBox="1"/>
+          <p:nvPr/>
+        </p:nvSpPr>
+        <p:spPr>
+          <a:xfrm>
+            <a:off x="3349756" y="2556063"/>
+            <a:ext cx="853440" cy="369332"/>
+          </a:xfrm>
+          <a:prstGeom prst="rect">
+            <a:avLst/>
+          </a:prstGeom>
+          <a:noFill/>
+        </p:spPr>
+        <p:txBody>
+          <a:bodyPr wrap="square" rtlCol="0">
+            <a:spAutoFit/>
+          </a:bodyPr>
+          <a:lstStyle/>
+          <a:p>
+            <a:r>
+              <a:rPr lang="en-US"/>
+              <a:t>co</a:t>
+            </a:r>
+            <a:r>
+              <a:rPr lang="en-US" altLang="zh-CN"/>
+              <a:t>re</a:t>
+            </a:r>
+            <a:endParaRPr lang="en-US"/>
+          </a:p>
+        </p:txBody>
+      </p:sp>
+      <p:sp>
+        <p:nvSpPr>
+          <p:cNvPr id="9" name="Rectangle 8">
+            <a:extLst>
+              <a:ext uri="{FF2B5EF4-FFF2-40B4-BE49-F238E27FC236}">
+                <a16:creationId xmlns:a16="http://schemas.microsoft.com/office/drawing/2014/main" id="{FB67C6C6-EE25-5B47-91E2-FCE31B81D091}"/>
+              </a:ext>
+            </a:extLst>
+          </p:cNvPr>
+          <p:cNvSpPr/>
+          <p:nvPr/>
+        </p:nvSpPr>
+        <p:spPr>
+          <a:xfrm>
+            <a:off x="4641667" y="1897663"/>
+            <a:ext cx="585651" cy="480581"/>
+          </a:xfrm>
+          <a:prstGeom prst="rect">
+            <a:avLst/>
+          </a:prstGeom>
+        </p:spPr>
+        <p:style>
+          <a:lnRef idx="2">
+            <a:schemeClr val="accent1">
+              <a:shade val="50000"/>
+            </a:schemeClr>
+          </a:lnRef>
+          <a:fillRef idx="1">
+            <a:schemeClr val="accent1"/>
+          </a:fillRef>
+          <a:effectRef idx="0">
+            <a:schemeClr val="accent1"/>
+          </a:effectRef>
+          <a:fontRef idx="minor">
+            <a:schemeClr val="lt1"/>
+          </a:fontRef>
+        </p:style>
+        <p:txBody>
+          <a:bodyPr rtlCol="0" anchor="ctr"/>
+          <a:lstStyle/>
+          <a:p>
+            <a:pPr algn="ctr"/>
+            <a:endParaRPr lang="en-US"/>
+          </a:p>
+        </p:txBody>
+      </p:sp>
+      <p:sp>
+        <p:nvSpPr>
+          <p:cNvPr id="10" name="TextBox 9">
+            <a:extLst>
+              <a:ext uri="{FF2B5EF4-FFF2-40B4-BE49-F238E27FC236}">
+                <a16:creationId xmlns:a16="http://schemas.microsoft.com/office/drawing/2014/main" id="{F6F262A0-B3F8-A348-8646-7C8079450636}"/>
+              </a:ext>
+            </a:extLst>
+          </p:cNvPr>
+          <p:cNvSpPr txBox="1"/>
+          <p:nvPr/>
+        </p:nvSpPr>
+        <p:spPr>
+          <a:xfrm>
+            <a:off x="4480558" y="2405175"/>
+            <a:ext cx="1356361" cy="261610"/>
+          </a:xfrm>
+          <a:prstGeom prst="rect">
+            <a:avLst/>
+          </a:prstGeom>
+          <a:noFill/>
+        </p:spPr>
+        <p:txBody>
+          <a:bodyPr wrap="square" rtlCol="0">
+            <a:spAutoFit/>
+          </a:bodyPr>
+          <a:lstStyle/>
+          <a:p>
+            <a:r>
+              <a:rPr lang="en-US" sz="1100"/>
+              <a:t>WriteSyncer</a:t>
+            </a:r>
+          </a:p>
+        </p:txBody>
+      </p:sp>
+      <p:sp>
+        <p:nvSpPr>
+          <p:cNvPr id="11" name="Rectangle 10">
+            <a:extLst>
+              <a:ext uri="{FF2B5EF4-FFF2-40B4-BE49-F238E27FC236}">
+                <a16:creationId xmlns:a16="http://schemas.microsoft.com/office/drawing/2014/main" id="{0DF62BB6-9CD4-8F48-8B0C-F96A39CA1A8E}"/>
+              </a:ext>
+            </a:extLst>
+          </p:cNvPr>
+          <p:cNvSpPr/>
+          <p:nvPr/>
+        </p:nvSpPr>
+        <p:spPr>
+          <a:xfrm>
+            <a:off x="3126601" y="1722938"/>
+            <a:ext cx="1057000" cy="878606"/>
+          </a:xfrm>
+          <a:prstGeom prst="rect">
+            <a:avLst/>
+          </a:prstGeom>
+          <a:solidFill>
+            <a:schemeClr val="bg1"/>
+          </a:solidFill>
+        </p:spPr>
+        <p:style>
+          <a:lnRef idx="2">
+            <a:schemeClr val="accent1">
+              <a:shade val="50000"/>
+            </a:schemeClr>
+          </a:lnRef>
+          <a:fillRef idx="1">
+            <a:schemeClr val="accent1"/>
+          </a:fillRef>
+          <a:effectRef idx="0">
+            <a:schemeClr val="accent1"/>
+          </a:effectRef>
+          <a:fontRef idx="minor">
+            <a:schemeClr val="lt1"/>
+          </a:fontRef>
+        </p:style>
+        <p:txBody>
+          <a:bodyPr rtlCol="0" anchor="ctr"/>
+          <a:lstStyle/>
+          <a:p>
+            <a:pPr algn="ctr"/>
+            <a:endParaRPr lang="en-US"/>
+          </a:p>
+        </p:txBody>
+      </p:sp>
+      <p:sp>
+        <p:nvSpPr>
+          <p:cNvPr id="12" name="TextBox 11">
+            <a:extLst>
+              <a:ext uri="{FF2B5EF4-FFF2-40B4-BE49-F238E27FC236}">
+                <a16:creationId xmlns:a16="http://schemas.microsoft.com/office/drawing/2014/main" id="{4774B5B2-6145-224E-992D-2FE447F13561}"/>
+              </a:ext>
+            </a:extLst>
+          </p:cNvPr>
+          <p:cNvSpPr txBox="1"/>
+          <p:nvPr/>
+        </p:nvSpPr>
+        <p:spPr>
+          <a:xfrm>
+            <a:off x="3575937" y="2019205"/>
+            <a:ext cx="965566" cy="261610"/>
+          </a:xfrm>
+          <a:prstGeom prst="rect">
+            <a:avLst/>
+          </a:prstGeom>
+          <a:noFill/>
+        </p:spPr>
+        <p:txBody>
+          <a:bodyPr wrap="square" rtlCol="0">
+            <a:spAutoFit/>
+          </a:bodyPr>
+          <a:lstStyle/>
+          <a:p>
+            <a:r>
+              <a:rPr lang="en-US" sz="1100"/>
+              <a:t>Encoder</a:t>
+            </a:r>
+          </a:p>
+        </p:txBody>
+      </p:sp>
+      <p:sp>
+        <p:nvSpPr>
+          <p:cNvPr id="16" name="TextBox 15">
+            <a:extLst>
+              <a:ext uri="{FF2B5EF4-FFF2-40B4-BE49-F238E27FC236}">
+                <a16:creationId xmlns:a16="http://schemas.microsoft.com/office/drawing/2014/main" id="{CF9FF792-117F-0F4A-B724-6AA54FF60547}"/>
+              </a:ext>
+            </a:extLst>
+          </p:cNvPr>
+          <p:cNvSpPr txBox="1"/>
+          <p:nvPr/>
+        </p:nvSpPr>
+        <p:spPr>
+          <a:xfrm>
+            <a:off x="5947954" y="1633639"/>
+            <a:ext cx="940525" cy="369332"/>
+          </a:xfrm>
+          <a:prstGeom prst="rect">
+            <a:avLst/>
+          </a:prstGeom>
+          <a:noFill/>
+          <a:ln>
+            <a:solidFill>
+              <a:schemeClr val="tx1"/>
+            </a:solidFill>
+          </a:ln>
+        </p:spPr>
+        <p:txBody>
+          <a:bodyPr wrap="square" rtlCol="0">
+            <a:spAutoFit/>
+          </a:bodyPr>
+          <a:lstStyle/>
+          <a:p>
+            <a:r>
+              <a:rPr lang="en-US"/>
+              <a:t>Stdout</a:t>
+            </a:r>
+          </a:p>
+        </p:txBody>
+      </p:sp>
+      <p:sp>
+        <p:nvSpPr>
+          <p:cNvPr id="17" name="TextBox 16">
+            <a:extLst>
+              <a:ext uri="{FF2B5EF4-FFF2-40B4-BE49-F238E27FC236}">
+                <a16:creationId xmlns:a16="http://schemas.microsoft.com/office/drawing/2014/main" id="{892BC596-580C-9B4C-AD77-0938B434D795}"/>
+              </a:ext>
+            </a:extLst>
+          </p:cNvPr>
+          <p:cNvSpPr txBox="1"/>
+          <p:nvPr/>
+        </p:nvSpPr>
+        <p:spPr>
+          <a:xfrm>
+            <a:off x="5947953" y="2378244"/>
+            <a:ext cx="940525" cy="369332"/>
+          </a:xfrm>
+          <a:prstGeom prst="rect">
+            <a:avLst/>
+          </a:prstGeom>
+          <a:noFill/>
+          <a:ln>
+            <a:solidFill>
+              <a:schemeClr val="tx1"/>
+            </a:solidFill>
+          </a:ln>
+        </p:spPr>
+        <p:txBody>
+          <a:bodyPr wrap="square" rtlCol="0">
+            <a:spAutoFit/>
+          </a:bodyPr>
+          <a:lstStyle/>
+          <a:p>
+            <a:r>
+              <a:rPr lang="en-US"/>
+              <a:t>Files</a:t>
+            </a:r>
+          </a:p>
+        </p:txBody>
+      </p:sp>
+      <p:cxnSp>
+        <p:nvCxnSpPr>
+          <p:cNvPr id="19" name="Straight Arrow Connector 18">
+            <a:extLst>
+              <a:ext uri="{FF2B5EF4-FFF2-40B4-BE49-F238E27FC236}">
+                <a16:creationId xmlns:a16="http://schemas.microsoft.com/office/drawing/2014/main" id="{542E4A47-347D-D74C-9D5C-4D753B4D4D3E}"/>
+              </a:ext>
+            </a:extLst>
+          </p:cNvPr>
+          <p:cNvCxnSpPr>
+            <a:cxnSpLocks/>
+            <a:stCxn id="9" idx="3"/>
+            <a:endCxn id="16" idx="1"/>
+          </p:cNvCxnSpPr>
+          <p:nvPr/>
+        </p:nvCxnSpPr>
+        <p:spPr>
+          <a:xfrm flipV="1">
+            <a:off x="5227318" y="1818305"/>
+            <a:ext cx="720636" cy="319649"/>
+          </a:xfrm>
+          <a:prstGeom prst="straightConnector1">
+            <a:avLst/>
+          </a:prstGeom>
+          <a:ln>
+            <a:tailEnd type="triangle"/>
+          </a:ln>
+        </p:spPr>
+        <p:style>
+          <a:lnRef idx="1">
+            <a:schemeClr val="accent1"/>
+          </a:lnRef>
+          <a:fillRef idx="0">
+            <a:schemeClr val="accent1"/>
+          </a:fillRef>
+          <a:effectRef idx="0">
+            <a:schemeClr val="accent1"/>
+          </a:effectRef>
+          <a:fontRef idx="minor">
+            <a:schemeClr val="tx1"/>
+          </a:fontRef>
+        </p:style>
+      </p:cxnSp>
+      <p:cxnSp>
+        <p:nvCxnSpPr>
+          <p:cNvPr id="22" name="Straight Arrow Connector 21">
+            <a:extLst>
+              <a:ext uri="{FF2B5EF4-FFF2-40B4-BE49-F238E27FC236}">
+                <a16:creationId xmlns:a16="http://schemas.microsoft.com/office/drawing/2014/main" id="{0DE6B08D-345B-F744-BB82-94A15FBCD349}"/>
+              </a:ext>
+            </a:extLst>
+          </p:cNvPr>
+          <p:cNvCxnSpPr>
+            <a:cxnSpLocks/>
+            <a:stCxn id="9" idx="3"/>
+            <a:endCxn id="17" idx="1"/>
+          </p:cNvCxnSpPr>
+          <p:nvPr/>
+        </p:nvCxnSpPr>
+        <p:spPr>
+          <a:xfrm>
+            <a:off x="5227318" y="2137954"/>
+            <a:ext cx="720635" cy="424956"/>
+          </a:xfrm>
+          <a:prstGeom prst="straightConnector1">
+            <a:avLst/>
+          </a:prstGeom>
+          <a:ln>
+            <a:tailEnd type="triangle"/>
+          </a:ln>
+        </p:spPr>
+        <p:style>
+          <a:lnRef idx="1">
+            <a:schemeClr val="accent1"/>
+          </a:lnRef>
+          <a:fillRef idx="0">
+            <a:schemeClr val="accent1"/>
+          </a:fillRef>
+          <a:effectRef idx="0">
+            <a:schemeClr val="accent1"/>
+          </a:effectRef>
+          <a:fontRef idx="minor">
+            <a:schemeClr val="tx1"/>
+          </a:fontRef>
+        </p:style>
+      </p:cxnSp>
+      <p:cxnSp>
+        <p:nvCxnSpPr>
+          <p:cNvPr id="49" name="Straight Arrow Connector 48">
+            <a:extLst>
+              <a:ext uri="{FF2B5EF4-FFF2-40B4-BE49-F238E27FC236}">
+                <a16:creationId xmlns:a16="http://schemas.microsoft.com/office/drawing/2014/main" id="{9AE8F5B1-B3D8-AD4E-B5A2-98BAF7AC3301}"/>
+              </a:ext>
+            </a:extLst>
+          </p:cNvPr>
+          <p:cNvCxnSpPr>
+            <a:cxnSpLocks/>
+            <a:stCxn id="58" idx="6"/>
+            <a:endCxn id="9" idx="1"/>
+          </p:cNvCxnSpPr>
+          <p:nvPr/>
+        </p:nvCxnSpPr>
+        <p:spPr>
+          <a:xfrm>
+            <a:off x="4030068" y="1926080"/>
+            <a:ext cx="611599" cy="211874"/>
+          </a:xfrm>
+          <a:prstGeom prst="straightConnector1">
+            <a:avLst/>
+          </a:prstGeom>
+          <a:ln>
+            <a:tailEnd type="triangle"/>
+          </a:ln>
+        </p:spPr>
+        <p:style>
+          <a:lnRef idx="1">
+            <a:schemeClr val="accent1"/>
+          </a:lnRef>
+          <a:fillRef idx="0">
+            <a:schemeClr val="accent1"/>
+          </a:fillRef>
+          <a:effectRef idx="0">
+            <a:schemeClr val="accent1"/>
+          </a:effectRef>
+          <a:fontRef idx="minor">
+            <a:schemeClr val="tx1"/>
+          </a:fontRef>
+        </p:style>
+      </p:cxnSp>
+      <p:sp>
+        <p:nvSpPr>
+          <p:cNvPr id="58" name="Oval 57">
+            <a:extLst>
+              <a:ext uri="{FF2B5EF4-FFF2-40B4-BE49-F238E27FC236}">
+                <a16:creationId xmlns:a16="http://schemas.microsoft.com/office/drawing/2014/main" id="{48BFC343-5E97-FF44-AA59-D3FA32B6D8C5}"/>
+              </a:ext>
+            </a:extLst>
+          </p:cNvPr>
+          <p:cNvSpPr/>
+          <p:nvPr/>
+        </p:nvSpPr>
+        <p:spPr>
+          <a:xfrm>
+            <a:off x="3831312" y="1819369"/>
+            <a:ext cx="198756" cy="213421"/>
+          </a:xfrm>
+          <a:prstGeom prst="ellipse">
+            <a:avLst/>
+          </a:prstGeom>
+        </p:spPr>
+        <p:style>
+          <a:lnRef idx="2">
+            <a:schemeClr val="accent1">
+              <a:shade val="50000"/>
+            </a:schemeClr>
+          </a:lnRef>
+          <a:fillRef idx="1">
+            <a:schemeClr val="accent1"/>
+          </a:fillRef>
+          <a:effectRef idx="0">
+            <a:schemeClr val="accent1"/>
+          </a:effectRef>
+          <a:fontRef idx="minor">
+            <a:schemeClr val="lt1"/>
+          </a:fontRef>
+        </p:style>
+        <p:txBody>
+          <a:bodyPr rtlCol="0" anchor="ctr"/>
+          <a:lstStyle/>
+          <a:p>
+            <a:pPr algn="ctr"/>
+            <a:endParaRPr lang="en-US"/>
+          </a:p>
+        </p:txBody>
+      </p:sp>
+      <p:sp>
+        <p:nvSpPr>
+          <p:cNvPr id="60" name="TextBox 59">
+            <a:extLst>
+              <a:ext uri="{FF2B5EF4-FFF2-40B4-BE49-F238E27FC236}">
+                <a16:creationId xmlns:a16="http://schemas.microsoft.com/office/drawing/2014/main" id="{F0F098CA-195D-1B4F-9D6F-7B3A84AEA6F3}"/>
+              </a:ext>
+            </a:extLst>
+          </p:cNvPr>
+          <p:cNvSpPr txBox="1"/>
+          <p:nvPr/>
+        </p:nvSpPr>
+        <p:spPr>
+          <a:xfrm>
+            <a:off x="3262122" y="2372318"/>
+            <a:ext cx="965566" cy="261610"/>
+          </a:xfrm>
+          <a:prstGeom prst="rect">
+            <a:avLst/>
+          </a:prstGeom>
+          <a:noFill/>
+        </p:spPr>
+        <p:txBody>
+          <a:bodyPr wrap="square" rtlCol="0">
+            <a:spAutoFit/>
+          </a:bodyPr>
+          <a:lstStyle/>
+          <a:p>
+            <a:r>
+              <a:rPr lang="en-US" sz="1100"/>
+              <a:t>Priority</a:t>
+            </a:r>
+          </a:p>
+        </p:txBody>
+      </p:sp>
+      <p:sp>
+        <p:nvSpPr>
+          <p:cNvPr id="61" name="TextBox 60">
+            <a:extLst>
+              <a:ext uri="{FF2B5EF4-FFF2-40B4-BE49-F238E27FC236}">
+                <a16:creationId xmlns:a16="http://schemas.microsoft.com/office/drawing/2014/main" id="{6A3F530E-10AC-BA41-96A7-0BB9EBB4C220}"/>
+              </a:ext>
+            </a:extLst>
+          </p:cNvPr>
+          <p:cNvSpPr txBox="1"/>
+          <p:nvPr/>
+        </p:nvSpPr>
+        <p:spPr>
+          <a:xfrm>
+            <a:off x="2268276" y="2019205"/>
+            <a:ext cx="426621" cy="230832"/>
+          </a:xfrm>
+          <a:prstGeom prst="rect">
+            <a:avLst/>
+          </a:prstGeom>
+          <a:noFill/>
+          <a:ln>
+            <a:solidFill>
+              <a:schemeClr val="tx1"/>
+            </a:solidFill>
+          </a:ln>
+        </p:spPr>
+        <p:txBody>
+          <a:bodyPr wrap="square" rtlCol="0">
+            <a:spAutoFit/>
+          </a:bodyPr>
+          <a:lstStyle/>
+          <a:p>
+            <a:r>
+              <a:rPr lang="en-US" altLang="zh-CN" sz="900"/>
+              <a:t>error</a:t>
+            </a:r>
+            <a:endParaRPr lang="en-US" sz="1100"/>
+          </a:p>
+        </p:txBody>
+      </p:sp>
+      <p:sp>
+        <p:nvSpPr>
+          <p:cNvPr id="62" name="Rectangle 61">
+            <a:extLst>
+              <a:ext uri="{FF2B5EF4-FFF2-40B4-BE49-F238E27FC236}">
+                <a16:creationId xmlns:a16="http://schemas.microsoft.com/office/drawing/2014/main" id="{CA9CC924-6C08-154A-800A-99B534217F66}"/>
+              </a:ext>
+            </a:extLst>
+          </p:cNvPr>
+          <p:cNvSpPr/>
+          <p:nvPr/>
+        </p:nvSpPr>
+        <p:spPr>
+          <a:xfrm>
+            <a:off x="3137240" y="1723554"/>
+            <a:ext cx="192921" cy="877990"/>
+          </a:xfrm>
+          <a:prstGeom prst="rect">
+            <a:avLst/>
+          </a:prstGeom>
+        </p:spPr>
+        <p:style>
+          <a:lnRef idx="2">
+            <a:schemeClr val="accent1">
+              <a:shade val="50000"/>
+            </a:schemeClr>
+          </a:lnRef>
+          <a:fillRef idx="1">
+            <a:schemeClr val="accent1"/>
+          </a:fillRef>
+          <a:effectRef idx="0">
+            <a:schemeClr val="accent1"/>
+          </a:effectRef>
+          <a:fontRef idx="minor">
+            <a:schemeClr val="lt1"/>
+          </a:fontRef>
+        </p:style>
+        <p:txBody>
+          <a:bodyPr rtlCol="0" anchor="ctr"/>
+          <a:lstStyle/>
+          <a:p>
+            <a:pPr algn="ctr"/>
+            <a:endParaRPr lang="en-US"/>
+          </a:p>
+        </p:txBody>
+      </p:sp>
+      <p:cxnSp>
+        <p:nvCxnSpPr>
+          <p:cNvPr id="65" name="Straight Arrow Connector 64">
+            <a:extLst>
+              <a:ext uri="{FF2B5EF4-FFF2-40B4-BE49-F238E27FC236}">
+                <a16:creationId xmlns:a16="http://schemas.microsoft.com/office/drawing/2014/main" id="{8D695589-757E-534B-8098-784E0E8FFD28}"/>
+              </a:ext>
+            </a:extLst>
+          </p:cNvPr>
+          <p:cNvCxnSpPr>
+            <a:cxnSpLocks/>
+          </p:cNvCxnSpPr>
+          <p:nvPr/>
+        </p:nvCxnSpPr>
+        <p:spPr>
+          <a:xfrm>
+            <a:off x="2688365" y="2150010"/>
+            <a:ext cx="429280" cy="0"/>
+          </a:xfrm>
+          <a:prstGeom prst="straightConnector1">
+            <a:avLst/>
+          </a:prstGeom>
+          <a:ln>
+            <a:tailEnd type="triangle"/>
+          </a:ln>
+        </p:spPr>
+        <p:style>
+          <a:lnRef idx="1">
+            <a:schemeClr val="accent1"/>
+          </a:lnRef>
+          <a:fillRef idx="0">
+            <a:schemeClr val="accent1"/>
+          </a:fillRef>
+          <a:effectRef idx="0">
+            <a:schemeClr val="accent1"/>
+          </a:effectRef>
+          <a:fontRef idx="minor">
+            <a:schemeClr val="tx1"/>
+          </a:fontRef>
+        </p:style>
+      </p:cxnSp>
+      <p:sp>
+        <p:nvSpPr>
+          <p:cNvPr id="67" name="TextBox 66">
+            <a:extLst>
+              <a:ext uri="{FF2B5EF4-FFF2-40B4-BE49-F238E27FC236}">
+                <a16:creationId xmlns:a16="http://schemas.microsoft.com/office/drawing/2014/main" id="{C3048C74-8C7D-1D4F-A45C-DB66BA225D73}"/>
+              </a:ext>
+            </a:extLst>
+          </p:cNvPr>
+          <p:cNvSpPr txBox="1"/>
+          <p:nvPr/>
+        </p:nvSpPr>
+        <p:spPr>
+          <a:xfrm>
+            <a:off x="2275674" y="1674472"/>
+            <a:ext cx="426621" cy="261610"/>
+          </a:xfrm>
+          <a:prstGeom prst="rect">
+            <a:avLst/>
+          </a:prstGeom>
+          <a:noFill/>
+          <a:ln>
+            <a:solidFill>
+              <a:schemeClr val="tx1"/>
+            </a:solidFill>
+          </a:ln>
+        </p:spPr>
+        <p:txBody>
+          <a:bodyPr wrap="square" rtlCol="0">
+            <a:spAutoFit/>
+          </a:bodyPr>
+          <a:lstStyle/>
+          <a:p>
+            <a:r>
+              <a:rPr lang="en-US" altLang="zh-CN" sz="1100"/>
+              <a:t>info</a:t>
+            </a:r>
+            <a:endParaRPr lang="en-US" sz="1100"/>
+          </a:p>
+        </p:txBody>
+      </p:sp>
+      <p:sp>
+        <p:nvSpPr>
+          <p:cNvPr id="68" name="TextBox 67">
+            <a:extLst>
+              <a:ext uri="{FF2B5EF4-FFF2-40B4-BE49-F238E27FC236}">
+                <a16:creationId xmlns:a16="http://schemas.microsoft.com/office/drawing/2014/main" id="{0C5019FE-E0D9-434E-9ED7-E03BCF6D64D9}"/>
+              </a:ext>
+            </a:extLst>
+          </p:cNvPr>
+          <p:cNvSpPr txBox="1"/>
+          <p:nvPr/>
+        </p:nvSpPr>
+        <p:spPr>
+          <a:xfrm>
+            <a:off x="2272353" y="2405175"/>
+            <a:ext cx="426621" cy="200055"/>
+          </a:xfrm>
+          <a:prstGeom prst="rect">
+            <a:avLst/>
+          </a:prstGeom>
+          <a:noFill/>
+          <a:ln>
+            <a:solidFill>
+              <a:schemeClr val="tx1"/>
+            </a:solidFill>
+          </a:ln>
+        </p:spPr>
+        <p:txBody>
+          <a:bodyPr wrap="square" rtlCol="0">
+            <a:spAutoFit/>
+          </a:bodyPr>
+          <a:lstStyle/>
+          <a:p>
+            <a:r>
+              <a:rPr lang="en-US" altLang="zh-CN" sz="700"/>
+              <a:t>debug</a:t>
+            </a:r>
+            <a:endParaRPr lang="en-US" sz="700"/>
+          </a:p>
+        </p:txBody>
+      </p:sp>
+    </p:spTree>
+    <p:extLst>
+      <p:ext uri="{BB962C8B-B14F-4D97-AF65-F5344CB8AC3E}">
+        <p14:creationId xmlns:p14="http://schemas.microsoft.com/office/powerpoint/2010/main" val="4153922508"/>
+      </p:ext>
+    </p:extLst>
+  </p:cSld>
+  <p:clrMapOvr>
+    <a:masterClrMapping/>
+  </p:clrMapOvr>
+</p:sld>
+</file>
+
 <file path=ppt/slides/slide2.xml><?xml version="1.0" encoding="utf-8"?>
 <p:sld xmlns:a="http://schemas.openxmlformats.org/drawingml/2006/main" xmlns:r="http://schemas.openxmlformats.org/officeDocument/2006/relationships" xmlns:p="http://schemas.openxmlformats.org/presentationml/2006/main">
   <p:cSld>

--- a/microservice-in-micro/docs/design.pptx
+++ b/microservice-in-micro/docs/design.pptx
@@ -17,6 +17,7 @@
     <p:sldId id="266" r:id="rId11"/>
     <p:sldId id="268" r:id="rId12"/>
     <p:sldId id="269" r:id="rId13"/>
+    <p:sldId id="270" r:id="rId14"/>
   </p:sldIdLst>
   <p:sldSz cx="12192000" cy="6858000"/>
   <p:notesSz cx="6858000" cy="9144000"/>
@@ -270,7 +271,7 @@
           <a:p>
             <a:fld id="{F9321E79-B202-C941-A34A-CDB3A7C81E4A}" type="datetimeFigureOut">
               <a:rPr lang="en-US" smtClean="0"/>
-              <a:t>5/9/19</a:t>
+              <a:t>6/28/19</a:t>
             </a:fld>
             <a:endParaRPr lang="en-US"/>
           </a:p>
@@ -468,7 +469,7 @@
           <a:p>
             <a:fld id="{F9321E79-B202-C941-A34A-CDB3A7C81E4A}" type="datetimeFigureOut">
               <a:rPr lang="en-US" smtClean="0"/>
-              <a:t>5/9/19</a:t>
+              <a:t>6/28/19</a:t>
             </a:fld>
             <a:endParaRPr lang="en-US"/>
           </a:p>
@@ -676,7 +677,7 @@
           <a:p>
             <a:fld id="{F9321E79-B202-C941-A34A-CDB3A7C81E4A}" type="datetimeFigureOut">
               <a:rPr lang="en-US" smtClean="0"/>
-              <a:t>5/9/19</a:t>
+              <a:t>6/28/19</a:t>
             </a:fld>
             <a:endParaRPr lang="en-US"/>
           </a:p>
@@ -874,7 +875,7 @@
           <a:p>
             <a:fld id="{F9321E79-B202-C941-A34A-CDB3A7C81E4A}" type="datetimeFigureOut">
               <a:rPr lang="en-US" smtClean="0"/>
-              <a:t>5/9/19</a:t>
+              <a:t>6/28/19</a:t>
             </a:fld>
             <a:endParaRPr lang="en-US"/>
           </a:p>
@@ -1149,7 +1150,7 @@
           <a:p>
             <a:fld id="{F9321E79-B202-C941-A34A-CDB3A7C81E4A}" type="datetimeFigureOut">
               <a:rPr lang="en-US" smtClean="0"/>
-              <a:t>5/9/19</a:t>
+              <a:t>6/28/19</a:t>
             </a:fld>
             <a:endParaRPr lang="en-US"/>
           </a:p>
@@ -1414,7 +1415,7 @@
           <a:p>
             <a:fld id="{F9321E79-B202-C941-A34A-CDB3A7C81E4A}" type="datetimeFigureOut">
               <a:rPr lang="en-US" smtClean="0"/>
-              <a:t>5/9/19</a:t>
+              <a:t>6/28/19</a:t>
             </a:fld>
             <a:endParaRPr lang="en-US"/>
           </a:p>
@@ -1826,7 +1827,7 @@
           <a:p>
             <a:fld id="{F9321E79-B202-C941-A34A-CDB3A7C81E4A}" type="datetimeFigureOut">
               <a:rPr lang="en-US" smtClean="0"/>
-              <a:t>5/9/19</a:t>
+              <a:t>6/28/19</a:t>
             </a:fld>
             <a:endParaRPr lang="en-US"/>
           </a:p>
@@ -1967,7 +1968,7 @@
           <a:p>
             <a:fld id="{F9321E79-B202-C941-A34A-CDB3A7C81E4A}" type="datetimeFigureOut">
               <a:rPr lang="en-US" smtClean="0"/>
-              <a:t>5/9/19</a:t>
+              <a:t>6/28/19</a:t>
             </a:fld>
             <a:endParaRPr lang="en-US"/>
           </a:p>
@@ -2080,7 +2081,7 @@
           <a:p>
             <a:fld id="{F9321E79-B202-C941-A34A-CDB3A7C81E4A}" type="datetimeFigureOut">
               <a:rPr lang="en-US" smtClean="0"/>
-              <a:t>5/9/19</a:t>
+              <a:t>6/28/19</a:t>
             </a:fld>
             <a:endParaRPr lang="en-US"/>
           </a:p>
@@ -2391,7 +2392,7 @@
           <a:p>
             <a:fld id="{F9321E79-B202-C941-A34A-CDB3A7C81E4A}" type="datetimeFigureOut">
               <a:rPr lang="en-US" smtClean="0"/>
-              <a:t>5/9/19</a:t>
+              <a:t>6/28/19</a:t>
             </a:fld>
             <a:endParaRPr lang="en-US"/>
           </a:p>
@@ -2679,7 +2680,7 @@
           <a:p>
             <a:fld id="{F9321E79-B202-C941-A34A-CDB3A7C81E4A}" type="datetimeFigureOut">
               <a:rPr lang="en-US" smtClean="0"/>
-              <a:t>5/9/19</a:t>
+              <a:t>6/28/19</a:t>
             </a:fld>
             <a:endParaRPr lang="en-US"/>
           </a:p>
@@ -2920,7 +2921,7 @@
           <a:p>
             <a:fld id="{F9321E79-B202-C941-A34A-CDB3A7C81E4A}" type="datetimeFigureOut">
               <a:rPr lang="en-US" smtClean="0"/>
-              <a:t>5/9/19</a:t>
+              <a:t>6/28/19</a:t>
             </a:fld>
             <a:endParaRPr lang="en-US"/>
           </a:p>
@@ -7860,6 +7861,1244 @@
 </p:sld>
 </file>
 
+<file path=ppt/slides/slide13.xml><?xml version="1.0" encoding="utf-8"?>
+<p:sld xmlns:a="http://schemas.openxmlformats.org/drawingml/2006/main" xmlns:r="http://schemas.openxmlformats.org/officeDocument/2006/relationships" xmlns:p="http://schemas.openxmlformats.org/presentationml/2006/main">
+  <p:cSld>
+    <p:spTree>
+      <p:nvGrpSpPr>
+        <p:cNvPr id="1" name=""/>
+        <p:cNvGrpSpPr/>
+        <p:nvPr/>
+      </p:nvGrpSpPr>
+      <p:grpSpPr>
+        <a:xfrm>
+          <a:off x="0" y="0"/>
+          <a:ext cx="0" cy="0"/>
+          <a:chOff x="0" y="0"/>
+          <a:chExt cx="0" cy="0"/>
+        </a:xfrm>
+      </p:grpSpPr>
+      <p:sp>
+        <p:nvSpPr>
+          <p:cNvPr id="4" name="Oval 3">
+            <a:extLst>
+              <a:ext uri="{FF2B5EF4-FFF2-40B4-BE49-F238E27FC236}">
+                <a16:creationId xmlns:a16="http://schemas.microsoft.com/office/drawing/2014/main" id="{7CFFF01A-4ACD-C04A-8283-76F54338C86C}"/>
+              </a:ext>
+            </a:extLst>
+          </p:cNvPr>
+          <p:cNvSpPr/>
+          <p:nvPr/>
+        </p:nvSpPr>
+        <p:spPr>
+          <a:xfrm>
+            <a:off x="1480456" y="447040"/>
+            <a:ext cx="5682343" cy="4541520"/>
+          </a:xfrm>
+          <a:prstGeom prst="ellipse">
+            <a:avLst/>
+          </a:prstGeom>
+          <a:solidFill>
+            <a:schemeClr val="bg1"/>
+          </a:solidFill>
+        </p:spPr>
+        <p:style>
+          <a:lnRef idx="2">
+            <a:schemeClr val="accent1">
+              <a:shade val="50000"/>
+            </a:schemeClr>
+          </a:lnRef>
+          <a:fillRef idx="1">
+            <a:schemeClr val="accent1"/>
+          </a:fillRef>
+          <a:effectRef idx="0">
+            <a:schemeClr val="accent1"/>
+          </a:effectRef>
+          <a:fontRef idx="minor">
+            <a:schemeClr val="lt1"/>
+          </a:fontRef>
+        </p:style>
+        <p:txBody>
+          <a:bodyPr rtlCol="0" anchor="ctr"/>
+          <a:lstStyle/>
+          <a:p>
+            <a:pPr algn="ctr"/>
+            <a:endParaRPr lang="en-US"/>
+          </a:p>
+        </p:txBody>
+      </p:sp>
+      <p:sp>
+        <p:nvSpPr>
+          <p:cNvPr id="5" name="Oval 4">
+            <a:extLst>
+              <a:ext uri="{FF2B5EF4-FFF2-40B4-BE49-F238E27FC236}">
+                <a16:creationId xmlns:a16="http://schemas.microsoft.com/office/drawing/2014/main" id="{1EB4465F-49AF-E143-BB07-A841F886991B}"/>
+              </a:ext>
+            </a:extLst>
+          </p:cNvPr>
+          <p:cNvSpPr/>
+          <p:nvPr/>
+        </p:nvSpPr>
+        <p:spPr>
+          <a:xfrm>
+            <a:off x="1751874" y="1076961"/>
+            <a:ext cx="5197566" cy="3610826"/>
+          </a:xfrm>
+          <a:prstGeom prst="ellipse">
+            <a:avLst/>
+          </a:prstGeom>
+        </p:spPr>
+        <p:style>
+          <a:lnRef idx="2">
+            <a:schemeClr val="accent1">
+              <a:shade val="50000"/>
+            </a:schemeClr>
+          </a:lnRef>
+          <a:fillRef idx="1">
+            <a:schemeClr val="accent1"/>
+          </a:fillRef>
+          <a:effectRef idx="0">
+            <a:schemeClr val="accent1"/>
+          </a:effectRef>
+          <a:fontRef idx="minor">
+            <a:schemeClr val="lt1"/>
+          </a:fontRef>
+        </p:style>
+        <p:txBody>
+          <a:bodyPr rtlCol="0" anchor="ctr"/>
+          <a:lstStyle/>
+          <a:p>
+            <a:pPr algn="ctr"/>
+            <a:endParaRPr lang="en-US"/>
+          </a:p>
+        </p:txBody>
+      </p:sp>
+      <p:sp>
+        <p:nvSpPr>
+          <p:cNvPr id="6" name="TextBox 5">
+            <a:extLst>
+              <a:ext uri="{FF2B5EF4-FFF2-40B4-BE49-F238E27FC236}">
+                <a16:creationId xmlns:a16="http://schemas.microsoft.com/office/drawing/2014/main" id="{5CBB5E1A-D760-9C4F-A8FF-526713A1D45D}"/>
+              </a:ext>
+            </a:extLst>
+          </p:cNvPr>
+          <p:cNvSpPr txBox="1"/>
+          <p:nvPr/>
+        </p:nvSpPr>
+        <p:spPr>
+          <a:xfrm>
+            <a:off x="3908697" y="466389"/>
+            <a:ext cx="1184366" cy="369332"/>
+          </a:xfrm>
+          <a:prstGeom prst="rect">
+            <a:avLst/>
+          </a:prstGeom>
+          <a:noFill/>
+        </p:spPr>
+        <p:txBody>
+          <a:bodyPr wrap="square" rtlCol="0">
+            <a:spAutoFit/>
+          </a:bodyPr>
+          <a:lstStyle/>
+          <a:p>
+            <a:r>
+              <a:rPr lang="en-US"/>
+              <a:t>Registry</a:t>
+            </a:r>
+          </a:p>
+        </p:txBody>
+      </p:sp>
+      <p:sp>
+        <p:nvSpPr>
+          <p:cNvPr id="7" name="TextBox 6">
+            <a:extLst>
+              <a:ext uri="{FF2B5EF4-FFF2-40B4-BE49-F238E27FC236}">
+                <a16:creationId xmlns:a16="http://schemas.microsoft.com/office/drawing/2014/main" id="{72F03FBA-839E-2445-ACC9-88AB1B813767}"/>
+              </a:ext>
+            </a:extLst>
+          </p:cNvPr>
+          <p:cNvSpPr txBox="1"/>
+          <p:nvPr/>
+        </p:nvSpPr>
+        <p:spPr>
+          <a:xfrm>
+            <a:off x="3903336" y="1227271"/>
+            <a:ext cx="1602026" cy="369332"/>
+          </a:xfrm>
+          <a:prstGeom prst="rect">
+            <a:avLst/>
+          </a:prstGeom>
+          <a:noFill/>
+        </p:spPr>
+        <p:txBody>
+          <a:bodyPr wrap="square" rtlCol="0">
+            <a:spAutoFit/>
+          </a:bodyPr>
+          <a:lstStyle/>
+          <a:p>
+            <a:r>
+              <a:rPr lang="en-US">
+                <a:solidFill>
+                  <a:schemeClr val="bg1"/>
+                </a:solidFill>
+              </a:rPr>
+              <a:t>service</a:t>
+            </a:r>
+          </a:p>
+        </p:txBody>
+      </p:sp>
+      <p:sp>
+        <p:nvSpPr>
+          <p:cNvPr id="9" name="Oval 8">
+            <a:extLst>
+              <a:ext uri="{FF2B5EF4-FFF2-40B4-BE49-F238E27FC236}">
+                <a16:creationId xmlns:a16="http://schemas.microsoft.com/office/drawing/2014/main" id="{80883C13-1313-404E-92DA-71C7D39ACE78}"/>
+              </a:ext>
+            </a:extLst>
+          </p:cNvPr>
+          <p:cNvSpPr/>
+          <p:nvPr/>
+        </p:nvSpPr>
+        <p:spPr>
+          <a:xfrm>
+            <a:off x="2132149" y="2247169"/>
+            <a:ext cx="3516811" cy="2149934"/>
+          </a:xfrm>
+          <a:prstGeom prst="ellipse">
+            <a:avLst/>
+          </a:prstGeom>
+          <a:solidFill>
+            <a:schemeClr val="accent2">
+              <a:lumMod val="75000"/>
+            </a:schemeClr>
+          </a:solidFill>
+        </p:spPr>
+        <p:style>
+          <a:lnRef idx="2">
+            <a:schemeClr val="accent1">
+              <a:shade val="50000"/>
+            </a:schemeClr>
+          </a:lnRef>
+          <a:fillRef idx="1">
+            <a:schemeClr val="accent1"/>
+          </a:fillRef>
+          <a:effectRef idx="0">
+            <a:schemeClr val="accent1"/>
+          </a:effectRef>
+          <a:fontRef idx="minor">
+            <a:schemeClr val="lt1"/>
+          </a:fontRef>
+        </p:style>
+        <p:txBody>
+          <a:bodyPr rtlCol="0" anchor="ctr"/>
+          <a:lstStyle/>
+          <a:p>
+            <a:pPr algn="ctr"/>
+            <a:endParaRPr lang="en-US"/>
+          </a:p>
+        </p:txBody>
+      </p:sp>
+      <p:sp>
+        <p:nvSpPr>
+          <p:cNvPr id="10" name="Rectangle 9">
+            <a:extLst>
+              <a:ext uri="{FF2B5EF4-FFF2-40B4-BE49-F238E27FC236}">
+                <a16:creationId xmlns:a16="http://schemas.microsoft.com/office/drawing/2014/main" id="{F2CF511A-E889-DA4F-A7D2-846D9BBEA4EF}"/>
+              </a:ext>
+            </a:extLst>
+          </p:cNvPr>
+          <p:cNvSpPr/>
+          <p:nvPr/>
+        </p:nvSpPr>
+        <p:spPr>
+          <a:xfrm>
+            <a:off x="3903336" y="3825814"/>
+            <a:ext cx="911495" cy="369332"/>
+          </a:xfrm>
+          <a:prstGeom prst="rect">
+            <a:avLst/>
+          </a:prstGeom>
+        </p:spPr>
+        <p:txBody>
+          <a:bodyPr wrap="square">
+            <a:spAutoFit/>
+          </a:bodyPr>
+          <a:lstStyle/>
+          <a:p>
+            <a:r>
+              <a:rPr lang="en-US">
+                <a:solidFill>
+                  <a:schemeClr val="bg1"/>
+                </a:solidFill>
+                <a:effectLst/>
+              </a:rPr>
+              <a:t>nodes</a:t>
+            </a:r>
+            <a:endParaRPr lang="en-US">
+              <a:solidFill>
+                <a:schemeClr val="bg1"/>
+              </a:solidFill>
+            </a:endParaRPr>
+          </a:p>
+        </p:txBody>
+      </p:sp>
+      <p:sp>
+        <p:nvSpPr>
+          <p:cNvPr id="11" name="Oval 10">
+            <a:extLst>
+              <a:ext uri="{FF2B5EF4-FFF2-40B4-BE49-F238E27FC236}">
+                <a16:creationId xmlns:a16="http://schemas.microsoft.com/office/drawing/2014/main" id="{7F6F29D1-DBF5-7A49-8109-30ACC65A6F6F}"/>
+              </a:ext>
+            </a:extLst>
+          </p:cNvPr>
+          <p:cNvSpPr/>
+          <p:nvPr/>
+        </p:nvSpPr>
+        <p:spPr>
+          <a:xfrm>
+            <a:off x="2272848" y="2679445"/>
+            <a:ext cx="1635849" cy="1072386"/>
+          </a:xfrm>
+          <a:prstGeom prst="ellipse">
+            <a:avLst/>
+          </a:prstGeom>
+          <a:solidFill>
+            <a:srgbClr val="00B050"/>
+          </a:solidFill>
+        </p:spPr>
+        <p:style>
+          <a:lnRef idx="2">
+            <a:schemeClr val="accent1">
+              <a:shade val="50000"/>
+            </a:schemeClr>
+          </a:lnRef>
+          <a:fillRef idx="1">
+            <a:schemeClr val="accent1"/>
+          </a:fillRef>
+          <a:effectRef idx="0">
+            <a:schemeClr val="accent1"/>
+          </a:effectRef>
+          <a:fontRef idx="minor">
+            <a:schemeClr val="lt1"/>
+          </a:fontRef>
+        </p:style>
+        <p:txBody>
+          <a:bodyPr rtlCol="0" anchor="ctr"/>
+          <a:lstStyle/>
+          <a:p>
+            <a:pPr algn="ctr"/>
+            <a:endParaRPr lang="en-US"/>
+          </a:p>
+        </p:txBody>
+      </p:sp>
+      <p:sp>
+        <p:nvSpPr>
+          <p:cNvPr id="12" name="Rectangle 11">
+            <a:extLst>
+              <a:ext uri="{FF2B5EF4-FFF2-40B4-BE49-F238E27FC236}">
+                <a16:creationId xmlns:a16="http://schemas.microsoft.com/office/drawing/2014/main" id="{B8EFC802-DB8A-FD49-AA8B-3AC41D560B6C}"/>
+              </a:ext>
+            </a:extLst>
+          </p:cNvPr>
+          <p:cNvSpPr/>
+          <p:nvPr/>
+        </p:nvSpPr>
+        <p:spPr>
+          <a:xfrm>
+            <a:off x="2562239" y="3368227"/>
+            <a:ext cx="1213659" cy="307777"/>
+          </a:xfrm>
+          <a:prstGeom prst="rect">
+            <a:avLst/>
+          </a:prstGeom>
+        </p:spPr>
+        <p:txBody>
+          <a:bodyPr wrap="square">
+            <a:spAutoFit/>
+          </a:bodyPr>
+          <a:lstStyle/>
+          <a:p>
+            <a:r>
+              <a:rPr lang="en-US" sz="1400">
+                <a:solidFill>
+                  <a:schemeClr val="bg1"/>
+                </a:solidFill>
+                <a:effectLst/>
+              </a:rPr>
+              <a:t>me</a:t>
+            </a:r>
+            <a:r>
+              <a:rPr lang="en-US" altLang="zh-CN" sz="1400">
+                <a:solidFill>
+                  <a:schemeClr val="bg1"/>
+                </a:solidFill>
+              </a:rPr>
+              <a:t>tadata</a:t>
+            </a:r>
+            <a:endParaRPr lang="en-US" sz="1400">
+              <a:solidFill>
+                <a:schemeClr val="bg1"/>
+              </a:solidFill>
+            </a:endParaRPr>
+          </a:p>
+        </p:txBody>
+      </p:sp>
+      <p:sp>
+        <p:nvSpPr>
+          <p:cNvPr id="13" name="Oval 12">
+            <a:extLst>
+              <a:ext uri="{FF2B5EF4-FFF2-40B4-BE49-F238E27FC236}">
+                <a16:creationId xmlns:a16="http://schemas.microsoft.com/office/drawing/2014/main" id="{F3356222-EC51-984A-A93C-1DF9E7A694F3}"/>
+              </a:ext>
+            </a:extLst>
+          </p:cNvPr>
+          <p:cNvSpPr/>
+          <p:nvPr/>
+        </p:nvSpPr>
+        <p:spPr>
+          <a:xfrm>
+            <a:off x="4041985" y="3368227"/>
+            <a:ext cx="651935" cy="383604"/>
+          </a:xfrm>
+          <a:prstGeom prst="ellipse">
+            <a:avLst/>
+          </a:prstGeom>
+          <a:solidFill>
+            <a:srgbClr val="00B050"/>
+          </a:solidFill>
+        </p:spPr>
+        <p:style>
+          <a:lnRef idx="2">
+            <a:schemeClr val="accent1">
+              <a:shade val="50000"/>
+            </a:schemeClr>
+          </a:lnRef>
+          <a:fillRef idx="1">
+            <a:schemeClr val="accent1"/>
+          </a:fillRef>
+          <a:effectRef idx="0">
+            <a:schemeClr val="accent1"/>
+          </a:effectRef>
+          <a:fontRef idx="minor">
+            <a:schemeClr val="lt1"/>
+          </a:fontRef>
+        </p:style>
+        <p:txBody>
+          <a:bodyPr rtlCol="0" anchor="ctr"/>
+          <a:lstStyle/>
+          <a:p>
+            <a:pPr algn="ctr"/>
+            <a:r>
+              <a:rPr lang="en-US" altLang="zh-CN" sz="1100"/>
+              <a:t>id</a:t>
+            </a:r>
+            <a:endParaRPr lang="en-US" sz="1100"/>
+          </a:p>
+        </p:txBody>
+      </p:sp>
+      <p:sp>
+        <p:nvSpPr>
+          <p:cNvPr id="15" name="Oval 14">
+            <a:extLst>
+              <a:ext uri="{FF2B5EF4-FFF2-40B4-BE49-F238E27FC236}">
+                <a16:creationId xmlns:a16="http://schemas.microsoft.com/office/drawing/2014/main" id="{2311D1E7-B3FB-5B45-BC24-EE083763649A}"/>
+              </a:ext>
+            </a:extLst>
+          </p:cNvPr>
+          <p:cNvSpPr/>
+          <p:nvPr/>
+        </p:nvSpPr>
+        <p:spPr>
+          <a:xfrm>
+            <a:off x="4973131" y="1623285"/>
+            <a:ext cx="1351658" cy="911116"/>
+          </a:xfrm>
+          <a:prstGeom prst="ellipse">
+            <a:avLst/>
+          </a:prstGeom>
+          <a:solidFill>
+            <a:schemeClr val="accent2">
+              <a:lumMod val="75000"/>
+            </a:schemeClr>
+          </a:solidFill>
+        </p:spPr>
+        <p:style>
+          <a:lnRef idx="2">
+            <a:schemeClr val="accent1">
+              <a:shade val="50000"/>
+            </a:schemeClr>
+          </a:lnRef>
+          <a:fillRef idx="1">
+            <a:schemeClr val="accent1"/>
+          </a:fillRef>
+          <a:effectRef idx="0">
+            <a:schemeClr val="accent1"/>
+          </a:effectRef>
+          <a:fontRef idx="minor">
+            <a:schemeClr val="lt1"/>
+          </a:fontRef>
+        </p:style>
+        <p:txBody>
+          <a:bodyPr rtlCol="0" anchor="ctr"/>
+          <a:lstStyle/>
+          <a:p>
+            <a:pPr algn="ctr"/>
+            <a:endParaRPr lang="en-US"/>
+          </a:p>
+        </p:txBody>
+      </p:sp>
+      <p:sp>
+        <p:nvSpPr>
+          <p:cNvPr id="17" name="Rectangle 16">
+            <a:extLst>
+              <a:ext uri="{FF2B5EF4-FFF2-40B4-BE49-F238E27FC236}">
+                <a16:creationId xmlns:a16="http://schemas.microsoft.com/office/drawing/2014/main" id="{F49C3FA0-439A-2A4D-803F-4B7C57CC37E1}"/>
+              </a:ext>
+            </a:extLst>
+          </p:cNvPr>
+          <p:cNvSpPr/>
+          <p:nvPr/>
+        </p:nvSpPr>
+        <p:spPr>
+          <a:xfrm>
+            <a:off x="5268468" y="2162732"/>
+            <a:ext cx="1213659" cy="307777"/>
+          </a:xfrm>
+          <a:prstGeom prst="rect">
+            <a:avLst/>
+          </a:prstGeom>
+        </p:spPr>
+        <p:txBody>
+          <a:bodyPr wrap="square">
+            <a:spAutoFit/>
+          </a:bodyPr>
+          <a:lstStyle/>
+          <a:p>
+            <a:r>
+              <a:rPr lang="en-US" sz="1400">
+                <a:solidFill>
+                  <a:schemeClr val="bg1"/>
+                </a:solidFill>
+                <a:effectLst/>
+              </a:rPr>
+              <a:t>end</a:t>
+            </a:r>
+            <a:r>
+              <a:rPr lang="en-US" altLang="zh-CN" sz="1400">
+                <a:solidFill>
+                  <a:schemeClr val="bg1"/>
+                </a:solidFill>
+                <a:effectLst/>
+              </a:rPr>
+              <a:t>points</a:t>
+            </a:r>
+            <a:endParaRPr lang="en-US" sz="1400">
+              <a:solidFill>
+                <a:schemeClr val="bg1"/>
+              </a:solidFill>
+            </a:endParaRPr>
+          </a:p>
+        </p:txBody>
+      </p:sp>
+      <p:sp>
+        <p:nvSpPr>
+          <p:cNvPr id="19" name="Oval 18">
+            <a:extLst>
+              <a:ext uri="{FF2B5EF4-FFF2-40B4-BE49-F238E27FC236}">
+                <a16:creationId xmlns:a16="http://schemas.microsoft.com/office/drawing/2014/main" id="{EAAD9E72-F70F-0D49-ABD9-7D5E0B1BC613}"/>
+              </a:ext>
+            </a:extLst>
+          </p:cNvPr>
+          <p:cNvSpPr/>
+          <p:nvPr/>
+        </p:nvSpPr>
+        <p:spPr>
+          <a:xfrm>
+            <a:off x="5905646" y="2421480"/>
+            <a:ext cx="951311" cy="506788"/>
+          </a:xfrm>
+          <a:prstGeom prst="ellipse">
+            <a:avLst/>
+          </a:prstGeom>
+          <a:solidFill>
+            <a:schemeClr val="accent2">
+              <a:lumMod val="75000"/>
+            </a:schemeClr>
+          </a:solidFill>
+        </p:spPr>
+        <p:style>
+          <a:lnRef idx="2">
+            <a:schemeClr val="accent1">
+              <a:shade val="50000"/>
+            </a:schemeClr>
+          </a:lnRef>
+          <a:fillRef idx="1">
+            <a:schemeClr val="accent1"/>
+          </a:fillRef>
+          <a:effectRef idx="0">
+            <a:schemeClr val="accent1"/>
+          </a:effectRef>
+          <a:fontRef idx="minor">
+            <a:schemeClr val="lt1"/>
+          </a:fontRef>
+        </p:style>
+        <p:txBody>
+          <a:bodyPr rtlCol="0" anchor="ctr"/>
+          <a:lstStyle/>
+          <a:p>
+            <a:pPr algn="ctr"/>
+            <a:r>
+              <a:rPr lang="en-US" sz="1200">
+                <a:solidFill>
+                  <a:schemeClr val="bg1"/>
+                </a:solidFill>
+              </a:rPr>
+              <a:t>ver</a:t>
+            </a:r>
+            <a:r>
+              <a:rPr lang="en-US" altLang="zh-CN" sz="1200">
+                <a:solidFill>
+                  <a:schemeClr val="bg1"/>
+                </a:solidFill>
+              </a:rPr>
+              <a:t>sion</a:t>
+            </a:r>
+            <a:endParaRPr lang="en-US"/>
+          </a:p>
+        </p:txBody>
+      </p:sp>
+      <p:sp>
+        <p:nvSpPr>
+          <p:cNvPr id="20" name="Oval 19">
+            <a:extLst>
+              <a:ext uri="{FF2B5EF4-FFF2-40B4-BE49-F238E27FC236}">
+                <a16:creationId xmlns:a16="http://schemas.microsoft.com/office/drawing/2014/main" id="{A38F57AE-652E-D147-89E8-1411C0C56092}"/>
+              </a:ext>
+            </a:extLst>
+          </p:cNvPr>
+          <p:cNvSpPr/>
+          <p:nvPr/>
+        </p:nvSpPr>
+        <p:spPr>
+          <a:xfrm>
+            <a:off x="4172417" y="2931780"/>
+            <a:ext cx="642414" cy="283858"/>
+          </a:xfrm>
+          <a:prstGeom prst="ellipse">
+            <a:avLst/>
+          </a:prstGeom>
+          <a:solidFill>
+            <a:srgbClr val="00B050"/>
+          </a:solidFill>
+        </p:spPr>
+        <p:style>
+          <a:lnRef idx="2">
+            <a:schemeClr val="accent1">
+              <a:shade val="50000"/>
+            </a:schemeClr>
+          </a:lnRef>
+          <a:fillRef idx="1">
+            <a:schemeClr val="accent1"/>
+          </a:fillRef>
+          <a:effectRef idx="0">
+            <a:schemeClr val="accent1"/>
+          </a:effectRef>
+          <a:fontRef idx="minor">
+            <a:schemeClr val="lt1"/>
+          </a:fontRef>
+        </p:style>
+        <p:txBody>
+          <a:bodyPr rtlCol="0" anchor="ctr"/>
+          <a:lstStyle/>
+          <a:p>
+            <a:pPr algn="ctr"/>
+            <a:r>
+              <a:rPr lang="en-US" sz="1200">
+                <a:solidFill>
+                  <a:schemeClr val="bg1"/>
+                </a:solidFill>
+              </a:rPr>
+              <a:t>port</a:t>
+            </a:r>
+            <a:endParaRPr lang="en-US"/>
+          </a:p>
+        </p:txBody>
+      </p:sp>
+      <p:sp>
+        <p:nvSpPr>
+          <p:cNvPr id="22" name="Oval 21">
+            <a:extLst>
+              <a:ext uri="{FF2B5EF4-FFF2-40B4-BE49-F238E27FC236}">
+                <a16:creationId xmlns:a16="http://schemas.microsoft.com/office/drawing/2014/main" id="{7A089A13-A4EE-6343-992F-D2125A721EE1}"/>
+              </a:ext>
+            </a:extLst>
+          </p:cNvPr>
+          <p:cNvSpPr/>
+          <p:nvPr/>
+        </p:nvSpPr>
+        <p:spPr>
+          <a:xfrm>
+            <a:off x="5146128" y="1736243"/>
+            <a:ext cx="1031152" cy="341781"/>
+          </a:xfrm>
+          <a:prstGeom prst="ellipse">
+            <a:avLst/>
+          </a:prstGeom>
+          <a:solidFill>
+            <a:srgbClr val="00B050"/>
+          </a:solidFill>
+        </p:spPr>
+        <p:style>
+          <a:lnRef idx="2">
+            <a:schemeClr val="accent1">
+              <a:shade val="50000"/>
+            </a:schemeClr>
+          </a:lnRef>
+          <a:fillRef idx="1">
+            <a:schemeClr val="accent1"/>
+          </a:fillRef>
+          <a:effectRef idx="0">
+            <a:schemeClr val="accent1"/>
+          </a:effectRef>
+          <a:fontRef idx="minor">
+            <a:schemeClr val="lt1"/>
+          </a:fontRef>
+        </p:style>
+        <p:txBody>
+          <a:bodyPr rtlCol="0" anchor="ctr"/>
+          <a:lstStyle/>
+          <a:p>
+            <a:pPr algn="ctr"/>
+            <a:r>
+              <a:rPr lang="en-US" sz="1200">
+                <a:solidFill>
+                  <a:schemeClr val="bg1"/>
+                </a:solidFill>
+              </a:rPr>
+              <a:t>handlers</a:t>
+            </a:r>
+            <a:endParaRPr lang="en-US"/>
+          </a:p>
+        </p:txBody>
+      </p:sp>
+      <p:sp>
+        <p:nvSpPr>
+          <p:cNvPr id="23" name="Oval 22">
+            <a:extLst>
+              <a:ext uri="{FF2B5EF4-FFF2-40B4-BE49-F238E27FC236}">
+                <a16:creationId xmlns:a16="http://schemas.microsoft.com/office/drawing/2014/main" id="{43BBB0D3-EE5F-B441-81EB-1C0073A29FD3}"/>
+              </a:ext>
+            </a:extLst>
+          </p:cNvPr>
+          <p:cNvSpPr/>
+          <p:nvPr/>
+        </p:nvSpPr>
+        <p:spPr>
+          <a:xfrm>
+            <a:off x="2562239" y="2998464"/>
+            <a:ext cx="201282" cy="200842"/>
+          </a:xfrm>
+          <a:prstGeom prst="ellipse">
+            <a:avLst/>
+          </a:prstGeom>
+          <a:solidFill>
+            <a:schemeClr val="accent3">
+              <a:lumMod val="75000"/>
+            </a:schemeClr>
+          </a:solidFill>
+        </p:spPr>
+        <p:style>
+          <a:lnRef idx="2">
+            <a:schemeClr val="accent1">
+              <a:shade val="50000"/>
+            </a:schemeClr>
+          </a:lnRef>
+          <a:fillRef idx="1">
+            <a:schemeClr val="accent1"/>
+          </a:fillRef>
+          <a:effectRef idx="0">
+            <a:schemeClr val="accent1"/>
+          </a:effectRef>
+          <a:fontRef idx="minor">
+            <a:schemeClr val="lt1"/>
+          </a:fontRef>
+        </p:style>
+        <p:txBody>
+          <a:bodyPr rtlCol="0" anchor="ctr"/>
+          <a:lstStyle/>
+          <a:p>
+            <a:pPr algn="ctr"/>
+            <a:r>
+              <a:rPr lang="en-US" altLang="zh-CN" sz="1200">
+                <a:solidFill>
+                  <a:schemeClr val="bg1"/>
+                </a:solidFill>
+              </a:rPr>
+              <a:t>1</a:t>
+            </a:r>
+            <a:endParaRPr lang="en-US"/>
+          </a:p>
+        </p:txBody>
+      </p:sp>
+      <p:sp>
+        <p:nvSpPr>
+          <p:cNvPr id="24" name="Oval 23">
+            <a:extLst>
+              <a:ext uri="{FF2B5EF4-FFF2-40B4-BE49-F238E27FC236}">
+                <a16:creationId xmlns:a16="http://schemas.microsoft.com/office/drawing/2014/main" id="{876C8851-6967-5746-8D81-515B82ADBAE2}"/>
+              </a:ext>
+            </a:extLst>
+          </p:cNvPr>
+          <p:cNvSpPr/>
+          <p:nvPr/>
+        </p:nvSpPr>
+        <p:spPr>
+          <a:xfrm>
+            <a:off x="2799662" y="2850784"/>
+            <a:ext cx="201282" cy="200842"/>
+          </a:xfrm>
+          <a:prstGeom prst="ellipse">
+            <a:avLst/>
+          </a:prstGeom>
+          <a:solidFill>
+            <a:schemeClr val="accent3">
+              <a:lumMod val="75000"/>
+            </a:schemeClr>
+          </a:solidFill>
+        </p:spPr>
+        <p:style>
+          <a:lnRef idx="2">
+            <a:schemeClr val="accent1">
+              <a:shade val="50000"/>
+            </a:schemeClr>
+          </a:lnRef>
+          <a:fillRef idx="1">
+            <a:schemeClr val="accent1"/>
+          </a:fillRef>
+          <a:effectRef idx="0">
+            <a:schemeClr val="accent1"/>
+          </a:effectRef>
+          <a:fontRef idx="minor">
+            <a:schemeClr val="lt1"/>
+          </a:fontRef>
+        </p:style>
+        <p:txBody>
+          <a:bodyPr rtlCol="0" anchor="ctr"/>
+          <a:lstStyle/>
+          <a:p>
+            <a:pPr algn="ctr"/>
+            <a:r>
+              <a:rPr lang="en-US" altLang="zh-CN" sz="1200">
+                <a:solidFill>
+                  <a:schemeClr val="bg1"/>
+                </a:solidFill>
+              </a:rPr>
+              <a:t>2</a:t>
+            </a:r>
+            <a:endParaRPr lang="en-US"/>
+          </a:p>
+        </p:txBody>
+      </p:sp>
+      <p:sp>
+        <p:nvSpPr>
+          <p:cNvPr id="25" name="Oval 24">
+            <a:extLst>
+              <a:ext uri="{FF2B5EF4-FFF2-40B4-BE49-F238E27FC236}">
+                <a16:creationId xmlns:a16="http://schemas.microsoft.com/office/drawing/2014/main" id="{45B96A64-976E-B345-841A-8B7683A4C916}"/>
+              </a:ext>
+            </a:extLst>
+          </p:cNvPr>
+          <p:cNvSpPr/>
+          <p:nvPr/>
+        </p:nvSpPr>
+        <p:spPr>
+          <a:xfrm>
+            <a:off x="3071293" y="2803224"/>
+            <a:ext cx="201282" cy="200842"/>
+          </a:xfrm>
+          <a:prstGeom prst="ellipse">
+            <a:avLst/>
+          </a:prstGeom>
+          <a:solidFill>
+            <a:schemeClr val="accent3">
+              <a:lumMod val="75000"/>
+            </a:schemeClr>
+          </a:solidFill>
+        </p:spPr>
+        <p:style>
+          <a:lnRef idx="2">
+            <a:schemeClr val="accent1">
+              <a:shade val="50000"/>
+            </a:schemeClr>
+          </a:lnRef>
+          <a:fillRef idx="1">
+            <a:schemeClr val="accent1"/>
+          </a:fillRef>
+          <a:effectRef idx="0">
+            <a:schemeClr val="accent1"/>
+          </a:effectRef>
+          <a:fontRef idx="minor">
+            <a:schemeClr val="lt1"/>
+          </a:fontRef>
+        </p:style>
+        <p:txBody>
+          <a:bodyPr rtlCol="0" anchor="ctr"/>
+          <a:lstStyle/>
+          <a:p>
+            <a:pPr algn="ctr"/>
+            <a:r>
+              <a:rPr lang="en-US" altLang="zh-CN" sz="1200">
+                <a:solidFill>
+                  <a:schemeClr val="bg1"/>
+                </a:solidFill>
+              </a:rPr>
+              <a:t>3</a:t>
+            </a:r>
+            <a:endParaRPr lang="en-US"/>
+          </a:p>
+        </p:txBody>
+      </p:sp>
+      <p:sp>
+        <p:nvSpPr>
+          <p:cNvPr id="26" name="Oval 25">
+            <a:extLst>
+              <a:ext uri="{FF2B5EF4-FFF2-40B4-BE49-F238E27FC236}">
+                <a16:creationId xmlns:a16="http://schemas.microsoft.com/office/drawing/2014/main" id="{15732057-507F-2746-BDC7-7EC31805E052}"/>
+              </a:ext>
+            </a:extLst>
+          </p:cNvPr>
+          <p:cNvSpPr/>
+          <p:nvPr/>
+        </p:nvSpPr>
+        <p:spPr>
+          <a:xfrm>
+            <a:off x="3303422" y="2908664"/>
+            <a:ext cx="201282" cy="200842"/>
+          </a:xfrm>
+          <a:prstGeom prst="ellipse">
+            <a:avLst/>
+          </a:prstGeom>
+          <a:solidFill>
+            <a:schemeClr val="accent3">
+              <a:lumMod val="75000"/>
+            </a:schemeClr>
+          </a:solidFill>
+        </p:spPr>
+        <p:style>
+          <a:lnRef idx="2">
+            <a:schemeClr val="accent1">
+              <a:shade val="50000"/>
+            </a:schemeClr>
+          </a:lnRef>
+          <a:fillRef idx="1">
+            <a:schemeClr val="accent1"/>
+          </a:fillRef>
+          <a:effectRef idx="0">
+            <a:schemeClr val="accent1"/>
+          </a:effectRef>
+          <a:fontRef idx="minor">
+            <a:schemeClr val="lt1"/>
+          </a:fontRef>
+        </p:style>
+        <p:txBody>
+          <a:bodyPr rtlCol="0" anchor="ctr"/>
+          <a:lstStyle/>
+          <a:p>
+            <a:pPr algn="ctr"/>
+            <a:r>
+              <a:rPr lang="en-US" altLang="zh-CN" sz="1200">
+                <a:solidFill>
+                  <a:schemeClr val="bg1"/>
+                </a:solidFill>
+              </a:rPr>
+              <a:t>4</a:t>
+            </a:r>
+            <a:endParaRPr lang="en-US"/>
+          </a:p>
+        </p:txBody>
+      </p:sp>
+      <p:sp>
+        <p:nvSpPr>
+          <p:cNvPr id="27" name="Oval 26">
+            <a:extLst>
+              <a:ext uri="{FF2B5EF4-FFF2-40B4-BE49-F238E27FC236}">
+                <a16:creationId xmlns:a16="http://schemas.microsoft.com/office/drawing/2014/main" id="{FC4388F2-0A13-BA48-8BFC-A10400566432}"/>
+              </a:ext>
+            </a:extLst>
+          </p:cNvPr>
+          <p:cNvSpPr/>
+          <p:nvPr/>
+        </p:nvSpPr>
+        <p:spPr>
+          <a:xfrm>
+            <a:off x="3491917" y="3152349"/>
+            <a:ext cx="201282" cy="200842"/>
+          </a:xfrm>
+          <a:prstGeom prst="ellipse">
+            <a:avLst/>
+          </a:prstGeom>
+          <a:solidFill>
+            <a:schemeClr val="accent3">
+              <a:lumMod val="75000"/>
+            </a:schemeClr>
+          </a:solidFill>
+        </p:spPr>
+        <p:style>
+          <a:lnRef idx="2">
+            <a:schemeClr val="accent1">
+              <a:shade val="50000"/>
+            </a:schemeClr>
+          </a:lnRef>
+          <a:fillRef idx="1">
+            <a:schemeClr val="accent1"/>
+          </a:fillRef>
+          <a:effectRef idx="0">
+            <a:schemeClr val="accent1"/>
+          </a:effectRef>
+          <a:fontRef idx="minor">
+            <a:schemeClr val="lt1"/>
+          </a:fontRef>
+        </p:style>
+        <p:txBody>
+          <a:bodyPr rtlCol="0" anchor="ctr"/>
+          <a:lstStyle/>
+          <a:p>
+            <a:pPr algn="ctr"/>
+            <a:r>
+              <a:rPr lang="en-US" altLang="zh-CN" sz="1200">
+                <a:solidFill>
+                  <a:schemeClr val="bg1"/>
+                </a:solidFill>
+              </a:rPr>
+              <a:t>…</a:t>
+            </a:r>
+            <a:endParaRPr lang="en-US"/>
+          </a:p>
+        </p:txBody>
+      </p:sp>
+      <p:sp>
+        <p:nvSpPr>
+          <p:cNvPr id="28" name="TextBox 27">
+            <a:extLst>
+              <a:ext uri="{FF2B5EF4-FFF2-40B4-BE49-F238E27FC236}">
+                <a16:creationId xmlns:a16="http://schemas.microsoft.com/office/drawing/2014/main" id="{08D2F68B-C633-F345-AD2D-135E6C8DB413}"/>
+              </a:ext>
+            </a:extLst>
+          </p:cNvPr>
+          <p:cNvSpPr txBox="1"/>
+          <p:nvPr/>
+        </p:nvSpPr>
+        <p:spPr>
+          <a:xfrm>
+            <a:off x="6949440" y="3794458"/>
+            <a:ext cx="1625600" cy="1107996"/>
+          </a:xfrm>
+          <a:prstGeom prst="rect">
+            <a:avLst/>
+          </a:prstGeom>
+          <a:noFill/>
+        </p:spPr>
+        <p:txBody>
+          <a:bodyPr wrap="square" rtlCol="0">
+            <a:spAutoFit/>
+          </a:bodyPr>
+          <a:lstStyle/>
+          <a:p>
+            <a:pPr marL="342900" indent="-342900">
+              <a:buFont typeface="+mj-lt"/>
+              <a:buAutoNum type="arabicPeriod"/>
+            </a:pPr>
+            <a:r>
+              <a:rPr lang="en-US" altLang="zh-CN" sz="1100"/>
+              <a:t>Transport</a:t>
+            </a:r>
+          </a:p>
+          <a:p>
+            <a:pPr marL="342900" indent="-342900">
+              <a:buFont typeface="+mj-lt"/>
+              <a:buAutoNum type="arabicPeriod"/>
+            </a:pPr>
+            <a:r>
+              <a:rPr lang="en-US" altLang="zh-CN" sz="1100"/>
+              <a:t>Borker</a:t>
+            </a:r>
+          </a:p>
+          <a:p>
+            <a:pPr marL="342900" indent="-342900">
+              <a:buFont typeface="+mj-lt"/>
+              <a:buAutoNum type="arabicPeriod"/>
+            </a:pPr>
+            <a:r>
+              <a:rPr lang="en-US" altLang="zh-CN" sz="1100"/>
+              <a:t>Server</a:t>
+            </a:r>
+          </a:p>
+          <a:p>
+            <a:pPr marL="342900" indent="-342900">
+              <a:buFont typeface="+mj-lt"/>
+              <a:buAutoNum type="arabicPeriod"/>
+            </a:pPr>
+            <a:r>
+              <a:rPr lang="en-US" altLang="zh-CN" sz="1100"/>
+              <a:t>Registry</a:t>
+            </a:r>
+          </a:p>
+          <a:p>
+            <a:pPr marL="342900" indent="-342900">
+              <a:buFont typeface="+mj-lt"/>
+              <a:buAutoNum type="arabicPeriod"/>
+            </a:pPr>
+            <a:r>
+              <a:rPr lang="en-US" altLang="zh-CN" sz="1100"/>
+              <a:t>Protocol</a:t>
+            </a:r>
+          </a:p>
+          <a:p>
+            <a:pPr marL="342900" indent="-342900">
+              <a:buFont typeface="+mj-lt"/>
+              <a:buAutoNum type="arabicPeriod"/>
+            </a:pPr>
+            <a:r>
+              <a:rPr lang="en-US" altLang="zh-CN" sz="1100"/>
+              <a:t>…</a:t>
+            </a:r>
+            <a:endParaRPr lang="en-US" sz="1100"/>
+          </a:p>
+        </p:txBody>
+      </p:sp>
+      <p:sp>
+        <p:nvSpPr>
+          <p:cNvPr id="29" name="Oval 28">
+            <a:extLst>
+              <a:ext uri="{FF2B5EF4-FFF2-40B4-BE49-F238E27FC236}">
+                <a16:creationId xmlns:a16="http://schemas.microsoft.com/office/drawing/2014/main" id="{471BFCE4-F2FD-D74C-BCB9-AA355D30628E}"/>
+              </a:ext>
+            </a:extLst>
+          </p:cNvPr>
+          <p:cNvSpPr/>
+          <p:nvPr/>
+        </p:nvSpPr>
+        <p:spPr>
+          <a:xfrm>
+            <a:off x="4733662" y="3146447"/>
+            <a:ext cx="686069" cy="502760"/>
+          </a:xfrm>
+          <a:prstGeom prst="ellipse">
+            <a:avLst/>
+          </a:prstGeom>
+          <a:solidFill>
+            <a:srgbClr val="00B050"/>
+          </a:solidFill>
+        </p:spPr>
+        <p:style>
+          <a:lnRef idx="2">
+            <a:schemeClr val="accent1">
+              <a:shade val="50000"/>
+            </a:schemeClr>
+          </a:lnRef>
+          <a:fillRef idx="1">
+            <a:schemeClr val="accent1"/>
+          </a:fillRef>
+          <a:effectRef idx="0">
+            <a:schemeClr val="accent1"/>
+          </a:effectRef>
+          <a:fontRef idx="minor">
+            <a:schemeClr val="lt1"/>
+          </a:fontRef>
+        </p:style>
+        <p:txBody>
+          <a:bodyPr rtlCol="0" anchor="ctr"/>
+          <a:lstStyle/>
+          <a:p>
+            <a:pPr algn="ctr"/>
+            <a:r>
+              <a:rPr lang="en-US" sz="1200">
+                <a:solidFill>
+                  <a:schemeClr val="bg1"/>
+                </a:solidFill>
+              </a:rPr>
+              <a:t>add</a:t>
+            </a:r>
+            <a:r>
+              <a:rPr lang="en-US" altLang="zh-CN" sz="1200">
+                <a:solidFill>
+                  <a:schemeClr val="bg1"/>
+                </a:solidFill>
+              </a:rPr>
+              <a:t>r</a:t>
+            </a:r>
+            <a:endParaRPr lang="en-US"/>
+          </a:p>
+        </p:txBody>
+      </p:sp>
+      <p:sp>
+        <p:nvSpPr>
+          <p:cNvPr id="30" name="Oval 29">
+            <a:extLst>
+              <a:ext uri="{FF2B5EF4-FFF2-40B4-BE49-F238E27FC236}">
+                <a16:creationId xmlns:a16="http://schemas.microsoft.com/office/drawing/2014/main" id="{11AD5953-62FC-2F46-8197-42CF5C72F0B9}"/>
+              </a:ext>
+            </a:extLst>
+          </p:cNvPr>
+          <p:cNvSpPr/>
+          <p:nvPr/>
+        </p:nvSpPr>
+        <p:spPr>
+          <a:xfrm>
+            <a:off x="6085125" y="2962992"/>
+            <a:ext cx="686069" cy="502760"/>
+          </a:xfrm>
+          <a:prstGeom prst="ellipse">
+            <a:avLst/>
+          </a:prstGeom>
+          <a:solidFill>
+            <a:schemeClr val="accent2">
+              <a:lumMod val="75000"/>
+            </a:schemeClr>
+          </a:solidFill>
+        </p:spPr>
+        <p:style>
+          <a:lnRef idx="2">
+            <a:schemeClr val="accent1">
+              <a:shade val="50000"/>
+            </a:schemeClr>
+          </a:lnRef>
+          <a:fillRef idx="1">
+            <a:schemeClr val="accent1"/>
+          </a:fillRef>
+          <a:effectRef idx="0">
+            <a:schemeClr val="accent1"/>
+          </a:effectRef>
+          <a:fontRef idx="minor">
+            <a:schemeClr val="lt1"/>
+          </a:fontRef>
+        </p:style>
+        <p:txBody>
+          <a:bodyPr rtlCol="0" anchor="ctr"/>
+          <a:lstStyle/>
+          <a:p>
+            <a:pPr algn="ctr"/>
+            <a:r>
+              <a:rPr lang="en-US" altLang="zh-CN" sz="1000"/>
+              <a:t>name</a:t>
+            </a:r>
+            <a:endParaRPr lang="en-US"/>
+          </a:p>
+        </p:txBody>
+      </p:sp>
+    </p:spTree>
+    <p:extLst>
+      <p:ext uri="{BB962C8B-B14F-4D97-AF65-F5344CB8AC3E}">
+        <p14:creationId xmlns:p14="http://schemas.microsoft.com/office/powerpoint/2010/main" val="989886836"/>
+      </p:ext>
+    </p:extLst>
+  </p:cSld>
+  <p:clrMapOvr>
+    <a:masterClrMapping/>
+  </p:clrMapOvr>
+</p:sld>
+</file>
+
 <file path=ppt/slides/slide2.xml><?xml version="1.0" encoding="utf-8"?>
 <p:sld xmlns:a="http://schemas.openxmlformats.org/drawingml/2006/main" xmlns:r="http://schemas.openxmlformats.org/officeDocument/2006/relationships" xmlns:p="http://schemas.openxmlformats.org/presentationml/2006/main">
   <p:cSld>

--- a/microservice-in-micro/docs/design.pptx
+++ b/microservice-in-micro/docs/design.pptx
@@ -18,6 +18,7 @@
     <p:sldId id="268" r:id="rId12"/>
     <p:sldId id="269" r:id="rId13"/>
     <p:sldId id="270" r:id="rId14"/>
+    <p:sldId id="272" r:id="rId15"/>
   </p:sldIdLst>
   <p:sldSz cx="12192000" cy="6858000"/>
   <p:notesSz cx="6858000" cy="9144000"/>
@@ -271,7 +272,7 @@
           <a:p>
             <a:fld id="{F9321E79-B202-C941-A34A-CDB3A7C81E4A}" type="datetimeFigureOut">
               <a:rPr lang="en-US" smtClean="0"/>
-              <a:t>6/28/19</a:t>
+              <a:t>9/3/19</a:t>
             </a:fld>
             <a:endParaRPr lang="en-US"/>
           </a:p>
@@ -469,7 +470,7 @@
           <a:p>
             <a:fld id="{F9321E79-B202-C941-A34A-CDB3A7C81E4A}" type="datetimeFigureOut">
               <a:rPr lang="en-US" smtClean="0"/>
-              <a:t>6/28/19</a:t>
+              <a:t>9/3/19</a:t>
             </a:fld>
             <a:endParaRPr lang="en-US"/>
           </a:p>
@@ -677,7 +678,7 @@
           <a:p>
             <a:fld id="{F9321E79-B202-C941-A34A-CDB3A7C81E4A}" type="datetimeFigureOut">
               <a:rPr lang="en-US" smtClean="0"/>
-              <a:t>6/28/19</a:t>
+              <a:t>9/3/19</a:t>
             </a:fld>
             <a:endParaRPr lang="en-US"/>
           </a:p>
@@ -875,7 +876,7 @@
           <a:p>
             <a:fld id="{F9321E79-B202-C941-A34A-CDB3A7C81E4A}" type="datetimeFigureOut">
               <a:rPr lang="en-US" smtClean="0"/>
-              <a:t>6/28/19</a:t>
+              <a:t>9/3/19</a:t>
             </a:fld>
             <a:endParaRPr lang="en-US"/>
           </a:p>
@@ -1150,7 +1151,7 @@
           <a:p>
             <a:fld id="{F9321E79-B202-C941-A34A-CDB3A7C81E4A}" type="datetimeFigureOut">
               <a:rPr lang="en-US" smtClean="0"/>
-              <a:t>6/28/19</a:t>
+              <a:t>9/3/19</a:t>
             </a:fld>
             <a:endParaRPr lang="en-US"/>
           </a:p>
@@ -1415,7 +1416,7 @@
           <a:p>
             <a:fld id="{F9321E79-B202-C941-A34A-CDB3A7C81E4A}" type="datetimeFigureOut">
               <a:rPr lang="en-US" smtClean="0"/>
-              <a:t>6/28/19</a:t>
+              <a:t>9/3/19</a:t>
             </a:fld>
             <a:endParaRPr lang="en-US"/>
           </a:p>
@@ -1827,7 +1828,7 @@
           <a:p>
             <a:fld id="{F9321E79-B202-C941-A34A-CDB3A7C81E4A}" type="datetimeFigureOut">
               <a:rPr lang="en-US" smtClean="0"/>
-              <a:t>6/28/19</a:t>
+              <a:t>9/3/19</a:t>
             </a:fld>
             <a:endParaRPr lang="en-US"/>
           </a:p>
@@ -1968,7 +1969,7 @@
           <a:p>
             <a:fld id="{F9321E79-B202-C941-A34A-CDB3A7C81E4A}" type="datetimeFigureOut">
               <a:rPr lang="en-US" smtClean="0"/>
-              <a:t>6/28/19</a:t>
+              <a:t>9/3/19</a:t>
             </a:fld>
             <a:endParaRPr lang="en-US"/>
           </a:p>
@@ -2081,7 +2082,7 @@
           <a:p>
             <a:fld id="{F9321E79-B202-C941-A34A-CDB3A7C81E4A}" type="datetimeFigureOut">
               <a:rPr lang="en-US" smtClean="0"/>
-              <a:t>6/28/19</a:t>
+              <a:t>9/3/19</a:t>
             </a:fld>
             <a:endParaRPr lang="en-US"/>
           </a:p>
@@ -2392,7 +2393,7 @@
           <a:p>
             <a:fld id="{F9321E79-B202-C941-A34A-CDB3A7C81E4A}" type="datetimeFigureOut">
               <a:rPr lang="en-US" smtClean="0"/>
-              <a:t>6/28/19</a:t>
+              <a:t>9/3/19</a:t>
             </a:fld>
             <a:endParaRPr lang="en-US"/>
           </a:p>
@@ -2680,7 +2681,7 @@
           <a:p>
             <a:fld id="{F9321E79-B202-C941-A34A-CDB3A7C81E4A}" type="datetimeFigureOut">
               <a:rPr lang="en-US" smtClean="0"/>
-              <a:t>6/28/19</a:t>
+              <a:t>9/3/19</a:t>
             </a:fld>
             <a:endParaRPr lang="en-US"/>
           </a:p>
@@ -2921,7 +2922,7 @@
           <a:p>
             <a:fld id="{F9321E79-B202-C941-A34A-CDB3A7C81E4A}" type="datetimeFigureOut">
               <a:rPr lang="en-US" smtClean="0"/>
-              <a:t>6/28/19</a:t>
+              <a:t>9/3/19</a:t>
             </a:fld>
             <a:endParaRPr lang="en-US"/>
           </a:p>
@@ -9099,6 +9100,318 @@
 </p:sld>
 </file>
 
+<file path=ppt/slides/slide14.xml><?xml version="1.0" encoding="utf-8"?>
+<p:sld xmlns:a="http://schemas.openxmlformats.org/drawingml/2006/main" xmlns:r="http://schemas.openxmlformats.org/officeDocument/2006/relationships" xmlns:p="http://schemas.openxmlformats.org/presentationml/2006/main">
+  <p:cSld>
+    <p:spTree>
+      <p:nvGrpSpPr>
+        <p:cNvPr id="1" name=""/>
+        <p:cNvGrpSpPr/>
+        <p:nvPr/>
+      </p:nvGrpSpPr>
+      <p:grpSpPr>
+        <a:xfrm>
+          <a:off x="0" y="0"/>
+          <a:ext cx="0" cy="0"/>
+          <a:chOff x="0" y="0"/>
+          <a:chExt cx="0" cy="0"/>
+        </a:xfrm>
+      </p:grpSpPr>
+      <p:sp>
+        <p:nvSpPr>
+          <p:cNvPr id="4" name="Oval 3">
+            <a:extLst>
+              <a:ext uri="{FF2B5EF4-FFF2-40B4-BE49-F238E27FC236}">
+                <a16:creationId xmlns:a16="http://schemas.microsoft.com/office/drawing/2014/main" id="{7CFFF01A-4ACD-C04A-8283-76F54338C86C}"/>
+              </a:ext>
+            </a:extLst>
+          </p:cNvPr>
+          <p:cNvSpPr/>
+          <p:nvPr/>
+        </p:nvSpPr>
+        <p:spPr>
+          <a:xfrm>
+            <a:off x="745168" y="447040"/>
+            <a:ext cx="5682343" cy="4541520"/>
+          </a:xfrm>
+          <a:prstGeom prst="ellipse">
+            <a:avLst/>
+          </a:prstGeom>
+          <a:solidFill>
+            <a:schemeClr val="bg1"/>
+          </a:solidFill>
+        </p:spPr>
+        <p:style>
+          <a:lnRef idx="2">
+            <a:schemeClr val="accent1">
+              <a:shade val="50000"/>
+            </a:schemeClr>
+          </a:lnRef>
+          <a:fillRef idx="1">
+            <a:schemeClr val="accent1"/>
+          </a:fillRef>
+          <a:effectRef idx="0">
+            <a:schemeClr val="accent1"/>
+          </a:effectRef>
+          <a:fontRef idx="minor">
+            <a:schemeClr val="lt1"/>
+          </a:fontRef>
+        </p:style>
+        <p:txBody>
+          <a:bodyPr rtlCol="0" anchor="ctr"/>
+          <a:lstStyle/>
+          <a:p>
+            <a:pPr algn="ctr"/>
+            <a:endParaRPr lang="en-US"/>
+          </a:p>
+        </p:txBody>
+      </p:sp>
+      <p:sp>
+        <p:nvSpPr>
+          <p:cNvPr id="5" name="Oval 4">
+            <a:extLst>
+              <a:ext uri="{FF2B5EF4-FFF2-40B4-BE49-F238E27FC236}">
+                <a16:creationId xmlns:a16="http://schemas.microsoft.com/office/drawing/2014/main" id="{1EB4465F-49AF-E143-BB07-A841F886991B}"/>
+              </a:ext>
+            </a:extLst>
+          </p:cNvPr>
+          <p:cNvSpPr/>
+          <p:nvPr/>
+        </p:nvSpPr>
+        <p:spPr>
+          <a:xfrm>
+            <a:off x="1207394" y="1803862"/>
+            <a:ext cx="1703306" cy="1640290"/>
+          </a:xfrm>
+          <a:prstGeom prst="ellipse">
+            <a:avLst/>
+          </a:prstGeom>
+        </p:spPr>
+        <p:style>
+          <a:lnRef idx="2">
+            <a:schemeClr val="accent1">
+              <a:shade val="50000"/>
+            </a:schemeClr>
+          </a:lnRef>
+          <a:fillRef idx="1">
+            <a:schemeClr val="accent1"/>
+          </a:fillRef>
+          <a:effectRef idx="0">
+            <a:schemeClr val="accent1"/>
+          </a:effectRef>
+          <a:fontRef idx="minor">
+            <a:schemeClr val="lt1"/>
+          </a:fontRef>
+        </p:style>
+        <p:txBody>
+          <a:bodyPr rtlCol="0" anchor="ctr"/>
+          <a:lstStyle/>
+          <a:p>
+            <a:pPr algn="ctr"/>
+            <a:r>
+              <a:rPr lang="en-US" altLang="zh-CN" dirty="0"/>
+              <a:t>client</a:t>
+            </a:r>
+            <a:endParaRPr lang="en-US" dirty="0"/>
+          </a:p>
+        </p:txBody>
+      </p:sp>
+      <p:sp>
+        <p:nvSpPr>
+          <p:cNvPr id="6" name="TextBox 5">
+            <a:extLst>
+              <a:ext uri="{FF2B5EF4-FFF2-40B4-BE49-F238E27FC236}">
+                <a16:creationId xmlns:a16="http://schemas.microsoft.com/office/drawing/2014/main" id="{5CBB5E1A-D760-9C4F-A8FF-526713A1D45D}"/>
+              </a:ext>
+            </a:extLst>
+          </p:cNvPr>
+          <p:cNvSpPr txBox="1"/>
+          <p:nvPr/>
+        </p:nvSpPr>
+        <p:spPr>
+          <a:xfrm>
+            <a:off x="2910700" y="572491"/>
+            <a:ext cx="1960559" cy="523220"/>
+          </a:xfrm>
+          <a:prstGeom prst="rect">
+            <a:avLst/>
+          </a:prstGeom>
+          <a:noFill/>
+        </p:spPr>
+        <p:txBody>
+          <a:bodyPr wrap="square" rtlCol="0">
+            <a:spAutoFit/>
+          </a:bodyPr>
+          <a:lstStyle/>
+          <a:p>
+            <a:r>
+              <a:rPr lang="en-US" altLang="zh-CN" sz="2800" dirty="0"/>
+              <a:t>Transport</a:t>
+            </a:r>
+            <a:endParaRPr lang="en-US" dirty="0"/>
+          </a:p>
+        </p:txBody>
+      </p:sp>
+      <p:sp>
+        <p:nvSpPr>
+          <p:cNvPr id="7" name="TextBox 6">
+            <a:extLst>
+              <a:ext uri="{FF2B5EF4-FFF2-40B4-BE49-F238E27FC236}">
+                <a16:creationId xmlns:a16="http://schemas.microsoft.com/office/drawing/2014/main" id="{72F03FBA-839E-2445-ACC9-88AB1B813767}"/>
+              </a:ext>
+            </a:extLst>
+          </p:cNvPr>
+          <p:cNvSpPr txBox="1"/>
+          <p:nvPr/>
+        </p:nvSpPr>
+        <p:spPr>
+          <a:xfrm>
+            <a:off x="3903336" y="1227271"/>
+            <a:ext cx="1602026" cy="369332"/>
+          </a:xfrm>
+          <a:prstGeom prst="rect">
+            <a:avLst/>
+          </a:prstGeom>
+          <a:noFill/>
+        </p:spPr>
+        <p:txBody>
+          <a:bodyPr wrap="square" rtlCol="0">
+            <a:spAutoFit/>
+          </a:bodyPr>
+          <a:lstStyle/>
+          <a:p>
+            <a:r>
+              <a:rPr lang="en-US" dirty="0">
+                <a:solidFill>
+                  <a:schemeClr val="bg1"/>
+                </a:solidFill>
+              </a:rPr>
+              <a:t>service</a:t>
+            </a:r>
+          </a:p>
+        </p:txBody>
+      </p:sp>
+      <p:sp>
+        <p:nvSpPr>
+          <p:cNvPr id="9" name="Oval 8">
+            <a:extLst>
+              <a:ext uri="{FF2B5EF4-FFF2-40B4-BE49-F238E27FC236}">
+                <a16:creationId xmlns:a16="http://schemas.microsoft.com/office/drawing/2014/main" id="{80883C13-1313-404E-92DA-71C7D39ACE78}"/>
+              </a:ext>
+            </a:extLst>
+          </p:cNvPr>
+          <p:cNvSpPr/>
+          <p:nvPr/>
+        </p:nvSpPr>
+        <p:spPr>
+          <a:xfrm>
+            <a:off x="4039985" y="1728162"/>
+            <a:ext cx="1991817" cy="1453305"/>
+          </a:xfrm>
+          <a:prstGeom prst="ellipse">
+            <a:avLst/>
+          </a:prstGeom>
+          <a:solidFill>
+            <a:schemeClr val="accent2">
+              <a:lumMod val="75000"/>
+            </a:schemeClr>
+          </a:solidFill>
+        </p:spPr>
+        <p:style>
+          <a:lnRef idx="2">
+            <a:schemeClr val="accent1">
+              <a:shade val="50000"/>
+            </a:schemeClr>
+          </a:lnRef>
+          <a:fillRef idx="1">
+            <a:schemeClr val="accent1"/>
+          </a:fillRef>
+          <a:effectRef idx="0">
+            <a:schemeClr val="accent1"/>
+          </a:effectRef>
+          <a:fontRef idx="minor">
+            <a:schemeClr val="lt1"/>
+          </a:fontRef>
+        </p:style>
+        <p:txBody>
+          <a:bodyPr rtlCol="0" anchor="ctr"/>
+          <a:lstStyle/>
+          <a:p>
+            <a:pPr algn="ctr"/>
+            <a:r>
+              <a:rPr lang="en-US" altLang="zh-CN" dirty="0"/>
+              <a:t>Listener</a:t>
+            </a:r>
+            <a:endParaRPr lang="en-US" dirty="0"/>
+          </a:p>
+        </p:txBody>
+      </p:sp>
+      <p:sp>
+        <p:nvSpPr>
+          <p:cNvPr id="11" name="Oval 10">
+            <a:extLst>
+              <a:ext uri="{FF2B5EF4-FFF2-40B4-BE49-F238E27FC236}">
+                <a16:creationId xmlns:a16="http://schemas.microsoft.com/office/drawing/2014/main" id="{7F6F29D1-DBF5-7A49-8109-30ACC65A6F6F}"/>
+              </a:ext>
+            </a:extLst>
+          </p:cNvPr>
+          <p:cNvSpPr/>
+          <p:nvPr/>
+        </p:nvSpPr>
+        <p:spPr>
+          <a:xfrm>
+            <a:off x="3085411" y="3548821"/>
+            <a:ext cx="1635849" cy="1072386"/>
+          </a:xfrm>
+          <a:prstGeom prst="ellipse">
+            <a:avLst/>
+          </a:prstGeom>
+          <a:solidFill>
+            <a:srgbClr val="00B050"/>
+          </a:solidFill>
+        </p:spPr>
+        <p:style>
+          <a:lnRef idx="2">
+            <a:schemeClr val="accent1">
+              <a:shade val="50000"/>
+            </a:schemeClr>
+          </a:lnRef>
+          <a:fillRef idx="1">
+            <a:schemeClr val="accent1"/>
+          </a:fillRef>
+          <a:effectRef idx="0">
+            <a:schemeClr val="accent1"/>
+          </a:effectRef>
+          <a:fontRef idx="minor">
+            <a:schemeClr val="lt1"/>
+          </a:fontRef>
+        </p:style>
+        <p:txBody>
+          <a:bodyPr rtlCol="0" anchor="ctr"/>
+          <a:lstStyle/>
+          <a:p>
+            <a:pPr algn="ctr"/>
+            <a:r>
+              <a:rPr lang="en-US" altLang="zh-CN" dirty="0"/>
+              <a:t>Socket</a:t>
+            </a:r>
+            <a:endParaRPr lang="en-US" dirty="0"/>
+          </a:p>
+        </p:txBody>
+      </p:sp>
+    </p:spTree>
+    <p:extLst>
+      <p:ext uri="{BB962C8B-B14F-4D97-AF65-F5344CB8AC3E}">
+        <p14:creationId xmlns:p14="http://schemas.microsoft.com/office/powerpoint/2010/main" val="3240230934"/>
+      </p:ext>
+    </p:extLst>
+  </p:cSld>
+  <p:clrMapOvr>
+    <a:masterClrMapping/>
+  </p:clrMapOvr>
+</p:sld>
+</file>
+
 <file path=ppt/slides/slide2.xml><?xml version="1.0" encoding="utf-8"?>
 <p:sld xmlns:a="http://schemas.openxmlformats.org/drawingml/2006/main" xmlns:r="http://schemas.openxmlformats.org/officeDocument/2006/relationships" xmlns:p="http://schemas.openxmlformats.org/presentationml/2006/main">
   <p:cSld>

--- a/microservice-in-micro/docs/design.pptx
+++ b/microservice-in-micro/docs/design.pptx
@@ -19,6 +19,7 @@
     <p:sldId id="269" r:id="rId13"/>
     <p:sldId id="270" r:id="rId14"/>
     <p:sldId id="272" r:id="rId15"/>
+    <p:sldId id="273" r:id="rId16"/>
   </p:sldIdLst>
   <p:sldSz cx="12192000" cy="6858000"/>
   <p:notesSz cx="6858000" cy="9144000"/>
@@ -9119,10 +9120,10 @@
       </p:grpSpPr>
       <p:sp>
         <p:nvSpPr>
-          <p:cNvPr id="4" name="Oval 3">
-            <a:extLst>
-              <a:ext uri="{FF2B5EF4-FFF2-40B4-BE49-F238E27FC236}">
-                <a16:creationId xmlns:a16="http://schemas.microsoft.com/office/drawing/2014/main" id="{7CFFF01A-4ACD-C04A-8283-76F54338C86C}"/>
+          <p:cNvPr id="49" name="Oval 48">
+            <a:extLst>
+              <a:ext uri="{FF2B5EF4-FFF2-40B4-BE49-F238E27FC236}">
+                <a16:creationId xmlns:a16="http://schemas.microsoft.com/office/drawing/2014/main" id="{2E0562BF-A2D6-8D4D-A4F1-C2F7795AD5F5}"/>
               </a:ext>
             </a:extLst>
           </p:cNvPr>
@@ -9131,8 +9132,8 @@
         </p:nvSpPr>
         <p:spPr>
           <a:xfrm>
-            <a:off x="745168" y="447040"/>
-            <a:ext cx="5682343" cy="4541520"/>
+            <a:off x="6298485" y="550203"/>
+            <a:ext cx="5789643" cy="4886322"/>
           </a:xfrm>
           <a:prstGeom prst="ellipse">
             <a:avLst/>
@@ -9168,10 +9169,10 @@
       </p:sp>
       <p:sp>
         <p:nvSpPr>
-          <p:cNvPr id="5" name="Oval 4">
-            <a:extLst>
-              <a:ext uri="{FF2B5EF4-FFF2-40B4-BE49-F238E27FC236}">
-                <a16:creationId xmlns:a16="http://schemas.microsoft.com/office/drawing/2014/main" id="{1EB4465F-49AF-E143-BB07-A841F886991B}"/>
+          <p:cNvPr id="51" name="Oval 50">
+            <a:extLst>
+              <a:ext uri="{FF2B5EF4-FFF2-40B4-BE49-F238E27FC236}">
+                <a16:creationId xmlns:a16="http://schemas.microsoft.com/office/drawing/2014/main" id="{91825B39-173A-4A4E-A047-0B54013EDF11}"/>
               </a:ext>
             </a:extLst>
           </p:cNvPr>
@@ -9180,12 +9181,15 @@
         </p:nvSpPr>
         <p:spPr>
           <a:xfrm>
-            <a:off x="1207394" y="1803862"/>
-            <a:ext cx="1703306" cy="1640290"/>
+            <a:off x="6498341" y="1265788"/>
+            <a:ext cx="5534163" cy="4030485"/>
           </a:xfrm>
           <a:prstGeom prst="ellipse">
             <a:avLst/>
           </a:prstGeom>
+          <a:solidFill>
+            <a:schemeClr val="bg1"/>
+          </a:solidFill>
         </p:spPr>
         <p:style>
           <a:lnRef idx="2">
@@ -9208,20 +9212,16 @@
           <a:lstStyle/>
           <a:p>
             <a:pPr algn="ctr"/>
-            <a:r>
-              <a:rPr lang="en-US" altLang="zh-CN" dirty="0"/>
-              <a:t>client</a:t>
-            </a:r>
-            <a:endParaRPr lang="en-US" dirty="0"/>
-          </a:p>
-        </p:txBody>
-      </p:sp>
-      <p:sp>
-        <p:nvSpPr>
-          <p:cNvPr id="6" name="TextBox 5">
-            <a:extLst>
-              <a:ext uri="{FF2B5EF4-FFF2-40B4-BE49-F238E27FC236}">
-                <a16:creationId xmlns:a16="http://schemas.microsoft.com/office/drawing/2014/main" id="{5CBB5E1A-D760-9C4F-A8FF-526713A1D45D}"/>
+            <a:endParaRPr lang="en-US"/>
+          </a:p>
+        </p:txBody>
+      </p:sp>
+      <p:sp>
+        <p:nvSpPr>
+          <p:cNvPr id="52" name="TextBox 51">
+            <a:extLst>
+              <a:ext uri="{FF2B5EF4-FFF2-40B4-BE49-F238E27FC236}">
+                <a16:creationId xmlns:a16="http://schemas.microsoft.com/office/drawing/2014/main" id="{A0B5B4F8-3685-CC47-B64C-DD53D08AEF6F}"/>
               </a:ext>
             </a:extLst>
           </p:cNvPr>
@@ -9230,8 +9230,8 @@
         </p:nvSpPr>
         <p:spPr>
           <a:xfrm>
-            <a:off x="2910700" y="572491"/>
-            <a:ext cx="1960559" cy="523220"/>
+            <a:off x="8457824" y="1319070"/>
+            <a:ext cx="1909433" cy="523220"/>
           </a:xfrm>
           <a:prstGeom prst="rect">
             <a:avLst/>
@@ -9254,49 +9254,10 @@
       </p:sp>
       <p:sp>
         <p:nvSpPr>
-          <p:cNvPr id="7" name="TextBox 6">
-            <a:extLst>
-              <a:ext uri="{FF2B5EF4-FFF2-40B4-BE49-F238E27FC236}">
-                <a16:creationId xmlns:a16="http://schemas.microsoft.com/office/drawing/2014/main" id="{72F03FBA-839E-2445-ACC9-88AB1B813767}"/>
-              </a:ext>
-            </a:extLst>
-          </p:cNvPr>
-          <p:cNvSpPr txBox="1"/>
-          <p:nvPr/>
-        </p:nvSpPr>
-        <p:spPr>
-          <a:xfrm>
-            <a:off x="3903336" y="1227271"/>
-            <a:ext cx="1602026" cy="369332"/>
-          </a:xfrm>
-          <a:prstGeom prst="rect">
-            <a:avLst/>
-          </a:prstGeom>
-          <a:noFill/>
-        </p:spPr>
-        <p:txBody>
-          <a:bodyPr wrap="square" rtlCol="0">
-            <a:spAutoFit/>
-          </a:bodyPr>
-          <a:lstStyle/>
-          <a:p>
-            <a:r>
-              <a:rPr lang="en-US" dirty="0">
-                <a:solidFill>
-                  <a:schemeClr val="bg1"/>
-                </a:solidFill>
-              </a:rPr>
-              <a:t>service</a:t>
-            </a:r>
-          </a:p>
-        </p:txBody>
-      </p:sp>
-      <p:sp>
-        <p:nvSpPr>
-          <p:cNvPr id="9" name="Oval 8">
-            <a:extLst>
-              <a:ext uri="{FF2B5EF4-FFF2-40B4-BE49-F238E27FC236}">
-                <a16:creationId xmlns:a16="http://schemas.microsoft.com/office/drawing/2014/main" id="{80883C13-1313-404E-92DA-71C7D39ACE78}"/>
+          <p:cNvPr id="53" name="Oval 52">
+            <a:extLst>
+              <a:ext uri="{FF2B5EF4-FFF2-40B4-BE49-F238E27FC236}">
+                <a16:creationId xmlns:a16="http://schemas.microsoft.com/office/drawing/2014/main" id="{988772BE-283C-2B43-A25A-7E47ABF78613}"/>
               </a:ext>
             </a:extLst>
           </p:cNvPr>
@@ -9305,8 +9266,8 @@
         </p:nvSpPr>
         <p:spPr>
           <a:xfrm>
-            <a:off x="4039985" y="1728162"/>
-            <a:ext cx="1991817" cy="1453305"/>
+            <a:off x="8399940" y="1789537"/>
+            <a:ext cx="1967317" cy="1677064"/>
           </a:xfrm>
           <a:prstGeom prst="ellipse">
             <a:avLst/>
@@ -9340,7 +9301,7 @@
             <a:pPr algn="ctr"/>
             <a:r>
               <a:rPr lang="en-US" altLang="zh-CN" dirty="0"/>
-              <a:t>Listener</a:t>
+              <a:t>listener</a:t>
             </a:r>
             <a:endParaRPr lang="en-US" dirty="0"/>
           </a:p>
@@ -9348,10 +9309,10 @@
       </p:sp>
       <p:sp>
         <p:nvSpPr>
-          <p:cNvPr id="11" name="Oval 10">
-            <a:extLst>
-              <a:ext uri="{FF2B5EF4-FFF2-40B4-BE49-F238E27FC236}">
-                <a16:creationId xmlns:a16="http://schemas.microsoft.com/office/drawing/2014/main" id="{7F6F29D1-DBF5-7A49-8109-30ACC65A6F6F}"/>
+          <p:cNvPr id="54" name="Oval 53">
+            <a:extLst>
+              <a:ext uri="{FF2B5EF4-FFF2-40B4-BE49-F238E27FC236}">
+                <a16:creationId xmlns:a16="http://schemas.microsoft.com/office/drawing/2014/main" id="{D7AD7560-5F76-4441-B1EA-293873824006}"/>
               </a:ext>
             </a:extLst>
           </p:cNvPr>
@@ -9360,8 +9321,8 @@
         </p:nvSpPr>
         <p:spPr>
           <a:xfrm>
-            <a:off x="3085411" y="3548821"/>
-            <a:ext cx="1635849" cy="1072386"/>
+            <a:off x="7620351" y="3653590"/>
+            <a:ext cx="2869277" cy="1571255"/>
           </a:xfrm>
           <a:prstGeom prst="ellipse">
             <a:avLst/>
@@ -9393,7 +9354,917 @@
             <a:pPr algn="ctr"/>
             <a:r>
               <a:rPr lang="en-US" altLang="zh-CN" dirty="0"/>
-              <a:t>Socket</a:t>
+              <a:t>socket</a:t>
+            </a:r>
+            <a:endParaRPr lang="en-US" dirty="0"/>
+          </a:p>
+        </p:txBody>
+      </p:sp>
+      <p:sp>
+        <p:nvSpPr>
+          <p:cNvPr id="55" name="Oval 54">
+            <a:extLst>
+              <a:ext uri="{FF2B5EF4-FFF2-40B4-BE49-F238E27FC236}">
+                <a16:creationId xmlns:a16="http://schemas.microsoft.com/office/drawing/2014/main" id="{347AFC1A-622C-504E-B81F-AFE1D2947C7F}"/>
+              </a:ext>
+            </a:extLst>
+          </p:cNvPr>
+          <p:cNvSpPr/>
+          <p:nvPr/>
+        </p:nvSpPr>
+        <p:spPr>
+          <a:xfrm>
+            <a:off x="10676655" y="2905444"/>
+            <a:ext cx="1086242" cy="919316"/>
+          </a:xfrm>
+          <a:prstGeom prst="ellipse">
+            <a:avLst/>
+          </a:prstGeom>
+        </p:spPr>
+        <p:style>
+          <a:lnRef idx="2">
+            <a:schemeClr val="accent1">
+              <a:shade val="50000"/>
+            </a:schemeClr>
+          </a:lnRef>
+          <a:fillRef idx="1">
+            <a:schemeClr val="accent1"/>
+          </a:fillRef>
+          <a:effectRef idx="0">
+            <a:schemeClr val="accent1"/>
+          </a:effectRef>
+          <a:fontRef idx="minor">
+            <a:schemeClr val="lt1"/>
+          </a:fontRef>
+        </p:style>
+        <p:txBody>
+          <a:bodyPr rtlCol="0" anchor="ctr"/>
+          <a:lstStyle/>
+          <a:p>
+            <a:pPr algn="ctr"/>
+            <a:r>
+              <a:rPr lang="en-US" altLang="zh-CN" dirty="0"/>
+              <a:t>client</a:t>
+            </a:r>
+            <a:endParaRPr lang="en-US" dirty="0"/>
+          </a:p>
+        </p:txBody>
+      </p:sp>
+      <p:sp>
+        <p:nvSpPr>
+          <p:cNvPr id="58" name="Rectangle 57">
+            <a:extLst>
+              <a:ext uri="{FF2B5EF4-FFF2-40B4-BE49-F238E27FC236}">
+                <a16:creationId xmlns:a16="http://schemas.microsoft.com/office/drawing/2014/main" id="{4A3C9AD7-B26B-FA47-9F7A-ED664FC4E59F}"/>
+              </a:ext>
+            </a:extLst>
+          </p:cNvPr>
+          <p:cNvSpPr/>
+          <p:nvPr/>
+        </p:nvSpPr>
+        <p:spPr>
+          <a:xfrm>
+            <a:off x="6974779" y="2165039"/>
+            <a:ext cx="744887" cy="290969"/>
+          </a:xfrm>
+          <a:prstGeom prst="rect">
+            <a:avLst/>
+          </a:prstGeom>
+        </p:spPr>
+        <p:style>
+          <a:lnRef idx="2">
+            <a:schemeClr val="accent1">
+              <a:shade val="50000"/>
+            </a:schemeClr>
+          </a:lnRef>
+          <a:fillRef idx="1">
+            <a:schemeClr val="accent1"/>
+          </a:fillRef>
+          <a:effectRef idx="0">
+            <a:schemeClr val="accent1"/>
+          </a:effectRef>
+          <a:fontRef idx="minor">
+            <a:schemeClr val="lt1"/>
+          </a:fontRef>
+        </p:style>
+        <p:txBody>
+          <a:bodyPr rtlCol="0" anchor="ctr"/>
+          <a:lstStyle/>
+          <a:p>
+            <a:pPr algn="ctr"/>
+            <a:r>
+              <a:rPr lang="en-US" altLang="zh-CN" dirty="0"/>
+              <a:t>Listen</a:t>
+            </a:r>
+            <a:endParaRPr lang="en-US" dirty="0"/>
+          </a:p>
+        </p:txBody>
+      </p:sp>
+      <p:sp>
+        <p:nvSpPr>
+          <p:cNvPr id="59" name="Rectangle 58">
+            <a:extLst>
+              <a:ext uri="{FF2B5EF4-FFF2-40B4-BE49-F238E27FC236}">
+                <a16:creationId xmlns:a16="http://schemas.microsoft.com/office/drawing/2014/main" id="{BD92DE3D-6B43-0647-8DA8-8C65D8EEDC1E}"/>
+              </a:ext>
+            </a:extLst>
+          </p:cNvPr>
+          <p:cNvSpPr/>
+          <p:nvPr/>
+        </p:nvSpPr>
+        <p:spPr>
+          <a:xfrm>
+            <a:off x="7905834" y="4027569"/>
+            <a:ext cx="1029288" cy="290969"/>
+          </a:xfrm>
+          <a:prstGeom prst="rect">
+            <a:avLst/>
+          </a:prstGeom>
+        </p:spPr>
+        <p:style>
+          <a:lnRef idx="2">
+            <a:schemeClr val="accent1">
+              <a:shade val="50000"/>
+            </a:schemeClr>
+          </a:lnRef>
+          <a:fillRef idx="1">
+            <a:schemeClr val="accent1"/>
+          </a:fillRef>
+          <a:effectRef idx="0">
+            <a:schemeClr val="accent1"/>
+          </a:effectRef>
+          <a:fontRef idx="minor">
+            <a:schemeClr val="lt1"/>
+          </a:fontRef>
+        </p:style>
+        <p:txBody>
+          <a:bodyPr rtlCol="0" anchor="ctr"/>
+          <a:lstStyle/>
+          <a:p>
+            <a:pPr algn="ctr"/>
+            <a:r>
+              <a:rPr lang="en-US" altLang="zh-CN" dirty="0"/>
+              <a:t>Receive</a:t>
+            </a:r>
+            <a:endParaRPr lang="en-US" dirty="0"/>
+          </a:p>
+        </p:txBody>
+      </p:sp>
+      <p:sp>
+        <p:nvSpPr>
+          <p:cNvPr id="60" name="Rectangle 59">
+            <a:extLst>
+              <a:ext uri="{FF2B5EF4-FFF2-40B4-BE49-F238E27FC236}">
+                <a16:creationId xmlns:a16="http://schemas.microsoft.com/office/drawing/2014/main" id="{2B9CBB92-E3D7-7D49-8BB6-4FC01BF3AC1D}"/>
+              </a:ext>
+            </a:extLst>
+          </p:cNvPr>
+          <p:cNvSpPr/>
+          <p:nvPr/>
+        </p:nvSpPr>
+        <p:spPr>
+          <a:xfrm>
+            <a:off x="7886058" y="4535533"/>
+            <a:ext cx="745929" cy="290969"/>
+          </a:xfrm>
+          <a:prstGeom prst="rect">
+            <a:avLst/>
+          </a:prstGeom>
+        </p:spPr>
+        <p:style>
+          <a:lnRef idx="2">
+            <a:schemeClr val="accent1">
+              <a:shade val="50000"/>
+            </a:schemeClr>
+          </a:lnRef>
+          <a:fillRef idx="1">
+            <a:schemeClr val="accent1"/>
+          </a:fillRef>
+          <a:effectRef idx="0">
+            <a:schemeClr val="accent1"/>
+          </a:effectRef>
+          <a:fontRef idx="minor">
+            <a:schemeClr val="lt1"/>
+          </a:fontRef>
+        </p:style>
+        <p:txBody>
+          <a:bodyPr rtlCol="0" anchor="ctr"/>
+          <a:lstStyle/>
+          <a:p>
+            <a:pPr algn="ctr"/>
+            <a:r>
+              <a:rPr lang="en-US" altLang="zh-CN" dirty="0"/>
+              <a:t>Send</a:t>
+            </a:r>
+            <a:endParaRPr lang="en-US" dirty="0"/>
+          </a:p>
+        </p:txBody>
+      </p:sp>
+      <p:sp>
+        <p:nvSpPr>
+          <p:cNvPr id="61" name="Rectangle 60">
+            <a:extLst>
+              <a:ext uri="{FF2B5EF4-FFF2-40B4-BE49-F238E27FC236}">
+                <a16:creationId xmlns:a16="http://schemas.microsoft.com/office/drawing/2014/main" id="{85B4BC19-2CD4-144A-9ADE-3D43C33159A1}"/>
+              </a:ext>
+            </a:extLst>
+          </p:cNvPr>
+          <p:cNvSpPr/>
+          <p:nvPr/>
+        </p:nvSpPr>
+        <p:spPr>
+          <a:xfrm>
+            <a:off x="6727997" y="967458"/>
+            <a:ext cx="1196183" cy="290969"/>
+          </a:xfrm>
+          <a:prstGeom prst="rect">
+            <a:avLst/>
+          </a:prstGeom>
+        </p:spPr>
+        <p:style>
+          <a:lnRef idx="2">
+            <a:schemeClr val="accent1">
+              <a:shade val="50000"/>
+            </a:schemeClr>
+          </a:lnRef>
+          <a:fillRef idx="1">
+            <a:schemeClr val="accent1"/>
+          </a:fillRef>
+          <a:effectRef idx="0">
+            <a:schemeClr val="accent1"/>
+          </a:effectRef>
+          <a:fontRef idx="minor">
+            <a:schemeClr val="lt1"/>
+          </a:fontRef>
+        </p:style>
+        <p:txBody>
+          <a:bodyPr rtlCol="0" anchor="ctr"/>
+          <a:lstStyle/>
+          <a:p>
+            <a:pPr algn="ctr"/>
+            <a:r>
+              <a:rPr lang="en-US" altLang="zh-CN" dirty="0" err="1"/>
+              <a:t>ServConn</a:t>
+            </a:r>
+            <a:endParaRPr lang="en-US" dirty="0"/>
+          </a:p>
+        </p:txBody>
+      </p:sp>
+      <p:sp>
+        <p:nvSpPr>
+          <p:cNvPr id="62" name="TextBox 61">
+            <a:extLst>
+              <a:ext uri="{FF2B5EF4-FFF2-40B4-BE49-F238E27FC236}">
+                <a16:creationId xmlns:a16="http://schemas.microsoft.com/office/drawing/2014/main" id="{DC268B23-3AC3-DB44-B33E-616F8B16E634}"/>
+              </a:ext>
+            </a:extLst>
+          </p:cNvPr>
+          <p:cNvSpPr txBox="1"/>
+          <p:nvPr/>
+        </p:nvSpPr>
+        <p:spPr>
+          <a:xfrm>
+            <a:off x="8644232" y="598126"/>
+            <a:ext cx="1081959" cy="369332"/>
+          </a:xfrm>
+          <a:prstGeom prst="rect">
+            <a:avLst/>
+          </a:prstGeom>
+          <a:noFill/>
+        </p:spPr>
+        <p:txBody>
+          <a:bodyPr wrap="square" rtlCol="0">
+            <a:spAutoFit/>
+          </a:bodyPr>
+          <a:lstStyle/>
+          <a:p>
+            <a:r>
+              <a:rPr lang="en-US" altLang="zh-CN" dirty="0"/>
+              <a:t>Server</a:t>
+            </a:r>
+          </a:p>
+        </p:txBody>
+      </p:sp>
+      <p:sp>
+        <p:nvSpPr>
+          <p:cNvPr id="81" name="Oval 80">
+            <a:extLst>
+              <a:ext uri="{FF2B5EF4-FFF2-40B4-BE49-F238E27FC236}">
+                <a16:creationId xmlns:a16="http://schemas.microsoft.com/office/drawing/2014/main" id="{260FEB43-C7F1-8344-9E90-C547F4A849DF}"/>
+              </a:ext>
+            </a:extLst>
+          </p:cNvPr>
+          <p:cNvSpPr/>
+          <p:nvPr/>
+        </p:nvSpPr>
+        <p:spPr>
+          <a:xfrm>
+            <a:off x="70841" y="913594"/>
+            <a:ext cx="5476775" cy="4480334"/>
+          </a:xfrm>
+          <a:prstGeom prst="ellipse">
+            <a:avLst/>
+          </a:prstGeom>
+          <a:solidFill>
+            <a:schemeClr val="bg1"/>
+          </a:solidFill>
+        </p:spPr>
+        <p:style>
+          <a:lnRef idx="2">
+            <a:schemeClr val="accent1">
+              <a:shade val="50000"/>
+            </a:schemeClr>
+          </a:lnRef>
+          <a:fillRef idx="1">
+            <a:schemeClr val="accent1"/>
+          </a:fillRef>
+          <a:effectRef idx="0">
+            <a:schemeClr val="accent1"/>
+          </a:effectRef>
+          <a:fontRef idx="minor">
+            <a:schemeClr val="lt1"/>
+          </a:fontRef>
+        </p:style>
+        <p:txBody>
+          <a:bodyPr rtlCol="0" anchor="ctr"/>
+          <a:lstStyle/>
+          <a:p>
+            <a:pPr algn="ctr"/>
+            <a:endParaRPr lang="en-US" dirty="0"/>
+          </a:p>
+        </p:txBody>
+      </p:sp>
+      <p:sp>
+        <p:nvSpPr>
+          <p:cNvPr id="90" name="Oval 89">
+            <a:extLst>
+              <a:ext uri="{FF2B5EF4-FFF2-40B4-BE49-F238E27FC236}">
+                <a16:creationId xmlns:a16="http://schemas.microsoft.com/office/drawing/2014/main" id="{4002C91C-A7EB-4A41-855B-CAC903966587}"/>
+              </a:ext>
+            </a:extLst>
+          </p:cNvPr>
+          <p:cNvSpPr/>
+          <p:nvPr/>
+        </p:nvSpPr>
+        <p:spPr>
+          <a:xfrm>
+            <a:off x="428609" y="1904631"/>
+            <a:ext cx="4881344" cy="3392519"/>
+          </a:xfrm>
+          <a:prstGeom prst="ellipse">
+            <a:avLst/>
+          </a:prstGeom>
+          <a:solidFill>
+            <a:schemeClr val="bg1"/>
+          </a:solidFill>
+        </p:spPr>
+        <p:style>
+          <a:lnRef idx="2">
+            <a:schemeClr val="accent1">
+              <a:shade val="50000"/>
+            </a:schemeClr>
+          </a:lnRef>
+          <a:fillRef idx="1">
+            <a:schemeClr val="accent1"/>
+          </a:fillRef>
+          <a:effectRef idx="0">
+            <a:schemeClr val="accent1"/>
+          </a:effectRef>
+          <a:fontRef idx="minor">
+            <a:schemeClr val="lt1"/>
+          </a:fontRef>
+        </p:style>
+        <p:txBody>
+          <a:bodyPr rtlCol="0" anchor="ctr"/>
+          <a:lstStyle/>
+          <a:p>
+            <a:pPr algn="ctr"/>
+            <a:endParaRPr lang="en-US" dirty="0"/>
+          </a:p>
+        </p:txBody>
+      </p:sp>
+      <p:sp>
+        <p:nvSpPr>
+          <p:cNvPr id="91" name="Oval 90">
+            <a:extLst>
+              <a:ext uri="{FF2B5EF4-FFF2-40B4-BE49-F238E27FC236}">
+                <a16:creationId xmlns:a16="http://schemas.microsoft.com/office/drawing/2014/main" id="{6936021B-D6F9-3240-B203-D656BE5D95AE}"/>
+              </a:ext>
+            </a:extLst>
+          </p:cNvPr>
+          <p:cNvSpPr/>
+          <p:nvPr/>
+        </p:nvSpPr>
+        <p:spPr>
+          <a:xfrm>
+            <a:off x="1707376" y="3025758"/>
+            <a:ext cx="3090282" cy="2127404"/>
+          </a:xfrm>
+          <a:prstGeom prst="ellipse">
+            <a:avLst/>
+          </a:prstGeom>
+        </p:spPr>
+        <p:style>
+          <a:lnRef idx="2">
+            <a:schemeClr val="accent1">
+              <a:shade val="50000"/>
+            </a:schemeClr>
+          </a:lnRef>
+          <a:fillRef idx="1">
+            <a:schemeClr val="accent1"/>
+          </a:fillRef>
+          <a:effectRef idx="0">
+            <a:schemeClr val="accent1"/>
+          </a:effectRef>
+          <a:fontRef idx="minor">
+            <a:schemeClr val="lt1"/>
+          </a:fontRef>
+        </p:style>
+        <p:txBody>
+          <a:bodyPr rtlCol="0" anchor="ctr"/>
+          <a:lstStyle/>
+          <a:p>
+            <a:pPr algn="ctr"/>
+            <a:r>
+              <a:rPr lang="en-US" altLang="zh-CN" dirty="0"/>
+              <a:t>client</a:t>
+            </a:r>
+            <a:endParaRPr lang="en-US" dirty="0"/>
+          </a:p>
+        </p:txBody>
+      </p:sp>
+      <p:sp>
+        <p:nvSpPr>
+          <p:cNvPr id="92" name="TextBox 91">
+            <a:extLst>
+              <a:ext uri="{FF2B5EF4-FFF2-40B4-BE49-F238E27FC236}">
+                <a16:creationId xmlns:a16="http://schemas.microsoft.com/office/drawing/2014/main" id="{943BB288-52D2-F249-B59D-6AFB027BE664}"/>
+              </a:ext>
+            </a:extLst>
+          </p:cNvPr>
+          <p:cNvSpPr txBox="1"/>
+          <p:nvPr/>
+        </p:nvSpPr>
+        <p:spPr>
+          <a:xfrm>
+            <a:off x="2001176" y="2116685"/>
+            <a:ext cx="1684193" cy="523220"/>
+          </a:xfrm>
+          <a:prstGeom prst="rect">
+            <a:avLst/>
+          </a:prstGeom>
+          <a:noFill/>
+        </p:spPr>
+        <p:txBody>
+          <a:bodyPr wrap="square" rtlCol="0">
+            <a:spAutoFit/>
+          </a:bodyPr>
+          <a:lstStyle/>
+          <a:p>
+            <a:r>
+              <a:rPr lang="en-US" altLang="zh-CN" sz="2800" dirty="0"/>
+              <a:t>Transport</a:t>
+            </a:r>
+            <a:endParaRPr lang="en-US" dirty="0"/>
+          </a:p>
+        </p:txBody>
+      </p:sp>
+      <p:sp>
+        <p:nvSpPr>
+          <p:cNvPr id="93" name="Oval 92">
+            <a:extLst>
+              <a:ext uri="{FF2B5EF4-FFF2-40B4-BE49-F238E27FC236}">
+                <a16:creationId xmlns:a16="http://schemas.microsoft.com/office/drawing/2014/main" id="{8ADC1D91-4678-544C-8747-7A7228CF4D7E}"/>
+              </a:ext>
+            </a:extLst>
+          </p:cNvPr>
+          <p:cNvSpPr/>
+          <p:nvPr/>
+        </p:nvSpPr>
+        <p:spPr>
+          <a:xfrm>
+            <a:off x="855115" y="2575435"/>
+            <a:ext cx="1369044" cy="612669"/>
+          </a:xfrm>
+          <a:prstGeom prst="ellipse">
+            <a:avLst/>
+          </a:prstGeom>
+          <a:solidFill>
+            <a:schemeClr val="accent2">
+              <a:lumMod val="75000"/>
+            </a:schemeClr>
+          </a:solidFill>
+        </p:spPr>
+        <p:style>
+          <a:lnRef idx="2">
+            <a:schemeClr val="accent1">
+              <a:shade val="50000"/>
+            </a:schemeClr>
+          </a:lnRef>
+          <a:fillRef idx="1">
+            <a:schemeClr val="accent1"/>
+          </a:fillRef>
+          <a:effectRef idx="0">
+            <a:schemeClr val="accent1"/>
+          </a:effectRef>
+          <a:fontRef idx="minor">
+            <a:schemeClr val="lt1"/>
+          </a:fontRef>
+        </p:style>
+        <p:txBody>
+          <a:bodyPr rtlCol="0" anchor="ctr"/>
+          <a:lstStyle/>
+          <a:p>
+            <a:pPr algn="ctr"/>
+            <a:r>
+              <a:rPr lang="en-US" altLang="zh-CN" dirty="0"/>
+              <a:t>listener</a:t>
+            </a:r>
+            <a:endParaRPr lang="en-US" dirty="0"/>
+          </a:p>
+        </p:txBody>
+      </p:sp>
+      <p:sp>
+        <p:nvSpPr>
+          <p:cNvPr id="94" name="Oval 93">
+            <a:extLst>
+              <a:ext uri="{FF2B5EF4-FFF2-40B4-BE49-F238E27FC236}">
+                <a16:creationId xmlns:a16="http://schemas.microsoft.com/office/drawing/2014/main" id="{822B1F17-4F08-C044-A27C-43752D3B10DE}"/>
+              </a:ext>
+            </a:extLst>
+          </p:cNvPr>
+          <p:cNvSpPr/>
+          <p:nvPr/>
+        </p:nvSpPr>
+        <p:spPr>
+          <a:xfrm>
+            <a:off x="563852" y="3445737"/>
+            <a:ext cx="1153535" cy="612689"/>
+          </a:xfrm>
+          <a:prstGeom prst="ellipse">
+            <a:avLst/>
+          </a:prstGeom>
+          <a:solidFill>
+            <a:srgbClr val="00B050"/>
+          </a:solidFill>
+        </p:spPr>
+        <p:style>
+          <a:lnRef idx="2">
+            <a:schemeClr val="accent1">
+              <a:shade val="50000"/>
+            </a:schemeClr>
+          </a:lnRef>
+          <a:fillRef idx="1">
+            <a:schemeClr val="accent1"/>
+          </a:fillRef>
+          <a:effectRef idx="0">
+            <a:schemeClr val="accent1"/>
+          </a:effectRef>
+          <a:fontRef idx="minor">
+            <a:schemeClr val="lt1"/>
+          </a:fontRef>
+        </p:style>
+        <p:txBody>
+          <a:bodyPr rtlCol="0" anchor="ctr"/>
+          <a:lstStyle/>
+          <a:p>
+            <a:pPr algn="ctr"/>
+            <a:r>
+              <a:rPr lang="en-US" altLang="zh-CN" dirty="0"/>
+              <a:t>socket</a:t>
+            </a:r>
+            <a:endParaRPr lang="en-US" dirty="0"/>
+          </a:p>
+        </p:txBody>
+      </p:sp>
+      <p:sp>
+        <p:nvSpPr>
+          <p:cNvPr id="95" name="Rectangle 94">
+            <a:extLst>
+              <a:ext uri="{FF2B5EF4-FFF2-40B4-BE49-F238E27FC236}">
+                <a16:creationId xmlns:a16="http://schemas.microsoft.com/office/drawing/2014/main" id="{507DF2AA-01B7-B24E-8F7E-C139D4C59520}"/>
+              </a:ext>
+            </a:extLst>
+          </p:cNvPr>
+          <p:cNvSpPr/>
+          <p:nvPr/>
+        </p:nvSpPr>
+        <p:spPr>
+          <a:xfrm>
+            <a:off x="3990185" y="2639027"/>
+            <a:ext cx="643053" cy="235965"/>
+          </a:xfrm>
+          <a:prstGeom prst="rect">
+            <a:avLst/>
+          </a:prstGeom>
+        </p:spPr>
+        <p:style>
+          <a:lnRef idx="2">
+            <a:schemeClr val="accent1">
+              <a:shade val="50000"/>
+            </a:schemeClr>
+          </a:lnRef>
+          <a:fillRef idx="1">
+            <a:schemeClr val="accent1"/>
+          </a:fillRef>
+          <a:effectRef idx="0">
+            <a:schemeClr val="accent1"/>
+          </a:effectRef>
+          <a:fontRef idx="minor">
+            <a:schemeClr val="lt1"/>
+          </a:fontRef>
+        </p:style>
+        <p:txBody>
+          <a:bodyPr rtlCol="0" anchor="ctr"/>
+          <a:lstStyle/>
+          <a:p>
+            <a:pPr algn="ctr"/>
+            <a:r>
+              <a:rPr lang="en-US" altLang="zh-CN" dirty="0"/>
+              <a:t>Dial</a:t>
+            </a:r>
+            <a:endParaRPr lang="en-US" dirty="0"/>
+          </a:p>
+        </p:txBody>
+      </p:sp>
+      <p:sp>
+        <p:nvSpPr>
+          <p:cNvPr id="96" name="Rectangle 95">
+            <a:extLst>
+              <a:ext uri="{FF2B5EF4-FFF2-40B4-BE49-F238E27FC236}">
+                <a16:creationId xmlns:a16="http://schemas.microsoft.com/office/drawing/2014/main" id="{F74A63A2-6F5C-0342-A3CD-4B6E366C4DDD}"/>
+              </a:ext>
+            </a:extLst>
+          </p:cNvPr>
+          <p:cNvSpPr/>
+          <p:nvPr/>
+        </p:nvSpPr>
+        <p:spPr>
+          <a:xfrm>
+            <a:off x="3447150" y="3242001"/>
+            <a:ext cx="1119491" cy="217354"/>
+          </a:xfrm>
+          <a:prstGeom prst="rect">
+            <a:avLst/>
+          </a:prstGeom>
+          <a:solidFill>
+            <a:srgbClr val="C00000"/>
+          </a:solidFill>
+        </p:spPr>
+        <p:style>
+          <a:lnRef idx="2">
+            <a:schemeClr val="accent1">
+              <a:shade val="50000"/>
+            </a:schemeClr>
+          </a:lnRef>
+          <a:fillRef idx="1">
+            <a:schemeClr val="accent1"/>
+          </a:fillRef>
+          <a:effectRef idx="0">
+            <a:schemeClr val="accent1"/>
+          </a:effectRef>
+          <a:fontRef idx="minor">
+            <a:schemeClr val="lt1"/>
+          </a:fontRef>
+        </p:style>
+        <p:txBody>
+          <a:bodyPr rtlCol="0" anchor="ctr"/>
+          <a:lstStyle/>
+          <a:p>
+            <a:pPr algn="ctr"/>
+            <a:r>
+              <a:rPr lang="en-US" altLang="zh-CN" dirty="0"/>
+              <a:t>Receive</a:t>
+            </a:r>
+            <a:endParaRPr lang="en-US" dirty="0"/>
+          </a:p>
+        </p:txBody>
+      </p:sp>
+      <p:sp>
+        <p:nvSpPr>
+          <p:cNvPr id="97" name="Rectangle 96">
+            <a:extLst>
+              <a:ext uri="{FF2B5EF4-FFF2-40B4-BE49-F238E27FC236}">
+                <a16:creationId xmlns:a16="http://schemas.microsoft.com/office/drawing/2014/main" id="{2724AAE1-4623-964E-973F-BAA5B5F1724B}"/>
+              </a:ext>
+            </a:extLst>
+          </p:cNvPr>
+          <p:cNvSpPr/>
+          <p:nvPr/>
+        </p:nvSpPr>
+        <p:spPr>
+          <a:xfrm>
+            <a:off x="3622926" y="3928558"/>
+            <a:ext cx="1113092" cy="217354"/>
+          </a:xfrm>
+          <a:prstGeom prst="rect">
+            <a:avLst/>
+          </a:prstGeom>
+          <a:solidFill>
+            <a:srgbClr val="C00000"/>
+          </a:solidFill>
+        </p:spPr>
+        <p:style>
+          <a:lnRef idx="2">
+            <a:schemeClr val="accent1">
+              <a:shade val="50000"/>
+            </a:schemeClr>
+          </a:lnRef>
+          <a:fillRef idx="1">
+            <a:schemeClr val="accent1"/>
+          </a:fillRef>
+          <a:effectRef idx="0">
+            <a:schemeClr val="accent1"/>
+          </a:effectRef>
+          <a:fontRef idx="minor">
+            <a:schemeClr val="lt1"/>
+          </a:fontRef>
+        </p:style>
+        <p:txBody>
+          <a:bodyPr rtlCol="0" anchor="ctr"/>
+          <a:lstStyle/>
+          <a:p>
+            <a:pPr algn="ctr"/>
+            <a:r>
+              <a:rPr lang="en-US" altLang="zh-CN" dirty="0"/>
+              <a:t>Send</a:t>
+            </a:r>
+            <a:endParaRPr lang="en-US" dirty="0"/>
+          </a:p>
+        </p:txBody>
+      </p:sp>
+      <p:sp>
+        <p:nvSpPr>
+          <p:cNvPr id="98" name="TextBox 97">
+            <a:extLst>
+              <a:ext uri="{FF2B5EF4-FFF2-40B4-BE49-F238E27FC236}">
+                <a16:creationId xmlns:a16="http://schemas.microsoft.com/office/drawing/2014/main" id="{0BD76AB5-640E-C547-A3DE-8755E47D7900}"/>
+              </a:ext>
+            </a:extLst>
+          </p:cNvPr>
+          <p:cNvSpPr txBox="1"/>
+          <p:nvPr/>
+        </p:nvSpPr>
+        <p:spPr>
+          <a:xfrm>
+            <a:off x="2345309" y="974736"/>
+            <a:ext cx="1415924" cy="369332"/>
+          </a:xfrm>
+          <a:prstGeom prst="rect">
+            <a:avLst/>
+          </a:prstGeom>
+          <a:noFill/>
+        </p:spPr>
+        <p:txBody>
+          <a:bodyPr wrap="square" rtlCol="0">
+            <a:spAutoFit/>
+          </a:bodyPr>
+          <a:lstStyle/>
+          <a:p>
+            <a:r>
+              <a:rPr lang="en-US" altLang="zh-CN" dirty="0"/>
+              <a:t>Client</a:t>
+            </a:r>
+          </a:p>
+        </p:txBody>
+      </p:sp>
+      <p:cxnSp>
+        <p:nvCxnSpPr>
+          <p:cNvPr id="100" name="Straight Arrow Connector 99">
+            <a:extLst>
+              <a:ext uri="{FF2B5EF4-FFF2-40B4-BE49-F238E27FC236}">
+                <a16:creationId xmlns:a16="http://schemas.microsoft.com/office/drawing/2014/main" id="{A27ADDA2-DEAE-C54E-B847-5DACA2E243B3}"/>
+              </a:ext>
+            </a:extLst>
+          </p:cNvPr>
+          <p:cNvCxnSpPr>
+            <a:cxnSpLocks/>
+            <a:stCxn id="97" idx="3"/>
+            <a:endCxn id="59" idx="1"/>
+          </p:cNvCxnSpPr>
+          <p:nvPr/>
+        </p:nvCxnSpPr>
+        <p:spPr>
+          <a:xfrm>
+            <a:off x="4736018" y="4037235"/>
+            <a:ext cx="3169816" cy="135819"/>
+          </a:xfrm>
+          <a:prstGeom prst="straightConnector1">
+            <a:avLst/>
+          </a:prstGeom>
+          <a:ln>
+            <a:solidFill>
+              <a:srgbClr val="FF0000"/>
+            </a:solidFill>
+            <a:tailEnd type="triangle"/>
+          </a:ln>
+        </p:spPr>
+        <p:style>
+          <a:lnRef idx="1">
+            <a:schemeClr val="accent1"/>
+          </a:lnRef>
+          <a:fillRef idx="0">
+            <a:schemeClr val="accent1"/>
+          </a:fillRef>
+          <a:effectRef idx="0">
+            <a:schemeClr val="accent1"/>
+          </a:effectRef>
+          <a:fontRef idx="minor">
+            <a:schemeClr val="tx1"/>
+          </a:fontRef>
+        </p:style>
+      </p:cxnSp>
+      <p:cxnSp>
+        <p:nvCxnSpPr>
+          <p:cNvPr id="103" name="Straight Arrow Connector 102">
+            <a:extLst>
+              <a:ext uri="{FF2B5EF4-FFF2-40B4-BE49-F238E27FC236}">
+                <a16:creationId xmlns:a16="http://schemas.microsoft.com/office/drawing/2014/main" id="{4DE6F393-94E1-E54C-830C-B3BDEC8E8835}"/>
+              </a:ext>
+            </a:extLst>
+          </p:cNvPr>
+          <p:cNvCxnSpPr>
+            <a:cxnSpLocks/>
+            <a:stCxn id="60" idx="1"/>
+            <a:endCxn id="96" idx="3"/>
+          </p:cNvCxnSpPr>
+          <p:nvPr/>
+        </p:nvCxnSpPr>
+        <p:spPr>
+          <a:xfrm flipH="1" flipV="1">
+            <a:off x="4566641" y="3350678"/>
+            <a:ext cx="3319417" cy="1330340"/>
+          </a:xfrm>
+          <a:prstGeom prst="straightConnector1">
+            <a:avLst/>
+          </a:prstGeom>
+          <a:ln>
+            <a:solidFill>
+              <a:srgbClr val="FF0000"/>
+            </a:solidFill>
+            <a:tailEnd type="triangle"/>
+          </a:ln>
+        </p:spPr>
+        <p:style>
+          <a:lnRef idx="1">
+            <a:schemeClr val="accent1"/>
+          </a:lnRef>
+          <a:fillRef idx="0">
+            <a:schemeClr val="accent1"/>
+          </a:fillRef>
+          <a:effectRef idx="0">
+            <a:schemeClr val="accent1"/>
+          </a:effectRef>
+          <a:fontRef idx="minor">
+            <a:schemeClr val="tx1"/>
+          </a:fontRef>
+        </p:style>
+      </p:cxnSp>
+      <p:sp>
+        <p:nvSpPr>
+          <p:cNvPr id="111" name="Rectangle 110">
+            <a:extLst>
+              <a:ext uri="{FF2B5EF4-FFF2-40B4-BE49-F238E27FC236}">
+                <a16:creationId xmlns:a16="http://schemas.microsoft.com/office/drawing/2014/main" id="{AD880A22-A9AE-3643-B254-0145BC5CBE3B}"/>
+              </a:ext>
+            </a:extLst>
+          </p:cNvPr>
+          <p:cNvSpPr/>
+          <p:nvPr/>
+        </p:nvSpPr>
+        <p:spPr>
+          <a:xfrm>
+            <a:off x="3923588" y="1453269"/>
+            <a:ext cx="643053" cy="235965"/>
+          </a:xfrm>
+          <a:prstGeom prst="rect">
+            <a:avLst/>
+          </a:prstGeom>
+        </p:spPr>
+        <p:style>
+          <a:lnRef idx="2">
+            <a:schemeClr val="accent1">
+              <a:shade val="50000"/>
+            </a:schemeClr>
+          </a:lnRef>
+          <a:fillRef idx="1">
+            <a:schemeClr val="accent1"/>
+          </a:fillRef>
+          <a:effectRef idx="0">
+            <a:schemeClr val="accent1"/>
+          </a:effectRef>
+          <a:fontRef idx="minor">
+            <a:schemeClr val="lt1"/>
+          </a:fontRef>
+        </p:style>
+        <p:txBody>
+          <a:bodyPr rtlCol="0" anchor="ctr"/>
+          <a:lstStyle/>
+          <a:p>
+            <a:pPr algn="ctr"/>
+            <a:r>
+              <a:rPr lang="en-US" altLang="zh-CN" dirty="0"/>
+              <a:t>Call</a:t>
             </a:r>
             <a:endParaRPr lang="en-US" dirty="0"/>
           </a:p>
@@ -9403,6 +10274,1335 @@
     <p:extLst>
       <p:ext uri="{BB962C8B-B14F-4D97-AF65-F5344CB8AC3E}">
         <p14:creationId xmlns:p14="http://schemas.microsoft.com/office/powerpoint/2010/main" val="3240230934"/>
+      </p:ext>
+    </p:extLst>
+  </p:cSld>
+  <p:clrMapOvr>
+    <a:masterClrMapping/>
+  </p:clrMapOvr>
+</p:sld>
+</file>
+
+<file path=ppt/slides/slide15.xml><?xml version="1.0" encoding="utf-8"?>
+<p:sld xmlns:a="http://schemas.openxmlformats.org/drawingml/2006/main" xmlns:r="http://schemas.openxmlformats.org/officeDocument/2006/relationships" xmlns:p="http://schemas.openxmlformats.org/presentationml/2006/main">
+  <p:cSld>
+    <p:spTree>
+      <p:nvGrpSpPr>
+        <p:cNvPr id="1" name=""/>
+        <p:cNvGrpSpPr/>
+        <p:nvPr/>
+      </p:nvGrpSpPr>
+      <p:grpSpPr>
+        <a:xfrm>
+          <a:off x="0" y="0"/>
+          <a:ext cx="0" cy="0"/>
+          <a:chOff x="0" y="0"/>
+          <a:chExt cx="0" cy="0"/>
+        </a:xfrm>
+      </p:grpSpPr>
+      <p:sp>
+        <p:nvSpPr>
+          <p:cNvPr id="2" name="Rectangle 1">
+            <a:extLst>
+              <a:ext uri="{FF2B5EF4-FFF2-40B4-BE49-F238E27FC236}">
+                <a16:creationId xmlns:a16="http://schemas.microsoft.com/office/drawing/2014/main" id="{786A2334-0933-C44D-8F3D-0E54D1FCEE23}"/>
+              </a:ext>
+            </a:extLst>
+          </p:cNvPr>
+          <p:cNvSpPr/>
+          <p:nvPr/>
+        </p:nvSpPr>
+        <p:spPr>
+          <a:xfrm>
+            <a:off x="1803862" y="473825"/>
+            <a:ext cx="2992582" cy="3956859"/>
+          </a:xfrm>
+          <a:prstGeom prst="rect">
+            <a:avLst/>
+          </a:prstGeom>
+          <a:solidFill>
+            <a:schemeClr val="bg1"/>
+          </a:solidFill>
+        </p:spPr>
+        <p:style>
+          <a:lnRef idx="2">
+            <a:schemeClr val="accent1">
+              <a:shade val="50000"/>
+            </a:schemeClr>
+          </a:lnRef>
+          <a:fillRef idx="1">
+            <a:schemeClr val="accent1"/>
+          </a:fillRef>
+          <a:effectRef idx="0">
+            <a:schemeClr val="accent1"/>
+          </a:effectRef>
+          <a:fontRef idx="minor">
+            <a:schemeClr val="lt1"/>
+          </a:fontRef>
+        </p:style>
+        <p:txBody>
+          <a:bodyPr rtlCol="0" anchor="ctr"/>
+          <a:lstStyle/>
+          <a:p>
+            <a:pPr algn="ctr"/>
+            <a:endParaRPr lang="en-US" dirty="0"/>
+          </a:p>
+        </p:txBody>
+      </p:sp>
+      <p:sp>
+        <p:nvSpPr>
+          <p:cNvPr id="27" name="Rectangle 26">
+            <a:extLst>
+              <a:ext uri="{FF2B5EF4-FFF2-40B4-BE49-F238E27FC236}">
+                <a16:creationId xmlns:a16="http://schemas.microsoft.com/office/drawing/2014/main" id="{0E8AAFF0-FF05-074C-906C-2A4F2ACDBCD0}"/>
+              </a:ext>
+            </a:extLst>
+          </p:cNvPr>
+          <p:cNvSpPr/>
+          <p:nvPr/>
+        </p:nvSpPr>
+        <p:spPr>
+          <a:xfrm>
+            <a:off x="5337208" y="473825"/>
+            <a:ext cx="1944742" cy="3956859"/>
+          </a:xfrm>
+          <a:prstGeom prst="rect">
+            <a:avLst/>
+          </a:prstGeom>
+          <a:solidFill>
+            <a:schemeClr val="bg1"/>
+          </a:solidFill>
+        </p:spPr>
+        <p:style>
+          <a:lnRef idx="2">
+            <a:schemeClr val="accent1">
+              <a:shade val="50000"/>
+            </a:schemeClr>
+          </a:lnRef>
+          <a:fillRef idx="1">
+            <a:schemeClr val="accent1"/>
+          </a:fillRef>
+          <a:effectRef idx="0">
+            <a:schemeClr val="accent1"/>
+          </a:effectRef>
+          <a:fontRef idx="minor">
+            <a:schemeClr val="lt1"/>
+          </a:fontRef>
+        </p:style>
+        <p:txBody>
+          <a:bodyPr rtlCol="0" anchor="ctr"/>
+          <a:lstStyle/>
+          <a:p>
+            <a:pPr algn="ctr"/>
+            <a:endParaRPr lang="en-US"/>
+          </a:p>
+        </p:txBody>
+      </p:sp>
+      <p:sp>
+        <p:nvSpPr>
+          <p:cNvPr id="3" name="TextBox 2">
+            <a:extLst>
+              <a:ext uri="{FF2B5EF4-FFF2-40B4-BE49-F238E27FC236}">
+                <a16:creationId xmlns:a16="http://schemas.microsoft.com/office/drawing/2014/main" id="{79F7CCE3-FB7F-DA40-88FF-C72A9DFE5AFB}"/>
+              </a:ext>
+            </a:extLst>
+          </p:cNvPr>
+          <p:cNvSpPr txBox="1"/>
+          <p:nvPr/>
+        </p:nvSpPr>
+        <p:spPr>
+          <a:xfrm>
+            <a:off x="2807151" y="124758"/>
+            <a:ext cx="725968" cy="369332"/>
+          </a:xfrm>
+          <a:prstGeom prst="rect">
+            <a:avLst/>
+          </a:prstGeom>
+          <a:noFill/>
+        </p:spPr>
+        <p:txBody>
+          <a:bodyPr wrap="none" rtlCol="0">
+            <a:spAutoFit/>
+          </a:bodyPr>
+          <a:lstStyle/>
+          <a:p>
+            <a:r>
+              <a:rPr lang="en-US" altLang="zh-CN" dirty="0"/>
+              <a:t>Client</a:t>
+            </a:r>
+            <a:endParaRPr lang="en-US" dirty="0"/>
+          </a:p>
+        </p:txBody>
+      </p:sp>
+      <p:sp>
+        <p:nvSpPr>
+          <p:cNvPr id="29" name="TextBox 28">
+            <a:extLst>
+              <a:ext uri="{FF2B5EF4-FFF2-40B4-BE49-F238E27FC236}">
+                <a16:creationId xmlns:a16="http://schemas.microsoft.com/office/drawing/2014/main" id="{CA86254E-04A3-8B4F-A38A-B98795BE1C64}"/>
+              </a:ext>
+            </a:extLst>
+          </p:cNvPr>
+          <p:cNvSpPr txBox="1"/>
+          <p:nvPr/>
+        </p:nvSpPr>
+        <p:spPr>
+          <a:xfrm>
+            <a:off x="5812741" y="64479"/>
+            <a:ext cx="785664" cy="369332"/>
+          </a:xfrm>
+          <a:prstGeom prst="rect">
+            <a:avLst/>
+          </a:prstGeom>
+          <a:noFill/>
+        </p:spPr>
+        <p:txBody>
+          <a:bodyPr wrap="none" rtlCol="0">
+            <a:spAutoFit/>
+          </a:bodyPr>
+          <a:lstStyle/>
+          <a:p>
+            <a:r>
+              <a:rPr lang="en-US" altLang="zh-CN" dirty="0"/>
+              <a:t>Server</a:t>
+            </a:r>
+            <a:endParaRPr lang="en-US" dirty="0"/>
+          </a:p>
+        </p:txBody>
+      </p:sp>
+      <p:sp>
+        <p:nvSpPr>
+          <p:cNvPr id="31" name="Rectangle 30">
+            <a:extLst>
+              <a:ext uri="{FF2B5EF4-FFF2-40B4-BE49-F238E27FC236}">
+                <a16:creationId xmlns:a16="http://schemas.microsoft.com/office/drawing/2014/main" id="{49E2CFD2-1193-A14A-BADE-F9BBE22C5700}"/>
+              </a:ext>
+            </a:extLst>
+          </p:cNvPr>
+          <p:cNvSpPr/>
+          <p:nvPr/>
+        </p:nvSpPr>
+        <p:spPr>
+          <a:xfrm>
+            <a:off x="2003367" y="1114905"/>
+            <a:ext cx="2610197" cy="3141211"/>
+          </a:xfrm>
+          <a:prstGeom prst="rect">
+            <a:avLst/>
+          </a:prstGeom>
+          <a:solidFill>
+            <a:schemeClr val="bg1"/>
+          </a:solidFill>
+        </p:spPr>
+        <p:style>
+          <a:lnRef idx="2">
+            <a:schemeClr val="accent1">
+              <a:shade val="50000"/>
+            </a:schemeClr>
+          </a:lnRef>
+          <a:fillRef idx="1">
+            <a:schemeClr val="accent1"/>
+          </a:fillRef>
+          <a:effectRef idx="0">
+            <a:schemeClr val="accent1"/>
+          </a:effectRef>
+          <a:fontRef idx="minor">
+            <a:schemeClr val="lt1"/>
+          </a:fontRef>
+        </p:style>
+        <p:txBody>
+          <a:bodyPr rtlCol="0" anchor="ctr"/>
+          <a:lstStyle/>
+          <a:p>
+            <a:pPr algn="ctr"/>
+            <a:endParaRPr lang="en-US" dirty="0"/>
+          </a:p>
+        </p:txBody>
+      </p:sp>
+      <p:sp>
+        <p:nvSpPr>
+          <p:cNvPr id="34" name="TextBox 33">
+            <a:extLst>
+              <a:ext uri="{FF2B5EF4-FFF2-40B4-BE49-F238E27FC236}">
+                <a16:creationId xmlns:a16="http://schemas.microsoft.com/office/drawing/2014/main" id="{82D9D8A3-834C-064D-A450-FB5EDD4BBAF8}"/>
+              </a:ext>
+            </a:extLst>
+          </p:cNvPr>
+          <p:cNvSpPr txBox="1"/>
+          <p:nvPr/>
+        </p:nvSpPr>
+        <p:spPr>
+          <a:xfrm>
+            <a:off x="5299449" y="448648"/>
+            <a:ext cx="781111" cy="276999"/>
+          </a:xfrm>
+          <a:prstGeom prst="rect">
+            <a:avLst/>
+          </a:prstGeom>
+          <a:noFill/>
+        </p:spPr>
+        <p:txBody>
+          <a:bodyPr wrap="none" rtlCol="0">
+            <a:spAutoFit/>
+          </a:bodyPr>
+          <a:lstStyle/>
+          <a:p>
+            <a:r>
+              <a:rPr lang="en-US" altLang="zh-CN" sz="1200" dirty="0"/>
+              <a:t>Transport</a:t>
+            </a:r>
+            <a:endParaRPr lang="en-US" dirty="0"/>
+          </a:p>
+        </p:txBody>
+      </p:sp>
+      <p:sp>
+        <p:nvSpPr>
+          <p:cNvPr id="37" name="Rectangle 36">
+            <a:extLst>
+              <a:ext uri="{FF2B5EF4-FFF2-40B4-BE49-F238E27FC236}">
+                <a16:creationId xmlns:a16="http://schemas.microsoft.com/office/drawing/2014/main" id="{D6B3F8A2-A2B4-844B-8299-37CFC501B08B}"/>
+              </a:ext>
+            </a:extLst>
+          </p:cNvPr>
+          <p:cNvSpPr/>
+          <p:nvPr/>
+        </p:nvSpPr>
+        <p:spPr>
+          <a:xfrm>
+            <a:off x="5560776" y="750824"/>
+            <a:ext cx="1519435" cy="741728"/>
+          </a:xfrm>
+          <a:prstGeom prst="rect">
+            <a:avLst/>
+          </a:prstGeom>
+          <a:solidFill>
+            <a:schemeClr val="bg1"/>
+          </a:solidFill>
+        </p:spPr>
+        <p:style>
+          <a:lnRef idx="2">
+            <a:schemeClr val="accent1">
+              <a:shade val="50000"/>
+            </a:schemeClr>
+          </a:lnRef>
+          <a:fillRef idx="1">
+            <a:schemeClr val="accent1"/>
+          </a:fillRef>
+          <a:effectRef idx="0">
+            <a:schemeClr val="accent1"/>
+          </a:effectRef>
+          <a:fontRef idx="minor">
+            <a:schemeClr val="lt1"/>
+          </a:fontRef>
+        </p:style>
+        <p:txBody>
+          <a:bodyPr rtlCol="0" anchor="ctr"/>
+          <a:lstStyle/>
+          <a:p>
+            <a:pPr algn="ctr"/>
+            <a:endParaRPr lang="en-US" dirty="0"/>
+          </a:p>
+        </p:txBody>
+      </p:sp>
+      <p:sp>
+        <p:nvSpPr>
+          <p:cNvPr id="41" name="Rectangle 40">
+            <a:extLst>
+              <a:ext uri="{FF2B5EF4-FFF2-40B4-BE49-F238E27FC236}">
+                <a16:creationId xmlns:a16="http://schemas.microsoft.com/office/drawing/2014/main" id="{D057B1A2-3BBA-E741-9FFB-9D1CE83DA1E5}"/>
+              </a:ext>
+            </a:extLst>
+          </p:cNvPr>
+          <p:cNvSpPr/>
+          <p:nvPr/>
+        </p:nvSpPr>
+        <p:spPr>
+          <a:xfrm>
+            <a:off x="2152996" y="1529420"/>
+            <a:ext cx="2302626" cy="2535504"/>
+          </a:xfrm>
+          <a:prstGeom prst="rect">
+            <a:avLst/>
+          </a:prstGeom>
+          <a:solidFill>
+            <a:schemeClr val="bg1"/>
+          </a:solidFill>
+        </p:spPr>
+        <p:style>
+          <a:lnRef idx="2">
+            <a:schemeClr val="accent1">
+              <a:shade val="50000"/>
+            </a:schemeClr>
+          </a:lnRef>
+          <a:fillRef idx="1">
+            <a:schemeClr val="accent1"/>
+          </a:fillRef>
+          <a:effectRef idx="0">
+            <a:schemeClr val="accent1"/>
+          </a:effectRef>
+          <a:fontRef idx="minor">
+            <a:schemeClr val="lt1"/>
+          </a:fontRef>
+        </p:style>
+        <p:txBody>
+          <a:bodyPr rtlCol="0" anchor="ctr"/>
+          <a:lstStyle/>
+          <a:p>
+            <a:pPr algn="ctr"/>
+            <a:endParaRPr lang="en-US" dirty="0">
+              <a:solidFill>
+                <a:schemeClr val="tx1"/>
+              </a:solidFill>
+            </a:endParaRPr>
+          </a:p>
+        </p:txBody>
+      </p:sp>
+      <p:sp>
+        <p:nvSpPr>
+          <p:cNvPr id="4" name="TextBox 3">
+            <a:extLst>
+              <a:ext uri="{FF2B5EF4-FFF2-40B4-BE49-F238E27FC236}">
+                <a16:creationId xmlns:a16="http://schemas.microsoft.com/office/drawing/2014/main" id="{18252EF2-3053-A540-BB34-73D16D35E3FD}"/>
+              </a:ext>
+            </a:extLst>
+          </p:cNvPr>
+          <p:cNvSpPr txBox="1"/>
+          <p:nvPr/>
+        </p:nvSpPr>
+        <p:spPr>
+          <a:xfrm>
+            <a:off x="823183" y="6353176"/>
+            <a:ext cx="3534942" cy="369332"/>
+          </a:xfrm>
+          <a:prstGeom prst="rect">
+            <a:avLst/>
+          </a:prstGeom>
+          <a:noFill/>
+        </p:spPr>
+        <p:txBody>
+          <a:bodyPr wrap="none" rtlCol="0">
+            <a:spAutoFit/>
+          </a:bodyPr>
+          <a:lstStyle/>
+          <a:p>
+            <a:r>
+              <a:rPr lang="zh-CN" altLang="en-US" dirty="0">
+                <a:solidFill>
+                  <a:srgbClr val="FF0000"/>
+                </a:solidFill>
+              </a:rPr>
+              <a:t>注：为了简化，忽略了</a:t>
+            </a:r>
+            <a:r>
+              <a:rPr lang="en-US" altLang="zh-CN" dirty="0">
+                <a:solidFill>
+                  <a:srgbClr val="FF0000"/>
+                </a:solidFill>
+              </a:rPr>
+              <a:t>Codec</a:t>
+            </a:r>
+            <a:r>
+              <a:rPr lang="zh-CN" altLang="en-US" dirty="0">
+                <a:solidFill>
+                  <a:srgbClr val="FF0000"/>
+                </a:solidFill>
+              </a:rPr>
+              <a:t>模块</a:t>
+            </a:r>
+            <a:endParaRPr lang="en-US" dirty="0">
+              <a:solidFill>
+                <a:srgbClr val="FF0000"/>
+              </a:solidFill>
+            </a:endParaRPr>
+          </a:p>
+        </p:txBody>
+      </p:sp>
+      <p:sp>
+        <p:nvSpPr>
+          <p:cNvPr id="43" name="TextBox 42">
+            <a:extLst>
+              <a:ext uri="{FF2B5EF4-FFF2-40B4-BE49-F238E27FC236}">
+                <a16:creationId xmlns:a16="http://schemas.microsoft.com/office/drawing/2014/main" id="{E221178B-F84B-D341-9116-51AB811B7C4B}"/>
+              </a:ext>
+            </a:extLst>
+          </p:cNvPr>
+          <p:cNvSpPr txBox="1"/>
+          <p:nvPr/>
+        </p:nvSpPr>
+        <p:spPr>
+          <a:xfrm>
+            <a:off x="2833016" y="1114905"/>
+            <a:ext cx="854914" cy="369332"/>
+          </a:xfrm>
+          <a:prstGeom prst="rect">
+            <a:avLst/>
+          </a:prstGeom>
+          <a:noFill/>
+        </p:spPr>
+        <p:txBody>
+          <a:bodyPr wrap="none" rtlCol="0">
+            <a:spAutoFit/>
+          </a:bodyPr>
+          <a:lstStyle/>
+          <a:p>
+            <a:r>
+              <a:rPr lang="en-US" altLang="zh-CN" dirty="0"/>
+              <a:t>Stream</a:t>
+            </a:r>
+            <a:endParaRPr lang="en-US" dirty="0"/>
+          </a:p>
+        </p:txBody>
+      </p:sp>
+      <p:sp>
+        <p:nvSpPr>
+          <p:cNvPr id="44" name="Rectangle 43">
+            <a:extLst>
+              <a:ext uri="{FF2B5EF4-FFF2-40B4-BE49-F238E27FC236}">
+                <a16:creationId xmlns:a16="http://schemas.microsoft.com/office/drawing/2014/main" id="{483752C5-2295-B24E-A556-EB0C1ED3D7A0}"/>
+              </a:ext>
+            </a:extLst>
+          </p:cNvPr>
+          <p:cNvSpPr/>
+          <p:nvPr/>
+        </p:nvSpPr>
+        <p:spPr>
+          <a:xfrm>
+            <a:off x="2277252" y="1673481"/>
+            <a:ext cx="2045802" cy="262335"/>
+          </a:xfrm>
+          <a:prstGeom prst="rect">
+            <a:avLst/>
+          </a:prstGeom>
+          <a:solidFill>
+            <a:schemeClr val="bg1"/>
+          </a:solidFill>
+        </p:spPr>
+        <p:style>
+          <a:lnRef idx="2">
+            <a:schemeClr val="accent1">
+              <a:shade val="50000"/>
+            </a:schemeClr>
+          </a:lnRef>
+          <a:fillRef idx="1">
+            <a:schemeClr val="accent1"/>
+          </a:fillRef>
+          <a:effectRef idx="0">
+            <a:schemeClr val="accent1"/>
+          </a:effectRef>
+          <a:fontRef idx="minor">
+            <a:schemeClr val="lt1"/>
+          </a:fontRef>
+        </p:style>
+        <p:txBody>
+          <a:bodyPr rtlCol="0" anchor="ctr"/>
+          <a:lstStyle/>
+          <a:p>
+            <a:pPr algn="ctr"/>
+            <a:r>
+              <a:rPr lang="en-US" altLang="zh-CN" dirty="0">
+                <a:solidFill>
+                  <a:schemeClr val="tx1"/>
+                </a:solidFill>
+              </a:rPr>
+              <a:t>Dial</a:t>
+            </a:r>
+            <a:endParaRPr lang="en-US" dirty="0">
+              <a:solidFill>
+                <a:schemeClr val="tx1"/>
+              </a:solidFill>
+            </a:endParaRPr>
+          </a:p>
+        </p:txBody>
+      </p:sp>
+      <p:sp>
+        <p:nvSpPr>
+          <p:cNvPr id="64" name="Rectangle 63">
+            <a:extLst>
+              <a:ext uri="{FF2B5EF4-FFF2-40B4-BE49-F238E27FC236}">
+                <a16:creationId xmlns:a16="http://schemas.microsoft.com/office/drawing/2014/main" id="{865B17DC-0D33-C84E-9BF8-A84C8C3EBE61}"/>
+              </a:ext>
+            </a:extLst>
+          </p:cNvPr>
+          <p:cNvSpPr/>
+          <p:nvPr/>
+        </p:nvSpPr>
+        <p:spPr>
+          <a:xfrm>
+            <a:off x="2281234" y="2159737"/>
+            <a:ext cx="2053244" cy="1722307"/>
+          </a:xfrm>
+          <a:prstGeom prst="rect">
+            <a:avLst/>
+          </a:prstGeom>
+          <a:solidFill>
+            <a:schemeClr val="bg1"/>
+          </a:solidFill>
+        </p:spPr>
+        <p:style>
+          <a:lnRef idx="2">
+            <a:schemeClr val="accent1">
+              <a:shade val="50000"/>
+            </a:schemeClr>
+          </a:lnRef>
+          <a:fillRef idx="1">
+            <a:schemeClr val="accent1"/>
+          </a:fillRef>
+          <a:effectRef idx="0">
+            <a:schemeClr val="accent1"/>
+          </a:effectRef>
+          <a:fontRef idx="minor">
+            <a:schemeClr val="lt1"/>
+          </a:fontRef>
+        </p:style>
+        <p:txBody>
+          <a:bodyPr rtlCol="0" anchor="ctr"/>
+          <a:lstStyle/>
+          <a:p>
+            <a:pPr algn="ctr"/>
+            <a:endParaRPr lang="en-US" dirty="0"/>
+          </a:p>
+        </p:txBody>
+      </p:sp>
+      <p:sp>
+        <p:nvSpPr>
+          <p:cNvPr id="66" name="Rectangle 65">
+            <a:extLst>
+              <a:ext uri="{FF2B5EF4-FFF2-40B4-BE49-F238E27FC236}">
+                <a16:creationId xmlns:a16="http://schemas.microsoft.com/office/drawing/2014/main" id="{77628AAA-4BFB-134A-9AB4-B14968377A8A}"/>
+              </a:ext>
+            </a:extLst>
+          </p:cNvPr>
+          <p:cNvSpPr/>
+          <p:nvPr/>
+        </p:nvSpPr>
+        <p:spPr>
+          <a:xfrm>
+            <a:off x="2496930" y="2517783"/>
+            <a:ext cx="1654231" cy="1181382"/>
+          </a:xfrm>
+          <a:prstGeom prst="rect">
+            <a:avLst/>
+          </a:prstGeom>
+          <a:solidFill>
+            <a:schemeClr val="bg1"/>
+          </a:solidFill>
+        </p:spPr>
+        <p:style>
+          <a:lnRef idx="2">
+            <a:schemeClr val="accent1">
+              <a:shade val="50000"/>
+            </a:schemeClr>
+          </a:lnRef>
+          <a:fillRef idx="1">
+            <a:schemeClr val="accent1"/>
+          </a:fillRef>
+          <a:effectRef idx="0">
+            <a:schemeClr val="accent1"/>
+          </a:effectRef>
+          <a:fontRef idx="minor">
+            <a:schemeClr val="lt1"/>
+          </a:fontRef>
+        </p:style>
+        <p:txBody>
+          <a:bodyPr rtlCol="0" anchor="ctr"/>
+          <a:lstStyle/>
+          <a:p>
+            <a:pPr algn="ctr"/>
+            <a:endParaRPr lang="en-US" dirty="0"/>
+          </a:p>
+        </p:txBody>
+      </p:sp>
+      <p:sp>
+        <p:nvSpPr>
+          <p:cNvPr id="67" name="TextBox 66">
+            <a:extLst>
+              <a:ext uri="{FF2B5EF4-FFF2-40B4-BE49-F238E27FC236}">
+                <a16:creationId xmlns:a16="http://schemas.microsoft.com/office/drawing/2014/main" id="{DDD1C875-F86E-E642-9220-9E49B7576792}"/>
+              </a:ext>
+            </a:extLst>
+          </p:cNvPr>
+          <p:cNvSpPr txBox="1"/>
+          <p:nvPr/>
+        </p:nvSpPr>
+        <p:spPr>
+          <a:xfrm>
+            <a:off x="2496930" y="2513985"/>
+            <a:ext cx="648126" cy="276999"/>
+          </a:xfrm>
+          <a:prstGeom prst="rect">
+            <a:avLst/>
+          </a:prstGeom>
+          <a:noFill/>
+        </p:spPr>
+        <p:txBody>
+          <a:bodyPr wrap="none" rtlCol="0">
+            <a:spAutoFit/>
+          </a:bodyPr>
+          <a:lstStyle/>
+          <a:p>
+            <a:r>
+              <a:rPr lang="en-US" altLang="zh-CN" sz="1200" dirty="0" err="1"/>
+              <a:t>trClient</a:t>
+            </a:r>
+            <a:endParaRPr lang="en-US" dirty="0"/>
+          </a:p>
+        </p:txBody>
+      </p:sp>
+      <p:sp>
+        <p:nvSpPr>
+          <p:cNvPr id="68" name="Rectangle 67">
+            <a:extLst>
+              <a:ext uri="{FF2B5EF4-FFF2-40B4-BE49-F238E27FC236}">
+                <a16:creationId xmlns:a16="http://schemas.microsoft.com/office/drawing/2014/main" id="{4CDC3D2B-D88D-7F46-9603-1BB556D63CCD}"/>
+              </a:ext>
+            </a:extLst>
+          </p:cNvPr>
+          <p:cNvSpPr/>
+          <p:nvPr/>
+        </p:nvSpPr>
+        <p:spPr>
+          <a:xfrm>
+            <a:off x="2853296" y="2836167"/>
+            <a:ext cx="842502" cy="262335"/>
+          </a:xfrm>
+          <a:prstGeom prst="rect">
+            <a:avLst/>
+          </a:prstGeom>
+          <a:solidFill>
+            <a:schemeClr val="bg1"/>
+          </a:solidFill>
+        </p:spPr>
+        <p:style>
+          <a:lnRef idx="2">
+            <a:schemeClr val="accent1">
+              <a:shade val="50000"/>
+            </a:schemeClr>
+          </a:lnRef>
+          <a:fillRef idx="1">
+            <a:schemeClr val="accent1"/>
+          </a:fillRef>
+          <a:effectRef idx="0">
+            <a:schemeClr val="accent1"/>
+          </a:effectRef>
+          <a:fontRef idx="minor">
+            <a:schemeClr val="lt1"/>
+          </a:fontRef>
+        </p:style>
+        <p:txBody>
+          <a:bodyPr rtlCol="0" anchor="ctr"/>
+          <a:lstStyle/>
+          <a:p>
+            <a:pPr algn="ctr"/>
+            <a:r>
+              <a:rPr lang="en-US" altLang="zh-CN" dirty="0">
+                <a:solidFill>
+                  <a:schemeClr val="tx1"/>
+                </a:solidFill>
+              </a:rPr>
+              <a:t>Send</a:t>
+            </a:r>
+            <a:endParaRPr lang="en-US" dirty="0">
+              <a:solidFill>
+                <a:schemeClr val="tx1"/>
+              </a:solidFill>
+            </a:endParaRPr>
+          </a:p>
+        </p:txBody>
+      </p:sp>
+      <p:sp>
+        <p:nvSpPr>
+          <p:cNvPr id="69" name="Rectangle 68">
+            <a:extLst>
+              <a:ext uri="{FF2B5EF4-FFF2-40B4-BE49-F238E27FC236}">
+                <a16:creationId xmlns:a16="http://schemas.microsoft.com/office/drawing/2014/main" id="{891B7DE1-055A-924E-A275-CD64A201502C}"/>
+              </a:ext>
+            </a:extLst>
+          </p:cNvPr>
+          <p:cNvSpPr/>
+          <p:nvPr/>
+        </p:nvSpPr>
+        <p:spPr>
+          <a:xfrm>
+            <a:off x="2853296" y="3210107"/>
+            <a:ext cx="842502" cy="262335"/>
+          </a:xfrm>
+          <a:prstGeom prst="rect">
+            <a:avLst/>
+          </a:prstGeom>
+          <a:solidFill>
+            <a:schemeClr val="bg1"/>
+          </a:solidFill>
+        </p:spPr>
+        <p:style>
+          <a:lnRef idx="2">
+            <a:schemeClr val="accent1">
+              <a:shade val="50000"/>
+            </a:schemeClr>
+          </a:lnRef>
+          <a:fillRef idx="1">
+            <a:schemeClr val="accent1"/>
+          </a:fillRef>
+          <a:effectRef idx="0">
+            <a:schemeClr val="accent1"/>
+          </a:effectRef>
+          <a:fontRef idx="minor">
+            <a:schemeClr val="lt1"/>
+          </a:fontRef>
+        </p:style>
+        <p:txBody>
+          <a:bodyPr rtlCol="0" anchor="ctr"/>
+          <a:lstStyle/>
+          <a:p>
+            <a:pPr algn="ctr"/>
+            <a:r>
+              <a:rPr lang="en-US" altLang="zh-CN" dirty="0" err="1">
+                <a:solidFill>
+                  <a:schemeClr val="tx1"/>
+                </a:solidFill>
+              </a:rPr>
+              <a:t>Rcv</a:t>
+            </a:r>
+            <a:endParaRPr lang="en-US" dirty="0">
+              <a:solidFill>
+                <a:schemeClr val="tx1"/>
+              </a:solidFill>
+            </a:endParaRPr>
+          </a:p>
+        </p:txBody>
+      </p:sp>
+      <p:sp>
+        <p:nvSpPr>
+          <p:cNvPr id="76" name="TextBox 75">
+            <a:extLst>
+              <a:ext uri="{FF2B5EF4-FFF2-40B4-BE49-F238E27FC236}">
+                <a16:creationId xmlns:a16="http://schemas.microsoft.com/office/drawing/2014/main" id="{016AC90C-514C-E749-AF49-BBE96C6AE821}"/>
+              </a:ext>
+            </a:extLst>
+          </p:cNvPr>
+          <p:cNvSpPr txBox="1"/>
+          <p:nvPr/>
+        </p:nvSpPr>
+        <p:spPr>
+          <a:xfrm>
+            <a:off x="5560777" y="771494"/>
+            <a:ext cx="679801" cy="276999"/>
+          </a:xfrm>
+          <a:prstGeom prst="rect">
+            <a:avLst/>
+          </a:prstGeom>
+          <a:noFill/>
+        </p:spPr>
+        <p:txBody>
+          <a:bodyPr wrap="none" rtlCol="0">
+            <a:spAutoFit/>
+          </a:bodyPr>
+          <a:lstStyle/>
+          <a:p>
+            <a:r>
+              <a:rPr lang="en-US" altLang="zh-CN" sz="1200" dirty="0"/>
+              <a:t>Listener</a:t>
+            </a:r>
+            <a:endParaRPr lang="en-US" dirty="0"/>
+          </a:p>
+        </p:txBody>
+      </p:sp>
+      <p:sp>
+        <p:nvSpPr>
+          <p:cNvPr id="77" name="Rectangle 76">
+            <a:extLst>
+              <a:ext uri="{FF2B5EF4-FFF2-40B4-BE49-F238E27FC236}">
+                <a16:creationId xmlns:a16="http://schemas.microsoft.com/office/drawing/2014/main" id="{58B5B0F1-5609-C543-A953-746EE8847874}"/>
+              </a:ext>
+            </a:extLst>
+          </p:cNvPr>
+          <p:cNvSpPr/>
+          <p:nvPr/>
+        </p:nvSpPr>
+        <p:spPr>
+          <a:xfrm>
+            <a:off x="5812741" y="1035455"/>
+            <a:ext cx="924725" cy="262335"/>
+          </a:xfrm>
+          <a:prstGeom prst="rect">
+            <a:avLst/>
+          </a:prstGeom>
+          <a:solidFill>
+            <a:schemeClr val="bg1"/>
+          </a:solidFill>
+        </p:spPr>
+        <p:style>
+          <a:lnRef idx="2">
+            <a:schemeClr val="accent1">
+              <a:shade val="50000"/>
+            </a:schemeClr>
+          </a:lnRef>
+          <a:fillRef idx="1">
+            <a:schemeClr val="accent1"/>
+          </a:fillRef>
+          <a:effectRef idx="0">
+            <a:schemeClr val="accent1"/>
+          </a:effectRef>
+          <a:fontRef idx="minor">
+            <a:schemeClr val="lt1"/>
+          </a:fontRef>
+        </p:style>
+        <p:txBody>
+          <a:bodyPr rtlCol="0" anchor="ctr"/>
+          <a:lstStyle/>
+          <a:p>
+            <a:pPr algn="ctr"/>
+            <a:r>
+              <a:rPr lang="en-US" altLang="zh-CN" dirty="0">
+                <a:solidFill>
+                  <a:schemeClr val="tx1"/>
+                </a:solidFill>
+              </a:rPr>
+              <a:t>Accept</a:t>
+            </a:r>
+            <a:endParaRPr lang="en-US" dirty="0">
+              <a:solidFill>
+                <a:schemeClr val="tx1"/>
+              </a:solidFill>
+            </a:endParaRPr>
+          </a:p>
+        </p:txBody>
+      </p:sp>
+      <p:sp>
+        <p:nvSpPr>
+          <p:cNvPr id="78" name="Rectangle 77">
+            <a:extLst>
+              <a:ext uri="{FF2B5EF4-FFF2-40B4-BE49-F238E27FC236}">
+                <a16:creationId xmlns:a16="http://schemas.microsoft.com/office/drawing/2014/main" id="{9E00C288-5381-AC42-B735-79647CEA9981}"/>
+              </a:ext>
+            </a:extLst>
+          </p:cNvPr>
+          <p:cNvSpPr/>
+          <p:nvPr/>
+        </p:nvSpPr>
+        <p:spPr>
+          <a:xfrm>
+            <a:off x="2003367" y="735064"/>
+            <a:ext cx="2610197" cy="262335"/>
+          </a:xfrm>
+          <a:prstGeom prst="rect">
+            <a:avLst/>
+          </a:prstGeom>
+          <a:solidFill>
+            <a:schemeClr val="bg1"/>
+          </a:solidFill>
+        </p:spPr>
+        <p:style>
+          <a:lnRef idx="2">
+            <a:schemeClr val="accent1">
+              <a:shade val="50000"/>
+            </a:schemeClr>
+          </a:lnRef>
+          <a:fillRef idx="1">
+            <a:schemeClr val="accent1"/>
+          </a:fillRef>
+          <a:effectRef idx="0">
+            <a:schemeClr val="accent1"/>
+          </a:effectRef>
+          <a:fontRef idx="minor">
+            <a:schemeClr val="lt1"/>
+          </a:fontRef>
+        </p:style>
+        <p:txBody>
+          <a:bodyPr rtlCol="0" anchor="ctr"/>
+          <a:lstStyle/>
+          <a:p>
+            <a:pPr algn="ctr"/>
+            <a:r>
+              <a:rPr lang="en-US" altLang="zh-CN" dirty="0">
+                <a:solidFill>
+                  <a:schemeClr val="tx1"/>
+                </a:solidFill>
+              </a:rPr>
+              <a:t>Call</a:t>
+            </a:r>
+            <a:endParaRPr lang="en-US" dirty="0">
+              <a:solidFill>
+                <a:schemeClr val="tx1"/>
+              </a:solidFill>
+            </a:endParaRPr>
+          </a:p>
+        </p:txBody>
+      </p:sp>
+      <p:cxnSp>
+        <p:nvCxnSpPr>
+          <p:cNvPr id="6" name="Straight Arrow Connector 5">
+            <a:extLst>
+              <a:ext uri="{FF2B5EF4-FFF2-40B4-BE49-F238E27FC236}">
+                <a16:creationId xmlns:a16="http://schemas.microsoft.com/office/drawing/2014/main" id="{CEE69471-AEF7-2245-846C-AF003B1DA2F7}"/>
+              </a:ext>
+            </a:extLst>
+          </p:cNvPr>
+          <p:cNvCxnSpPr>
+            <a:cxnSpLocks/>
+            <a:stCxn id="78" idx="3"/>
+            <a:endCxn id="77" idx="1"/>
+          </p:cNvCxnSpPr>
+          <p:nvPr/>
+        </p:nvCxnSpPr>
+        <p:spPr>
+          <a:xfrm>
+            <a:off x="4613564" y="866232"/>
+            <a:ext cx="1199177" cy="300391"/>
+          </a:xfrm>
+          <a:prstGeom prst="straightConnector1">
+            <a:avLst/>
+          </a:prstGeom>
+          <a:ln>
+            <a:tailEnd type="triangle"/>
+          </a:ln>
+        </p:spPr>
+        <p:style>
+          <a:lnRef idx="1">
+            <a:schemeClr val="accent1"/>
+          </a:lnRef>
+          <a:fillRef idx="0">
+            <a:schemeClr val="accent1"/>
+          </a:fillRef>
+          <a:effectRef idx="0">
+            <a:schemeClr val="accent1"/>
+          </a:effectRef>
+          <a:fontRef idx="minor">
+            <a:schemeClr val="tx1"/>
+          </a:fontRef>
+        </p:style>
+      </p:cxnSp>
+      <p:sp>
+        <p:nvSpPr>
+          <p:cNvPr id="79" name="Rectangle 78">
+            <a:extLst>
+              <a:ext uri="{FF2B5EF4-FFF2-40B4-BE49-F238E27FC236}">
+                <a16:creationId xmlns:a16="http://schemas.microsoft.com/office/drawing/2014/main" id="{F596C1BD-0E48-E548-A311-DF4654E94AC7}"/>
+              </a:ext>
+            </a:extLst>
+          </p:cNvPr>
+          <p:cNvSpPr/>
+          <p:nvPr/>
+        </p:nvSpPr>
+        <p:spPr>
+          <a:xfrm>
+            <a:off x="5560778" y="1615406"/>
+            <a:ext cx="1519434" cy="2640710"/>
+          </a:xfrm>
+          <a:prstGeom prst="rect">
+            <a:avLst/>
+          </a:prstGeom>
+          <a:solidFill>
+            <a:schemeClr val="bg1"/>
+          </a:solidFill>
+        </p:spPr>
+        <p:style>
+          <a:lnRef idx="2">
+            <a:schemeClr val="accent1">
+              <a:shade val="50000"/>
+            </a:schemeClr>
+          </a:lnRef>
+          <a:fillRef idx="1">
+            <a:schemeClr val="accent1"/>
+          </a:fillRef>
+          <a:effectRef idx="0">
+            <a:schemeClr val="accent1"/>
+          </a:effectRef>
+          <a:fontRef idx="minor">
+            <a:schemeClr val="lt1"/>
+          </a:fontRef>
+        </p:style>
+        <p:txBody>
+          <a:bodyPr rtlCol="0" anchor="ctr"/>
+          <a:lstStyle/>
+          <a:p>
+            <a:pPr algn="ctr"/>
+            <a:endParaRPr lang="en-US" dirty="0"/>
+          </a:p>
+        </p:txBody>
+      </p:sp>
+      <p:sp>
+        <p:nvSpPr>
+          <p:cNvPr id="80" name="TextBox 79">
+            <a:extLst>
+              <a:ext uri="{FF2B5EF4-FFF2-40B4-BE49-F238E27FC236}">
+                <a16:creationId xmlns:a16="http://schemas.microsoft.com/office/drawing/2014/main" id="{0311AF61-33F8-AF42-B5AF-1ACF767A4EED}"/>
+              </a:ext>
+            </a:extLst>
+          </p:cNvPr>
+          <p:cNvSpPr txBox="1"/>
+          <p:nvPr/>
+        </p:nvSpPr>
+        <p:spPr>
+          <a:xfrm>
+            <a:off x="5545028" y="1621904"/>
+            <a:ext cx="699872" cy="276999"/>
+          </a:xfrm>
+          <a:prstGeom prst="rect">
+            <a:avLst/>
+          </a:prstGeom>
+          <a:noFill/>
+        </p:spPr>
+        <p:txBody>
+          <a:bodyPr wrap="none" rtlCol="0">
+            <a:spAutoFit/>
+          </a:bodyPr>
+          <a:lstStyle/>
+          <a:p>
+            <a:r>
+              <a:rPr lang="en-US" altLang="zh-CN" sz="1200" dirty="0" err="1"/>
+              <a:t>trSocket</a:t>
+            </a:r>
+            <a:endParaRPr lang="en-US" dirty="0"/>
+          </a:p>
+        </p:txBody>
+      </p:sp>
+      <p:sp>
+        <p:nvSpPr>
+          <p:cNvPr id="82" name="Rectangle 81">
+            <a:extLst>
+              <a:ext uri="{FF2B5EF4-FFF2-40B4-BE49-F238E27FC236}">
+                <a16:creationId xmlns:a16="http://schemas.microsoft.com/office/drawing/2014/main" id="{817CA10E-40BB-8945-B78F-5AE6EFDE7873}"/>
+              </a:ext>
+            </a:extLst>
+          </p:cNvPr>
+          <p:cNvSpPr/>
+          <p:nvPr/>
+        </p:nvSpPr>
+        <p:spPr>
+          <a:xfrm>
+            <a:off x="5895174" y="2096912"/>
+            <a:ext cx="842502" cy="262335"/>
+          </a:xfrm>
+          <a:prstGeom prst="rect">
+            <a:avLst/>
+          </a:prstGeom>
+          <a:solidFill>
+            <a:schemeClr val="bg1"/>
+          </a:solidFill>
+        </p:spPr>
+        <p:style>
+          <a:lnRef idx="2">
+            <a:schemeClr val="accent1">
+              <a:shade val="50000"/>
+            </a:schemeClr>
+          </a:lnRef>
+          <a:fillRef idx="1">
+            <a:schemeClr val="accent1"/>
+          </a:fillRef>
+          <a:effectRef idx="0">
+            <a:schemeClr val="accent1"/>
+          </a:effectRef>
+          <a:fontRef idx="minor">
+            <a:schemeClr val="lt1"/>
+          </a:fontRef>
+        </p:style>
+        <p:txBody>
+          <a:bodyPr rtlCol="0" anchor="ctr"/>
+          <a:lstStyle/>
+          <a:p>
+            <a:pPr algn="ctr"/>
+            <a:r>
+              <a:rPr lang="en-US" altLang="zh-CN" dirty="0" err="1">
+                <a:solidFill>
+                  <a:schemeClr val="tx1"/>
+                </a:solidFill>
+              </a:rPr>
+              <a:t>Rcv</a:t>
+            </a:r>
+            <a:endParaRPr lang="en-US" dirty="0">
+              <a:solidFill>
+                <a:schemeClr val="tx1"/>
+              </a:solidFill>
+            </a:endParaRPr>
+          </a:p>
+        </p:txBody>
+      </p:sp>
+      <p:sp>
+        <p:nvSpPr>
+          <p:cNvPr id="84" name="Rectangle 83">
+            <a:extLst>
+              <a:ext uri="{FF2B5EF4-FFF2-40B4-BE49-F238E27FC236}">
+                <a16:creationId xmlns:a16="http://schemas.microsoft.com/office/drawing/2014/main" id="{2FE87F5E-571B-9D40-8DF4-58A3AD753351}"/>
+              </a:ext>
+            </a:extLst>
+          </p:cNvPr>
+          <p:cNvSpPr/>
+          <p:nvPr/>
+        </p:nvSpPr>
+        <p:spPr>
+          <a:xfrm>
+            <a:off x="5894964" y="2769930"/>
+            <a:ext cx="842502" cy="262335"/>
+          </a:xfrm>
+          <a:prstGeom prst="rect">
+            <a:avLst/>
+          </a:prstGeom>
+          <a:solidFill>
+            <a:schemeClr val="bg1"/>
+          </a:solidFill>
+        </p:spPr>
+        <p:style>
+          <a:lnRef idx="2">
+            <a:schemeClr val="accent1">
+              <a:shade val="50000"/>
+            </a:schemeClr>
+          </a:lnRef>
+          <a:fillRef idx="1">
+            <a:schemeClr val="accent1"/>
+          </a:fillRef>
+          <a:effectRef idx="0">
+            <a:schemeClr val="accent1"/>
+          </a:effectRef>
+          <a:fontRef idx="minor">
+            <a:schemeClr val="lt1"/>
+          </a:fontRef>
+        </p:style>
+        <p:txBody>
+          <a:bodyPr rtlCol="0" anchor="ctr"/>
+          <a:lstStyle/>
+          <a:p>
+            <a:pPr algn="ctr"/>
+            <a:r>
+              <a:rPr lang="en-US" altLang="zh-CN" dirty="0">
+                <a:solidFill>
+                  <a:schemeClr val="tx1"/>
+                </a:solidFill>
+              </a:rPr>
+              <a:t>Send</a:t>
+            </a:r>
+            <a:endParaRPr lang="en-US" dirty="0">
+              <a:solidFill>
+                <a:schemeClr val="tx1"/>
+              </a:solidFill>
+            </a:endParaRPr>
+          </a:p>
+        </p:txBody>
+      </p:sp>
+      <p:sp>
+        <p:nvSpPr>
+          <p:cNvPr id="85" name="TextBox 84">
+            <a:extLst>
+              <a:ext uri="{FF2B5EF4-FFF2-40B4-BE49-F238E27FC236}">
+                <a16:creationId xmlns:a16="http://schemas.microsoft.com/office/drawing/2014/main" id="{69024153-F72C-FE4A-9B7C-0BE7791C5015}"/>
+              </a:ext>
+            </a:extLst>
+          </p:cNvPr>
+          <p:cNvSpPr txBox="1"/>
+          <p:nvPr/>
+        </p:nvSpPr>
+        <p:spPr>
+          <a:xfrm>
+            <a:off x="2277252" y="2166816"/>
+            <a:ext cx="781111" cy="276999"/>
+          </a:xfrm>
+          <a:prstGeom prst="rect">
+            <a:avLst/>
+          </a:prstGeom>
+          <a:noFill/>
+        </p:spPr>
+        <p:txBody>
+          <a:bodyPr wrap="none" rtlCol="0">
+            <a:spAutoFit/>
+          </a:bodyPr>
+          <a:lstStyle/>
+          <a:p>
+            <a:r>
+              <a:rPr lang="en-US" altLang="zh-CN" sz="1200" dirty="0"/>
+              <a:t>Transport</a:t>
+            </a:r>
+            <a:endParaRPr lang="en-US" dirty="0"/>
+          </a:p>
+        </p:txBody>
+      </p:sp>
+      <p:cxnSp>
+        <p:nvCxnSpPr>
+          <p:cNvPr id="86" name="Straight Arrow Connector 85">
+            <a:extLst>
+              <a:ext uri="{FF2B5EF4-FFF2-40B4-BE49-F238E27FC236}">
+                <a16:creationId xmlns:a16="http://schemas.microsoft.com/office/drawing/2014/main" id="{FBDED4A8-92CF-A449-AFC6-9CFAC0C1B6C0}"/>
+              </a:ext>
+            </a:extLst>
+          </p:cNvPr>
+          <p:cNvCxnSpPr>
+            <a:cxnSpLocks/>
+            <a:endCxn id="82" idx="1"/>
+          </p:cNvCxnSpPr>
+          <p:nvPr/>
+        </p:nvCxnSpPr>
+        <p:spPr>
+          <a:xfrm flipV="1">
+            <a:off x="3695798" y="2228080"/>
+            <a:ext cx="2199376" cy="792812"/>
+          </a:xfrm>
+          <a:prstGeom prst="straightConnector1">
+            <a:avLst/>
+          </a:prstGeom>
+          <a:ln>
+            <a:tailEnd type="triangle"/>
+          </a:ln>
+        </p:spPr>
+        <p:style>
+          <a:lnRef idx="1">
+            <a:schemeClr val="accent1"/>
+          </a:lnRef>
+          <a:fillRef idx="0">
+            <a:schemeClr val="accent1"/>
+          </a:fillRef>
+          <a:effectRef idx="0">
+            <a:schemeClr val="accent1"/>
+          </a:effectRef>
+          <a:fontRef idx="minor">
+            <a:schemeClr val="tx1"/>
+          </a:fontRef>
+        </p:style>
+      </p:cxnSp>
+      <p:cxnSp>
+        <p:nvCxnSpPr>
+          <p:cNvPr id="87" name="Straight Arrow Connector 86">
+            <a:extLst>
+              <a:ext uri="{FF2B5EF4-FFF2-40B4-BE49-F238E27FC236}">
+                <a16:creationId xmlns:a16="http://schemas.microsoft.com/office/drawing/2014/main" id="{FC0EA4CA-01DA-AF43-BAE2-8E9D6930F235}"/>
+              </a:ext>
+            </a:extLst>
+          </p:cNvPr>
+          <p:cNvCxnSpPr>
+            <a:cxnSpLocks/>
+            <a:stCxn id="84" idx="1"/>
+            <a:endCxn id="69" idx="3"/>
+          </p:cNvCxnSpPr>
+          <p:nvPr/>
+        </p:nvCxnSpPr>
+        <p:spPr>
+          <a:xfrm flipH="1">
+            <a:off x="3695798" y="2901098"/>
+            <a:ext cx="2199166" cy="440177"/>
+          </a:xfrm>
+          <a:prstGeom prst="straightConnector1">
+            <a:avLst/>
+          </a:prstGeom>
+          <a:ln>
+            <a:tailEnd type="triangle"/>
+          </a:ln>
+        </p:spPr>
+        <p:style>
+          <a:lnRef idx="1">
+            <a:schemeClr val="accent1"/>
+          </a:lnRef>
+          <a:fillRef idx="0">
+            <a:schemeClr val="accent1"/>
+          </a:fillRef>
+          <a:effectRef idx="0">
+            <a:schemeClr val="accent1"/>
+          </a:effectRef>
+          <a:fontRef idx="minor">
+            <a:schemeClr val="tx1"/>
+          </a:fontRef>
+        </p:style>
+      </p:cxnSp>
+    </p:spTree>
+    <p:extLst>
+      <p:ext uri="{BB962C8B-B14F-4D97-AF65-F5344CB8AC3E}">
+        <p14:creationId xmlns:p14="http://schemas.microsoft.com/office/powerpoint/2010/main" val="976151908"/>
       </p:ext>
     </p:extLst>
   </p:cSld>

--- a/microservice-in-micro/docs/design.pptx
+++ b/microservice-in-micro/docs/design.pptx
@@ -4,6 +4,9 @@
   <p:sldMasterIdLst>
     <p:sldMasterId id="2147483648" r:id="rId1"/>
   </p:sldMasterIdLst>
+  <p:notesMasterIdLst>
+    <p:notesMasterId r:id="rId17"/>
+  </p:notesMasterIdLst>
   <p:sldIdLst>
     <p:sldId id="256" r:id="rId2"/>
     <p:sldId id="258" r:id="rId3"/>
@@ -124,6 +127,463 @@
     </p:ext>
   </p:extLst>
 </p:presentation>
+</file>
+
+<file path=ppt/notesMasters/notesMaster1.xml><?xml version="1.0" encoding="utf-8"?>
+<p:notesMaster xmlns:a="http://schemas.openxmlformats.org/drawingml/2006/main" xmlns:r="http://schemas.openxmlformats.org/officeDocument/2006/relationships" xmlns:p="http://schemas.openxmlformats.org/presentationml/2006/main">
+  <p:cSld>
+    <p:bg>
+      <p:bgRef idx="1001">
+        <a:schemeClr val="bg1"/>
+      </p:bgRef>
+    </p:bg>
+    <p:spTree>
+      <p:nvGrpSpPr>
+        <p:cNvPr id="1" name=""/>
+        <p:cNvGrpSpPr/>
+        <p:nvPr/>
+      </p:nvGrpSpPr>
+      <p:grpSpPr>
+        <a:xfrm>
+          <a:off x="0" y="0"/>
+          <a:ext cx="0" cy="0"/>
+          <a:chOff x="0" y="0"/>
+          <a:chExt cx="0" cy="0"/>
+        </a:xfrm>
+      </p:grpSpPr>
+      <p:sp>
+        <p:nvSpPr>
+          <p:cNvPr id="2" name="Header Placeholder 1"/>
+          <p:cNvSpPr>
+            <a:spLocks noGrp="1"/>
+          </p:cNvSpPr>
+          <p:nvPr>
+            <p:ph type="hdr" sz="quarter"/>
+          </p:nvPr>
+        </p:nvSpPr>
+        <p:spPr>
+          <a:xfrm>
+            <a:off x="0" y="0"/>
+            <a:ext cx="2971800" cy="458788"/>
+          </a:xfrm>
+          <a:prstGeom prst="rect">
+            <a:avLst/>
+          </a:prstGeom>
+        </p:spPr>
+        <p:txBody>
+          <a:bodyPr vert="horz" lIns="91440" tIns="45720" rIns="91440" bIns="45720" rtlCol="0"/>
+          <a:lstStyle>
+            <a:lvl1pPr algn="l">
+              <a:defRPr sz="1200"/>
+            </a:lvl1pPr>
+          </a:lstStyle>
+          <a:p>
+            <a:endParaRPr lang="en-US"/>
+          </a:p>
+        </p:txBody>
+      </p:sp>
+      <p:sp>
+        <p:nvSpPr>
+          <p:cNvPr id="3" name="Date Placeholder 2"/>
+          <p:cNvSpPr>
+            <a:spLocks noGrp="1"/>
+          </p:cNvSpPr>
+          <p:nvPr>
+            <p:ph type="dt" idx="1"/>
+          </p:nvPr>
+        </p:nvSpPr>
+        <p:spPr>
+          <a:xfrm>
+            <a:off x="3884613" y="0"/>
+            <a:ext cx="2971800" cy="458788"/>
+          </a:xfrm>
+          <a:prstGeom prst="rect">
+            <a:avLst/>
+          </a:prstGeom>
+        </p:spPr>
+        <p:txBody>
+          <a:bodyPr vert="horz" lIns="91440" tIns="45720" rIns="91440" bIns="45720" rtlCol="0"/>
+          <a:lstStyle>
+            <a:lvl1pPr algn="r">
+              <a:defRPr sz="1200"/>
+            </a:lvl1pPr>
+          </a:lstStyle>
+          <a:p>
+            <a:fld id="{8A9FAE23-EAA9-2243-8A85-340E22F8CEDB}" type="datetimeFigureOut">
+              <a:rPr lang="en-US" smtClean="0"/>
+              <a:t>9/6/19</a:t>
+            </a:fld>
+            <a:endParaRPr lang="en-US"/>
+          </a:p>
+        </p:txBody>
+      </p:sp>
+      <p:sp>
+        <p:nvSpPr>
+          <p:cNvPr id="4" name="Slide Image Placeholder 3"/>
+          <p:cNvSpPr>
+            <a:spLocks noGrp="1" noRot="1" noChangeAspect="1"/>
+          </p:cNvSpPr>
+          <p:nvPr>
+            <p:ph type="sldImg" idx="2"/>
+          </p:nvPr>
+        </p:nvSpPr>
+        <p:spPr>
+          <a:xfrm>
+            <a:off x="685800" y="1143000"/>
+            <a:ext cx="5486400" cy="3086100"/>
+          </a:xfrm>
+          <a:prstGeom prst="rect">
+            <a:avLst/>
+          </a:prstGeom>
+          <a:noFill/>
+          <a:ln w="12700">
+            <a:solidFill>
+              <a:prstClr val="black"/>
+            </a:solidFill>
+          </a:ln>
+        </p:spPr>
+        <p:txBody>
+          <a:bodyPr vert="horz" lIns="91440" tIns="45720" rIns="91440" bIns="45720" rtlCol="0" anchor="ctr"/>
+          <a:lstStyle/>
+          <a:p>
+            <a:endParaRPr lang="en-US"/>
+          </a:p>
+        </p:txBody>
+      </p:sp>
+      <p:sp>
+        <p:nvSpPr>
+          <p:cNvPr id="5" name="Notes Placeholder 4"/>
+          <p:cNvSpPr>
+            <a:spLocks noGrp="1"/>
+          </p:cNvSpPr>
+          <p:nvPr>
+            <p:ph type="body" sz="quarter" idx="3"/>
+          </p:nvPr>
+        </p:nvSpPr>
+        <p:spPr>
+          <a:xfrm>
+            <a:off x="685800" y="4400550"/>
+            <a:ext cx="5486400" cy="3600450"/>
+          </a:xfrm>
+          <a:prstGeom prst="rect">
+            <a:avLst/>
+          </a:prstGeom>
+        </p:spPr>
+        <p:txBody>
+          <a:bodyPr vert="horz" lIns="91440" tIns="45720" rIns="91440" bIns="45720" rtlCol="0"/>
+          <a:lstStyle/>
+          <a:p>
+            <a:pPr lvl="0"/>
+            <a:r>
+              <a:rPr lang="en-US"/>
+              <a:t>Edit Master text styles</a:t>
+            </a:r>
+          </a:p>
+          <a:p>
+            <a:pPr lvl="1"/>
+            <a:r>
+              <a:rPr lang="en-US"/>
+              <a:t>Second level</a:t>
+            </a:r>
+          </a:p>
+          <a:p>
+            <a:pPr lvl="2"/>
+            <a:r>
+              <a:rPr lang="en-US"/>
+              <a:t>Third level</a:t>
+            </a:r>
+          </a:p>
+          <a:p>
+            <a:pPr lvl="3"/>
+            <a:r>
+              <a:rPr lang="en-US"/>
+              <a:t>Fourth level</a:t>
+            </a:r>
+          </a:p>
+          <a:p>
+            <a:pPr lvl="4"/>
+            <a:r>
+              <a:rPr lang="en-US"/>
+              <a:t>Fifth level</a:t>
+            </a:r>
+          </a:p>
+        </p:txBody>
+      </p:sp>
+      <p:sp>
+        <p:nvSpPr>
+          <p:cNvPr id="6" name="Footer Placeholder 5"/>
+          <p:cNvSpPr>
+            <a:spLocks noGrp="1"/>
+          </p:cNvSpPr>
+          <p:nvPr>
+            <p:ph type="ftr" sz="quarter" idx="4"/>
+          </p:nvPr>
+        </p:nvSpPr>
+        <p:spPr>
+          <a:xfrm>
+            <a:off x="0" y="8685213"/>
+            <a:ext cx="2971800" cy="458787"/>
+          </a:xfrm>
+          <a:prstGeom prst="rect">
+            <a:avLst/>
+          </a:prstGeom>
+        </p:spPr>
+        <p:txBody>
+          <a:bodyPr vert="horz" lIns="91440" tIns="45720" rIns="91440" bIns="45720" rtlCol="0" anchor="b"/>
+          <a:lstStyle>
+            <a:lvl1pPr algn="l">
+              <a:defRPr sz="1200"/>
+            </a:lvl1pPr>
+          </a:lstStyle>
+          <a:p>
+            <a:endParaRPr lang="en-US"/>
+          </a:p>
+        </p:txBody>
+      </p:sp>
+      <p:sp>
+        <p:nvSpPr>
+          <p:cNvPr id="7" name="Slide Number Placeholder 6"/>
+          <p:cNvSpPr>
+            <a:spLocks noGrp="1"/>
+          </p:cNvSpPr>
+          <p:nvPr>
+            <p:ph type="sldNum" sz="quarter" idx="5"/>
+          </p:nvPr>
+        </p:nvSpPr>
+        <p:spPr>
+          <a:xfrm>
+            <a:off x="3884613" y="8685213"/>
+            <a:ext cx="2971800" cy="458787"/>
+          </a:xfrm>
+          <a:prstGeom prst="rect">
+            <a:avLst/>
+          </a:prstGeom>
+        </p:spPr>
+        <p:txBody>
+          <a:bodyPr vert="horz" lIns="91440" tIns="45720" rIns="91440" bIns="45720" rtlCol="0" anchor="b"/>
+          <a:lstStyle>
+            <a:lvl1pPr algn="r">
+              <a:defRPr sz="1200"/>
+            </a:lvl1pPr>
+          </a:lstStyle>
+          <a:p>
+            <a:fld id="{C6300BD4-3AE5-1B42-8BC5-55FDF59C6F50}" type="slidenum">
+              <a:rPr lang="en-US" smtClean="0"/>
+              <a:t>‹#›</a:t>
+            </a:fld>
+            <a:endParaRPr lang="en-US"/>
+          </a:p>
+        </p:txBody>
+      </p:sp>
+    </p:spTree>
+    <p:extLst>
+      <p:ext uri="{BB962C8B-B14F-4D97-AF65-F5344CB8AC3E}">
+        <p14:creationId xmlns:p14="http://schemas.microsoft.com/office/powerpoint/2010/main" val="2272257585"/>
+      </p:ext>
+    </p:extLst>
+  </p:cSld>
+  <p:clrMap bg1="lt1" tx1="dk1" bg2="lt2" tx2="dk2" accent1="accent1" accent2="accent2" accent3="accent3" accent4="accent4" accent5="accent5" accent6="accent6" hlink="hlink" folHlink="folHlink"/>
+  <p:notesStyle>
+    <a:lvl1pPr marL="0" algn="l" defTabSz="914400" rtl="0" eaLnBrk="1" latinLnBrk="0" hangingPunct="1">
+      <a:defRPr sz="1200" kern="1200">
+        <a:solidFill>
+          <a:schemeClr val="tx1"/>
+        </a:solidFill>
+        <a:latin typeface="+mn-lt"/>
+        <a:ea typeface="+mn-ea"/>
+        <a:cs typeface="+mn-cs"/>
+      </a:defRPr>
+    </a:lvl1pPr>
+    <a:lvl2pPr marL="457200" algn="l" defTabSz="914400" rtl="0" eaLnBrk="1" latinLnBrk="0" hangingPunct="1">
+      <a:defRPr sz="1200" kern="1200">
+        <a:solidFill>
+          <a:schemeClr val="tx1"/>
+        </a:solidFill>
+        <a:latin typeface="+mn-lt"/>
+        <a:ea typeface="+mn-ea"/>
+        <a:cs typeface="+mn-cs"/>
+      </a:defRPr>
+    </a:lvl2pPr>
+    <a:lvl3pPr marL="914400" algn="l" defTabSz="914400" rtl="0" eaLnBrk="1" latinLnBrk="0" hangingPunct="1">
+      <a:defRPr sz="1200" kern="1200">
+        <a:solidFill>
+          <a:schemeClr val="tx1"/>
+        </a:solidFill>
+        <a:latin typeface="+mn-lt"/>
+        <a:ea typeface="+mn-ea"/>
+        <a:cs typeface="+mn-cs"/>
+      </a:defRPr>
+    </a:lvl3pPr>
+    <a:lvl4pPr marL="1371600" algn="l" defTabSz="914400" rtl="0" eaLnBrk="1" latinLnBrk="0" hangingPunct="1">
+      <a:defRPr sz="1200" kern="1200">
+        <a:solidFill>
+          <a:schemeClr val="tx1"/>
+        </a:solidFill>
+        <a:latin typeface="+mn-lt"/>
+        <a:ea typeface="+mn-ea"/>
+        <a:cs typeface="+mn-cs"/>
+      </a:defRPr>
+    </a:lvl4pPr>
+    <a:lvl5pPr marL="1828800" algn="l" defTabSz="914400" rtl="0" eaLnBrk="1" latinLnBrk="0" hangingPunct="1">
+      <a:defRPr sz="1200" kern="1200">
+        <a:solidFill>
+          <a:schemeClr val="tx1"/>
+        </a:solidFill>
+        <a:latin typeface="+mn-lt"/>
+        <a:ea typeface="+mn-ea"/>
+        <a:cs typeface="+mn-cs"/>
+      </a:defRPr>
+    </a:lvl5pPr>
+    <a:lvl6pPr marL="2286000" algn="l" defTabSz="914400" rtl="0" eaLnBrk="1" latinLnBrk="0" hangingPunct="1">
+      <a:defRPr sz="1200" kern="1200">
+        <a:solidFill>
+          <a:schemeClr val="tx1"/>
+        </a:solidFill>
+        <a:latin typeface="+mn-lt"/>
+        <a:ea typeface="+mn-ea"/>
+        <a:cs typeface="+mn-cs"/>
+      </a:defRPr>
+    </a:lvl6pPr>
+    <a:lvl7pPr marL="2743200" algn="l" defTabSz="914400" rtl="0" eaLnBrk="1" latinLnBrk="0" hangingPunct="1">
+      <a:defRPr sz="1200" kern="1200">
+        <a:solidFill>
+          <a:schemeClr val="tx1"/>
+        </a:solidFill>
+        <a:latin typeface="+mn-lt"/>
+        <a:ea typeface="+mn-ea"/>
+        <a:cs typeface="+mn-cs"/>
+      </a:defRPr>
+    </a:lvl7pPr>
+    <a:lvl8pPr marL="3200400" algn="l" defTabSz="914400" rtl="0" eaLnBrk="1" latinLnBrk="0" hangingPunct="1">
+      <a:defRPr sz="1200" kern="1200">
+        <a:solidFill>
+          <a:schemeClr val="tx1"/>
+        </a:solidFill>
+        <a:latin typeface="+mn-lt"/>
+        <a:ea typeface="+mn-ea"/>
+        <a:cs typeface="+mn-cs"/>
+      </a:defRPr>
+    </a:lvl8pPr>
+    <a:lvl9pPr marL="3657600" algn="l" defTabSz="914400" rtl="0" eaLnBrk="1" latinLnBrk="0" hangingPunct="1">
+      <a:defRPr sz="1200" kern="1200">
+        <a:solidFill>
+          <a:schemeClr val="tx1"/>
+        </a:solidFill>
+        <a:latin typeface="+mn-lt"/>
+        <a:ea typeface="+mn-ea"/>
+        <a:cs typeface="+mn-cs"/>
+      </a:defRPr>
+    </a:lvl9pPr>
+  </p:notesStyle>
+</p:notesMaster>
+</file>
+
+<file path=ppt/notesSlides/notesSlide1.xml><?xml version="1.0" encoding="utf-8"?>
+<p:notes xmlns:a="http://schemas.openxmlformats.org/drawingml/2006/main" xmlns:r="http://schemas.openxmlformats.org/officeDocument/2006/relationships" xmlns:p="http://schemas.openxmlformats.org/presentationml/2006/main">
+  <p:cSld>
+    <p:spTree>
+      <p:nvGrpSpPr>
+        <p:cNvPr id="1" name=""/>
+        <p:cNvGrpSpPr/>
+        <p:nvPr/>
+      </p:nvGrpSpPr>
+      <p:grpSpPr>
+        <a:xfrm>
+          <a:off x="0" y="0"/>
+          <a:ext cx="0" cy="0"/>
+          <a:chOff x="0" y="0"/>
+          <a:chExt cx="0" cy="0"/>
+        </a:xfrm>
+      </p:grpSpPr>
+      <p:sp>
+        <p:nvSpPr>
+          <p:cNvPr id="2" name="Slide Image Placeholder 1"/>
+          <p:cNvSpPr>
+            <a:spLocks noGrp="1" noRot="1" noChangeAspect="1"/>
+          </p:cNvSpPr>
+          <p:nvPr>
+            <p:ph type="sldImg"/>
+          </p:nvPr>
+        </p:nvSpPr>
+        <p:spPr/>
+      </p:sp>
+      <p:sp>
+        <p:nvSpPr>
+          <p:cNvPr id="3" name="Notes Placeholder 2"/>
+          <p:cNvSpPr>
+            <a:spLocks noGrp="1"/>
+          </p:cNvSpPr>
+          <p:nvPr>
+            <p:ph type="body" idx="1"/>
+          </p:nvPr>
+        </p:nvSpPr>
+        <p:spPr/>
+        <p:txBody>
+          <a:bodyPr/>
+          <a:lstStyle/>
+          <a:p>
+            <a:r>
+              <a:rPr lang="zh-CN" altLang="en-US" dirty="0"/>
+              <a:t>简化了一些结构，比如</a:t>
+            </a:r>
+            <a:r>
+              <a:rPr lang="en-US" altLang="zh-CN" dirty="0"/>
+              <a:t>Client</a:t>
+            </a:r>
+            <a:r>
+              <a:rPr lang="zh-CN" altLang="en-US" dirty="0"/>
+              <a:t>是通过</a:t>
+            </a:r>
+            <a:r>
+              <a:rPr lang="en-US" altLang="zh-CN" dirty="0"/>
+              <a:t>Stream</a:t>
+            </a:r>
+            <a:r>
+              <a:rPr lang="zh-CN" altLang="en-US" dirty="0"/>
+              <a:t>调用的</a:t>
+            </a:r>
+            <a:r>
+              <a:rPr lang="en-US" altLang="zh-CN" dirty="0"/>
+              <a:t>Transport</a:t>
+            </a:r>
+            <a:endParaRPr lang="en-US" dirty="0"/>
+          </a:p>
+        </p:txBody>
+      </p:sp>
+      <p:sp>
+        <p:nvSpPr>
+          <p:cNvPr id="4" name="Slide Number Placeholder 3"/>
+          <p:cNvSpPr>
+            <a:spLocks noGrp="1"/>
+          </p:cNvSpPr>
+          <p:nvPr>
+            <p:ph type="sldNum" sz="quarter" idx="5"/>
+          </p:nvPr>
+        </p:nvSpPr>
+        <p:spPr/>
+        <p:txBody>
+          <a:bodyPr/>
+          <a:lstStyle/>
+          <a:p>
+            <a:fld id="{C6300BD4-3AE5-1B42-8BC5-55FDF59C6F50}" type="slidenum">
+              <a:rPr lang="en-US" smtClean="0"/>
+              <a:t>15</a:t>
+            </a:fld>
+            <a:endParaRPr lang="en-US"/>
+          </a:p>
+        </p:txBody>
+      </p:sp>
+    </p:spTree>
+    <p:extLst>
+      <p:ext uri="{BB962C8B-B14F-4D97-AF65-F5344CB8AC3E}">
+        <p14:creationId xmlns:p14="http://schemas.microsoft.com/office/powerpoint/2010/main" val="1312227516"/>
+      </p:ext>
+    </p:extLst>
+  </p:cSld>
+  <p:clrMapOvr>
+    <a:masterClrMapping/>
+  </p:clrMapOvr>
+</p:notes>
 </file>
 
 <file path=ppt/slideLayouts/slideLayout1.xml><?xml version="1.0" encoding="utf-8"?>
@@ -10314,8 +10774,8 @@
         </p:nvSpPr>
         <p:spPr>
           <a:xfrm>
-            <a:off x="1803862" y="473825"/>
-            <a:ext cx="2992582" cy="3956859"/>
+            <a:off x="1689651" y="1199381"/>
+            <a:ext cx="2470687" cy="3829819"/>
           </a:xfrm>
           <a:prstGeom prst="rect">
             <a:avLst/>
@@ -10363,8 +10823,8 @@
         </p:nvSpPr>
         <p:spPr>
           <a:xfrm>
-            <a:off x="5337208" y="473825"/>
-            <a:ext cx="1944742" cy="3956859"/>
+            <a:off x="4701103" y="1199382"/>
+            <a:ext cx="2265956" cy="3829818"/>
           </a:xfrm>
           <a:prstGeom prst="rect">
             <a:avLst/>
@@ -10412,7 +10872,7 @@
         </p:nvSpPr>
         <p:spPr>
           <a:xfrm>
-            <a:off x="2807151" y="124758"/>
+            <a:off x="2171046" y="850314"/>
             <a:ext cx="725968" cy="369332"/>
           </a:xfrm>
           <a:prstGeom prst="rect">
@@ -10448,7 +10908,7 @@
         </p:nvSpPr>
         <p:spPr>
           <a:xfrm>
-            <a:off x="5812741" y="64479"/>
+            <a:off x="5176636" y="790035"/>
             <a:ext cx="785664" cy="369332"/>
           </a:xfrm>
           <a:prstGeom prst="rect">
@@ -10472,10 +10932,10 @@
       </p:sp>
       <p:sp>
         <p:nvSpPr>
-          <p:cNvPr id="31" name="Rectangle 30">
-            <a:extLst>
-              <a:ext uri="{FF2B5EF4-FFF2-40B4-BE49-F238E27FC236}">
-                <a16:creationId xmlns:a16="http://schemas.microsoft.com/office/drawing/2014/main" id="{49E2CFD2-1193-A14A-BADE-F9BBE22C5700}"/>
+          <p:cNvPr id="37" name="Rectangle 36">
+            <a:extLst>
+              <a:ext uri="{FF2B5EF4-FFF2-40B4-BE49-F238E27FC236}">
+                <a16:creationId xmlns:a16="http://schemas.microsoft.com/office/drawing/2014/main" id="{D6B3F8A2-A2B4-844B-8299-37CFC501B08B}"/>
               </a:ext>
             </a:extLst>
           </p:cNvPr>
@@ -10484,8 +10944,8 @@
         </p:nvSpPr>
         <p:spPr>
           <a:xfrm>
-            <a:off x="2003367" y="1114905"/>
-            <a:ext cx="2610197" cy="3141211"/>
+            <a:off x="4924672" y="1460553"/>
+            <a:ext cx="1804299" cy="273598"/>
           </a:xfrm>
           <a:prstGeom prst="rect">
             <a:avLst/>
@@ -10515,16 +10975,23 @@
           <a:lstStyle/>
           <a:p>
             <a:pPr algn="ctr"/>
-            <a:endParaRPr lang="en-US" dirty="0"/>
-          </a:p>
-        </p:txBody>
-      </p:sp>
-      <p:sp>
-        <p:nvSpPr>
-          <p:cNvPr id="34" name="TextBox 33">
-            <a:extLst>
-              <a:ext uri="{FF2B5EF4-FFF2-40B4-BE49-F238E27FC236}">
-                <a16:creationId xmlns:a16="http://schemas.microsoft.com/office/drawing/2014/main" id="{82D9D8A3-834C-064D-A450-FB5EDD4BBAF8}"/>
+            <a:r>
+              <a:rPr lang="en-US" dirty="0">
+                <a:solidFill>
+                  <a:schemeClr val="tx1"/>
+                </a:solidFill>
+              </a:rPr>
+              <a:t>Handler</a:t>
+            </a:r>
+          </a:p>
+        </p:txBody>
+      </p:sp>
+      <p:sp>
+        <p:nvSpPr>
+          <p:cNvPr id="4" name="TextBox 3">
+            <a:extLst>
+              <a:ext uri="{FF2B5EF4-FFF2-40B4-BE49-F238E27FC236}">
+                <a16:creationId xmlns:a16="http://schemas.microsoft.com/office/drawing/2014/main" id="{18252EF2-3053-A540-BB34-73D16D35E3FD}"/>
               </a:ext>
             </a:extLst>
           </p:cNvPr>
@@ -10533,146 +11000,8 @@
         </p:nvSpPr>
         <p:spPr>
           <a:xfrm>
-            <a:off x="5299449" y="448648"/>
-            <a:ext cx="781111" cy="276999"/>
-          </a:xfrm>
-          <a:prstGeom prst="rect">
-            <a:avLst/>
-          </a:prstGeom>
-          <a:noFill/>
-        </p:spPr>
-        <p:txBody>
-          <a:bodyPr wrap="none" rtlCol="0">
-            <a:spAutoFit/>
-          </a:bodyPr>
-          <a:lstStyle/>
-          <a:p>
-            <a:r>
-              <a:rPr lang="en-US" altLang="zh-CN" sz="1200" dirty="0"/>
-              <a:t>Transport</a:t>
-            </a:r>
-            <a:endParaRPr lang="en-US" dirty="0"/>
-          </a:p>
-        </p:txBody>
-      </p:sp>
-      <p:sp>
-        <p:nvSpPr>
-          <p:cNvPr id="37" name="Rectangle 36">
-            <a:extLst>
-              <a:ext uri="{FF2B5EF4-FFF2-40B4-BE49-F238E27FC236}">
-                <a16:creationId xmlns:a16="http://schemas.microsoft.com/office/drawing/2014/main" id="{D6B3F8A2-A2B4-844B-8299-37CFC501B08B}"/>
-              </a:ext>
-            </a:extLst>
-          </p:cNvPr>
-          <p:cNvSpPr/>
-          <p:nvPr/>
-        </p:nvSpPr>
-        <p:spPr>
-          <a:xfrm>
-            <a:off x="5560776" y="750824"/>
-            <a:ext cx="1519435" cy="741728"/>
-          </a:xfrm>
-          <a:prstGeom prst="rect">
-            <a:avLst/>
-          </a:prstGeom>
-          <a:solidFill>
-            <a:schemeClr val="bg1"/>
-          </a:solidFill>
-        </p:spPr>
-        <p:style>
-          <a:lnRef idx="2">
-            <a:schemeClr val="accent1">
-              <a:shade val="50000"/>
-            </a:schemeClr>
-          </a:lnRef>
-          <a:fillRef idx="1">
-            <a:schemeClr val="accent1"/>
-          </a:fillRef>
-          <a:effectRef idx="0">
-            <a:schemeClr val="accent1"/>
-          </a:effectRef>
-          <a:fontRef idx="minor">
-            <a:schemeClr val="lt1"/>
-          </a:fontRef>
-        </p:style>
-        <p:txBody>
-          <a:bodyPr rtlCol="0" anchor="ctr"/>
-          <a:lstStyle/>
-          <a:p>
-            <a:pPr algn="ctr"/>
-            <a:endParaRPr lang="en-US" dirty="0"/>
-          </a:p>
-        </p:txBody>
-      </p:sp>
-      <p:sp>
-        <p:nvSpPr>
-          <p:cNvPr id="41" name="Rectangle 40">
-            <a:extLst>
-              <a:ext uri="{FF2B5EF4-FFF2-40B4-BE49-F238E27FC236}">
-                <a16:creationId xmlns:a16="http://schemas.microsoft.com/office/drawing/2014/main" id="{D057B1A2-3BBA-E741-9FFB-9D1CE83DA1E5}"/>
-              </a:ext>
-            </a:extLst>
-          </p:cNvPr>
-          <p:cNvSpPr/>
-          <p:nvPr/>
-        </p:nvSpPr>
-        <p:spPr>
-          <a:xfrm>
-            <a:off x="2152996" y="1529420"/>
-            <a:ext cx="2302626" cy="2535504"/>
-          </a:xfrm>
-          <a:prstGeom prst="rect">
-            <a:avLst/>
-          </a:prstGeom>
-          <a:solidFill>
-            <a:schemeClr val="bg1"/>
-          </a:solidFill>
-        </p:spPr>
-        <p:style>
-          <a:lnRef idx="2">
-            <a:schemeClr val="accent1">
-              <a:shade val="50000"/>
-            </a:schemeClr>
-          </a:lnRef>
-          <a:fillRef idx="1">
-            <a:schemeClr val="accent1"/>
-          </a:fillRef>
-          <a:effectRef idx="0">
-            <a:schemeClr val="accent1"/>
-          </a:effectRef>
-          <a:fontRef idx="minor">
-            <a:schemeClr val="lt1"/>
-          </a:fontRef>
-        </p:style>
-        <p:txBody>
-          <a:bodyPr rtlCol="0" anchor="ctr"/>
-          <a:lstStyle/>
-          <a:p>
-            <a:pPr algn="ctr"/>
-            <a:endParaRPr lang="en-US" dirty="0">
-              <a:solidFill>
-                <a:schemeClr val="tx1"/>
-              </a:solidFill>
-            </a:endParaRPr>
-          </a:p>
-        </p:txBody>
-      </p:sp>
-      <p:sp>
-        <p:nvSpPr>
-          <p:cNvPr id="4" name="TextBox 3">
-            <a:extLst>
-              <a:ext uri="{FF2B5EF4-FFF2-40B4-BE49-F238E27FC236}">
-                <a16:creationId xmlns:a16="http://schemas.microsoft.com/office/drawing/2014/main" id="{18252EF2-3053-A540-BB34-73D16D35E3FD}"/>
-              </a:ext>
-            </a:extLst>
-          </p:cNvPr>
-          <p:cNvSpPr txBox="1"/>
-          <p:nvPr/>
-        </p:nvSpPr>
-        <p:spPr>
-          <a:xfrm>
             <a:off x="823183" y="6353176"/>
-            <a:ext cx="3534942" cy="369332"/>
+            <a:ext cx="7477111" cy="369332"/>
           </a:xfrm>
           <a:prstGeom prst="rect">
             <a:avLst/>
@@ -10707,7 +11036,7 @@
                   <a:srgbClr val="FF0000"/>
                 </a:solidFill>
               </a:rPr>
-              <a:t>模块</a:t>
+              <a:t>模块。箭头所指为逻辑调用，并非直接调用</a:t>
             </a:r>
             <a:endParaRPr lang="en-US" dirty="0">
               <a:solidFill>
@@ -10719,10 +11048,108 @@
       </p:sp>
       <p:sp>
         <p:nvSpPr>
-          <p:cNvPr id="43" name="TextBox 42">
-            <a:extLst>
-              <a:ext uri="{FF2B5EF4-FFF2-40B4-BE49-F238E27FC236}">
-                <a16:creationId xmlns:a16="http://schemas.microsoft.com/office/drawing/2014/main" id="{E221178B-F84B-D341-9116-51AB811B7C4B}"/>
+          <p:cNvPr id="64" name="Rectangle 63">
+            <a:extLst>
+              <a:ext uri="{FF2B5EF4-FFF2-40B4-BE49-F238E27FC236}">
+                <a16:creationId xmlns:a16="http://schemas.microsoft.com/office/drawing/2014/main" id="{865B17DC-0D33-C84E-9BF8-A84C8C3EBE61}"/>
+              </a:ext>
+            </a:extLst>
+          </p:cNvPr>
+          <p:cNvSpPr/>
+          <p:nvPr/>
+        </p:nvSpPr>
+        <p:spPr>
+          <a:xfrm>
+            <a:off x="1928191" y="1876419"/>
+            <a:ext cx="2047309" cy="2973877"/>
+          </a:xfrm>
+          <a:prstGeom prst="rect">
+            <a:avLst/>
+          </a:prstGeom>
+          <a:solidFill>
+            <a:schemeClr val="bg1"/>
+          </a:solidFill>
+        </p:spPr>
+        <p:style>
+          <a:lnRef idx="2">
+            <a:schemeClr val="accent1">
+              <a:shade val="50000"/>
+            </a:schemeClr>
+          </a:lnRef>
+          <a:fillRef idx="1">
+            <a:schemeClr val="accent1"/>
+          </a:fillRef>
+          <a:effectRef idx="0">
+            <a:schemeClr val="accent1"/>
+          </a:effectRef>
+          <a:fontRef idx="minor">
+            <a:schemeClr val="lt1"/>
+          </a:fontRef>
+        </p:style>
+        <p:txBody>
+          <a:bodyPr rtlCol="0" anchor="ctr"/>
+          <a:lstStyle/>
+          <a:p>
+            <a:pPr algn="ctr"/>
+            <a:endParaRPr lang="en-US" dirty="0"/>
+          </a:p>
+        </p:txBody>
+      </p:sp>
+      <p:sp>
+        <p:nvSpPr>
+          <p:cNvPr id="66" name="Rectangle 65">
+            <a:extLst>
+              <a:ext uri="{FF2B5EF4-FFF2-40B4-BE49-F238E27FC236}">
+                <a16:creationId xmlns:a16="http://schemas.microsoft.com/office/drawing/2014/main" id="{77628AAA-4BFB-134A-9AB4-B14968377A8A}"/>
+              </a:ext>
+            </a:extLst>
+          </p:cNvPr>
+          <p:cNvSpPr/>
+          <p:nvPr/>
+        </p:nvSpPr>
+        <p:spPr>
+          <a:xfrm>
+            <a:off x="2171045" y="2209794"/>
+            <a:ext cx="1551070" cy="2443526"/>
+          </a:xfrm>
+          <a:prstGeom prst="rect">
+            <a:avLst/>
+          </a:prstGeom>
+          <a:solidFill>
+            <a:schemeClr val="bg1"/>
+          </a:solidFill>
+        </p:spPr>
+        <p:style>
+          <a:lnRef idx="2">
+            <a:schemeClr val="accent1">
+              <a:shade val="50000"/>
+            </a:schemeClr>
+          </a:lnRef>
+          <a:fillRef idx="1">
+            <a:schemeClr val="accent1"/>
+          </a:fillRef>
+          <a:effectRef idx="0">
+            <a:schemeClr val="accent1"/>
+          </a:effectRef>
+          <a:fontRef idx="minor">
+            <a:schemeClr val="lt1"/>
+          </a:fontRef>
+        </p:style>
+        <p:txBody>
+          <a:bodyPr rtlCol="0" anchor="ctr"/>
+          <a:lstStyle/>
+          <a:p>
+            <a:pPr algn="ctr"/>
+            <a:endParaRPr lang="en-US" dirty="0"/>
+          </a:p>
+        </p:txBody>
+      </p:sp>
+      <p:sp>
+        <p:nvSpPr>
+          <p:cNvPr id="67" name="TextBox 66">
+            <a:extLst>
+              <a:ext uri="{FF2B5EF4-FFF2-40B4-BE49-F238E27FC236}">
+                <a16:creationId xmlns:a16="http://schemas.microsoft.com/office/drawing/2014/main" id="{DDD1C875-F86E-E642-9220-9E49B7576792}"/>
               </a:ext>
             </a:extLst>
           </p:cNvPr>
@@ -10731,8 +11158,8 @@
         </p:nvSpPr>
         <p:spPr>
           <a:xfrm>
-            <a:off x="2833016" y="1114905"/>
-            <a:ext cx="854914" cy="369332"/>
+            <a:off x="2209967" y="2175799"/>
+            <a:ext cx="648126" cy="276999"/>
           </a:xfrm>
           <a:prstGeom prst="rect">
             <a:avLst/>
@@ -10746,19 +11173,691 @@
           <a:lstStyle/>
           <a:p>
             <a:r>
+              <a:rPr lang="en-US" altLang="zh-CN" sz="1200" dirty="0" err="1"/>
+              <a:t>trClient</a:t>
+            </a:r>
+            <a:endParaRPr lang="en-US" dirty="0"/>
+          </a:p>
+        </p:txBody>
+      </p:sp>
+      <p:sp>
+        <p:nvSpPr>
+          <p:cNvPr id="78" name="Rectangle 77">
+            <a:extLst>
+              <a:ext uri="{FF2B5EF4-FFF2-40B4-BE49-F238E27FC236}">
+                <a16:creationId xmlns:a16="http://schemas.microsoft.com/office/drawing/2014/main" id="{9E00C288-5381-AC42-B735-79647CEA9981}"/>
+              </a:ext>
+            </a:extLst>
+          </p:cNvPr>
+          <p:cNvSpPr/>
+          <p:nvPr/>
+        </p:nvSpPr>
+        <p:spPr>
+          <a:xfrm>
+            <a:off x="1918703" y="1460620"/>
+            <a:ext cx="2058756" cy="262335"/>
+          </a:xfrm>
+          <a:prstGeom prst="rect">
+            <a:avLst/>
+          </a:prstGeom>
+          <a:solidFill>
+            <a:schemeClr val="bg1"/>
+          </a:solidFill>
+        </p:spPr>
+        <p:style>
+          <a:lnRef idx="2">
+            <a:schemeClr val="accent1">
+              <a:shade val="50000"/>
+            </a:schemeClr>
+          </a:lnRef>
+          <a:fillRef idx="1">
+            <a:schemeClr val="accent1"/>
+          </a:fillRef>
+          <a:effectRef idx="0">
+            <a:schemeClr val="accent1"/>
+          </a:effectRef>
+          <a:fontRef idx="minor">
+            <a:schemeClr val="lt1"/>
+          </a:fontRef>
+        </p:style>
+        <p:txBody>
+          <a:bodyPr rtlCol="0" anchor="ctr"/>
+          <a:lstStyle/>
+          <a:p>
+            <a:pPr algn="ctr"/>
+            <a:r>
+              <a:rPr lang="en-US" altLang="zh-CN" dirty="0">
+                <a:solidFill>
+                  <a:schemeClr val="tx1"/>
+                </a:solidFill>
+              </a:rPr>
+              <a:t>Call</a:t>
+            </a:r>
+            <a:endParaRPr lang="en-US" dirty="0">
+              <a:solidFill>
+                <a:schemeClr val="tx1"/>
+              </a:solidFill>
+            </a:endParaRPr>
+          </a:p>
+        </p:txBody>
+      </p:sp>
+      <p:cxnSp>
+        <p:nvCxnSpPr>
+          <p:cNvPr id="6" name="Straight Arrow Connector 5">
+            <a:extLst>
+              <a:ext uri="{FF2B5EF4-FFF2-40B4-BE49-F238E27FC236}">
+                <a16:creationId xmlns:a16="http://schemas.microsoft.com/office/drawing/2014/main" id="{CEE69471-AEF7-2245-846C-AF003B1DA2F7}"/>
+              </a:ext>
+            </a:extLst>
+          </p:cNvPr>
+          <p:cNvCxnSpPr>
+            <a:cxnSpLocks/>
+            <a:stCxn id="78" idx="3"/>
+            <a:endCxn id="37" idx="1"/>
+          </p:cNvCxnSpPr>
+          <p:nvPr/>
+        </p:nvCxnSpPr>
+        <p:spPr>
+          <a:xfrm>
+            <a:off x="3977459" y="1591788"/>
+            <a:ext cx="947213" cy="5564"/>
+          </a:xfrm>
+          <a:prstGeom prst="straightConnector1">
+            <a:avLst/>
+          </a:prstGeom>
+          <a:ln>
+            <a:tailEnd type="triangle"/>
+          </a:ln>
+        </p:spPr>
+        <p:style>
+          <a:lnRef idx="1">
+            <a:schemeClr val="accent1"/>
+          </a:lnRef>
+          <a:fillRef idx="0">
+            <a:schemeClr val="accent1"/>
+          </a:fillRef>
+          <a:effectRef idx="0">
+            <a:schemeClr val="accent1"/>
+          </a:effectRef>
+          <a:fontRef idx="minor">
+            <a:schemeClr val="tx1"/>
+          </a:fontRef>
+        </p:style>
+      </p:cxnSp>
+      <p:sp>
+        <p:nvSpPr>
+          <p:cNvPr id="84" name="Rectangle 83">
+            <a:extLst>
+              <a:ext uri="{FF2B5EF4-FFF2-40B4-BE49-F238E27FC236}">
+                <a16:creationId xmlns:a16="http://schemas.microsoft.com/office/drawing/2014/main" id="{2FE87F5E-571B-9D40-8DF4-58A3AD753351}"/>
+              </a:ext>
+            </a:extLst>
+          </p:cNvPr>
+          <p:cNvSpPr/>
+          <p:nvPr/>
+        </p:nvSpPr>
+        <p:spPr>
+          <a:xfrm>
+            <a:off x="4924671" y="1876420"/>
+            <a:ext cx="1804300" cy="2973876"/>
+          </a:xfrm>
+          <a:prstGeom prst="rect">
+            <a:avLst/>
+          </a:prstGeom>
+          <a:solidFill>
+            <a:schemeClr val="bg1"/>
+          </a:solidFill>
+        </p:spPr>
+        <p:style>
+          <a:lnRef idx="2">
+            <a:schemeClr val="accent1">
+              <a:shade val="50000"/>
+            </a:schemeClr>
+          </a:lnRef>
+          <a:fillRef idx="1">
+            <a:schemeClr val="accent1"/>
+          </a:fillRef>
+          <a:effectRef idx="0">
+            <a:schemeClr val="accent1"/>
+          </a:effectRef>
+          <a:fontRef idx="minor">
+            <a:schemeClr val="lt1"/>
+          </a:fontRef>
+        </p:style>
+        <p:txBody>
+          <a:bodyPr rtlCol="0" anchor="ctr"/>
+          <a:lstStyle/>
+          <a:p>
+            <a:pPr algn="ctr"/>
+            <a:endParaRPr lang="en-US" dirty="0">
+              <a:solidFill>
+                <a:schemeClr val="tx1"/>
+              </a:solidFill>
+            </a:endParaRPr>
+          </a:p>
+        </p:txBody>
+      </p:sp>
+      <p:sp>
+        <p:nvSpPr>
+          <p:cNvPr id="89" name="Rectangle 88">
+            <a:extLst>
+              <a:ext uri="{FF2B5EF4-FFF2-40B4-BE49-F238E27FC236}">
+                <a16:creationId xmlns:a16="http://schemas.microsoft.com/office/drawing/2014/main" id="{D55666B1-6905-0046-9F88-9646B3F79624}"/>
+              </a:ext>
+            </a:extLst>
+          </p:cNvPr>
+          <p:cNvSpPr/>
+          <p:nvPr/>
+        </p:nvSpPr>
+        <p:spPr>
+          <a:xfrm>
+            <a:off x="5054918" y="2230038"/>
+            <a:ext cx="1519435" cy="2423281"/>
+          </a:xfrm>
+          <a:prstGeom prst="rect">
+            <a:avLst/>
+          </a:prstGeom>
+          <a:solidFill>
+            <a:schemeClr val="bg1"/>
+          </a:solidFill>
+        </p:spPr>
+        <p:style>
+          <a:lnRef idx="2">
+            <a:schemeClr val="accent1">
+              <a:shade val="50000"/>
+            </a:schemeClr>
+          </a:lnRef>
+          <a:fillRef idx="1">
+            <a:schemeClr val="accent1"/>
+          </a:fillRef>
+          <a:effectRef idx="0">
+            <a:schemeClr val="accent1"/>
+          </a:effectRef>
+          <a:fontRef idx="minor">
+            <a:schemeClr val="lt1"/>
+          </a:fontRef>
+        </p:style>
+        <p:txBody>
+          <a:bodyPr rtlCol="0" anchor="ctr"/>
+          <a:lstStyle/>
+          <a:p>
+            <a:pPr algn="ctr"/>
+            <a:endParaRPr lang="en-US" dirty="0"/>
+          </a:p>
+        </p:txBody>
+      </p:sp>
+      <p:sp>
+        <p:nvSpPr>
+          <p:cNvPr id="99" name="TextBox 98">
+            <a:extLst>
+              <a:ext uri="{FF2B5EF4-FFF2-40B4-BE49-F238E27FC236}">
+                <a16:creationId xmlns:a16="http://schemas.microsoft.com/office/drawing/2014/main" id="{0D1AB70A-D0D1-B147-8942-AFFFA6BC7473}"/>
+              </a:ext>
+            </a:extLst>
+          </p:cNvPr>
+          <p:cNvSpPr txBox="1"/>
+          <p:nvPr/>
+        </p:nvSpPr>
+        <p:spPr>
+          <a:xfrm>
+            <a:off x="5070182" y="2209793"/>
+            <a:ext cx="679801" cy="276999"/>
+          </a:xfrm>
+          <a:prstGeom prst="rect">
+            <a:avLst/>
+          </a:prstGeom>
+          <a:noFill/>
+        </p:spPr>
+        <p:txBody>
+          <a:bodyPr wrap="none" rtlCol="0">
+            <a:spAutoFit/>
+          </a:bodyPr>
+          <a:lstStyle/>
+          <a:p>
+            <a:r>
+              <a:rPr lang="en-US" altLang="zh-CN" sz="1200" dirty="0"/>
+              <a:t>Listener</a:t>
+            </a:r>
+            <a:endParaRPr lang="en-US" dirty="0"/>
+          </a:p>
+        </p:txBody>
+      </p:sp>
+      <p:sp>
+        <p:nvSpPr>
+          <p:cNvPr id="101" name="Rectangle 100">
+            <a:extLst>
+              <a:ext uri="{FF2B5EF4-FFF2-40B4-BE49-F238E27FC236}">
+                <a16:creationId xmlns:a16="http://schemas.microsoft.com/office/drawing/2014/main" id="{CF05D0F7-978E-BE45-A414-7031C1D468DA}"/>
+              </a:ext>
+            </a:extLst>
+          </p:cNvPr>
+          <p:cNvSpPr/>
+          <p:nvPr/>
+        </p:nvSpPr>
+        <p:spPr>
+          <a:xfrm>
+            <a:off x="5199276" y="2446413"/>
+            <a:ext cx="1238749" cy="262335"/>
+          </a:xfrm>
+          <a:prstGeom prst="rect">
+            <a:avLst/>
+          </a:prstGeom>
+          <a:solidFill>
+            <a:schemeClr val="bg1"/>
+          </a:solidFill>
+        </p:spPr>
+        <p:style>
+          <a:lnRef idx="2">
+            <a:schemeClr val="accent1">
+              <a:shade val="50000"/>
+            </a:schemeClr>
+          </a:lnRef>
+          <a:fillRef idx="1">
+            <a:schemeClr val="accent1"/>
+          </a:fillRef>
+          <a:effectRef idx="0">
+            <a:schemeClr val="accent1"/>
+          </a:effectRef>
+          <a:fontRef idx="minor">
+            <a:schemeClr val="lt1"/>
+          </a:fontRef>
+        </p:style>
+        <p:txBody>
+          <a:bodyPr rtlCol="0" anchor="ctr"/>
+          <a:lstStyle/>
+          <a:p>
+            <a:pPr algn="ctr"/>
+            <a:r>
+              <a:rPr lang="en-US" altLang="zh-CN" dirty="0">
+                <a:solidFill>
+                  <a:schemeClr val="tx1"/>
+                </a:solidFill>
+              </a:rPr>
+              <a:t>Accept</a:t>
+            </a:r>
+            <a:endParaRPr lang="en-US" dirty="0">
+              <a:solidFill>
+                <a:schemeClr val="tx1"/>
+              </a:solidFill>
+            </a:endParaRPr>
+          </a:p>
+        </p:txBody>
+      </p:sp>
+      <p:sp>
+        <p:nvSpPr>
+          <p:cNvPr id="102" name="Rectangle 101">
+            <a:extLst>
+              <a:ext uri="{FF2B5EF4-FFF2-40B4-BE49-F238E27FC236}">
+                <a16:creationId xmlns:a16="http://schemas.microsoft.com/office/drawing/2014/main" id="{204FB341-D7EB-234E-98FB-FC2A8BC18503}"/>
+              </a:ext>
+            </a:extLst>
+          </p:cNvPr>
+          <p:cNvSpPr/>
+          <p:nvPr/>
+        </p:nvSpPr>
+        <p:spPr>
+          <a:xfrm>
+            <a:off x="5199276" y="2851016"/>
+            <a:ext cx="1238750" cy="1610461"/>
+          </a:xfrm>
+          <a:prstGeom prst="rect">
+            <a:avLst/>
+          </a:prstGeom>
+          <a:solidFill>
+            <a:schemeClr val="bg1"/>
+          </a:solidFill>
+        </p:spPr>
+        <p:style>
+          <a:lnRef idx="2">
+            <a:schemeClr val="accent1">
+              <a:shade val="50000"/>
+            </a:schemeClr>
+          </a:lnRef>
+          <a:fillRef idx="1">
+            <a:schemeClr val="accent1"/>
+          </a:fillRef>
+          <a:effectRef idx="0">
+            <a:schemeClr val="accent1"/>
+          </a:effectRef>
+          <a:fontRef idx="minor">
+            <a:schemeClr val="lt1"/>
+          </a:fontRef>
+        </p:style>
+        <p:txBody>
+          <a:bodyPr rtlCol="0" anchor="ctr"/>
+          <a:lstStyle/>
+          <a:p>
+            <a:pPr algn="ctr"/>
+            <a:endParaRPr lang="en-US" dirty="0"/>
+          </a:p>
+        </p:txBody>
+      </p:sp>
+      <p:sp>
+        <p:nvSpPr>
+          <p:cNvPr id="104" name="TextBox 103">
+            <a:extLst>
+              <a:ext uri="{FF2B5EF4-FFF2-40B4-BE49-F238E27FC236}">
+                <a16:creationId xmlns:a16="http://schemas.microsoft.com/office/drawing/2014/main" id="{C478F801-952B-1049-B2F2-60AA2026410E}"/>
+              </a:ext>
+            </a:extLst>
+          </p:cNvPr>
+          <p:cNvSpPr txBox="1"/>
+          <p:nvPr/>
+        </p:nvSpPr>
+        <p:spPr>
+          <a:xfrm>
+            <a:off x="5219532" y="2900811"/>
+            <a:ext cx="699872" cy="276999"/>
+          </a:xfrm>
+          <a:prstGeom prst="rect">
+            <a:avLst/>
+          </a:prstGeom>
+          <a:noFill/>
+        </p:spPr>
+        <p:txBody>
+          <a:bodyPr wrap="none" rtlCol="0">
+            <a:spAutoFit/>
+          </a:bodyPr>
+          <a:lstStyle/>
+          <a:p>
+            <a:r>
+              <a:rPr lang="en-US" altLang="zh-CN" sz="1200" dirty="0" err="1"/>
+              <a:t>trSocket</a:t>
+            </a:r>
+            <a:endParaRPr lang="en-US" dirty="0"/>
+          </a:p>
+        </p:txBody>
+      </p:sp>
+      <p:sp>
+        <p:nvSpPr>
+          <p:cNvPr id="105" name="Rectangle 104">
+            <a:extLst>
+              <a:ext uri="{FF2B5EF4-FFF2-40B4-BE49-F238E27FC236}">
+                <a16:creationId xmlns:a16="http://schemas.microsoft.com/office/drawing/2014/main" id="{72B3AEAD-3337-464A-A08C-B5C617CE3443}"/>
+              </a:ext>
+            </a:extLst>
+          </p:cNvPr>
+          <p:cNvSpPr/>
+          <p:nvPr/>
+        </p:nvSpPr>
+        <p:spPr>
+          <a:xfrm>
+            <a:off x="5373657" y="3551472"/>
+            <a:ext cx="842502" cy="262335"/>
+          </a:xfrm>
+          <a:prstGeom prst="rect">
+            <a:avLst/>
+          </a:prstGeom>
+          <a:solidFill>
+            <a:schemeClr val="bg1"/>
+          </a:solidFill>
+        </p:spPr>
+        <p:style>
+          <a:lnRef idx="2">
+            <a:schemeClr val="accent1">
+              <a:shade val="50000"/>
+            </a:schemeClr>
+          </a:lnRef>
+          <a:fillRef idx="1">
+            <a:schemeClr val="accent1"/>
+          </a:fillRef>
+          <a:effectRef idx="0">
+            <a:schemeClr val="accent1"/>
+          </a:effectRef>
+          <a:fontRef idx="minor">
+            <a:schemeClr val="lt1"/>
+          </a:fontRef>
+        </p:style>
+        <p:txBody>
+          <a:bodyPr rtlCol="0" anchor="ctr"/>
+          <a:lstStyle/>
+          <a:p>
+            <a:pPr algn="ctr"/>
+            <a:r>
+              <a:rPr lang="en-US" altLang="zh-CN" dirty="0" err="1">
+                <a:solidFill>
+                  <a:schemeClr val="tx1"/>
+                </a:solidFill>
+              </a:rPr>
+              <a:t>Rcv</a:t>
+            </a:r>
+            <a:endParaRPr lang="en-US" dirty="0">
+              <a:solidFill>
+                <a:schemeClr val="tx1"/>
+              </a:solidFill>
+            </a:endParaRPr>
+          </a:p>
+        </p:txBody>
+      </p:sp>
+      <p:sp>
+        <p:nvSpPr>
+          <p:cNvPr id="106" name="Rectangle 105">
+            <a:extLst>
+              <a:ext uri="{FF2B5EF4-FFF2-40B4-BE49-F238E27FC236}">
+                <a16:creationId xmlns:a16="http://schemas.microsoft.com/office/drawing/2014/main" id="{89826042-D246-0B44-AE55-6B5D8FFBF579}"/>
+              </a:ext>
+            </a:extLst>
+          </p:cNvPr>
+          <p:cNvSpPr/>
+          <p:nvPr/>
+        </p:nvSpPr>
+        <p:spPr>
+          <a:xfrm>
+            <a:off x="5363444" y="3930720"/>
+            <a:ext cx="842502" cy="262335"/>
+          </a:xfrm>
+          <a:prstGeom prst="rect">
+            <a:avLst/>
+          </a:prstGeom>
+          <a:solidFill>
+            <a:schemeClr val="bg1"/>
+          </a:solidFill>
+        </p:spPr>
+        <p:style>
+          <a:lnRef idx="2">
+            <a:schemeClr val="accent1">
+              <a:shade val="50000"/>
+            </a:schemeClr>
+          </a:lnRef>
+          <a:fillRef idx="1">
+            <a:schemeClr val="accent1"/>
+          </a:fillRef>
+          <a:effectRef idx="0">
+            <a:schemeClr val="accent1"/>
+          </a:effectRef>
+          <a:fontRef idx="minor">
+            <a:schemeClr val="lt1"/>
+          </a:fontRef>
+        </p:style>
+        <p:txBody>
+          <a:bodyPr rtlCol="0" anchor="ctr"/>
+          <a:lstStyle/>
+          <a:p>
+            <a:pPr algn="ctr"/>
+            <a:r>
+              <a:rPr lang="en-US" altLang="zh-CN" dirty="0">
+                <a:solidFill>
+                  <a:schemeClr val="tx1"/>
+                </a:solidFill>
+              </a:rPr>
+              <a:t>Send</a:t>
+            </a:r>
+            <a:endParaRPr lang="en-US" dirty="0">
+              <a:solidFill>
+                <a:schemeClr val="tx1"/>
+              </a:solidFill>
+            </a:endParaRPr>
+          </a:p>
+        </p:txBody>
+      </p:sp>
+      <p:sp>
+        <p:nvSpPr>
+          <p:cNvPr id="18" name="Rectangle 17">
+            <a:extLst>
+              <a:ext uri="{FF2B5EF4-FFF2-40B4-BE49-F238E27FC236}">
+                <a16:creationId xmlns:a16="http://schemas.microsoft.com/office/drawing/2014/main" id="{AEC0BD5E-93F0-4745-968D-F88BE74B3B6E}"/>
+              </a:ext>
+            </a:extLst>
+          </p:cNvPr>
+          <p:cNvSpPr/>
+          <p:nvPr/>
+        </p:nvSpPr>
+        <p:spPr>
+          <a:xfrm>
+            <a:off x="4885817" y="1801390"/>
+            <a:ext cx="1080937" cy="369332"/>
+          </a:xfrm>
+          <a:prstGeom prst="rect">
+            <a:avLst/>
+          </a:prstGeom>
+        </p:spPr>
+        <p:txBody>
+          <a:bodyPr wrap="none">
+            <a:spAutoFit/>
+          </a:bodyPr>
+          <a:lstStyle/>
+          <a:p>
+            <a:r>
               <a:rPr lang="en-US" altLang="zh-CN" dirty="0"/>
-              <a:t>Stream</a:t>
+              <a:t>Transport</a:t>
             </a:r>
             <a:endParaRPr lang="en-US" dirty="0"/>
           </a:p>
         </p:txBody>
       </p:sp>
-      <p:sp>
-        <p:nvSpPr>
-          <p:cNvPr id="44" name="Rectangle 43">
-            <a:extLst>
-              <a:ext uri="{FF2B5EF4-FFF2-40B4-BE49-F238E27FC236}">
-                <a16:creationId xmlns:a16="http://schemas.microsoft.com/office/drawing/2014/main" id="{483752C5-2295-B24E-A556-EB0C1ED3D7A0}"/>
+      <p:cxnSp>
+        <p:nvCxnSpPr>
+          <p:cNvPr id="112" name="Straight Arrow Connector 111">
+            <a:extLst>
+              <a:ext uri="{FF2B5EF4-FFF2-40B4-BE49-F238E27FC236}">
+                <a16:creationId xmlns:a16="http://schemas.microsoft.com/office/drawing/2014/main" id="{2688FD1F-FDD7-684E-86E2-26773271F085}"/>
+              </a:ext>
+            </a:extLst>
+          </p:cNvPr>
+          <p:cNvCxnSpPr>
+            <a:cxnSpLocks/>
+            <a:stCxn id="106" idx="1"/>
+          </p:cNvCxnSpPr>
+          <p:nvPr/>
+        </p:nvCxnSpPr>
+        <p:spPr>
+          <a:xfrm flipH="1" flipV="1">
+            <a:off x="3337611" y="4058283"/>
+            <a:ext cx="2025833" cy="3605"/>
+          </a:xfrm>
+          <a:prstGeom prst="straightConnector1">
+            <a:avLst/>
+          </a:prstGeom>
+          <a:ln>
+            <a:tailEnd type="triangle"/>
+          </a:ln>
+        </p:spPr>
+        <p:style>
+          <a:lnRef idx="1">
+            <a:schemeClr val="accent1"/>
+          </a:lnRef>
+          <a:fillRef idx="0">
+            <a:schemeClr val="accent1"/>
+          </a:fillRef>
+          <a:effectRef idx="0">
+            <a:schemeClr val="accent1"/>
+          </a:effectRef>
+          <a:fontRef idx="minor">
+            <a:schemeClr val="tx1"/>
+          </a:fontRef>
+        </p:style>
+      </p:cxnSp>
+      <p:cxnSp>
+        <p:nvCxnSpPr>
+          <p:cNvPr id="114" name="Straight Arrow Connector 113">
+            <a:extLst>
+              <a:ext uri="{FF2B5EF4-FFF2-40B4-BE49-F238E27FC236}">
+                <a16:creationId xmlns:a16="http://schemas.microsoft.com/office/drawing/2014/main" id="{E7122062-933B-2046-9D12-0E6998B52B4C}"/>
+              </a:ext>
+            </a:extLst>
+          </p:cNvPr>
+          <p:cNvCxnSpPr>
+            <a:cxnSpLocks/>
+            <a:endCxn id="105" idx="1"/>
+          </p:cNvCxnSpPr>
+          <p:nvPr/>
+        </p:nvCxnSpPr>
+        <p:spPr>
+          <a:xfrm>
+            <a:off x="3337611" y="3662782"/>
+            <a:ext cx="2036046" cy="19858"/>
+          </a:xfrm>
+          <a:prstGeom prst="straightConnector1">
+            <a:avLst/>
+          </a:prstGeom>
+          <a:ln>
+            <a:tailEnd type="triangle"/>
+          </a:ln>
+        </p:spPr>
+        <p:style>
+          <a:lnRef idx="1">
+            <a:schemeClr val="accent1"/>
+          </a:lnRef>
+          <a:fillRef idx="0">
+            <a:schemeClr val="accent1"/>
+          </a:fillRef>
+          <a:effectRef idx="0">
+            <a:schemeClr val="accent1"/>
+          </a:effectRef>
+          <a:fontRef idx="minor">
+            <a:schemeClr val="tx1"/>
+          </a:fontRef>
+        </p:style>
+      </p:cxnSp>
+      <p:cxnSp>
+        <p:nvCxnSpPr>
+          <p:cNvPr id="117" name="Straight Arrow Connector 116">
+            <a:extLst>
+              <a:ext uri="{FF2B5EF4-FFF2-40B4-BE49-F238E27FC236}">
+                <a16:creationId xmlns:a16="http://schemas.microsoft.com/office/drawing/2014/main" id="{5D4EB225-E8C8-1D4C-AA65-BF3AEBBDB932}"/>
+              </a:ext>
+            </a:extLst>
+          </p:cNvPr>
+          <p:cNvCxnSpPr>
+            <a:cxnSpLocks/>
+            <a:stCxn id="131" idx="3"/>
+            <a:endCxn id="101" idx="1"/>
+          </p:cNvCxnSpPr>
+          <p:nvPr/>
+        </p:nvCxnSpPr>
+        <p:spPr>
+          <a:xfrm flipV="1">
+            <a:off x="3647515" y="2577581"/>
+            <a:ext cx="1551761" cy="4241"/>
+          </a:xfrm>
+          <a:prstGeom prst="straightConnector1">
+            <a:avLst/>
+          </a:prstGeom>
+          <a:ln>
+            <a:tailEnd type="triangle"/>
+          </a:ln>
+        </p:spPr>
+        <p:style>
+          <a:lnRef idx="1">
+            <a:schemeClr val="accent1"/>
+          </a:lnRef>
+          <a:fillRef idx="0">
+            <a:schemeClr val="accent1"/>
+          </a:fillRef>
+          <a:effectRef idx="0">
+            <a:schemeClr val="accent1"/>
+          </a:effectRef>
+          <a:fontRef idx="minor">
+            <a:schemeClr val="tx1"/>
+          </a:fontRef>
+        </p:style>
+      </p:cxnSp>
+      <p:sp>
+        <p:nvSpPr>
+          <p:cNvPr id="131" name="Rectangle 130">
+            <a:extLst>
+              <a:ext uri="{FF2B5EF4-FFF2-40B4-BE49-F238E27FC236}">
+                <a16:creationId xmlns:a16="http://schemas.microsoft.com/office/drawing/2014/main" id="{5E4A0799-1B92-3B44-9DD3-E4DB7C56C06A}"/>
               </a:ext>
             </a:extLst>
           </p:cNvPr>
@@ -10767,8 +11866,8 @@
         </p:nvSpPr>
         <p:spPr>
           <a:xfrm>
-            <a:off x="2277252" y="1673481"/>
-            <a:ext cx="2045802" cy="262335"/>
+            <a:off x="2303503" y="2450654"/>
+            <a:ext cx="1344012" cy="262335"/>
           </a:xfrm>
           <a:prstGeom prst="rect">
             <a:avLst/>
@@ -10816,10 +11915,10 @@
       </p:sp>
       <p:sp>
         <p:nvSpPr>
-          <p:cNvPr id="64" name="Rectangle 63">
-            <a:extLst>
-              <a:ext uri="{FF2B5EF4-FFF2-40B4-BE49-F238E27FC236}">
-                <a16:creationId xmlns:a16="http://schemas.microsoft.com/office/drawing/2014/main" id="{865B17DC-0D33-C84E-9BF8-A84C8C3EBE61}"/>
+          <p:cNvPr id="132" name="Rectangle 131">
+            <a:extLst>
+              <a:ext uri="{FF2B5EF4-FFF2-40B4-BE49-F238E27FC236}">
+                <a16:creationId xmlns:a16="http://schemas.microsoft.com/office/drawing/2014/main" id="{538B332A-AE00-4C49-B9A3-8DB919F6E37E}"/>
               </a:ext>
             </a:extLst>
           </p:cNvPr>
@@ -10828,15 +11927,270 @@
         </p:nvSpPr>
         <p:spPr>
           <a:xfrm>
-            <a:off x="2281234" y="2159737"/>
-            <a:ext cx="2053244" cy="1722307"/>
+            <a:off x="1918703" y="1828297"/>
+            <a:ext cx="1080937" cy="369332"/>
           </a:xfrm>
           <a:prstGeom prst="rect">
             <a:avLst/>
           </a:prstGeom>
-          <a:solidFill>
-            <a:schemeClr val="bg1"/>
-          </a:solidFill>
+        </p:spPr>
+        <p:txBody>
+          <a:bodyPr wrap="none">
+            <a:spAutoFit/>
+          </a:bodyPr>
+          <a:lstStyle/>
+          <a:p>
+            <a:r>
+              <a:rPr lang="en-US" altLang="zh-CN" dirty="0"/>
+              <a:t>Transport</a:t>
+            </a:r>
+            <a:endParaRPr lang="en-US" dirty="0"/>
+          </a:p>
+        </p:txBody>
+      </p:sp>
+      <p:sp>
+        <p:nvSpPr>
+          <p:cNvPr id="139" name="TextBox 138">
+            <a:extLst>
+              <a:ext uri="{FF2B5EF4-FFF2-40B4-BE49-F238E27FC236}">
+                <a16:creationId xmlns:a16="http://schemas.microsoft.com/office/drawing/2014/main" id="{AA97E7AC-C35C-B343-91BB-479956EABB1F}"/>
+              </a:ext>
+            </a:extLst>
+          </p:cNvPr>
+          <p:cNvSpPr txBox="1"/>
+          <p:nvPr/>
+        </p:nvSpPr>
+        <p:spPr>
+          <a:xfrm>
+            <a:off x="7901609" y="974701"/>
+            <a:ext cx="1621919" cy="1754326"/>
+          </a:xfrm>
+          <a:prstGeom prst="rect">
+            <a:avLst/>
+          </a:prstGeom>
+          <a:noFill/>
+        </p:spPr>
+        <p:txBody>
+          <a:bodyPr wrap="none" rtlCol="0">
+            <a:spAutoFit/>
+          </a:bodyPr>
+          <a:lstStyle/>
+          <a:p>
+            <a:r>
+              <a:rPr lang="en-US" dirty="0"/>
+              <a:t>client </a:t>
+            </a:r>
+            <a:r>
+              <a:rPr lang="en-US" altLang="zh-CN" dirty="0"/>
+              <a:t>=&gt;</a:t>
+            </a:r>
+            <a:r>
+              <a:rPr lang="zh-CN" altLang="en-US" dirty="0"/>
+              <a:t> </a:t>
+            </a:r>
+            <a:r>
+              <a:rPr lang="en-US" dirty="0"/>
+              <a:t>server</a:t>
+            </a:r>
+          </a:p>
+          <a:p>
+            <a:endParaRPr lang="en-US" dirty="0"/>
+          </a:p>
+          <a:p>
+            <a:endParaRPr lang="en-US" dirty="0"/>
+          </a:p>
+          <a:p>
+            <a:endParaRPr lang="en-US" dirty="0"/>
+          </a:p>
+          <a:p>
+            <a:endParaRPr lang="en-US" dirty="0"/>
+          </a:p>
+          <a:p>
+            <a:endParaRPr lang="en-US" dirty="0"/>
+          </a:p>
+        </p:txBody>
+      </p:sp>
+      <p:sp>
+        <p:nvSpPr>
+          <p:cNvPr id="140" name="TextBox 139">
+            <a:extLst>
+              <a:ext uri="{FF2B5EF4-FFF2-40B4-BE49-F238E27FC236}">
+                <a16:creationId xmlns:a16="http://schemas.microsoft.com/office/drawing/2014/main" id="{5CCCAA32-4A1F-A544-BFC1-F8C8D3A991A0}"/>
+              </a:ext>
+            </a:extLst>
+          </p:cNvPr>
+          <p:cNvSpPr txBox="1"/>
+          <p:nvPr/>
+        </p:nvSpPr>
+        <p:spPr>
+          <a:xfrm>
+            <a:off x="7901609" y="1524391"/>
+            <a:ext cx="3180521" cy="646331"/>
+          </a:xfrm>
+          <a:prstGeom prst="rect">
+            <a:avLst/>
+          </a:prstGeom>
+          <a:noFill/>
+        </p:spPr>
+        <p:txBody>
+          <a:bodyPr wrap="square" rtlCol="0">
+            <a:spAutoFit/>
+          </a:bodyPr>
+          <a:lstStyle/>
+          <a:p>
+            <a:r>
+              <a:rPr lang="en-US" dirty="0" err="1"/>
+              <a:t>client.Call</a:t>
+            </a:r>
+            <a:r>
+              <a:rPr lang="en-US" dirty="0"/>
+              <a:t> =&gt; </a:t>
+            </a:r>
+            <a:r>
+              <a:rPr lang="en-US" dirty="0" err="1"/>
+              <a:t>server.Handler</a:t>
+            </a:r>
+            <a:endParaRPr lang="en-US" dirty="0"/>
+          </a:p>
+          <a:p>
+            <a:endParaRPr lang="en-US" dirty="0"/>
+          </a:p>
+        </p:txBody>
+      </p:sp>
+      <p:sp>
+        <p:nvSpPr>
+          <p:cNvPr id="141" name="TextBox 140">
+            <a:extLst>
+              <a:ext uri="{FF2B5EF4-FFF2-40B4-BE49-F238E27FC236}">
+                <a16:creationId xmlns:a16="http://schemas.microsoft.com/office/drawing/2014/main" id="{EC718016-C7F4-5141-9227-E99252370886}"/>
+              </a:ext>
+            </a:extLst>
+          </p:cNvPr>
+          <p:cNvSpPr txBox="1"/>
+          <p:nvPr/>
+        </p:nvSpPr>
+        <p:spPr>
+          <a:xfrm>
+            <a:off x="7917127" y="2095980"/>
+            <a:ext cx="3598421" cy="646331"/>
+          </a:xfrm>
+          <a:prstGeom prst="rect">
+            <a:avLst/>
+          </a:prstGeom>
+          <a:noFill/>
+        </p:spPr>
+        <p:txBody>
+          <a:bodyPr wrap="none" rtlCol="0">
+            <a:spAutoFit/>
+          </a:bodyPr>
+          <a:lstStyle/>
+          <a:p>
+            <a:r>
+              <a:rPr lang="en-US" dirty="0" err="1"/>
+              <a:t>transport</a:t>
+            </a:r>
+            <a:r>
+              <a:rPr lang="en-US" altLang="zh-CN" dirty="0" err="1"/>
+              <a:t>.</a:t>
+            </a:r>
+            <a:r>
+              <a:rPr lang="en-US" dirty="0" err="1"/>
+              <a:t>client</a:t>
+            </a:r>
+            <a:r>
+              <a:rPr lang="en-US" dirty="0"/>
+              <a:t> </a:t>
+            </a:r>
+            <a:r>
+              <a:rPr lang="en-US" altLang="zh-CN" dirty="0"/>
+              <a:t>=&gt;</a:t>
+            </a:r>
+            <a:r>
+              <a:rPr lang="en-US" dirty="0"/>
+              <a:t> </a:t>
+            </a:r>
+            <a:r>
+              <a:rPr lang="en-US" dirty="0" err="1"/>
+              <a:t>transport</a:t>
+            </a:r>
+            <a:r>
+              <a:rPr lang="en-US" altLang="zh-CN" dirty="0" err="1"/>
+              <a:t>.</a:t>
+            </a:r>
+            <a:r>
+              <a:rPr lang="en-US" dirty="0" err="1"/>
+              <a:t>listener</a:t>
+            </a:r>
+            <a:endParaRPr lang="en-US" dirty="0"/>
+          </a:p>
+          <a:p>
+            <a:endParaRPr lang="en-US" dirty="0"/>
+          </a:p>
+        </p:txBody>
+      </p:sp>
+      <p:sp>
+        <p:nvSpPr>
+          <p:cNvPr id="142" name="Rectangle 141">
+            <a:extLst>
+              <a:ext uri="{FF2B5EF4-FFF2-40B4-BE49-F238E27FC236}">
+                <a16:creationId xmlns:a16="http://schemas.microsoft.com/office/drawing/2014/main" id="{BA2EBCAA-C3FF-EE46-B441-73851D753367}"/>
+              </a:ext>
+            </a:extLst>
+          </p:cNvPr>
+          <p:cNvSpPr/>
+          <p:nvPr/>
+        </p:nvSpPr>
+        <p:spPr>
+          <a:xfrm>
+            <a:off x="7944367" y="2763175"/>
+            <a:ext cx="3389518" cy="369332"/>
+          </a:xfrm>
+          <a:prstGeom prst="rect">
+            <a:avLst/>
+          </a:prstGeom>
+        </p:spPr>
+        <p:txBody>
+          <a:bodyPr wrap="none">
+            <a:spAutoFit/>
+          </a:bodyPr>
+          <a:lstStyle/>
+          <a:p>
+            <a:r>
+              <a:rPr lang="en-US" dirty="0" err="1"/>
+              <a:t>transport.Dial</a:t>
+            </a:r>
+            <a:r>
+              <a:rPr lang="en-US" dirty="0"/>
+              <a:t> =&gt; </a:t>
+            </a:r>
+            <a:r>
+              <a:rPr lang="en-US" dirty="0" err="1"/>
+              <a:t>transport.Accept</a:t>
+            </a:r>
+            <a:endParaRPr lang="en-US" dirty="0"/>
+          </a:p>
+        </p:txBody>
+      </p:sp>
+      <p:sp>
+        <p:nvSpPr>
+          <p:cNvPr id="143" name="Down Arrow 142">
+            <a:extLst>
+              <a:ext uri="{FF2B5EF4-FFF2-40B4-BE49-F238E27FC236}">
+                <a16:creationId xmlns:a16="http://schemas.microsoft.com/office/drawing/2014/main" id="{FEC5C503-3CEA-6D4F-B372-5117C8A299EA}"/>
+              </a:ext>
+            </a:extLst>
+          </p:cNvPr>
+          <p:cNvSpPr/>
+          <p:nvPr/>
+        </p:nvSpPr>
+        <p:spPr>
+          <a:xfrm>
+            <a:off x="8712568" y="1219646"/>
+            <a:ext cx="192893" cy="372141"/>
+          </a:xfrm>
+          <a:prstGeom prst="downArrow">
+            <a:avLst/>
+          </a:prstGeom>
         </p:spPr>
         <p:style>
           <a:lnRef idx="2">
@@ -10859,16 +12213,16 @@
           <a:lstStyle/>
           <a:p>
             <a:pPr algn="ctr"/>
-            <a:endParaRPr lang="en-US" dirty="0"/>
-          </a:p>
-        </p:txBody>
-      </p:sp>
-      <p:sp>
-        <p:nvSpPr>
-          <p:cNvPr id="66" name="Rectangle 65">
-            <a:extLst>
-              <a:ext uri="{FF2B5EF4-FFF2-40B4-BE49-F238E27FC236}">
-                <a16:creationId xmlns:a16="http://schemas.microsoft.com/office/drawing/2014/main" id="{77628AAA-4BFB-134A-9AB4-B14968377A8A}"/>
+            <a:endParaRPr lang="en-US"/>
+          </a:p>
+        </p:txBody>
+      </p:sp>
+      <p:sp>
+        <p:nvSpPr>
+          <p:cNvPr id="144" name="Down Arrow 143">
+            <a:extLst>
+              <a:ext uri="{FF2B5EF4-FFF2-40B4-BE49-F238E27FC236}">
+                <a16:creationId xmlns:a16="http://schemas.microsoft.com/office/drawing/2014/main" id="{9CE66FF5-90C4-804E-92F3-C9A6D123F5E9}"/>
               </a:ext>
             </a:extLst>
           </p:cNvPr>
@@ -10877,15 +12231,12 @@
         </p:nvSpPr>
         <p:spPr>
           <a:xfrm>
-            <a:off x="2496930" y="2517783"/>
-            <a:ext cx="1654231" cy="1181382"/>
-          </a:xfrm>
-          <a:prstGeom prst="rect">
-            <a:avLst/>
-          </a:prstGeom>
-          <a:solidFill>
-            <a:schemeClr val="bg1"/>
-          </a:solidFill>
+            <a:off x="8712568" y="1828297"/>
+            <a:ext cx="192893" cy="372141"/>
+          </a:xfrm>
+          <a:prstGeom prst="downArrow">
+            <a:avLst/>
+          </a:prstGeom>
         </p:spPr>
         <p:style>
           <a:lnRef idx="2">
@@ -10908,52 +12259,115 @@
           <a:lstStyle/>
           <a:p>
             <a:pPr algn="ctr"/>
-            <a:endParaRPr lang="en-US" dirty="0"/>
-          </a:p>
-        </p:txBody>
-      </p:sp>
-      <p:sp>
-        <p:nvSpPr>
-          <p:cNvPr id="67" name="TextBox 66">
-            <a:extLst>
-              <a:ext uri="{FF2B5EF4-FFF2-40B4-BE49-F238E27FC236}">
-                <a16:creationId xmlns:a16="http://schemas.microsoft.com/office/drawing/2014/main" id="{DDD1C875-F86E-E642-9220-9E49B7576792}"/>
-              </a:ext>
-            </a:extLst>
-          </p:cNvPr>
-          <p:cNvSpPr txBox="1"/>
-          <p:nvPr/>
-        </p:nvSpPr>
-        <p:spPr>
-          <a:xfrm>
-            <a:off x="2496930" y="2513985"/>
-            <a:ext cx="648126" cy="276999"/>
+            <a:endParaRPr lang="en-US"/>
+          </a:p>
+        </p:txBody>
+      </p:sp>
+      <p:sp>
+        <p:nvSpPr>
+          <p:cNvPr id="145" name="Down Arrow 144">
+            <a:extLst>
+              <a:ext uri="{FF2B5EF4-FFF2-40B4-BE49-F238E27FC236}">
+                <a16:creationId xmlns:a16="http://schemas.microsoft.com/office/drawing/2014/main" id="{1FBC0E60-AD2C-CF4B-A95B-E8F9D91710E3}"/>
+              </a:ext>
+            </a:extLst>
+          </p:cNvPr>
+          <p:cNvSpPr/>
+          <p:nvPr/>
+        </p:nvSpPr>
+        <p:spPr>
+          <a:xfrm>
+            <a:off x="8712568" y="2468121"/>
+            <a:ext cx="192893" cy="372141"/>
+          </a:xfrm>
+          <a:prstGeom prst="downArrow">
+            <a:avLst/>
+          </a:prstGeom>
+        </p:spPr>
+        <p:style>
+          <a:lnRef idx="2">
+            <a:schemeClr val="accent1">
+              <a:shade val="50000"/>
+            </a:schemeClr>
+          </a:lnRef>
+          <a:fillRef idx="1">
+            <a:schemeClr val="accent1"/>
+          </a:fillRef>
+          <a:effectRef idx="0">
+            <a:schemeClr val="accent1"/>
+          </a:effectRef>
+          <a:fontRef idx="minor">
+            <a:schemeClr val="lt1"/>
+          </a:fontRef>
+        </p:style>
+        <p:txBody>
+          <a:bodyPr rtlCol="0" anchor="ctr"/>
+          <a:lstStyle/>
+          <a:p>
+            <a:pPr algn="ctr"/>
+            <a:endParaRPr lang="en-US"/>
+          </a:p>
+        </p:txBody>
+      </p:sp>
+      <p:sp>
+        <p:nvSpPr>
+          <p:cNvPr id="147" name="Rectangle 146">
+            <a:extLst>
+              <a:ext uri="{FF2B5EF4-FFF2-40B4-BE49-F238E27FC236}">
+                <a16:creationId xmlns:a16="http://schemas.microsoft.com/office/drawing/2014/main" id="{6CD3B03C-BACA-924D-9681-BD5F5670435E}"/>
+              </a:ext>
+            </a:extLst>
+          </p:cNvPr>
+          <p:cNvSpPr/>
+          <p:nvPr/>
+        </p:nvSpPr>
+        <p:spPr>
+          <a:xfrm>
+            <a:off x="2303503" y="2839916"/>
+            <a:ext cx="1344012" cy="1649001"/>
           </a:xfrm>
           <a:prstGeom prst="rect">
             <a:avLst/>
           </a:prstGeom>
-          <a:noFill/>
-        </p:spPr>
-        <p:txBody>
-          <a:bodyPr wrap="none" rtlCol="0">
-            <a:spAutoFit/>
-          </a:bodyPr>
-          <a:lstStyle/>
-          <a:p>
-            <a:r>
-              <a:rPr lang="en-US" altLang="zh-CN" sz="1200" dirty="0" err="1"/>
-              <a:t>trClient</a:t>
-            </a:r>
-            <a:endParaRPr lang="en-US" dirty="0"/>
-          </a:p>
-        </p:txBody>
-      </p:sp>
-      <p:sp>
-        <p:nvSpPr>
-          <p:cNvPr id="68" name="Rectangle 67">
-            <a:extLst>
-              <a:ext uri="{FF2B5EF4-FFF2-40B4-BE49-F238E27FC236}">
-                <a16:creationId xmlns:a16="http://schemas.microsoft.com/office/drawing/2014/main" id="{4CDC3D2B-D88D-7F46-9603-1BB556D63CCD}"/>
+          <a:solidFill>
+            <a:schemeClr val="bg1"/>
+          </a:solidFill>
+        </p:spPr>
+        <p:style>
+          <a:lnRef idx="2">
+            <a:schemeClr val="accent1">
+              <a:shade val="50000"/>
+            </a:schemeClr>
+          </a:lnRef>
+          <a:fillRef idx="1">
+            <a:schemeClr val="accent1"/>
+          </a:fillRef>
+          <a:effectRef idx="0">
+            <a:schemeClr val="accent1"/>
+          </a:effectRef>
+          <a:fontRef idx="minor">
+            <a:schemeClr val="lt1"/>
+          </a:fontRef>
+        </p:style>
+        <p:txBody>
+          <a:bodyPr rtlCol="0" anchor="ctr"/>
+          <a:lstStyle/>
+          <a:p>
+            <a:pPr algn="ctr"/>
+            <a:endParaRPr lang="en-US" dirty="0">
+              <a:solidFill>
+                <a:schemeClr val="tx1"/>
+              </a:solidFill>
+            </a:endParaRPr>
+          </a:p>
+        </p:txBody>
+      </p:sp>
+      <p:sp>
+        <p:nvSpPr>
+          <p:cNvPr id="148" name="Rectangle 147">
+            <a:extLst>
+              <a:ext uri="{FF2B5EF4-FFF2-40B4-BE49-F238E27FC236}">
+                <a16:creationId xmlns:a16="http://schemas.microsoft.com/office/drawing/2014/main" id="{3C7FE441-77F8-3A4E-A903-D4872C1C0B92}"/>
               </a:ext>
             </a:extLst>
           </p:cNvPr>
@@ -10962,7 +12376,7 @@
         </p:nvSpPr>
         <p:spPr>
           <a:xfrm>
-            <a:off x="2853296" y="2836167"/>
+            <a:off x="2495109" y="3531614"/>
             <a:ext cx="842502" cy="262335"/>
           </a:xfrm>
           <a:prstGeom prst="rect">
@@ -11011,10 +12425,10 @@
       </p:sp>
       <p:sp>
         <p:nvSpPr>
-          <p:cNvPr id="69" name="Rectangle 68">
-            <a:extLst>
-              <a:ext uri="{FF2B5EF4-FFF2-40B4-BE49-F238E27FC236}">
-                <a16:creationId xmlns:a16="http://schemas.microsoft.com/office/drawing/2014/main" id="{891B7DE1-055A-924E-A275-CD64A201502C}"/>
+          <p:cNvPr id="149" name="Rectangle 148">
+            <a:extLst>
+              <a:ext uri="{FF2B5EF4-FFF2-40B4-BE49-F238E27FC236}">
+                <a16:creationId xmlns:a16="http://schemas.microsoft.com/office/drawing/2014/main" id="{A82DEF60-0250-2845-B92B-521003FFBC71}"/>
               </a:ext>
             </a:extLst>
           </p:cNvPr>
@@ -11023,7 +12437,7 @@
         </p:nvSpPr>
         <p:spPr>
           <a:xfrm>
-            <a:off x="2853296" y="3210107"/>
+            <a:off x="2495109" y="3927115"/>
             <a:ext cx="842502" cy="262335"/>
           </a:xfrm>
           <a:prstGeom prst="rect">
@@ -11072,10 +12486,10 @@
       </p:sp>
       <p:sp>
         <p:nvSpPr>
-          <p:cNvPr id="76" name="TextBox 75">
-            <a:extLst>
-              <a:ext uri="{FF2B5EF4-FFF2-40B4-BE49-F238E27FC236}">
-                <a16:creationId xmlns:a16="http://schemas.microsoft.com/office/drawing/2014/main" id="{016AC90C-514C-E749-AF49-BBE96C6AE821}"/>
+          <p:cNvPr id="150" name="TextBox 149">
+            <a:extLst>
+              <a:ext uri="{FF2B5EF4-FFF2-40B4-BE49-F238E27FC236}">
+                <a16:creationId xmlns:a16="http://schemas.microsoft.com/office/drawing/2014/main" id="{46A80FCB-CCB3-044A-98E8-9B4E7098D0C9}"/>
               </a:ext>
             </a:extLst>
           </p:cNvPr>
@@ -11084,8 +12498,8 @@
         </p:nvSpPr>
         <p:spPr>
           <a:xfrm>
-            <a:off x="5560777" y="771494"/>
-            <a:ext cx="679801" cy="276999"/>
+            <a:off x="2299768" y="2882391"/>
+            <a:ext cx="613117" cy="276999"/>
           </a:xfrm>
           <a:prstGeom prst="rect">
             <a:avLst/>
@@ -11099,233 +12513,19 @@
           <a:lstStyle/>
           <a:p>
             <a:r>
-              <a:rPr lang="en-US" altLang="zh-CN" sz="1200" dirty="0"/>
-              <a:t>Listener</a:t>
-            </a:r>
-            <a:endParaRPr lang="en-US" dirty="0"/>
-          </a:p>
-        </p:txBody>
-      </p:sp>
-      <p:sp>
-        <p:nvSpPr>
-          <p:cNvPr id="77" name="Rectangle 76">
-            <a:extLst>
-              <a:ext uri="{FF2B5EF4-FFF2-40B4-BE49-F238E27FC236}">
-                <a16:creationId xmlns:a16="http://schemas.microsoft.com/office/drawing/2014/main" id="{58B5B0F1-5609-C543-A953-746EE8847874}"/>
-              </a:ext>
-            </a:extLst>
-          </p:cNvPr>
-          <p:cNvSpPr/>
-          <p:nvPr/>
-        </p:nvSpPr>
-        <p:spPr>
-          <a:xfrm>
-            <a:off x="5812741" y="1035455"/>
-            <a:ext cx="924725" cy="262335"/>
-          </a:xfrm>
-          <a:prstGeom prst="rect">
-            <a:avLst/>
-          </a:prstGeom>
-          <a:solidFill>
-            <a:schemeClr val="bg1"/>
-          </a:solidFill>
-        </p:spPr>
-        <p:style>
-          <a:lnRef idx="2">
-            <a:schemeClr val="accent1">
-              <a:shade val="50000"/>
-            </a:schemeClr>
-          </a:lnRef>
-          <a:fillRef idx="1">
-            <a:schemeClr val="accent1"/>
-          </a:fillRef>
-          <a:effectRef idx="0">
-            <a:schemeClr val="accent1"/>
-          </a:effectRef>
-          <a:fontRef idx="minor">
-            <a:schemeClr val="lt1"/>
-          </a:fontRef>
-        </p:style>
-        <p:txBody>
-          <a:bodyPr rtlCol="0" anchor="ctr"/>
-          <a:lstStyle/>
-          <a:p>
-            <a:pPr algn="ctr"/>
-            <a:r>
-              <a:rPr lang="en-US" altLang="zh-CN" dirty="0">
-                <a:solidFill>
-                  <a:schemeClr val="tx1"/>
-                </a:solidFill>
-              </a:rPr>
-              <a:t>Accept</a:t>
-            </a:r>
-            <a:endParaRPr lang="en-US" dirty="0">
-              <a:solidFill>
-                <a:schemeClr val="tx1"/>
-              </a:solidFill>
-            </a:endParaRPr>
-          </a:p>
-        </p:txBody>
-      </p:sp>
-      <p:sp>
-        <p:nvSpPr>
-          <p:cNvPr id="78" name="Rectangle 77">
-            <a:extLst>
-              <a:ext uri="{FF2B5EF4-FFF2-40B4-BE49-F238E27FC236}">
-                <a16:creationId xmlns:a16="http://schemas.microsoft.com/office/drawing/2014/main" id="{9E00C288-5381-AC42-B735-79647CEA9981}"/>
-              </a:ext>
-            </a:extLst>
-          </p:cNvPr>
-          <p:cNvSpPr/>
-          <p:nvPr/>
-        </p:nvSpPr>
-        <p:spPr>
-          <a:xfrm>
-            <a:off x="2003367" y="735064"/>
-            <a:ext cx="2610197" cy="262335"/>
-          </a:xfrm>
-          <a:prstGeom prst="rect">
-            <a:avLst/>
-          </a:prstGeom>
-          <a:solidFill>
-            <a:schemeClr val="bg1"/>
-          </a:solidFill>
-        </p:spPr>
-        <p:style>
-          <a:lnRef idx="2">
-            <a:schemeClr val="accent1">
-              <a:shade val="50000"/>
-            </a:schemeClr>
-          </a:lnRef>
-          <a:fillRef idx="1">
-            <a:schemeClr val="accent1"/>
-          </a:fillRef>
-          <a:effectRef idx="0">
-            <a:schemeClr val="accent1"/>
-          </a:effectRef>
-          <a:fontRef idx="minor">
-            <a:schemeClr val="lt1"/>
-          </a:fontRef>
-        </p:style>
-        <p:txBody>
-          <a:bodyPr rtlCol="0" anchor="ctr"/>
-          <a:lstStyle/>
-          <a:p>
-            <a:pPr algn="ctr"/>
-            <a:r>
-              <a:rPr lang="en-US" altLang="zh-CN" dirty="0">
-                <a:solidFill>
-                  <a:schemeClr val="tx1"/>
-                </a:solidFill>
-              </a:rPr>
-              <a:t>Call</a:t>
-            </a:r>
-            <a:endParaRPr lang="en-US" dirty="0">
-              <a:solidFill>
-                <a:schemeClr val="tx1"/>
-              </a:solidFill>
-            </a:endParaRPr>
-          </a:p>
-        </p:txBody>
-      </p:sp>
-      <p:cxnSp>
-        <p:nvCxnSpPr>
-          <p:cNvPr id="6" name="Straight Arrow Connector 5">
-            <a:extLst>
-              <a:ext uri="{FF2B5EF4-FFF2-40B4-BE49-F238E27FC236}">
-                <a16:creationId xmlns:a16="http://schemas.microsoft.com/office/drawing/2014/main" id="{CEE69471-AEF7-2245-846C-AF003B1DA2F7}"/>
-              </a:ext>
-            </a:extLst>
-          </p:cNvPr>
-          <p:cNvCxnSpPr>
-            <a:cxnSpLocks/>
-            <a:stCxn id="78" idx="3"/>
-            <a:endCxn id="77" idx="1"/>
-          </p:cNvCxnSpPr>
-          <p:nvPr/>
-        </p:nvCxnSpPr>
-        <p:spPr>
-          <a:xfrm>
-            <a:off x="4613564" y="866232"/>
-            <a:ext cx="1199177" cy="300391"/>
-          </a:xfrm>
-          <a:prstGeom prst="straightConnector1">
-            <a:avLst/>
-          </a:prstGeom>
-          <a:ln>
-            <a:tailEnd type="triangle"/>
-          </a:ln>
-        </p:spPr>
-        <p:style>
-          <a:lnRef idx="1">
-            <a:schemeClr val="accent1"/>
-          </a:lnRef>
-          <a:fillRef idx="0">
-            <a:schemeClr val="accent1"/>
-          </a:fillRef>
-          <a:effectRef idx="0">
-            <a:schemeClr val="accent1"/>
-          </a:effectRef>
-          <a:fontRef idx="minor">
-            <a:schemeClr val="tx1"/>
-          </a:fontRef>
-        </p:style>
-      </p:cxnSp>
-      <p:sp>
-        <p:nvSpPr>
-          <p:cNvPr id="79" name="Rectangle 78">
-            <a:extLst>
-              <a:ext uri="{FF2B5EF4-FFF2-40B4-BE49-F238E27FC236}">
-                <a16:creationId xmlns:a16="http://schemas.microsoft.com/office/drawing/2014/main" id="{F596C1BD-0E48-E548-A311-DF4654E94AC7}"/>
-              </a:ext>
-            </a:extLst>
-          </p:cNvPr>
-          <p:cNvSpPr/>
-          <p:nvPr/>
-        </p:nvSpPr>
-        <p:spPr>
-          <a:xfrm>
-            <a:off x="5560778" y="1615406"/>
-            <a:ext cx="1519434" cy="2640710"/>
-          </a:xfrm>
-          <a:prstGeom prst="rect">
-            <a:avLst/>
-          </a:prstGeom>
-          <a:solidFill>
-            <a:schemeClr val="bg1"/>
-          </a:solidFill>
-        </p:spPr>
-        <p:style>
-          <a:lnRef idx="2">
-            <a:schemeClr val="accent1">
-              <a:shade val="50000"/>
-            </a:schemeClr>
-          </a:lnRef>
-          <a:fillRef idx="1">
-            <a:schemeClr val="accent1"/>
-          </a:fillRef>
-          <a:effectRef idx="0">
-            <a:schemeClr val="accent1"/>
-          </a:effectRef>
-          <a:fontRef idx="minor">
-            <a:schemeClr val="lt1"/>
-          </a:fontRef>
-        </p:style>
-        <p:txBody>
-          <a:bodyPr rtlCol="0" anchor="ctr"/>
-          <a:lstStyle/>
-          <a:p>
-            <a:pPr algn="ctr"/>
-            <a:endParaRPr lang="en-US" dirty="0"/>
-          </a:p>
-        </p:txBody>
-      </p:sp>
-      <p:sp>
-        <p:nvSpPr>
-          <p:cNvPr id="80" name="TextBox 79">
-            <a:extLst>
-              <a:ext uri="{FF2B5EF4-FFF2-40B4-BE49-F238E27FC236}">
-                <a16:creationId xmlns:a16="http://schemas.microsoft.com/office/drawing/2014/main" id="{0311AF61-33F8-AF42-B5AF-1ACF767A4EED}"/>
+              <a:rPr lang="en-US" altLang="zh-CN" sz="1200" i="1" dirty="0"/>
+              <a:t>http[1]</a:t>
+            </a:r>
+            <a:endParaRPr lang="en-US" i="1" dirty="0"/>
+          </a:p>
+        </p:txBody>
+      </p:sp>
+      <p:sp>
+        <p:nvSpPr>
+          <p:cNvPr id="151" name="TextBox 150">
+            <a:extLst>
+              <a:ext uri="{FF2B5EF4-FFF2-40B4-BE49-F238E27FC236}">
+                <a16:creationId xmlns:a16="http://schemas.microsoft.com/office/drawing/2014/main" id="{2D4B3A0D-F946-9F4A-A548-A1C5C96B4E93}"/>
               </a:ext>
             </a:extLst>
           </p:cNvPr>
@@ -11334,8 +12534,8 @@
         </p:nvSpPr>
         <p:spPr>
           <a:xfrm>
-            <a:off x="5545028" y="1621904"/>
-            <a:ext cx="699872" cy="276999"/>
+            <a:off x="8160026" y="4393096"/>
+            <a:ext cx="1793761" cy="369332"/>
           </a:xfrm>
           <a:prstGeom prst="rect">
             <a:avLst/>
@@ -11349,8 +12549,16 @@
           <a:lstStyle/>
           <a:p>
             <a:r>
-              <a:rPr lang="en-US" altLang="zh-CN" sz="1200" dirty="0" err="1"/>
-              <a:t>trSocket</a:t>
+              <a:rPr lang="en-US" altLang="zh-CN" i="1" dirty="0"/>
+              <a:t>http[1]:</a:t>
+            </a:r>
+            <a:r>
+              <a:rPr lang="zh-CN" altLang="en-US" i="1" dirty="0"/>
+              <a:t> 原生</a:t>
+            </a:r>
+            <a:r>
+              <a:rPr lang="en-US" altLang="zh-CN" i="1" dirty="0"/>
+              <a:t>http</a:t>
             </a:r>
             <a:endParaRPr lang="en-US" dirty="0"/>
           </a:p>
@@ -11358,247 +12566,48 @@
       </p:sp>
       <p:sp>
         <p:nvSpPr>
-          <p:cNvPr id="82" name="Rectangle 81">
-            <a:extLst>
-              <a:ext uri="{FF2B5EF4-FFF2-40B4-BE49-F238E27FC236}">
-                <a16:creationId xmlns:a16="http://schemas.microsoft.com/office/drawing/2014/main" id="{817CA10E-40BB-8945-B78F-5AE6EFDE7873}"/>
-              </a:ext>
-            </a:extLst>
-          </p:cNvPr>
-          <p:cNvSpPr/>
-          <p:nvPr/>
-        </p:nvSpPr>
-        <p:spPr>
-          <a:xfrm>
-            <a:off x="5895174" y="2096912"/>
-            <a:ext cx="842502" cy="262335"/>
+          <p:cNvPr id="152" name="TextBox 151">
+            <a:extLst>
+              <a:ext uri="{FF2B5EF4-FFF2-40B4-BE49-F238E27FC236}">
+                <a16:creationId xmlns:a16="http://schemas.microsoft.com/office/drawing/2014/main" id="{0BD2BE86-D638-1142-913C-3C24FCC687EC}"/>
+              </a:ext>
+            </a:extLst>
+          </p:cNvPr>
+          <p:cNvSpPr txBox="1"/>
+          <p:nvPr/>
+        </p:nvSpPr>
+        <p:spPr>
+          <a:xfrm>
+            <a:off x="2858093" y="5244965"/>
+            <a:ext cx="3329609" cy="369332"/>
           </a:xfrm>
           <a:prstGeom prst="rect">
             <a:avLst/>
           </a:prstGeom>
-          <a:solidFill>
-            <a:schemeClr val="bg1"/>
-          </a:solidFill>
-        </p:spPr>
-        <p:style>
-          <a:lnRef idx="2">
-            <a:schemeClr val="accent1">
-              <a:shade val="50000"/>
-            </a:schemeClr>
-          </a:lnRef>
-          <a:fillRef idx="1">
-            <a:schemeClr val="accent1"/>
-          </a:fillRef>
-          <a:effectRef idx="0">
-            <a:schemeClr val="accent1"/>
-          </a:effectRef>
-          <a:fontRef idx="minor">
-            <a:schemeClr val="lt1"/>
-          </a:fontRef>
-        </p:style>
-        <p:txBody>
-          <a:bodyPr rtlCol="0" anchor="ctr"/>
-          <a:lstStyle/>
-          <a:p>
-            <a:pPr algn="ctr"/>
-            <a:r>
-              <a:rPr lang="en-US" altLang="zh-CN" dirty="0" err="1">
-                <a:solidFill>
-                  <a:schemeClr val="tx1"/>
-                </a:solidFill>
-              </a:rPr>
-              <a:t>Rcv</a:t>
-            </a:r>
-            <a:endParaRPr lang="en-US" dirty="0">
-              <a:solidFill>
-                <a:schemeClr val="tx1"/>
-              </a:solidFill>
-            </a:endParaRPr>
-          </a:p>
-        </p:txBody>
-      </p:sp>
-      <p:sp>
-        <p:nvSpPr>
-          <p:cNvPr id="84" name="Rectangle 83">
-            <a:extLst>
-              <a:ext uri="{FF2B5EF4-FFF2-40B4-BE49-F238E27FC236}">
-                <a16:creationId xmlns:a16="http://schemas.microsoft.com/office/drawing/2014/main" id="{2FE87F5E-571B-9D40-8DF4-58A3AD753351}"/>
-              </a:ext>
-            </a:extLst>
-          </p:cNvPr>
-          <p:cNvSpPr/>
-          <p:nvPr/>
-        </p:nvSpPr>
-        <p:spPr>
-          <a:xfrm>
-            <a:off x="5894964" y="2769930"/>
-            <a:ext cx="842502" cy="262335"/>
-          </a:xfrm>
-          <a:prstGeom prst="rect">
-            <a:avLst/>
-          </a:prstGeom>
-          <a:solidFill>
-            <a:schemeClr val="bg1"/>
-          </a:solidFill>
-        </p:spPr>
-        <p:style>
-          <a:lnRef idx="2">
-            <a:schemeClr val="accent1">
-              <a:shade val="50000"/>
-            </a:schemeClr>
-          </a:lnRef>
-          <a:fillRef idx="1">
-            <a:schemeClr val="accent1"/>
-          </a:fillRef>
-          <a:effectRef idx="0">
-            <a:schemeClr val="accent1"/>
-          </a:effectRef>
-          <a:fontRef idx="minor">
-            <a:schemeClr val="lt1"/>
-          </a:fontRef>
-        </p:style>
-        <p:txBody>
-          <a:bodyPr rtlCol="0" anchor="ctr"/>
-          <a:lstStyle/>
-          <a:p>
-            <a:pPr algn="ctr"/>
-            <a:r>
-              <a:rPr lang="en-US" altLang="zh-CN" dirty="0">
-                <a:solidFill>
-                  <a:schemeClr val="tx1"/>
-                </a:solidFill>
-              </a:rPr>
-              <a:t>Send</a:t>
-            </a:r>
-            <a:endParaRPr lang="en-US" dirty="0">
-              <a:solidFill>
-                <a:schemeClr val="tx1"/>
-              </a:solidFill>
-            </a:endParaRPr>
-          </a:p>
-        </p:txBody>
-      </p:sp>
-      <p:sp>
-        <p:nvSpPr>
-          <p:cNvPr id="85" name="TextBox 84">
-            <a:extLst>
-              <a:ext uri="{FF2B5EF4-FFF2-40B4-BE49-F238E27FC236}">
-                <a16:creationId xmlns:a16="http://schemas.microsoft.com/office/drawing/2014/main" id="{69024153-F72C-FE4A-9B7C-0BE7791C5015}"/>
-              </a:ext>
-            </a:extLst>
-          </p:cNvPr>
-          <p:cNvSpPr txBox="1"/>
-          <p:nvPr/>
-        </p:nvSpPr>
-        <p:spPr>
-          <a:xfrm>
-            <a:off x="2277252" y="2166816"/>
-            <a:ext cx="781111" cy="276999"/>
-          </a:xfrm>
-          <a:prstGeom prst="rect">
-            <a:avLst/>
-          </a:prstGeom>
           <a:noFill/>
         </p:spPr>
         <p:txBody>
-          <a:bodyPr wrap="none" rtlCol="0">
+          <a:bodyPr wrap="square" rtlCol="0">
             <a:spAutoFit/>
           </a:bodyPr>
           <a:lstStyle/>
           <a:p>
             <a:r>
-              <a:rPr lang="en-US" altLang="zh-CN" sz="1200" dirty="0"/>
-              <a:t>Transport</a:t>
+              <a:rPr lang="zh-CN" altLang="en-US" dirty="0"/>
+              <a:t>默认的</a:t>
+            </a:r>
+            <a:r>
+              <a:rPr lang="en-US" altLang="zh-CN" dirty="0" err="1"/>
+              <a:t>HttpTransport</a:t>
+            </a:r>
+            <a:r>
+              <a:rPr lang="zh-CN" altLang="en-US" dirty="0"/>
+              <a:t>请求模型</a:t>
             </a:r>
             <a:endParaRPr lang="en-US" dirty="0"/>
           </a:p>
         </p:txBody>
       </p:sp>
-      <p:cxnSp>
-        <p:nvCxnSpPr>
-          <p:cNvPr id="86" name="Straight Arrow Connector 85">
-            <a:extLst>
-              <a:ext uri="{FF2B5EF4-FFF2-40B4-BE49-F238E27FC236}">
-                <a16:creationId xmlns:a16="http://schemas.microsoft.com/office/drawing/2014/main" id="{FBDED4A8-92CF-A449-AFC6-9CFAC0C1B6C0}"/>
-              </a:ext>
-            </a:extLst>
-          </p:cNvPr>
-          <p:cNvCxnSpPr>
-            <a:cxnSpLocks/>
-            <a:endCxn id="82" idx="1"/>
-          </p:cNvCxnSpPr>
-          <p:nvPr/>
-        </p:nvCxnSpPr>
-        <p:spPr>
-          <a:xfrm flipV="1">
-            <a:off x="3695798" y="2228080"/>
-            <a:ext cx="2199376" cy="792812"/>
-          </a:xfrm>
-          <a:prstGeom prst="straightConnector1">
-            <a:avLst/>
-          </a:prstGeom>
-          <a:ln>
-            <a:tailEnd type="triangle"/>
-          </a:ln>
-        </p:spPr>
-        <p:style>
-          <a:lnRef idx="1">
-            <a:schemeClr val="accent1"/>
-          </a:lnRef>
-          <a:fillRef idx="0">
-            <a:schemeClr val="accent1"/>
-          </a:fillRef>
-          <a:effectRef idx="0">
-            <a:schemeClr val="accent1"/>
-          </a:effectRef>
-          <a:fontRef idx="minor">
-            <a:schemeClr val="tx1"/>
-          </a:fontRef>
-        </p:style>
-      </p:cxnSp>
-      <p:cxnSp>
-        <p:nvCxnSpPr>
-          <p:cNvPr id="87" name="Straight Arrow Connector 86">
-            <a:extLst>
-              <a:ext uri="{FF2B5EF4-FFF2-40B4-BE49-F238E27FC236}">
-                <a16:creationId xmlns:a16="http://schemas.microsoft.com/office/drawing/2014/main" id="{FC0EA4CA-01DA-AF43-BAE2-8E9D6930F235}"/>
-              </a:ext>
-            </a:extLst>
-          </p:cNvPr>
-          <p:cNvCxnSpPr>
-            <a:cxnSpLocks/>
-            <a:stCxn id="84" idx="1"/>
-            <a:endCxn id="69" idx="3"/>
-          </p:cNvCxnSpPr>
-          <p:nvPr/>
-        </p:nvCxnSpPr>
-        <p:spPr>
-          <a:xfrm flipH="1">
-            <a:off x="3695798" y="2901098"/>
-            <a:ext cx="2199166" cy="440177"/>
-          </a:xfrm>
-          <a:prstGeom prst="straightConnector1">
-            <a:avLst/>
-          </a:prstGeom>
-          <a:ln>
-            <a:tailEnd type="triangle"/>
-          </a:ln>
-        </p:spPr>
-        <p:style>
-          <a:lnRef idx="1">
-            <a:schemeClr val="accent1"/>
-          </a:lnRef>
-          <a:fillRef idx="0">
-            <a:schemeClr val="accent1"/>
-          </a:fillRef>
-          <a:effectRef idx="0">
-            <a:schemeClr val="accent1"/>
-          </a:effectRef>
-          <a:fontRef idx="minor">
-            <a:schemeClr val="tx1"/>
-          </a:fontRef>
-        </p:style>
-      </p:cxnSp>
     </p:spTree>
     <p:extLst>
       <p:ext uri="{BB962C8B-B14F-4D97-AF65-F5344CB8AC3E}">
@@ -23445,4 +24454,299 @@
     </a:ext>
   </a:extLst>
 </a:theme>
+</file>
+
+<file path=ppt/theme/theme2.xml><?xml version="1.0" encoding="utf-8"?>
+<a:theme xmlns:a="http://schemas.openxmlformats.org/drawingml/2006/main" name="Office Theme">
+  <a:themeElements>
+    <a:clrScheme name="Office">
+      <a:dk1>
+        <a:sysClr val="windowText" lastClr="000000"/>
+      </a:dk1>
+      <a:lt1>
+        <a:sysClr val="window" lastClr="FFFFFF"/>
+      </a:lt1>
+      <a:dk2>
+        <a:srgbClr val="44546A"/>
+      </a:dk2>
+      <a:lt2>
+        <a:srgbClr val="E7E6E6"/>
+      </a:lt2>
+      <a:accent1>
+        <a:srgbClr val="4472C4"/>
+      </a:accent1>
+      <a:accent2>
+        <a:srgbClr val="ED7D31"/>
+      </a:accent2>
+      <a:accent3>
+        <a:srgbClr val="A5A5A5"/>
+      </a:accent3>
+      <a:accent4>
+        <a:srgbClr val="FFC000"/>
+      </a:accent4>
+      <a:accent5>
+        <a:srgbClr val="5B9BD5"/>
+      </a:accent5>
+      <a:accent6>
+        <a:srgbClr val="70AD47"/>
+      </a:accent6>
+      <a:hlink>
+        <a:srgbClr val="0563C1"/>
+      </a:hlink>
+      <a:folHlink>
+        <a:srgbClr val="954F72"/>
+      </a:folHlink>
+    </a:clrScheme>
+    <a:fontScheme name="Office">
+      <a:majorFont>
+        <a:latin typeface="Calibri Light" panose="020F0302020204030204"/>
+        <a:ea typeface=""/>
+        <a:cs typeface=""/>
+        <a:font script="Jpan" typeface="游ゴシック Light"/>
+        <a:font script="Hang" typeface="맑은 고딕"/>
+        <a:font script="Hans" typeface="等线 Light"/>
+        <a:font script="Hant" typeface="新細明體"/>
+        <a:font script="Arab" typeface="Times New Roman"/>
+        <a:font script="Hebr" typeface="Times New Roman"/>
+        <a:font script="Thai" typeface="Angsana New"/>
+        <a:font script="Ethi" typeface="Nyala"/>
+        <a:font script="Beng" typeface="Vrinda"/>
+        <a:font script="Gujr" typeface="Shruti"/>
+        <a:font script="Khmr" typeface="MoolBoran"/>
+        <a:font script="Knda" typeface="Tunga"/>
+        <a:font script="Guru" typeface="Raavi"/>
+        <a:font script="Cans" typeface="Euphemia"/>
+        <a:font script="Cher" typeface="Plantagenet Cherokee"/>
+        <a:font script="Yiii" typeface="Microsoft Yi Baiti"/>
+        <a:font script="Tibt" typeface="Microsoft Himalaya"/>
+        <a:font script="Thaa" typeface="MV Boli"/>
+        <a:font script="Deva" typeface="Mangal"/>
+        <a:font script="Telu" typeface="Gautami"/>
+        <a:font script="Taml" typeface="Latha"/>
+        <a:font script="Syrc" typeface="Estrangelo Edessa"/>
+        <a:font script="Orya" typeface="Kalinga"/>
+        <a:font script="Mlym" typeface="Kartika"/>
+        <a:font script="Laoo" typeface="DokChampa"/>
+        <a:font script="Sinh" typeface="Iskoola Pota"/>
+        <a:font script="Mong" typeface="Mongolian Baiti"/>
+        <a:font script="Viet" typeface="Times New Roman"/>
+        <a:font script="Uigh" typeface="Microsoft Uighur"/>
+        <a:font script="Geor" typeface="Sylfaen"/>
+        <a:font script="Armn" typeface="Arial"/>
+        <a:font script="Bugi" typeface="Leelawadee UI"/>
+        <a:font script="Bopo" typeface="Microsoft JhengHei"/>
+        <a:font script="Java" typeface="Javanese Text"/>
+        <a:font script="Lisu" typeface="Segoe UI"/>
+        <a:font script="Mymr" typeface="Myanmar Text"/>
+        <a:font script="Nkoo" typeface="Ebrima"/>
+        <a:font script="Olck" typeface="Nirmala UI"/>
+        <a:font script="Osma" typeface="Ebrima"/>
+        <a:font script="Phag" typeface="Phagspa"/>
+        <a:font script="Syrn" typeface="Estrangelo Edessa"/>
+        <a:font script="Syrj" typeface="Estrangelo Edessa"/>
+        <a:font script="Syre" typeface="Estrangelo Edessa"/>
+        <a:font script="Sora" typeface="Nirmala UI"/>
+        <a:font script="Tale" typeface="Microsoft Tai Le"/>
+        <a:font script="Talu" typeface="Microsoft New Tai Lue"/>
+        <a:font script="Tfng" typeface="Ebrima"/>
+      </a:majorFont>
+      <a:minorFont>
+        <a:latin typeface="Calibri" panose="020F0502020204030204"/>
+        <a:ea typeface=""/>
+        <a:cs typeface=""/>
+        <a:font script="Jpan" typeface="游ゴシック"/>
+        <a:font script="Hang" typeface="맑은 고딕"/>
+        <a:font script="Hans" typeface="等线"/>
+        <a:font script="Hant" typeface="新細明體"/>
+        <a:font script="Arab" typeface="Arial"/>
+        <a:font script="Hebr" typeface="Arial"/>
+        <a:font script="Thai" typeface="Cordia New"/>
+        <a:font script="Ethi" typeface="Nyala"/>
+        <a:font script="Beng" typeface="Vrinda"/>
+        <a:font script="Gujr" typeface="Shruti"/>
+        <a:font script="Khmr" typeface="DaunPenh"/>
+        <a:font script="Knda" typeface="Tunga"/>
+        <a:font script="Guru" typeface="Raavi"/>
+        <a:font script="Cans" typeface="Euphemia"/>
+        <a:font script="Cher" typeface="Plantagenet Cherokee"/>
+        <a:font script="Yiii" typeface="Microsoft Yi Baiti"/>
+        <a:font script="Tibt" typeface="Microsoft Himalaya"/>
+        <a:font script="Thaa" typeface="MV Boli"/>
+        <a:font script="Deva" typeface="Mangal"/>
+        <a:font script="Telu" typeface="Gautami"/>
+        <a:font script="Taml" typeface="Latha"/>
+        <a:font script="Syrc" typeface="Estrangelo Edessa"/>
+        <a:font script="Orya" typeface="Kalinga"/>
+        <a:font script="Mlym" typeface="Kartika"/>
+        <a:font script="Laoo" typeface="DokChampa"/>
+        <a:font script="Sinh" typeface="Iskoola Pota"/>
+        <a:font script="Mong" typeface="Mongolian Baiti"/>
+        <a:font script="Viet" typeface="Arial"/>
+        <a:font script="Uigh" typeface="Microsoft Uighur"/>
+        <a:font script="Geor" typeface="Sylfaen"/>
+        <a:font script="Armn" typeface="Arial"/>
+        <a:font script="Bugi" typeface="Leelawadee UI"/>
+        <a:font script="Bopo" typeface="Microsoft JhengHei"/>
+        <a:font script="Java" typeface="Javanese Text"/>
+        <a:font script="Lisu" typeface="Segoe UI"/>
+        <a:font script="Mymr" typeface="Myanmar Text"/>
+        <a:font script="Nkoo" typeface="Ebrima"/>
+        <a:font script="Olck" typeface="Nirmala UI"/>
+        <a:font script="Osma" typeface="Ebrima"/>
+        <a:font script="Phag" typeface="Phagspa"/>
+        <a:font script="Syrn" typeface="Estrangelo Edessa"/>
+        <a:font script="Syrj" typeface="Estrangelo Edessa"/>
+        <a:font script="Syre" typeface="Estrangelo Edessa"/>
+        <a:font script="Sora" typeface="Nirmala UI"/>
+        <a:font script="Tale" typeface="Microsoft Tai Le"/>
+        <a:font script="Talu" typeface="Microsoft New Tai Lue"/>
+        <a:font script="Tfng" typeface="Ebrima"/>
+      </a:minorFont>
+    </a:fontScheme>
+    <a:fmtScheme name="Office">
+      <a:fillStyleLst>
+        <a:solidFill>
+          <a:schemeClr val="phClr"/>
+        </a:solidFill>
+        <a:gradFill rotWithShape="1">
+          <a:gsLst>
+            <a:gs pos="0">
+              <a:schemeClr val="phClr">
+                <a:lumMod val="110000"/>
+                <a:satMod val="105000"/>
+                <a:tint val="67000"/>
+              </a:schemeClr>
+            </a:gs>
+            <a:gs pos="50000">
+              <a:schemeClr val="phClr">
+                <a:lumMod val="105000"/>
+                <a:satMod val="103000"/>
+                <a:tint val="73000"/>
+              </a:schemeClr>
+            </a:gs>
+            <a:gs pos="100000">
+              <a:schemeClr val="phClr">
+                <a:lumMod val="105000"/>
+                <a:satMod val="109000"/>
+                <a:tint val="81000"/>
+              </a:schemeClr>
+            </a:gs>
+          </a:gsLst>
+          <a:lin ang="5400000" scaled="0"/>
+        </a:gradFill>
+        <a:gradFill rotWithShape="1">
+          <a:gsLst>
+            <a:gs pos="0">
+              <a:schemeClr val="phClr">
+                <a:satMod val="103000"/>
+                <a:lumMod val="102000"/>
+                <a:tint val="94000"/>
+              </a:schemeClr>
+            </a:gs>
+            <a:gs pos="50000">
+              <a:schemeClr val="phClr">
+                <a:satMod val="110000"/>
+                <a:lumMod val="100000"/>
+                <a:shade val="100000"/>
+              </a:schemeClr>
+            </a:gs>
+            <a:gs pos="100000">
+              <a:schemeClr val="phClr">
+                <a:lumMod val="99000"/>
+                <a:satMod val="120000"/>
+                <a:shade val="78000"/>
+              </a:schemeClr>
+            </a:gs>
+          </a:gsLst>
+          <a:lin ang="5400000" scaled="0"/>
+        </a:gradFill>
+      </a:fillStyleLst>
+      <a:lnStyleLst>
+        <a:ln w="6350" cap="flat" cmpd="sng" algn="ctr">
+          <a:solidFill>
+            <a:schemeClr val="phClr"/>
+          </a:solidFill>
+          <a:prstDash val="solid"/>
+          <a:miter lim="800000"/>
+        </a:ln>
+        <a:ln w="12700" cap="flat" cmpd="sng" algn="ctr">
+          <a:solidFill>
+            <a:schemeClr val="phClr"/>
+          </a:solidFill>
+          <a:prstDash val="solid"/>
+          <a:miter lim="800000"/>
+        </a:ln>
+        <a:ln w="19050" cap="flat" cmpd="sng" algn="ctr">
+          <a:solidFill>
+            <a:schemeClr val="phClr"/>
+          </a:solidFill>
+          <a:prstDash val="solid"/>
+          <a:miter lim="800000"/>
+        </a:ln>
+      </a:lnStyleLst>
+      <a:effectStyleLst>
+        <a:effectStyle>
+          <a:effectLst/>
+        </a:effectStyle>
+        <a:effectStyle>
+          <a:effectLst/>
+        </a:effectStyle>
+        <a:effectStyle>
+          <a:effectLst>
+            <a:outerShdw blurRad="57150" dist="19050" dir="5400000" algn="ctr" rotWithShape="0">
+              <a:srgbClr val="000000">
+                <a:alpha val="63000"/>
+              </a:srgbClr>
+            </a:outerShdw>
+          </a:effectLst>
+        </a:effectStyle>
+      </a:effectStyleLst>
+      <a:bgFillStyleLst>
+        <a:solidFill>
+          <a:schemeClr val="phClr"/>
+        </a:solidFill>
+        <a:solidFill>
+          <a:schemeClr val="phClr">
+            <a:tint val="95000"/>
+            <a:satMod val="170000"/>
+          </a:schemeClr>
+        </a:solidFill>
+        <a:gradFill rotWithShape="1">
+          <a:gsLst>
+            <a:gs pos="0">
+              <a:schemeClr val="phClr">
+                <a:tint val="93000"/>
+                <a:satMod val="150000"/>
+                <a:shade val="98000"/>
+                <a:lumMod val="102000"/>
+              </a:schemeClr>
+            </a:gs>
+            <a:gs pos="50000">
+              <a:schemeClr val="phClr">
+                <a:tint val="98000"/>
+                <a:satMod val="130000"/>
+                <a:shade val="90000"/>
+                <a:lumMod val="103000"/>
+              </a:schemeClr>
+            </a:gs>
+            <a:gs pos="100000">
+              <a:schemeClr val="phClr">
+                <a:shade val="63000"/>
+                <a:satMod val="120000"/>
+              </a:schemeClr>
+            </a:gs>
+          </a:gsLst>
+          <a:lin ang="5400000" scaled="0"/>
+        </a:gradFill>
+      </a:bgFillStyleLst>
+    </a:fmtScheme>
+  </a:themeElements>
+  <a:objectDefaults/>
+  <a:extraClrSchemeLst/>
+  <a:extLst>
+    <a:ext uri="{05A4C25C-085E-4340-85A3-A5531E510DB2}">
+      <thm15:themeFamily xmlns:thm15="http://schemas.microsoft.com/office/thememl/2012/main" name="Office Theme" id="{62F939B6-93AF-4DB8-9C6B-D6C7DFDC589F}" vid="{4A3C46E8-61CC-4603-A589-7422A47A8E4A}"/>
+    </a:ext>
+  </a:extLst>
+</a:theme>
 </file>
--- a/microservice-in-micro/docs/design.pptx
+++ b/microservice-in-micro/docs/design.pptx
@@ -5,7 +5,7 @@
     <p:sldMasterId id="2147483648" r:id="rId1"/>
   </p:sldMasterIdLst>
   <p:notesMasterIdLst>
-    <p:notesMasterId r:id="rId17"/>
+    <p:notesMasterId r:id="rId18"/>
   </p:notesMasterIdLst>
   <p:sldIdLst>
     <p:sldId id="256" r:id="rId2"/>
@@ -23,6 +23,7 @@
     <p:sldId id="270" r:id="rId14"/>
     <p:sldId id="272" r:id="rId15"/>
     <p:sldId id="273" r:id="rId16"/>
+    <p:sldId id="274" r:id="rId17"/>
   </p:sldIdLst>
   <p:sldSz cx="12192000" cy="6858000"/>
   <p:notesSz cx="6858000" cy="9144000"/>
@@ -211,7 +212,7 @@
           <a:p>
             <a:fld id="{8A9FAE23-EAA9-2243-8A85-340E22F8CEDB}" type="datetimeFigureOut">
               <a:rPr lang="en-US" smtClean="0"/>
-              <a:t>9/6/19</a:t>
+              <a:t>9/9/19</a:t>
             </a:fld>
             <a:endParaRPr lang="en-US"/>
           </a:p>
@@ -733,7 +734,7 @@
           <a:p>
             <a:fld id="{F9321E79-B202-C941-A34A-CDB3A7C81E4A}" type="datetimeFigureOut">
               <a:rPr lang="en-US" smtClean="0"/>
-              <a:t>9/3/19</a:t>
+              <a:t>9/9/19</a:t>
             </a:fld>
             <a:endParaRPr lang="en-US"/>
           </a:p>
@@ -931,7 +932,7 @@
           <a:p>
             <a:fld id="{F9321E79-B202-C941-A34A-CDB3A7C81E4A}" type="datetimeFigureOut">
               <a:rPr lang="en-US" smtClean="0"/>
-              <a:t>9/3/19</a:t>
+              <a:t>9/9/19</a:t>
             </a:fld>
             <a:endParaRPr lang="en-US"/>
           </a:p>
@@ -1139,7 +1140,7 @@
           <a:p>
             <a:fld id="{F9321E79-B202-C941-A34A-CDB3A7C81E4A}" type="datetimeFigureOut">
               <a:rPr lang="en-US" smtClean="0"/>
-              <a:t>9/3/19</a:t>
+              <a:t>9/9/19</a:t>
             </a:fld>
             <a:endParaRPr lang="en-US"/>
           </a:p>
@@ -1337,7 +1338,7 @@
           <a:p>
             <a:fld id="{F9321E79-B202-C941-A34A-CDB3A7C81E4A}" type="datetimeFigureOut">
               <a:rPr lang="en-US" smtClean="0"/>
-              <a:t>9/3/19</a:t>
+              <a:t>9/9/19</a:t>
             </a:fld>
             <a:endParaRPr lang="en-US"/>
           </a:p>
@@ -1612,7 +1613,7 @@
           <a:p>
             <a:fld id="{F9321E79-B202-C941-A34A-CDB3A7C81E4A}" type="datetimeFigureOut">
               <a:rPr lang="en-US" smtClean="0"/>
-              <a:t>9/3/19</a:t>
+              <a:t>9/9/19</a:t>
             </a:fld>
             <a:endParaRPr lang="en-US"/>
           </a:p>
@@ -1877,7 +1878,7 @@
           <a:p>
             <a:fld id="{F9321E79-B202-C941-A34A-CDB3A7C81E4A}" type="datetimeFigureOut">
               <a:rPr lang="en-US" smtClean="0"/>
-              <a:t>9/3/19</a:t>
+              <a:t>9/9/19</a:t>
             </a:fld>
             <a:endParaRPr lang="en-US"/>
           </a:p>
@@ -2289,7 +2290,7 @@
           <a:p>
             <a:fld id="{F9321E79-B202-C941-A34A-CDB3A7C81E4A}" type="datetimeFigureOut">
               <a:rPr lang="en-US" smtClean="0"/>
-              <a:t>9/3/19</a:t>
+              <a:t>9/9/19</a:t>
             </a:fld>
             <a:endParaRPr lang="en-US"/>
           </a:p>
@@ -2430,7 +2431,7 @@
           <a:p>
             <a:fld id="{F9321E79-B202-C941-A34A-CDB3A7C81E4A}" type="datetimeFigureOut">
               <a:rPr lang="en-US" smtClean="0"/>
-              <a:t>9/3/19</a:t>
+              <a:t>9/9/19</a:t>
             </a:fld>
             <a:endParaRPr lang="en-US"/>
           </a:p>
@@ -2543,7 +2544,7 @@
           <a:p>
             <a:fld id="{F9321E79-B202-C941-A34A-CDB3A7C81E4A}" type="datetimeFigureOut">
               <a:rPr lang="en-US" smtClean="0"/>
-              <a:t>9/3/19</a:t>
+              <a:t>9/9/19</a:t>
             </a:fld>
             <a:endParaRPr lang="en-US"/>
           </a:p>
@@ -2854,7 +2855,7 @@
           <a:p>
             <a:fld id="{F9321E79-B202-C941-A34A-CDB3A7C81E4A}" type="datetimeFigureOut">
               <a:rPr lang="en-US" smtClean="0"/>
-              <a:t>9/3/19</a:t>
+              <a:t>9/9/19</a:t>
             </a:fld>
             <a:endParaRPr lang="en-US"/>
           </a:p>
@@ -3142,7 +3143,7 @@
           <a:p>
             <a:fld id="{F9321E79-B202-C941-A34A-CDB3A7C81E4A}" type="datetimeFigureOut">
               <a:rPr lang="en-US" smtClean="0"/>
-              <a:t>9/3/19</a:t>
+              <a:t>9/9/19</a:t>
             </a:fld>
             <a:endParaRPr lang="en-US"/>
           </a:p>
@@ -3383,7 +3384,7 @@
           <a:p>
             <a:fld id="{F9321E79-B202-C941-A34A-CDB3A7C81E4A}" type="datetimeFigureOut">
               <a:rPr lang="en-US" smtClean="0"/>
-              <a:t>9/3/19</a:t>
+              <a:t>9/9/19</a:t>
             </a:fld>
             <a:endParaRPr lang="en-US"/>
           </a:p>
@@ -11727,90 +11728,6 @@
       </p:sp>
       <p:cxnSp>
         <p:nvCxnSpPr>
-          <p:cNvPr id="112" name="Straight Arrow Connector 111">
-            <a:extLst>
-              <a:ext uri="{FF2B5EF4-FFF2-40B4-BE49-F238E27FC236}">
-                <a16:creationId xmlns:a16="http://schemas.microsoft.com/office/drawing/2014/main" id="{2688FD1F-FDD7-684E-86E2-26773271F085}"/>
-              </a:ext>
-            </a:extLst>
-          </p:cNvPr>
-          <p:cNvCxnSpPr>
-            <a:cxnSpLocks/>
-            <a:stCxn id="106" idx="1"/>
-          </p:cNvCxnSpPr>
-          <p:nvPr/>
-        </p:nvCxnSpPr>
-        <p:spPr>
-          <a:xfrm flipH="1" flipV="1">
-            <a:off x="3337611" y="4058283"/>
-            <a:ext cx="2025833" cy="3605"/>
-          </a:xfrm>
-          <a:prstGeom prst="straightConnector1">
-            <a:avLst/>
-          </a:prstGeom>
-          <a:ln>
-            <a:tailEnd type="triangle"/>
-          </a:ln>
-        </p:spPr>
-        <p:style>
-          <a:lnRef idx="1">
-            <a:schemeClr val="accent1"/>
-          </a:lnRef>
-          <a:fillRef idx="0">
-            <a:schemeClr val="accent1"/>
-          </a:fillRef>
-          <a:effectRef idx="0">
-            <a:schemeClr val="accent1"/>
-          </a:effectRef>
-          <a:fontRef idx="minor">
-            <a:schemeClr val="tx1"/>
-          </a:fontRef>
-        </p:style>
-      </p:cxnSp>
-      <p:cxnSp>
-        <p:nvCxnSpPr>
-          <p:cNvPr id="114" name="Straight Arrow Connector 113">
-            <a:extLst>
-              <a:ext uri="{FF2B5EF4-FFF2-40B4-BE49-F238E27FC236}">
-                <a16:creationId xmlns:a16="http://schemas.microsoft.com/office/drawing/2014/main" id="{E7122062-933B-2046-9D12-0E6998B52B4C}"/>
-              </a:ext>
-            </a:extLst>
-          </p:cNvPr>
-          <p:cNvCxnSpPr>
-            <a:cxnSpLocks/>
-            <a:endCxn id="105" idx="1"/>
-          </p:cNvCxnSpPr>
-          <p:nvPr/>
-        </p:nvCxnSpPr>
-        <p:spPr>
-          <a:xfrm>
-            <a:off x="3337611" y="3662782"/>
-            <a:ext cx="2036046" cy="19858"/>
-          </a:xfrm>
-          <a:prstGeom prst="straightConnector1">
-            <a:avLst/>
-          </a:prstGeom>
-          <a:ln>
-            <a:tailEnd type="triangle"/>
-          </a:ln>
-        </p:spPr>
-        <p:style>
-          <a:lnRef idx="1">
-            <a:schemeClr val="accent1"/>
-          </a:lnRef>
-          <a:fillRef idx="0">
-            <a:schemeClr val="accent1"/>
-          </a:fillRef>
-          <a:effectRef idx="0">
-            <a:schemeClr val="accent1"/>
-          </a:effectRef>
-          <a:fontRef idx="minor">
-            <a:schemeClr val="tx1"/>
-          </a:fontRef>
-        </p:style>
-      </p:cxnSp>
-      <p:cxnSp>
-        <p:nvCxnSpPr>
           <p:cNvPr id="117" name="Straight Arrow Connector 116">
             <a:extLst>
               <a:ext uri="{FF2B5EF4-FFF2-40B4-BE49-F238E27FC236}">
@@ -12608,10 +12525,2254 @@
           </a:p>
         </p:txBody>
       </p:sp>
+      <p:cxnSp>
+        <p:nvCxnSpPr>
+          <p:cNvPr id="40" name="Straight Arrow Connector 39">
+            <a:extLst>
+              <a:ext uri="{FF2B5EF4-FFF2-40B4-BE49-F238E27FC236}">
+                <a16:creationId xmlns:a16="http://schemas.microsoft.com/office/drawing/2014/main" id="{887D8AF8-AA70-D34D-96BC-5A7AA5DB7551}"/>
+              </a:ext>
+            </a:extLst>
+          </p:cNvPr>
+          <p:cNvCxnSpPr>
+            <a:cxnSpLocks/>
+            <a:stCxn id="106" idx="1"/>
+            <a:endCxn id="149" idx="3"/>
+          </p:cNvCxnSpPr>
+          <p:nvPr/>
+        </p:nvCxnSpPr>
+        <p:spPr>
+          <a:xfrm flipH="1" flipV="1">
+            <a:off x="3337611" y="4058283"/>
+            <a:ext cx="2025833" cy="3605"/>
+          </a:xfrm>
+          <a:prstGeom prst="straightConnector1">
+            <a:avLst/>
+          </a:prstGeom>
+          <a:ln>
+            <a:tailEnd type="triangle"/>
+          </a:ln>
+        </p:spPr>
+        <p:style>
+          <a:lnRef idx="1">
+            <a:schemeClr val="accent1"/>
+          </a:lnRef>
+          <a:fillRef idx="0">
+            <a:schemeClr val="accent1"/>
+          </a:fillRef>
+          <a:effectRef idx="0">
+            <a:schemeClr val="accent1"/>
+          </a:effectRef>
+          <a:fontRef idx="minor">
+            <a:schemeClr val="tx1"/>
+          </a:fontRef>
+        </p:style>
+      </p:cxnSp>
+      <p:cxnSp>
+        <p:nvCxnSpPr>
+          <p:cNvPr id="43" name="Straight Arrow Connector 42">
+            <a:extLst>
+              <a:ext uri="{FF2B5EF4-FFF2-40B4-BE49-F238E27FC236}">
+                <a16:creationId xmlns:a16="http://schemas.microsoft.com/office/drawing/2014/main" id="{EFAED644-8B91-124C-87FB-FA13DBCD327C}"/>
+              </a:ext>
+            </a:extLst>
+          </p:cNvPr>
+          <p:cNvCxnSpPr>
+            <a:cxnSpLocks/>
+            <a:stCxn id="148" idx="3"/>
+            <a:endCxn id="105" idx="1"/>
+          </p:cNvCxnSpPr>
+          <p:nvPr/>
+        </p:nvCxnSpPr>
+        <p:spPr>
+          <a:xfrm>
+            <a:off x="3337611" y="3662782"/>
+            <a:ext cx="2036046" cy="19858"/>
+          </a:xfrm>
+          <a:prstGeom prst="straightConnector1">
+            <a:avLst/>
+          </a:prstGeom>
+          <a:ln>
+            <a:tailEnd type="triangle"/>
+          </a:ln>
+        </p:spPr>
+        <p:style>
+          <a:lnRef idx="1">
+            <a:schemeClr val="accent1"/>
+          </a:lnRef>
+          <a:fillRef idx="0">
+            <a:schemeClr val="accent1"/>
+          </a:fillRef>
+          <a:effectRef idx="0">
+            <a:schemeClr val="accent1"/>
+          </a:effectRef>
+          <a:fontRef idx="minor">
+            <a:schemeClr val="tx1"/>
+          </a:fontRef>
+        </p:style>
+      </p:cxnSp>
     </p:spTree>
     <p:extLst>
       <p:ext uri="{BB962C8B-B14F-4D97-AF65-F5344CB8AC3E}">
         <p14:creationId xmlns:p14="http://schemas.microsoft.com/office/powerpoint/2010/main" val="976151908"/>
+      </p:ext>
+    </p:extLst>
+  </p:cSld>
+  <p:clrMapOvr>
+    <a:masterClrMapping/>
+  </p:clrMapOvr>
+</p:sld>
+</file>
+
+<file path=ppt/slides/slide16.xml><?xml version="1.0" encoding="utf-8"?>
+<p:sld xmlns:a="http://schemas.openxmlformats.org/drawingml/2006/main" xmlns:r="http://schemas.openxmlformats.org/officeDocument/2006/relationships" xmlns:p="http://schemas.openxmlformats.org/presentationml/2006/main">
+  <p:cSld>
+    <p:spTree>
+      <p:nvGrpSpPr>
+        <p:cNvPr id="1" name=""/>
+        <p:cNvGrpSpPr/>
+        <p:nvPr/>
+      </p:nvGrpSpPr>
+      <p:grpSpPr>
+        <a:xfrm>
+          <a:off x="0" y="0"/>
+          <a:ext cx="0" cy="0"/>
+          <a:chOff x="0" y="0"/>
+          <a:chExt cx="0" cy="0"/>
+        </a:xfrm>
+      </p:grpSpPr>
+      <p:sp>
+        <p:nvSpPr>
+          <p:cNvPr id="5" name="Rectangle 4">
+            <a:extLst>
+              <a:ext uri="{FF2B5EF4-FFF2-40B4-BE49-F238E27FC236}">
+                <a16:creationId xmlns:a16="http://schemas.microsoft.com/office/drawing/2014/main" id="{71507435-D50E-854D-B4FA-F144939874BE}"/>
+              </a:ext>
+            </a:extLst>
+          </p:cNvPr>
+          <p:cNvSpPr/>
+          <p:nvPr/>
+        </p:nvSpPr>
+        <p:spPr>
+          <a:xfrm>
+            <a:off x="4170561" y="4192737"/>
+            <a:ext cx="936434" cy="517793"/>
+          </a:xfrm>
+          <a:prstGeom prst="rect">
+            <a:avLst/>
+          </a:prstGeom>
+          <a:solidFill>
+            <a:srgbClr val="805AFF"/>
+          </a:solidFill>
+          <a:ln>
+            <a:solidFill>
+              <a:schemeClr val="bg1"/>
+            </a:solidFill>
+          </a:ln>
+        </p:spPr>
+        <p:style>
+          <a:lnRef idx="2">
+            <a:schemeClr val="accent1">
+              <a:shade val="50000"/>
+            </a:schemeClr>
+          </a:lnRef>
+          <a:fillRef idx="1">
+            <a:schemeClr val="accent1"/>
+          </a:fillRef>
+          <a:effectRef idx="0">
+            <a:schemeClr val="accent1"/>
+          </a:effectRef>
+          <a:fontRef idx="minor">
+            <a:schemeClr val="lt1"/>
+          </a:fontRef>
+        </p:style>
+        <p:txBody>
+          <a:bodyPr rtlCol="0" anchor="ctr"/>
+          <a:lstStyle/>
+          <a:p>
+            <a:pPr algn="ctr"/>
+            <a:r>
+              <a:rPr lang="en-US"/>
+              <a:t>Client</a:t>
+            </a:r>
+          </a:p>
+        </p:txBody>
+      </p:sp>
+      <p:sp>
+        <p:nvSpPr>
+          <p:cNvPr id="6" name="Rectangle 5">
+            <a:extLst>
+              <a:ext uri="{FF2B5EF4-FFF2-40B4-BE49-F238E27FC236}">
+                <a16:creationId xmlns:a16="http://schemas.microsoft.com/office/drawing/2014/main" id="{1AA153D1-4C70-DC4C-BFA8-3E77D1008A11}"/>
+              </a:ext>
+            </a:extLst>
+          </p:cNvPr>
+          <p:cNvSpPr/>
+          <p:nvPr/>
+        </p:nvSpPr>
+        <p:spPr>
+          <a:xfrm>
+            <a:off x="4166755" y="4707038"/>
+            <a:ext cx="5508187" cy="517793"/>
+          </a:xfrm>
+          <a:prstGeom prst="rect">
+            <a:avLst/>
+          </a:prstGeom>
+          <a:solidFill>
+            <a:srgbClr val="560A30"/>
+          </a:solidFill>
+          <a:ln>
+            <a:solidFill>
+              <a:schemeClr val="bg1"/>
+            </a:solidFill>
+          </a:ln>
+        </p:spPr>
+        <p:style>
+          <a:lnRef idx="2">
+            <a:schemeClr val="accent1">
+              <a:shade val="50000"/>
+            </a:schemeClr>
+          </a:lnRef>
+          <a:fillRef idx="1">
+            <a:schemeClr val="accent1"/>
+          </a:fillRef>
+          <a:effectRef idx="0">
+            <a:schemeClr val="accent1"/>
+          </a:effectRef>
+          <a:fontRef idx="minor">
+            <a:schemeClr val="lt1"/>
+          </a:fontRef>
+        </p:style>
+        <p:txBody>
+          <a:bodyPr rtlCol="0" anchor="ctr"/>
+          <a:lstStyle/>
+          <a:p>
+            <a:pPr algn="ctr"/>
+            <a:r>
+              <a:rPr lang="en-US"/>
+              <a:t>Service</a:t>
+            </a:r>
+          </a:p>
+        </p:txBody>
+      </p:sp>
+      <p:sp>
+        <p:nvSpPr>
+          <p:cNvPr id="8" name="Rectangle 7">
+            <a:extLst>
+              <a:ext uri="{FF2B5EF4-FFF2-40B4-BE49-F238E27FC236}">
+                <a16:creationId xmlns:a16="http://schemas.microsoft.com/office/drawing/2014/main" id="{6165C001-E1F5-464E-B762-16B14DC8931F}"/>
+              </a:ext>
+            </a:extLst>
+          </p:cNvPr>
+          <p:cNvSpPr/>
+          <p:nvPr/>
+        </p:nvSpPr>
+        <p:spPr>
+          <a:xfrm>
+            <a:off x="8733230" y="2521185"/>
+            <a:ext cx="936434" cy="399150"/>
+          </a:xfrm>
+          <a:prstGeom prst="rect">
+            <a:avLst/>
+          </a:prstGeom>
+          <a:solidFill>
+            <a:srgbClr val="00D4DD"/>
+          </a:solidFill>
+          <a:ln>
+            <a:solidFill>
+              <a:schemeClr val="bg1"/>
+            </a:solidFill>
+          </a:ln>
+        </p:spPr>
+        <p:style>
+          <a:lnRef idx="2">
+            <a:schemeClr val="accent1">
+              <a:shade val="50000"/>
+            </a:schemeClr>
+          </a:lnRef>
+          <a:fillRef idx="1">
+            <a:schemeClr val="accent1"/>
+          </a:fillRef>
+          <a:effectRef idx="0">
+            <a:schemeClr val="accent1"/>
+          </a:effectRef>
+          <a:fontRef idx="minor">
+            <a:schemeClr val="lt1"/>
+          </a:fontRef>
+        </p:style>
+        <p:txBody>
+          <a:bodyPr rtlCol="0" anchor="ctr"/>
+          <a:lstStyle/>
+          <a:p>
+            <a:pPr algn="ctr"/>
+            <a:r>
+              <a:rPr lang="en-US"/>
+              <a:t>Broker</a:t>
+            </a:r>
+          </a:p>
+        </p:txBody>
+      </p:sp>
+      <p:sp>
+        <p:nvSpPr>
+          <p:cNvPr id="13" name="Rectangle 12">
+            <a:extLst>
+              <a:ext uri="{FF2B5EF4-FFF2-40B4-BE49-F238E27FC236}">
+                <a16:creationId xmlns:a16="http://schemas.microsoft.com/office/drawing/2014/main" id="{5AD443A2-F9D8-5247-A2DC-44E41A2F8016}"/>
+              </a:ext>
+            </a:extLst>
+          </p:cNvPr>
+          <p:cNvSpPr/>
+          <p:nvPr/>
+        </p:nvSpPr>
+        <p:spPr>
+          <a:xfrm>
+            <a:off x="8732958" y="4192736"/>
+            <a:ext cx="936434" cy="517793"/>
+          </a:xfrm>
+          <a:prstGeom prst="rect">
+            <a:avLst/>
+          </a:prstGeom>
+          <a:solidFill>
+            <a:srgbClr val="805AFF"/>
+          </a:solidFill>
+          <a:ln>
+            <a:solidFill>
+              <a:schemeClr val="bg1"/>
+            </a:solidFill>
+          </a:ln>
+        </p:spPr>
+        <p:style>
+          <a:lnRef idx="2">
+            <a:schemeClr val="accent1">
+              <a:shade val="50000"/>
+            </a:schemeClr>
+          </a:lnRef>
+          <a:fillRef idx="1">
+            <a:schemeClr val="accent1"/>
+          </a:fillRef>
+          <a:effectRef idx="0">
+            <a:schemeClr val="accent1"/>
+          </a:effectRef>
+          <a:fontRef idx="minor">
+            <a:schemeClr val="lt1"/>
+          </a:fontRef>
+        </p:style>
+        <p:txBody>
+          <a:bodyPr rtlCol="0" anchor="ctr"/>
+          <a:lstStyle/>
+          <a:p>
+            <a:pPr algn="ctr"/>
+            <a:r>
+              <a:rPr lang="en-US"/>
+              <a:t>Server</a:t>
+            </a:r>
+          </a:p>
+        </p:txBody>
+      </p:sp>
+      <p:cxnSp>
+        <p:nvCxnSpPr>
+          <p:cNvPr id="16" name="Curved Connector 15">
+            <a:extLst>
+              <a:ext uri="{FF2B5EF4-FFF2-40B4-BE49-F238E27FC236}">
+                <a16:creationId xmlns:a16="http://schemas.microsoft.com/office/drawing/2014/main" id="{34ACC29F-843F-2247-9669-72027CD3C3A3}"/>
+              </a:ext>
+            </a:extLst>
+          </p:cNvPr>
+          <p:cNvCxnSpPr>
+            <a:cxnSpLocks/>
+            <a:stCxn id="6" idx="3"/>
+            <a:endCxn id="13" idx="3"/>
+          </p:cNvCxnSpPr>
+          <p:nvPr/>
+        </p:nvCxnSpPr>
+        <p:spPr>
+          <a:xfrm flipH="1" flipV="1">
+            <a:off x="9669392" y="4451633"/>
+            <a:ext cx="5550" cy="514302"/>
+          </a:xfrm>
+          <a:prstGeom prst="curvedConnector3">
+            <a:avLst>
+              <a:gd name="adj1" fmla="val -4118919"/>
+            </a:avLst>
+          </a:prstGeom>
+          <a:ln w="28575">
+            <a:solidFill>
+              <a:srgbClr val="805AFF"/>
+            </a:solidFill>
+            <a:prstDash val="sysDash"/>
+            <a:tailEnd type="triangle"/>
+          </a:ln>
+        </p:spPr>
+        <p:style>
+          <a:lnRef idx="1">
+            <a:schemeClr val="accent1"/>
+          </a:lnRef>
+          <a:fillRef idx="0">
+            <a:schemeClr val="accent1"/>
+          </a:fillRef>
+          <a:effectRef idx="0">
+            <a:schemeClr val="accent1"/>
+          </a:effectRef>
+          <a:fontRef idx="minor">
+            <a:schemeClr val="tx1"/>
+          </a:fontRef>
+        </p:style>
+      </p:cxnSp>
+      <p:sp>
+        <p:nvSpPr>
+          <p:cNvPr id="20" name="TextBox 19">
+            <a:extLst>
+              <a:ext uri="{FF2B5EF4-FFF2-40B4-BE49-F238E27FC236}">
+                <a16:creationId xmlns:a16="http://schemas.microsoft.com/office/drawing/2014/main" id="{B40CD5C4-F744-4F4B-ADDA-707E8A5202A3}"/>
+              </a:ext>
+            </a:extLst>
+          </p:cNvPr>
+          <p:cNvSpPr txBox="1"/>
+          <p:nvPr/>
+        </p:nvSpPr>
+        <p:spPr>
+          <a:xfrm>
+            <a:off x="9648882" y="4791069"/>
+            <a:ext cx="976745" cy="369332"/>
+          </a:xfrm>
+          <a:prstGeom prst="rect">
+            <a:avLst/>
+          </a:prstGeom>
+          <a:noFill/>
+        </p:spPr>
+        <p:txBody>
+          <a:bodyPr wrap="square" rtlCol="0">
+            <a:spAutoFit/>
+          </a:bodyPr>
+          <a:lstStyle/>
+          <a:p>
+            <a:r>
+              <a:rPr lang="en-US"/>
+              <a:t>st</a:t>
+            </a:r>
+            <a:r>
+              <a:rPr lang="en-US" altLang="zh-CN"/>
+              <a:t>art</a:t>
+            </a:r>
+            <a:endParaRPr lang="en-US"/>
+          </a:p>
+        </p:txBody>
+      </p:sp>
+      <p:sp>
+        <p:nvSpPr>
+          <p:cNvPr id="21" name="Rectangle 20">
+            <a:extLst>
+              <a:ext uri="{FF2B5EF4-FFF2-40B4-BE49-F238E27FC236}">
+                <a16:creationId xmlns:a16="http://schemas.microsoft.com/office/drawing/2014/main" id="{367484BA-3D49-3047-92DA-2DE151D5C4CE}"/>
+              </a:ext>
+            </a:extLst>
+          </p:cNvPr>
+          <p:cNvSpPr/>
+          <p:nvPr/>
+        </p:nvSpPr>
+        <p:spPr>
+          <a:xfrm>
+            <a:off x="6940549" y="5736484"/>
+            <a:ext cx="1194956" cy="359947"/>
+          </a:xfrm>
+          <a:prstGeom prst="rect">
+            <a:avLst/>
+          </a:prstGeom>
+          <a:solidFill>
+            <a:srgbClr val="560A30"/>
+          </a:solidFill>
+          <a:ln>
+            <a:solidFill>
+              <a:schemeClr val="bg1"/>
+            </a:solidFill>
+          </a:ln>
+        </p:spPr>
+        <p:style>
+          <a:lnRef idx="2">
+            <a:schemeClr val="accent1">
+              <a:shade val="50000"/>
+            </a:schemeClr>
+          </a:lnRef>
+          <a:fillRef idx="1">
+            <a:schemeClr val="accent1"/>
+          </a:fillRef>
+          <a:effectRef idx="0">
+            <a:schemeClr val="accent1"/>
+          </a:effectRef>
+          <a:fontRef idx="minor">
+            <a:schemeClr val="lt1"/>
+          </a:fontRef>
+        </p:style>
+        <p:txBody>
+          <a:bodyPr rtlCol="0" anchor="ctr"/>
+          <a:lstStyle/>
+          <a:p>
+            <a:pPr algn="ctr"/>
+            <a:r>
+              <a:rPr lang="en-US"/>
+              <a:t>Consul</a:t>
+            </a:r>
+          </a:p>
+        </p:txBody>
+      </p:sp>
+      <p:cxnSp>
+        <p:nvCxnSpPr>
+          <p:cNvPr id="23" name="Curved Connector 22">
+            <a:extLst>
+              <a:ext uri="{FF2B5EF4-FFF2-40B4-BE49-F238E27FC236}">
+                <a16:creationId xmlns:a16="http://schemas.microsoft.com/office/drawing/2014/main" id="{9588A8A3-AB0F-5545-B60D-4C69AEC62D90}"/>
+              </a:ext>
+            </a:extLst>
+          </p:cNvPr>
+          <p:cNvCxnSpPr>
+            <a:cxnSpLocks/>
+            <a:stCxn id="166" idx="3"/>
+            <a:endCxn id="21" idx="3"/>
+          </p:cNvCxnSpPr>
+          <p:nvPr/>
+        </p:nvCxnSpPr>
+        <p:spPr>
+          <a:xfrm flipH="1">
+            <a:off x="8135505" y="4001761"/>
+            <a:ext cx="1533888" cy="1914697"/>
+          </a:xfrm>
+          <a:prstGeom prst="curvedConnector3">
+            <a:avLst>
+              <a:gd name="adj1" fmla="val -75871"/>
+            </a:avLst>
+          </a:prstGeom>
+          <a:ln w="28575">
+            <a:solidFill>
+              <a:srgbClr val="805AFF"/>
+            </a:solidFill>
+            <a:prstDash val="sysDash"/>
+            <a:tailEnd type="triangle"/>
+          </a:ln>
+        </p:spPr>
+        <p:style>
+          <a:lnRef idx="1">
+            <a:schemeClr val="accent1"/>
+          </a:lnRef>
+          <a:fillRef idx="0">
+            <a:schemeClr val="accent1"/>
+          </a:fillRef>
+          <a:effectRef idx="0">
+            <a:schemeClr val="accent1"/>
+          </a:effectRef>
+          <a:fontRef idx="minor">
+            <a:schemeClr val="tx1"/>
+          </a:fontRef>
+        </p:style>
+      </p:cxnSp>
+      <p:sp>
+        <p:nvSpPr>
+          <p:cNvPr id="26" name="TextBox 25">
+            <a:extLst>
+              <a:ext uri="{FF2B5EF4-FFF2-40B4-BE49-F238E27FC236}">
+                <a16:creationId xmlns:a16="http://schemas.microsoft.com/office/drawing/2014/main" id="{F7AF4569-804C-4B48-8475-855FF3C1466F}"/>
+              </a:ext>
+            </a:extLst>
+          </p:cNvPr>
+          <p:cNvSpPr txBox="1"/>
+          <p:nvPr/>
+        </p:nvSpPr>
+        <p:spPr>
+          <a:xfrm>
+            <a:off x="10460831" y="4015186"/>
+            <a:ext cx="1424050" cy="369332"/>
+          </a:xfrm>
+          <a:prstGeom prst="rect">
+            <a:avLst/>
+          </a:prstGeom>
+          <a:noFill/>
+        </p:spPr>
+        <p:txBody>
+          <a:bodyPr wrap="square" rtlCol="0">
+            <a:spAutoFit/>
+          </a:bodyPr>
+          <a:lstStyle/>
+          <a:p>
+            <a:r>
+              <a:rPr lang="en-US"/>
+              <a:t>register</a:t>
+            </a:r>
+          </a:p>
+        </p:txBody>
+      </p:sp>
+      <p:cxnSp>
+        <p:nvCxnSpPr>
+          <p:cNvPr id="36" name="Curved Connector 35">
+            <a:extLst>
+              <a:ext uri="{FF2B5EF4-FFF2-40B4-BE49-F238E27FC236}">
+                <a16:creationId xmlns:a16="http://schemas.microsoft.com/office/drawing/2014/main" id="{500DF18E-79E6-2747-8AAA-565C46825F23}"/>
+              </a:ext>
+            </a:extLst>
+          </p:cNvPr>
+          <p:cNvCxnSpPr>
+            <a:cxnSpLocks/>
+            <a:stCxn id="159" idx="1"/>
+            <a:endCxn id="21" idx="1"/>
+          </p:cNvCxnSpPr>
+          <p:nvPr/>
+        </p:nvCxnSpPr>
+        <p:spPr>
+          <a:xfrm rot="10800000" flipH="1" flipV="1">
+            <a:off x="4170083" y="3986858"/>
+            <a:ext cx="2770466" cy="1929600"/>
+          </a:xfrm>
+          <a:prstGeom prst="curvedConnector3">
+            <a:avLst>
+              <a:gd name="adj1" fmla="val -8251"/>
+            </a:avLst>
+          </a:prstGeom>
+          <a:ln w="28575">
+            <a:solidFill>
+              <a:srgbClr val="805AFF"/>
+            </a:solidFill>
+            <a:prstDash val="sysDash"/>
+            <a:tailEnd type="triangle"/>
+          </a:ln>
+        </p:spPr>
+        <p:style>
+          <a:lnRef idx="1">
+            <a:schemeClr val="accent1"/>
+          </a:lnRef>
+          <a:fillRef idx="0">
+            <a:schemeClr val="accent1"/>
+          </a:fillRef>
+          <a:effectRef idx="0">
+            <a:schemeClr val="accent1"/>
+          </a:effectRef>
+          <a:fontRef idx="minor">
+            <a:schemeClr val="tx1"/>
+          </a:fontRef>
+        </p:style>
+      </p:cxnSp>
+      <p:sp>
+        <p:nvSpPr>
+          <p:cNvPr id="39" name="TextBox 38">
+            <a:extLst>
+              <a:ext uri="{FF2B5EF4-FFF2-40B4-BE49-F238E27FC236}">
+                <a16:creationId xmlns:a16="http://schemas.microsoft.com/office/drawing/2014/main" id="{1067E0B5-7E69-FC4A-BB80-243E5B0D90EA}"/>
+              </a:ext>
+            </a:extLst>
+          </p:cNvPr>
+          <p:cNvSpPr txBox="1"/>
+          <p:nvPr/>
+        </p:nvSpPr>
+        <p:spPr>
+          <a:xfrm>
+            <a:off x="5177659" y="5396857"/>
+            <a:ext cx="801223" cy="369332"/>
+          </a:xfrm>
+          <a:prstGeom prst="rect">
+            <a:avLst/>
+          </a:prstGeom>
+          <a:noFill/>
+        </p:spPr>
+        <p:txBody>
+          <a:bodyPr wrap="square" rtlCol="0">
+            <a:spAutoFit/>
+          </a:bodyPr>
+          <a:lstStyle/>
+          <a:p>
+            <a:r>
+              <a:rPr lang="en-US" altLang="zh-CN"/>
+              <a:t>watch</a:t>
+            </a:r>
+            <a:endParaRPr lang="en-US"/>
+          </a:p>
+        </p:txBody>
+      </p:sp>
+      <p:sp>
+        <p:nvSpPr>
+          <p:cNvPr id="44" name="Rectangle 43">
+            <a:extLst>
+              <a:ext uri="{FF2B5EF4-FFF2-40B4-BE49-F238E27FC236}">
+                <a16:creationId xmlns:a16="http://schemas.microsoft.com/office/drawing/2014/main" id="{D2B0A1D7-ED6E-E04C-A120-BB3878C402C4}"/>
+              </a:ext>
+            </a:extLst>
+          </p:cNvPr>
+          <p:cNvSpPr/>
+          <p:nvPr/>
+        </p:nvSpPr>
+        <p:spPr>
+          <a:xfrm>
+            <a:off x="8732958" y="2950799"/>
+            <a:ext cx="936433" cy="828794"/>
+          </a:xfrm>
+          <a:prstGeom prst="rect">
+            <a:avLst/>
+          </a:prstGeom>
+          <a:solidFill>
+            <a:srgbClr val="00D4DD"/>
+          </a:solidFill>
+          <a:ln>
+            <a:solidFill>
+              <a:schemeClr val="bg1"/>
+            </a:solidFill>
+          </a:ln>
+        </p:spPr>
+        <p:style>
+          <a:lnRef idx="2">
+            <a:schemeClr val="accent1">
+              <a:shade val="50000"/>
+            </a:schemeClr>
+          </a:lnRef>
+          <a:fillRef idx="1">
+            <a:schemeClr val="accent1"/>
+          </a:fillRef>
+          <a:effectRef idx="0">
+            <a:schemeClr val="accent1"/>
+          </a:effectRef>
+          <a:fontRef idx="minor">
+            <a:schemeClr val="lt1"/>
+          </a:fontRef>
+        </p:style>
+        <p:txBody>
+          <a:bodyPr rtlCol="0" anchor="ctr"/>
+          <a:lstStyle/>
+          <a:p>
+            <a:pPr algn="ctr"/>
+            <a:r>
+              <a:rPr lang="en-US" sz="1400"/>
+              <a:t>Transport</a:t>
+            </a:r>
+          </a:p>
+        </p:txBody>
+      </p:sp>
+      <p:sp>
+        <p:nvSpPr>
+          <p:cNvPr id="58" name="TextBox 57">
+            <a:extLst>
+              <a:ext uri="{FF2B5EF4-FFF2-40B4-BE49-F238E27FC236}">
+                <a16:creationId xmlns:a16="http://schemas.microsoft.com/office/drawing/2014/main" id="{3599D387-9F26-404A-B622-F9295565F9BE}"/>
+              </a:ext>
+            </a:extLst>
+          </p:cNvPr>
+          <p:cNvSpPr txBox="1"/>
+          <p:nvPr/>
+        </p:nvSpPr>
+        <p:spPr>
+          <a:xfrm>
+            <a:off x="6507538" y="2922508"/>
+            <a:ext cx="636860" cy="276999"/>
+          </a:xfrm>
+          <a:prstGeom prst="rect">
+            <a:avLst/>
+          </a:prstGeom>
+          <a:noFill/>
+        </p:spPr>
+        <p:txBody>
+          <a:bodyPr wrap="square" rtlCol="0">
+            <a:spAutoFit/>
+          </a:bodyPr>
+          <a:lstStyle/>
+          <a:p>
+            <a:r>
+              <a:rPr lang="en-US" altLang="zh-CN" sz="1200"/>
+              <a:t>2.</a:t>
+            </a:r>
+            <a:r>
+              <a:rPr lang="en-US" sz="1200"/>
+              <a:t>call</a:t>
+            </a:r>
+          </a:p>
+        </p:txBody>
+      </p:sp>
+      <p:sp>
+        <p:nvSpPr>
+          <p:cNvPr id="63" name="TextBox 62">
+            <a:extLst>
+              <a:ext uri="{FF2B5EF4-FFF2-40B4-BE49-F238E27FC236}">
+                <a16:creationId xmlns:a16="http://schemas.microsoft.com/office/drawing/2014/main" id="{6B683AAB-0F0E-224E-BC0D-3A4953FE7DEC}"/>
+              </a:ext>
+            </a:extLst>
+          </p:cNvPr>
+          <p:cNvSpPr txBox="1"/>
+          <p:nvPr/>
+        </p:nvSpPr>
+        <p:spPr>
+          <a:xfrm>
+            <a:off x="6703610" y="3733317"/>
+            <a:ext cx="718860" cy="276999"/>
+          </a:xfrm>
+          <a:prstGeom prst="rect">
+            <a:avLst/>
+          </a:prstGeom>
+          <a:noFill/>
+        </p:spPr>
+        <p:txBody>
+          <a:bodyPr wrap="square" rtlCol="0">
+            <a:spAutoFit/>
+          </a:bodyPr>
+          <a:lstStyle/>
+          <a:p>
+            <a:r>
+              <a:rPr lang="en-US" altLang="zh-CN" sz="1200"/>
+              <a:t>3.</a:t>
+            </a:r>
+            <a:r>
+              <a:rPr lang="zh-CN" altLang="en-US" sz="1200"/>
+              <a:t> </a:t>
+            </a:r>
+            <a:r>
+              <a:rPr lang="en-US" altLang="zh-CN" sz="1200"/>
+              <a:t>send</a:t>
+            </a:r>
+            <a:endParaRPr lang="en-US" sz="1200"/>
+          </a:p>
+        </p:txBody>
+      </p:sp>
+      <p:sp>
+        <p:nvSpPr>
+          <p:cNvPr id="74" name="TextBox 73">
+            <a:extLst>
+              <a:ext uri="{FF2B5EF4-FFF2-40B4-BE49-F238E27FC236}">
+                <a16:creationId xmlns:a16="http://schemas.microsoft.com/office/drawing/2014/main" id="{A587E96E-489F-B74C-82D2-810366619208}"/>
+              </a:ext>
+            </a:extLst>
+          </p:cNvPr>
+          <p:cNvSpPr txBox="1"/>
+          <p:nvPr/>
+        </p:nvSpPr>
+        <p:spPr>
+          <a:xfrm>
+            <a:off x="6143244" y="5347753"/>
+            <a:ext cx="801223" cy="369332"/>
+          </a:xfrm>
+          <a:prstGeom prst="rect">
+            <a:avLst/>
+          </a:prstGeom>
+          <a:noFill/>
+        </p:spPr>
+        <p:txBody>
+          <a:bodyPr wrap="square" rtlCol="0">
+            <a:spAutoFit/>
+          </a:bodyPr>
+          <a:lstStyle/>
+          <a:p>
+            <a:r>
+              <a:rPr lang="en-US" altLang="zh-CN"/>
+              <a:t>notify</a:t>
+            </a:r>
+            <a:endParaRPr lang="en-US"/>
+          </a:p>
+        </p:txBody>
+      </p:sp>
+      <p:sp>
+        <p:nvSpPr>
+          <p:cNvPr id="100" name="TextBox 99">
+            <a:extLst>
+              <a:ext uri="{FF2B5EF4-FFF2-40B4-BE49-F238E27FC236}">
+                <a16:creationId xmlns:a16="http://schemas.microsoft.com/office/drawing/2014/main" id="{DAD8A682-DF34-F14E-9DD3-5DFAE26018C6}"/>
+              </a:ext>
+            </a:extLst>
+          </p:cNvPr>
+          <p:cNvSpPr txBox="1"/>
+          <p:nvPr/>
+        </p:nvSpPr>
+        <p:spPr>
+          <a:xfrm>
+            <a:off x="5566734" y="1848421"/>
+            <a:ext cx="801223" cy="369332"/>
+          </a:xfrm>
+          <a:prstGeom prst="rect">
+            <a:avLst/>
+          </a:prstGeom>
+          <a:noFill/>
+        </p:spPr>
+        <p:txBody>
+          <a:bodyPr wrap="square" rtlCol="0">
+            <a:spAutoFit/>
+          </a:bodyPr>
+          <a:lstStyle/>
+          <a:p>
+            <a:r>
+              <a:rPr lang="en-US" altLang="zh-CN"/>
+              <a:t>pub</a:t>
+            </a:r>
+            <a:endParaRPr lang="en-US"/>
+          </a:p>
+        </p:txBody>
+      </p:sp>
+      <p:sp>
+        <p:nvSpPr>
+          <p:cNvPr id="104" name="TextBox 103">
+            <a:extLst>
+              <a:ext uri="{FF2B5EF4-FFF2-40B4-BE49-F238E27FC236}">
+                <a16:creationId xmlns:a16="http://schemas.microsoft.com/office/drawing/2014/main" id="{41E3DE07-7E70-A54C-B691-9374D87FABE4}"/>
+              </a:ext>
+            </a:extLst>
+          </p:cNvPr>
+          <p:cNvSpPr txBox="1"/>
+          <p:nvPr/>
+        </p:nvSpPr>
+        <p:spPr>
+          <a:xfrm>
+            <a:off x="7813578" y="1968676"/>
+            <a:ext cx="559477" cy="369332"/>
+          </a:xfrm>
+          <a:prstGeom prst="rect">
+            <a:avLst/>
+          </a:prstGeom>
+          <a:noFill/>
+        </p:spPr>
+        <p:txBody>
+          <a:bodyPr wrap="square" rtlCol="0">
+            <a:spAutoFit/>
+          </a:bodyPr>
+          <a:lstStyle/>
+          <a:p>
+            <a:r>
+              <a:rPr lang="en-US"/>
+              <a:t>sub</a:t>
+            </a:r>
+          </a:p>
+        </p:txBody>
+      </p:sp>
+      <p:sp>
+        <p:nvSpPr>
+          <p:cNvPr id="105" name="Rectangle 104">
+            <a:extLst>
+              <a:ext uri="{FF2B5EF4-FFF2-40B4-BE49-F238E27FC236}">
+                <a16:creationId xmlns:a16="http://schemas.microsoft.com/office/drawing/2014/main" id="{3A19C755-3C78-FC48-B99D-41E991DB0B71}"/>
+              </a:ext>
+            </a:extLst>
+          </p:cNvPr>
+          <p:cNvSpPr/>
+          <p:nvPr/>
+        </p:nvSpPr>
+        <p:spPr>
+          <a:xfrm>
+            <a:off x="4166252" y="3379600"/>
+            <a:ext cx="933064" cy="398276"/>
+          </a:xfrm>
+          <a:prstGeom prst="rect">
+            <a:avLst/>
+          </a:prstGeom>
+          <a:solidFill>
+            <a:srgbClr val="00D4DD"/>
+          </a:solidFill>
+          <a:ln>
+            <a:solidFill>
+              <a:schemeClr val="bg1"/>
+            </a:solidFill>
+          </a:ln>
+        </p:spPr>
+        <p:style>
+          <a:lnRef idx="2">
+            <a:schemeClr val="accent1">
+              <a:shade val="50000"/>
+            </a:schemeClr>
+          </a:lnRef>
+          <a:fillRef idx="1">
+            <a:schemeClr val="accent1"/>
+          </a:fillRef>
+          <a:effectRef idx="0">
+            <a:schemeClr val="accent1"/>
+          </a:effectRef>
+          <a:fontRef idx="minor">
+            <a:schemeClr val="lt1"/>
+          </a:fontRef>
+        </p:style>
+        <p:txBody>
+          <a:bodyPr rtlCol="0" anchor="ctr"/>
+          <a:lstStyle/>
+          <a:p>
+            <a:pPr algn="ctr"/>
+            <a:r>
+              <a:rPr lang="en-US" sz="1600"/>
+              <a:t>Se</a:t>
+            </a:r>
+            <a:r>
+              <a:rPr lang="en-US" altLang="zh-CN" sz="1600"/>
+              <a:t>lector</a:t>
+            </a:r>
+            <a:endParaRPr lang="en-US" sz="1600"/>
+          </a:p>
+        </p:txBody>
+      </p:sp>
+      <p:cxnSp>
+        <p:nvCxnSpPr>
+          <p:cNvPr id="114" name="Straight Arrow Connector 113">
+            <a:extLst>
+              <a:ext uri="{FF2B5EF4-FFF2-40B4-BE49-F238E27FC236}">
+                <a16:creationId xmlns:a16="http://schemas.microsoft.com/office/drawing/2014/main" id="{01A9F1AA-E1AD-054A-AE90-ADA744E36ED9}"/>
+              </a:ext>
+            </a:extLst>
+          </p:cNvPr>
+          <p:cNvCxnSpPr/>
+          <p:nvPr/>
+        </p:nvCxnSpPr>
+        <p:spPr>
+          <a:xfrm>
+            <a:off x="4343400" y="992852"/>
+            <a:ext cx="369049" cy="0"/>
+          </a:xfrm>
+          <a:prstGeom prst="straightConnector1">
+            <a:avLst/>
+          </a:prstGeom>
+          <a:ln w="28575">
+            <a:solidFill>
+              <a:srgbClr val="805AFF"/>
+            </a:solidFill>
+            <a:prstDash val="sysDash"/>
+            <a:tailEnd type="triangle"/>
+          </a:ln>
+        </p:spPr>
+        <p:style>
+          <a:lnRef idx="1">
+            <a:schemeClr val="accent1"/>
+          </a:lnRef>
+          <a:fillRef idx="0">
+            <a:schemeClr val="accent1"/>
+          </a:fillRef>
+          <a:effectRef idx="0">
+            <a:schemeClr val="accent1"/>
+          </a:effectRef>
+          <a:fontRef idx="minor">
+            <a:schemeClr val="tx1"/>
+          </a:fontRef>
+        </p:style>
+      </p:cxnSp>
+      <p:sp>
+        <p:nvSpPr>
+          <p:cNvPr id="115" name="TextBox 114">
+            <a:extLst>
+              <a:ext uri="{FF2B5EF4-FFF2-40B4-BE49-F238E27FC236}">
+                <a16:creationId xmlns:a16="http://schemas.microsoft.com/office/drawing/2014/main" id="{05097660-B995-6E4B-8D3F-AEB46D6EFBF7}"/>
+              </a:ext>
+            </a:extLst>
+          </p:cNvPr>
+          <p:cNvSpPr txBox="1"/>
+          <p:nvPr/>
+        </p:nvSpPr>
+        <p:spPr>
+          <a:xfrm>
+            <a:off x="4244231" y="577336"/>
+            <a:ext cx="801223" cy="369332"/>
+          </a:xfrm>
+          <a:prstGeom prst="rect">
+            <a:avLst/>
+          </a:prstGeom>
+          <a:noFill/>
+        </p:spPr>
+        <p:txBody>
+          <a:bodyPr wrap="square" rtlCol="0">
+            <a:spAutoFit/>
+          </a:bodyPr>
+          <a:lstStyle/>
+          <a:p>
+            <a:r>
+              <a:rPr lang="en-US" altLang="zh-CN"/>
+              <a:t>init</a:t>
+            </a:r>
+            <a:endParaRPr lang="en-US"/>
+          </a:p>
+        </p:txBody>
+      </p:sp>
+      <p:cxnSp>
+        <p:nvCxnSpPr>
+          <p:cNvPr id="116" name="Straight Arrow Connector 115">
+            <a:extLst>
+              <a:ext uri="{FF2B5EF4-FFF2-40B4-BE49-F238E27FC236}">
+                <a16:creationId xmlns:a16="http://schemas.microsoft.com/office/drawing/2014/main" id="{AA4D168C-4989-DC42-87FB-60439DDC7643}"/>
+              </a:ext>
+            </a:extLst>
+          </p:cNvPr>
+          <p:cNvCxnSpPr/>
+          <p:nvPr/>
+        </p:nvCxnSpPr>
+        <p:spPr>
+          <a:xfrm>
+            <a:off x="4991148" y="992852"/>
+            <a:ext cx="369049" cy="0"/>
+          </a:xfrm>
+          <a:prstGeom prst="straightConnector1">
+            <a:avLst/>
+          </a:prstGeom>
+          <a:ln w="28575">
+            <a:solidFill>
+              <a:srgbClr val="00D4DD"/>
+            </a:solidFill>
+            <a:prstDash val="sysDash"/>
+            <a:tailEnd type="triangle"/>
+          </a:ln>
+        </p:spPr>
+        <p:style>
+          <a:lnRef idx="1">
+            <a:schemeClr val="accent1"/>
+          </a:lnRef>
+          <a:fillRef idx="0">
+            <a:schemeClr val="accent1"/>
+          </a:fillRef>
+          <a:effectRef idx="0">
+            <a:schemeClr val="accent1"/>
+          </a:effectRef>
+          <a:fontRef idx="minor">
+            <a:schemeClr val="tx1"/>
+          </a:fontRef>
+        </p:style>
+      </p:cxnSp>
+      <p:sp>
+        <p:nvSpPr>
+          <p:cNvPr id="117" name="TextBox 116">
+            <a:extLst>
+              <a:ext uri="{FF2B5EF4-FFF2-40B4-BE49-F238E27FC236}">
+                <a16:creationId xmlns:a16="http://schemas.microsoft.com/office/drawing/2014/main" id="{3A9C0AC2-2ED7-5E45-AB0B-663CA754BA25}"/>
+              </a:ext>
+            </a:extLst>
+          </p:cNvPr>
+          <p:cNvSpPr txBox="1"/>
+          <p:nvPr/>
+        </p:nvSpPr>
+        <p:spPr>
+          <a:xfrm>
+            <a:off x="4850014" y="560099"/>
+            <a:ext cx="801223" cy="369332"/>
+          </a:xfrm>
+          <a:prstGeom prst="rect">
+            <a:avLst/>
+          </a:prstGeom>
+          <a:noFill/>
+        </p:spPr>
+        <p:txBody>
+          <a:bodyPr wrap="square" rtlCol="0">
+            <a:spAutoFit/>
+          </a:bodyPr>
+          <a:lstStyle/>
+          <a:p>
+            <a:r>
+              <a:rPr lang="en-US" altLang="zh-CN"/>
+              <a:t>async</a:t>
+            </a:r>
+            <a:endParaRPr lang="en-US"/>
+          </a:p>
+        </p:txBody>
+      </p:sp>
+      <p:cxnSp>
+        <p:nvCxnSpPr>
+          <p:cNvPr id="118" name="Straight Arrow Connector 117">
+            <a:extLst>
+              <a:ext uri="{FF2B5EF4-FFF2-40B4-BE49-F238E27FC236}">
+                <a16:creationId xmlns:a16="http://schemas.microsoft.com/office/drawing/2014/main" id="{4E30296D-178D-D64D-B771-E7665EC52237}"/>
+              </a:ext>
+            </a:extLst>
+          </p:cNvPr>
+          <p:cNvCxnSpPr/>
+          <p:nvPr/>
+        </p:nvCxnSpPr>
+        <p:spPr>
+          <a:xfrm>
+            <a:off x="5689295" y="992852"/>
+            <a:ext cx="369049" cy="0"/>
+          </a:xfrm>
+          <a:prstGeom prst="straightConnector1">
+            <a:avLst/>
+          </a:prstGeom>
+          <a:ln w="28575">
+            <a:solidFill>
+              <a:srgbClr val="00D4DD"/>
+            </a:solidFill>
+            <a:prstDash val="solid"/>
+            <a:tailEnd type="triangle"/>
+          </a:ln>
+        </p:spPr>
+        <p:style>
+          <a:lnRef idx="1">
+            <a:schemeClr val="accent1"/>
+          </a:lnRef>
+          <a:fillRef idx="0">
+            <a:schemeClr val="accent1"/>
+          </a:fillRef>
+          <a:effectRef idx="0">
+            <a:schemeClr val="accent1"/>
+          </a:effectRef>
+          <a:fontRef idx="minor">
+            <a:schemeClr val="tx1"/>
+          </a:fontRef>
+        </p:style>
+      </p:cxnSp>
+      <p:sp>
+        <p:nvSpPr>
+          <p:cNvPr id="119" name="TextBox 118">
+            <a:extLst>
+              <a:ext uri="{FF2B5EF4-FFF2-40B4-BE49-F238E27FC236}">
+                <a16:creationId xmlns:a16="http://schemas.microsoft.com/office/drawing/2014/main" id="{9733C07D-ED49-B84D-8278-1A2986F4D22C}"/>
+              </a:ext>
+            </a:extLst>
+          </p:cNvPr>
+          <p:cNvSpPr txBox="1"/>
+          <p:nvPr/>
+        </p:nvSpPr>
+        <p:spPr>
+          <a:xfrm>
+            <a:off x="5601200" y="568678"/>
+            <a:ext cx="801223" cy="369332"/>
+          </a:xfrm>
+          <a:prstGeom prst="rect">
+            <a:avLst/>
+          </a:prstGeom>
+          <a:noFill/>
+        </p:spPr>
+        <p:txBody>
+          <a:bodyPr wrap="square" rtlCol="0">
+            <a:spAutoFit/>
+          </a:bodyPr>
+          <a:lstStyle/>
+          <a:p>
+            <a:r>
+              <a:rPr lang="en-US" altLang="zh-CN"/>
+              <a:t>sync</a:t>
+            </a:r>
+            <a:endParaRPr lang="en-US"/>
+          </a:p>
+        </p:txBody>
+      </p:sp>
+      <p:sp>
+        <p:nvSpPr>
+          <p:cNvPr id="141" name="TextBox 140">
+            <a:extLst>
+              <a:ext uri="{FF2B5EF4-FFF2-40B4-BE49-F238E27FC236}">
+                <a16:creationId xmlns:a16="http://schemas.microsoft.com/office/drawing/2014/main" id="{84D19C0B-A46C-694B-9EB3-1B23BC43737F}"/>
+              </a:ext>
+            </a:extLst>
+          </p:cNvPr>
+          <p:cNvSpPr txBox="1"/>
+          <p:nvPr/>
+        </p:nvSpPr>
+        <p:spPr>
+          <a:xfrm>
+            <a:off x="5063813" y="3681062"/>
+            <a:ext cx="822017" cy="276999"/>
+          </a:xfrm>
+          <a:prstGeom prst="rect">
+            <a:avLst/>
+          </a:prstGeom>
+          <a:noFill/>
+        </p:spPr>
+        <p:txBody>
+          <a:bodyPr wrap="square" rtlCol="0">
+            <a:spAutoFit/>
+          </a:bodyPr>
+          <a:lstStyle/>
+          <a:p>
+            <a:r>
+              <a:rPr lang="en-US" altLang="zh-CN" sz="1200"/>
+              <a:t>1.</a:t>
+            </a:r>
+            <a:r>
+              <a:rPr lang="zh-CN" altLang="en-US" sz="1200"/>
+              <a:t> </a:t>
+            </a:r>
+            <a:r>
+              <a:rPr lang="en-US" sz="1200"/>
+              <a:t>s</a:t>
+            </a:r>
+            <a:r>
+              <a:rPr lang="en-US" altLang="zh-CN" sz="1200"/>
+              <a:t>elect</a:t>
+            </a:r>
+            <a:endParaRPr lang="en-US" sz="1200"/>
+          </a:p>
+        </p:txBody>
+      </p:sp>
+      <p:sp>
+        <p:nvSpPr>
+          <p:cNvPr id="159" name="Rectangle 158">
+            <a:extLst>
+              <a:ext uri="{FF2B5EF4-FFF2-40B4-BE49-F238E27FC236}">
+                <a16:creationId xmlns:a16="http://schemas.microsoft.com/office/drawing/2014/main" id="{24B8D853-2258-264B-AC79-0E6E9AD7B156}"/>
+              </a:ext>
+            </a:extLst>
+          </p:cNvPr>
+          <p:cNvSpPr/>
+          <p:nvPr/>
+        </p:nvSpPr>
+        <p:spPr>
+          <a:xfrm>
+            <a:off x="4170083" y="3778330"/>
+            <a:ext cx="929232" cy="417055"/>
+          </a:xfrm>
+          <a:prstGeom prst="rect">
+            <a:avLst/>
+          </a:prstGeom>
+          <a:solidFill>
+            <a:srgbClr val="00D4DD"/>
+          </a:solidFill>
+          <a:ln>
+            <a:solidFill>
+              <a:schemeClr val="bg1"/>
+            </a:solidFill>
+          </a:ln>
+        </p:spPr>
+        <p:style>
+          <a:lnRef idx="2">
+            <a:schemeClr val="accent1">
+              <a:shade val="50000"/>
+            </a:schemeClr>
+          </a:lnRef>
+          <a:fillRef idx="1">
+            <a:schemeClr val="accent1"/>
+          </a:fillRef>
+          <a:effectRef idx="0">
+            <a:schemeClr val="accent1"/>
+          </a:effectRef>
+          <a:fontRef idx="minor">
+            <a:schemeClr val="lt1"/>
+          </a:fontRef>
+        </p:style>
+        <p:txBody>
+          <a:bodyPr rtlCol="0" anchor="ctr"/>
+          <a:lstStyle/>
+          <a:p>
+            <a:pPr algn="ctr"/>
+            <a:r>
+              <a:rPr lang="en-US"/>
+              <a:t>Registry</a:t>
+            </a:r>
+          </a:p>
+        </p:txBody>
+      </p:sp>
+      <p:sp>
+        <p:nvSpPr>
+          <p:cNvPr id="166" name="Rectangle 165">
+            <a:extLst>
+              <a:ext uri="{FF2B5EF4-FFF2-40B4-BE49-F238E27FC236}">
+                <a16:creationId xmlns:a16="http://schemas.microsoft.com/office/drawing/2014/main" id="{ED04E9EF-6D51-ED41-904E-43A36FB6AF42}"/>
+              </a:ext>
+            </a:extLst>
+          </p:cNvPr>
+          <p:cNvSpPr/>
+          <p:nvPr/>
+        </p:nvSpPr>
+        <p:spPr>
+          <a:xfrm>
+            <a:off x="8732958" y="3787133"/>
+            <a:ext cx="936435" cy="429256"/>
+          </a:xfrm>
+          <a:prstGeom prst="rect">
+            <a:avLst/>
+          </a:prstGeom>
+          <a:solidFill>
+            <a:srgbClr val="00D4DD"/>
+          </a:solidFill>
+          <a:ln>
+            <a:solidFill>
+              <a:schemeClr val="bg1"/>
+            </a:solidFill>
+          </a:ln>
+        </p:spPr>
+        <p:style>
+          <a:lnRef idx="2">
+            <a:schemeClr val="accent1">
+              <a:shade val="50000"/>
+            </a:schemeClr>
+          </a:lnRef>
+          <a:fillRef idx="1">
+            <a:schemeClr val="accent1"/>
+          </a:fillRef>
+          <a:effectRef idx="0">
+            <a:schemeClr val="accent1"/>
+          </a:effectRef>
+          <a:fontRef idx="minor">
+            <a:schemeClr val="lt1"/>
+          </a:fontRef>
+        </p:style>
+        <p:txBody>
+          <a:bodyPr rtlCol="0" anchor="ctr"/>
+          <a:lstStyle/>
+          <a:p>
+            <a:pPr algn="ctr"/>
+            <a:r>
+              <a:rPr lang="en-US"/>
+              <a:t>Registry</a:t>
+            </a:r>
+          </a:p>
+        </p:txBody>
+      </p:sp>
+      <p:sp>
+        <p:nvSpPr>
+          <p:cNvPr id="175" name="Rectangle 174">
+            <a:extLst>
+              <a:ext uri="{FF2B5EF4-FFF2-40B4-BE49-F238E27FC236}">
+                <a16:creationId xmlns:a16="http://schemas.microsoft.com/office/drawing/2014/main" id="{CC5D8E29-4469-B04A-936D-C4316C6B91F9}"/>
+              </a:ext>
+            </a:extLst>
+          </p:cNvPr>
+          <p:cNvSpPr/>
+          <p:nvPr/>
+        </p:nvSpPr>
+        <p:spPr>
+          <a:xfrm>
+            <a:off x="6479901" y="1396654"/>
+            <a:ext cx="1086901" cy="271533"/>
+          </a:xfrm>
+          <a:prstGeom prst="rect">
+            <a:avLst/>
+          </a:prstGeom>
+          <a:solidFill>
+            <a:srgbClr val="560A30"/>
+          </a:solidFill>
+          <a:ln>
+            <a:solidFill>
+              <a:schemeClr val="bg1"/>
+            </a:solidFill>
+          </a:ln>
+        </p:spPr>
+        <p:style>
+          <a:lnRef idx="2">
+            <a:schemeClr val="accent1">
+              <a:shade val="50000"/>
+            </a:schemeClr>
+          </a:lnRef>
+          <a:fillRef idx="1">
+            <a:schemeClr val="accent1"/>
+          </a:fillRef>
+          <a:effectRef idx="0">
+            <a:schemeClr val="accent1"/>
+          </a:effectRef>
+          <a:fontRef idx="minor">
+            <a:schemeClr val="lt1"/>
+          </a:fontRef>
+        </p:style>
+        <p:txBody>
+          <a:bodyPr rtlCol="0" anchor="ctr"/>
+          <a:lstStyle/>
+          <a:p>
+            <a:pPr algn="ctr"/>
+            <a:r>
+              <a:rPr lang="en-US"/>
+              <a:t>NATs</a:t>
+            </a:r>
+          </a:p>
+        </p:txBody>
+      </p:sp>
+      <p:cxnSp>
+        <p:nvCxnSpPr>
+          <p:cNvPr id="179" name="Curved Connector 178">
+            <a:extLst>
+              <a:ext uri="{FF2B5EF4-FFF2-40B4-BE49-F238E27FC236}">
+                <a16:creationId xmlns:a16="http://schemas.microsoft.com/office/drawing/2014/main" id="{EB48D397-1753-6D44-9E19-314B51092517}"/>
+              </a:ext>
+            </a:extLst>
+          </p:cNvPr>
+          <p:cNvCxnSpPr>
+            <a:cxnSpLocks/>
+            <a:stCxn id="308" idx="0"/>
+            <a:endCxn id="175" idx="1"/>
+          </p:cNvCxnSpPr>
+          <p:nvPr/>
+        </p:nvCxnSpPr>
+        <p:spPr>
+          <a:xfrm rot="5400000" flipH="1" flipV="1">
+            <a:off x="5459795" y="1511470"/>
+            <a:ext cx="999155" cy="1041058"/>
+          </a:xfrm>
+          <a:prstGeom prst="curvedConnector2">
+            <a:avLst/>
+          </a:prstGeom>
+          <a:ln w="28575">
+            <a:solidFill>
+              <a:srgbClr val="00D4DD"/>
+            </a:solidFill>
+            <a:prstDash val="sysDash"/>
+            <a:tailEnd type="triangle"/>
+          </a:ln>
+        </p:spPr>
+        <p:style>
+          <a:lnRef idx="1">
+            <a:schemeClr val="accent1"/>
+          </a:lnRef>
+          <a:fillRef idx="0">
+            <a:schemeClr val="accent1"/>
+          </a:fillRef>
+          <a:effectRef idx="0">
+            <a:schemeClr val="accent1"/>
+          </a:effectRef>
+          <a:fontRef idx="minor">
+            <a:schemeClr val="tx1"/>
+          </a:fontRef>
+        </p:style>
+      </p:cxnSp>
+      <p:sp>
+        <p:nvSpPr>
+          <p:cNvPr id="185" name="Rectangle 184">
+            <a:extLst>
+              <a:ext uri="{FF2B5EF4-FFF2-40B4-BE49-F238E27FC236}">
+                <a16:creationId xmlns:a16="http://schemas.microsoft.com/office/drawing/2014/main" id="{C91C466D-6C85-324E-AFDD-EEAE7A4FF197}"/>
+              </a:ext>
+            </a:extLst>
+          </p:cNvPr>
+          <p:cNvSpPr/>
+          <p:nvPr/>
+        </p:nvSpPr>
+        <p:spPr>
+          <a:xfrm>
+            <a:off x="4161903" y="2521604"/>
+            <a:ext cx="936434" cy="398731"/>
+          </a:xfrm>
+          <a:prstGeom prst="rect">
+            <a:avLst/>
+          </a:prstGeom>
+          <a:solidFill>
+            <a:srgbClr val="00D4DD"/>
+          </a:solidFill>
+          <a:ln>
+            <a:solidFill>
+              <a:schemeClr val="bg1"/>
+            </a:solidFill>
+          </a:ln>
+        </p:spPr>
+        <p:style>
+          <a:lnRef idx="2">
+            <a:schemeClr val="accent1">
+              <a:shade val="50000"/>
+            </a:schemeClr>
+          </a:lnRef>
+          <a:fillRef idx="1">
+            <a:schemeClr val="accent1"/>
+          </a:fillRef>
+          <a:effectRef idx="0">
+            <a:schemeClr val="accent1"/>
+          </a:effectRef>
+          <a:fontRef idx="minor">
+            <a:schemeClr val="lt1"/>
+          </a:fontRef>
+        </p:style>
+        <p:txBody>
+          <a:bodyPr rtlCol="0" anchor="ctr"/>
+          <a:lstStyle/>
+          <a:p>
+            <a:pPr algn="ctr"/>
+            <a:r>
+              <a:rPr lang="en-US"/>
+              <a:t>Broker</a:t>
+            </a:r>
+          </a:p>
+        </p:txBody>
+      </p:sp>
+      <p:cxnSp>
+        <p:nvCxnSpPr>
+          <p:cNvPr id="210" name="Curved Connector 209">
+            <a:extLst>
+              <a:ext uri="{FF2B5EF4-FFF2-40B4-BE49-F238E27FC236}">
+                <a16:creationId xmlns:a16="http://schemas.microsoft.com/office/drawing/2014/main" id="{F9B4CC63-D945-8743-817B-30B64A41EDE7}"/>
+              </a:ext>
+            </a:extLst>
+          </p:cNvPr>
+          <p:cNvCxnSpPr>
+            <a:cxnSpLocks/>
+            <a:endCxn id="159" idx="3"/>
+          </p:cNvCxnSpPr>
+          <p:nvPr/>
+        </p:nvCxnSpPr>
+        <p:spPr>
+          <a:xfrm rot="10800000">
+            <a:off x="5099316" y="3986858"/>
+            <a:ext cx="2537283" cy="1749626"/>
+          </a:xfrm>
+          <a:prstGeom prst="curvedConnector3">
+            <a:avLst>
+              <a:gd name="adj1" fmla="val 50000"/>
+            </a:avLst>
+          </a:prstGeom>
+          <a:ln w="28575">
+            <a:solidFill>
+              <a:srgbClr val="00D4DD"/>
+            </a:solidFill>
+            <a:prstDash val="sysDash"/>
+            <a:tailEnd type="triangle"/>
+          </a:ln>
+        </p:spPr>
+        <p:style>
+          <a:lnRef idx="1">
+            <a:schemeClr val="accent1"/>
+          </a:lnRef>
+          <a:fillRef idx="0">
+            <a:schemeClr val="accent1"/>
+          </a:fillRef>
+          <a:effectRef idx="0">
+            <a:schemeClr val="accent1"/>
+          </a:effectRef>
+          <a:fontRef idx="minor">
+            <a:schemeClr val="tx1"/>
+          </a:fontRef>
+        </p:style>
+      </p:cxnSp>
+      <p:sp>
+        <p:nvSpPr>
+          <p:cNvPr id="223" name="Rectangle 222">
+            <a:extLst>
+              <a:ext uri="{FF2B5EF4-FFF2-40B4-BE49-F238E27FC236}">
+                <a16:creationId xmlns:a16="http://schemas.microsoft.com/office/drawing/2014/main" id="{E9674CF5-CD56-A24C-B0B2-476614EEAA78}"/>
+              </a:ext>
+            </a:extLst>
+          </p:cNvPr>
+          <p:cNvSpPr/>
+          <p:nvPr/>
+        </p:nvSpPr>
+        <p:spPr>
+          <a:xfrm>
+            <a:off x="4161903" y="2950798"/>
+            <a:ext cx="936434" cy="430280"/>
+          </a:xfrm>
+          <a:prstGeom prst="rect">
+            <a:avLst/>
+          </a:prstGeom>
+          <a:solidFill>
+            <a:srgbClr val="00D4DD"/>
+          </a:solidFill>
+          <a:ln>
+            <a:solidFill>
+              <a:schemeClr val="bg1"/>
+            </a:solidFill>
+          </a:ln>
+        </p:spPr>
+        <p:style>
+          <a:lnRef idx="2">
+            <a:schemeClr val="accent1">
+              <a:shade val="50000"/>
+            </a:schemeClr>
+          </a:lnRef>
+          <a:fillRef idx="1">
+            <a:schemeClr val="accent1"/>
+          </a:fillRef>
+          <a:effectRef idx="0">
+            <a:schemeClr val="accent1"/>
+          </a:effectRef>
+          <a:fontRef idx="minor">
+            <a:schemeClr val="lt1"/>
+          </a:fontRef>
+        </p:style>
+        <p:txBody>
+          <a:bodyPr rtlCol="0" anchor="ctr"/>
+          <a:lstStyle/>
+          <a:p>
+            <a:pPr algn="ctr"/>
+            <a:r>
+              <a:rPr lang="en-US" sz="1400"/>
+              <a:t>Transport</a:t>
+            </a:r>
+          </a:p>
+        </p:txBody>
+      </p:sp>
+      <p:cxnSp>
+        <p:nvCxnSpPr>
+          <p:cNvPr id="236" name="Curved Connector 235">
+            <a:extLst>
+              <a:ext uri="{FF2B5EF4-FFF2-40B4-BE49-F238E27FC236}">
+                <a16:creationId xmlns:a16="http://schemas.microsoft.com/office/drawing/2014/main" id="{AAA43BE1-66E5-6846-B3A8-E09690C885F4}"/>
+              </a:ext>
+            </a:extLst>
+          </p:cNvPr>
+          <p:cNvCxnSpPr>
+            <a:cxnSpLocks/>
+            <a:stCxn id="5" idx="3"/>
+            <a:endCxn id="105" idx="3"/>
+          </p:cNvCxnSpPr>
+          <p:nvPr/>
+        </p:nvCxnSpPr>
+        <p:spPr>
+          <a:xfrm flipH="1" flipV="1">
+            <a:off x="5099316" y="3578738"/>
+            <a:ext cx="7679" cy="872896"/>
+          </a:xfrm>
+          <a:prstGeom prst="curvedConnector3">
+            <a:avLst>
+              <a:gd name="adj1" fmla="val -2976950"/>
+            </a:avLst>
+          </a:prstGeom>
+          <a:ln w="28575">
+            <a:solidFill>
+              <a:srgbClr val="00D4DD"/>
+            </a:solidFill>
+            <a:tailEnd type="triangle"/>
+          </a:ln>
+        </p:spPr>
+        <p:style>
+          <a:lnRef idx="1">
+            <a:schemeClr val="accent1"/>
+          </a:lnRef>
+          <a:fillRef idx="0">
+            <a:schemeClr val="accent1"/>
+          </a:fillRef>
+          <a:effectRef idx="0">
+            <a:schemeClr val="accent1"/>
+          </a:effectRef>
+          <a:fontRef idx="minor">
+            <a:schemeClr val="tx1"/>
+          </a:fontRef>
+        </p:style>
+      </p:cxnSp>
+      <p:cxnSp>
+        <p:nvCxnSpPr>
+          <p:cNvPr id="241" name="Curved Connector 240">
+            <a:extLst>
+              <a:ext uri="{FF2B5EF4-FFF2-40B4-BE49-F238E27FC236}">
+                <a16:creationId xmlns:a16="http://schemas.microsoft.com/office/drawing/2014/main" id="{1B750800-12AD-D449-9D81-394DF99A346E}"/>
+              </a:ext>
+            </a:extLst>
+          </p:cNvPr>
+          <p:cNvCxnSpPr>
+            <a:cxnSpLocks/>
+            <a:stCxn id="105" idx="1"/>
+            <a:endCxn id="159" idx="1"/>
+          </p:cNvCxnSpPr>
+          <p:nvPr/>
+        </p:nvCxnSpPr>
+        <p:spPr>
+          <a:xfrm rot="10800000" flipH="1" flipV="1">
+            <a:off x="4166251" y="3578738"/>
+            <a:ext cx="3831" cy="408120"/>
+          </a:xfrm>
+          <a:prstGeom prst="curvedConnector3">
+            <a:avLst>
+              <a:gd name="adj1" fmla="val -5967110"/>
+            </a:avLst>
+          </a:prstGeom>
+          <a:ln w="28575">
+            <a:solidFill>
+              <a:srgbClr val="00D4DD"/>
+            </a:solidFill>
+            <a:tailEnd type="triangle"/>
+          </a:ln>
+        </p:spPr>
+        <p:style>
+          <a:lnRef idx="1">
+            <a:schemeClr val="accent1"/>
+          </a:lnRef>
+          <a:fillRef idx="0">
+            <a:schemeClr val="accent1"/>
+          </a:fillRef>
+          <a:effectRef idx="0">
+            <a:schemeClr val="accent1"/>
+          </a:effectRef>
+          <a:fontRef idx="minor">
+            <a:schemeClr val="tx1"/>
+          </a:fontRef>
+        </p:style>
+      </p:cxnSp>
+      <p:sp>
+        <p:nvSpPr>
+          <p:cNvPr id="245" name="TextBox 244">
+            <a:extLst>
+              <a:ext uri="{FF2B5EF4-FFF2-40B4-BE49-F238E27FC236}">
+                <a16:creationId xmlns:a16="http://schemas.microsoft.com/office/drawing/2014/main" id="{855EF923-FF9B-6E4C-B4E9-464CF7532D54}"/>
+              </a:ext>
+            </a:extLst>
+          </p:cNvPr>
+          <p:cNvSpPr txBox="1"/>
+          <p:nvPr/>
+        </p:nvSpPr>
+        <p:spPr>
+          <a:xfrm>
+            <a:off x="3415979" y="3691796"/>
+            <a:ext cx="822017" cy="276999"/>
+          </a:xfrm>
+          <a:prstGeom prst="rect">
+            <a:avLst/>
+          </a:prstGeom>
+          <a:noFill/>
+        </p:spPr>
+        <p:txBody>
+          <a:bodyPr wrap="square" rtlCol="0">
+            <a:spAutoFit/>
+          </a:bodyPr>
+          <a:lstStyle/>
+          <a:p>
+            <a:r>
+              <a:rPr lang="en-US" altLang="zh-CN" sz="1200"/>
+              <a:t>2.</a:t>
+            </a:r>
+            <a:r>
+              <a:rPr lang="zh-CN" altLang="en-US" sz="1200"/>
+              <a:t> </a:t>
+            </a:r>
+            <a:r>
+              <a:rPr lang="en-US" altLang="zh-CN" sz="1200"/>
+              <a:t>g</a:t>
+            </a:r>
+            <a:r>
+              <a:rPr lang="en-US" sz="1200"/>
+              <a:t>et</a:t>
+            </a:r>
+          </a:p>
+        </p:txBody>
+      </p:sp>
+      <p:sp>
+        <p:nvSpPr>
+          <p:cNvPr id="258" name="Rectangle 257">
+            <a:extLst>
+              <a:ext uri="{FF2B5EF4-FFF2-40B4-BE49-F238E27FC236}">
+                <a16:creationId xmlns:a16="http://schemas.microsoft.com/office/drawing/2014/main" id="{9C57D468-1240-C64E-843D-73AF362AE359}"/>
+              </a:ext>
+            </a:extLst>
+          </p:cNvPr>
+          <p:cNvSpPr/>
+          <p:nvPr/>
+        </p:nvSpPr>
+        <p:spPr>
+          <a:xfrm>
+            <a:off x="5117386" y="2960527"/>
+            <a:ext cx="642913" cy="412532"/>
+          </a:xfrm>
+          <a:prstGeom prst="rect">
+            <a:avLst/>
+          </a:prstGeom>
+          <a:solidFill>
+            <a:srgbClr val="00D4DD"/>
+          </a:solidFill>
+          <a:ln>
+            <a:solidFill>
+              <a:srgbClr val="00D4DD"/>
+            </a:solidFill>
+          </a:ln>
+        </p:spPr>
+        <p:style>
+          <a:lnRef idx="2">
+            <a:schemeClr val="accent1">
+              <a:shade val="50000"/>
+            </a:schemeClr>
+          </a:lnRef>
+          <a:fillRef idx="1">
+            <a:schemeClr val="accent1"/>
+          </a:fillRef>
+          <a:effectRef idx="0">
+            <a:schemeClr val="accent1"/>
+          </a:effectRef>
+          <a:fontRef idx="minor">
+            <a:schemeClr val="lt1"/>
+          </a:fontRef>
+        </p:style>
+        <p:txBody>
+          <a:bodyPr rtlCol="0" anchor="ctr"/>
+          <a:lstStyle/>
+          <a:p>
+            <a:pPr algn="ctr"/>
+            <a:r>
+              <a:rPr lang="en-US" sz="1400"/>
+              <a:t>Codec</a:t>
+            </a:r>
+            <a:endParaRPr lang="en-US"/>
+          </a:p>
+        </p:txBody>
+      </p:sp>
+      <p:sp>
+        <p:nvSpPr>
+          <p:cNvPr id="259" name="Rectangle 258">
+            <a:extLst>
+              <a:ext uri="{FF2B5EF4-FFF2-40B4-BE49-F238E27FC236}">
+                <a16:creationId xmlns:a16="http://schemas.microsoft.com/office/drawing/2014/main" id="{86F60013-4C1C-C74D-BE64-162BD5AC56EF}"/>
+              </a:ext>
+            </a:extLst>
+          </p:cNvPr>
+          <p:cNvSpPr/>
+          <p:nvPr/>
+        </p:nvSpPr>
+        <p:spPr>
+          <a:xfrm>
+            <a:off x="8075597" y="2960528"/>
+            <a:ext cx="642913" cy="817348"/>
+          </a:xfrm>
+          <a:prstGeom prst="rect">
+            <a:avLst/>
+          </a:prstGeom>
+          <a:solidFill>
+            <a:srgbClr val="00D4DD"/>
+          </a:solidFill>
+          <a:ln>
+            <a:solidFill>
+              <a:srgbClr val="00D4DD"/>
+            </a:solidFill>
+          </a:ln>
+        </p:spPr>
+        <p:style>
+          <a:lnRef idx="2">
+            <a:schemeClr val="accent1">
+              <a:shade val="50000"/>
+            </a:schemeClr>
+          </a:lnRef>
+          <a:fillRef idx="1">
+            <a:schemeClr val="accent1"/>
+          </a:fillRef>
+          <a:effectRef idx="0">
+            <a:schemeClr val="accent1"/>
+          </a:effectRef>
+          <a:fontRef idx="minor">
+            <a:schemeClr val="lt1"/>
+          </a:fontRef>
+        </p:style>
+        <p:txBody>
+          <a:bodyPr rtlCol="0" anchor="ctr"/>
+          <a:lstStyle/>
+          <a:p>
+            <a:pPr algn="ctr"/>
+            <a:r>
+              <a:rPr lang="en-US" sz="1400"/>
+              <a:t>Codec</a:t>
+            </a:r>
+            <a:endParaRPr lang="en-US"/>
+          </a:p>
+        </p:txBody>
+      </p:sp>
+      <p:cxnSp>
+        <p:nvCxnSpPr>
+          <p:cNvPr id="285" name="Curved Connector 284">
+            <a:extLst>
+              <a:ext uri="{FF2B5EF4-FFF2-40B4-BE49-F238E27FC236}">
+                <a16:creationId xmlns:a16="http://schemas.microsoft.com/office/drawing/2014/main" id="{8F42AA26-EC83-024F-BBC7-A63F3C7EBF8F}"/>
+              </a:ext>
+            </a:extLst>
+          </p:cNvPr>
+          <p:cNvCxnSpPr>
+            <a:cxnSpLocks/>
+            <a:stCxn id="258" idx="3"/>
+            <a:endCxn id="259" idx="1"/>
+          </p:cNvCxnSpPr>
+          <p:nvPr/>
+        </p:nvCxnSpPr>
+        <p:spPr>
+          <a:xfrm>
+            <a:off x="5760299" y="3166793"/>
+            <a:ext cx="2315298" cy="202409"/>
+          </a:xfrm>
+          <a:prstGeom prst="curvedConnector3">
+            <a:avLst>
+              <a:gd name="adj1" fmla="val 50000"/>
+            </a:avLst>
+          </a:prstGeom>
+          <a:ln w="28575">
+            <a:solidFill>
+              <a:srgbClr val="00D4DD"/>
+            </a:solidFill>
+            <a:tailEnd type="triangle"/>
+          </a:ln>
+        </p:spPr>
+        <p:style>
+          <a:lnRef idx="1">
+            <a:schemeClr val="accent1"/>
+          </a:lnRef>
+          <a:fillRef idx="0">
+            <a:schemeClr val="accent1"/>
+          </a:fillRef>
+          <a:effectRef idx="0">
+            <a:schemeClr val="accent1"/>
+          </a:effectRef>
+          <a:fontRef idx="minor">
+            <a:schemeClr val="tx1"/>
+          </a:fontRef>
+        </p:style>
+      </p:cxnSp>
+      <p:cxnSp>
+        <p:nvCxnSpPr>
+          <p:cNvPr id="288" name="Curved Connector 287">
+            <a:extLst>
+              <a:ext uri="{FF2B5EF4-FFF2-40B4-BE49-F238E27FC236}">
+                <a16:creationId xmlns:a16="http://schemas.microsoft.com/office/drawing/2014/main" id="{82511475-93C9-0C49-81E0-73A90FC59129}"/>
+              </a:ext>
+            </a:extLst>
+          </p:cNvPr>
+          <p:cNvCxnSpPr>
+            <a:cxnSpLocks/>
+            <a:stCxn id="259" idx="2"/>
+            <a:endCxn id="258" idx="2"/>
+          </p:cNvCxnSpPr>
+          <p:nvPr/>
+        </p:nvCxnSpPr>
+        <p:spPr>
+          <a:xfrm rot="5400000" flipH="1">
+            <a:off x="6715540" y="2096363"/>
+            <a:ext cx="404817" cy="2958211"/>
+          </a:xfrm>
+          <a:prstGeom prst="curvedConnector3">
+            <a:avLst>
+              <a:gd name="adj1" fmla="val -56470"/>
+            </a:avLst>
+          </a:prstGeom>
+          <a:ln w="28575">
+            <a:solidFill>
+              <a:srgbClr val="00D4DD"/>
+            </a:solidFill>
+            <a:tailEnd type="triangle"/>
+          </a:ln>
+        </p:spPr>
+        <p:style>
+          <a:lnRef idx="1">
+            <a:schemeClr val="accent1"/>
+          </a:lnRef>
+          <a:fillRef idx="0">
+            <a:schemeClr val="accent1"/>
+          </a:fillRef>
+          <a:effectRef idx="0">
+            <a:schemeClr val="accent1"/>
+          </a:effectRef>
+          <a:fontRef idx="minor">
+            <a:schemeClr val="tx1"/>
+          </a:fontRef>
+        </p:style>
+      </p:cxnSp>
+      <p:cxnSp>
+        <p:nvCxnSpPr>
+          <p:cNvPr id="292" name="Curved Connector 291">
+            <a:extLst>
+              <a:ext uri="{FF2B5EF4-FFF2-40B4-BE49-F238E27FC236}">
+                <a16:creationId xmlns:a16="http://schemas.microsoft.com/office/drawing/2014/main" id="{2775355E-F548-D742-BDE5-627F8CB0A410}"/>
+              </a:ext>
+            </a:extLst>
+          </p:cNvPr>
+          <p:cNvCxnSpPr>
+            <a:cxnSpLocks/>
+            <a:stCxn id="159" idx="1"/>
+            <a:endCxn id="21" idx="2"/>
+          </p:cNvCxnSpPr>
+          <p:nvPr/>
+        </p:nvCxnSpPr>
+        <p:spPr>
+          <a:xfrm rot="10800000" flipH="1" flipV="1">
+            <a:off x="4170083" y="3986857"/>
+            <a:ext cx="3367944" cy="2109573"/>
+          </a:xfrm>
+          <a:prstGeom prst="curvedConnector4">
+            <a:avLst>
+              <a:gd name="adj1" fmla="val -24065"/>
+              <a:gd name="adj2" fmla="val 110836"/>
+            </a:avLst>
+          </a:prstGeom>
+          <a:ln w="28575">
+            <a:solidFill>
+              <a:srgbClr val="00D4DD"/>
+            </a:solidFill>
+            <a:tailEnd type="triangle"/>
+          </a:ln>
+        </p:spPr>
+        <p:style>
+          <a:lnRef idx="1">
+            <a:schemeClr val="accent1"/>
+          </a:lnRef>
+          <a:fillRef idx="0">
+            <a:schemeClr val="accent1"/>
+          </a:fillRef>
+          <a:effectRef idx="0">
+            <a:schemeClr val="accent1"/>
+          </a:effectRef>
+          <a:fontRef idx="minor">
+            <a:schemeClr val="tx1"/>
+          </a:fontRef>
+        </p:style>
+      </p:cxnSp>
+      <p:sp>
+        <p:nvSpPr>
+          <p:cNvPr id="297" name="TextBox 296">
+            <a:extLst>
+              <a:ext uri="{FF2B5EF4-FFF2-40B4-BE49-F238E27FC236}">
+                <a16:creationId xmlns:a16="http://schemas.microsoft.com/office/drawing/2014/main" id="{4791A764-D178-D34C-92DE-5168A3941B8C}"/>
+              </a:ext>
+            </a:extLst>
+          </p:cNvPr>
+          <p:cNvSpPr txBox="1"/>
+          <p:nvPr/>
+        </p:nvSpPr>
+        <p:spPr>
+          <a:xfrm>
+            <a:off x="4161121" y="5867560"/>
+            <a:ext cx="718860" cy="276999"/>
+          </a:xfrm>
+          <a:prstGeom prst="rect">
+            <a:avLst/>
+          </a:prstGeom>
+          <a:noFill/>
+        </p:spPr>
+        <p:txBody>
+          <a:bodyPr wrap="square" rtlCol="0">
+            <a:spAutoFit/>
+          </a:bodyPr>
+          <a:lstStyle/>
+          <a:p>
+            <a:r>
+              <a:rPr lang="en-US" altLang="zh-CN" sz="1200"/>
+              <a:t>3.</a:t>
+            </a:r>
+            <a:r>
+              <a:rPr lang="zh-CN" altLang="en-US" sz="1200"/>
+              <a:t> </a:t>
+            </a:r>
+            <a:r>
+              <a:rPr lang="en-US" altLang="zh-CN" sz="1200"/>
+              <a:t>list</a:t>
+            </a:r>
+            <a:endParaRPr lang="en-US" sz="1200"/>
+          </a:p>
+        </p:txBody>
+      </p:sp>
+      <p:cxnSp>
+        <p:nvCxnSpPr>
+          <p:cNvPr id="305" name="Curved Connector 304">
+            <a:extLst>
+              <a:ext uri="{FF2B5EF4-FFF2-40B4-BE49-F238E27FC236}">
+                <a16:creationId xmlns:a16="http://schemas.microsoft.com/office/drawing/2014/main" id="{2ACE4425-B944-CD46-A271-10A72DAE479C}"/>
+              </a:ext>
+            </a:extLst>
+          </p:cNvPr>
+          <p:cNvCxnSpPr>
+            <a:cxnSpLocks/>
+            <a:stCxn id="311" idx="0"/>
+            <a:endCxn id="175" idx="3"/>
+          </p:cNvCxnSpPr>
+          <p:nvPr/>
+        </p:nvCxnSpPr>
+        <p:spPr>
+          <a:xfrm rot="16200000" flipV="1">
+            <a:off x="7481082" y="1618142"/>
+            <a:ext cx="999155" cy="827714"/>
+          </a:xfrm>
+          <a:prstGeom prst="curvedConnector2">
+            <a:avLst/>
+          </a:prstGeom>
+          <a:ln w="28575">
+            <a:solidFill>
+              <a:srgbClr val="00D4DD"/>
+            </a:solidFill>
+            <a:prstDash val="sysDash"/>
+            <a:tailEnd type="triangle"/>
+          </a:ln>
+        </p:spPr>
+        <p:style>
+          <a:lnRef idx="1">
+            <a:schemeClr val="accent1"/>
+          </a:lnRef>
+          <a:fillRef idx="0">
+            <a:schemeClr val="accent1"/>
+          </a:fillRef>
+          <a:effectRef idx="0">
+            <a:schemeClr val="accent1"/>
+          </a:effectRef>
+          <a:fontRef idx="minor">
+            <a:schemeClr val="tx1"/>
+          </a:fontRef>
+        </p:style>
+      </p:cxnSp>
+      <p:sp>
+        <p:nvSpPr>
+          <p:cNvPr id="308" name="Rectangle 307">
+            <a:extLst>
+              <a:ext uri="{FF2B5EF4-FFF2-40B4-BE49-F238E27FC236}">
+                <a16:creationId xmlns:a16="http://schemas.microsoft.com/office/drawing/2014/main" id="{3059BE6F-1B1D-074D-8F3B-AED44B9681F7}"/>
+              </a:ext>
+            </a:extLst>
+          </p:cNvPr>
+          <p:cNvSpPr/>
+          <p:nvPr/>
+        </p:nvSpPr>
+        <p:spPr>
+          <a:xfrm>
+            <a:off x="5117386" y="2531576"/>
+            <a:ext cx="642913" cy="380823"/>
+          </a:xfrm>
+          <a:prstGeom prst="rect">
+            <a:avLst/>
+          </a:prstGeom>
+          <a:solidFill>
+            <a:srgbClr val="00D4DD"/>
+          </a:solidFill>
+          <a:ln>
+            <a:solidFill>
+              <a:srgbClr val="00D4DD"/>
+            </a:solidFill>
+          </a:ln>
+        </p:spPr>
+        <p:style>
+          <a:lnRef idx="2">
+            <a:schemeClr val="accent1">
+              <a:shade val="50000"/>
+            </a:schemeClr>
+          </a:lnRef>
+          <a:fillRef idx="1">
+            <a:schemeClr val="accent1"/>
+          </a:fillRef>
+          <a:effectRef idx="0">
+            <a:schemeClr val="accent1"/>
+          </a:effectRef>
+          <a:fontRef idx="minor">
+            <a:schemeClr val="lt1"/>
+          </a:fontRef>
+        </p:style>
+        <p:txBody>
+          <a:bodyPr rtlCol="0" anchor="ctr"/>
+          <a:lstStyle/>
+          <a:p>
+            <a:pPr algn="ctr"/>
+            <a:r>
+              <a:rPr lang="en-US" sz="1400"/>
+              <a:t>Codec</a:t>
+            </a:r>
+            <a:endParaRPr lang="en-US"/>
+          </a:p>
+        </p:txBody>
+      </p:sp>
+      <p:sp>
+        <p:nvSpPr>
+          <p:cNvPr id="311" name="Rectangle 310">
+            <a:extLst>
+              <a:ext uri="{FF2B5EF4-FFF2-40B4-BE49-F238E27FC236}">
+                <a16:creationId xmlns:a16="http://schemas.microsoft.com/office/drawing/2014/main" id="{3FEEB24A-5674-C249-9D22-D5797FD98577}"/>
+              </a:ext>
+            </a:extLst>
+          </p:cNvPr>
+          <p:cNvSpPr/>
+          <p:nvPr/>
+        </p:nvSpPr>
+        <p:spPr>
+          <a:xfrm>
+            <a:off x="8073059" y="2531576"/>
+            <a:ext cx="642913" cy="376903"/>
+          </a:xfrm>
+          <a:prstGeom prst="rect">
+            <a:avLst/>
+          </a:prstGeom>
+          <a:solidFill>
+            <a:srgbClr val="00D4DD"/>
+          </a:solidFill>
+          <a:ln>
+            <a:solidFill>
+              <a:srgbClr val="00D4DD"/>
+            </a:solidFill>
+          </a:ln>
+        </p:spPr>
+        <p:style>
+          <a:lnRef idx="2">
+            <a:schemeClr val="accent1">
+              <a:shade val="50000"/>
+            </a:schemeClr>
+          </a:lnRef>
+          <a:fillRef idx="1">
+            <a:schemeClr val="accent1"/>
+          </a:fillRef>
+          <a:effectRef idx="0">
+            <a:schemeClr val="accent1"/>
+          </a:effectRef>
+          <a:fontRef idx="minor">
+            <a:schemeClr val="lt1"/>
+          </a:fontRef>
+        </p:style>
+        <p:txBody>
+          <a:bodyPr rtlCol="0" anchor="ctr"/>
+          <a:lstStyle/>
+          <a:p>
+            <a:pPr algn="ctr"/>
+            <a:r>
+              <a:rPr lang="en-US" sz="1400"/>
+              <a:t>Codec</a:t>
+            </a:r>
+            <a:endParaRPr lang="en-US"/>
+          </a:p>
+        </p:txBody>
+      </p:sp>
+    </p:spTree>
+    <p:extLst>
+      <p:ext uri="{BB962C8B-B14F-4D97-AF65-F5344CB8AC3E}">
+        <p14:creationId xmlns:p14="http://schemas.microsoft.com/office/powerpoint/2010/main" val="2935321878"/>
       </p:ext>
     </p:extLst>
   </p:cSld>
